--- a/JsTraining-presentation/JS Training.pptx
+++ b/JsTraining-presentation/JS Training.pptx
@@ -4,21 +4,26 @@
   <p:sldMasterIdLst>
     <p:sldMasterId id="2147483648" r:id="rId1"/>
   </p:sldMasterIdLst>
+  <p:notesMasterIdLst>
+    <p:notesMasterId r:id="rId18"/>
+  </p:notesMasterIdLst>
   <p:sldIdLst>
     <p:sldId id="256" r:id="rId2"/>
-    <p:sldId id="262" r:id="rId3"/>
-    <p:sldId id="259" r:id="rId4"/>
+    <p:sldId id="259" r:id="rId3"/>
+    <p:sldId id="262" r:id="rId4"/>
     <p:sldId id="267" r:id="rId5"/>
     <p:sldId id="257" r:id="rId6"/>
-    <p:sldId id="258" r:id="rId7"/>
-    <p:sldId id="261" r:id="rId8"/>
-    <p:sldId id="269" r:id="rId9"/>
-    <p:sldId id="268" r:id="rId10"/>
-    <p:sldId id="263" r:id="rId11"/>
-    <p:sldId id="264" r:id="rId12"/>
-    <p:sldId id="265" r:id="rId13"/>
+    <p:sldId id="261" r:id="rId7"/>
+    <p:sldId id="258" r:id="rId8"/>
+    <p:sldId id="274" r:id="rId9"/>
+    <p:sldId id="273" r:id="rId10"/>
+    <p:sldId id="264" r:id="rId11"/>
+    <p:sldId id="265" r:id="rId12"/>
+    <p:sldId id="275" r:id="rId13"/>
     <p:sldId id="270" r:id="rId14"/>
     <p:sldId id="266" r:id="rId15"/>
+    <p:sldId id="271" r:id="rId16"/>
+    <p:sldId id="269" r:id="rId17"/>
   </p:sldIdLst>
   <p:sldSz cx="12192000" cy="6858000"/>
   <p:notesSz cx="6858000" cy="9144000"/>
@@ -129,6 +134,910 @@
 <p1510:revInfo xmlns:a="http://schemas.openxmlformats.org/drawingml/2006/main" xmlns:r="http://schemas.openxmlformats.org/officeDocument/2006/relationships" xmlns:p1510="http://schemas.microsoft.com/office/powerpoint/2015/10/main"/>
 </file>
 
+<file path=ppt/notesMasters/notesMaster1.xml><?xml version="1.0" encoding="utf-8"?>
+<p:notesMaster xmlns:a="http://schemas.openxmlformats.org/drawingml/2006/main" xmlns:r="http://schemas.openxmlformats.org/officeDocument/2006/relationships" xmlns:p="http://schemas.openxmlformats.org/presentationml/2006/main">
+  <p:cSld>
+    <p:bg>
+      <p:bgRef idx="1001">
+        <a:schemeClr val="bg1"/>
+      </p:bgRef>
+    </p:bg>
+    <p:spTree>
+      <p:nvGrpSpPr>
+        <p:cNvPr id="1" name=""/>
+        <p:cNvGrpSpPr/>
+        <p:nvPr/>
+      </p:nvGrpSpPr>
+      <p:grpSpPr>
+        <a:xfrm>
+          <a:off x="0" y="0"/>
+          <a:ext cx="0" cy="0"/>
+          <a:chOff x="0" y="0"/>
+          <a:chExt cx="0" cy="0"/>
+        </a:xfrm>
+      </p:grpSpPr>
+      <p:sp>
+        <p:nvSpPr>
+          <p:cNvPr id="2" name="Symbol zastępczy nagłówka 1"/>
+          <p:cNvSpPr>
+            <a:spLocks noGrp="1"/>
+          </p:cNvSpPr>
+          <p:nvPr>
+            <p:ph type="hdr" sz="quarter"/>
+          </p:nvPr>
+        </p:nvSpPr>
+        <p:spPr>
+          <a:xfrm>
+            <a:off x="0" y="0"/>
+            <a:ext cx="2971800" cy="458788"/>
+          </a:xfrm>
+          <a:prstGeom prst="rect">
+            <a:avLst/>
+          </a:prstGeom>
+        </p:spPr>
+        <p:txBody>
+          <a:bodyPr vert="horz" lIns="91440" tIns="45720" rIns="91440" bIns="45720" rtlCol="0"/>
+          <a:lstStyle>
+            <a:lvl1pPr algn="l">
+              <a:defRPr sz="1200"/>
+            </a:lvl1pPr>
+          </a:lstStyle>
+          <a:p>
+            <a:endParaRPr lang="pl-PL"/>
+          </a:p>
+        </p:txBody>
+      </p:sp>
+      <p:sp>
+        <p:nvSpPr>
+          <p:cNvPr id="3" name="Symbol zastępczy daty 2"/>
+          <p:cNvSpPr>
+            <a:spLocks noGrp="1"/>
+          </p:cNvSpPr>
+          <p:nvPr>
+            <p:ph type="dt" idx="1"/>
+          </p:nvPr>
+        </p:nvSpPr>
+        <p:spPr>
+          <a:xfrm>
+            <a:off x="3884613" y="0"/>
+            <a:ext cx="2971800" cy="458788"/>
+          </a:xfrm>
+          <a:prstGeom prst="rect">
+            <a:avLst/>
+          </a:prstGeom>
+        </p:spPr>
+        <p:txBody>
+          <a:bodyPr vert="horz" lIns="91440" tIns="45720" rIns="91440" bIns="45720" rtlCol="0"/>
+          <a:lstStyle>
+            <a:lvl1pPr algn="r">
+              <a:defRPr sz="1200"/>
+            </a:lvl1pPr>
+          </a:lstStyle>
+          <a:p>
+            <a:fld id="{09602215-4A9B-41A2-BE1E-32070F33B33D}" type="datetimeFigureOut">
+              <a:rPr lang="pl-PL" smtClean="0"/>
+              <a:t>18.01.2018</a:t>
+            </a:fld>
+            <a:endParaRPr lang="pl-PL"/>
+          </a:p>
+        </p:txBody>
+      </p:sp>
+      <p:sp>
+        <p:nvSpPr>
+          <p:cNvPr id="4" name="Symbol zastępczy obrazu slajdu 3"/>
+          <p:cNvSpPr>
+            <a:spLocks noGrp="1" noRot="1" noChangeAspect="1"/>
+          </p:cNvSpPr>
+          <p:nvPr>
+            <p:ph type="sldImg" idx="2"/>
+          </p:nvPr>
+        </p:nvSpPr>
+        <p:spPr>
+          <a:xfrm>
+            <a:off x="685800" y="1143000"/>
+            <a:ext cx="5486400" cy="3086100"/>
+          </a:xfrm>
+          <a:prstGeom prst="rect">
+            <a:avLst/>
+          </a:prstGeom>
+          <a:noFill/>
+          <a:ln w="12700">
+            <a:solidFill>
+              <a:prstClr val="black"/>
+            </a:solidFill>
+          </a:ln>
+        </p:spPr>
+        <p:txBody>
+          <a:bodyPr vert="horz" lIns="91440" tIns="45720" rIns="91440" bIns="45720" rtlCol="0" anchor="ctr"/>
+          <a:lstStyle/>
+          <a:p>
+            <a:endParaRPr lang="pl-PL"/>
+          </a:p>
+        </p:txBody>
+      </p:sp>
+      <p:sp>
+        <p:nvSpPr>
+          <p:cNvPr id="5" name="Symbol zastępczy notatek 4"/>
+          <p:cNvSpPr>
+            <a:spLocks noGrp="1"/>
+          </p:cNvSpPr>
+          <p:nvPr>
+            <p:ph type="body" sz="quarter" idx="3"/>
+          </p:nvPr>
+        </p:nvSpPr>
+        <p:spPr>
+          <a:xfrm>
+            <a:off x="685800" y="4400550"/>
+            <a:ext cx="5486400" cy="3600450"/>
+          </a:xfrm>
+          <a:prstGeom prst="rect">
+            <a:avLst/>
+          </a:prstGeom>
+        </p:spPr>
+        <p:txBody>
+          <a:bodyPr vert="horz" lIns="91440" tIns="45720" rIns="91440" bIns="45720" rtlCol="0"/>
+          <a:lstStyle/>
+          <a:p>
+            <a:pPr lvl="0"/>
+            <a:r>
+              <a:rPr lang="pl-PL"/>
+              <a:t>Edytuj style wzorca tekstu</a:t>
+            </a:r>
+          </a:p>
+          <a:p>
+            <a:pPr lvl="1"/>
+            <a:r>
+              <a:rPr lang="pl-PL"/>
+              <a:t>Drugi poziom</a:t>
+            </a:r>
+          </a:p>
+          <a:p>
+            <a:pPr lvl="2"/>
+            <a:r>
+              <a:rPr lang="pl-PL"/>
+              <a:t>Trzeci poziom</a:t>
+            </a:r>
+          </a:p>
+          <a:p>
+            <a:pPr lvl="3"/>
+            <a:r>
+              <a:rPr lang="pl-PL"/>
+              <a:t>Czwarty poziom</a:t>
+            </a:r>
+          </a:p>
+          <a:p>
+            <a:pPr lvl="4"/>
+            <a:r>
+              <a:rPr lang="pl-PL"/>
+              <a:t>Piąty poziom</a:t>
+            </a:r>
+          </a:p>
+        </p:txBody>
+      </p:sp>
+      <p:sp>
+        <p:nvSpPr>
+          <p:cNvPr id="6" name="Symbol zastępczy stopki 5"/>
+          <p:cNvSpPr>
+            <a:spLocks noGrp="1"/>
+          </p:cNvSpPr>
+          <p:nvPr>
+            <p:ph type="ftr" sz="quarter" idx="4"/>
+          </p:nvPr>
+        </p:nvSpPr>
+        <p:spPr>
+          <a:xfrm>
+            <a:off x="0" y="8685213"/>
+            <a:ext cx="2971800" cy="458787"/>
+          </a:xfrm>
+          <a:prstGeom prst="rect">
+            <a:avLst/>
+          </a:prstGeom>
+        </p:spPr>
+        <p:txBody>
+          <a:bodyPr vert="horz" lIns="91440" tIns="45720" rIns="91440" bIns="45720" rtlCol="0" anchor="b"/>
+          <a:lstStyle>
+            <a:lvl1pPr algn="l">
+              <a:defRPr sz="1200"/>
+            </a:lvl1pPr>
+          </a:lstStyle>
+          <a:p>
+            <a:endParaRPr lang="pl-PL"/>
+          </a:p>
+        </p:txBody>
+      </p:sp>
+      <p:sp>
+        <p:nvSpPr>
+          <p:cNvPr id="7" name="Symbol zastępczy numeru slajdu 6"/>
+          <p:cNvSpPr>
+            <a:spLocks noGrp="1"/>
+          </p:cNvSpPr>
+          <p:nvPr>
+            <p:ph type="sldNum" sz="quarter" idx="5"/>
+          </p:nvPr>
+        </p:nvSpPr>
+        <p:spPr>
+          <a:xfrm>
+            <a:off x="3884613" y="8685213"/>
+            <a:ext cx="2971800" cy="458787"/>
+          </a:xfrm>
+          <a:prstGeom prst="rect">
+            <a:avLst/>
+          </a:prstGeom>
+        </p:spPr>
+        <p:txBody>
+          <a:bodyPr vert="horz" lIns="91440" tIns="45720" rIns="91440" bIns="45720" rtlCol="0" anchor="b"/>
+          <a:lstStyle>
+            <a:lvl1pPr algn="r">
+              <a:defRPr sz="1200"/>
+            </a:lvl1pPr>
+          </a:lstStyle>
+          <a:p>
+            <a:fld id="{4E272AE2-02A2-4B8F-AAEA-7ADC3F971F81}" type="slidenum">
+              <a:rPr lang="pl-PL" smtClean="0"/>
+              <a:t>‹#›</a:t>
+            </a:fld>
+            <a:endParaRPr lang="pl-PL"/>
+          </a:p>
+        </p:txBody>
+      </p:sp>
+    </p:spTree>
+    <p:extLst>
+      <p:ext uri="{BB962C8B-B14F-4D97-AF65-F5344CB8AC3E}">
+        <p14:creationId xmlns:p14="http://schemas.microsoft.com/office/powerpoint/2010/main" val="1976574266"/>
+      </p:ext>
+    </p:extLst>
+  </p:cSld>
+  <p:clrMap bg1="lt1" tx1="dk1" bg2="lt2" tx2="dk2" accent1="accent1" accent2="accent2" accent3="accent3" accent4="accent4" accent5="accent5" accent6="accent6" hlink="hlink" folHlink="folHlink"/>
+  <p:notesStyle>
+    <a:lvl1pPr marL="0" algn="l" defTabSz="914400" rtl="0" eaLnBrk="1" latinLnBrk="0" hangingPunct="1">
+      <a:defRPr sz="1200" kern="1200">
+        <a:solidFill>
+          <a:schemeClr val="tx1"/>
+        </a:solidFill>
+        <a:latin typeface="+mn-lt"/>
+        <a:ea typeface="+mn-ea"/>
+        <a:cs typeface="+mn-cs"/>
+      </a:defRPr>
+    </a:lvl1pPr>
+    <a:lvl2pPr marL="457200" algn="l" defTabSz="914400" rtl="0" eaLnBrk="1" latinLnBrk="0" hangingPunct="1">
+      <a:defRPr sz="1200" kern="1200">
+        <a:solidFill>
+          <a:schemeClr val="tx1"/>
+        </a:solidFill>
+        <a:latin typeface="+mn-lt"/>
+        <a:ea typeface="+mn-ea"/>
+        <a:cs typeface="+mn-cs"/>
+      </a:defRPr>
+    </a:lvl2pPr>
+    <a:lvl3pPr marL="914400" algn="l" defTabSz="914400" rtl="0" eaLnBrk="1" latinLnBrk="0" hangingPunct="1">
+      <a:defRPr sz="1200" kern="1200">
+        <a:solidFill>
+          <a:schemeClr val="tx1"/>
+        </a:solidFill>
+        <a:latin typeface="+mn-lt"/>
+        <a:ea typeface="+mn-ea"/>
+        <a:cs typeface="+mn-cs"/>
+      </a:defRPr>
+    </a:lvl3pPr>
+    <a:lvl4pPr marL="1371600" algn="l" defTabSz="914400" rtl="0" eaLnBrk="1" latinLnBrk="0" hangingPunct="1">
+      <a:defRPr sz="1200" kern="1200">
+        <a:solidFill>
+          <a:schemeClr val="tx1"/>
+        </a:solidFill>
+        <a:latin typeface="+mn-lt"/>
+        <a:ea typeface="+mn-ea"/>
+        <a:cs typeface="+mn-cs"/>
+      </a:defRPr>
+    </a:lvl4pPr>
+    <a:lvl5pPr marL="1828800" algn="l" defTabSz="914400" rtl="0" eaLnBrk="1" latinLnBrk="0" hangingPunct="1">
+      <a:defRPr sz="1200" kern="1200">
+        <a:solidFill>
+          <a:schemeClr val="tx1"/>
+        </a:solidFill>
+        <a:latin typeface="+mn-lt"/>
+        <a:ea typeface="+mn-ea"/>
+        <a:cs typeface="+mn-cs"/>
+      </a:defRPr>
+    </a:lvl5pPr>
+    <a:lvl6pPr marL="2286000" algn="l" defTabSz="914400" rtl="0" eaLnBrk="1" latinLnBrk="0" hangingPunct="1">
+      <a:defRPr sz="1200" kern="1200">
+        <a:solidFill>
+          <a:schemeClr val="tx1"/>
+        </a:solidFill>
+        <a:latin typeface="+mn-lt"/>
+        <a:ea typeface="+mn-ea"/>
+        <a:cs typeface="+mn-cs"/>
+      </a:defRPr>
+    </a:lvl6pPr>
+    <a:lvl7pPr marL="2743200" algn="l" defTabSz="914400" rtl="0" eaLnBrk="1" latinLnBrk="0" hangingPunct="1">
+      <a:defRPr sz="1200" kern="1200">
+        <a:solidFill>
+          <a:schemeClr val="tx1"/>
+        </a:solidFill>
+        <a:latin typeface="+mn-lt"/>
+        <a:ea typeface="+mn-ea"/>
+        <a:cs typeface="+mn-cs"/>
+      </a:defRPr>
+    </a:lvl7pPr>
+    <a:lvl8pPr marL="3200400" algn="l" defTabSz="914400" rtl="0" eaLnBrk="1" latinLnBrk="0" hangingPunct="1">
+      <a:defRPr sz="1200" kern="1200">
+        <a:solidFill>
+          <a:schemeClr val="tx1"/>
+        </a:solidFill>
+        <a:latin typeface="+mn-lt"/>
+        <a:ea typeface="+mn-ea"/>
+        <a:cs typeface="+mn-cs"/>
+      </a:defRPr>
+    </a:lvl8pPr>
+    <a:lvl9pPr marL="3657600" algn="l" defTabSz="914400" rtl="0" eaLnBrk="1" latinLnBrk="0" hangingPunct="1">
+      <a:defRPr sz="1200" kern="1200">
+        <a:solidFill>
+          <a:schemeClr val="tx1"/>
+        </a:solidFill>
+        <a:latin typeface="+mn-lt"/>
+        <a:ea typeface="+mn-ea"/>
+        <a:cs typeface="+mn-cs"/>
+      </a:defRPr>
+    </a:lvl9pPr>
+  </p:notesStyle>
+</p:notesMaster>
+</file>
+
+<file path=ppt/notesSlides/notesSlide1.xml><?xml version="1.0" encoding="utf-8"?>
+<p:notes xmlns:a="http://schemas.openxmlformats.org/drawingml/2006/main" xmlns:r="http://schemas.openxmlformats.org/officeDocument/2006/relationships" xmlns:p="http://schemas.openxmlformats.org/presentationml/2006/main">
+  <p:cSld>
+    <p:spTree>
+      <p:nvGrpSpPr>
+        <p:cNvPr id="1" name=""/>
+        <p:cNvGrpSpPr/>
+        <p:nvPr/>
+      </p:nvGrpSpPr>
+      <p:grpSpPr>
+        <a:xfrm>
+          <a:off x="0" y="0"/>
+          <a:ext cx="0" cy="0"/>
+          <a:chOff x="0" y="0"/>
+          <a:chExt cx="0" cy="0"/>
+        </a:xfrm>
+      </p:grpSpPr>
+      <p:sp>
+        <p:nvSpPr>
+          <p:cNvPr id="2" name="Symbol zastępczy obrazu slajdu 1"/>
+          <p:cNvSpPr>
+            <a:spLocks noGrp="1" noRot="1" noChangeAspect="1"/>
+          </p:cNvSpPr>
+          <p:nvPr>
+            <p:ph type="sldImg"/>
+          </p:nvPr>
+        </p:nvSpPr>
+        <p:spPr/>
+      </p:sp>
+      <p:sp>
+        <p:nvSpPr>
+          <p:cNvPr id="3" name="Symbol zastępczy notatek 2"/>
+          <p:cNvSpPr>
+            <a:spLocks noGrp="1"/>
+          </p:cNvSpPr>
+          <p:nvPr>
+            <p:ph type="body" idx="1"/>
+          </p:nvPr>
+        </p:nvSpPr>
+        <p:spPr/>
+        <p:txBody>
+          <a:bodyPr/>
+          <a:lstStyle/>
+          <a:p>
+            <a:pPr marL="0" indent="0">
+              <a:buNone/>
+            </a:pPr>
+            <a:r>
+              <a:rPr lang="en-GB" dirty="0"/>
+              <a:t>Variable declared in global scopes are </a:t>
+            </a:r>
+            <a:r>
+              <a:rPr lang="en-GB" dirty="0" err="1"/>
+              <a:t>avilable</a:t>
+            </a:r>
+            <a:r>
+              <a:rPr lang="en-GB" dirty="0"/>
+              <a:t> </a:t>
+            </a:r>
+          </a:p>
+          <a:p>
+            <a:pPr marL="0" indent="0">
+              <a:buNone/>
+            </a:pPr>
+            <a:r>
+              <a:rPr lang="en-GB" dirty="0"/>
+              <a:t>JS Syntax is similar to C syntax languages (Java, C#). Syntax is the same for statements i.e.: while, </a:t>
+            </a:r>
+            <a:r>
+              <a:rPr lang="en-GB" dirty="0">
+                <a:solidFill>
+                  <a:srgbClr val="00B0F0"/>
+                </a:solidFill>
+              </a:rPr>
+              <a:t>for</a:t>
+            </a:r>
+            <a:r>
+              <a:rPr lang="en-GB" dirty="0"/>
+              <a:t>, </a:t>
+            </a:r>
+            <a:r>
+              <a:rPr lang="en-GB" dirty="0">
+                <a:solidFill>
+                  <a:srgbClr val="00B0F0"/>
+                </a:solidFill>
+              </a:rPr>
+              <a:t>if</a:t>
+            </a:r>
+            <a:r>
+              <a:rPr lang="en-GB" dirty="0"/>
+              <a:t> and </a:t>
+            </a:r>
+            <a:r>
+              <a:rPr lang="en-GB" dirty="0">
+                <a:solidFill>
+                  <a:srgbClr val="00B0F0"/>
+                </a:solidFill>
+              </a:rPr>
+              <a:t>function</a:t>
+            </a:r>
+            <a:r>
+              <a:rPr lang="en-GB" dirty="0"/>
+              <a:t>. </a:t>
+            </a:r>
+          </a:p>
+          <a:p>
+            <a:pPr marL="0" indent="0">
+              <a:buNone/>
+            </a:pPr>
+            <a:endParaRPr lang="en-GB" b="1" dirty="0"/>
+          </a:p>
+          <a:p>
+            <a:pPr marL="0" indent="0">
+              <a:buNone/>
+            </a:pPr>
+            <a:r>
+              <a:rPr lang="en-GB" b="1" dirty="0"/>
+              <a:t>lock statements </a:t>
+            </a:r>
+            <a:r>
+              <a:rPr lang="en-GB" u="sng" dirty="0"/>
+              <a:t>apart from “function” </a:t>
+            </a:r>
+            <a:r>
+              <a:rPr lang="en-GB" dirty="0"/>
+              <a:t>have different behaviour to the modern languages. They </a:t>
+            </a:r>
+            <a:r>
+              <a:rPr lang="en-GB" b="1" dirty="0">
+                <a:solidFill>
+                  <a:srgbClr val="FF0000"/>
+                </a:solidFill>
+              </a:rPr>
+              <a:t>do</a:t>
+            </a:r>
+            <a:r>
+              <a:rPr lang="en-GB" dirty="0">
+                <a:solidFill>
+                  <a:srgbClr val="FF0000"/>
+                </a:solidFill>
+              </a:rPr>
+              <a:t> </a:t>
+            </a:r>
+            <a:r>
+              <a:rPr lang="en-GB" b="1" dirty="0">
+                <a:solidFill>
+                  <a:srgbClr val="FF0000"/>
+                </a:solidFill>
+              </a:rPr>
+              <a:t>NOT create local scopes </a:t>
+            </a:r>
+            <a:r>
+              <a:rPr lang="en-GB" dirty="0"/>
+              <a:t>with </a:t>
+            </a:r>
+            <a:r>
+              <a:rPr lang="en-GB" dirty="0" err="1">
+                <a:solidFill>
+                  <a:srgbClr val="00B0F0"/>
+                </a:solidFill>
+              </a:rPr>
+              <a:t>var</a:t>
+            </a:r>
+            <a:r>
+              <a:rPr lang="en-GB" dirty="0"/>
+              <a:t> statement. </a:t>
+            </a:r>
+          </a:p>
+          <a:p>
+            <a:pPr marL="0" indent="0">
+              <a:buNone/>
+            </a:pPr>
+            <a:endParaRPr lang="en-GB" dirty="0"/>
+          </a:p>
+          <a:p>
+            <a:pPr marL="0" indent="0">
+              <a:buNone/>
+            </a:pPr>
+            <a:endParaRPr lang="en-GB" dirty="0"/>
+          </a:p>
+        </p:txBody>
+      </p:sp>
+      <p:sp>
+        <p:nvSpPr>
+          <p:cNvPr id="4" name="Symbol zastępczy numeru slajdu 3"/>
+          <p:cNvSpPr>
+            <a:spLocks noGrp="1"/>
+          </p:cNvSpPr>
+          <p:nvPr>
+            <p:ph type="sldNum" sz="quarter" idx="10"/>
+          </p:nvPr>
+        </p:nvSpPr>
+        <p:spPr/>
+        <p:txBody>
+          <a:bodyPr/>
+          <a:lstStyle/>
+          <a:p>
+            <a:fld id="{4E272AE2-02A2-4B8F-AAEA-7ADC3F971F81}" type="slidenum">
+              <a:rPr lang="pl-PL" smtClean="0"/>
+              <a:t>5</a:t>
+            </a:fld>
+            <a:endParaRPr lang="pl-PL"/>
+          </a:p>
+        </p:txBody>
+      </p:sp>
+    </p:spTree>
+    <p:extLst>
+      <p:ext uri="{BB962C8B-B14F-4D97-AF65-F5344CB8AC3E}">
+        <p14:creationId xmlns:p14="http://schemas.microsoft.com/office/powerpoint/2010/main" val="1817200120"/>
+      </p:ext>
+    </p:extLst>
+  </p:cSld>
+  <p:clrMapOvr>
+    <a:masterClrMapping/>
+  </p:clrMapOvr>
+</p:notes>
+</file>
+
+<file path=ppt/notesSlides/notesSlide2.xml><?xml version="1.0" encoding="utf-8"?>
+<p:notes xmlns:a="http://schemas.openxmlformats.org/drawingml/2006/main" xmlns:r="http://schemas.openxmlformats.org/officeDocument/2006/relationships" xmlns:p="http://schemas.openxmlformats.org/presentationml/2006/main">
+  <p:cSld>
+    <p:spTree>
+      <p:nvGrpSpPr>
+        <p:cNvPr id="1" name=""/>
+        <p:cNvGrpSpPr/>
+        <p:nvPr/>
+      </p:nvGrpSpPr>
+      <p:grpSpPr>
+        <a:xfrm>
+          <a:off x="0" y="0"/>
+          <a:ext cx="0" cy="0"/>
+          <a:chOff x="0" y="0"/>
+          <a:chExt cx="0" cy="0"/>
+        </a:xfrm>
+      </p:grpSpPr>
+      <p:sp>
+        <p:nvSpPr>
+          <p:cNvPr id="2" name="Symbol zastępczy obrazu slajdu 1"/>
+          <p:cNvSpPr>
+            <a:spLocks noGrp="1" noRot="1" noChangeAspect="1"/>
+          </p:cNvSpPr>
+          <p:nvPr>
+            <p:ph type="sldImg"/>
+          </p:nvPr>
+        </p:nvSpPr>
+        <p:spPr/>
+      </p:sp>
+      <p:sp>
+        <p:nvSpPr>
+          <p:cNvPr id="3" name="Symbol zastępczy notatek 2"/>
+          <p:cNvSpPr>
+            <a:spLocks noGrp="1"/>
+          </p:cNvSpPr>
+          <p:nvPr>
+            <p:ph type="body" idx="1"/>
+          </p:nvPr>
+        </p:nvSpPr>
+        <p:spPr/>
+        <p:txBody>
+          <a:bodyPr/>
+          <a:lstStyle/>
+          <a:p>
+            <a:r>
+              <a:rPr lang="en-GB" dirty="0"/>
+              <a:t>In this case the </a:t>
+            </a:r>
+            <a:r>
+              <a:rPr lang="en-GB" b="1" dirty="0"/>
+              <a:t>global </a:t>
+            </a:r>
+            <a:r>
+              <a:rPr lang="en-GB" dirty="0"/>
+              <a:t>variable temp overrides inside function</a:t>
+            </a:r>
+            <a:endParaRPr lang="pl-PL" dirty="0"/>
+          </a:p>
+        </p:txBody>
+      </p:sp>
+      <p:sp>
+        <p:nvSpPr>
+          <p:cNvPr id="4" name="Symbol zastępczy numeru slajdu 3"/>
+          <p:cNvSpPr>
+            <a:spLocks noGrp="1"/>
+          </p:cNvSpPr>
+          <p:nvPr>
+            <p:ph type="sldNum" sz="quarter" idx="10"/>
+          </p:nvPr>
+        </p:nvSpPr>
+        <p:spPr/>
+        <p:txBody>
+          <a:bodyPr/>
+          <a:lstStyle/>
+          <a:p>
+            <a:fld id="{4E272AE2-02A2-4B8F-AAEA-7ADC3F971F81}" type="slidenum">
+              <a:rPr lang="pl-PL" smtClean="0"/>
+              <a:t>6</a:t>
+            </a:fld>
+            <a:endParaRPr lang="pl-PL"/>
+          </a:p>
+        </p:txBody>
+      </p:sp>
+    </p:spTree>
+    <p:extLst>
+      <p:ext uri="{BB962C8B-B14F-4D97-AF65-F5344CB8AC3E}">
+        <p14:creationId xmlns:p14="http://schemas.microsoft.com/office/powerpoint/2010/main" val="2186188555"/>
+      </p:ext>
+    </p:extLst>
+  </p:cSld>
+  <p:clrMapOvr>
+    <a:masterClrMapping/>
+  </p:clrMapOvr>
+</p:notes>
+</file>
+
+<file path=ppt/notesSlides/notesSlide3.xml><?xml version="1.0" encoding="utf-8"?>
+<p:notes xmlns:a="http://schemas.openxmlformats.org/drawingml/2006/main" xmlns:r="http://schemas.openxmlformats.org/officeDocument/2006/relationships" xmlns:p="http://schemas.openxmlformats.org/presentationml/2006/main">
+  <p:cSld>
+    <p:spTree>
+      <p:nvGrpSpPr>
+        <p:cNvPr id="1" name=""/>
+        <p:cNvGrpSpPr/>
+        <p:nvPr/>
+      </p:nvGrpSpPr>
+      <p:grpSpPr>
+        <a:xfrm>
+          <a:off x="0" y="0"/>
+          <a:ext cx="0" cy="0"/>
+          <a:chOff x="0" y="0"/>
+          <a:chExt cx="0" cy="0"/>
+        </a:xfrm>
+      </p:grpSpPr>
+      <p:sp>
+        <p:nvSpPr>
+          <p:cNvPr id="2" name="Symbol zastępczy obrazu slajdu 1"/>
+          <p:cNvSpPr>
+            <a:spLocks noGrp="1" noRot="1" noChangeAspect="1"/>
+          </p:cNvSpPr>
+          <p:nvPr>
+            <p:ph type="sldImg"/>
+          </p:nvPr>
+        </p:nvSpPr>
+        <p:spPr/>
+      </p:sp>
+      <p:sp>
+        <p:nvSpPr>
+          <p:cNvPr id="3" name="Symbol zastępczy notatek 2"/>
+          <p:cNvSpPr>
+            <a:spLocks noGrp="1"/>
+          </p:cNvSpPr>
+          <p:nvPr>
+            <p:ph type="body" idx="1"/>
+          </p:nvPr>
+        </p:nvSpPr>
+        <p:spPr/>
+        <p:txBody>
+          <a:bodyPr/>
+          <a:lstStyle/>
+          <a:p>
+            <a:r>
+              <a:rPr lang="en-US" dirty="0"/>
+              <a:t>n </a:t>
+            </a:r>
+            <a:r>
+              <a:rPr lang="en-US" dirty="0">
+                <a:hlinkClick r:id="rId3" tooltip="Computer programming"/>
+              </a:rPr>
+              <a:t>computer programming</a:t>
+            </a:r>
+            <a:r>
+              <a:rPr lang="en-US" dirty="0"/>
+              <a:t>, the </a:t>
+            </a:r>
+            <a:r>
+              <a:rPr lang="en-US" b="1" dirty="0"/>
+              <a:t>scope</a:t>
+            </a:r>
+            <a:r>
+              <a:rPr lang="en-US" dirty="0"/>
+              <a:t> of a </a:t>
+            </a:r>
+            <a:r>
+              <a:rPr lang="en-US" dirty="0">
+                <a:hlinkClick r:id="rId4" tooltip="Name binding"/>
+              </a:rPr>
+              <a:t>name binding</a:t>
+            </a:r>
+            <a:r>
+              <a:rPr lang="en-US" dirty="0"/>
+              <a:t> – an association of a name to an entity, such as a </a:t>
+            </a:r>
+            <a:r>
+              <a:rPr lang="en-US" dirty="0">
+                <a:hlinkClick r:id="rId5" tooltip="Variable (programming)"/>
+              </a:rPr>
+              <a:t>variable</a:t>
+            </a:r>
+            <a:r>
+              <a:rPr lang="en-US" dirty="0"/>
+              <a:t> – is the region of a </a:t>
+            </a:r>
+            <a:r>
+              <a:rPr lang="en-US" dirty="0">
+                <a:hlinkClick r:id="rId6" tooltip="Computer program"/>
+              </a:rPr>
+              <a:t>computer program</a:t>
+            </a:r>
+            <a:r>
+              <a:rPr lang="en-US" dirty="0"/>
+              <a:t> where the binding is valid: where the name can be used to refer to the entity. Such a region is referred to as a </a:t>
+            </a:r>
+            <a:r>
+              <a:rPr lang="en-US" b="1" dirty="0"/>
+              <a:t>scope block</a:t>
+            </a:r>
+            <a:r>
+              <a:rPr lang="en-US" dirty="0"/>
+              <a:t>. In other parts of the program the name may refer to a different entity (it may have a different binding), or to nothing at all (it may be unbound).</a:t>
+            </a:r>
+          </a:p>
+          <a:p>
+            <a:endParaRPr lang="en-US" dirty="0"/>
+          </a:p>
+          <a:p>
+            <a:r>
+              <a:rPr lang="en-US" dirty="0"/>
+              <a:t>The scope of a binding is also known as the </a:t>
+            </a:r>
+            <a:r>
+              <a:rPr lang="en-US" b="1" dirty="0"/>
+              <a:t>visibility</a:t>
+            </a:r>
+            <a:endParaRPr lang="pl-PL" dirty="0"/>
+          </a:p>
+        </p:txBody>
+      </p:sp>
+      <p:sp>
+        <p:nvSpPr>
+          <p:cNvPr id="4" name="Symbol zastępczy numeru slajdu 3"/>
+          <p:cNvSpPr>
+            <a:spLocks noGrp="1"/>
+          </p:cNvSpPr>
+          <p:nvPr>
+            <p:ph type="sldNum" sz="quarter" idx="10"/>
+          </p:nvPr>
+        </p:nvSpPr>
+        <p:spPr/>
+        <p:txBody>
+          <a:bodyPr/>
+          <a:lstStyle/>
+          <a:p>
+            <a:fld id="{4E272AE2-02A2-4B8F-AAEA-7ADC3F971F81}" type="slidenum">
+              <a:rPr lang="pl-PL" smtClean="0"/>
+              <a:t>8</a:t>
+            </a:fld>
+            <a:endParaRPr lang="pl-PL"/>
+          </a:p>
+        </p:txBody>
+      </p:sp>
+    </p:spTree>
+    <p:extLst>
+      <p:ext uri="{BB962C8B-B14F-4D97-AF65-F5344CB8AC3E}">
+        <p14:creationId xmlns:p14="http://schemas.microsoft.com/office/powerpoint/2010/main" val="3701152159"/>
+      </p:ext>
+    </p:extLst>
+  </p:cSld>
+  <p:clrMapOvr>
+    <a:masterClrMapping/>
+  </p:clrMapOvr>
+</p:notes>
+</file>
+
+<file path=ppt/notesSlides/notesSlide4.xml><?xml version="1.0" encoding="utf-8"?>
+<p:notes xmlns:a="http://schemas.openxmlformats.org/drawingml/2006/main" xmlns:r="http://schemas.openxmlformats.org/officeDocument/2006/relationships" xmlns:p="http://schemas.openxmlformats.org/presentationml/2006/main">
+  <p:cSld>
+    <p:spTree>
+      <p:nvGrpSpPr>
+        <p:cNvPr id="1" name=""/>
+        <p:cNvGrpSpPr/>
+        <p:nvPr/>
+      </p:nvGrpSpPr>
+      <p:grpSpPr>
+        <a:xfrm>
+          <a:off x="0" y="0"/>
+          <a:ext cx="0" cy="0"/>
+          <a:chOff x="0" y="0"/>
+          <a:chExt cx="0" cy="0"/>
+        </a:xfrm>
+      </p:grpSpPr>
+      <p:sp>
+        <p:nvSpPr>
+          <p:cNvPr id="2" name="Symbol zastępczy obrazu slajdu 1"/>
+          <p:cNvSpPr>
+            <a:spLocks noGrp="1" noRot="1" noChangeAspect="1"/>
+          </p:cNvSpPr>
+          <p:nvPr>
+            <p:ph type="sldImg"/>
+          </p:nvPr>
+        </p:nvSpPr>
+        <p:spPr/>
+      </p:sp>
+      <p:sp>
+        <p:nvSpPr>
+          <p:cNvPr id="3" name="Symbol zastępczy notatek 2"/>
+          <p:cNvSpPr>
+            <a:spLocks noGrp="1"/>
+          </p:cNvSpPr>
+          <p:nvPr>
+            <p:ph type="body" idx="1"/>
+          </p:nvPr>
+        </p:nvSpPr>
+        <p:spPr/>
+        <p:txBody>
+          <a:bodyPr/>
+          <a:lstStyle/>
+          <a:p>
+            <a:endParaRPr lang="pl-PL" dirty="0"/>
+          </a:p>
+        </p:txBody>
+      </p:sp>
+      <p:sp>
+        <p:nvSpPr>
+          <p:cNvPr id="4" name="Symbol zastępczy numeru slajdu 3"/>
+          <p:cNvSpPr>
+            <a:spLocks noGrp="1"/>
+          </p:cNvSpPr>
+          <p:nvPr>
+            <p:ph type="sldNum" sz="quarter" idx="10"/>
+          </p:nvPr>
+        </p:nvSpPr>
+        <p:spPr/>
+        <p:txBody>
+          <a:bodyPr/>
+          <a:lstStyle/>
+          <a:p>
+            <a:fld id="{4E272AE2-02A2-4B8F-AAEA-7ADC3F971F81}" type="slidenum">
+              <a:rPr lang="pl-PL" smtClean="0"/>
+              <a:t>14</a:t>
+            </a:fld>
+            <a:endParaRPr lang="pl-PL"/>
+          </a:p>
+        </p:txBody>
+      </p:sp>
+    </p:spTree>
+    <p:extLst>
+      <p:ext uri="{BB962C8B-B14F-4D97-AF65-F5344CB8AC3E}">
+        <p14:creationId xmlns:p14="http://schemas.microsoft.com/office/powerpoint/2010/main" val="2625297966"/>
+      </p:ext>
+    </p:extLst>
+  </p:cSld>
+  <p:clrMapOvr>
+    <a:masterClrMapping/>
+  </p:clrMapOvr>
+</p:notes>
+</file>
+
 <file path=ppt/slideLayouts/slideLayout1.xml><?xml version="1.0" encoding="utf-8"?>
 <p:sldLayout xmlns:a="http://schemas.openxmlformats.org/drawingml/2006/main" xmlns:r="http://schemas.openxmlformats.org/officeDocument/2006/relationships" xmlns:p="http://schemas.openxmlformats.org/presentationml/2006/main" type="title" preserve="1">
   <p:cSld name="Slajd tytułowy">
@@ -276,7 +1185,7 @@
           <a:p>
             <a:fld id="{C57C09B5-6BF9-4018-AF21-4D72641C658B}" type="datetimeFigureOut">
               <a:rPr lang="pl-PL" smtClean="0"/>
-              <a:t>16.01.2018</a:t>
+              <a:t>18.01.2018</a:t>
             </a:fld>
             <a:endParaRPr lang="pl-PL"/>
           </a:p>
@@ -474,7 +1383,7 @@
           <a:p>
             <a:fld id="{C57C09B5-6BF9-4018-AF21-4D72641C658B}" type="datetimeFigureOut">
               <a:rPr lang="pl-PL" smtClean="0"/>
-              <a:t>16.01.2018</a:t>
+              <a:t>18.01.2018</a:t>
             </a:fld>
             <a:endParaRPr lang="pl-PL"/>
           </a:p>
@@ -682,7 +1591,7 @@
           <a:p>
             <a:fld id="{C57C09B5-6BF9-4018-AF21-4D72641C658B}" type="datetimeFigureOut">
               <a:rPr lang="pl-PL" smtClean="0"/>
-              <a:t>16.01.2018</a:t>
+              <a:t>18.01.2018</a:t>
             </a:fld>
             <a:endParaRPr lang="pl-PL"/>
           </a:p>
@@ -880,7 +1789,7 @@
           <a:p>
             <a:fld id="{C57C09B5-6BF9-4018-AF21-4D72641C658B}" type="datetimeFigureOut">
               <a:rPr lang="pl-PL" smtClean="0"/>
-              <a:t>16.01.2018</a:t>
+              <a:t>18.01.2018</a:t>
             </a:fld>
             <a:endParaRPr lang="pl-PL"/>
           </a:p>
@@ -1155,7 +2064,7 @@
           <a:p>
             <a:fld id="{C57C09B5-6BF9-4018-AF21-4D72641C658B}" type="datetimeFigureOut">
               <a:rPr lang="pl-PL" smtClean="0"/>
-              <a:t>16.01.2018</a:t>
+              <a:t>18.01.2018</a:t>
             </a:fld>
             <a:endParaRPr lang="pl-PL"/>
           </a:p>
@@ -1420,7 +2329,7 @@
           <a:p>
             <a:fld id="{C57C09B5-6BF9-4018-AF21-4D72641C658B}" type="datetimeFigureOut">
               <a:rPr lang="pl-PL" smtClean="0"/>
-              <a:t>16.01.2018</a:t>
+              <a:t>18.01.2018</a:t>
             </a:fld>
             <a:endParaRPr lang="pl-PL"/>
           </a:p>
@@ -1832,7 +2741,7 @@
           <a:p>
             <a:fld id="{C57C09B5-6BF9-4018-AF21-4D72641C658B}" type="datetimeFigureOut">
               <a:rPr lang="pl-PL" smtClean="0"/>
-              <a:t>16.01.2018</a:t>
+              <a:t>18.01.2018</a:t>
             </a:fld>
             <a:endParaRPr lang="pl-PL"/>
           </a:p>
@@ -1973,7 +2882,7 @@
           <a:p>
             <a:fld id="{C57C09B5-6BF9-4018-AF21-4D72641C658B}" type="datetimeFigureOut">
               <a:rPr lang="pl-PL" smtClean="0"/>
-              <a:t>16.01.2018</a:t>
+              <a:t>18.01.2018</a:t>
             </a:fld>
             <a:endParaRPr lang="pl-PL"/>
           </a:p>
@@ -2086,7 +2995,7 @@
           <a:p>
             <a:fld id="{C57C09B5-6BF9-4018-AF21-4D72641C658B}" type="datetimeFigureOut">
               <a:rPr lang="pl-PL" smtClean="0"/>
-              <a:t>16.01.2018</a:t>
+              <a:t>18.01.2018</a:t>
             </a:fld>
             <a:endParaRPr lang="pl-PL"/>
           </a:p>
@@ -2397,7 +3306,7 @@
           <a:p>
             <a:fld id="{C57C09B5-6BF9-4018-AF21-4D72641C658B}" type="datetimeFigureOut">
               <a:rPr lang="pl-PL" smtClean="0"/>
-              <a:t>16.01.2018</a:t>
+              <a:t>18.01.2018</a:t>
             </a:fld>
             <a:endParaRPr lang="pl-PL"/>
           </a:p>
@@ -2685,7 +3594,7 @@
           <a:p>
             <a:fld id="{C57C09B5-6BF9-4018-AF21-4D72641C658B}" type="datetimeFigureOut">
               <a:rPr lang="pl-PL" smtClean="0"/>
-              <a:t>16.01.2018</a:t>
+              <a:t>18.01.2018</a:t>
             </a:fld>
             <a:endParaRPr lang="pl-PL"/>
           </a:p>
@@ -2926,7 +3835,7 @@
           <a:p>
             <a:fld id="{C57C09B5-6BF9-4018-AF21-4D72641C658B}" type="datetimeFigureOut">
               <a:rPr lang="pl-PL" smtClean="0"/>
-              <a:t>16.01.2018</a:t>
+              <a:t>18.01.2018</a:t>
             </a:fld>
             <a:endParaRPr lang="pl-PL"/>
           </a:p>
@@ -3408,10 +4317,6 @@
           <a:bodyPr/>
           <a:lstStyle/>
           <a:p>
-            <a:r>
-              <a:rPr lang="en-GB" dirty="0"/>
-              <a:t>Krzysztof Danielewicz</a:t>
-            </a:r>
             <a:endParaRPr lang="pl-PL" dirty="0"/>
           </a:p>
         </p:txBody>
@@ -3451,7 +4356,7 @@
           <p:cNvPr id="2" name="Tytuł 1">
             <a:extLst>
               <a:ext uri="{FF2B5EF4-FFF2-40B4-BE49-F238E27FC236}">
-                <a16:creationId xmlns:a16="http://schemas.microsoft.com/office/drawing/2014/main" id="{3498F6BD-CB79-4DF2-B530-93A915097F89}"/>
+                <a16:creationId xmlns:a16="http://schemas.microsoft.com/office/drawing/2014/main" id="{3CE288DE-249C-4AB5-890C-2ACC32A74EC6}"/>
               </a:ext>
             </a:extLst>
           </p:cNvPr>
@@ -3469,158 +4374,51 @@
           <a:p>
             <a:r>
               <a:rPr lang="en-GB" dirty="0"/>
-              <a:t>JavaScript – operators</a:t>
+              <a:t>Hoisting</a:t>
             </a:r>
             <a:endParaRPr lang="pl-PL" dirty="0"/>
           </a:p>
         </p:txBody>
       </p:sp>
-      <p:sp>
-        <p:nvSpPr>
-          <p:cNvPr id="3" name="Symbol zastępczy zawartości 2">
-            <a:extLst>
-              <a:ext uri="{FF2B5EF4-FFF2-40B4-BE49-F238E27FC236}">
-                <a16:creationId xmlns:a16="http://schemas.microsoft.com/office/drawing/2014/main" id="{D33C3744-2045-44E7-837F-D49C8FFF31E6}"/>
-              </a:ext>
-            </a:extLst>
-          </p:cNvPr>
-          <p:cNvSpPr>
-            <a:spLocks noGrp="1"/>
-          </p:cNvSpPr>
+      <p:pic>
+        <p:nvPicPr>
+          <p:cNvPr id="9" name="Symbol zastępczy zawartości 8">
+            <a:extLst>
+              <a:ext uri="{FF2B5EF4-FFF2-40B4-BE49-F238E27FC236}">
+                <a16:creationId xmlns:a16="http://schemas.microsoft.com/office/drawing/2014/main" id="{F8240627-4E3A-4B7D-8A46-96940A5A3B61}"/>
+              </a:ext>
+            </a:extLst>
+          </p:cNvPr>
+          <p:cNvPicPr>
+            <a:picLocks noGrp="1" noChangeAspect="1"/>
+          </p:cNvPicPr>
           <p:nvPr>
             <p:ph idx="1"/>
           </p:nvPr>
-        </p:nvSpPr>
-        <p:spPr/>
-        <p:txBody>
-          <a:bodyPr>
-            <a:normAutofit fontScale="77500" lnSpcReduction="20000"/>
-          </a:bodyPr>
-          <a:lstStyle/>
-          <a:p>
-            <a:pPr marL="0" indent="0">
-              <a:buNone/>
-            </a:pPr>
-            <a:r>
-              <a:rPr lang="en-GB" dirty="0"/>
-              <a:t>JS syntax is similar to C syntax languages (Java, C#). </a:t>
-            </a:r>
-          </a:p>
-          <a:p>
-            <a:pPr marL="0" indent="0">
-              <a:buNone/>
-            </a:pPr>
-            <a:r>
-              <a:rPr lang="en-GB" dirty="0"/>
-              <a:t>The same  operators ==, !=, + different behaviour. </a:t>
-            </a:r>
-          </a:p>
-          <a:p>
-            <a:pPr marL="0" indent="0">
-              <a:buNone/>
-            </a:pPr>
-            <a:endParaRPr lang="en-GB" dirty="0"/>
-          </a:p>
-          <a:p>
-            <a:pPr marL="0" indent="0">
-              <a:buNone/>
-            </a:pPr>
-            <a:r>
-              <a:rPr lang="en-GB" dirty="0"/>
-              <a:t>Operators: ==, !=, +, - invokes conversions before comparison. </a:t>
-            </a:r>
-          </a:p>
-          <a:p>
-            <a:pPr marL="0" indent="0">
-              <a:buNone/>
-            </a:pPr>
-            <a:endParaRPr lang="en-GB" dirty="0"/>
-          </a:p>
-          <a:p>
-            <a:pPr marL="0" indent="0">
-              <a:buNone/>
-            </a:pPr>
-            <a:r>
-              <a:rPr lang="en-GB" dirty="0"/>
-              <a:t>Unexpected behaviour: </a:t>
-            </a:r>
-          </a:p>
-          <a:p>
-            <a:pPr marL="0" indent="0">
-              <a:buNone/>
-            </a:pPr>
-            <a:r>
-              <a:rPr lang="en-GB" dirty="0"/>
-              <a:t>'foo' + false // "</a:t>
-            </a:r>
-            <a:r>
-              <a:rPr lang="en-GB" dirty="0" err="1"/>
-              <a:t>foofalse</a:t>
-            </a:r>
-            <a:r>
-              <a:rPr lang="en-GB" dirty="0"/>
-              <a:t>”</a:t>
-            </a:r>
-          </a:p>
-          <a:p>
-            <a:pPr marL="0" indent="0">
-              <a:buNone/>
-            </a:pPr>
-            <a:r>
-              <a:rPr lang="en-GB" dirty="0"/>
-              <a:t>0    == false      // true</a:t>
-            </a:r>
-          </a:p>
-          <a:p>
-            <a:pPr marL="0" indent="0">
-              <a:buNone/>
-            </a:pPr>
-            <a:r>
-              <a:rPr lang="en-GB" dirty="0"/>
-              <a:t>'1'  ==  1         // true</a:t>
-            </a:r>
-          </a:p>
-          <a:p>
-            <a:pPr marL="0" indent="0">
-              <a:buNone/>
-            </a:pPr>
-            <a:endParaRPr lang="en-GB" dirty="0"/>
-          </a:p>
-          <a:p>
-            <a:pPr marL="0" indent="0">
-              <a:buNone/>
-            </a:pPr>
-            <a:endParaRPr lang="en-GB" dirty="0"/>
-          </a:p>
-          <a:p>
-            <a:pPr marL="0" indent="0">
-              <a:buNone/>
-            </a:pPr>
-            <a:r>
-              <a:rPr lang="en-GB" dirty="0"/>
-              <a:t>Use operators ===, !== which check types and do explicit </a:t>
-            </a:r>
-            <a:r>
-              <a:rPr lang="en-GB" dirty="0" err="1"/>
-              <a:t>comparision</a:t>
-            </a:r>
-            <a:r>
-              <a:rPr lang="en-GB" dirty="0"/>
-              <a:t>.</a:t>
-            </a:r>
-          </a:p>
-          <a:p>
-            <a:pPr marL="0" indent="0">
-              <a:buNone/>
-            </a:pPr>
-            <a:endParaRPr lang="pl-PL" dirty="0"/>
-          </a:p>
-        </p:txBody>
-      </p:sp>
+        </p:nvPicPr>
+        <p:blipFill>
+          <a:blip r:embed="rId2">
+            <a:extLst>
+              <a:ext uri="{28A0092B-C50C-407E-A947-70E740481C1C}">
+                <a14:useLocalDpi xmlns:a14="http://schemas.microsoft.com/office/drawing/2010/main" val="0"/>
+              </a:ext>
+            </a:extLst>
+          </a:blip>
+          <a:stretch>
+            <a:fillRect/>
+          </a:stretch>
+        </p:blipFill>
+        <p:spPr>
+          <a:xfrm>
+            <a:off x="2027583" y="1417119"/>
+            <a:ext cx="6549886" cy="4912415"/>
+          </a:xfrm>
+        </p:spPr>
+      </p:pic>
     </p:spTree>
     <p:extLst>
       <p:ext uri="{BB962C8B-B14F-4D97-AF65-F5344CB8AC3E}">
-        <p14:creationId xmlns:p14="http://schemas.microsoft.com/office/powerpoint/2010/main" val="1915353179"/>
+        <p14:creationId xmlns:p14="http://schemas.microsoft.com/office/powerpoint/2010/main" val="608451684"/>
       </p:ext>
     </p:extLst>
   </p:cSld>
@@ -3652,7 +4450,7 @@
           <p:cNvPr id="2" name="Tytuł 1">
             <a:extLst>
               <a:ext uri="{FF2B5EF4-FFF2-40B4-BE49-F238E27FC236}">
-                <a16:creationId xmlns:a16="http://schemas.microsoft.com/office/drawing/2014/main" id="{3CE288DE-249C-4AB5-890C-2ACC32A74EC6}"/>
+                <a16:creationId xmlns:a16="http://schemas.microsoft.com/office/drawing/2014/main" id="{88E4FC62-AE9F-4639-925E-E02FB36C1DE4}"/>
               </a:ext>
             </a:extLst>
           </p:cNvPr>
@@ -3676,45 +4474,86 @@
           </a:p>
         </p:txBody>
       </p:sp>
-      <p:pic>
-        <p:nvPicPr>
-          <p:cNvPr id="9" name="Symbol zastępczy zawartości 8">
-            <a:extLst>
-              <a:ext uri="{FF2B5EF4-FFF2-40B4-BE49-F238E27FC236}">
-                <a16:creationId xmlns:a16="http://schemas.microsoft.com/office/drawing/2014/main" id="{F8240627-4E3A-4B7D-8A46-96940A5A3B61}"/>
-              </a:ext>
-            </a:extLst>
-          </p:cNvPr>
-          <p:cNvPicPr>
-            <a:picLocks noGrp="1" noChangeAspect="1"/>
-          </p:cNvPicPr>
+      <p:sp>
+        <p:nvSpPr>
+          <p:cNvPr id="3" name="Symbol zastępczy zawartości 2">
+            <a:extLst>
+              <a:ext uri="{FF2B5EF4-FFF2-40B4-BE49-F238E27FC236}">
+                <a16:creationId xmlns:a16="http://schemas.microsoft.com/office/drawing/2014/main" id="{5E03A168-22CE-4B3C-BC83-8F9EBEF1C4BE}"/>
+              </a:ext>
+            </a:extLst>
+          </p:cNvPr>
+          <p:cNvSpPr>
+            <a:spLocks noGrp="1"/>
+          </p:cNvSpPr>
           <p:nvPr>
             <p:ph idx="1"/>
           </p:nvPr>
-        </p:nvPicPr>
-        <p:blipFill>
-          <a:blip r:embed="rId2">
-            <a:extLst>
-              <a:ext uri="{28A0092B-C50C-407E-A947-70E740481C1C}">
-                <a14:useLocalDpi xmlns:a14="http://schemas.microsoft.com/office/drawing/2010/main" val="0"/>
-              </a:ext>
-            </a:extLst>
-          </a:blip>
-          <a:stretch>
-            <a:fillRect/>
-          </a:stretch>
-        </p:blipFill>
-        <p:spPr>
-          <a:xfrm>
-            <a:off x="2027583" y="1417119"/>
-            <a:ext cx="6549886" cy="4912415"/>
-          </a:xfrm>
-        </p:spPr>
-      </p:pic>
+        </p:nvSpPr>
+        <p:spPr/>
+        <p:txBody>
+          <a:bodyPr/>
+          <a:lstStyle/>
+          <a:p>
+            <a:pPr marL="0" indent="0">
+              <a:buNone/>
+            </a:pPr>
+            <a:endParaRPr lang="en-US" dirty="0"/>
+          </a:p>
+          <a:p>
+            <a:pPr marL="0" indent="0">
+              <a:buNone/>
+            </a:pPr>
+            <a:endParaRPr lang="en-US" dirty="0"/>
+          </a:p>
+          <a:p>
+            <a:pPr marL="0" indent="0">
+              <a:buNone/>
+            </a:pPr>
+            <a:r>
+              <a:rPr lang="en-US" dirty="0"/>
+              <a:t>JavaScript mechanism where </a:t>
+            </a:r>
+            <a:r>
+              <a:rPr lang="en-US" b="1" dirty="0"/>
+              <a:t>variables</a:t>
+            </a:r>
+            <a:r>
+              <a:rPr lang="en-US" dirty="0"/>
+              <a:t> and </a:t>
+            </a:r>
+            <a:r>
+              <a:rPr lang="en-US" b="1" dirty="0"/>
+              <a:t>function</a:t>
+            </a:r>
+            <a:r>
+              <a:rPr lang="en-US" dirty="0"/>
+              <a:t> </a:t>
+            </a:r>
+            <a:r>
+              <a:rPr lang="en-US" b="1" dirty="0"/>
+              <a:t>declarations</a:t>
+            </a:r>
+            <a:r>
+              <a:rPr lang="en-US" dirty="0"/>
+              <a:t> are moved to the </a:t>
+            </a:r>
+            <a:r>
+              <a:rPr lang="en-US" b="1" dirty="0"/>
+              <a:t>top</a:t>
+            </a:r>
+            <a:r>
+              <a:rPr lang="en-US" dirty="0"/>
+              <a:t> of their scope before code execution.</a:t>
+            </a:r>
+            <a:endParaRPr lang="pl-PL" dirty="0"/>
+          </a:p>
+        </p:txBody>
+      </p:sp>
     </p:spTree>
     <p:extLst>
       <p:ext uri="{BB962C8B-B14F-4D97-AF65-F5344CB8AC3E}">
-        <p14:creationId xmlns:p14="http://schemas.microsoft.com/office/powerpoint/2010/main" val="608451684"/>
+        <p14:creationId xmlns:p14="http://schemas.microsoft.com/office/powerpoint/2010/main" val="3008997080"/>
       </p:ext>
     </p:extLst>
   </p:cSld>
@@ -3746,7 +4585,7 @@
           <p:cNvPr id="2" name="Tytuł 1">
             <a:extLst>
               <a:ext uri="{FF2B5EF4-FFF2-40B4-BE49-F238E27FC236}">
-                <a16:creationId xmlns:a16="http://schemas.microsoft.com/office/drawing/2014/main" id="{88E4FC62-AE9F-4639-925E-E02FB36C1DE4}"/>
+                <a16:creationId xmlns:a16="http://schemas.microsoft.com/office/drawing/2014/main" id="{277D3371-6D8B-439E-8756-A21964B5B91C}"/>
               </a:ext>
             </a:extLst>
           </p:cNvPr>
@@ -3762,11 +4601,7 @@
           <a:bodyPr/>
           <a:lstStyle/>
           <a:p>
-            <a:r>
-              <a:rPr lang="en-GB" dirty="0"/>
-              <a:t>Hoisting</a:t>
-            </a:r>
-            <a:endParaRPr lang="pl-PL" dirty="0"/>
+            <a:endParaRPr lang="pl-PL"/>
           </a:p>
         </p:txBody>
       </p:sp>
@@ -3775,7 +4610,7 @@
           <p:cNvPr id="3" name="Symbol zastępczy zawartości 2">
             <a:extLst>
               <a:ext uri="{FF2B5EF4-FFF2-40B4-BE49-F238E27FC236}">
-                <a16:creationId xmlns:a16="http://schemas.microsoft.com/office/drawing/2014/main" id="{5E03A168-22CE-4B3C-BC83-8F9EBEF1C4BE}"/>
+                <a16:creationId xmlns:a16="http://schemas.microsoft.com/office/drawing/2014/main" id="{630E16BB-AC35-41BB-8455-6A66871ADFF9}"/>
               </a:ext>
             </a:extLst>
           </p:cNvPr>
@@ -3791,33 +4626,14 @@
           <a:bodyPr/>
           <a:lstStyle/>
           <a:p>
-            <a:pPr marL="0" indent="0">
-              <a:buNone/>
-            </a:pPr>
-            <a:endParaRPr lang="en-US" dirty="0"/>
-          </a:p>
-          <a:p>
-            <a:pPr marL="0" indent="0">
-              <a:buNone/>
-            </a:pPr>
-            <a:endParaRPr lang="en-US" dirty="0"/>
-          </a:p>
-          <a:p>
-            <a:pPr marL="0" indent="0">
-              <a:buNone/>
-            </a:pPr>
-            <a:r>
-              <a:rPr lang="en-US" dirty="0"/>
-              <a:t>JavaScript mechanism where variables and function declarations are moved to the top of their scope before code execution.</a:t>
-            </a:r>
-            <a:endParaRPr lang="pl-PL" dirty="0"/>
+            <a:endParaRPr lang="pl-PL"/>
           </a:p>
         </p:txBody>
       </p:sp>
     </p:spTree>
     <p:extLst>
       <p:ext uri="{BB962C8B-B14F-4D97-AF65-F5344CB8AC3E}">
-        <p14:creationId xmlns:p14="http://schemas.microsoft.com/office/powerpoint/2010/main" val="3008997080"/>
+        <p14:creationId xmlns:p14="http://schemas.microsoft.com/office/powerpoint/2010/main" val="519642855"/>
       </p:ext>
     </p:extLst>
   </p:cSld>
@@ -4020,11 +4836,7 @@
           <a:p>
             <a:r>
               <a:rPr lang="en-US" dirty="0"/>
-              <a:t>Example from c#, with action called inside for and after end </a:t>
-            </a:r>
-            <a:r>
-              <a:rPr lang="en-US"/>
-              <a:t>of for</a:t>
+              <a:t>Example from c#, with action called inside for and after end of for</a:t>
             </a:r>
           </a:p>
         </p:txBody>
@@ -4033,6 +4845,213 @@
     <p:extLst>
       <p:ext uri="{BB962C8B-B14F-4D97-AF65-F5344CB8AC3E}">
         <p14:creationId xmlns:p14="http://schemas.microsoft.com/office/powerpoint/2010/main" val="310696529"/>
+      </p:ext>
+    </p:extLst>
+  </p:cSld>
+  <p:clrMapOvr>
+    <a:masterClrMapping/>
+  </p:clrMapOvr>
+</p:sld>
+</file>
+
+<file path=ppt/slides/slide15.xml><?xml version="1.0" encoding="utf-8"?>
+<p:sld xmlns:a="http://schemas.openxmlformats.org/drawingml/2006/main" xmlns:r="http://schemas.openxmlformats.org/officeDocument/2006/relationships" xmlns:p="http://schemas.openxmlformats.org/presentationml/2006/main">
+  <p:cSld>
+    <p:spTree>
+      <p:nvGrpSpPr>
+        <p:cNvPr id="1" name=""/>
+        <p:cNvGrpSpPr/>
+        <p:nvPr/>
+      </p:nvGrpSpPr>
+      <p:grpSpPr>
+        <a:xfrm>
+          <a:off x="0" y="0"/>
+          <a:ext cx="0" cy="0"/>
+          <a:chOff x="0" y="0"/>
+          <a:chExt cx="0" cy="0"/>
+        </a:xfrm>
+      </p:grpSpPr>
+      <p:sp>
+        <p:nvSpPr>
+          <p:cNvPr id="2" name="Tytuł 1">
+            <a:extLst>
+              <a:ext uri="{FF2B5EF4-FFF2-40B4-BE49-F238E27FC236}">
+                <a16:creationId xmlns:a16="http://schemas.microsoft.com/office/drawing/2014/main" id="{107271B8-3F3F-40D3-B378-C18BAB7C63CF}"/>
+              </a:ext>
+            </a:extLst>
+          </p:cNvPr>
+          <p:cNvSpPr>
+            <a:spLocks noGrp="1"/>
+          </p:cNvSpPr>
+          <p:nvPr>
+            <p:ph type="title"/>
+          </p:nvPr>
+        </p:nvSpPr>
+        <p:spPr/>
+        <p:txBody>
+          <a:bodyPr/>
+          <a:lstStyle/>
+          <a:p>
+            <a:endParaRPr lang="pl-PL"/>
+          </a:p>
+        </p:txBody>
+      </p:sp>
+      <p:sp>
+        <p:nvSpPr>
+          <p:cNvPr id="3" name="Symbol zastępczy zawartości 2">
+            <a:extLst>
+              <a:ext uri="{FF2B5EF4-FFF2-40B4-BE49-F238E27FC236}">
+                <a16:creationId xmlns:a16="http://schemas.microsoft.com/office/drawing/2014/main" id="{D7BC9333-0F67-4516-8D50-7E74C1FCA234}"/>
+              </a:ext>
+            </a:extLst>
+          </p:cNvPr>
+          <p:cNvSpPr>
+            <a:spLocks noGrp="1"/>
+          </p:cNvSpPr>
+          <p:nvPr>
+            <p:ph idx="1"/>
+          </p:nvPr>
+        </p:nvSpPr>
+        <p:spPr/>
+        <p:txBody>
+          <a:bodyPr/>
+          <a:lstStyle/>
+          <a:p>
+            <a:endParaRPr lang="pl-PL"/>
+          </a:p>
+        </p:txBody>
+      </p:sp>
+    </p:spTree>
+    <p:extLst>
+      <p:ext uri="{BB962C8B-B14F-4D97-AF65-F5344CB8AC3E}">
+        <p14:creationId xmlns:p14="http://schemas.microsoft.com/office/powerpoint/2010/main" val="928897282"/>
+      </p:ext>
+    </p:extLst>
+  </p:cSld>
+  <p:clrMapOvr>
+    <a:masterClrMapping/>
+  </p:clrMapOvr>
+</p:sld>
+</file>
+
+<file path=ppt/slides/slide16.xml><?xml version="1.0" encoding="utf-8"?>
+<p:sld xmlns:a="http://schemas.openxmlformats.org/drawingml/2006/main" xmlns:r="http://schemas.openxmlformats.org/officeDocument/2006/relationships" xmlns:p="http://schemas.openxmlformats.org/presentationml/2006/main">
+  <p:cSld>
+    <p:spTree>
+      <p:nvGrpSpPr>
+        <p:cNvPr id="1" name=""/>
+        <p:cNvGrpSpPr/>
+        <p:nvPr/>
+      </p:nvGrpSpPr>
+      <p:grpSpPr>
+        <a:xfrm>
+          <a:off x="0" y="0"/>
+          <a:ext cx="0" cy="0"/>
+          <a:chOff x="0" y="0"/>
+          <a:chExt cx="0" cy="0"/>
+        </a:xfrm>
+      </p:grpSpPr>
+      <p:sp>
+        <p:nvSpPr>
+          <p:cNvPr id="2" name="Tytuł 1">
+            <a:extLst>
+              <a:ext uri="{FF2B5EF4-FFF2-40B4-BE49-F238E27FC236}">
+                <a16:creationId xmlns:a16="http://schemas.microsoft.com/office/drawing/2014/main" id="{BCEF0200-5C49-46AC-A3D9-B1AB79DA756B}"/>
+              </a:ext>
+            </a:extLst>
+          </p:cNvPr>
+          <p:cNvSpPr>
+            <a:spLocks noGrp="1"/>
+          </p:cNvSpPr>
+          <p:nvPr>
+            <p:ph type="title"/>
+          </p:nvPr>
+        </p:nvSpPr>
+        <p:spPr/>
+        <p:txBody>
+          <a:bodyPr/>
+          <a:lstStyle/>
+          <a:p>
+            <a:r>
+              <a:rPr lang="en-GB" dirty="0"/>
+              <a:t>JS safe scope</a:t>
+            </a:r>
+            <a:endParaRPr lang="pl-PL" dirty="0"/>
+          </a:p>
+        </p:txBody>
+      </p:sp>
+      <p:sp>
+        <p:nvSpPr>
+          <p:cNvPr id="3" name="Symbol zastępczy zawartości 2">
+            <a:extLst>
+              <a:ext uri="{FF2B5EF4-FFF2-40B4-BE49-F238E27FC236}">
+                <a16:creationId xmlns:a16="http://schemas.microsoft.com/office/drawing/2014/main" id="{C80260BC-0C60-4EDD-9947-0CEE87CE7000}"/>
+              </a:ext>
+            </a:extLst>
+          </p:cNvPr>
+          <p:cNvSpPr>
+            <a:spLocks noGrp="1"/>
+          </p:cNvSpPr>
+          <p:nvPr>
+            <p:ph idx="1"/>
+          </p:nvPr>
+        </p:nvSpPr>
+        <p:spPr/>
+        <p:txBody>
+          <a:bodyPr/>
+          <a:lstStyle/>
+          <a:p>
+            <a:pPr marL="0" indent="0">
+              <a:buNone/>
+            </a:pPr>
+            <a:r>
+              <a:rPr lang="en-GB" dirty="0"/>
+              <a:t>ECMA2015 introduces </a:t>
+            </a:r>
+            <a:r>
+              <a:rPr lang="en-GB" dirty="0">
+                <a:solidFill>
+                  <a:srgbClr val="00B0F0"/>
+                </a:solidFill>
+              </a:rPr>
+              <a:t>let</a:t>
+            </a:r>
+            <a:r>
+              <a:rPr lang="en-GB" dirty="0"/>
+              <a:t> and </a:t>
+            </a:r>
+            <a:r>
+              <a:rPr lang="en-GB" dirty="0" err="1">
+                <a:solidFill>
+                  <a:srgbClr val="00B0F0"/>
+                </a:solidFill>
+              </a:rPr>
+              <a:t>const</a:t>
+            </a:r>
+            <a:r>
+              <a:rPr lang="en-GB" dirty="0"/>
+              <a:t> keywords which </a:t>
+            </a:r>
+            <a:r>
+              <a:rPr lang="en-GB" dirty="0">
+                <a:solidFill>
+                  <a:schemeClr val="accent6"/>
+                </a:solidFill>
+              </a:rPr>
+              <a:t>create scopes for every block </a:t>
+            </a:r>
+            <a:r>
+              <a:rPr lang="en-GB" dirty="0"/>
+              <a:t>statements.</a:t>
+            </a:r>
+            <a:endParaRPr lang="pl-PL" dirty="0"/>
+          </a:p>
+        </p:txBody>
+      </p:sp>
+    </p:spTree>
+    <p:extLst>
+      <p:ext uri="{BB962C8B-B14F-4D97-AF65-F5344CB8AC3E}">
+        <p14:creationId xmlns:p14="http://schemas.microsoft.com/office/powerpoint/2010/main" val="3828454026"/>
       </p:ext>
     </p:extLst>
   </p:cSld>
@@ -4064,7 +5083,7 @@
           <p:cNvPr id="2" name="Tytuł 1">
             <a:extLst>
               <a:ext uri="{FF2B5EF4-FFF2-40B4-BE49-F238E27FC236}">
-                <a16:creationId xmlns:a16="http://schemas.microsoft.com/office/drawing/2014/main" id="{CEDD4781-3483-4102-9647-FA6A45666C50}"/>
+                <a16:creationId xmlns:a16="http://schemas.microsoft.com/office/drawing/2014/main" id="{4E292530-A4C7-47F6-8CBA-D4D74000215E}"/>
               </a:ext>
             </a:extLst>
           </p:cNvPr>
@@ -4082,7 +5101,7 @@
           <a:p>
             <a:r>
               <a:rPr lang="en-GB" dirty="0"/>
-              <a:t>Agenda</a:t>
+              <a:t>About me</a:t>
             </a:r>
             <a:endParaRPr lang="pl-PL" dirty="0"/>
           </a:p>
@@ -4093,7 +5112,7 @@
           <p:cNvPr id="3" name="Symbol zastępczy zawartości 2">
             <a:extLst>
               <a:ext uri="{FF2B5EF4-FFF2-40B4-BE49-F238E27FC236}">
-                <a16:creationId xmlns:a16="http://schemas.microsoft.com/office/drawing/2014/main" id="{E3D82390-55E3-4805-8D90-54DBAC6C1432}"/>
+                <a16:creationId xmlns:a16="http://schemas.microsoft.com/office/drawing/2014/main" id="{78CAB4E5-4947-4D88-BD73-30344DD35208}"/>
               </a:ext>
             </a:extLst>
           </p:cNvPr>
@@ -4110,79 +5129,74 @@
           <a:lstStyle/>
           <a:p>
             <a:r>
+              <a:rPr lang="en-GB" dirty="0" err="1"/>
+              <a:t>.net</a:t>
+            </a:r>
+            <a:r>
               <a:rPr lang="en-GB" dirty="0"/>
-              <a:t>Best practices</a:t>
-            </a:r>
-          </a:p>
-          <a:p>
-            <a:pPr lvl="1"/>
+              <a:t> developer with 7 year experience </a:t>
+            </a:r>
+          </a:p>
+          <a:p>
             <a:r>
               <a:rPr lang="en-GB" dirty="0"/>
-              <a:t>JS similar and different to modern languages (scopes, closure, hoisting)</a:t>
-            </a:r>
-          </a:p>
-          <a:p>
-            <a:pPr lvl="1"/>
+              <a:t>Expertise in Front-end technologies: JS, </a:t>
+            </a:r>
+            <a:r>
+              <a:rPr lang="en-GB" dirty="0" err="1"/>
+              <a:t>angularJS</a:t>
+            </a:r>
             <a:r>
               <a:rPr lang="en-GB" dirty="0"/>
-              <a:t>Objective JS: </a:t>
-            </a:r>
-            <a:r>
-              <a:rPr lang="en-GB" dirty="0" err="1"/>
-              <a:t>obj</a:t>
-            </a:r>
+              <a:t>, CSS</a:t>
+            </a:r>
+          </a:p>
+          <a:p>
+            <a:endParaRPr lang="en-GB" dirty="0"/>
+          </a:p>
+          <a:p>
+            <a:endParaRPr lang="en-GB" dirty="0"/>
+          </a:p>
+          <a:p>
             <a:r>
               <a:rPr lang="en-GB" dirty="0"/>
-              <a:t> literal, prototype, module pattern</a:t>
-            </a:r>
-          </a:p>
-          <a:p>
-            <a:pPr lvl="1"/>
+              <a:t>Current assignment Total Cost of Ownership for Volvo Penta </a:t>
+            </a:r>
+          </a:p>
+          <a:p>
+            <a:pPr marL="457200" lvl="1" indent="0">
+              <a:buNone/>
+            </a:pPr>
             <a:r>
               <a:rPr lang="en-GB" dirty="0"/>
-              <a:t>ECMA5 array functions, strict mode,</a:t>
+              <a:t>Offline web app using Application Cache </a:t>
             </a:r>
           </a:p>
           <a:p>
             <a:pPr marL="457200" lvl="1" indent="0">
               <a:buNone/>
             </a:pPr>
-            <a:endParaRPr lang="en-GB" dirty="0"/>
-          </a:p>
-          <a:p>
             <a:r>
               <a:rPr lang="en-GB" dirty="0"/>
-              <a:t>Future and necessary fixes</a:t>
-            </a:r>
-          </a:p>
-          <a:p>
-            <a:pPr lvl="1"/>
+              <a:t>AngularJS</a:t>
+            </a:r>
+          </a:p>
+          <a:p>
+            <a:pPr marL="457200" lvl="1" indent="0">
+              <a:buNone/>
+            </a:pPr>
             <a:r>
               <a:rPr lang="en-GB" dirty="0"/>
-              <a:t>ECMA2015</a:t>
-            </a:r>
-          </a:p>
-          <a:p>
-            <a:pPr lvl="1"/>
-            <a:r>
-              <a:rPr lang="en-GB" dirty="0"/>
-              <a:t>TypeScript</a:t>
-            </a:r>
-          </a:p>
-          <a:p>
-            <a:pPr lvl="1"/>
-            <a:endParaRPr lang="en-GB" dirty="0"/>
-          </a:p>
-          <a:p>
-            <a:pPr lvl="1"/>
-            <a:endParaRPr lang="en-GB" dirty="0"/>
+              <a:t>The app estimates maintenance cost of Volvo Penta engines.</a:t>
+            </a:r>
+            <a:endParaRPr lang="pl-PL" dirty="0"/>
           </a:p>
         </p:txBody>
       </p:sp>
     </p:spTree>
     <p:extLst>
       <p:ext uri="{BB962C8B-B14F-4D97-AF65-F5344CB8AC3E}">
-        <p14:creationId xmlns:p14="http://schemas.microsoft.com/office/powerpoint/2010/main" val="3362660853"/>
+        <p14:creationId xmlns:p14="http://schemas.microsoft.com/office/powerpoint/2010/main" val="2075266003"/>
       </p:ext>
     </p:extLst>
   </p:cSld>
@@ -4214,7 +5228,7 @@
           <p:cNvPr id="2" name="Tytuł 1">
             <a:extLst>
               <a:ext uri="{FF2B5EF4-FFF2-40B4-BE49-F238E27FC236}">
-                <a16:creationId xmlns:a16="http://schemas.microsoft.com/office/drawing/2014/main" id="{4E292530-A4C7-47F6-8CBA-D4D74000215E}"/>
+                <a16:creationId xmlns:a16="http://schemas.microsoft.com/office/drawing/2014/main" id="{CEDD4781-3483-4102-9647-FA6A45666C50}"/>
               </a:ext>
             </a:extLst>
           </p:cNvPr>
@@ -4232,7 +5246,7 @@
           <a:p>
             <a:r>
               <a:rPr lang="en-GB" dirty="0"/>
-              <a:t>About me</a:t>
+              <a:t>Agenda</a:t>
             </a:r>
             <a:endParaRPr lang="pl-PL" dirty="0"/>
           </a:p>
@@ -4243,7 +5257,7 @@
           <p:cNvPr id="3" name="Symbol zastępczy zawartości 2">
             <a:extLst>
               <a:ext uri="{FF2B5EF4-FFF2-40B4-BE49-F238E27FC236}">
-                <a16:creationId xmlns:a16="http://schemas.microsoft.com/office/drawing/2014/main" id="{78CAB4E5-4947-4D88-BD73-30344DD35208}"/>
+                <a16:creationId xmlns:a16="http://schemas.microsoft.com/office/drawing/2014/main" id="{E3D82390-55E3-4805-8D90-54DBAC6C1432}"/>
               </a:ext>
             </a:extLst>
           </p:cNvPr>
@@ -4260,74 +5274,77 @@
           <a:lstStyle/>
           <a:p>
             <a:r>
+              <a:rPr lang="en-GB" dirty="0"/>
+              <a:t>Understanding JS</a:t>
+            </a:r>
+          </a:p>
+          <a:p>
+            <a:pPr lvl="1"/>
+            <a:r>
+              <a:rPr lang="en-GB" dirty="0"/>
+              <a:t>JS similar and different to modern languages (scopes, closure, hoisting)</a:t>
+            </a:r>
+          </a:p>
+          <a:p>
+            <a:r>
+              <a:rPr lang="en-GB" dirty="0"/>
+              <a:t>Objective JS: </a:t>
+            </a:r>
+            <a:r>
               <a:rPr lang="en-GB" dirty="0" err="1"/>
-              <a:t>.net</a:t>
+              <a:t>obj</a:t>
             </a:r>
             <a:r>
               <a:rPr lang="en-GB" dirty="0"/>
-              <a:t> developer with 7 year experience </a:t>
+              <a:t> literal, prototype, module pattern</a:t>
             </a:r>
           </a:p>
           <a:p>
             <a:r>
               <a:rPr lang="en-GB" dirty="0"/>
-              <a:t>Expertise in Front-end technologies: JS, </a:t>
-            </a:r>
-            <a:r>
-              <a:rPr lang="en-GB" dirty="0" err="1"/>
-              <a:t>angularJS</a:t>
-            </a:r>
+              <a:t>ECMA5 array functions, strict mode,</a:t>
+            </a:r>
+          </a:p>
+          <a:p>
+            <a:pPr marL="457200" lvl="1" indent="0">
+              <a:buNone/>
+            </a:pPr>
+            <a:endParaRPr lang="en-GB" dirty="0"/>
+          </a:p>
+          <a:p>
             <a:r>
               <a:rPr lang="en-GB" dirty="0"/>
-              <a:t>, CSS</a:t>
-            </a:r>
-          </a:p>
-          <a:p>
+              <a:t>Future and necessary fixes</a:t>
+            </a:r>
+          </a:p>
+          <a:p>
+            <a:pPr lvl="1"/>
+            <a:r>
+              <a:rPr lang="en-GB" dirty="0"/>
+              <a:t>ECMA2015</a:t>
+            </a:r>
+          </a:p>
+          <a:p>
+            <a:pPr lvl="1"/>
+            <a:r>
+              <a:rPr lang="en-GB" dirty="0"/>
+              <a:t>TypeScript</a:t>
+            </a:r>
+          </a:p>
+          <a:p>
+            <a:pPr lvl="1"/>
             <a:endParaRPr lang="en-GB" dirty="0"/>
           </a:p>
           <a:p>
+            <a:pPr lvl="1"/>
             <a:endParaRPr lang="en-GB" dirty="0"/>
-          </a:p>
-          <a:p>
-            <a:r>
-              <a:rPr lang="en-GB" dirty="0"/>
-              <a:t>Current assignment Total Cost of Ownership for Volvo Penta </a:t>
-            </a:r>
-          </a:p>
-          <a:p>
-            <a:pPr marL="457200" lvl="1" indent="0">
-              <a:buNone/>
-            </a:pPr>
-            <a:r>
-              <a:rPr lang="en-GB" dirty="0"/>
-              <a:t>Offline web app using Application Cache </a:t>
-            </a:r>
-          </a:p>
-          <a:p>
-            <a:pPr marL="457200" lvl="1" indent="0">
-              <a:buNone/>
-            </a:pPr>
-            <a:r>
-              <a:rPr lang="en-GB" dirty="0"/>
-              <a:t>AngularJS</a:t>
-            </a:r>
-          </a:p>
-          <a:p>
-            <a:pPr marL="457200" lvl="1" indent="0">
-              <a:buNone/>
-            </a:pPr>
-            <a:r>
-              <a:rPr lang="en-GB" dirty="0"/>
-              <a:t>The app estimates maintenance cost of Volvo Penta engines.</a:t>
-            </a:r>
-            <a:endParaRPr lang="pl-PL" dirty="0"/>
           </a:p>
         </p:txBody>
       </p:sp>
     </p:spTree>
     <p:extLst>
       <p:ext uri="{BB962C8B-B14F-4D97-AF65-F5344CB8AC3E}">
-        <p14:creationId xmlns:p14="http://schemas.microsoft.com/office/powerpoint/2010/main" val="2075266003"/>
+        <p14:creationId xmlns:p14="http://schemas.microsoft.com/office/powerpoint/2010/main" val="3362660853"/>
       </p:ext>
     </p:extLst>
   </p:cSld>
@@ -4587,7 +5604,7 @@
           <a:p>
             <a:r>
               <a:rPr lang="en-GB" dirty="0"/>
-              <a:t>Scopes</a:t>
+              <a:t>Scopes of variables</a:t>
             </a:r>
             <a:endParaRPr lang="pl-PL" dirty="0"/>
           </a:p>
@@ -4651,7 +5668,7 @@
           <a:p>
             <a:r>
               <a:rPr lang="en-GB" dirty="0"/>
-              <a:t>JavaScript scopes</a:t>
+              <a:t>Scopes of variable</a:t>
             </a:r>
             <a:endParaRPr lang="pl-PL" dirty="0"/>
           </a:p>
@@ -4689,121 +5706,109 @@
             <a:pPr marL="0" indent="0">
               <a:buNone/>
             </a:pPr>
+            <a:r>
+              <a:rPr lang="en-US" b="1" dirty="0"/>
+              <a:t>JavaScript</a:t>
+            </a:r>
+            <a:r>
+              <a:rPr lang="en-US" dirty="0"/>
+              <a:t> have only two type of </a:t>
+            </a:r>
+            <a:r>
+              <a:rPr lang="en-US" b="1" dirty="0"/>
+              <a:t>scope</a:t>
+            </a:r>
+            <a:r>
+              <a:rPr lang="en-US" dirty="0"/>
+              <a:t> : </a:t>
+            </a:r>
+          </a:p>
+          <a:p>
+            <a:pPr marL="0" indent="0">
+              <a:buNone/>
+            </a:pPr>
+            <a:endParaRPr lang="en-US" dirty="0"/>
+          </a:p>
+          <a:p>
+            <a:pPr marL="0" indent="0">
+              <a:buNone/>
+            </a:pPr>
+            <a:r>
+              <a:rPr lang="en-US" b="1" dirty="0"/>
+              <a:t>Global scope </a:t>
+            </a:r>
+            <a:r>
+              <a:rPr lang="en-US" dirty="0"/>
+              <a:t>: Global is nothing but a window level </a:t>
+            </a:r>
+            <a:r>
+              <a:rPr lang="en-US" b="1" dirty="0"/>
+              <a:t>scope</a:t>
+            </a:r>
+            <a:r>
+              <a:rPr lang="en-US" dirty="0"/>
+              <a:t>. Here, </a:t>
+            </a:r>
+            <a:r>
+              <a:rPr lang="en-US" b="1" dirty="0"/>
+              <a:t>variable</a:t>
+            </a:r>
+            <a:r>
+              <a:rPr lang="en-US" dirty="0"/>
+              <a:t> present throughout the application. </a:t>
+            </a:r>
+          </a:p>
+          <a:p>
+            <a:pPr marL="0" indent="0">
+              <a:buNone/>
+            </a:pPr>
+            <a:endParaRPr lang="en-US" dirty="0"/>
+          </a:p>
+          <a:p>
+            <a:pPr marL="0" indent="0">
+              <a:buNone/>
+            </a:pPr>
+            <a:r>
+              <a:rPr lang="en-US" b="1" dirty="0"/>
+              <a:t>Functional</a:t>
+            </a:r>
+            <a:r>
+              <a:rPr lang="en-US" dirty="0"/>
+              <a:t> </a:t>
+            </a:r>
+            <a:r>
+              <a:rPr lang="en-US" b="1" dirty="0"/>
+              <a:t>scope</a:t>
+            </a:r>
+            <a:r>
+              <a:rPr lang="en-US" dirty="0"/>
+              <a:t> : </a:t>
+            </a:r>
+            <a:r>
+              <a:rPr lang="en-US" b="1" dirty="0"/>
+              <a:t>Variable</a:t>
+            </a:r>
+            <a:r>
+              <a:rPr lang="en-US" dirty="0"/>
+              <a:t> declared within a function with </a:t>
+            </a:r>
+            <a:r>
+              <a:rPr lang="en-US" dirty="0" err="1"/>
+              <a:t>var</a:t>
+            </a:r>
+            <a:r>
+              <a:rPr lang="en-US" dirty="0"/>
+              <a:t> keyword has functional </a:t>
+            </a:r>
+            <a:r>
+              <a:rPr lang="en-US" b="1" dirty="0"/>
+              <a:t>scope. </a:t>
+            </a:r>
+            <a:r>
+              <a:rPr lang="en-US" dirty="0"/>
+              <a:t>Variable declared there are not visible outside.</a:t>
+            </a:r>
             <a:endParaRPr lang="en-GB" dirty="0"/>
-          </a:p>
-          <a:p>
-            <a:pPr marL="0" indent="0">
-              <a:buNone/>
-            </a:pPr>
-            <a:r>
-              <a:rPr lang="en-GB" dirty="0"/>
-              <a:t>Syntax is similar to C syntax languages (Java, C#) there are parentheses for begin and end block statements like i.e.: </a:t>
-            </a:r>
-            <a:r>
-              <a:rPr lang="en-GB" dirty="0">
-                <a:solidFill>
-                  <a:srgbClr val="00B0F0"/>
-                </a:solidFill>
-              </a:rPr>
-              <a:t>for</a:t>
-            </a:r>
-            <a:r>
-              <a:rPr lang="en-GB" dirty="0"/>
-              <a:t>, </a:t>
-            </a:r>
-            <a:r>
-              <a:rPr lang="en-GB" dirty="0">
-                <a:solidFill>
-                  <a:srgbClr val="00B0F0"/>
-                </a:solidFill>
-              </a:rPr>
-              <a:t>if</a:t>
-            </a:r>
-            <a:r>
-              <a:rPr lang="en-GB" dirty="0"/>
-              <a:t> and </a:t>
-            </a:r>
-            <a:r>
-              <a:rPr lang="en-GB" dirty="0">
-                <a:solidFill>
-                  <a:srgbClr val="00B0F0"/>
-                </a:solidFill>
-              </a:rPr>
-              <a:t>function</a:t>
-            </a:r>
-            <a:r>
-              <a:rPr lang="en-GB" dirty="0"/>
-              <a:t>. </a:t>
-            </a:r>
-          </a:p>
-          <a:p>
-            <a:pPr marL="0" indent="0">
-              <a:buNone/>
-            </a:pPr>
-            <a:endParaRPr lang="en-GB" dirty="0"/>
-          </a:p>
-          <a:p>
-            <a:pPr marL="0" indent="0">
-              <a:buNone/>
-            </a:pPr>
-            <a:endParaRPr lang="en-GB" b="1" dirty="0"/>
-          </a:p>
-          <a:p>
-            <a:pPr marL="0" indent="0">
-              <a:buNone/>
-            </a:pPr>
-            <a:r>
-              <a:rPr lang="en-GB" b="1" dirty="0"/>
-              <a:t>All block statements </a:t>
-            </a:r>
-            <a:r>
-              <a:rPr lang="en-GB" u="sng" dirty="0"/>
-              <a:t>apart from “function” </a:t>
-            </a:r>
-            <a:r>
-              <a:rPr lang="en-GB" dirty="0"/>
-              <a:t>have different behaviour to the modern languages. They </a:t>
-            </a:r>
-            <a:r>
-              <a:rPr lang="en-GB" b="1" dirty="0">
-                <a:solidFill>
-                  <a:srgbClr val="FF0000"/>
-                </a:solidFill>
-              </a:rPr>
-              <a:t>do</a:t>
-            </a:r>
-            <a:r>
-              <a:rPr lang="en-GB" dirty="0">
-                <a:solidFill>
-                  <a:srgbClr val="FF0000"/>
-                </a:solidFill>
-              </a:rPr>
-              <a:t> </a:t>
-            </a:r>
-            <a:r>
-              <a:rPr lang="en-GB" b="1" dirty="0">
-                <a:solidFill>
-                  <a:srgbClr val="FF0000"/>
-                </a:solidFill>
-              </a:rPr>
-              <a:t>NOT create local scopes </a:t>
-            </a:r>
-            <a:r>
-              <a:rPr lang="en-GB" dirty="0"/>
-              <a:t>with </a:t>
-            </a:r>
-            <a:r>
-              <a:rPr lang="en-GB" dirty="0" err="1">
-                <a:solidFill>
-                  <a:srgbClr val="00B0F0"/>
-                </a:solidFill>
-              </a:rPr>
-              <a:t>var</a:t>
-            </a:r>
-            <a:r>
-              <a:rPr lang="en-GB" dirty="0"/>
-              <a:t> statement.</a:t>
-            </a:r>
           </a:p>
           <a:p>
             <a:pPr marL="0" indent="0">
@@ -4857,7 +5862,7 @@
           <p:cNvPr id="2" name="Tytuł 1">
             <a:extLst>
               <a:ext uri="{FF2B5EF4-FFF2-40B4-BE49-F238E27FC236}">
-                <a16:creationId xmlns:a16="http://schemas.microsoft.com/office/drawing/2014/main" id="{83FC05E8-B10E-4A1E-A803-7040C218E79D}"/>
+                <a16:creationId xmlns:a16="http://schemas.microsoft.com/office/drawing/2014/main" id="{999255DC-4E2E-45F6-82A0-0E7656A8857C}"/>
               </a:ext>
             </a:extLst>
           </p:cNvPr>
@@ -4868,14 +5873,19 @@
             <p:ph type="title"/>
           </p:nvPr>
         </p:nvSpPr>
-        <p:spPr/>
+        <p:spPr>
+          <a:xfrm>
+            <a:off x="838200" y="285612"/>
+            <a:ext cx="10515600" cy="1325563"/>
+          </a:xfrm>
+        </p:spPr>
         <p:txBody>
           <a:bodyPr/>
           <a:lstStyle/>
           <a:p>
             <a:r>
               <a:rPr lang="en-GB" dirty="0"/>
-              <a:t>        “for” doesn’t create a scope</a:t>
+              <a:t>	“function” create a local scope </a:t>
             </a:r>
             <a:endParaRPr lang="pl-PL" dirty="0"/>
           </a:p>
@@ -4883,10 +5893,67 @@
       </p:sp>
       <p:sp>
         <p:nvSpPr>
+          <p:cNvPr id="5" name="Prostokąt: zaokrąglone rogi 4">
+            <a:extLst>
+              <a:ext uri="{FF2B5EF4-FFF2-40B4-BE49-F238E27FC236}">
+                <a16:creationId xmlns:a16="http://schemas.microsoft.com/office/drawing/2014/main" id="{62B2373E-E5BA-479F-89FA-12C3FC7018A9}"/>
+              </a:ext>
+            </a:extLst>
+          </p:cNvPr>
+          <p:cNvSpPr/>
+          <p:nvPr/>
+        </p:nvSpPr>
+        <p:spPr>
+          <a:xfrm>
+            <a:off x="641075" y="2981738"/>
+            <a:ext cx="5262768" cy="1325563"/>
+          </a:xfrm>
+          <a:prstGeom prst="roundRect">
+            <a:avLst/>
+          </a:prstGeom>
+          <a:solidFill>
+            <a:schemeClr val="accent6">
+              <a:lumMod val="20000"/>
+              <a:lumOff val="80000"/>
+            </a:schemeClr>
+          </a:solidFill>
+          <a:ln>
+            <a:solidFill>
+              <a:schemeClr val="tx1"/>
+            </a:solidFill>
+          </a:ln>
+        </p:spPr>
+        <p:style>
+          <a:lnRef idx="2">
+            <a:schemeClr val="accent1">
+              <a:shade val="50000"/>
+            </a:schemeClr>
+          </a:lnRef>
+          <a:fillRef idx="1">
+            <a:schemeClr val="accent1"/>
+          </a:fillRef>
+          <a:effectRef idx="0">
+            <a:schemeClr val="accent1"/>
+          </a:effectRef>
+          <a:fontRef idx="minor">
+            <a:schemeClr val="lt1"/>
+          </a:fontRef>
+        </p:style>
+        <p:txBody>
+          <a:bodyPr rtlCol="0" anchor="ctr"/>
+          <a:lstStyle/>
+          <a:p>
+            <a:pPr algn="ctr"/>
+            <a:endParaRPr lang="pl-PL"/>
+          </a:p>
+        </p:txBody>
+      </p:sp>
+      <p:sp>
+        <p:nvSpPr>
           <p:cNvPr id="3" name="Symbol zastępczy zawartości 2">
             <a:extLst>
               <a:ext uri="{FF2B5EF4-FFF2-40B4-BE49-F238E27FC236}">
-                <a16:creationId xmlns:a16="http://schemas.microsoft.com/office/drawing/2014/main" id="{A53E0B28-793E-42EA-A7A7-E0C5D9ACCF98}"/>
+                <a16:creationId xmlns:a16="http://schemas.microsoft.com/office/drawing/2014/main" id="{6C5F2416-72AD-481B-853A-0575FB080EBA}"/>
               </a:ext>
             </a:extLst>
           </p:cNvPr>
@@ -4897,7 +5964,12 @@
             <p:ph idx="1"/>
           </p:nvPr>
         </p:nvSpPr>
-        <p:spPr/>
+        <p:spPr>
+          <a:xfrm>
+            <a:off x="838200" y="1825625"/>
+            <a:ext cx="10515600" cy="4351338"/>
+          </a:xfrm>
+        </p:spPr>
         <p:txBody>
           <a:bodyPr/>
           <a:lstStyle/>
@@ -4931,7 +6003,7 @@
               <a:buNone/>
             </a:pPr>
             <a:r>
-              <a:rPr lang="en-GB" dirty="0" err="1">
+              <a:rPr lang="en-GB" b="1" u="sng" dirty="0" err="1">
                 <a:solidFill>
                   <a:srgbClr val="0000FF"/>
                 </a:solidFill>
@@ -4942,7 +6014,7 @@
               <a:t>var</a:t>
             </a:r>
             <a:r>
-              <a:rPr lang="en-GB" dirty="0">
+              <a:rPr lang="en-GB" b="1" u="sng" dirty="0">
                 <a:solidFill>
                   <a:srgbClr val="000000"/>
                 </a:solidFill>
@@ -4953,7 +6025,7 @@
               <a:t> </a:t>
             </a:r>
             <a:r>
-              <a:rPr lang="en-GB" dirty="0">
+              <a:rPr lang="en-GB" b="1" u="sng" dirty="0">
                 <a:solidFill>
                   <a:srgbClr val="001080"/>
                 </a:solidFill>
@@ -4964,7 +6036,7 @@
               <a:t>temp</a:t>
             </a:r>
             <a:r>
-              <a:rPr lang="en-GB" dirty="0">
+              <a:rPr lang="en-GB" b="1" u="sng" dirty="0">
                 <a:solidFill>
                   <a:srgbClr val="000000"/>
                 </a:solidFill>
@@ -4975,7 +6047,7 @@
               <a:t> = </a:t>
             </a:r>
             <a:r>
-              <a:rPr lang="en-GB" dirty="0">
+              <a:rPr lang="en-GB" b="1" u="sng" dirty="0">
                 <a:solidFill>
                   <a:srgbClr val="A31515"/>
                 </a:solidFill>
@@ -4983,10 +6055,10 @@
                 <a:ea typeface="Times New Roman" panose="02020603050405020304" pitchFamily="18" charset="0"/>
                 <a:cs typeface="Times New Roman" panose="02020603050405020304" pitchFamily="18" charset="0"/>
               </a:rPr>
-              <a:t>'outer'</a:t>
-            </a:r>
-            <a:r>
-              <a:rPr lang="en-GB" dirty="0">
+              <a:t>‘OUTER'</a:t>
+            </a:r>
+            <a:r>
+              <a:rPr lang="en-GB" b="1" u="sng" dirty="0">
                 <a:solidFill>
                   <a:srgbClr val="000000"/>
                 </a:solidFill>
@@ -4996,31 +6068,7 @@
               </a:rPr>
               <a:t>;</a:t>
             </a:r>
-            <a:endParaRPr lang="pl-PL" sz="3200" dirty="0">
-              <a:latin typeface="Calibri" panose="020F0502020204030204" pitchFamily="34" charset="0"/>
-              <a:ea typeface="Calibri" panose="020F0502020204030204" pitchFamily="34" charset="0"/>
-              <a:cs typeface="Times New Roman" panose="02020603050405020304" pitchFamily="18" charset="0"/>
-            </a:endParaRPr>
-          </a:p>
-          <a:p>
-            <a:pPr marL="0" indent="0">
-              <a:lnSpc>
-                <a:spcPts val="1425"/>
-              </a:lnSpc>
-              <a:buNone/>
-            </a:pPr>
-            <a:r>
-              <a:rPr lang="en-GB" dirty="0">
-                <a:solidFill>
-                  <a:srgbClr val="000000"/>
-                </a:solidFill>
-                <a:latin typeface="Consolas" panose="020B0609020204030204" pitchFamily="49" charset="0"/>
-                <a:ea typeface="Times New Roman" panose="02020603050405020304" pitchFamily="18" charset="0"/>
-                <a:cs typeface="Times New Roman" panose="02020603050405020304" pitchFamily="18" charset="0"/>
-              </a:rPr>
-              <a:t> </a:t>
-            </a:r>
-            <a:endParaRPr lang="pl-PL" sz="3200" dirty="0">
+            <a:endParaRPr lang="pl-PL" sz="3200" b="1" u="sng" dirty="0">
               <a:latin typeface="Calibri" panose="020F0502020204030204" pitchFamily="34" charset="0"/>
               <a:ea typeface="Calibri" panose="020F0502020204030204" pitchFamily="34" charset="0"/>
               <a:cs typeface="Times New Roman" panose="02020603050405020304" pitchFamily="18" charset="0"/>
@@ -5037,18 +6085,7 @@
               <a:buNone/>
             </a:pPr>
             <a:r>
-              <a:rPr lang="en-GB" sz="3600" b="1" dirty="0">
-                <a:solidFill>
-                  <a:srgbClr val="AF00DB"/>
-                </a:solidFill>
-                <a:latin typeface="Consolas" panose="020B0609020204030204" pitchFamily="49" charset="0"/>
-                <a:ea typeface="Times New Roman" panose="02020603050405020304" pitchFamily="18" charset="0"/>
-                <a:cs typeface="Times New Roman" panose="02020603050405020304" pitchFamily="18" charset="0"/>
-              </a:rPr>
-              <a:t>for</a:t>
-            </a:r>
-            <a:r>
-              <a:rPr lang="en-GB" sz="3600" b="1" dirty="0">
+              <a:rPr lang="en-GB" dirty="0">
                 <a:solidFill>
                   <a:srgbClr val="000000"/>
                 </a:solidFill>
@@ -5056,29 +6093,7 @@
                 <a:ea typeface="Times New Roman" panose="02020603050405020304" pitchFamily="18" charset="0"/>
                 <a:cs typeface="Times New Roman" panose="02020603050405020304" pitchFamily="18" charset="0"/>
               </a:rPr>
-              <a:t> (</a:t>
-            </a:r>
-            <a:r>
-              <a:rPr lang="en-GB" sz="3600" b="1" dirty="0">
-                <a:solidFill>
-                  <a:srgbClr val="0000FF"/>
-                </a:solidFill>
-                <a:latin typeface="Consolas" panose="020B0609020204030204" pitchFamily="49" charset="0"/>
-                <a:ea typeface="Times New Roman" panose="02020603050405020304" pitchFamily="18" charset="0"/>
-                <a:cs typeface="Times New Roman" panose="02020603050405020304" pitchFamily="18" charset="0"/>
-              </a:rPr>
-              <a:t>…</a:t>
-            </a:r>
-            <a:r>
-              <a:rPr lang="en-GB" sz="3600" b="1" dirty="0">
-                <a:solidFill>
-                  <a:srgbClr val="000000"/>
-                </a:solidFill>
-                <a:latin typeface="Consolas" panose="020B0609020204030204" pitchFamily="49" charset="0"/>
-                <a:ea typeface="Times New Roman" panose="02020603050405020304" pitchFamily="18" charset="0"/>
-                <a:cs typeface="Times New Roman" panose="02020603050405020304" pitchFamily="18" charset="0"/>
-              </a:rPr>
-              <a:t>) {</a:t>
+              <a:t> </a:t>
             </a:r>
             <a:endParaRPr lang="pl-PL" sz="3200" dirty="0">
               <a:latin typeface="Calibri" panose="020F0502020204030204" pitchFamily="34" charset="0"/>
@@ -5097,7 +6112,18 @@
               <a:buNone/>
             </a:pPr>
             <a:r>
-              <a:rPr lang="en-GB" dirty="0">
+              <a:rPr lang="en-GB" sz="3600" b="1" dirty="0">
+                <a:solidFill>
+                  <a:srgbClr val="0000FF"/>
+                </a:solidFill>
+                <a:latin typeface="Consolas" panose="020B0609020204030204" pitchFamily="49" charset="0"/>
+                <a:ea typeface="Times New Roman" panose="02020603050405020304" pitchFamily="18" charset="0"/>
+                <a:cs typeface="Times New Roman" panose="02020603050405020304" pitchFamily="18" charset="0"/>
+              </a:rPr>
+              <a:t>function</a:t>
+            </a:r>
+            <a:r>
+              <a:rPr lang="en-GB" sz="3600" b="1" dirty="0">
                 <a:solidFill>
                   <a:srgbClr val="000000"/>
                 </a:solidFill>
@@ -5105,13 +6131,30 @@
                 <a:ea typeface="Times New Roman" panose="02020603050405020304" pitchFamily="18" charset="0"/>
                 <a:cs typeface="Times New Roman" panose="02020603050405020304" pitchFamily="18" charset="0"/>
               </a:rPr>
-              <a:t>    </a:t>
-            </a:r>
-            <a:endParaRPr lang="pl-PL" sz="3200" dirty="0">
-              <a:latin typeface="Calibri" panose="020F0502020204030204" pitchFamily="34" charset="0"/>
-              <a:ea typeface="Calibri" panose="020F0502020204030204" pitchFamily="34" charset="0"/>
-              <a:cs typeface="Times New Roman" panose="02020603050405020304" pitchFamily="18" charset="0"/>
-            </a:endParaRPr>
+              <a:t> </a:t>
+            </a:r>
+            <a:r>
+              <a:rPr lang="en-GB" sz="3600" b="1" dirty="0">
+                <a:solidFill>
+                  <a:srgbClr val="795E26"/>
+                </a:solidFill>
+                <a:latin typeface="Consolas" panose="020B0609020204030204" pitchFamily="49" charset="0"/>
+                <a:ea typeface="Times New Roman" panose="02020603050405020304" pitchFamily="18" charset="0"/>
+                <a:cs typeface="Times New Roman" panose="02020603050405020304" pitchFamily="18" charset="0"/>
+              </a:rPr>
+              <a:t>f1</a:t>
+            </a:r>
+            <a:r>
+              <a:rPr lang="en-GB" sz="3600" b="1" dirty="0">
+                <a:solidFill>
+                  <a:srgbClr val="000000"/>
+                </a:solidFill>
+                <a:latin typeface="Consolas" panose="020B0609020204030204" pitchFamily="49" charset="0"/>
+                <a:ea typeface="Times New Roman" panose="02020603050405020304" pitchFamily="18" charset="0"/>
+                <a:cs typeface="Times New Roman" panose="02020603050405020304" pitchFamily="18" charset="0"/>
+              </a:rPr>
+              <a:t>() {</a:t>
+            </a:r>
           </a:p>
           <a:p>
             <a:pPr marL="0" indent="0">
@@ -5123,84 +6166,7 @@
               </a:spcAft>
               <a:buNone/>
             </a:pPr>
-            <a:r>
-              <a:rPr lang="en-GB" dirty="0">
-                <a:solidFill>
-                  <a:srgbClr val="000000"/>
-                </a:solidFill>
-                <a:latin typeface="Consolas" panose="020B0609020204030204" pitchFamily="49" charset="0"/>
-                <a:ea typeface="Times New Roman" panose="02020603050405020304" pitchFamily="18" charset="0"/>
-                <a:cs typeface="Times New Roman" panose="02020603050405020304" pitchFamily="18" charset="0"/>
-              </a:rPr>
-              <a:t>    </a:t>
-            </a:r>
-            <a:r>
-              <a:rPr lang="en-GB" dirty="0" err="1">
-                <a:solidFill>
-                  <a:srgbClr val="0000FF"/>
-                </a:solidFill>
-                <a:latin typeface="Consolas" panose="020B0609020204030204" pitchFamily="49" charset="0"/>
-                <a:ea typeface="Times New Roman" panose="02020603050405020304" pitchFamily="18" charset="0"/>
-                <a:cs typeface="Times New Roman" panose="02020603050405020304" pitchFamily="18" charset="0"/>
-              </a:rPr>
-              <a:t>var</a:t>
-            </a:r>
-            <a:r>
-              <a:rPr lang="en-GB" dirty="0">
-                <a:solidFill>
-                  <a:srgbClr val="000000"/>
-                </a:solidFill>
-                <a:latin typeface="Consolas" panose="020B0609020204030204" pitchFamily="49" charset="0"/>
-                <a:ea typeface="Times New Roman" panose="02020603050405020304" pitchFamily="18" charset="0"/>
-                <a:cs typeface="Times New Roman" panose="02020603050405020304" pitchFamily="18" charset="0"/>
-              </a:rPr>
-              <a:t> </a:t>
-            </a:r>
-            <a:r>
-              <a:rPr lang="en-GB" dirty="0">
-                <a:solidFill>
-                  <a:srgbClr val="001080"/>
-                </a:solidFill>
-                <a:latin typeface="Consolas" panose="020B0609020204030204" pitchFamily="49" charset="0"/>
-                <a:ea typeface="Times New Roman" panose="02020603050405020304" pitchFamily="18" charset="0"/>
-                <a:cs typeface="Times New Roman" panose="02020603050405020304" pitchFamily="18" charset="0"/>
-              </a:rPr>
-              <a:t>temp</a:t>
-            </a:r>
-            <a:r>
-              <a:rPr lang="en-GB" dirty="0">
-                <a:solidFill>
-                  <a:srgbClr val="000000"/>
-                </a:solidFill>
-                <a:latin typeface="Consolas" panose="020B0609020204030204" pitchFamily="49" charset="0"/>
-                <a:ea typeface="Times New Roman" panose="02020603050405020304" pitchFamily="18" charset="0"/>
-                <a:cs typeface="Times New Roman" panose="02020603050405020304" pitchFamily="18" charset="0"/>
-              </a:rPr>
-              <a:t> = </a:t>
-            </a:r>
-            <a:r>
-              <a:rPr lang="en-GB" dirty="0">
-                <a:solidFill>
-                  <a:srgbClr val="A31515"/>
-                </a:solidFill>
-                <a:latin typeface="Consolas" panose="020B0609020204030204" pitchFamily="49" charset="0"/>
-                <a:ea typeface="Times New Roman" panose="02020603050405020304" pitchFamily="18" charset="0"/>
-                <a:cs typeface="Times New Roman" panose="02020603050405020304" pitchFamily="18" charset="0"/>
-              </a:rPr>
-              <a:t>'inner'</a:t>
-            </a:r>
-            <a:r>
-              <a:rPr lang="en-GB" dirty="0">
-                <a:solidFill>
-                  <a:srgbClr val="000000"/>
-                </a:solidFill>
-                <a:latin typeface="Consolas" panose="020B0609020204030204" pitchFamily="49" charset="0"/>
-                <a:ea typeface="Times New Roman" panose="02020603050405020304" pitchFamily="18" charset="0"/>
-                <a:cs typeface="Times New Roman" panose="02020603050405020304" pitchFamily="18" charset="0"/>
-              </a:rPr>
-              <a:t>; </a:t>
-            </a:r>
-            <a:endParaRPr lang="pl-PL" sz="3200" dirty="0">
+            <a:endParaRPr lang="pl-PL" sz="3600" dirty="0">
               <a:latin typeface="Calibri" panose="020F0502020204030204" pitchFamily="34" charset="0"/>
               <a:ea typeface="Calibri" panose="020F0502020204030204" pitchFamily="34" charset="0"/>
               <a:cs typeface="Times New Roman" panose="02020603050405020304" pitchFamily="18" charset="0"/>
@@ -5217,7 +6183,7 @@
               <a:buNone/>
             </a:pPr>
             <a:r>
-              <a:rPr lang="en-GB" sz="3200" dirty="0">
+              <a:rPr lang="en-GB" dirty="0">
                 <a:solidFill>
                   <a:srgbClr val="000000"/>
                 </a:solidFill>
@@ -5225,13 +6191,74 @@
                 <a:ea typeface="Times New Roman" panose="02020603050405020304" pitchFamily="18" charset="0"/>
                 <a:cs typeface="Times New Roman" panose="02020603050405020304" pitchFamily="18" charset="0"/>
               </a:rPr>
-              <a:t>}</a:t>
-            </a:r>
-            <a:endParaRPr lang="pl-PL" sz="3200" dirty="0">
-              <a:latin typeface="Calibri" panose="020F0502020204030204" pitchFamily="34" charset="0"/>
-              <a:ea typeface="Calibri" panose="020F0502020204030204" pitchFamily="34" charset="0"/>
-              <a:cs typeface="Times New Roman" panose="02020603050405020304" pitchFamily="18" charset="0"/>
-            </a:endParaRPr>
+              <a:t>    </a:t>
+            </a:r>
+            <a:r>
+              <a:rPr lang="en-GB" b="1" u="sng" dirty="0" err="1">
+                <a:solidFill>
+                  <a:srgbClr val="0000FF"/>
+                </a:solidFill>
+                <a:latin typeface="Consolas" panose="020B0609020204030204" pitchFamily="49" charset="0"/>
+                <a:ea typeface="Times New Roman" panose="02020603050405020304" pitchFamily="18" charset="0"/>
+                <a:cs typeface="Times New Roman" panose="02020603050405020304" pitchFamily="18" charset="0"/>
+              </a:rPr>
+              <a:t>var</a:t>
+            </a:r>
+            <a:r>
+              <a:rPr lang="en-GB" b="1" u="sng" dirty="0">
+                <a:solidFill>
+                  <a:srgbClr val="000000"/>
+                </a:solidFill>
+                <a:latin typeface="Consolas" panose="020B0609020204030204" pitchFamily="49" charset="0"/>
+                <a:ea typeface="Times New Roman" panose="02020603050405020304" pitchFamily="18" charset="0"/>
+                <a:cs typeface="Times New Roman" panose="02020603050405020304" pitchFamily="18" charset="0"/>
+              </a:rPr>
+              <a:t> </a:t>
+            </a:r>
+            <a:r>
+              <a:rPr lang="en-GB" b="1" u="sng" dirty="0">
+                <a:solidFill>
+                  <a:srgbClr val="001080"/>
+                </a:solidFill>
+                <a:latin typeface="Consolas" panose="020B0609020204030204" pitchFamily="49" charset="0"/>
+                <a:ea typeface="Times New Roman" panose="02020603050405020304" pitchFamily="18" charset="0"/>
+                <a:cs typeface="Times New Roman" panose="02020603050405020304" pitchFamily="18" charset="0"/>
+              </a:rPr>
+              <a:t>temp</a:t>
+            </a:r>
+            <a:r>
+              <a:rPr lang="en-GB" b="1" u="sng" dirty="0">
+                <a:solidFill>
+                  <a:srgbClr val="000000"/>
+                </a:solidFill>
+                <a:latin typeface="Consolas" panose="020B0609020204030204" pitchFamily="49" charset="0"/>
+                <a:ea typeface="Times New Roman" panose="02020603050405020304" pitchFamily="18" charset="0"/>
+                <a:cs typeface="Times New Roman" panose="02020603050405020304" pitchFamily="18" charset="0"/>
+              </a:rPr>
+              <a:t> = </a:t>
+            </a:r>
+            <a:r>
+              <a:rPr lang="en-GB" b="1" u="sng" dirty="0">
+                <a:solidFill>
+                  <a:srgbClr val="A31515"/>
+                </a:solidFill>
+                <a:latin typeface="Consolas" panose="020B0609020204030204" pitchFamily="49" charset="0"/>
+                <a:ea typeface="Times New Roman" panose="02020603050405020304" pitchFamily="18" charset="0"/>
+                <a:cs typeface="Times New Roman" panose="02020603050405020304" pitchFamily="18" charset="0"/>
+              </a:rPr>
+              <a:t>‘INNER’</a:t>
+            </a:r>
+            <a:r>
+              <a:rPr lang="en-GB" b="1" u="sng" dirty="0">
+                <a:solidFill>
+                  <a:srgbClr val="000000"/>
+                </a:solidFill>
+                <a:latin typeface="Consolas" panose="020B0609020204030204" pitchFamily="49" charset="0"/>
+                <a:ea typeface="Times New Roman" panose="02020603050405020304" pitchFamily="18" charset="0"/>
+                <a:cs typeface="Times New Roman" panose="02020603050405020304" pitchFamily="18" charset="0"/>
+              </a:rPr>
+              <a:t>;</a:t>
+            </a:r>
           </a:p>
           <a:p>
             <a:pPr marL="0" indent="0">
@@ -5243,17 +6270,6 @@
               </a:spcAft>
               <a:buNone/>
             </a:pPr>
-            <a:r>
-              <a:rPr lang="en-GB" dirty="0">
-                <a:solidFill>
-                  <a:srgbClr val="000000"/>
-                </a:solidFill>
-                <a:latin typeface="Consolas" panose="020B0609020204030204" pitchFamily="49" charset="0"/>
-                <a:ea typeface="Times New Roman" panose="02020603050405020304" pitchFamily="18" charset="0"/>
-                <a:cs typeface="Times New Roman" panose="02020603050405020304" pitchFamily="18" charset="0"/>
-              </a:rPr>
-              <a:t> </a:t>
-            </a:r>
             <a:endParaRPr lang="pl-PL" sz="3200" dirty="0">
               <a:latin typeface="Calibri" panose="020F0502020204030204" pitchFamily="34" charset="0"/>
               <a:ea typeface="Calibri" panose="020F0502020204030204" pitchFamily="34" charset="0"/>
@@ -5271,8 +6287,274 @@
               <a:buNone/>
             </a:pPr>
             <a:r>
+              <a:rPr lang="en-GB" sz="4000" b="1" dirty="0">
+                <a:solidFill>
+                  <a:srgbClr val="000000"/>
+                </a:solidFill>
+                <a:latin typeface="Consolas" panose="020B0609020204030204" pitchFamily="49" charset="0"/>
+                <a:ea typeface="Times New Roman" panose="02020603050405020304" pitchFamily="18" charset="0"/>
+                <a:cs typeface="Times New Roman" panose="02020603050405020304" pitchFamily="18" charset="0"/>
+              </a:rPr>
+              <a:t>}</a:t>
+            </a:r>
+            <a:endParaRPr lang="pl-PL" sz="4000" b="1" dirty="0">
+              <a:latin typeface="Calibri" panose="020F0502020204030204" pitchFamily="34" charset="0"/>
+              <a:ea typeface="Calibri" panose="020F0502020204030204" pitchFamily="34" charset="0"/>
+              <a:cs typeface="Times New Roman" panose="02020603050405020304" pitchFamily="18" charset="0"/>
+            </a:endParaRPr>
+          </a:p>
+          <a:p>
+            <a:pPr marL="0" indent="0">
+              <a:lnSpc>
+                <a:spcPts val="1425"/>
+              </a:lnSpc>
+              <a:spcAft>
+                <a:spcPts val="0"/>
+              </a:spcAft>
+              <a:buNone/>
+            </a:pPr>
+            <a:r>
               <a:rPr lang="en-GB" dirty="0">
                 <a:solidFill>
+                  <a:srgbClr val="000000"/>
+                </a:solidFill>
+                <a:latin typeface="Consolas" panose="020B0609020204030204" pitchFamily="49" charset="0"/>
+                <a:ea typeface="Times New Roman" panose="02020603050405020304" pitchFamily="18" charset="0"/>
+                <a:cs typeface="Times New Roman" panose="02020603050405020304" pitchFamily="18" charset="0"/>
+              </a:rPr>
+              <a:t> </a:t>
+            </a:r>
+            <a:endParaRPr lang="pl-PL" sz="3200" dirty="0">
+              <a:latin typeface="Calibri" panose="020F0502020204030204" pitchFamily="34" charset="0"/>
+              <a:ea typeface="Calibri" panose="020F0502020204030204" pitchFamily="34" charset="0"/>
+              <a:cs typeface="Times New Roman" panose="02020603050405020304" pitchFamily="18" charset="0"/>
+            </a:endParaRPr>
+          </a:p>
+          <a:p>
+            <a:pPr marL="0" indent="0">
+              <a:lnSpc>
+                <a:spcPts val="1425"/>
+              </a:lnSpc>
+              <a:spcAft>
+                <a:spcPts val="0"/>
+              </a:spcAft>
+              <a:buNone/>
+            </a:pPr>
+            <a:r>
+              <a:rPr lang="en-GB" sz="3600" b="1" dirty="0">
+                <a:solidFill>
+                  <a:srgbClr val="795E26"/>
+                </a:solidFill>
+                <a:latin typeface="Consolas" panose="020B0609020204030204" pitchFamily="49" charset="0"/>
+                <a:ea typeface="Times New Roman" panose="02020603050405020304" pitchFamily="18" charset="0"/>
+                <a:cs typeface="Times New Roman" panose="02020603050405020304" pitchFamily="18" charset="0"/>
+              </a:rPr>
+              <a:t>f1</a:t>
+            </a:r>
+            <a:r>
+              <a:rPr lang="en-GB" dirty="0">
+                <a:solidFill>
+                  <a:srgbClr val="000000"/>
+                </a:solidFill>
+                <a:latin typeface="Consolas" panose="020B0609020204030204" pitchFamily="49" charset="0"/>
+                <a:ea typeface="Times New Roman" panose="02020603050405020304" pitchFamily="18" charset="0"/>
+                <a:cs typeface="Times New Roman" panose="02020603050405020304" pitchFamily="18" charset="0"/>
+              </a:rPr>
+              <a:t>();</a:t>
+            </a:r>
+            <a:endParaRPr lang="pl-PL" sz="3200" dirty="0">
+              <a:latin typeface="Calibri" panose="020F0502020204030204" pitchFamily="34" charset="0"/>
+              <a:ea typeface="Calibri" panose="020F0502020204030204" pitchFamily="34" charset="0"/>
+              <a:cs typeface="Times New Roman" panose="02020603050405020304" pitchFamily="18" charset="0"/>
+            </a:endParaRPr>
+          </a:p>
+          <a:p>
+            <a:pPr marL="0" indent="0">
+              <a:lnSpc>
+                <a:spcPts val="1425"/>
+              </a:lnSpc>
+              <a:spcAft>
+                <a:spcPts val="0"/>
+              </a:spcAft>
+              <a:buNone/>
+            </a:pPr>
+            <a:r>
+              <a:rPr lang="en-GB" dirty="0">
+                <a:solidFill>
+                  <a:srgbClr val="000000"/>
+                </a:solidFill>
+                <a:latin typeface="Consolas" panose="020B0609020204030204" pitchFamily="49" charset="0"/>
+                <a:ea typeface="Times New Roman" panose="02020603050405020304" pitchFamily="18" charset="0"/>
+                <a:cs typeface="Times New Roman" panose="02020603050405020304" pitchFamily="18" charset="0"/>
+              </a:rPr>
+              <a:t> </a:t>
+            </a:r>
+            <a:endParaRPr lang="pl-PL" sz="3200" dirty="0">
+              <a:latin typeface="Calibri" panose="020F0502020204030204" pitchFamily="34" charset="0"/>
+              <a:ea typeface="Calibri" panose="020F0502020204030204" pitchFamily="34" charset="0"/>
+              <a:cs typeface="Times New Roman" panose="02020603050405020304" pitchFamily="18" charset="0"/>
+            </a:endParaRPr>
+          </a:p>
+          <a:p>
+            <a:pPr marL="0" indent="0">
+              <a:lnSpc>
+                <a:spcPts val="1425"/>
+              </a:lnSpc>
+              <a:spcAft>
+                <a:spcPts val="0"/>
+              </a:spcAft>
+              <a:buNone/>
+            </a:pPr>
+            <a:endParaRPr lang="en-GB" dirty="0">
+              <a:solidFill>
+                <a:srgbClr val="267F99"/>
+              </a:solidFill>
+              <a:latin typeface="Consolas" panose="020B0609020204030204" pitchFamily="49" charset="0"/>
+              <a:ea typeface="Times New Roman" panose="02020603050405020304" pitchFamily="18" charset="0"/>
+              <a:cs typeface="Times New Roman" panose="02020603050405020304" pitchFamily="18" charset="0"/>
+            </a:endParaRPr>
+          </a:p>
+          <a:p>
+            <a:pPr marL="0" indent="0">
+              <a:lnSpc>
+                <a:spcPts val="1425"/>
+              </a:lnSpc>
+              <a:spcAft>
+                <a:spcPts val="0"/>
+              </a:spcAft>
+              <a:buNone/>
+            </a:pPr>
+            <a:endParaRPr lang="en-GB" dirty="0">
+              <a:solidFill>
+                <a:srgbClr val="267F99"/>
+              </a:solidFill>
+              <a:latin typeface="Consolas" panose="020B0609020204030204" pitchFamily="49" charset="0"/>
+              <a:ea typeface="Times New Roman" panose="02020603050405020304" pitchFamily="18" charset="0"/>
+              <a:cs typeface="Times New Roman" panose="02020603050405020304" pitchFamily="18" charset="0"/>
+            </a:endParaRPr>
+          </a:p>
+          <a:p>
+            <a:pPr marL="0" indent="0">
+              <a:lnSpc>
+                <a:spcPts val="1425"/>
+              </a:lnSpc>
+              <a:spcAft>
+                <a:spcPts val="0"/>
+              </a:spcAft>
+              <a:buNone/>
+            </a:pPr>
+            <a:endParaRPr lang="en-GB" sz="3200" dirty="0">
+              <a:solidFill>
+                <a:srgbClr val="008000"/>
+              </a:solidFill>
+              <a:latin typeface="Consolas" panose="020B0609020204030204" pitchFamily="49" charset="0"/>
+              <a:ea typeface="Calibri" panose="020F0502020204030204" pitchFamily="34" charset="0"/>
+              <a:cs typeface="Times New Roman" panose="02020603050405020304" pitchFamily="18" charset="0"/>
+            </a:endParaRPr>
+          </a:p>
+          <a:p>
+            <a:pPr marL="0" indent="0">
+              <a:lnSpc>
+                <a:spcPts val="1425"/>
+              </a:lnSpc>
+              <a:spcAft>
+                <a:spcPts val="0"/>
+              </a:spcAft>
+              <a:buNone/>
+            </a:pPr>
+            <a:endParaRPr lang="pl-PL" sz="3200" dirty="0">
+              <a:latin typeface="Calibri" panose="020F0502020204030204" pitchFamily="34" charset="0"/>
+              <a:ea typeface="Calibri" panose="020F0502020204030204" pitchFamily="34" charset="0"/>
+              <a:cs typeface="Times New Roman" panose="02020603050405020304" pitchFamily="18" charset="0"/>
+            </a:endParaRPr>
+          </a:p>
+          <a:p>
+            <a:pPr marL="0" indent="0">
+              <a:buNone/>
+            </a:pPr>
+            <a:endParaRPr lang="pl-PL" dirty="0"/>
+          </a:p>
+        </p:txBody>
+      </p:sp>
+      <p:sp>
+        <p:nvSpPr>
+          <p:cNvPr id="4" name="Uśmiechnięta buźka 3">
+            <a:extLst>
+              <a:ext uri="{FF2B5EF4-FFF2-40B4-BE49-F238E27FC236}">
+                <a16:creationId xmlns:a16="http://schemas.microsoft.com/office/drawing/2014/main" id="{ED6D7D81-8EFD-4A50-9658-71D8F468CE9C}"/>
+              </a:ext>
+            </a:extLst>
+          </p:cNvPr>
+          <p:cNvSpPr/>
+          <p:nvPr/>
+        </p:nvSpPr>
+        <p:spPr>
+          <a:xfrm>
+            <a:off x="1053549" y="681037"/>
+            <a:ext cx="675861" cy="655982"/>
+          </a:xfrm>
+          <a:prstGeom prst="smileyFace">
+            <a:avLst/>
+          </a:prstGeom>
+        </p:spPr>
+        <p:style>
+          <a:lnRef idx="3">
+            <a:schemeClr val="lt1"/>
+          </a:lnRef>
+          <a:fillRef idx="1">
+            <a:schemeClr val="accent6"/>
+          </a:fillRef>
+          <a:effectRef idx="1">
+            <a:schemeClr val="accent6"/>
+          </a:effectRef>
+          <a:fontRef idx="minor">
+            <a:schemeClr val="lt1"/>
+          </a:fontRef>
+        </p:style>
+        <p:txBody>
+          <a:bodyPr rtlCol="0" anchor="ctr"/>
+          <a:lstStyle/>
+          <a:p>
+            <a:pPr algn="ctr"/>
+            <a:endParaRPr lang="pl-PL" dirty="0"/>
+          </a:p>
+        </p:txBody>
+      </p:sp>
+      <p:sp>
+        <p:nvSpPr>
+          <p:cNvPr id="6" name="Prostokąt 5">
+            <a:extLst>
+              <a:ext uri="{FF2B5EF4-FFF2-40B4-BE49-F238E27FC236}">
+                <a16:creationId xmlns:a16="http://schemas.microsoft.com/office/drawing/2014/main" id="{8A76B395-FF69-4550-BEB4-3FC21AB8914D}"/>
+              </a:ext>
+            </a:extLst>
+          </p:cNvPr>
+          <p:cNvSpPr/>
+          <p:nvPr/>
+        </p:nvSpPr>
+        <p:spPr>
+          <a:xfrm>
+            <a:off x="641075" y="5905094"/>
+            <a:ext cx="9292197" cy="271869"/>
+          </a:xfrm>
+          <a:prstGeom prst="rect">
+            <a:avLst/>
+          </a:prstGeom>
+        </p:spPr>
+        <p:txBody>
+          <a:bodyPr wrap="square">
+            <a:spAutoFit/>
+          </a:bodyPr>
+          <a:lstStyle/>
+          <a:p>
+            <a:pPr>
+              <a:lnSpc>
+                <a:spcPts val="1425"/>
+              </a:lnSpc>
+            </a:pPr>
+            <a:r>
+              <a:rPr lang="en-GB" sz="2800" dirty="0">
+                <a:solidFill>
                   <a:srgbClr val="267F99"/>
                 </a:solidFill>
                 <a:latin typeface="Consolas" panose="020B0609020204030204" pitchFamily="49" charset="0"/>
@@ -5282,6 +6564,749 @@
               <a:t>console</a:t>
             </a:r>
             <a:r>
+              <a:rPr lang="en-GB" sz="2800" dirty="0">
+                <a:solidFill>
+                  <a:srgbClr val="000000"/>
+                </a:solidFill>
+                <a:latin typeface="Consolas" panose="020B0609020204030204" pitchFamily="49" charset="0"/>
+                <a:ea typeface="Times New Roman" panose="02020603050405020304" pitchFamily="18" charset="0"/>
+                <a:cs typeface="Times New Roman" panose="02020603050405020304" pitchFamily="18" charset="0"/>
+              </a:rPr>
+              <a:t>.</a:t>
+            </a:r>
+            <a:r>
+              <a:rPr lang="en-GB" sz="2800" dirty="0">
+                <a:solidFill>
+                  <a:srgbClr val="795E26"/>
+                </a:solidFill>
+                <a:latin typeface="Consolas" panose="020B0609020204030204" pitchFamily="49" charset="0"/>
+                <a:ea typeface="Times New Roman" panose="02020603050405020304" pitchFamily="18" charset="0"/>
+                <a:cs typeface="Times New Roman" panose="02020603050405020304" pitchFamily="18" charset="0"/>
+              </a:rPr>
+              <a:t>log</a:t>
+            </a:r>
+            <a:r>
+              <a:rPr lang="en-GB" sz="2800" dirty="0">
+                <a:solidFill>
+                  <a:srgbClr val="000000"/>
+                </a:solidFill>
+                <a:latin typeface="Consolas" panose="020B0609020204030204" pitchFamily="49" charset="0"/>
+                <a:ea typeface="Times New Roman" panose="02020603050405020304" pitchFamily="18" charset="0"/>
+                <a:cs typeface="Times New Roman" panose="02020603050405020304" pitchFamily="18" charset="0"/>
+              </a:rPr>
+              <a:t>(</a:t>
+            </a:r>
+            <a:r>
+              <a:rPr lang="en-GB" sz="2800" dirty="0">
+                <a:solidFill>
+                  <a:srgbClr val="001080"/>
+                </a:solidFill>
+                <a:latin typeface="Consolas" panose="020B0609020204030204" pitchFamily="49" charset="0"/>
+                <a:ea typeface="Times New Roman" panose="02020603050405020304" pitchFamily="18" charset="0"/>
+                <a:cs typeface="Times New Roman" panose="02020603050405020304" pitchFamily="18" charset="0"/>
+              </a:rPr>
+              <a:t>temp</a:t>
+            </a:r>
+            <a:r>
+              <a:rPr lang="en-GB" sz="2800" dirty="0">
+                <a:solidFill>
+                  <a:srgbClr val="000000"/>
+                </a:solidFill>
+                <a:latin typeface="Consolas" panose="020B0609020204030204" pitchFamily="49" charset="0"/>
+                <a:ea typeface="Times New Roman" panose="02020603050405020304" pitchFamily="18" charset="0"/>
+                <a:cs typeface="Times New Roman" panose="02020603050405020304" pitchFamily="18" charset="0"/>
+              </a:rPr>
+              <a:t>); </a:t>
+            </a:r>
+            <a:r>
+              <a:rPr lang="en-GB" sz="2800" b="1" u="sng" dirty="0">
+                <a:solidFill>
+                  <a:srgbClr val="008000"/>
+                </a:solidFill>
+                <a:latin typeface="Consolas" panose="020B0609020204030204" pitchFamily="49" charset="0"/>
+                <a:ea typeface="Times New Roman" panose="02020603050405020304" pitchFamily="18" charset="0"/>
+                <a:cs typeface="Times New Roman" panose="02020603050405020304" pitchFamily="18" charset="0"/>
+              </a:rPr>
+              <a:t>// Console prints: </a:t>
+            </a:r>
+            <a:r>
+              <a:rPr lang="en-GB" sz="2800" b="1" u="sng" dirty="0">
+                <a:solidFill>
+                  <a:srgbClr val="A31515"/>
+                </a:solidFill>
+                <a:latin typeface="Consolas" panose="020B0609020204030204" pitchFamily="49" charset="0"/>
+                <a:ea typeface="Times New Roman" panose="02020603050405020304" pitchFamily="18" charset="0"/>
+                <a:cs typeface="Times New Roman" panose="02020603050405020304" pitchFamily="18" charset="0"/>
+              </a:rPr>
+              <a:t>‘OUTER'</a:t>
+            </a:r>
+            <a:r>
+              <a:rPr lang="en-GB" sz="2800" b="1" u="sng" dirty="0">
+                <a:solidFill>
+                  <a:srgbClr val="000000"/>
+                </a:solidFill>
+                <a:latin typeface="Consolas" panose="020B0609020204030204" pitchFamily="49" charset="0"/>
+                <a:ea typeface="Times New Roman" panose="02020603050405020304" pitchFamily="18" charset="0"/>
+                <a:cs typeface="Times New Roman" panose="02020603050405020304" pitchFamily="18" charset="0"/>
+              </a:rPr>
+              <a:t>;</a:t>
+            </a:r>
+            <a:endParaRPr lang="en-GB" sz="2800" b="1" u="sng" dirty="0">
+              <a:solidFill>
+                <a:srgbClr val="008000"/>
+              </a:solidFill>
+              <a:latin typeface="Consolas" panose="020B0609020204030204" pitchFamily="49" charset="0"/>
+              <a:ea typeface="Times New Roman" panose="02020603050405020304" pitchFamily="18" charset="0"/>
+              <a:cs typeface="Times New Roman" panose="02020603050405020304" pitchFamily="18" charset="0"/>
+            </a:endParaRPr>
+          </a:p>
+        </p:txBody>
+      </p:sp>
+    </p:spTree>
+    <p:extLst>
+      <p:ext uri="{BB962C8B-B14F-4D97-AF65-F5344CB8AC3E}">
+        <p14:creationId xmlns:p14="http://schemas.microsoft.com/office/powerpoint/2010/main" val="1552197728"/>
+      </p:ext>
+    </p:extLst>
+  </p:cSld>
+  <p:clrMapOvr>
+    <a:masterClrMapping/>
+  </p:clrMapOvr>
+  <p:timing>
+    <p:tnLst>
+      <p:par>
+        <p:cTn id="1" dur="indefinite" restart="never" nodeType="tmRoot">
+          <p:childTnLst>
+            <p:seq concurrent="1" nextAc="seek">
+              <p:cTn id="2" dur="indefinite" nodeType="mainSeq">
+                <p:childTnLst>
+                  <p:par>
+                    <p:cTn id="3" fill="hold">
+                      <p:stCondLst>
+                        <p:cond delay="indefinite"/>
+                      </p:stCondLst>
+                      <p:childTnLst>
+                        <p:par>
+                          <p:cTn id="4" fill="hold">
+                            <p:stCondLst>
+                              <p:cond delay="0"/>
+                            </p:stCondLst>
+                            <p:childTnLst>
+                              <p:par>
+                                <p:cTn id="5" presetID="1" presetClass="entr" presetSubtype="0" fill="hold" grpId="0" nodeType="clickEffect">
+                                  <p:stCondLst>
+                                    <p:cond delay="0"/>
+                                  </p:stCondLst>
+                                  <p:childTnLst>
+                                    <p:set>
+                                      <p:cBhvr>
+                                        <p:cTn id="6" dur="1" fill="hold">
+                                          <p:stCondLst>
+                                            <p:cond delay="0"/>
+                                          </p:stCondLst>
+                                        </p:cTn>
+                                        <p:tgtEl>
+                                          <p:spTgt spid="5"/>
+                                        </p:tgtEl>
+                                        <p:attrNameLst>
+                                          <p:attrName>style.visibility</p:attrName>
+                                        </p:attrNameLst>
+                                      </p:cBhvr>
+                                      <p:to>
+                                        <p:strVal val="visible"/>
+                                      </p:to>
+                                    </p:set>
+                                  </p:childTnLst>
+                                </p:cTn>
+                              </p:par>
+                              <p:par>
+                                <p:cTn id="7" presetID="1" presetClass="entr" presetSubtype="0" fill="hold" grpId="0" nodeType="withEffect">
+                                  <p:stCondLst>
+                                    <p:cond delay="0"/>
+                                  </p:stCondLst>
+                                  <p:childTnLst>
+                                    <p:set>
+                                      <p:cBhvr>
+                                        <p:cTn id="8" dur="1" fill="hold">
+                                          <p:stCondLst>
+                                            <p:cond delay="0"/>
+                                          </p:stCondLst>
+                                        </p:cTn>
+                                        <p:tgtEl>
+                                          <p:spTgt spid="3">
+                                            <p:txEl>
+                                              <p:pRg st="1" end="1"/>
+                                            </p:txEl>
+                                          </p:spTgt>
+                                        </p:tgtEl>
+                                        <p:attrNameLst>
+                                          <p:attrName>style.visibility</p:attrName>
+                                        </p:attrNameLst>
+                                      </p:cBhvr>
+                                      <p:to>
+                                        <p:strVal val="visible"/>
+                                      </p:to>
+                                    </p:set>
+                                  </p:childTnLst>
+                                </p:cTn>
+                              </p:par>
+                              <p:par>
+                                <p:cTn id="9" presetID="1" presetClass="entr" presetSubtype="0" fill="hold" grpId="0" nodeType="withEffect">
+                                  <p:stCondLst>
+                                    <p:cond delay="0"/>
+                                  </p:stCondLst>
+                                  <p:childTnLst>
+                                    <p:set>
+                                      <p:cBhvr>
+                                        <p:cTn id="10" dur="1" fill="hold">
+                                          <p:stCondLst>
+                                            <p:cond delay="0"/>
+                                          </p:stCondLst>
+                                        </p:cTn>
+                                        <p:tgtEl>
+                                          <p:spTgt spid="3">
+                                            <p:txEl>
+                                              <p:pRg st="2" end="2"/>
+                                            </p:txEl>
+                                          </p:spTgt>
+                                        </p:tgtEl>
+                                        <p:attrNameLst>
+                                          <p:attrName>style.visibility</p:attrName>
+                                        </p:attrNameLst>
+                                      </p:cBhvr>
+                                      <p:to>
+                                        <p:strVal val="visible"/>
+                                      </p:to>
+                                    </p:set>
+                                  </p:childTnLst>
+                                </p:cTn>
+                              </p:par>
+                              <p:par>
+                                <p:cTn id="11" presetID="1" presetClass="entr" presetSubtype="0" fill="hold" grpId="0" nodeType="withEffect">
+                                  <p:stCondLst>
+                                    <p:cond delay="0"/>
+                                  </p:stCondLst>
+                                  <p:childTnLst>
+                                    <p:set>
+                                      <p:cBhvr>
+                                        <p:cTn id="12" dur="1" fill="hold">
+                                          <p:stCondLst>
+                                            <p:cond delay="0"/>
+                                          </p:stCondLst>
+                                        </p:cTn>
+                                        <p:tgtEl>
+                                          <p:spTgt spid="3">
+                                            <p:txEl>
+                                              <p:pRg st="3" end="3"/>
+                                            </p:txEl>
+                                          </p:spTgt>
+                                        </p:tgtEl>
+                                        <p:attrNameLst>
+                                          <p:attrName>style.visibility</p:attrName>
+                                        </p:attrNameLst>
+                                      </p:cBhvr>
+                                      <p:to>
+                                        <p:strVal val="visible"/>
+                                      </p:to>
+                                    </p:set>
+                                  </p:childTnLst>
+                                </p:cTn>
+                              </p:par>
+                              <p:par>
+                                <p:cTn id="13" presetID="1" presetClass="entr" presetSubtype="0" fill="hold" grpId="0" nodeType="withEffect">
+                                  <p:stCondLst>
+                                    <p:cond delay="0"/>
+                                  </p:stCondLst>
+                                  <p:childTnLst>
+                                    <p:set>
+                                      <p:cBhvr>
+                                        <p:cTn id="14" dur="1" fill="hold">
+                                          <p:stCondLst>
+                                            <p:cond delay="0"/>
+                                          </p:stCondLst>
+                                        </p:cTn>
+                                        <p:tgtEl>
+                                          <p:spTgt spid="3">
+                                            <p:txEl>
+                                              <p:pRg st="5" end="5"/>
+                                            </p:txEl>
+                                          </p:spTgt>
+                                        </p:tgtEl>
+                                        <p:attrNameLst>
+                                          <p:attrName>style.visibility</p:attrName>
+                                        </p:attrNameLst>
+                                      </p:cBhvr>
+                                      <p:to>
+                                        <p:strVal val="visible"/>
+                                      </p:to>
+                                    </p:set>
+                                  </p:childTnLst>
+                                </p:cTn>
+                              </p:par>
+                              <p:par>
+                                <p:cTn id="15" presetID="1" presetClass="entr" presetSubtype="0" fill="hold" grpId="0" nodeType="withEffect">
+                                  <p:stCondLst>
+                                    <p:cond delay="0"/>
+                                  </p:stCondLst>
+                                  <p:childTnLst>
+                                    <p:set>
+                                      <p:cBhvr>
+                                        <p:cTn id="16" dur="1" fill="hold">
+                                          <p:stCondLst>
+                                            <p:cond delay="0"/>
+                                          </p:stCondLst>
+                                        </p:cTn>
+                                        <p:tgtEl>
+                                          <p:spTgt spid="3">
+                                            <p:txEl>
+                                              <p:pRg st="7" end="7"/>
+                                            </p:txEl>
+                                          </p:spTgt>
+                                        </p:tgtEl>
+                                        <p:attrNameLst>
+                                          <p:attrName>style.visibility</p:attrName>
+                                        </p:attrNameLst>
+                                      </p:cBhvr>
+                                      <p:to>
+                                        <p:strVal val="visible"/>
+                                      </p:to>
+                                    </p:set>
+                                  </p:childTnLst>
+                                </p:cTn>
+                              </p:par>
+                              <p:par>
+                                <p:cTn id="17" presetID="1" presetClass="entr" presetSubtype="0" fill="hold" grpId="0" nodeType="withEffect">
+                                  <p:stCondLst>
+                                    <p:cond delay="0"/>
+                                  </p:stCondLst>
+                                  <p:childTnLst>
+                                    <p:set>
+                                      <p:cBhvr>
+                                        <p:cTn id="18" dur="1" fill="hold">
+                                          <p:stCondLst>
+                                            <p:cond delay="0"/>
+                                          </p:stCondLst>
+                                        </p:cTn>
+                                        <p:tgtEl>
+                                          <p:spTgt spid="3">
+                                            <p:txEl>
+                                              <p:pRg st="8" end="8"/>
+                                            </p:txEl>
+                                          </p:spTgt>
+                                        </p:tgtEl>
+                                        <p:attrNameLst>
+                                          <p:attrName>style.visibility</p:attrName>
+                                        </p:attrNameLst>
+                                      </p:cBhvr>
+                                      <p:to>
+                                        <p:strVal val="visible"/>
+                                      </p:to>
+                                    </p:set>
+                                  </p:childTnLst>
+                                </p:cTn>
+                              </p:par>
+                              <p:par>
+                                <p:cTn id="19" presetID="1" presetClass="entr" presetSubtype="0" fill="hold" grpId="0" nodeType="withEffect">
+                                  <p:stCondLst>
+                                    <p:cond delay="0"/>
+                                  </p:stCondLst>
+                                  <p:childTnLst>
+                                    <p:set>
+                                      <p:cBhvr>
+                                        <p:cTn id="20" dur="1" fill="hold">
+                                          <p:stCondLst>
+                                            <p:cond delay="0"/>
+                                          </p:stCondLst>
+                                        </p:cTn>
+                                        <p:tgtEl>
+                                          <p:spTgt spid="3">
+                                            <p:txEl>
+                                              <p:pRg st="9" end="9"/>
+                                            </p:txEl>
+                                          </p:spTgt>
+                                        </p:tgtEl>
+                                        <p:attrNameLst>
+                                          <p:attrName>style.visibility</p:attrName>
+                                        </p:attrNameLst>
+                                      </p:cBhvr>
+                                      <p:to>
+                                        <p:strVal val="visible"/>
+                                      </p:to>
+                                    </p:set>
+                                  </p:childTnLst>
+                                </p:cTn>
+                              </p:par>
+                              <p:par>
+                                <p:cTn id="21" presetID="1" presetClass="entr" presetSubtype="0" fill="hold" grpId="0" nodeType="withEffect">
+                                  <p:stCondLst>
+                                    <p:cond delay="0"/>
+                                  </p:stCondLst>
+                                  <p:childTnLst>
+                                    <p:set>
+                                      <p:cBhvr>
+                                        <p:cTn id="22" dur="1" fill="hold">
+                                          <p:stCondLst>
+                                            <p:cond delay="0"/>
+                                          </p:stCondLst>
+                                        </p:cTn>
+                                        <p:tgtEl>
+                                          <p:spTgt spid="3">
+                                            <p:txEl>
+                                              <p:pRg st="10" end="10"/>
+                                            </p:txEl>
+                                          </p:spTgt>
+                                        </p:tgtEl>
+                                        <p:attrNameLst>
+                                          <p:attrName>style.visibility</p:attrName>
+                                        </p:attrNameLst>
+                                      </p:cBhvr>
+                                      <p:to>
+                                        <p:strVal val="visible"/>
+                                      </p:to>
+                                    </p:set>
+                                  </p:childTnLst>
+                                </p:cTn>
+                              </p:par>
+                            </p:childTnLst>
+                          </p:cTn>
+                        </p:par>
+                      </p:childTnLst>
+                    </p:cTn>
+                  </p:par>
+                  <p:par>
+                    <p:cTn id="23" fill="hold">
+                      <p:stCondLst>
+                        <p:cond delay="indefinite"/>
+                      </p:stCondLst>
+                      <p:childTnLst>
+                        <p:par>
+                          <p:cTn id="24" fill="hold">
+                            <p:stCondLst>
+                              <p:cond delay="0"/>
+                            </p:stCondLst>
+                            <p:childTnLst>
+                              <p:par>
+                                <p:cTn id="25" presetID="1" presetClass="entr" presetSubtype="0" fill="hold" grpId="0" nodeType="clickEffect">
+                                  <p:stCondLst>
+                                    <p:cond delay="0"/>
+                                  </p:stCondLst>
+                                  <p:childTnLst>
+                                    <p:set>
+                                      <p:cBhvr>
+                                        <p:cTn id="26" dur="1" fill="hold">
+                                          <p:stCondLst>
+                                            <p:cond delay="0"/>
+                                          </p:stCondLst>
+                                        </p:cTn>
+                                        <p:tgtEl>
+                                          <p:spTgt spid="6"/>
+                                        </p:tgtEl>
+                                        <p:attrNameLst>
+                                          <p:attrName>style.visibility</p:attrName>
+                                        </p:attrNameLst>
+                                      </p:cBhvr>
+                                      <p:to>
+                                        <p:strVal val="visible"/>
+                                      </p:to>
+                                    </p:set>
+                                  </p:childTnLst>
+                                </p:cTn>
+                              </p:par>
+                            </p:childTnLst>
+                          </p:cTn>
+                        </p:par>
+                      </p:childTnLst>
+                    </p:cTn>
+                  </p:par>
+                </p:childTnLst>
+              </p:cTn>
+              <p:prevCondLst>
+                <p:cond evt="onPrev" delay="0">
+                  <p:tgtEl>
+                    <p:sldTgt/>
+                  </p:tgtEl>
+                </p:cond>
+              </p:prevCondLst>
+              <p:nextCondLst>
+                <p:cond evt="onNext" delay="0">
+                  <p:tgtEl>
+                    <p:sldTgt/>
+                  </p:tgtEl>
+                </p:cond>
+              </p:nextCondLst>
+            </p:seq>
+          </p:childTnLst>
+        </p:cTn>
+      </p:par>
+    </p:tnLst>
+    <p:bldLst>
+      <p:bldP spid="5" grpId="0" animBg="1"/>
+      <p:bldP spid="3" grpId="0" uiExpand="1" build="p"/>
+      <p:bldP spid="6" grpId="0"/>
+    </p:bldLst>
+  </p:timing>
+</p:sld>
+</file>
+
+<file path=ppt/slides/slide7.xml><?xml version="1.0" encoding="utf-8"?>
+<p:sld xmlns:a="http://schemas.openxmlformats.org/drawingml/2006/main" xmlns:r="http://schemas.openxmlformats.org/officeDocument/2006/relationships" xmlns:p="http://schemas.openxmlformats.org/presentationml/2006/main">
+  <p:cSld>
+    <p:spTree>
+      <p:nvGrpSpPr>
+        <p:cNvPr id="1" name=""/>
+        <p:cNvGrpSpPr/>
+        <p:nvPr/>
+      </p:nvGrpSpPr>
+      <p:grpSpPr>
+        <a:xfrm>
+          <a:off x="0" y="0"/>
+          <a:ext cx="0" cy="0"/>
+          <a:chOff x="0" y="0"/>
+          <a:chExt cx="0" cy="0"/>
+        </a:xfrm>
+      </p:grpSpPr>
+      <p:sp>
+        <p:nvSpPr>
+          <p:cNvPr id="13" name="Prostokąt: zaokrąglone rogi 12">
+            <a:extLst>
+              <a:ext uri="{FF2B5EF4-FFF2-40B4-BE49-F238E27FC236}">
+                <a16:creationId xmlns:a16="http://schemas.microsoft.com/office/drawing/2014/main" id="{56EDD65E-0BFF-49BE-B1BE-64F498E62143}"/>
+              </a:ext>
+            </a:extLst>
+          </p:cNvPr>
+          <p:cNvSpPr/>
+          <p:nvPr/>
+        </p:nvSpPr>
+        <p:spPr>
+          <a:xfrm>
+            <a:off x="778566" y="3021496"/>
+            <a:ext cx="5989982" cy="993913"/>
+          </a:xfrm>
+          <a:prstGeom prst="roundRect">
+            <a:avLst/>
+          </a:prstGeom>
+          <a:gradFill flip="none" rotWithShape="1">
+            <a:gsLst>
+              <a:gs pos="0">
+                <a:srgbClr val="FF0000">
+                  <a:tint val="66000"/>
+                  <a:satMod val="160000"/>
+                </a:srgbClr>
+              </a:gs>
+              <a:gs pos="50000">
+                <a:srgbClr val="FF0000">
+                  <a:tint val="44500"/>
+                  <a:satMod val="160000"/>
+                </a:srgbClr>
+              </a:gs>
+              <a:gs pos="100000">
+                <a:srgbClr val="FF0000">
+                  <a:tint val="23500"/>
+                  <a:satMod val="160000"/>
+                </a:srgbClr>
+              </a:gs>
+            </a:gsLst>
+            <a:path path="circle">
+              <a:fillToRect l="50000" t="50000" r="50000" b="50000"/>
+            </a:path>
+            <a:tileRect/>
+          </a:gradFill>
+        </p:spPr>
+        <p:style>
+          <a:lnRef idx="2">
+            <a:schemeClr val="accent1">
+              <a:shade val="50000"/>
+            </a:schemeClr>
+          </a:lnRef>
+          <a:fillRef idx="1">
+            <a:schemeClr val="accent1"/>
+          </a:fillRef>
+          <a:effectRef idx="0">
+            <a:schemeClr val="accent1"/>
+          </a:effectRef>
+          <a:fontRef idx="minor">
+            <a:schemeClr val="lt1"/>
+          </a:fontRef>
+        </p:style>
+        <p:txBody>
+          <a:bodyPr rtlCol="0" anchor="ctr"/>
+          <a:lstStyle/>
+          <a:p>
+            <a:pPr algn="ctr"/>
+            <a:endParaRPr lang="pl-PL"/>
+          </a:p>
+        </p:txBody>
+      </p:sp>
+      <p:sp>
+        <p:nvSpPr>
+          <p:cNvPr id="2" name="Tytuł 1">
+            <a:extLst>
+              <a:ext uri="{FF2B5EF4-FFF2-40B4-BE49-F238E27FC236}">
+                <a16:creationId xmlns:a16="http://schemas.microsoft.com/office/drawing/2014/main" id="{83FC05E8-B10E-4A1E-A803-7040C218E79D}"/>
+              </a:ext>
+            </a:extLst>
+          </p:cNvPr>
+          <p:cNvSpPr>
+            <a:spLocks noGrp="1"/>
+          </p:cNvSpPr>
+          <p:nvPr>
+            <p:ph type="title"/>
+          </p:nvPr>
+        </p:nvSpPr>
+        <p:spPr>
+          <a:xfrm>
+            <a:off x="838200" y="293721"/>
+            <a:ext cx="10515600" cy="1325563"/>
+          </a:xfrm>
+        </p:spPr>
+        <p:txBody>
+          <a:bodyPr/>
+          <a:lstStyle/>
+          <a:p>
+            <a:r>
+              <a:rPr lang="en-GB" dirty="0"/>
+              <a:t>       for, if, while  doesn’t create a local scope</a:t>
+            </a:r>
+            <a:endParaRPr lang="pl-PL" dirty="0"/>
+          </a:p>
+        </p:txBody>
+      </p:sp>
+      <p:sp>
+        <p:nvSpPr>
+          <p:cNvPr id="3" name="Symbol zastępczy zawartości 2">
+            <a:extLst>
+              <a:ext uri="{FF2B5EF4-FFF2-40B4-BE49-F238E27FC236}">
+                <a16:creationId xmlns:a16="http://schemas.microsoft.com/office/drawing/2014/main" id="{A53E0B28-793E-42EA-A7A7-E0C5D9ACCF98}"/>
+              </a:ext>
+            </a:extLst>
+          </p:cNvPr>
+          <p:cNvSpPr>
+            <a:spLocks noGrp="1"/>
+          </p:cNvSpPr>
+          <p:nvPr>
+            <p:ph idx="1"/>
+          </p:nvPr>
+        </p:nvSpPr>
+        <p:spPr>
+          <a:xfrm>
+            <a:off x="937590" y="1825625"/>
+            <a:ext cx="10515600" cy="4351338"/>
+          </a:xfrm>
+        </p:spPr>
+        <p:txBody>
+          <a:bodyPr>
+            <a:normAutofit lnSpcReduction="10000"/>
+          </a:bodyPr>
+          <a:lstStyle/>
+          <a:p>
+            <a:pPr marL="0" indent="0">
+              <a:lnSpc>
+                <a:spcPts val="1425"/>
+              </a:lnSpc>
+              <a:spcAft>
+                <a:spcPts val="0"/>
+              </a:spcAft>
+              <a:buNone/>
+            </a:pPr>
+            <a:endParaRPr lang="en-GB" dirty="0">
+              <a:solidFill>
+                <a:srgbClr val="0000FF"/>
+              </a:solidFill>
+              <a:latin typeface="Consolas" panose="020B0609020204030204" pitchFamily="49" charset="0"/>
+              <a:ea typeface="Times New Roman" panose="02020603050405020304" pitchFamily="18" charset="0"/>
+              <a:cs typeface="Times New Roman" panose="02020603050405020304" pitchFamily="18" charset="0"/>
+            </a:endParaRPr>
+          </a:p>
+          <a:p>
+            <a:pPr marL="0" indent="0">
+              <a:lnSpc>
+                <a:spcPts val="1425"/>
+              </a:lnSpc>
+              <a:spcAft>
+                <a:spcPts val="0"/>
+              </a:spcAft>
+              <a:buNone/>
+            </a:pPr>
+            <a:r>
+              <a:rPr lang="en-GB" u="sng" dirty="0" err="1">
+                <a:solidFill>
+                  <a:srgbClr val="0000FF"/>
+                </a:solidFill>
+                <a:latin typeface="Consolas" panose="020B0609020204030204" pitchFamily="49" charset="0"/>
+                <a:ea typeface="Times New Roman" panose="02020603050405020304" pitchFamily="18" charset="0"/>
+                <a:cs typeface="Times New Roman" panose="02020603050405020304" pitchFamily="18" charset="0"/>
+              </a:rPr>
+              <a:t>var</a:t>
+            </a:r>
+            <a:r>
+              <a:rPr lang="en-GB" u="sng" dirty="0">
+                <a:solidFill>
+                  <a:srgbClr val="000000"/>
+                </a:solidFill>
+                <a:latin typeface="Consolas" panose="020B0609020204030204" pitchFamily="49" charset="0"/>
+                <a:ea typeface="Times New Roman" panose="02020603050405020304" pitchFamily="18" charset="0"/>
+                <a:cs typeface="Times New Roman" panose="02020603050405020304" pitchFamily="18" charset="0"/>
+              </a:rPr>
+              <a:t> </a:t>
+            </a:r>
+            <a:r>
+              <a:rPr lang="en-GB" u="sng" dirty="0">
+                <a:solidFill>
+                  <a:srgbClr val="001080"/>
+                </a:solidFill>
+                <a:latin typeface="Consolas" panose="020B0609020204030204" pitchFamily="49" charset="0"/>
+                <a:ea typeface="Times New Roman" panose="02020603050405020304" pitchFamily="18" charset="0"/>
+                <a:cs typeface="Times New Roman" panose="02020603050405020304" pitchFamily="18" charset="0"/>
+              </a:rPr>
+              <a:t>temp</a:t>
+            </a:r>
+            <a:r>
+              <a:rPr lang="en-GB" u="sng" dirty="0">
+                <a:solidFill>
+                  <a:srgbClr val="000000"/>
+                </a:solidFill>
+                <a:latin typeface="Consolas" panose="020B0609020204030204" pitchFamily="49" charset="0"/>
+                <a:ea typeface="Times New Roman" panose="02020603050405020304" pitchFamily="18" charset="0"/>
+                <a:cs typeface="Times New Roman" panose="02020603050405020304" pitchFamily="18" charset="0"/>
+              </a:rPr>
+              <a:t> = </a:t>
+            </a:r>
+            <a:r>
+              <a:rPr lang="en-GB" u="sng" dirty="0">
+                <a:solidFill>
+                  <a:srgbClr val="A31515"/>
+                </a:solidFill>
+                <a:latin typeface="Consolas" panose="020B0609020204030204" pitchFamily="49" charset="0"/>
+                <a:ea typeface="Times New Roman" panose="02020603050405020304" pitchFamily="18" charset="0"/>
+                <a:cs typeface="Times New Roman" panose="02020603050405020304" pitchFamily="18" charset="0"/>
+              </a:rPr>
+              <a:t>‘OUTER'</a:t>
+            </a:r>
+            <a:r>
+              <a:rPr lang="en-GB" u="sng" dirty="0">
+                <a:solidFill>
+                  <a:srgbClr val="000000"/>
+                </a:solidFill>
+                <a:latin typeface="Consolas" panose="020B0609020204030204" pitchFamily="49" charset="0"/>
+                <a:ea typeface="Times New Roman" panose="02020603050405020304" pitchFamily="18" charset="0"/>
+                <a:cs typeface="Times New Roman" panose="02020603050405020304" pitchFamily="18" charset="0"/>
+              </a:rPr>
+              <a:t>;</a:t>
+            </a:r>
+            <a:endParaRPr lang="pl-PL" sz="3200" u="sng" dirty="0">
+              <a:latin typeface="Calibri" panose="020F0502020204030204" pitchFamily="34" charset="0"/>
+              <a:ea typeface="Calibri" panose="020F0502020204030204" pitchFamily="34" charset="0"/>
+              <a:cs typeface="Times New Roman" panose="02020603050405020304" pitchFamily="18" charset="0"/>
+            </a:endParaRPr>
+          </a:p>
+          <a:p>
+            <a:pPr marL="0" indent="0">
+              <a:lnSpc>
+                <a:spcPts val="1425"/>
+              </a:lnSpc>
+              <a:buNone/>
+            </a:pPr>
+            <a:r>
               <a:rPr lang="en-GB" dirty="0">
                 <a:solidFill>
                   <a:srgbClr val="000000"/>
@@ -5290,6 +7315,335 @@
                 <a:ea typeface="Times New Roman" panose="02020603050405020304" pitchFamily="18" charset="0"/>
                 <a:cs typeface="Times New Roman" panose="02020603050405020304" pitchFamily="18" charset="0"/>
               </a:rPr>
+              <a:t> </a:t>
+            </a:r>
+            <a:endParaRPr lang="pl-PL" sz="3200" dirty="0">
+              <a:latin typeface="Calibri" panose="020F0502020204030204" pitchFamily="34" charset="0"/>
+              <a:ea typeface="Calibri" panose="020F0502020204030204" pitchFamily="34" charset="0"/>
+              <a:cs typeface="Times New Roman" panose="02020603050405020304" pitchFamily="18" charset="0"/>
+            </a:endParaRPr>
+          </a:p>
+          <a:p>
+            <a:pPr marL="0" indent="0">
+              <a:lnSpc>
+                <a:spcPts val="1425"/>
+              </a:lnSpc>
+              <a:spcAft>
+                <a:spcPts val="0"/>
+              </a:spcAft>
+              <a:buNone/>
+            </a:pPr>
+            <a:r>
+              <a:rPr lang="en-GB" sz="3600" b="1" dirty="0">
+                <a:solidFill>
+                  <a:srgbClr val="AF00DB"/>
+                </a:solidFill>
+                <a:latin typeface="Consolas" panose="020B0609020204030204" pitchFamily="49" charset="0"/>
+                <a:ea typeface="Times New Roman" panose="02020603050405020304" pitchFamily="18" charset="0"/>
+                <a:cs typeface="Times New Roman" panose="02020603050405020304" pitchFamily="18" charset="0"/>
+              </a:rPr>
+              <a:t>for / if / while</a:t>
+            </a:r>
+            <a:r>
+              <a:rPr lang="en-GB" sz="3600" b="1" dirty="0">
+                <a:solidFill>
+                  <a:srgbClr val="000000"/>
+                </a:solidFill>
+                <a:latin typeface="Consolas" panose="020B0609020204030204" pitchFamily="49" charset="0"/>
+                <a:ea typeface="Times New Roman" panose="02020603050405020304" pitchFamily="18" charset="0"/>
+                <a:cs typeface="Times New Roman" panose="02020603050405020304" pitchFamily="18" charset="0"/>
+              </a:rPr>
+              <a:t> (</a:t>
+            </a:r>
+            <a:r>
+              <a:rPr lang="en-GB" sz="3600" b="1" dirty="0">
+                <a:solidFill>
+                  <a:srgbClr val="0000FF"/>
+                </a:solidFill>
+                <a:latin typeface="Consolas" panose="020B0609020204030204" pitchFamily="49" charset="0"/>
+                <a:ea typeface="Times New Roman" panose="02020603050405020304" pitchFamily="18" charset="0"/>
+                <a:cs typeface="Times New Roman" panose="02020603050405020304" pitchFamily="18" charset="0"/>
+              </a:rPr>
+              <a:t>…</a:t>
+            </a:r>
+            <a:r>
+              <a:rPr lang="en-GB" sz="3600" b="1" dirty="0">
+                <a:solidFill>
+                  <a:srgbClr val="000000"/>
+                </a:solidFill>
+                <a:latin typeface="Consolas" panose="020B0609020204030204" pitchFamily="49" charset="0"/>
+                <a:ea typeface="Times New Roman" panose="02020603050405020304" pitchFamily="18" charset="0"/>
+                <a:cs typeface="Times New Roman" panose="02020603050405020304" pitchFamily="18" charset="0"/>
+              </a:rPr>
+              <a:t>) {</a:t>
+            </a:r>
+            <a:endParaRPr lang="pl-PL" sz="3200" dirty="0">
+              <a:latin typeface="Calibri" panose="020F0502020204030204" pitchFamily="34" charset="0"/>
+              <a:ea typeface="Calibri" panose="020F0502020204030204" pitchFamily="34" charset="0"/>
+              <a:cs typeface="Times New Roman" panose="02020603050405020304" pitchFamily="18" charset="0"/>
+            </a:endParaRPr>
+          </a:p>
+          <a:p>
+            <a:pPr marL="0" indent="0">
+              <a:lnSpc>
+                <a:spcPts val="1425"/>
+              </a:lnSpc>
+              <a:spcAft>
+                <a:spcPts val="0"/>
+              </a:spcAft>
+              <a:buNone/>
+            </a:pPr>
+            <a:r>
+              <a:rPr lang="en-GB" dirty="0">
+                <a:solidFill>
+                  <a:srgbClr val="000000"/>
+                </a:solidFill>
+                <a:latin typeface="Consolas" panose="020B0609020204030204" pitchFamily="49" charset="0"/>
+                <a:ea typeface="Times New Roman" panose="02020603050405020304" pitchFamily="18" charset="0"/>
+                <a:cs typeface="Times New Roman" panose="02020603050405020304" pitchFamily="18" charset="0"/>
+              </a:rPr>
+              <a:t>    </a:t>
+            </a:r>
+            <a:endParaRPr lang="pl-PL" sz="3200" dirty="0">
+              <a:latin typeface="Calibri" panose="020F0502020204030204" pitchFamily="34" charset="0"/>
+              <a:ea typeface="Calibri" panose="020F0502020204030204" pitchFamily="34" charset="0"/>
+              <a:cs typeface="Times New Roman" panose="02020603050405020304" pitchFamily="18" charset="0"/>
+            </a:endParaRPr>
+          </a:p>
+          <a:p>
+            <a:pPr marL="0" indent="0">
+              <a:lnSpc>
+                <a:spcPts val="1425"/>
+              </a:lnSpc>
+              <a:spcAft>
+                <a:spcPts val="0"/>
+              </a:spcAft>
+              <a:buNone/>
+            </a:pPr>
+            <a:r>
+              <a:rPr lang="en-GB" dirty="0">
+                <a:solidFill>
+                  <a:srgbClr val="000000"/>
+                </a:solidFill>
+                <a:latin typeface="Consolas" panose="020B0609020204030204" pitchFamily="49" charset="0"/>
+                <a:ea typeface="Times New Roman" panose="02020603050405020304" pitchFamily="18" charset="0"/>
+                <a:cs typeface="Times New Roman" panose="02020603050405020304" pitchFamily="18" charset="0"/>
+              </a:rPr>
+              <a:t>    </a:t>
+            </a:r>
+            <a:r>
+              <a:rPr lang="en-GB" u="sng" dirty="0" err="1">
+                <a:solidFill>
+                  <a:srgbClr val="0000FF"/>
+                </a:solidFill>
+                <a:latin typeface="Consolas" panose="020B0609020204030204" pitchFamily="49" charset="0"/>
+                <a:ea typeface="Times New Roman" panose="02020603050405020304" pitchFamily="18" charset="0"/>
+                <a:cs typeface="Times New Roman" panose="02020603050405020304" pitchFamily="18" charset="0"/>
+              </a:rPr>
+              <a:t>var</a:t>
+            </a:r>
+            <a:r>
+              <a:rPr lang="en-GB" u="sng" dirty="0">
+                <a:solidFill>
+                  <a:srgbClr val="000000"/>
+                </a:solidFill>
+                <a:latin typeface="Consolas" panose="020B0609020204030204" pitchFamily="49" charset="0"/>
+                <a:ea typeface="Times New Roman" panose="02020603050405020304" pitchFamily="18" charset="0"/>
+                <a:cs typeface="Times New Roman" panose="02020603050405020304" pitchFamily="18" charset="0"/>
+              </a:rPr>
+              <a:t> </a:t>
+            </a:r>
+            <a:r>
+              <a:rPr lang="en-GB" u="sng" dirty="0">
+                <a:solidFill>
+                  <a:srgbClr val="001080"/>
+                </a:solidFill>
+                <a:latin typeface="Consolas" panose="020B0609020204030204" pitchFamily="49" charset="0"/>
+                <a:ea typeface="Times New Roman" panose="02020603050405020304" pitchFamily="18" charset="0"/>
+                <a:cs typeface="Times New Roman" panose="02020603050405020304" pitchFamily="18" charset="0"/>
+              </a:rPr>
+              <a:t>temp</a:t>
+            </a:r>
+            <a:r>
+              <a:rPr lang="en-GB" u="sng" dirty="0">
+                <a:solidFill>
+                  <a:srgbClr val="000000"/>
+                </a:solidFill>
+                <a:latin typeface="Consolas" panose="020B0609020204030204" pitchFamily="49" charset="0"/>
+                <a:ea typeface="Times New Roman" panose="02020603050405020304" pitchFamily="18" charset="0"/>
+                <a:cs typeface="Times New Roman" panose="02020603050405020304" pitchFamily="18" charset="0"/>
+              </a:rPr>
+              <a:t> = </a:t>
+            </a:r>
+            <a:r>
+              <a:rPr lang="en-GB" u="sng" dirty="0">
+                <a:solidFill>
+                  <a:srgbClr val="A31515"/>
+                </a:solidFill>
+                <a:latin typeface="Consolas" panose="020B0609020204030204" pitchFamily="49" charset="0"/>
+                <a:ea typeface="Times New Roman" panose="02020603050405020304" pitchFamily="18" charset="0"/>
+                <a:cs typeface="Times New Roman" panose="02020603050405020304" pitchFamily="18" charset="0"/>
+              </a:rPr>
+              <a:t>‘INNER'</a:t>
+            </a:r>
+            <a:r>
+              <a:rPr lang="en-GB" u="sng" dirty="0">
+                <a:solidFill>
+                  <a:srgbClr val="000000"/>
+                </a:solidFill>
+                <a:latin typeface="Consolas" panose="020B0609020204030204" pitchFamily="49" charset="0"/>
+                <a:ea typeface="Times New Roman" panose="02020603050405020304" pitchFamily="18" charset="0"/>
+                <a:cs typeface="Times New Roman" panose="02020603050405020304" pitchFamily="18" charset="0"/>
+              </a:rPr>
+              <a:t>; </a:t>
+            </a:r>
+            <a:endParaRPr lang="pl-PL" sz="3200" u="sng" dirty="0">
+              <a:latin typeface="Calibri" panose="020F0502020204030204" pitchFamily="34" charset="0"/>
+              <a:ea typeface="Calibri" panose="020F0502020204030204" pitchFamily="34" charset="0"/>
+              <a:cs typeface="Times New Roman" panose="02020603050405020304" pitchFamily="18" charset="0"/>
+            </a:endParaRPr>
+          </a:p>
+          <a:p>
+            <a:pPr marL="0" indent="0">
+              <a:lnSpc>
+                <a:spcPts val="1425"/>
+              </a:lnSpc>
+              <a:spcAft>
+                <a:spcPts val="0"/>
+              </a:spcAft>
+              <a:buNone/>
+            </a:pPr>
+            <a:r>
+              <a:rPr lang="en-GB" sz="3200" dirty="0">
+                <a:solidFill>
+                  <a:srgbClr val="000000"/>
+                </a:solidFill>
+                <a:latin typeface="Consolas" panose="020B0609020204030204" pitchFamily="49" charset="0"/>
+                <a:ea typeface="Times New Roman" panose="02020603050405020304" pitchFamily="18" charset="0"/>
+                <a:cs typeface="Times New Roman" panose="02020603050405020304" pitchFamily="18" charset="0"/>
+              </a:rPr>
+              <a:t>}</a:t>
+            </a:r>
+            <a:endParaRPr lang="pl-PL" sz="3200" dirty="0">
+              <a:latin typeface="Calibri" panose="020F0502020204030204" pitchFamily="34" charset="0"/>
+              <a:ea typeface="Calibri" panose="020F0502020204030204" pitchFamily="34" charset="0"/>
+              <a:cs typeface="Times New Roman" panose="02020603050405020304" pitchFamily="18" charset="0"/>
+            </a:endParaRPr>
+          </a:p>
+          <a:p>
+            <a:pPr marL="0" indent="0">
+              <a:lnSpc>
+                <a:spcPts val="1425"/>
+              </a:lnSpc>
+              <a:spcAft>
+                <a:spcPts val="0"/>
+              </a:spcAft>
+              <a:buNone/>
+            </a:pPr>
+            <a:r>
+              <a:rPr lang="en-GB" dirty="0">
+                <a:solidFill>
+                  <a:srgbClr val="000000"/>
+                </a:solidFill>
+                <a:latin typeface="Consolas" panose="020B0609020204030204" pitchFamily="49" charset="0"/>
+                <a:ea typeface="Times New Roman" panose="02020603050405020304" pitchFamily="18" charset="0"/>
+                <a:cs typeface="Times New Roman" panose="02020603050405020304" pitchFamily="18" charset="0"/>
+              </a:rPr>
+              <a:t> </a:t>
+            </a:r>
+            <a:endParaRPr lang="pl-PL" sz="3200" dirty="0">
+              <a:latin typeface="Calibri" panose="020F0502020204030204" pitchFamily="34" charset="0"/>
+              <a:ea typeface="Calibri" panose="020F0502020204030204" pitchFamily="34" charset="0"/>
+              <a:cs typeface="Times New Roman" panose="02020603050405020304" pitchFamily="18" charset="0"/>
+            </a:endParaRPr>
+          </a:p>
+          <a:p>
+            <a:pPr marL="0" indent="0">
+              <a:lnSpc>
+                <a:spcPts val="1425"/>
+              </a:lnSpc>
+              <a:spcAft>
+                <a:spcPts val="0"/>
+              </a:spcAft>
+              <a:buNone/>
+            </a:pPr>
+            <a:endParaRPr lang="en-GB" dirty="0">
+              <a:solidFill>
+                <a:srgbClr val="267F99"/>
+              </a:solidFill>
+              <a:latin typeface="Consolas" panose="020B0609020204030204" pitchFamily="49" charset="0"/>
+              <a:ea typeface="Times New Roman" panose="02020603050405020304" pitchFamily="18" charset="0"/>
+              <a:cs typeface="Times New Roman" panose="02020603050405020304" pitchFamily="18" charset="0"/>
+            </a:endParaRPr>
+          </a:p>
+          <a:p>
+            <a:pPr marL="0" indent="0">
+              <a:lnSpc>
+                <a:spcPts val="1425"/>
+              </a:lnSpc>
+              <a:spcAft>
+                <a:spcPts val="0"/>
+              </a:spcAft>
+              <a:buNone/>
+            </a:pPr>
+            <a:endParaRPr lang="en-GB" dirty="0">
+              <a:solidFill>
+                <a:srgbClr val="267F99"/>
+              </a:solidFill>
+              <a:latin typeface="Consolas" panose="020B0609020204030204" pitchFamily="49" charset="0"/>
+              <a:ea typeface="Times New Roman" panose="02020603050405020304" pitchFamily="18" charset="0"/>
+              <a:cs typeface="Times New Roman" panose="02020603050405020304" pitchFamily="18" charset="0"/>
+            </a:endParaRPr>
+          </a:p>
+          <a:p>
+            <a:pPr marL="0" indent="0">
+              <a:lnSpc>
+                <a:spcPts val="1425"/>
+              </a:lnSpc>
+              <a:spcAft>
+                <a:spcPts val="0"/>
+              </a:spcAft>
+              <a:buNone/>
+            </a:pPr>
+            <a:endParaRPr lang="en-GB" dirty="0">
+              <a:solidFill>
+                <a:srgbClr val="267F99"/>
+              </a:solidFill>
+              <a:latin typeface="Consolas" panose="020B0609020204030204" pitchFamily="49" charset="0"/>
+              <a:ea typeface="Times New Roman" panose="02020603050405020304" pitchFamily="18" charset="0"/>
+              <a:cs typeface="Times New Roman" panose="02020603050405020304" pitchFamily="18" charset="0"/>
+            </a:endParaRPr>
+          </a:p>
+          <a:p>
+            <a:pPr marL="0" indent="0">
+              <a:lnSpc>
+                <a:spcPts val="1425"/>
+              </a:lnSpc>
+              <a:spcAft>
+                <a:spcPts val="0"/>
+              </a:spcAft>
+              <a:buNone/>
+            </a:pPr>
+            <a:r>
+              <a:rPr lang="en-GB" dirty="0">
+                <a:solidFill>
+                  <a:srgbClr val="267F99"/>
+                </a:solidFill>
+                <a:latin typeface="Consolas" panose="020B0609020204030204" pitchFamily="49" charset="0"/>
+                <a:ea typeface="Times New Roman" panose="02020603050405020304" pitchFamily="18" charset="0"/>
+                <a:cs typeface="Times New Roman" panose="02020603050405020304" pitchFamily="18" charset="0"/>
+              </a:rPr>
+              <a:t>console</a:t>
+            </a:r>
+            <a:r>
+              <a:rPr lang="en-GB" dirty="0">
+                <a:solidFill>
+                  <a:srgbClr val="000000"/>
+                </a:solidFill>
+                <a:latin typeface="Consolas" panose="020B0609020204030204" pitchFamily="49" charset="0"/>
+                <a:ea typeface="Times New Roman" panose="02020603050405020304" pitchFamily="18" charset="0"/>
+                <a:cs typeface="Times New Roman" panose="02020603050405020304" pitchFamily="18" charset="0"/>
+              </a:rPr>
               <a:t>.</a:t>
             </a:r>
             <a:r>
@@ -5337,7 +7691,7 @@
               <a:t>); </a:t>
             </a:r>
             <a:r>
-              <a:rPr lang="en-GB" dirty="0">
+              <a:rPr lang="en-GB" b="1" u="sng" dirty="0">
                 <a:solidFill>
                   <a:srgbClr val="008000"/>
                 </a:solidFill>
@@ -5345,9 +7699,20 @@
                 <a:ea typeface="Times New Roman" panose="02020603050405020304" pitchFamily="18" charset="0"/>
                 <a:cs typeface="Times New Roman" panose="02020603050405020304" pitchFamily="18" charset="0"/>
               </a:rPr>
-              <a:t>// inner</a:t>
-            </a:r>
-            <a:endParaRPr lang="pl-PL" sz="3200" dirty="0">
+              <a:t>// Console prints: </a:t>
+            </a:r>
+            <a:r>
+              <a:rPr lang="en-GB" u="sng" dirty="0">
+                <a:solidFill>
+                  <a:srgbClr val="A31515"/>
+                </a:solidFill>
+                <a:latin typeface="Consolas" panose="020B0609020204030204" pitchFamily="49" charset="0"/>
+                <a:ea typeface="Times New Roman" panose="02020603050405020304" pitchFamily="18" charset="0"/>
+                <a:cs typeface="Times New Roman" panose="02020603050405020304" pitchFamily="18" charset="0"/>
+              </a:rPr>
+              <a:t>‘INNER'</a:t>
+            </a:r>
+            <a:endParaRPr lang="pl-PL" sz="3200" b="1" u="sng" dirty="0">
               <a:latin typeface="Calibri" panose="020F0502020204030204" pitchFamily="34" charset="0"/>
               <a:ea typeface="Calibri" panose="020F0502020204030204" pitchFamily="34" charset="0"/>
               <a:cs typeface="Times New Roman" panose="02020603050405020304" pitchFamily="18" charset="0"/>
@@ -5399,7 +7764,7 @@
         </p:nvSpPr>
         <p:spPr>
           <a:xfrm>
-            <a:off x="838200" y="681037"/>
+            <a:off x="690770" y="571464"/>
             <a:ext cx="1030357" cy="770076"/>
           </a:xfrm>
           <a:prstGeom prst="mathMultiply">
@@ -5483,682 +7848,6 @@
 </p:sld>
 </file>
 
-<file path=ppt/slides/slide7.xml><?xml version="1.0" encoding="utf-8"?>
-<p:sld xmlns:a="http://schemas.openxmlformats.org/drawingml/2006/main" xmlns:r="http://schemas.openxmlformats.org/officeDocument/2006/relationships" xmlns:p="http://schemas.openxmlformats.org/presentationml/2006/main">
-  <p:cSld>
-    <p:spTree>
-      <p:nvGrpSpPr>
-        <p:cNvPr id="1" name=""/>
-        <p:cNvGrpSpPr/>
-        <p:nvPr/>
-      </p:nvGrpSpPr>
-      <p:grpSpPr>
-        <a:xfrm>
-          <a:off x="0" y="0"/>
-          <a:ext cx="0" cy="0"/>
-          <a:chOff x="0" y="0"/>
-          <a:chExt cx="0" cy="0"/>
-        </a:xfrm>
-      </p:grpSpPr>
-      <p:sp>
-        <p:nvSpPr>
-          <p:cNvPr id="2" name="Tytuł 1">
-            <a:extLst>
-              <a:ext uri="{FF2B5EF4-FFF2-40B4-BE49-F238E27FC236}">
-                <a16:creationId xmlns:a16="http://schemas.microsoft.com/office/drawing/2014/main" id="{999255DC-4E2E-45F6-82A0-0E7656A8857C}"/>
-              </a:ext>
-            </a:extLst>
-          </p:cNvPr>
-          <p:cNvSpPr>
-            <a:spLocks noGrp="1"/>
-          </p:cNvSpPr>
-          <p:nvPr>
-            <p:ph type="title"/>
-          </p:nvPr>
-        </p:nvSpPr>
-        <p:spPr/>
-        <p:txBody>
-          <a:bodyPr/>
-          <a:lstStyle/>
-          <a:p>
-            <a:r>
-              <a:rPr lang="en-GB" dirty="0"/>
-              <a:t>	“function” create a scope</a:t>
-            </a:r>
-            <a:endParaRPr lang="pl-PL" dirty="0"/>
-          </a:p>
-        </p:txBody>
-      </p:sp>
-      <p:sp>
-        <p:nvSpPr>
-          <p:cNvPr id="3" name="Symbol zastępczy zawartości 2">
-            <a:extLst>
-              <a:ext uri="{FF2B5EF4-FFF2-40B4-BE49-F238E27FC236}">
-                <a16:creationId xmlns:a16="http://schemas.microsoft.com/office/drawing/2014/main" id="{6C5F2416-72AD-481B-853A-0575FB080EBA}"/>
-              </a:ext>
-            </a:extLst>
-          </p:cNvPr>
-          <p:cNvSpPr>
-            <a:spLocks noGrp="1"/>
-          </p:cNvSpPr>
-          <p:nvPr>
-            <p:ph idx="1"/>
-          </p:nvPr>
-        </p:nvSpPr>
-        <p:spPr/>
-        <p:txBody>
-          <a:bodyPr/>
-          <a:lstStyle/>
-          <a:p>
-            <a:pPr marL="0" indent="0">
-              <a:lnSpc>
-                <a:spcPts val="1425"/>
-              </a:lnSpc>
-              <a:spcAft>
-                <a:spcPts val="0"/>
-              </a:spcAft>
-              <a:buNone/>
-            </a:pPr>
-            <a:endParaRPr lang="en-GB" dirty="0">
-              <a:solidFill>
-                <a:srgbClr val="0000FF"/>
-              </a:solidFill>
-              <a:latin typeface="Consolas" panose="020B0609020204030204" pitchFamily="49" charset="0"/>
-              <a:ea typeface="Times New Roman" panose="02020603050405020304" pitchFamily="18" charset="0"/>
-              <a:cs typeface="Times New Roman" panose="02020603050405020304" pitchFamily="18" charset="0"/>
-            </a:endParaRPr>
-          </a:p>
-          <a:p>
-            <a:pPr marL="0" indent="0">
-              <a:lnSpc>
-                <a:spcPts val="1425"/>
-              </a:lnSpc>
-              <a:spcAft>
-                <a:spcPts val="0"/>
-              </a:spcAft>
-              <a:buNone/>
-            </a:pPr>
-            <a:r>
-              <a:rPr lang="en-GB" dirty="0" err="1">
-                <a:solidFill>
-                  <a:srgbClr val="0000FF"/>
-                </a:solidFill>
-                <a:latin typeface="Consolas" panose="020B0609020204030204" pitchFamily="49" charset="0"/>
-                <a:ea typeface="Times New Roman" panose="02020603050405020304" pitchFamily="18" charset="0"/>
-                <a:cs typeface="Times New Roman" panose="02020603050405020304" pitchFamily="18" charset="0"/>
-              </a:rPr>
-              <a:t>var</a:t>
-            </a:r>
-            <a:r>
-              <a:rPr lang="en-GB" dirty="0">
-                <a:solidFill>
-                  <a:srgbClr val="000000"/>
-                </a:solidFill>
-                <a:latin typeface="Consolas" panose="020B0609020204030204" pitchFamily="49" charset="0"/>
-                <a:ea typeface="Times New Roman" panose="02020603050405020304" pitchFamily="18" charset="0"/>
-                <a:cs typeface="Times New Roman" panose="02020603050405020304" pitchFamily="18" charset="0"/>
-              </a:rPr>
-              <a:t> </a:t>
-            </a:r>
-            <a:r>
-              <a:rPr lang="en-GB" dirty="0">
-                <a:solidFill>
-                  <a:srgbClr val="001080"/>
-                </a:solidFill>
-                <a:latin typeface="Consolas" panose="020B0609020204030204" pitchFamily="49" charset="0"/>
-                <a:ea typeface="Times New Roman" panose="02020603050405020304" pitchFamily="18" charset="0"/>
-                <a:cs typeface="Times New Roman" panose="02020603050405020304" pitchFamily="18" charset="0"/>
-              </a:rPr>
-              <a:t>temp</a:t>
-            </a:r>
-            <a:r>
-              <a:rPr lang="en-GB" dirty="0">
-                <a:solidFill>
-                  <a:srgbClr val="000000"/>
-                </a:solidFill>
-                <a:latin typeface="Consolas" panose="020B0609020204030204" pitchFamily="49" charset="0"/>
-                <a:ea typeface="Times New Roman" panose="02020603050405020304" pitchFamily="18" charset="0"/>
-                <a:cs typeface="Times New Roman" panose="02020603050405020304" pitchFamily="18" charset="0"/>
-              </a:rPr>
-              <a:t> = </a:t>
-            </a:r>
-            <a:r>
-              <a:rPr lang="en-GB" dirty="0">
-                <a:solidFill>
-                  <a:srgbClr val="A31515"/>
-                </a:solidFill>
-                <a:latin typeface="Consolas" panose="020B0609020204030204" pitchFamily="49" charset="0"/>
-                <a:ea typeface="Times New Roman" panose="02020603050405020304" pitchFamily="18" charset="0"/>
-                <a:cs typeface="Times New Roman" panose="02020603050405020304" pitchFamily="18" charset="0"/>
-              </a:rPr>
-              <a:t>'outer'</a:t>
-            </a:r>
-            <a:r>
-              <a:rPr lang="en-GB" dirty="0">
-                <a:solidFill>
-                  <a:srgbClr val="000000"/>
-                </a:solidFill>
-                <a:latin typeface="Consolas" panose="020B0609020204030204" pitchFamily="49" charset="0"/>
-                <a:ea typeface="Times New Roman" panose="02020603050405020304" pitchFamily="18" charset="0"/>
-                <a:cs typeface="Times New Roman" panose="02020603050405020304" pitchFamily="18" charset="0"/>
-              </a:rPr>
-              <a:t>;</a:t>
-            </a:r>
-            <a:endParaRPr lang="pl-PL" sz="3200" dirty="0">
-              <a:latin typeface="Calibri" panose="020F0502020204030204" pitchFamily="34" charset="0"/>
-              <a:ea typeface="Calibri" panose="020F0502020204030204" pitchFamily="34" charset="0"/>
-              <a:cs typeface="Times New Roman" panose="02020603050405020304" pitchFamily="18" charset="0"/>
-            </a:endParaRPr>
-          </a:p>
-          <a:p>
-            <a:pPr marL="0" indent="0">
-              <a:lnSpc>
-                <a:spcPts val="1425"/>
-              </a:lnSpc>
-              <a:spcAft>
-                <a:spcPts val="0"/>
-              </a:spcAft>
-              <a:buNone/>
-            </a:pPr>
-            <a:r>
-              <a:rPr lang="en-GB" dirty="0">
-                <a:solidFill>
-                  <a:srgbClr val="000000"/>
-                </a:solidFill>
-                <a:latin typeface="Consolas" panose="020B0609020204030204" pitchFamily="49" charset="0"/>
-                <a:ea typeface="Times New Roman" panose="02020603050405020304" pitchFamily="18" charset="0"/>
-                <a:cs typeface="Times New Roman" panose="02020603050405020304" pitchFamily="18" charset="0"/>
-              </a:rPr>
-              <a:t> </a:t>
-            </a:r>
-            <a:endParaRPr lang="pl-PL" sz="3200" dirty="0">
-              <a:latin typeface="Calibri" panose="020F0502020204030204" pitchFamily="34" charset="0"/>
-              <a:ea typeface="Calibri" panose="020F0502020204030204" pitchFamily="34" charset="0"/>
-              <a:cs typeface="Times New Roman" panose="02020603050405020304" pitchFamily="18" charset="0"/>
-            </a:endParaRPr>
-          </a:p>
-          <a:p>
-            <a:pPr marL="0" indent="0">
-              <a:lnSpc>
-                <a:spcPts val="1425"/>
-              </a:lnSpc>
-              <a:spcAft>
-                <a:spcPts val="0"/>
-              </a:spcAft>
-              <a:buNone/>
-            </a:pPr>
-            <a:r>
-              <a:rPr lang="en-GB" dirty="0">
-                <a:solidFill>
-                  <a:srgbClr val="0000FF"/>
-                </a:solidFill>
-                <a:latin typeface="Consolas" panose="020B0609020204030204" pitchFamily="49" charset="0"/>
-                <a:ea typeface="Times New Roman" panose="02020603050405020304" pitchFamily="18" charset="0"/>
-                <a:cs typeface="Times New Roman" panose="02020603050405020304" pitchFamily="18" charset="0"/>
-              </a:rPr>
-              <a:t>function</a:t>
-            </a:r>
-            <a:r>
-              <a:rPr lang="en-GB" dirty="0">
-                <a:solidFill>
-                  <a:srgbClr val="000000"/>
-                </a:solidFill>
-                <a:latin typeface="Consolas" panose="020B0609020204030204" pitchFamily="49" charset="0"/>
-                <a:ea typeface="Times New Roman" panose="02020603050405020304" pitchFamily="18" charset="0"/>
-                <a:cs typeface="Times New Roman" panose="02020603050405020304" pitchFamily="18" charset="0"/>
-              </a:rPr>
-              <a:t> </a:t>
-            </a:r>
-            <a:r>
-              <a:rPr lang="en-GB" dirty="0">
-                <a:solidFill>
-                  <a:srgbClr val="795E26"/>
-                </a:solidFill>
-                <a:latin typeface="Consolas" panose="020B0609020204030204" pitchFamily="49" charset="0"/>
-                <a:ea typeface="Times New Roman" panose="02020603050405020304" pitchFamily="18" charset="0"/>
-                <a:cs typeface="Times New Roman" panose="02020603050405020304" pitchFamily="18" charset="0"/>
-              </a:rPr>
-              <a:t>f1</a:t>
-            </a:r>
-            <a:r>
-              <a:rPr lang="en-GB" dirty="0">
-                <a:solidFill>
-                  <a:srgbClr val="000000"/>
-                </a:solidFill>
-                <a:latin typeface="Consolas" panose="020B0609020204030204" pitchFamily="49" charset="0"/>
-                <a:ea typeface="Times New Roman" panose="02020603050405020304" pitchFamily="18" charset="0"/>
-                <a:cs typeface="Times New Roman" panose="02020603050405020304" pitchFamily="18" charset="0"/>
-              </a:rPr>
-              <a:t>(){</a:t>
-            </a:r>
-            <a:endParaRPr lang="pl-PL" sz="3200" dirty="0">
-              <a:latin typeface="Calibri" panose="020F0502020204030204" pitchFamily="34" charset="0"/>
-              <a:ea typeface="Calibri" panose="020F0502020204030204" pitchFamily="34" charset="0"/>
-              <a:cs typeface="Times New Roman" panose="02020603050405020304" pitchFamily="18" charset="0"/>
-            </a:endParaRPr>
-          </a:p>
-          <a:p>
-            <a:pPr marL="0" indent="0">
-              <a:lnSpc>
-                <a:spcPts val="1425"/>
-              </a:lnSpc>
-              <a:spcAft>
-                <a:spcPts val="0"/>
-              </a:spcAft>
-              <a:buNone/>
-            </a:pPr>
-            <a:r>
-              <a:rPr lang="en-GB" dirty="0">
-                <a:solidFill>
-                  <a:srgbClr val="000000"/>
-                </a:solidFill>
-                <a:latin typeface="Consolas" panose="020B0609020204030204" pitchFamily="49" charset="0"/>
-                <a:ea typeface="Times New Roman" panose="02020603050405020304" pitchFamily="18" charset="0"/>
-                <a:cs typeface="Times New Roman" panose="02020603050405020304" pitchFamily="18" charset="0"/>
-              </a:rPr>
-              <a:t>    </a:t>
-            </a:r>
-            <a:r>
-              <a:rPr lang="en-GB" dirty="0" err="1">
-                <a:solidFill>
-                  <a:srgbClr val="0000FF"/>
-                </a:solidFill>
-                <a:latin typeface="Consolas" panose="020B0609020204030204" pitchFamily="49" charset="0"/>
-                <a:ea typeface="Times New Roman" panose="02020603050405020304" pitchFamily="18" charset="0"/>
-                <a:cs typeface="Times New Roman" panose="02020603050405020304" pitchFamily="18" charset="0"/>
-              </a:rPr>
-              <a:t>var</a:t>
-            </a:r>
-            <a:r>
-              <a:rPr lang="en-GB" dirty="0">
-                <a:solidFill>
-                  <a:srgbClr val="000000"/>
-                </a:solidFill>
-                <a:latin typeface="Consolas" panose="020B0609020204030204" pitchFamily="49" charset="0"/>
-                <a:ea typeface="Times New Roman" panose="02020603050405020304" pitchFamily="18" charset="0"/>
-                <a:cs typeface="Times New Roman" panose="02020603050405020304" pitchFamily="18" charset="0"/>
-              </a:rPr>
-              <a:t> </a:t>
-            </a:r>
-            <a:r>
-              <a:rPr lang="en-GB" dirty="0">
-                <a:solidFill>
-                  <a:srgbClr val="001080"/>
-                </a:solidFill>
-                <a:latin typeface="Consolas" panose="020B0609020204030204" pitchFamily="49" charset="0"/>
-                <a:ea typeface="Times New Roman" panose="02020603050405020304" pitchFamily="18" charset="0"/>
-                <a:cs typeface="Times New Roman" panose="02020603050405020304" pitchFamily="18" charset="0"/>
-              </a:rPr>
-              <a:t>temp</a:t>
-            </a:r>
-            <a:r>
-              <a:rPr lang="en-GB" dirty="0">
-                <a:solidFill>
-                  <a:srgbClr val="000000"/>
-                </a:solidFill>
-                <a:latin typeface="Consolas" panose="020B0609020204030204" pitchFamily="49" charset="0"/>
-                <a:ea typeface="Times New Roman" panose="02020603050405020304" pitchFamily="18" charset="0"/>
-                <a:cs typeface="Times New Roman" panose="02020603050405020304" pitchFamily="18" charset="0"/>
-              </a:rPr>
-              <a:t> = </a:t>
-            </a:r>
-            <a:r>
-              <a:rPr lang="en-GB" dirty="0">
-                <a:solidFill>
-                  <a:srgbClr val="A31515"/>
-                </a:solidFill>
-                <a:latin typeface="Consolas" panose="020B0609020204030204" pitchFamily="49" charset="0"/>
-                <a:ea typeface="Times New Roman" panose="02020603050405020304" pitchFamily="18" charset="0"/>
-                <a:cs typeface="Times New Roman" panose="02020603050405020304" pitchFamily="18" charset="0"/>
-              </a:rPr>
-              <a:t>'inner'</a:t>
-            </a:r>
-            <a:r>
-              <a:rPr lang="en-GB" dirty="0">
-                <a:solidFill>
-                  <a:srgbClr val="000000"/>
-                </a:solidFill>
-                <a:latin typeface="Consolas" panose="020B0609020204030204" pitchFamily="49" charset="0"/>
-                <a:ea typeface="Times New Roman" panose="02020603050405020304" pitchFamily="18" charset="0"/>
-                <a:cs typeface="Times New Roman" panose="02020603050405020304" pitchFamily="18" charset="0"/>
-              </a:rPr>
-              <a:t>;</a:t>
-            </a:r>
-            <a:endParaRPr lang="pl-PL" sz="3200" dirty="0">
-              <a:latin typeface="Calibri" panose="020F0502020204030204" pitchFamily="34" charset="0"/>
-              <a:ea typeface="Calibri" panose="020F0502020204030204" pitchFamily="34" charset="0"/>
-              <a:cs typeface="Times New Roman" panose="02020603050405020304" pitchFamily="18" charset="0"/>
-            </a:endParaRPr>
-          </a:p>
-          <a:p>
-            <a:pPr marL="0" indent="0">
-              <a:lnSpc>
-                <a:spcPts val="1425"/>
-              </a:lnSpc>
-              <a:spcAft>
-                <a:spcPts val="0"/>
-              </a:spcAft>
-              <a:buNone/>
-            </a:pPr>
-            <a:r>
-              <a:rPr lang="en-GB" dirty="0">
-                <a:solidFill>
-                  <a:srgbClr val="000000"/>
-                </a:solidFill>
-                <a:latin typeface="Consolas" panose="020B0609020204030204" pitchFamily="49" charset="0"/>
-                <a:ea typeface="Times New Roman" panose="02020603050405020304" pitchFamily="18" charset="0"/>
-                <a:cs typeface="Times New Roman" panose="02020603050405020304" pitchFamily="18" charset="0"/>
-              </a:rPr>
-              <a:t>}</a:t>
-            </a:r>
-            <a:endParaRPr lang="pl-PL" sz="3200" dirty="0">
-              <a:latin typeface="Calibri" panose="020F0502020204030204" pitchFamily="34" charset="0"/>
-              <a:ea typeface="Calibri" panose="020F0502020204030204" pitchFamily="34" charset="0"/>
-              <a:cs typeface="Times New Roman" panose="02020603050405020304" pitchFamily="18" charset="0"/>
-            </a:endParaRPr>
-          </a:p>
-          <a:p>
-            <a:pPr marL="0" indent="0">
-              <a:lnSpc>
-                <a:spcPts val="1425"/>
-              </a:lnSpc>
-              <a:spcAft>
-                <a:spcPts val="0"/>
-              </a:spcAft>
-              <a:buNone/>
-            </a:pPr>
-            <a:r>
-              <a:rPr lang="en-GB" dirty="0">
-                <a:solidFill>
-                  <a:srgbClr val="000000"/>
-                </a:solidFill>
-                <a:latin typeface="Consolas" panose="020B0609020204030204" pitchFamily="49" charset="0"/>
-                <a:ea typeface="Times New Roman" panose="02020603050405020304" pitchFamily="18" charset="0"/>
-                <a:cs typeface="Times New Roman" panose="02020603050405020304" pitchFamily="18" charset="0"/>
-              </a:rPr>
-              <a:t> </a:t>
-            </a:r>
-            <a:endParaRPr lang="pl-PL" sz="3200" dirty="0">
-              <a:latin typeface="Calibri" panose="020F0502020204030204" pitchFamily="34" charset="0"/>
-              <a:ea typeface="Calibri" panose="020F0502020204030204" pitchFamily="34" charset="0"/>
-              <a:cs typeface="Times New Roman" panose="02020603050405020304" pitchFamily="18" charset="0"/>
-            </a:endParaRPr>
-          </a:p>
-          <a:p>
-            <a:pPr marL="0" indent="0">
-              <a:lnSpc>
-                <a:spcPts val="1425"/>
-              </a:lnSpc>
-              <a:spcAft>
-                <a:spcPts val="0"/>
-              </a:spcAft>
-              <a:buNone/>
-            </a:pPr>
-            <a:r>
-              <a:rPr lang="en-GB" dirty="0">
-                <a:solidFill>
-                  <a:srgbClr val="795E26"/>
-                </a:solidFill>
-                <a:latin typeface="Consolas" panose="020B0609020204030204" pitchFamily="49" charset="0"/>
-                <a:ea typeface="Times New Roman" panose="02020603050405020304" pitchFamily="18" charset="0"/>
-                <a:cs typeface="Times New Roman" panose="02020603050405020304" pitchFamily="18" charset="0"/>
-              </a:rPr>
-              <a:t>f1</a:t>
-            </a:r>
-            <a:r>
-              <a:rPr lang="en-GB" dirty="0">
-                <a:solidFill>
-                  <a:srgbClr val="000000"/>
-                </a:solidFill>
-                <a:latin typeface="Consolas" panose="020B0609020204030204" pitchFamily="49" charset="0"/>
-                <a:ea typeface="Times New Roman" panose="02020603050405020304" pitchFamily="18" charset="0"/>
-                <a:cs typeface="Times New Roman" panose="02020603050405020304" pitchFamily="18" charset="0"/>
-              </a:rPr>
-              <a:t>();</a:t>
-            </a:r>
-            <a:endParaRPr lang="pl-PL" sz="3200" dirty="0">
-              <a:latin typeface="Calibri" panose="020F0502020204030204" pitchFamily="34" charset="0"/>
-              <a:ea typeface="Calibri" panose="020F0502020204030204" pitchFamily="34" charset="0"/>
-              <a:cs typeface="Times New Roman" panose="02020603050405020304" pitchFamily="18" charset="0"/>
-            </a:endParaRPr>
-          </a:p>
-          <a:p>
-            <a:pPr marL="0" indent="0">
-              <a:lnSpc>
-                <a:spcPts val="1425"/>
-              </a:lnSpc>
-              <a:spcAft>
-                <a:spcPts val="0"/>
-              </a:spcAft>
-              <a:buNone/>
-            </a:pPr>
-            <a:r>
-              <a:rPr lang="en-GB" dirty="0">
-                <a:solidFill>
-                  <a:srgbClr val="000000"/>
-                </a:solidFill>
-                <a:latin typeface="Consolas" panose="020B0609020204030204" pitchFamily="49" charset="0"/>
-                <a:ea typeface="Times New Roman" panose="02020603050405020304" pitchFamily="18" charset="0"/>
-                <a:cs typeface="Times New Roman" panose="02020603050405020304" pitchFamily="18" charset="0"/>
-              </a:rPr>
-              <a:t> </a:t>
-            </a:r>
-            <a:endParaRPr lang="pl-PL" sz="3200" dirty="0">
-              <a:latin typeface="Calibri" panose="020F0502020204030204" pitchFamily="34" charset="0"/>
-              <a:ea typeface="Calibri" panose="020F0502020204030204" pitchFamily="34" charset="0"/>
-              <a:cs typeface="Times New Roman" panose="02020603050405020304" pitchFamily="18" charset="0"/>
-            </a:endParaRPr>
-          </a:p>
-          <a:p>
-            <a:pPr marL="0" indent="0">
-              <a:lnSpc>
-                <a:spcPts val="1425"/>
-              </a:lnSpc>
-              <a:spcAft>
-                <a:spcPts val="0"/>
-              </a:spcAft>
-              <a:buNone/>
-            </a:pPr>
-            <a:r>
-              <a:rPr lang="en-GB" dirty="0">
-                <a:solidFill>
-                  <a:srgbClr val="267F99"/>
-                </a:solidFill>
-                <a:latin typeface="Consolas" panose="020B0609020204030204" pitchFamily="49" charset="0"/>
-                <a:ea typeface="Times New Roman" panose="02020603050405020304" pitchFamily="18" charset="0"/>
-                <a:cs typeface="Times New Roman" panose="02020603050405020304" pitchFamily="18" charset="0"/>
-              </a:rPr>
-              <a:t>console</a:t>
-            </a:r>
-            <a:r>
-              <a:rPr lang="en-GB" dirty="0">
-                <a:solidFill>
-                  <a:srgbClr val="000000"/>
-                </a:solidFill>
-                <a:latin typeface="Consolas" panose="020B0609020204030204" pitchFamily="49" charset="0"/>
-                <a:ea typeface="Times New Roman" panose="02020603050405020304" pitchFamily="18" charset="0"/>
-                <a:cs typeface="Times New Roman" panose="02020603050405020304" pitchFamily="18" charset="0"/>
-              </a:rPr>
-              <a:t>.</a:t>
-            </a:r>
-            <a:r>
-              <a:rPr lang="en-GB" dirty="0">
-                <a:solidFill>
-                  <a:srgbClr val="795E26"/>
-                </a:solidFill>
-                <a:latin typeface="Consolas" panose="020B0609020204030204" pitchFamily="49" charset="0"/>
-                <a:ea typeface="Times New Roman" panose="02020603050405020304" pitchFamily="18" charset="0"/>
-                <a:cs typeface="Times New Roman" panose="02020603050405020304" pitchFamily="18" charset="0"/>
-              </a:rPr>
-              <a:t>log</a:t>
-            </a:r>
-            <a:r>
-              <a:rPr lang="en-GB" dirty="0">
-                <a:solidFill>
-                  <a:srgbClr val="000000"/>
-                </a:solidFill>
-                <a:latin typeface="Consolas" panose="020B0609020204030204" pitchFamily="49" charset="0"/>
-                <a:ea typeface="Times New Roman" panose="02020603050405020304" pitchFamily="18" charset="0"/>
-                <a:cs typeface="Times New Roman" panose="02020603050405020304" pitchFamily="18" charset="0"/>
-              </a:rPr>
-              <a:t>(</a:t>
-            </a:r>
-            <a:r>
-              <a:rPr lang="en-GB" dirty="0">
-                <a:solidFill>
-                  <a:srgbClr val="001080"/>
-                </a:solidFill>
-                <a:latin typeface="Consolas" panose="020B0609020204030204" pitchFamily="49" charset="0"/>
-                <a:ea typeface="Times New Roman" panose="02020603050405020304" pitchFamily="18" charset="0"/>
-                <a:cs typeface="Times New Roman" panose="02020603050405020304" pitchFamily="18" charset="0"/>
-              </a:rPr>
-              <a:t>temp</a:t>
-            </a:r>
-            <a:r>
-              <a:rPr lang="en-GB" dirty="0">
-                <a:solidFill>
-                  <a:srgbClr val="000000"/>
-                </a:solidFill>
-                <a:latin typeface="Consolas" panose="020B0609020204030204" pitchFamily="49" charset="0"/>
-                <a:ea typeface="Times New Roman" panose="02020603050405020304" pitchFamily="18" charset="0"/>
-                <a:cs typeface="Times New Roman" panose="02020603050405020304" pitchFamily="18" charset="0"/>
-              </a:rPr>
-              <a:t>); </a:t>
-            </a:r>
-            <a:r>
-              <a:rPr lang="en-GB" dirty="0">
-                <a:solidFill>
-                  <a:srgbClr val="008000"/>
-                </a:solidFill>
-                <a:latin typeface="Consolas" panose="020B0609020204030204" pitchFamily="49" charset="0"/>
-                <a:ea typeface="Times New Roman" panose="02020603050405020304" pitchFamily="18" charset="0"/>
-                <a:cs typeface="Times New Roman" panose="02020603050405020304" pitchFamily="18" charset="0"/>
-              </a:rPr>
-              <a:t>// outer</a:t>
-            </a:r>
-          </a:p>
-          <a:p>
-            <a:pPr marL="0" indent="0">
-              <a:lnSpc>
-                <a:spcPts val="1425"/>
-              </a:lnSpc>
-              <a:spcAft>
-                <a:spcPts val="0"/>
-              </a:spcAft>
-              <a:buNone/>
-            </a:pPr>
-            <a:endParaRPr lang="en-GB" sz="3200" dirty="0">
-              <a:solidFill>
-                <a:srgbClr val="008000"/>
-              </a:solidFill>
-              <a:latin typeface="Consolas" panose="020B0609020204030204" pitchFamily="49" charset="0"/>
-              <a:ea typeface="Calibri" panose="020F0502020204030204" pitchFamily="34" charset="0"/>
-              <a:cs typeface="Times New Roman" panose="02020603050405020304" pitchFamily="18" charset="0"/>
-            </a:endParaRPr>
-          </a:p>
-          <a:p>
-            <a:pPr marL="0" indent="0">
-              <a:lnSpc>
-                <a:spcPts val="1425"/>
-              </a:lnSpc>
-              <a:spcAft>
-                <a:spcPts val="0"/>
-              </a:spcAft>
-              <a:buNone/>
-            </a:pPr>
-            <a:r>
-              <a:rPr lang="en-GB" sz="3200" dirty="0" err="1">
-                <a:solidFill>
-                  <a:srgbClr val="008000"/>
-                </a:solidFill>
-                <a:latin typeface="Consolas" panose="020B0609020204030204" pitchFamily="49" charset="0"/>
-                <a:ea typeface="Calibri" panose="020F0502020204030204" pitchFamily="34" charset="0"/>
-                <a:cs typeface="Times New Roman" panose="02020603050405020304" pitchFamily="18" charset="0"/>
-              </a:rPr>
-              <a:t>Img</a:t>
-            </a:r>
-            <a:r>
-              <a:rPr lang="en-GB" sz="3200" dirty="0">
-                <a:solidFill>
-                  <a:srgbClr val="008000"/>
-                </a:solidFill>
-                <a:latin typeface="Consolas" panose="020B0609020204030204" pitchFamily="49" charset="0"/>
-                <a:ea typeface="Calibri" panose="020F0502020204030204" pitchFamily="34" charset="0"/>
-                <a:cs typeface="Times New Roman" panose="02020603050405020304" pitchFamily="18" charset="0"/>
-              </a:rPr>
-              <a:t>= superman</a:t>
-            </a:r>
-            <a:endParaRPr lang="pl-PL" sz="3200" dirty="0">
-              <a:latin typeface="Calibri" panose="020F0502020204030204" pitchFamily="34" charset="0"/>
-              <a:ea typeface="Calibri" panose="020F0502020204030204" pitchFamily="34" charset="0"/>
-              <a:cs typeface="Times New Roman" panose="02020603050405020304" pitchFamily="18" charset="0"/>
-            </a:endParaRPr>
-          </a:p>
-          <a:p>
-            <a:pPr marL="0" indent="0">
-              <a:buNone/>
-            </a:pPr>
-            <a:endParaRPr lang="pl-PL" dirty="0"/>
-          </a:p>
-        </p:txBody>
-      </p:sp>
-      <p:sp>
-        <p:nvSpPr>
-          <p:cNvPr id="4" name="Uśmiechnięta buźka 3">
-            <a:extLst>
-              <a:ext uri="{FF2B5EF4-FFF2-40B4-BE49-F238E27FC236}">
-                <a16:creationId xmlns:a16="http://schemas.microsoft.com/office/drawing/2014/main" id="{ED6D7D81-8EFD-4A50-9658-71D8F468CE9C}"/>
-              </a:ext>
-            </a:extLst>
-          </p:cNvPr>
-          <p:cNvSpPr/>
-          <p:nvPr/>
-        </p:nvSpPr>
-        <p:spPr>
-          <a:xfrm>
-            <a:off x="1113183" y="681037"/>
-            <a:ext cx="675861" cy="655982"/>
-          </a:xfrm>
-          <a:prstGeom prst="smileyFace">
-            <a:avLst/>
-          </a:prstGeom>
-        </p:spPr>
-        <p:style>
-          <a:lnRef idx="3">
-            <a:schemeClr val="lt1"/>
-          </a:lnRef>
-          <a:fillRef idx="1">
-            <a:schemeClr val="accent6"/>
-          </a:fillRef>
-          <a:effectRef idx="1">
-            <a:schemeClr val="accent6"/>
-          </a:effectRef>
-          <a:fontRef idx="minor">
-            <a:schemeClr val="lt1"/>
-          </a:fontRef>
-        </p:style>
-        <p:txBody>
-          <a:bodyPr rtlCol="0" anchor="ctr"/>
-          <a:lstStyle/>
-          <a:p>
-            <a:pPr algn="ctr"/>
-            <a:endParaRPr lang="pl-PL" dirty="0"/>
-          </a:p>
-        </p:txBody>
-      </p:sp>
-    </p:spTree>
-    <p:extLst>
-      <p:ext uri="{BB962C8B-B14F-4D97-AF65-F5344CB8AC3E}">
-        <p14:creationId xmlns:p14="http://schemas.microsoft.com/office/powerpoint/2010/main" val="1552197728"/>
-      </p:ext>
-    </p:extLst>
-  </p:cSld>
-  <p:clrMapOvr>
-    <a:masterClrMapping/>
-  </p:clrMapOvr>
-</p:sld>
-</file>
-
 <file path=ppt/slides/slide8.xml><?xml version="1.0" encoding="utf-8"?>
 <p:sld xmlns:a="http://schemas.openxmlformats.org/drawingml/2006/main" xmlns:r="http://schemas.openxmlformats.org/officeDocument/2006/relationships" xmlns:p="http://schemas.openxmlformats.org/presentationml/2006/main">
   <p:cSld>
@@ -6181,7 +7870,7 @@
           <p:cNvPr id="2" name="Tytuł 1">
             <a:extLst>
               <a:ext uri="{FF2B5EF4-FFF2-40B4-BE49-F238E27FC236}">
-                <a16:creationId xmlns:a16="http://schemas.microsoft.com/office/drawing/2014/main" id="{BCEF0200-5C49-46AC-A3D9-B1AB79DA756B}"/>
+                <a16:creationId xmlns:a16="http://schemas.microsoft.com/office/drawing/2014/main" id="{7A4C0D29-EA2A-4548-8F42-726DBDF5FFD8}"/>
               </a:ext>
             </a:extLst>
           </p:cNvPr>
@@ -6199,7 +7888,14 @@
           <a:p>
             <a:r>
               <a:rPr lang="en-GB" dirty="0"/>
-              <a:t>JS safe scope</a:t>
+              <a:t>IFFE </a:t>
+            </a:r>
+            <a:br>
+              <a:rPr lang="en-GB" dirty="0"/>
+            </a:br>
+            <a:r>
+              <a:rPr lang="en-GB" dirty="0"/>
+              <a:t>Immediately Invoked Function Expressions</a:t>
             </a:r>
             <a:endParaRPr lang="pl-PL" dirty="0"/>
           </a:p>
@@ -6210,7 +7906,7 @@
           <p:cNvPr id="3" name="Symbol zastępczy zawartości 2">
             <a:extLst>
               <a:ext uri="{FF2B5EF4-FFF2-40B4-BE49-F238E27FC236}">
-                <a16:creationId xmlns:a16="http://schemas.microsoft.com/office/drawing/2014/main" id="{C80260BC-0C60-4EDD-9947-0CEE87CE7000}"/>
+                <a16:creationId xmlns:a16="http://schemas.microsoft.com/office/drawing/2014/main" id="{EFDB322C-1461-4441-84C5-A57D191B5BA7}"/>
               </a:ext>
             </a:extLst>
           </p:cNvPr>
@@ -6223,52 +7919,86 @@
         </p:nvSpPr>
         <p:spPr/>
         <p:txBody>
-          <a:bodyPr/>
+          <a:bodyPr>
+            <a:normAutofit lnSpcReduction="10000"/>
+          </a:bodyPr>
           <a:lstStyle/>
           <a:p>
             <a:pPr marL="0" indent="0">
               <a:buNone/>
             </a:pPr>
             <a:r>
-              <a:rPr lang="en-GB" dirty="0"/>
-              <a:t>ECMA2015 introduces </a:t>
-            </a:r>
-            <a:r>
-              <a:rPr lang="en-GB" dirty="0">
-                <a:solidFill>
-                  <a:srgbClr val="00B0F0"/>
-                </a:solidFill>
-              </a:rPr>
-              <a:t>let</a:t>
-            </a:r>
-            <a:r>
-              <a:rPr lang="en-GB" dirty="0"/>
-              <a:t> and </a:t>
-            </a:r>
-            <a:r>
-              <a:rPr lang="en-GB" dirty="0" err="1">
-                <a:solidFill>
-                  <a:srgbClr val="00B0F0"/>
-                </a:solidFill>
-              </a:rPr>
-              <a:t>const</a:t>
-            </a:r>
-            <a:r>
-              <a:rPr lang="en-GB" dirty="0"/>
-              <a:t> keywords which </a:t>
-            </a:r>
-            <a:r>
-              <a:rPr lang="en-GB" dirty="0">
-                <a:solidFill>
-                  <a:schemeClr val="accent6"/>
-                </a:solidFill>
-              </a:rPr>
-              <a:t>create scopes for every block </a:t>
-            </a:r>
-            <a:r>
-              <a:rPr lang="en-GB" dirty="0"/>
-              <a:t>statements.</a:t>
-            </a:r>
+              <a:rPr lang="en-US" dirty="0"/>
+              <a:t>IIFE is a JavaScript function that runs as soon as it is defined.</a:t>
+            </a:r>
+          </a:p>
+          <a:p>
+            <a:pPr marL="0" indent="0">
+              <a:buNone/>
+            </a:pPr>
+            <a:endParaRPr lang="en-US" dirty="0"/>
+          </a:p>
+          <a:p>
+            <a:pPr marL="0" indent="0">
+              <a:buNone/>
+            </a:pPr>
+            <a:r>
+              <a:rPr lang="en-US" dirty="0"/>
+              <a:t>(function () {</a:t>
+            </a:r>
+          </a:p>
+          <a:p>
+            <a:pPr marL="0" indent="0">
+              <a:buNone/>
+            </a:pPr>
+            <a:endParaRPr lang="en-US" dirty="0"/>
+          </a:p>
+          <a:p>
+            <a:pPr marL="0" indent="0">
+              <a:buNone/>
+            </a:pPr>
+            <a:r>
+              <a:rPr lang="en-US" dirty="0"/>
+              <a:t>})();</a:t>
+            </a:r>
+          </a:p>
+          <a:p>
+            <a:pPr marL="0" indent="0">
+              <a:buNone/>
+            </a:pPr>
+            <a:endParaRPr lang="en-US" dirty="0"/>
+          </a:p>
+          <a:p>
+            <a:pPr marL="0" indent="0">
+              <a:buNone/>
+            </a:pPr>
+            <a:r>
+              <a:rPr lang="en-US" dirty="0"/>
+              <a:t>Why would you use if?</a:t>
+            </a:r>
+          </a:p>
+          <a:p>
+            <a:pPr marL="0" indent="0">
+              <a:buNone/>
+            </a:pPr>
+            <a:r>
+              <a:rPr lang="en-US" dirty="0"/>
+              <a:t>To Avoid Polluting the Global Scope. </a:t>
+            </a:r>
+          </a:p>
+          <a:p>
+            <a:pPr marL="0" indent="0">
+              <a:buNone/>
+            </a:pPr>
+            <a:r>
+              <a:rPr lang="en-US" dirty="0"/>
+              <a:t>To fix issues with blocks: if, while, for</a:t>
+            </a:r>
+          </a:p>
+          <a:p>
+            <a:pPr marL="0" indent="0">
+              <a:buNone/>
+            </a:pPr>
             <a:endParaRPr lang="pl-PL" dirty="0"/>
           </a:p>
         </p:txBody>
@@ -6276,7 +8006,7 @@
     </p:spTree>
     <p:extLst>
       <p:ext uri="{BB962C8B-B14F-4D97-AF65-F5344CB8AC3E}">
-        <p14:creationId xmlns:p14="http://schemas.microsoft.com/office/powerpoint/2010/main" val="3828454026"/>
+        <p14:creationId xmlns:p14="http://schemas.microsoft.com/office/powerpoint/2010/main" val="3645805782"/>
       </p:ext>
     </p:extLst>
   </p:cSld>
@@ -6308,7 +8038,7 @@
           <p:cNvPr id="2" name="Tytuł 1">
             <a:extLst>
               <a:ext uri="{FF2B5EF4-FFF2-40B4-BE49-F238E27FC236}">
-                <a16:creationId xmlns:a16="http://schemas.microsoft.com/office/drawing/2014/main" id="{90264632-D128-417C-8F7C-C46DBD0FB358}"/>
+                <a16:creationId xmlns:a16="http://schemas.microsoft.com/office/drawing/2014/main" id="{C36F846F-F808-477F-B768-B830B9573D92}"/>
               </a:ext>
             </a:extLst>
           </p:cNvPr>
@@ -6321,19 +8051,28 @@
         </p:nvSpPr>
         <p:spPr/>
         <p:txBody>
-          <a:bodyPr/>
-          <a:lstStyle/>
-          <a:p>
-            <a:endParaRPr lang="pl-PL"/>
-          </a:p>
-        </p:txBody>
-      </p:sp>
-      <p:sp>
-        <p:nvSpPr>
-          <p:cNvPr id="7" name="Symbol zastępczy zawartości 6">
-            <a:extLst>
-              <a:ext uri="{FF2B5EF4-FFF2-40B4-BE49-F238E27FC236}">
-                <a16:creationId xmlns:a16="http://schemas.microsoft.com/office/drawing/2014/main" id="{B5617FE0-1C42-41D9-AEDA-1198DBC1048A}"/>
+          <a:bodyPr>
+            <a:normAutofit/>
+          </a:bodyPr>
+          <a:lstStyle/>
+          <a:p>
+            <a:r>
+              <a:rPr lang="en-GB" dirty="0"/>
+              <a:t>Fix with IIFE </a:t>
+            </a:r>
+            <a:br>
+              <a:rPr lang="en-GB" dirty="0"/>
+            </a:br>
+            <a:endParaRPr lang="pl-PL" dirty="0"/>
+          </a:p>
+        </p:txBody>
+      </p:sp>
+      <p:sp>
+        <p:nvSpPr>
+          <p:cNvPr id="5" name="Symbol zastępczy zawartości 2">
+            <a:extLst>
+              <a:ext uri="{FF2B5EF4-FFF2-40B4-BE49-F238E27FC236}">
+                <a16:creationId xmlns:a16="http://schemas.microsoft.com/office/drawing/2014/main" id="{378CBC48-8BC1-423C-9137-C2D451BB6D57}"/>
               </a:ext>
             </a:extLst>
           </p:cNvPr>
@@ -6344,66 +8083,594 @@
             <p:ph idx="1"/>
           </p:nvPr>
         </p:nvSpPr>
-        <p:spPr/>
-        <p:txBody>
-          <a:bodyPr/>
-          <a:lstStyle/>
-          <a:p>
-            <a:endParaRPr lang="pl-PL"/>
-          </a:p>
-        </p:txBody>
-      </p:sp>
-      <p:pic>
-        <p:nvPicPr>
-          <p:cNvPr id="2050" name="Picture 2" descr="Image result for all animals are equal but">
-            <a:extLst>
-              <a:ext uri="{FF2B5EF4-FFF2-40B4-BE49-F238E27FC236}">
-                <a16:creationId xmlns:a16="http://schemas.microsoft.com/office/drawing/2014/main" id="{E78F9560-733D-4BF9-AF96-31ADF4163BB7}"/>
-              </a:ext>
-            </a:extLst>
-          </p:cNvPr>
-          <p:cNvPicPr>
-            <a:picLocks noChangeAspect="1" noChangeArrowheads="1"/>
-          </p:cNvPicPr>
-          <p:nvPr/>
-        </p:nvPicPr>
-        <p:blipFill>
-          <a:blip r:embed="rId2">
-            <a:extLst>
-              <a:ext uri="{28A0092B-C50C-407E-A947-70E740481C1C}">
-                <a14:useLocalDpi xmlns:a14="http://schemas.microsoft.com/office/drawing/2010/main" val="0"/>
-              </a:ext>
-            </a:extLst>
-          </a:blip>
-          <a:srcRect/>
-          <a:stretch>
-            <a:fillRect/>
-          </a:stretch>
-        </p:blipFill>
-        <p:spPr bwMode="auto">
+        <p:spPr>
           <a:xfrm>
-            <a:off x="1520687" y="0"/>
-            <a:ext cx="8686799" cy="6775704"/>
+            <a:off x="937590" y="1825625"/>
+            <a:ext cx="10515600" cy="4351338"/>
           </a:xfrm>
-          <a:prstGeom prst="rect">
-            <a:avLst/>
-          </a:prstGeom>
-          <a:noFill/>
-          <a:extLst>
-            <a:ext uri="{909E8E84-426E-40DD-AFC4-6F175D3DCCD1}">
-              <a14:hiddenFill xmlns:a14="http://schemas.microsoft.com/office/drawing/2010/main">
-                <a:solidFill>
-                  <a:srgbClr val="FFFFFF"/>
-                </a:solidFill>
-              </a14:hiddenFill>
-            </a:ext>
-          </a:extLst>
         </p:spPr>
-      </p:pic>
+        <p:txBody>
+          <a:bodyPr>
+            <a:normAutofit/>
+          </a:bodyPr>
+          <a:lstStyle/>
+          <a:p>
+            <a:pPr marL="0" indent="0">
+              <a:lnSpc>
+                <a:spcPts val="1425"/>
+              </a:lnSpc>
+              <a:spcAft>
+                <a:spcPts val="0"/>
+              </a:spcAft>
+              <a:buNone/>
+            </a:pPr>
+            <a:endParaRPr lang="en-GB" dirty="0">
+              <a:solidFill>
+                <a:srgbClr val="0000FF"/>
+              </a:solidFill>
+              <a:latin typeface="Consolas" panose="020B0609020204030204" pitchFamily="49" charset="0"/>
+              <a:ea typeface="Times New Roman" panose="02020603050405020304" pitchFamily="18" charset="0"/>
+              <a:cs typeface="Times New Roman" panose="02020603050405020304" pitchFamily="18" charset="0"/>
+            </a:endParaRPr>
+          </a:p>
+          <a:p>
+            <a:pPr marL="0" indent="0">
+              <a:lnSpc>
+                <a:spcPts val="1425"/>
+              </a:lnSpc>
+              <a:spcAft>
+                <a:spcPts val="0"/>
+              </a:spcAft>
+              <a:buNone/>
+            </a:pPr>
+            <a:r>
+              <a:rPr lang="en-GB" u="sng" dirty="0" err="1">
+                <a:solidFill>
+                  <a:srgbClr val="0000FF"/>
+                </a:solidFill>
+                <a:latin typeface="Consolas" panose="020B0609020204030204" pitchFamily="49" charset="0"/>
+                <a:ea typeface="Times New Roman" panose="02020603050405020304" pitchFamily="18" charset="0"/>
+                <a:cs typeface="Times New Roman" panose="02020603050405020304" pitchFamily="18" charset="0"/>
+              </a:rPr>
+              <a:t>var</a:t>
+            </a:r>
+            <a:r>
+              <a:rPr lang="en-GB" u="sng" dirty="0">
+                <a:solidFill>
+                  <a:srgbClr val="000000"/>
+                </a:solidFill>
+                <a:latin typeface="Consolas" panose="020B0609020204030204" pitchFamily="49" charset="0"/>
+                <a:ea typeface="Times New Roman" panose="02020603050405020304" pitchFamily="18" charset="0"/>
+                <a:cs typeface="Times New Roman" panose="02020603050405020304" pitchFamily="18" charset="0"/>
+              </a:rPr>
+              <a:t> </a:t>
+            </a:r>
+            <a:r>
+              <a:rPr lang="en-GB" u="sng" dirty="0">
+                <a:solidFill>
+                  <a:srgbClr val="001080"/>
+                </a:solidFill>
+                <a:latin typeface="Consolas" panose="020B0609020204030204" pitchFamily="49" charset="0"/>
+                <a:ea typeface="Times New Roman" panose="02020603050405020304" pitchFamily="18" charset="0"/>
+                <a:cs typeface="Times New Roman" panose="02020603050405020304" pitchFamily="18" charset="0"/>
+              </a:rPr>
+              <a:t>temp</a:t>
+            </a:r>
+            <a:r>
+              <a:rPr lang="en-GB" u="sng" dirty="0">
+                <a:solidFill>
+                  <a:srgbClr val="000000"/>
+                </a:solidFill>
+                <a:latin typeface="Consolas" panose="020B0609020204030204" pitchFamily="49" charset="0"/>
+                <a:ea typeface="Times New Roman" panose="02020603050405020304" pitchFamily="18" charset="0"/>
+                <a:cs typeface="Times New Roman" panose="02020603050405020304" pitchFamily="18" charset="0"/>
+              </a:rPr>
+              <a:t> = </a:t>
+            </a:r>
+            <a:r>
+              <a:rPr lang="en-GB" u="sng" dirty="0">
+                <a:solidFill>
+                  <a:srgbClr val="A31515"/>
+                </a:solidFill>
+                <a:latin typeface="Consolas" panose="020B0609020204030204" pitchFamily="49" charset="0"/>
+                <a:ea typeface="Times New Roman" panose="02020603050405020304" pitchFamily="18" charset="0"/>
+                <a:cs typeface="Times New Roman" panose="02020603050405020304" pitchFamily="18" charset="0"/>
+              </a:rPr>
+              <a:t>'outer'</a:t>
+            </a:r>
+            <a:r>
+              <a:rPr lang="en-GB" u="sng" dirty="0">
+                <a:solidFill>
+                  <a:srgbClr val="000000"/>
+                </a:solidFill>
+                <a:latin typeface="Consolas" panose="020B0609020204030204" pitchFamily="49" charset="0"/>
+                <a:ea typeface="Times New Roman" panose="02020603050405020304" pitchFamily="18" charset="0"/>
+                <a:cs typeface="Times New Roman" panose="02020603050405020304" pitchFamily="18" charset="0"/>
+              </a:rPr>
+              <a:t>;</a:t>
+            </a:r>
+            <a:endParaRPr lang="pl-PL" sz="3200" u="sng" dirty="0">
+              <a:latin typeface="Calibri" panose="020F0502020204030204" pitchFamily="34" charset="0"/>
+              <a:ea typeface="Calibri" panose="020F0502020204030204" pitchFamily="34" charset="0"/>
+              <a:cs typeface="Times New Roman" panose="02020603050405020304" pitchFamily="18" charset="0"/>
+            </a:endParaRPr>
+          </a:p>
+          <a:p>
+            <a:pPr marL="0" indent="0">
+              <a:lnSpc>
+                <a:spcPts val="1425"/>
+              </a:lnSpc>
+              <a:buNone/>
+            </a:pPr>
+            <a:r>
+              <a:rPr lang="en-GB" dirty="0">
+                <a:solidFill>
+                  <a:srgbClr val="000000"/>
+                </a:solidFill>
+                <a:latin typeface="Consolas" panose="020B0609020204030204" pitchFamily="49" charset="0"/>
+                <a:ea typeface="Times New Roman" panose="02020603050405020304" pitchFamily="18" charset="0"/>
+                <a:cs typeface="Times New Roman" panose="02020603050405020304" pitchFamily="18" charset="0"/>
+              </a:rPr>
+              <a:t> </a:t>
+            </a:r>
+            <a:endParaRPr lang="pl-PL" sz="3200" dirty="0">
+              <a:latin typeface="Calibri" panose="020F0502020204030204" pitchFamily="34" charset="0"/>
+              <a:ea typeface="Calibri" panose="020F0502020204030204" pitchFamily="34" charset="0"/>
+              <a:cs typeface="Times New Roman" panose="02020603050405020304" pitchFamily="18" charset="0"/>
+            </a:endParaRPr>
+          </a:p>
+          <a:p>
+            <a:pPr marL="0" indent="0">
+              <a:lnSpc>
+                <a:spcPts val="1425"/>
+              </a:lnSpc>
+              <a:spcAft>
+                <a:spcPts val="0"/>
+              </a:spcAft>
+              <a:buNone/>
+            </a:pPr>
+            <a:r>
+              <a:rPr lang="en-GB" b="1" dirty="0">
+                <a:solidFill>
+                  <a:srgbClr val="AF00DB"/>
+                </a:solidFill>
+                <a:latin typeface="Consolas" panose="020B0609020204030204" pitchFamily="49" charset="0"/>
+                <a:ea typeface="Times New Roman" panose="02020603050405020304" pitchFamily="18" charset="0"/>
+                <a:cs typeface="Times New Roman" panose="02020603050405020304" pitchFamily="18" charset="0"/>
+              </a:rPr>
+              <a:t>for / if / while</a:t>
+            </a:r>
+            <a:r>
+              <a:rPr lang="en-GB" b="1" dirty="0">
+                <a:solidFill>
+                  <a:srgbClr val="000000"/>
+                </a:solidFill>
+                <a:latin typeface="Consolas" panose="020B0609020204030204" pitchFamily="49" charset="0"/>
+                <a:ea typeface="Times New Roman" panose="02020603050405020304" pitchFamily="18" charset="0"/>
+                <a:cs typeface="Times New Roman" panose="02020603050405020304" pitchFamily="18" charset="0"/>
+              </a:rPr>
+              <a:t> </a:t>
+            </a:r>
+            <a:r>
+              <a:rPr lang="en-GB" sz="3600" b="1" dirty="0">
+                <a:solidFill>
+                  <a:srgbClr val="000000"/>
+                </a:solidFill>
+                <a:latin typeface="Consolas" panose="020B0609020204030204" pitchFamily="49" charset="0"/>
+                <a:ea typeface="Times New Roman" panose="02020603050405020304" pitchFamily="18" charset="0"/>
+                <a:cs typeface="Times New Roman" panose="02020603050405020304" pitchFamily="18" charset="0"/>
+              </a:rPr>
+              <a:t>(</a:t>
+            </a:r>
+            <a:r>
+              <a:rPr lang="en-GB" sz="3600" b="1" dirty="0">
+                <a:solidFill>
+                  <a:srgbClr val="0000FF"/>
+                </a:solidFill>
+                <a:latin typeface="Consolas" panose="020B0609020204030204" pitchFamily="49" charset="0"/>
+                <a:ea typeface="Times New Roman" panose="02020603050405020304" pitchFamily="18" charset="0"/>
+                <a:cs typeface="Times New Roman" panose="02020603050405020304" pitchFamily="18" charset="0"/>
+              </a:rPr>
+              <a:t>…</a:t>
+            </a:r>
+            <a:r>
+              <a:rPr lang="en-GB" sz="3600" b="1" dirty="0">
+                <a:solidFill>
+                  <a:srgbClr val="000000"/>
+                </a:solidFill>
+                <a:latin typeface="Consolas" panose="020B0609020204030204" pitchFamily="49" charset="0"/>
+                <a:ea typeface="Times New Roman" panose="02020603050405020304" pitchFamily="18" charset="0"/>
+                <a:cs typeface="Times New Roman" panose="02020603050405020304" pitchFamily="18" charset="0"/>
+              </a:rPr>
+              <a:t>) {</a:t>
+            </a:r>
+            <a:endParaRPr lang="pl-PL" sz="3200" dirty="0">
+              <a:latin typeface="Calibri" panose="020F0502020204030204" pitchFamily="34" charset="0"/>
+              <a:ea typeface="Calibri" panose="020F0502020204030204" pitchFamily="34" charset="0"/>
+              <a:cs typeface="Times New Roman" panose="02020603050405020304" pitchFamily="18" charset="0"/>
+            </a:endParaRPr>
+          </a:p>
+          <a:p>
+            <a:pPr marL="0" indent="0">
+              <a:lnSpc>
+                <a:spcPts val="1425"/>
+              </a:lnSpc>
+              <a:spcAft>
+                <a:spcPts val="0"/>
+              </a:spcAft>
+              <a:buNone/>
+            </a:pPr>
+            <a:r>
+              <a:rPr lang="en-GB" dirty="0">
+                <a:solidFill>
+                  <a:srgbClr val="000000"/>
+                </a:solidFill>
+                <a:latin typeface="Consolas" panose="020B0609020204030204" pitchFamily="49" charset="0"/>
+                <a:ea typeface="Times New Roman" panose="02020603050405020304" pitchFamily="18" charset="0"/>
+                <a:cs typeface="Times New Roman" panose="02020603050405020304" pitchFamily="18" charset="0"/>
+              </a:rPr>
+              <a:t>    </a:t>
+            </a:r>
+            <a:endParaRPr lang="pl-PL" sz="3200" dirty="0">
+              <a:latin typeface="Calibri" panose="020F0502020204030204" pitchFamily="34" charset="0"/>
+              <a:ea typeface="Calibri" panose="020F0502020204030204" pitchFamily="34" charset="0"/>
+              <a:cs typeface="Times New Roman" panose="02020603050405020304" pitchFamily="18" charset="0"/>
+            </a:endParaRPr>
+          </a:p>
+          <a:p>
+            <a:pPr marL="0" indent="0">
+              <a:lnSpc>
+                <a:spcPts val="1425"/>
+              </a:lnSpc>
+              <a:spcAft>
+                <a:spcPts val="0"/>
+              </a:spcAft>
+              <a:buNone/>
+            </a:pPr>
+            <a:r>
+              <a:rPr lang="en-GB" dirty="0">
+                <a:solidFill>
+                  <a:srgbClr val="000000"/>
+                </a:solidFill>
+                <a:latin typeface="Consolas" panose="020B0609020204030204" pitchFamily="49" charset="0"/>
+                <a:ea typeface="Times New Roman" panose="02020603050405020304" pitchFamily="18" charset="0"/>
+                <a:cs typeface="Times New Roman" panose="02020603050405020304" pitchFamily="18" charset="0"/>
+              </a:rPr>
+              <a:t>    (</a:t>
+            </a:r>
+            <a:r>
+              <a:rPr lang="en-GB" dirty="0">
+                <a:solidFill>
+                  <a:srgbClr val="0000FF"/>
+                </a:solidFill>
+                <a:latin typeface="Consolas" panose="020B0609020204030204" pitchFamily="49" charset="0"/>
+                <a:ea typeface="Times New Roman" panose="02020603050405020304" pitchFamily="18" charset="0"/>
+                <a:cs typeface="Times New Roman" panose="02020603050405020304" pitchFamily="18" charset="0"/>
+              </a:rPr>
+              <a:t>function </a:t>
+            </a:r>
+            <a:r>
+              <a:rPr lang="en-GB" dirty="0">
+                <a:solidFill>
+                  <a:srgbClr val="000000"/>
+                </a:solidFill>
+                <a:latin typeface="Consolas" panose="020B0609020204030204" pitchFamily="49" charset="0"/>
+                <a:ea typeface="Times New Roman" panose="02020603050405020304" pitchFamily="18" charset="0"/>
+                <a:cs typeface="Times New Roman" panose="02020603050405020304" pitchFamily="18" charset="0"/>
+              </a:rPr>
+              <a:t>() { </a:t>
+            </a:r>
+          </a:p>
+          <a:p>
+            <a:pPr marL="0" indent="0">
+              <a:lnSpc>
+                <a:spcPts val="1425"/>
+              </a:lnSpc>
+              <a:spcAft>
+                <a:spcPts val="0"/>
+              </a:spcAft>
+              <a:buNone/>
+            </a:pPr>
+            <a:r>
+              <a:rPr lang="en-GB" i="1" dirty="0">
+                <a:solidFill>
+                  <a:srgbClr val="000000"/>
+                </a:solidFill>
+                <a:latin typeface="Consolas" panose="020B0609020204030204" pitchFamily="49" charset="0"/>
+                <a:ea typeface="Times New Roman" panose="02020603050405020304" pitchFamily="18" charset="0"/>
+                <a:cs typeface="Times New Roman" panose="02020603050405020304" pitchFamily="18" charset="0"/>
+              </a:rPr>
+              <a:t>	</a:t>
+            </a:r>
+          </a:p>
+          <a:p>
+            <a:pPr marL="0" indent="0">
+              <a:lnSpc>
+                <a:spcPts val="1425"/>
+              </a:lnSpc>
+              <a:spcAft>
+                <a:spcPts val="0"/>
+              </a:spcAft>
+              <a:buNone/>
+            </a:pPr>
+            <a:r>
+              <a:rPr lang="en-GB" i="1" dirty="0">
+                <a:solidFill>
+                  <a:srgbClr val="000000"/>
+                </a:solidFill>
+                <a:latin typeface="Consolas" panose="020B0609020204030204" pitchFamily="49" charset="0"/>
+                <a:ea typeface="Times New Roman" panose="02020603050405020304" pitchFamily="18" charset="0"/>
+                <a:cs typeface="Times New Roman" panose="02020603050405020304" pitchFamily="18" charset="0"/>
+              </a:rPr>
+              <a:t>		</a:t>
+            </a:r>
+            <a:r>
+              <a:rPr lang="en-GB" dirty="0" err="1">
+                <a:solidFill>
+                  <a:srgbClr val="0000FF"/>
+                </a:solidFill>
+                <a:latin typeface="Consolas" panose="020B0609020204030204" pitchFamily="49" charset="0"/>
+                <a:ea typeface="Times New Roman" panose="02020603050405020304" pitchFamily="18" charset="0"/>
+                <a:cs typeface="Times New Roman" panose="02020603050405020304" pitchFamily="18" charset="0"/>
+              </a:rPr>
+              <a:t>var</a:t>
+            </a:r>
+            <a:r>
+              <a:rPr lang="en-GB" dirty="0">
+                <a:solidFill>
+                  <a:srgbClr val="000000"/>
+                </a:solidFill>
+                <a:latin typeface="Consolas" panose="020B0609020204030204" pitchFamily="49" charset="0"/>
+                <a:ea typeface="Times New Roman" panose="02020603050405020304" pitchFamily="18" charset="0"/>
+                <a:cs typeface="Times New Roman" panose="02020603050405020304" pitchFamily="18" charset="0"/>
+              </a:rPr>
+              <a:t> </a:t>
+            </a:r>
+            <a:r>
+              <a:rPr lang="en-GB" dirty="0">
+                <a:solidFill>
+                  <a:srgbClr val="001080"/>
+                </a:solidFill>
+                <a:latin typeface="Consolas" panose="020B0609020204030204" pitchFamily="49" charset="0"/>
+                <a:ea typeface="Times New Roman" panose="02020603050405020304" pitchFamily="18" charset="0"/>
+                <a:cs typeface="Times New Roman" panose="02020603050405020304" pitchFamily="18" charset="0"/>
+              </a:rPr>
+              <a:t>temp</a:t>
+            </a:r>
+            <a:r>
+              <a:rPr lang="en-GB" dirty="0">
+                <a:solidFill>
+                  <a:srgbClr val="000000"/>
+                </a:solidFill>
+                <a:latin typeface="Consolas" panose="020B0609020204030204" pitchFamily="49" charset="0"/>
+                <a:ea typeface="Times New Roman" panose="02020603050405020304" pitchFamily="18" charset="0"/>
+                <a:cs typeface="Times New Roman" panose="02020603050405020304" pitchFamily="18" charset="0"/>
+              </a:rPr>
+              <a:t> = </a:t>
+            </a:r>
+            <a:r>
+              <a:rPr lang="en-GB" dirty="0">
+                <a:solidFill>
+                  <a:srgbClr val="A31515"/>
+                </a:solidFill>
+                <a:latin typeface="Consolas" panose="020B0609020204030204" pitchFamily="49" charset="0"/>
+                <a:ea typeface="Times New Roman" panose="02020603050405020304" pitchFamily="18" charset="0"/>
+                <a:cs typeface="Times New Roman" panose="02020603050405020304" pitchFamily="18" charset="0"/>
+              </a:rPr>
+              <a:t>'inner’</a:t>
+            </a:r>
+            <a:r>
+              <a:rPr lang="en-GB" dirty="0">
+                <a:solidFill>
+                  <a:srgbClr val="000000"/>
+                </a:solidFill>
+                <a:latin typeface="Consolas" panose="020B0609020204030204" pitchFamily="49" charset="0"/>
+                <a:ea typeface="Times New Roman" panose="02020603050405020304" pitchFamily="18" charset="0"/>
+                <a:cs typeface="Times New Roman" panose="02020603050405020304" pitchFamily="18" charset="0"/>
+              </a:rPr>
+              <a:t>; </a:t>
+            </a:r>
+          </a:p>
+          <a:p>
+            <a:pPr marL="0" indent="0">
+              <a:lnSpc>
+                <a:spcPts val="1425"/>
+              </a:lnSpc>
+              <a:spcAft>
+                <a:spcPts val="0"/>
+              </a:spcAft>
+              <a:buNone/>
+            </a:pPr>
+            <a:r>
+              <a:rPr lang="en-GB" dirty="0">
+                <a:solidFill>
+                  <a:srgbClr val="000000"/>
+                </a:solidFill>
+                <a:latin typeface="Consolas" panose="020B0609020204030204" pitchFamily="49" charset="0"/>
+                <a:ea typeface="Times New Roman" panose="02020603050405020304" pitchFamily="18" charset="0"/>
+                <a:cs typeface="Times New Roman" panose="02020603050405020304" pitchFamily="18" charset="0"/>
+              </a:rPr>
+              <a:t>	</a:t>
+            </a:r>
+          </a:p>
+          <a:p>
+            <a:pPr marL="0" indent="0">
+              <a:lnSpc>
+                <a:spcPts val="1425"/>
+              </a:lnSpc>
+              <a:spcAft>
+                <a:spcPts val="0"/>
+              </a:spcAft>
+              <a:buNone/>
+            </a:pPr>
+            <a:r>
+              <a:rPr lang="en-GB" dirty="0">
+                <a:solidFill>
+                  <a:srgbClr val="000000"/>
+                </a:solidFill>
+                <a:latin typeface="Consolas" panose="020B0609020204030204" pitchFamily="49" charset="0"/>
+                <a:ea typeface="Times New Roman" panose="02020603050405020304" pitchFamily="18" charset="0"/>
+                <a:cs typeface="Times New Roman" panose="02020603050405020304" pitchFamily="18" charset="0"/>
+              </a:rPr>
+              <a:t>	})();</a:t>
+            </a:r>
+            <a:endParaRPr lang="en-GB" sz="3200" dirty="0">
+              <a:solidFill>
+                <a:srgbClr val="000000"/>
+              </a:solidFill>
+              <a:latin typeface="Consolas" panose="020B0609020204030204" pitchFamily="49" charset="0"/>
+              <a:ea typeface="Times New Roman" panose="02020603050405020304" pitchFamily="18" charset="0"/>
+              <a:cs typeface="Times New Roman" panose="02020603050405020304" pitchFamily="18" charset="0"/>
+            </a:endParaRPr>
+          </a:p>
+          <a:p>
+            <a:pPr marL="0" indent="0">
+              <a:lnSpc>
+                <a:spcPts val="1425"/>
+              </a:lnSpc>
+              <a:spcAft>
+                <a:spcPts val="0"/>
+              </a:spcAft>
+              <a:buNone/>
+            </a:pPr>
+            <a:r>
+              <a:rPr lang="en-GB" sz="3200" dirty="0">
+                <a:solidFill>
+                  <a:srgbClr val="000000"/>
+                </a:solidFill>
+                <a:latin typeface="Consolas" panose="020B0609020204030204" pitchFamily="49" charset="0"/>
+                <a:ea typeface="Times New Roman" panose="02020603050405020304" pitchFamily="18" charset="0"/>
+                <a:cs typeface="Times New Roman" panose="02020603050405020304" pitchFamily="18" charset="0"/>
+              </a:rPr>
+              <a:t>}</a:t>
+            </a:r>
+            <a:endParaRPr lang="en-GB" dirty="0">
+              <a:solidFill>
+                <a:srgbClr val="267F99"/>
+              </a:solidFill>
+              <a:latin typeface="Consolas" panose="020B0609020204030204" pitchFamily="49" charset="0"/>
+              <a:ea typeface="Times New Roman" panose="02020603050405020304" pitchFamily="18" charset="0"/>
+              <a:cs typeface="Times New Roman" panose="02020603050405020304" pitchFamily="18" charset="0"/>
+            </a:endParaRPr>
+          </a:p>
+          <a:p>
+            <a:pPr marL="0" indent="0">
+              <a:lnSpc>
+                <a:spcPts val="1425"/>
+              </a:lnSpc>
+              <a:spcAft>
+                <a:spcPts val="0"/>
+              </a:spcAft>
+              <a:buNone/>
+            </a:pPr>
+            <a:endParaRPr lang="en-GB" dirty="0">
+              <a:solidFill>
+                <a:srgbClr val="267F99"/>
+              </a:solidFill>
+              <a:latin typeface="Consolas" panose="020B0609020204030204" pitchFamily="49" charset="0"/>
+              <a:ea typeface="Times New Roman" panose="02020603050405020304" pitchFamily="18" charset="0"/>
+              <a:cs typeface="Times New Roman" panose="02020603050405020304" pitchFamily="18" charset="0"/>
+            </a:endParaRPr>
+          </a:p>
+          <a:p>
+            <a:pPr marL="0" indent="0">
+              <a:lnSpc>
+                <a:spcPts val="1425"/>
+              </a:lnSpc>
+              <a:spcAft>
+                <a:spcPts val="0"/>
+              </a:spcAft>
+              <a:buNone/>
+            </a:pPr>
+            <a:r>
+              <a:rPr lang="en-GB" dirty="0">
+                <a:solidFill>
+                  <a:srgbClr val="267F99"/>
+                </a:solidFill>
+                <a:latin typeface="Consolas" panose="020B0609020204030204" pitchFamily="49" charset="0"/>
+                <a:ea typeface="Times New Roman" panose="02020603050405020304" pitchFamily="18" charset="0"/>
+                <a:cs typeface="Times New Roman" panose="02020603050405020304" pitchFamily="18" charset="0"/>
+              </a:rPr>
+              <a:t>console</a:t>
+            </a:r>
+            <a:r>
+              <a:rPr lang="en-GB" dirty="0">
+                <a:solidFill>
+                  <a:srgbClr val="000000"/>
+                </a:solidFill>
+                <a:latin typeface="Consolas" panose="020B0609020204030204" pitchFamily="49" charset="0"/>
+                <a:ea typeface="Times New Roman" panose="02020603050405020304" pitchFamily="18" charset="0"/>
+                <a:cs typeface="Times New Roman" panose="02020603050405020304" pitchFamily="18" charset="0"/>
+              </a:rPr>
+              <a:t>.</a:t>
+            </a:r>
+            <a:r>
+              <a:rPr lang="en-GB" dirty="0">
+                <a:solidFill>
+                  <a:srgbClr val="795E26"/>
+                </a:solidFill>
+                <a:latin typeface="Consolas" panose="020B0609020204030204" pitchFamily="49" charset="0"/>
+                <a:ea typeface="Times New Roman" panose="02020603050405020304" pitchFamily="18" charset="0"/>
+                <a:cs typeface="Times New Roman" panose="02020603050405020304" pitchFamily="18" charset="0"/>
+              </a:rPr>
+              <a:t>log</a:t>
+            </a:r>
+            <a:r>
+              <a:rPr lang="en-GB" dirty="0">
+                <a:solidFill>
+                  <a:srgbClr val="000000"/>
+                </a:solidFill>
+                <a:latin typeface="Consolas" panose="020B0609020204030204" pitchFamily="49" charset="0"/>
+                <a:ea typeface="Times New Roman" panose="02020603050405020304" pitchFamily="18" charset="0"/>
+                <a:cs typeface="Times New Roman" panose="02020603050405020304" pitchFamily="18" charset="0"/>
+              </a:rPr>
+              <a:t>(</a:t>
+            </a:r>
+            <a:r>
+              <a:rPr lang="en-GB" dirty="0">
+                <a:solidFill>
+                  <a:srgbClr val="001080"/>
+                </a:solidFill>
+                <a:latin typeface="Consolas" panose="020B0609020204030204" pitchFamily="49" charset="0"/>
+                <a:ea typeface="Times New Roman" panose="02020603050405020304" pitchFamily="18" charset="0"/>
+                <a:cs typeface="Times New Roman" panose="02020603050405020304" pitchFamily="18" charset="0"/>
+              </a:rPr>
+              <a:t>temp</a:t>
+            </a:r>
+            <a:r>
+              <a:rPr lang="en-GB" dirty="0">
+                <a:solidFill>
+                  <a:srgbClr val="000000"/>
+                </a:solidFill>
+                <a:latin typeface="Consolas" panose="020B0609020204030204" pitchFamily="49" charset="0"/>
+                <a:ea typeface="Times New Roman" panose="02020603050405020304" pitchFamily="18" charset="0"/>
+                <a:cs typeface="Times New Roman" panose="02020603050405020304" pitchFamily="18" charset="0"/>
+              </a:rPr>
+              <a:t>); </a:t>
+            </a:r>
+            <a:r>
+              <a:rPr lang="en-GB" b="1" u="sng" dirty="0">
+                <a:solidFill>
+                  <a:srgbClr val="008000"/>
+                </a:solidFill>
+                <a:latin typeface="Consolas" panose="020B0609020204030204" pitchFamily="49" charset="0"/>
+                <a:ea typeface="Times New Roman" panose="02020603050405020304" pitchFamily="18" charset="0"/>
+                <a:cs typeface="Times New Roman" panose="02020603050405020304" pitchFamily="18" charset="0"/>
+              </a:rPr>
+              <a:t>// Console prints: inner</a:t>
+            </a:r>
+            <a:endParaRPr lang="pl-PL" sz="3200" b="1" u="sng" dirty="0">
+              <a:latin typeface="Calibri" panose="020F0502020204030204" pitchFamily="34" charset="0"/>
+              <a:ea typeface="Calibri" panose="020F0502020204030204" pitchFamily="34" charset="0"/>
+              <a:cs typeface="Times New Roman" panose="02020603050405020304" pitchFamily="18" charset="0"/>
+            </a:endParaRPr>
+          </a:p>
+        </p:txBody>
+      </p:sp>
     </p:spTree>
     <p:extLst>
       <p:ext uri="{BB962C8B-B14F-4D97-AF65-F5344CB8AC3E}">
-        <p14:creationId xmlns:p14="http://schemas.microsoft.com/office/powerpoint/2010/main" val="1857956438"/>
+        <p14:creationId xmlns:p14="http://schemas.microsoft.com/office/powerpoint/2010/main" val="1159491924"/>
       </p:ext>
     </p:extLst>
   </p:cSld>
@@ -6706,4 +8973,299 @@
     </a:ext>
   </a:extLst>
 </a:theme>
+</file>
+
+<file path=ppt/theme/theme2.xml><?xml version="1.0" encoding="utf-8"?>
+<a:theme xmlns:a="http://schemas.openxmlformats.org/drawingml/2006/main" name="Motyw pakietu Office">
+  <a:themeElements>
+    <a:clrScheme name="Pakiet Office">
+      <a:dk1>
+        <a:sysClr val="windowText" lastClr="000000"/>
+      </a:dk1>
+      <a:lt1>
+        <a:sysClr val="window" lastClr="FFFFFF"/>
+      </a:lt1>
+      <a:dk2>
+        <a:srgbClr val="44546A"/>
+      </a:dk2>
+      <a:lt2>
+        <a:srgbClr val="E7E6E6"/>
+      </a:lt2>
+      <a:accent1>
+        <a:srgbClr val="4472C4"/>
+      </a:accent1>
+      <a:accent2>
+        <a:srgbClr val="ED7D31"/>
+      </a:accent2>
+      <a:accent3>
+        <a:srgbClr val="A5A5A5"/>
+      </a:accent3>
+      <a:accent4>
+        <a:srgbClr val="FFC000"/>
+      </a:accent4>
+      <a:accent5>
+        <a:srgbClr val="5B9BD5"/>
+      </a:accent5>
+      <a:accent6>
+        <a:srgbClr val="70AD47"/>
+      </a:accent6>
+      <a:hlink>
+        <a:srgbClr val="0563C1"/>
+      </a:hlink>
+      <a:folHlink>
+        <a:srgbClr val="954F72"/>
+      </a:folHlink>
+    </a:clrScheme>
+    <a:fontScheme name="Pakiet Office">
+      <a:majorFont>
+        <a:latin typeface="Calibri Light" panose="020F0302020204030204"/>
+        <a:ea typeface=""/>
+        <a:cs typeface=""/>
+        <a:font script="Jpan" typeface="游ゴシック Light"/>
+        <a:font script="Hang" typeface="맑은 고딕"/>
+        <a:font script="Hans" typeface="等线 Light"/>
+        <a:font script="Hant" typeface="新細明體"/>
+        <a:font script="Arab" typeface="Times New Roman"/>
+        <a:font script="Hebr" typeface="Times New Roman"/>
+        <a:font script="Thai" typeface="Angsana New"/>
+        <a:font script="Ethi" typeface="Nyala"/>
+        <a:font script="Beng" typeface="Vrinda"/>
+        <a:font script="Gujr" typeface="Shruti"/>
+        <a:font script="Khmr" typeface="MoolBoran"/>
+        <a:font script="Knda" typeface="Tunga"/>
+        <a:font script="Guru" typeface="Raavi"/>
+        <a:font script="Cans" typeface="Euphemia"/>
+        <a:font script="Cher" typeface="Plantagenet Cherokee"/>
+        <a:font script="Yiii" typeface="Microsoft Yi Baiti"/>
+        <a:font script="Tibt" typeface="Microsoft Himalaya"/>
+        <a:font script="Thaa" typeface="MV Boli"/>
+        <a:font script="Deva" typeface="Mangal"/>
+        <a:font script="Telu" typeface="Gautami"/>
+        <a:font script="Taml" typeface="Latha"/>
+        <a:font script="Syrc" typeface="Estrangelo Edessa"/>
+        <a:font script="Orya" typeface="Kalinga"/>
+        <a:font script="Mlym" typeface="Kartika"/>
+        <a:font script="Laoo" typeface="DokChampa"/>
+        <a:font script="Sinh" typeface="Iskoola Pota"/>
+        <a:font script="Mong" typeface="Mongolian Baiti"/>
+        <a:font script="Viet" typeface="Times New Roman"/>
+        <a:font script="Uigh" typeface="Microsoft Uighur"/>
+        <a:font script="Geor" typeface="Sylfaen"/>
+        <a:font script="Armn" typeface="Arial"/>
+        <a:font script="Bugi" typeface="Leelawadee UI"/>
+        <a:font script="Bopo" typeface="Microsoft JhengHei"/>
+        <a:font script="Java" typeface="Javanese Text"/>
+        <a:font script="Lisu" typeface="Segoe UI"/>
+        <a:font script="Mymr" typeface="Myanmar Text"/>
+        <a:font script="Nkoo" typeface="Ebrima"/>
+        <a:font script="Olck" typeface="Nirmala UI"/>
+        <a:font script="Osma" typeface="Ebrima"/>
+        <a:font script="Phag" typeface="Phagspa"/>
+        <a:font script="Syrn" typeface="Estrangelo Edessa"/>
+        <a:font script="Syrj" typeface="Estrangelo Edessa"/>
+        <a:font script="Syre" typeface="Estrangelo Edessa"/>
+        <a:font script="Sora" typeface="Nirmala UI"/>
+        <a:font script="Tale" typeface="Microsoft Tai Le"/>
+        <a:font script="Talu" typeface="Microsoft New Tai Lue"/>
+        <a:font script="Tfng" typeface="Ebrima"/>
+      </a:majorFont>
+      <a:minorFont>
+        <a:latin typeface="Calibri" panose="020F0502020204030204"/>
+        <a:ea typeface=""/>
+        <a:cs typeface=""/>
+        <a:font script="Jpan" typeface="游ゴシック"/>
+        <a:font script="Hang" typeface="맑은 고딕"/>
+        <a:font script="Hans" typeface="等线"/>
+        <a:font script="Hant" typeface="新細明體"/>
+        <a:font script="Arab" typeface="Arial"/>
+        <a:font script="Hebr" typeface="Arial"/>
+        <a:font script="Thai" typeface="Cordia New"/>
+        <a:font script="Ethi" typeface="Nyala"/>
+        <a:font script="Beng" typeface="Vrinda"/>
+        <a:font script="Gujr" typeface="Shruti"/>
+        <a:font script="Khmr" typeface="DaunPenh"/>
+        <a:font script="Knda" typeface="Tunga"/>
+        <a:font script="Guru" typeface="Raavi"/>
+        <a:font script="Cans" typeface="Euphemia"/>
+        <a:font script="Cher" typeface="Plantagenet Cherokee"/>
+        <a:font script="Yiii" typeface="Microsoft Yi Baiti"/>
+        <a:font script="Tibt" typeface="Microsoft Himalaya"/>
+        <a:font script="Thaa" typeface="MV Boli"/>
+        <a:font script="Deva" typeface="Mangal"/>
+        <a:font script="Telu" typeface="Gautami"/>
+        <a:font script="Taml" typeface="Latha"/>
+        <a:font script="Syrc" typeface="Estrangelo Edessa"/>
+        <a:font script="Orya" typeface="Kalinga"/>
+        <a:font script="Mlym" typeface="Kartika"/>
+        <a:font script="Laoo" typeface="DokChampa"/>
+        <a:font script="Sinh" typeface="Iskoola Pota"/>
+        <a:font script="Mong" typeface="Mongolian Baiti"/>
+        <a:font script="Viet" typeface="Arial"/>
+        <a:font script="Uigh" typeface="Microsoft Uighur"/>
+        <a:font script="Geor" typeface="Sylfaen"/>
+        <a:font script="Armn" typeface="Arial"/>
+        <a:font script="Bugi" typeface="Leelawadee UI"/>
+        <a:font script="Bopo" typeface="Microsoft JhengHei"/>
+        <a:font script="Java" typeface="Javanese Text"/>
+        <a:font script="Lisu" typeface="Segoe UI"/>
+        <a:font script="Mymr" typeface="Myanmar Text"/>
+        <a:font script="Nkoo" typeface="Ebrima"/>
+        <a:font script="Olck" typeface="Nirmala UI"/>
+        <a:font script="Osma" typeface="Ebrima"/>
+        <a:font script="Phag" typeface="Phagspa"/>
+        <a:font script="Syrn" typeface="Estrangelo Edessa"/>
+        <a:font script="Syrj" typeface="Estrangelo Edessa"/>
+        <a:font script="Syre" typeface="Estrangelo Edessa"/>
+        <a:font script="Sora" typeface="Nirmala UI"/>
+        <a:font script="Tale" typeface="Microsoft Tai Le"/>
+        <a:font script="Talu" typeface="Microsoft New Tai Lue"/>
+        <a:font script="Tfng" typeface="Ebrima"/>
+      </a:minorFont>
+    </a:fontScheme>
+    <a:fmtScheme name="Pakiet Office">
+      <a:fillStyleLst>
+        <a:solidFill>
+          <a:schemeClr val="phClr"/>
+        </a:solidFill>
+        <a:gradFill rotWithShape="1">
+          <a:gsLst>
+            <a:gs pos="0">
+              <a:schemeClr val="phClr">
+                <a:lumMod val="110000"/>
+                <a:satMod val="105000"/>
+                <a:tint val="67000"/>
+              </a:schemeClr>
+            </a:gs>
+            <a:gs pos="50000">
+              <a:schemeClr val="phClr">
+                <a:lumMod val="105000"/>
+                <a:satMod val="103000"/>
+                <a:tint val="73000"/>
+              </a:schemeClr>
+            </a:gs>
+            <a:gs pos="100000">
+              <a:schemeClr val="phClr">
+                <a:lumMod val="105000"/>
+                <a:satMod val="109000"/>
+                <a:tint val="81000"/>
+              </a:schemeClr>
+            </a:gs>
+          </a:gsLst>
+          <a:lin ang="5400000" scaled="0"/>
+        </a:gradFill>
+        <a:gradFill rotWithShape="1">
+          <a:gsLst>
+            <a:gs pos="0">
+              <a:schemeClr val="phClr">
+                <a:satMod val="103000"/>
+                <a:lumMod val="102000"/>
+                <a:tint val="94000"/>
+              </a:schemeClr>
+            </a:gs>
+            <a:gs pos="50000">
+              <a:schemeClr val="phClr">
+                <a:satMod val="110000"/>
+                <a:lumMod val="100000"/>
+                <a:shade val="100000"/>
+              </a:schemeClr>
+            </a:gs>
+            <a:gs pos="100000">
+              <a:schemeClr val="phClr">
+                <a:lumMod val="99000"/>
+                <a:satMod val="120000"/>
+                <a:shade val="78000"/>
+              </a:schemeClr>
+            </a:gs>
+          </a:gsLst>
+          <a:lin ang="5400000" scaled="0"/>
+        </a:gradFill>
+      </a:fillStyleLst>
+      <a:lnStyleLst>
+        <a:ln w="6350" cap="flat" cmpd="sng" algn="ctr">
+          <a:solidFill>
+            <a:schemeClr val="phClr"/>
+          </a:solidFill>
+          <a:prstDash val="solid"/>
+          <a:miter lim="800000"/>
+        </a:ln>
+        <a:ln w="12700" cap="flat" cmpd="sng" algn="ctr">
+          <a:solidFill>
+            <a:schemeClr val="phClr"/>
+          </a:solidFill>
+          <a:prstDash val="solid"/>
+          <a:miter lim="800000"/>
+        </a:ln>
+        <a:ln w="19050" cap="flat" cmpd="sng" algn="ctr">
+          <a:solidFill>
+            <a:schemeClr val="phClr"/>
+          </a:solidFill>
+          <a:prstDash val="solid"/>
+          <a:miter lim="800000"/>
+        </a:ln>
+      </a:lnStyleLst>
+      <a:effectStyleLst>
+        <a:effectStyle>
+          <a:effectLst/>
+        </a:effectStyle>
+        <a:effectStyle>
+          <a:effectLst/>
+        </a:effectStyle>
+        <a:effectStyle>
+          <a:effectLst>
+            <a:outerShdw blurRad="57150" dist="19050" dir="5400000" algn="ctr" rotWithShape="0">
+              <a:srgbClr val="000000">
+                <a:alpha val="63000"/>
+              </a:srgbClr>
+            </a:outerShdw>
+          </a:effectLst>
+        </a:effectStyle>
+      </a:effectStyleLst>
+      <a:bgFillStyleLst>
+        <a:solidFill>
+          <a:schemeClr val="phClr"/>
+        </a:solidFill>
+        <a:solidFill>
+          <a:schemeClr val="phClr">
+            <a:tint val="95000"/>
+            <a:satMod val="170000"/>
+          </a:schemeClr>
+        </a:solidFill>
+        <a:gradFill rotWithShape="1">
+          <a:gsLst>
+            <a:gs pos="0">
+              <a:schemeClr val="phClr">
+                <a:tint val="93000"/>
+                <a:satMod val="150000"/>
+                <a:shade val="98000"/>
+                <a:lumMod val="102000"/>
+              </a:schemeClr>
+            </a:gs>
+            <a:gs pos="50000">
+              <a:schemeClr val="phClr">
+                <a:tint val="98000"/>
+                <a:satMod val="130000"/>
+                <a:shade val="90000"/>
+                <a:lumMod val="103000"/>
+              </a:schemeClr>
+            </a:gs>
+            <a:gs pos="100000">
+              <a:schemeClr val="phClr">
+                <a:shade val="63000"/>
+                <a:satMod val="120000"/>
+              </a:schemeClr>
+            </a:gs>
+          </a:gsLst>
+          <a:lin ang="5400000" scaled="0"/>
+        </a:gradFill>
+      </a:bgFillStyleLst>
+    </a:fmtScheme>
+  </a:themeElements>
+  <a:objectDefaults/>
+  <a:extraClrSchemeLst/>
+  <a:extLst>
+    <a:ext uri="{05A4C25C-085E-4340-85A3-A5531E510DB2}">
+      <thm15:themeFamily xmlns:thm15="http://schemas.microsoft.com/office/thememl/2012/main" name="Office Theme" id="{62F939B6-93AF-4DB8-9C6B-D6C7DFDC589F}" vid="{4A3C46E8-61CC-4603-A589-7422A47A8E4A}"/>
+    </a:ext>
+  </a:extLst>
+</a:theme>
 </file>
--- a/JsTraining-presentation/JS Training.pptx
+++ b/JsTraining-presentation/JS Training.pptx
@@ -5,7 +5,7 @@
     <p:sldMasterId id="2147483648" r:id="rId1"/>
   </p:sldMasterIdLst>
   <p:notesMasterIdLst>
-    <p:notesMasterId r:id="rId18"/>
+    <p:notesMasterId r:id="rId24"/>
   </p:notesMasterIdLst>
   <p:sldIdLst>
     <p:sldId id="256" r:id="rId2"/>
@@ -17,13 +17,19 @@
     <p:sldId id="258" r:id="rId8"/>
     <p:sldId id="274" r:id="rId9"/>
     <p:sldId id="273" r:id="rId10"/>
-    <p:sldId id="264" r:id="rId11"/>
-    <p:sldId id="265" r:id="rId12"/>
-    <p:sldId id="275" r:id="rId13"/>
-    <p:sldId id="270" r:id="rId14"/>
-    <p:sldId id="266" r:id="rId15"/>
-    <p:sldId id="271" r:id="rId16"/>
-    <p:sldId id="269" r:id="rId17"/>
+    <p:sldId id="269" r:id="rId11"/>
+    <p:sldId id="276" r:id="rId12"/>
+    <p:sldId id="264" r:id="rId13"/>
+    <p:sldId id="265" r:id="rId14"/>
+    <p:sldId id="270" r:id="rId15"/>
+    <p:sldId id="266" r:id="rId16"/>
+    <p:sldId id="271" r:id="rId17"/>
+    <p:sldId id="277" r:id="rId18"/>
+    <p:sldId id="275" r:id="rId19"/>
+    <p:sldId id="279" r:id="rId20"/>
+    <p:sldId id="280" r:id="rId21"/>
+    <p:sldId id="281" r:id="rId22"/>
+    <p:sldId id="278" r:id="rId23"/>
   </p:sldIdLst>
   <p:sldSz cx="12192000" cy="6858000"/>
   <p:notesSz cx="6858000" cy="9144000"/>
@@ -841,79 +847,33 @@
           <a:bodyPr/>
           <a:lstStyle/>
           <a:p>
+            <a:pPr marL="0" indent="0">
+              <a:buNone/>
+            </a:pPr>
             <a:r>
               <a:rPr lang="en-US" dirty="0"/>
-              <a:t>n </a:t>
-            </a:r>
-            <a:r>
-              <a:rPr lang="en-US" dirty="0">
-                <a:hlinkClick r:id="rId3" tooltip="Computer programming"/>
-              </a:rPr>
-              <a:t>computer programming</a:t>
-            </a:r>
+              <a:t>Why would you use if?</a:t>
+            </a:r>
+          </a:p>
+          <a:p>
+            <a:pPr marL="0" indent="0">
+              <a:buNone/>
+            </a:pPr>
             <a:r>
               <a:rPr lang="en-US" dirty="0"/>
-              <a:t>, the </a:t>
-            </a:r>
-            <a:r>
-              <a:rPr lang="en-US" b="1" dirty="0"/>
-              <a:t>scope</a:t>
-            </a:r>
+              <a:t>To Avoid Polluting the Global Scope. </a:t>
+            </a:r>
+          </a:p>
+          <a:p>
+            <a:pPr marL="0" indent="0">
+              <a:buNone/>
+            </a:pPr>
             <a:r>
               <a:rPr lang="en-US" dirty="0"/>
-              <a:t> of a </a:t>
-            </a:r>
-            <a:r>
-              <a:rPr lang="en-US" dirty="0">
-                <a:hlinkClick r:id="rId4" tooltip="Name binding"/>
-              </a:rPr>
-              <a:t>name binding</a:t>
-            </a:r>
-            <a:r>
-              <a:rPr lang="en-US" dirty="0"/>
-              <a:t> – an association of a name to an entity, such as a </a:t>
-            </a:r>
-            <a:r>
-              <a:rPr lang="en-US" dirty="0">
-                <a:hlinkClick r:id="rId5" tooltip="Variable (programming)"/>
-              </a:rPr>
-              <a:t>variable</a:t>
-            </a:r>
-            <a:r>
-              <a:rPr lang="en-US" dirty="0"/>
-              <a:t> – is the region of a </a:t>
-            </a:r>
-            <a:r>
-              <a:rPr lang="en-US" dirty="0">
-                <a:hlinkClick r:id="rId6" tooltip="Computer program"/>
-              </a:rPr>
-              <a:t>computer program</a:t>
-            </a:r>
-            <a:r>
-              <a:rPr lang="en-US" dirty="0"/>
-              <a:t> where the binding is valid: where the name can be used to refer to the entity. Such a region is referred to as a </a:t>
-            </a:r>
-            <a:r>
-              <a:rPr lang="en-US" b="1" dirty="0"/>
-              <a:t>scope block</a:t>
-            </a:r>
-            <a:r>
-              <a:rPr lang="en-US" dirty="0"/>
-              <a:t>. In other parts of the program the name may refer to a different entity (it may have a different binding), or to nothing at all (it may be unbound).</a:t>
-            </a:r>
-          </a:p>
-          <a:p>
-            <a:endParaRPr lang="en-US" dirty="0"/>
-          </a:p>
-          <a:p>
-            <a:r>
-              <a:rPr lang="en-US" dirty="0"/>
-              <a:t>The scope of a binding is also known as the </a:t>
-            </a:r>
-            <a:r>
-              <a:rPr lang="en-US" b="1" dirty="0"/>
-              <a:t>visibility</a:t>
-            </a:r>
+              <a:t>To fix issues with blocks: if, while, for</a:t>
+            </a:r>
+          </a:p>
+          <a:p>
             <a:endParaRPr lang="pl-PL" dirty="0"/>
           </a:p>
         </p:txBody>
@@ -998,6 +958,10 @@
           <a:bodyPr/>
           <a:lstStyle/>
           <a:p>
+            <a:r>
+              <a:rPr lang="en-GB" dirty="0"/>
+              <a:t>There is A LOT of closure, function in JS.</a:t>
+            </a:r>
             <a:endParaRPr lang="pl-PL" dirty="0"/>
           </a:p>
         </p:txBody>
@@ -1019,7 +983,283 @@
           <a:p>
             <a:fld id="{4E272AE2-02A2-4B8F-AAEA-7ADC3F971F81}" type="slidenum">
               <a:rPr lang="pl-PL" smtClean="0"/>
-              <a:t>14</a:t>
+              <a:t>9</a:t>
+            </a:fld>
+            <a:endParaRPr lang="pl-PL"/>
+          </a:p>
+        </p:txBody>
+      </p:sp>
+    </p:spTree>
+    <p:extLst>
+      <p:ext uri="{BB962C8B-B14F-4D97-AF65-F5344CB8AC3E}">
+        <p14:creationId xmlns:p14="http://schemas.microsoft.com/office/powerpoint/2010/main" val="1468431922"/>
+      </p:ext>
+    </p:extLst>
+  </p:cSld>
+  <p:clrMapOvr>
+    <a:masterClrMapping/>
+  </p:clrMapOvr>
+</p:notes>
+</file>
+
+<file path=ppt/notesSlides/notesSlide5.xml><?xml version="1.0" encoding="utf-8"?>
+<p:notes xmlns:a="http://schemas.openxmlformats.org/drawingml/2006/main" xmlns:r="http://schemas.openxmlformats.org/officeDocument/2006/relationships" xmlns:p="http://schemas.openxmlformats.org/presentationml/2006/main">
+  <p:cSld>
+    <p:spTree>
+      <p:nvGrpSpPr>
+        <p:cNvPr id="1" name=""/>
+        <p:cNvGrpSpPr/>
+        <p:nvPr/>
+      </p:nvGrpSpPr>
+      <p:grpSpPr>
+        <a:xfrm>
+          <a:off x="0" y="0"/>
+          <a:ext cx="0" cy="0"/>
+          <a:chOff x="0" y="0"/>
+          <a:chExt cx="0" cy="0"/>
+        </a:xfrm>
+      </p:grpSpPr>
+      <p:sp>
+        <p:nvSpPr>
+          <p:cNvPr id="2" name="Symbol zastępczy obrazu slajdu 1"/>
+          <p:cNvSpPr>
+            <a:spLocks noGrp="1" noRot="1" noChangeAspect="1"/>
+          </p:cNvSpPr>
+          <p:nvPr>
+            <p:ph type="sldImg"/>
+          </p:nvPr>
+        </p:nvSpPr>
+        <p:spPr/>
+      </p:sp>
+      <p:sp>
+        <p:nvSpPr>
+          <p:cNvPr id="3" name="Symbol zastępczy notatek 2"/>
+          <p:cNvSpPr>
+            <a:spLocks noGrp="1"/>
+          </p:cNvSpPr>
+          <p:nvPr>
+            <p:ph type="body" idx="1"/>
+          </p:nvPr>
+        </p:nvSpPr>
+        <p:spPr/>
+        <p:txBody>
+          <a:bodyPr/>
+          <a:lstStyle/>
+          <a:p>
+            <a:endParaRPr lang="pl-PL" dirty="0"/>
+          </a:p>
+        </p:txBody>
+      </p:sp>
+      <p:sp>
+        <p:nvSpPr>
+          <p:cNvPr id="4" name="Symbol zastępczy numeru slajdu 3"/>
+          <p:cNvSpPr>
+            <a:spLocks noGrp="1"/>
+          </p:cNvSpPr>
+          <p:nvPr>
+            <p:ph type="sldNum" sz="quarter" idx="10"/>
+          </p:nvPr>
+        </p:nvSpPr>
+        <p:spPr/>
+        <p:txBody>
+          <a:bodyPr/>
+          <a:lstStyle/>
+          <a:p>
+            <a:fld id="{4E272AE2-02A2-4B8F-AAEA-7ADC3F971F81}" type="slidenum">
+              <a:rPr lang="pl-PL" smtClean="0"/>
+              <a:t>11</a:t>
+            </a:fld>
+            <a:endParaRPr lang="pl-PL"/>
+          </a:p>
+        </p:txBody>
+      </p:sp>
+    </p:spTree>
+    <p:extLst>
+      <p:ext uri="{BB962C8B-B14F-4D97-AF65-F5344CB8AC3E}">
+        <p14:creationId xmlns:p14="http://schemas.microsoft.com/office/powerpoint/2010/main" val="2048394299"/>
+      </p:ext>
+    </p:extLst>
+  </p:cSld>
+  <p:clrMapOvr>
+    <a:masterClrMapping/>
+  </p:clrMapOvr>
+</p:notes>
+</file>
+
+<file path=ppt/notesSlides/notesSlide6.xml><?xml version="1.0" encoding="utf-8"?>
+<p:notes xmlns:a="http://schemas.openxmlformats.org/drawingml/2006/main" xmlns:r="http://schemas.openxmlformats.org/officeDocument/2006/relationships" xmlns:p="http://schemas.openxmlformats.org/presentationml/2006/main">
+  <p:cSld>
+    <p:spTree>
+      <p:nvGrpSpPr>
+        <p:cNvPr id="1" name=""/>
+        <p:cNvGrpSpPr/>
+        <p:nvPr/>
+      </p:nvGrpSpPr>
+      <p:grpSpPr>
+        <a:xfrm>
+          <a:off x="0" y="0"/>
+          <a:ext cx="0" cy="0"/>
+          <a:chOff x="0" y="0"/>
+          <a:chExt cx="0" cy="0"/>
+        </a:xfrm>
+      </p:grpSpPr>
+      <p:sp>
+        <p:nvSpPr>
+          <p:cNvPr id="2" name="Symbol zastępczy obrazu slajdu 1"/>
+          <p:cNvSpPr>
+            <a:spLocks noGrp="1" noRot="1" noChangeAspect="1"/>
+          </p:cNvSpPr>
+          <p:nvPr>
+            <p:ph type="sldImg"/>
+          </p:nvPr>
+        </p:nvSpPr>
+        <p:spPr/>
+      </p:sp>
+      <p:sp>
+        <p:nvSpPr>
+          <p:cNvPr id="3" name="Symbol zastępczy notatek 2"/>
+          <p:cNvSpPr>
+            <a:spLocks noGrp="1"/>
+          </p:cNvSpPr>
+          <p:nvPr>
+            <p:ph type="body" idx="1"/>
+          </p:nvPr>
+        </p:nvSpPr>
+        <p:spPr/>
+        <p:txBody>
+          <a:bodyPr/>
+          <a:lstStyle/>
+          <a:p>
+            <a:r>
+              <a:rPr lang="en-GB" dirty="0"/>
+              <a:t>Example </a:t>
+            </a:r>
+            <a:r>
+              <a:rPr lang="en-GB" dirty="0" err="1"/>
+              <a:t>hositng</a:t>
+            </a:r>
+            <a:r>
+              <a:rPr lang="en-GB" dirty="0"/>
+              <a:t> </a:t>
+            </a:r>
+            <a:endParaRPr lang="pl-PL" dirty="0"/>
+          </a:p>
+        </p:txBody>
+      </p:sp>
+      <p:sp>
+        <p:nvSpPr>
+          <p:cNvPr id="4" name="Symbol zastępczy numeru slajdu 3"/>
+          <p:cNvSpPr>
+            <a:spLocks noGrp="1"/>
+          </p:cNvSpPr>
+          <p:nvPr>
+            <p:ph type="sldNum" sz="quarter" idx="10"/>
+          </p:nvPr>
+        </p:nvSpPr>
+        <p:spPr/>
+        <p:txBody>
+          <a:bodyPr/>
+          <a:lstStyle/>
+          <a:p>
+            <a:fld id="{4E272AE2-02A2-4B8F-AAEA-7ADC3F971F81}" type="slidenum">
+              <a:rPr lang="pl-PL" smtClean="0"/>
+              <a:t>13</a:t>
+            </a:fld>
+            <a:endParaRPr lang="pl-PL"/>
+          </a:p>
+        </p:txBody>
+      </p:sp>
+    </p:spTree>
+    <p:extLst>
+      <p:ext uri="{BB962C8B-B14F-4D97-AF65-F5344CB8AC3E}">
+        <p14:creationId xmlns:p14="http://schemas.microsoft.com/office/powerpoint/2010/main" val="1705008761"/>
+      </p:ext>
+    </p:extLst>
+  </p:cSld>
+  <p:clrMapOvr>
+    <a:masterClrMapping/>
+  </p:clrMapOvr>
+</p:notes>
+</file>
+
+<file path=ppt/notesSlides/notesSlide7.xml><?xml version="1.0" encoding="utf-8"?>
+<p:notes xmlns:a="http://schemas.openxmlformats.org/drawingml/2006/main" xmlns:r="http://schemas.openxmlformats.org/officeDocument/2006/relationships" xmlns:p="http://schemas.openxmlformats.org/presentationml/2006/main">
+  <p:cSld>
+    <p:spTree>
+      <p:nvGrpSpPr>
+        <p:cNvPr id="1" name=""/>
+        <p:cNvGrpSpPr/>
+        <p:nvPr/>
+      </p:nvGrpSpPr>
+      <p:grpSpPr>
+        <a:xfrm>
+          <a:off x="0" y="0"/>
+          <a:ext cx="0" cy="0"/>
+          <a:chOff x="0" y="0"/>
+          <a:chExt cx="0" cy="0"/>
+        </a:xfrm>
+      </p:grpSpPr>
+      <p:sp>
+        <p:nvSpPr>
+          <p:cNvPr id="2" name="Symbol zastępczy obrazu slajdu 1"/>
+          <p:cNvSpPr>
+            <a:spLocks noGrp="1" noRot="1" noChangeAspect="1"/>
+          </p:cNvSpPr>
+          <p:nvPr>
+            <p:ph type="sldImg"/>
+          </p:nvPr>
+        </p:nvSpPr>
+        <p:spPr/>
+      </p:sp>
+      <p:sp>
+        <p:nvSpPr>
+          <p:cNvPr id="3" name="Symbol zastępczy notatek 2"/>
+          <p:cNvSpPr>
+            <a:spLocks noGrp="1"/>
+          </p:cNvSpPr>
+          <p:nvPr>
+            <p:ph type="body" idx="1"/>
+          </p:nvPr>
+        </p:nvSpPr>
+        <p:spPr/>
+        <p:txBody>
+          <a:bodyPr/>
+          <a:lstStyle/>
+          <a:p>
+            <a:r>
+              <a:rPr lang="en-GB" dirty="0"/>
+              <a:t>Usage of closure to emulate </a:t>
+            </a:r>
+            <a:r>
+              <a:rPr lang="en-GB" b="1" dirty="0"/>
+              <a:t>private</a:t>
+            </a:r>
+            <a:r>
+              <a:rPr lang="en-GB" dirty="0"/>
+              <a:t> member functions, variables.</a:t>
+            </a:r>
+            <a:endParaRPr lang="pl-PL" dirty="0"/>
+          </a:p>
+        </p:txBody>
+      </p:sp>
+      <p:sp>
+        <p:nvSpPr>
+          <p:cNvPr id="4" name="Symbol zastępczy numeru slajdu 3"/>
+          <p:cNvSpPr>
+            <a:spLocks noGrp="1"/>
+          </p:cNvSpPr>
+          <p:nvPr>
+            <p:ph type="sldNum" sz="quarter" idx="10"/>
+          </p:nvPr>
+        </p:nvSpPr>
+        <p:spPr/>
+        <p:txBody>
+          <a:bodyPr/>
+          <a:lstStyle/>
+          <a:p>
+            <a:fld id="{4E272AE2-02A2-4B8F-AAEA-7ADC3F971F81}" type="slidenum">
+              <a:rPr lang="pl-PL" smtClean="0"/>
+              <a:t>15</a:t>
             </a:fld>
             <a:endParaRPr lang="pl-PL"/>
           </a:p>
@@ -1029,6 +1269,230 @@
     <p:extLst>
       <p:ext uri="{BB962C8B-B14F-4D97-AF65-F5344CB8AC3E}">
         <p14:creationId xmlns:p14="http://schemas.microsoft.com/office/powerpoint/2010/main" val="2625297966"/>
+      </p:ext>
+    </p:extLst>
+  </p:cSld>
+  <p:clrMapOvr>
+    <a:masterClrMapping/>
+  </p:clrMapOvr>
+</p:notes>
+</file>
+
+<file path=ppt/notesSlides/notesSlide8.xml><?xml version="1.0" encoding="utf-8"?>
+<p:notes xmlns:a="http://schemas.openxmlformats.org/drawingml/2006/main" xmlns:r="http://schemas.openxmlformats.org/officeDocument/2006/relationships" xmlns:p="http://schemas.openxmlformats.org/presentationml/2006/main">
+  <p:cSld>
+    <p:spTree>
+      <p:nvGrpSpPr>
+        <p:cNvPr id="1" name=""/>
+        <p:cNvGrpSpPr/>
+        <p:nvPr/>
+      </p:nvGrpSpPr>
+      <p:grpSpPr>
+        <a:xfrm>
+          <a:off x="0" y="0"/>
+          <a:ext cx="0" cy="0"/>
+          <a:chOff x="0" y="0"/>
+          <a:chExt cx="0" cy="0"/>
+        </a:xfrm>
+      </p:grpSpPr>
+      <p:sp>
+        <p:nvSpPr>
+          <p:cNvPr id="2" name="Symbol zastępczy obrazu slajdu 1"/>
+          <p:cNvSpPr>
+            <a:spLocks noGrp="1" noRot="1" noChangeAspect="1"/>
+          </p:cNvSpPr>
+          <p:nvPr>
+            <p:ph type="sldImg"/>
+          </p:nvPr>
+        </p:nvSpPr>
+        <p:spPr/>
+      </p:sp>
+      <p:sp>
+        <p:nvSpPr>
+          <p:cNvPr id="3" name="Symbol zastępczy notatek 2"/>
+          <p:cNvSpPr>
+            <a:spLocks noGrp="1"/>
+          </p:cNvSpPr>
+          <p:nvPr>
+            <p:ph type="body" idx="1"/>
+          </p:nvPr>
+        </p:nvSpPr>
+        <p:spPr/>
+        <p:txBody>
+          <a:bodyPr/>
+          <a:lstStyle/>
+          <a:p>
+            <a:r>
+              <a:rPr lang="en-GB" dirty="0"/>
+              <a:t>More examples VS Code</a:t>
+            </a:r>
+            <a:endParaRPr lang="pl-PL" dirty="0"/>
+          </a:p>
+        </p:txBody>
+      </p:sp>
+      <p:sp>
+        <p:nvSpPr>
+          <p:cNvPr id="4" name="Symbol zastępczy numeru slajdu 3"/>
+          <p:cNvSpPr>
+            <a:spLocks noGrp="1"/>
+          </p:cNvSpPr>
+          <p:nvPr>
+            <p:ph type="sldNum" sz="quarter" idx="10"/>
+          </p:nvPr>
+        </p:nvSpPr>
+        <p:spPr/>
+        <p:txBody>
+          <a:bodyPr/>
+          <a:lstStyle/>
+          <a:p>
+            <a:fld id="{4E272AE2-02A2-4B8F-AAEA-7ADC3F971F81}" type="slidenum">
+              <a:rPr lang="pl-PL" smtClean="0"/>
+              <a:t>16</a:t>
+            </a:fld>
+            <a:endParaRPr lang="pl-PL"/>
+          </a:p>
+        </p:txBody>
+      </p:sp>
+    </p:spTree>
+    <p:extLst>
+      <p:ext uri="{BB962C8B-B14F-4D97-AF65-F5344CB8AC3E}">
+        <p14:creationId xmlns:p14="http://schemas.microsoft.com/office/powerpoint/2010/main" val="3118683129"/>
+      </p:ext>
+    </p:extLst>
+  </p:cSld>
+  <p:clrMapOvr>
+    <a:masterClrMapping/>
+  </p:clrMapOvr>
+</p:notes>
+</file>
+
+<file path=ppt/notesSlides/notesSlide9.xml><?xml version="1.0" encoding="utf-8"?>
+<p:notes xmlns:a="http://schemas.openxmlformats.org/drawingml/2006/main" xmlns:r="http://schemas.openxmlformats.org/officeDocument/2006/relationships" xmlns:p="http://schemas.openxmlformats.org/presentationml/2006/main">
+  <p:cSld>
+    <p:spTree>
+      <p:nvGrpSpPr>
+        <p:cNvPr id="1" name=""/>
+        <p:cNvGrpSpPr/>
+        <p:nvPr/>
+      </p:nvGrpSpPr>
+      <p:grpSpPr>
+        <a:xfrm>
+          <a:off x="0" y="0"/>
+          <a:ext cx="0" cy="0"/>
+          <a:chOff x="0" y="0"/>
+          <a:chExt cx="0" cy="0"/>
+        </a:xfrm>
+      </p:grpSpPr>
+      <p:sp>
+        <p:nvSpPr>
+          <p:cNvPr id="2" name="Symbol zastępczy obrazu slajdu 1"/>
+          <p:cNvSpPr>
+            <a:spLocks noGrp="1" noRot="1" noChangeAspect="1"/>
+          </p:cNvSpPr>
+          <p:nvPr>
+            <p:ph type="sldImg"/>
+          </p:nvPr>
+        </p:nvSpPr>
+        <p:spPr/>
+      </p:sp>
+      <p:sp>
+        <p:nvSpPr>
+          <p:cNvPr id="3" name="Symbol zastępczy notatek 2"/>
+          <p:cNvSpPr>
+            <a:spLocks noGrp="1"/>
+          </p:cNvSpPr>
+          <p:nvPr>
+            <p:ph type="body" idx="1"/>
+          </p:nvPr>
+        </p:nvSpPr>
+        <p:spPr/>
+        <p:txBody>
+          <a:bodyPr/>
+          <a:lstStyle/>
+          <a:p>
+            <a:pPr marL="0" marR="0" lvl="0" indent="0" algn="l" defTabSz="914400" rtl="0" eaLnBrk="1" fontAlgn="auto" latinLnBrk="0" hangingPunct="1">
+              <a:lnSpc>
+                <a:spcPct val="100000"/>
+              </a:lnSpc>
+              <a:spcBef>
+                <a:spcPts val="0"/>
+              </a:spcBef>
+              <a:spcAft>
+                <a:spcPts val="0"/>
+              </a:spcAft>
+              <a:buClrTx/>
+              <a:buSzTx/>
+              <a:buFontTx/>
+              <a:buNone/>
+              <a:tabLst/>
+              <a:defRPr/>
+            </a:pPr>
+            <a:r>
+              <a:rPr lang="pl-PL" sz="1200" b="1" i="0" kern="1200" dirty="0">
+                <a:solidFill>
+                  <a:schemeClr val="tx1"/>
+                </a:solidFill>
+                <a:effectLst/>
+                <a:latin typeface="+mn-lt"/>
+                <a:ea typeface="+mn-ea"/>
+                <a:cs typeface="+mn-cs"/>
+              </a:rPr>
+              <a:t>Object </a:t>
+            </a:r>
+            <a:r>
+              <a:rPr lang="pl-PL" sz="1200" b="1" i="0" kern="1200" dirty="0" err="1">
+                <a:solidFill>
+                  <a:schemeClr val="tx1"/>
+                </a:solidFill>
+                <a:effectLst/>
+                <a:latin typeface="+mn-lt"/>
+                <a:ea typeface="+mn-ea"/>
+                <a:cs typeface="+mn-cs"/>
+              </a:rPr>
+              <a:t>initializer</a:t>
+            </a:r>
+            <a:endParaRPr lang="pl-PL" sz="1200" b="1" i="0" kern="1200" dirty="0">
+              <a:solidFill>
+                <a:schemeClr val="tx1"/>
+              </a:solidFill>
+              <a:effectLst/>
+              <a:latin typeface="+mn-lt"/>
+              <a:ea typeface="+mn-ea"/>
+              <a:cs typeface="+mn-cs"/>
+            </a:endParaRPr>
+          </a:p>
+          <a:p>
+            <a:endParaRPr lang="pl-PL" dirty="0"/>
+          </a:p>
+        </p:txBody>
+      </p:sp>
+      <p:sp>
+        <p:nvSpPr>
+          <p:cNvPr id="4" name="Symbol zastępczy numeru slajdu 3"/>
+          <p:cNvSpPr>
+            <a:spLocks noGrp="1"/>
+          </p:cNvSpPr>
+          <p:nvPr>
+            <p:ph type="sldNum" sz="quarter" idx="10"/>
+          </p:nvPr>
+        </p:nvSpPr>
+        <p:spPr/>
+        <p:txBody>
+          <a:bodyPr/>
+          <a:lstStyle/>
+          <a:p>
+            <a:fld id="{4E272AE2-02A2-4B8F-AAEA-7ADC3F971F81}" type="slidenum">
+              <a:rPr lang="pl-PL" smtClean="0"/>
+              <a:t>18</a:t>
+            </a:fld>
+            <a:endParaRPr lang="pl-PL"/>
+          </a:p>
+        </p:txBody>
+      </p:sp>
+    </p:spTree>
+    <p:extLst>
+      <p:ext uri="{BB962C8B-B14F-4D97-AF65-F5344CB8AC3E}">
+        <p14:creationId xmlns:p14="http://schemas.microsoft.com/office/powerpoint/2010/main" val="2133489400"/>
       </p:ext>
     </p:extLst>
   </p:cSld>
@@ -4276,8 +4740,23 @@
           <a:lstStyle/>
           <a:p>
             <a:r>
+              <a:rPr lang="en-GB" b="1" dirty="0"/>
+              <a:t>JavaScript</a:t>
+            </a:r>
+            <a:r>
               <a:rPr lang="en-GB" dirty="0"/>
-              <a:t>JS Training</a:t>
+              <a:t> </a:t>
+            </a:r>
+            <a:r>
+              <a:rPr lang="en-GB" b="1" dirty="0"/>
+              <a:t>Training</a:t>
+            </a:r>
+            <a:br>
+              <a:rPr lang="en-GB" dirty="0"/>
+            </a:br>
+            <a:r>
+              <a:rPr lang="en-GB" sz="5300" dirty="0"/>
+              <a:t>JS is not perfect but works</a:t>
             </a:r>
             <a:br>
               <a:rPr lang="en-GB" dirty="0"/>
@@ -4285,42 +4764,85 @@
             <a:br>
               <a:rPr lang="en-GB" dirty="0"/>
             </a:br>
+            <a:endParaRPr lang="pl-PL" dirty="0"/>
+          </a:p>
+        </p:txBody>
+      </p:sp>
+      <p:sp>
+        <p:nvSpPr>
+          <p:cNvPr id="3" name="Podtytuł 2">
+            <a:extLst>
+              <a:ext uri="{FF2B5EF4-FFF2-40B4-BE49-F238E27FC236}">
+                <a16:creationId xmlns:a16="http://schemas.microsoft.com/office/drawing/2014/main" id="{9F2F29CD-9B58-4E32-9D72-7D6236B8F1FF}"/>
+              </a:ext>
+            </a:extLst>
+          </p:cNvPr>
+          <p:cNvSpPr>
+            <a:spLocks noGrp="1"/>
+          </p:cNvSpPr>
+          <p:nvPr>
+            <p:ph type="subTitle" idx="1"/>
+          </p:nvPr>
+        </p:nvSpPr>
+        <p:spPr>
+          <a:xfrm>
+            <a:off x="1524000" y="3602038"/>
+            <a:ext cx="9144000" cy="1655762"/>
+          </a:xfrm>
+        </p:spPr>
+        <p:txBody>
+          <a:bodyPr>
+            <a:normAutofit lnSpcReduction="10000"/>
+          </a:bodyPr>
+          <a:lstStyle/>
+          <a:p>
+            <a:endParaRPr lang="en-GB" dirty="0"/>
+          </a:p>
+          <a:p>
+            <a:endParaRPr lang="en-GB" dirty="0"/>
+          </a:p>
+          <a:p>
+            <a:endParaRPr lang="en-GB" dirty="0"/>
+          </a:p>
+          <a:p>
             <a:r>
               <a:rPr lang="en-GB" dirty="0"/>
-              <a:t>JS is not perfect but works</a:t>
-            </a:r>
-            <a:br>
-              <a:rPr lang="en-GB" dirty="0"/>
-            </a:br>
+              <a:t>Krzysztof Danielewicz</a:t>
+            </a:r>
             <a:endParaRPr lang="pl-PL" dirty="0"/>
           </a:p>
         </p:txBody>
       </p:sp>
-      <p:sp>
-        <p:nvSpPr>
-          <p:cNvPr id="3" name="Podtytuł 2">
-            <a:extLst>
-              <a:ext uri="{FF2B5EF4-FFF2-40B4-BE49-F238E27FC236}">
-                <a16:creationId xmlns:a16="http://schemas.microsoft.com/office/drawing/2014/main" id="{9F2F29CD-9B58-4E32-9D72-7D6236B8F1FF}"/>
-              </a:ext>
-            </a:extLst>
-          </p:cNvPr>
-          <p:cNvSpPr>
-            <a:spLocks noGrp="1"/>
-          </p:cNvSpPr>
-          <p:nvPr>
-            <p:ph type="subTitle" idx="1"/>
-          </p:nvPr>
-        </p:nvSpPr>
-        <p:spPr/>
-        <p:txBody>
-          <a:bodyPr/>
-          <a:lstStyle/>
-          <a:p>
-            <a:endParaRPr lang="pl-PL" dirty="0"/>
-          </a:p>
-        </p:txBody>
-      </p:sp>
+      <p:pic>
+        <p:nvPicPr>
+          <p:cNvPr id="5" name="Obraz 4">
+            <a:extLst>
+              <a:ext uri="{FF2B5EF4-FFF2-40B4-BE49-F238E27FC236}">
+                <a16:creationId xmlns:a16="http://schemas.microsoft.com/office/drawing/2014/main" id="{7D4DC62E-81E4-4280-9B3D-41DEA426B61F}"/>
+              </a:ext>
+            </a:extLst>
+          </p:cNvPr>
+          <p:cNvPicPr>
+            <a:picLocks noChangeAspect="1"/>
+          </p:cNvPicPr>
+          <p:nvPr/>
+        </p:nvPicPr>
+        <p:blipFill>
+          <a:blip r:embed="rId2"/>
+          <a:stretch>
+            <a:fillRect/>
+          </a:stretch>
+        </p:blipFill>
+        <p:spPr>
+          <a:xfrm>
+            <a:off x="3335680" y="2536898"/>
+            <a:ext cx="5520639" cy="1966015"/>
+          </a:xfrm>
+          <a:prstGeom prst="rect">
+            <a:avLst/>
+          </a:prstGeom>
+        </p:spPr>
+      </p:pic>
     </p:spTree>
     <p:extLst>
       <p:ext uri="{BB962C8B-B14F-4D97-AF65-F5344CB8AC3E}">
@@ -4356,7 +4878,7 @@
           <p:cNvPr id="2" name="Tytuł 1">
             <a:extLst>
               <a:ext uri="{FF2B5EF4-FFF2-40B4-BE49-F238E27FC236}">
-                <a16:creationId xmlns:a16="http://schemas.microsoft.com/office/drawing/2014/main" id="{3CE288DE-249C-4AB5-890C-2ACC32A74EC6}"/>
+                <a16:creationId xmlns:a16="http://schemas.microsoft.com/office/drawing/2014/main" id="{BCEF0200-5C49-46AC-A3D9-B1AB79DA756B}"/>
               </a:ext>
             </a:extLst>
           </p:cNvPr>
@@ -4374,51 +4896,118 @@
           <a:p>
             <a:r>
               <a:rPr lang="en-GB" dirty="0"/>
-              <a:t>Hoisting</a:t>
+              <a:t>ECMA2015 – let + </a:t>
+            </a:r>
+            <a:r>
+              <a:rPr lang="en-GB" dirty="0" err="1"/>
+              <a:t>const</a:t>
+            </a:r>
+            <a:r>
+              <a:rPr lang="en-GB" dirty="0"/>
+              <a:t> = JS safe scope</a:t>
             </a:r>
             <a:endParaRPr lang="pl-PL" dirty="0"/>
           </a:p>
         </p:txBody>
       </p:sp>
-      <p:pic>
-        <p:nvPicPr>
-          <p:cNvPr id="9" name="Symbol zastępczy zawartości 8">
-            <a:extLst>
-              <a:ext uri="{FF2B5EF4-FFF2-40B4-BE49-F238E27FC236}">
-                <a16:creationId xmlns:a16="http://schemas.microsoft.com/office/drawing/2014/main" id="{F8240627-4E3A-4B7D-8A46-96940A5A3B61}"/>
-              </a:ext>
-            </a:extLst>
-          </p:cNvPr>
-          <p:cNvPicPr>
-            <a:picLocks noGrp="1" noChangeAspect="1"/>
-          </p:cNvPicPr>
+      <p:sp>
+        <p:nvSpPr>
+          <p:cNvPr id="3" name="Symbol zastępczy zawartości 2">
+            <a:extLst>
+              <a:ext uri="{FF2B5EF4-FFF2-40B4-BE49-F238E27FC236}">
+                <a16:creationId xmlns:a16="http://schemas.microsoft.com/office/drawing/2014/main" id="{C80260BC-0C60-4EDD-9947-0CEE87CE7000}"/>
+              </a:ext>
+            </a:extLst>
+          </p:cNvPr>
+          <p:cNvSpPr>
+            <a:spLocks noGrp="1"/>
+          </p:cNvSpPr>
           <p:nvPr>
             <p:ph idx="1"/>
           </p:nvPr>
-        </p:nvPicPr>
-        <p:blipFill>
-          <a:blip r:embed="rId2">
-            <a:extLst>
-              <a:ext uri="{28A0092B-C50C-407E-A947-70E740481C1C}">
-                <a14:useLocalDpi xmlns:a14="http://schemas.microsoft.com/office/drawing/2010/main" val="0"/>
-              </a:ext>
-            </a:extLst>
-          </a:blip>
-          <a:stretch>
-            <a:fillRect/>
-          </a:stretch>
-        </p:blipFill>
-        <p:spPr>
-          <a:xfrm>
-            <a:off x="2027583" y="1417119"/>
-            <a:ext cx="6549886" cy="4912415"/>
-          </a:xfrm>
-        </p:spPr>
-      </p:pic>
+        </p:nvSpPr>
+        <p:spPr/>
+        <p:txBody>
+          <a:bodyPr/>
+          <a:lstStyle/>
+          <a:p>
+            <a:pPr marL="0" indent="0">
+              <a:buNone/>
+            </a:pPr>
+            <a:endParaRPr lang="en-GB" dirty="0"/>
+          </a:p>
+          <a:p>
+            <a:pPr marL="0" indent="0">
+              <a:buNone/>
+            </a:pPr>
+            <a:r>
+              <a:rPr lang="en-US" b="1" dirty="0"/>
+              <a:t>ECMAScript 6</a:t>
+            </a:r>
+            <a:r>
+              <a:rPr lang="en-US" dirty="0"/>
+              <a:t> (ES6)/ ECMAScript 2015 (ES2015): The 6th edition of ECMAScript, standardized in 2015</a:t>
+            </a:r>
+            <a:endParaRPr lang="en-GB" dirty="0"/>
+          </a:p>
+          <a:p>
+            <a:pPr marL="0" indent="0">
+              <a:buNone/>
+            </a:pPr>
+            <a:endParaRPr lang="en-GB" dirty="0"/>
+          </a:p>
+          <a:p>
+            <a:pPr marL="0" indent="0">
+              <a:buNone/>
+            </a:pPr>
+            <a:r>
+              <a:rPr lang="en-GB" dirty="0"/>
+              <a:t>ECMA2015 introduces </a:t>
+            </a:r>
+            <a:r>
+              <a:rPr lang="en-GB" dirty="0">
+                <a:solidFill>
+                  <a:srgbClr val="00B0F0"/>
+                </a:solidFill>
+              </a:rPr>
+              <a:t>let</a:t>
+            </a:r>
+            <a:r>
+              <a:rPr lang="en-GB" dirty="0"/>
+              <a:t> and </a:t>
+            </a:r>
+            <a:r>
+              <a:rPr lang="en-GB" dirty="0" err="1">
+                <a:solidFill>
+                  <a:srgbClr val="00B0F0"/>
+                </a:solidFill>
+              </a:rPr>
+              <a:t>const</a:t>
+            </a:r>
+            <a:r>
+              <a:rPr lang="en-GB" dirty="0"/>
+              <a:t> keywords which </a:t>
+            </a:r>
+            <a:r>
+              <a:rPr lang="en-GB" dirty="0">
+                <a:solidFill>
+                  <a:schemeClr val="accent6"/>
+                </a:solidFill>
+              </a:rPr>
+              <a:t>create scopes for variables and constant in block </a:t>
+            </a:r>
+            <a:r>
+              <a:rPr lang="en-GB" dirty="0"/>
+              <a:t>statements: if, while, for.</a:t>
+            </a:r>
+            <a:endParaRPr lang="pl-PL" dirty="0"/>
+          </a:p>
+        </p:txBody>
+      </p:sp>
     </p:spTree>
     <p:extLst>
       <p:ext uri="{BB962C8B-B14F-4D97-AF65-F5344CB8AC3E}">
-        <p14:creationId xmlns:p14="http://schemas.microsoft.com/office/powerpoint/2010/main" val="608451684"/>
+        <p14:creationId xmlns:p14="http://schemas.microsoft.com/office/powerpoint/2010/main" val="3828454026"/>
       </p:ext>
     </p:extLst>
   </p:cSld>
@@ -4450,7 +5039,7 @@
           <p:cNvPr id="2" name="Tytuł 1">
             <a:extLst>
               <a:ext uri="{FF2B5EF4-FFF2-40B4-BE49-F238E27FC236}">
-                <a16:creationId xmlns:a16="http://schemas.microsoft.com/office/drawing/2014/main" id="{88E4FC62-AE9F-4639-925E-E02FB36C1DE4}"/>
+                <a16:creationId xmlns:a16="http://schemas.microsoft.com/office/drawing/2014/main" id="{C36F846F-F808-477F-B768-B830B9573D92}"/>
               </a:ext>
             </a:extLst>
           </p:cNvPr>
@@ -4463,23 +5052,28 @@
         </p:nvSpPr>
         <p:spPr/>
         <p:txBody>
-          <a:bodyPr/>
+          <a:bodyPr>
+            <a:normAutofit/>
+          </a:bodyPr>
           <a:lstStyle/>
           <a:p>
             <a:r>
               <a:rPr lang="en-GB" dirty="0"/>
-              <a:t>Hoisting</a:t>
-            </a:r>
+              <a:t>Fix with let</a:t>
+            </a:r>
+            <a:br>
+              <a:rPr lang="en-GB" dirty="0"/>
+            </a:br>
             <a:endParaRPr lang="pl-PL" dirty="0"/>
           </a:p>
         </p:txBody>
       </p:sp>
       <p:sp>
         <p:nvSpPr>
-          <p:cNvPr id="3" name="Symbol zastępczy zawartości 2">
-            <a:extLst>
-              <a:ext uri="{FF2B5EF4-FFF2-40B4-BE49-F238E27FC236}">
-                <a16:creationId xmlns:a16="http://schemas.microsoft.com/office/drawing/2014/main" id="{5E03A168-22CE-4B3C-BC83-8F9EBEF1C4BE}"/>
+          <p:cNvPr id="5" name="Symbol zastępczy zawartości 2">
+            <a:extLst>
+              <a:ext uri="{FF2B5EF4-FFF2-40B4-BE49-F238E27FC236}">
+                <a16:creationId xmlns:a16="http://schemas.microsoft.com/office/drawing/2014/main" id="{378CBC48-8BC1-423C-9137-C2D451BB6D57}"/>
               </a:ext>
             </a:extLst>
           </p:cNvPr>
@@ -4490,70 +5084,526 @@
             <p:ph idx="1"/>
           </p:nvPr>
         </p:nvSpPr>
-        <p:spPr/>
-        <p:txBody>
-          <a:bodyPr/>
+        <p:spPr>
+          <a:xfrm>
+            <a:off x="937590" y="1825625"/>
+            <a:ext cx="10515600" cy="4351338"/>
+          </a:xfrm>
+        </p:spPr>
+        <p:txBody>
+          <a:bodyPr>
+            <a:normAutofit/>
+          </a:bodyPr>
           <a:lstStyle/>
           <a:p>
             <a:pPr marL="0" indent="0">
-              <a:buNone/>
-            </a:pPr>
-            <a:endParaRPr lang="en-US" dirty="0"/>
+              <a:lnSpc>
+                <a:spcPts val="1425"/>
+              </a:lnSpc>
+              <a:spcAft>
+                <a:spcPts val="0"/>
+              </a:spcAft>
+              <a:buNone/>
+            </a:pPr>
+            <a:endParaRPr lang="en-GB" dirty="0">
+              <a:solidFill>
+                <a:srgbClr val="0000FF"/>
+              </a:solidFill>
+              <a:latin typeface="Consolas" panose="020B0609020204030204" pitchFamily="49" charset="0"/>
+              <a:ea typeface="Times New Roman" panose="02020603050405020304" pitchFamily="18" charset="0"/>
+              <a:cs typeface="Times New Roman" panose="02020603050405020304" pitchFamily="18" charset="0"/>
+            </a:endParaRPr>
           </a:p>
           <a:p>
             <a:pPr marL="0" indent="0">
-              <a:buNone/>
-            </a:pPr>
-            <a:endParaRPr lang="en-US" dirty="0"/>
+              <a:lnSpc>
+                <a:spcPts val="1425"/>
+              </a:lnSpc>
+              <a:spcAft>
+                <a:spcPts val="0"/>
+              </a:spcAft>
+              <a:buNone/>
+            </a:pPr>
+            <a:r>
+              <a:rPr lang="en-GB" u="sng" dirty="0" err="1">
+                <a:solidFill>
+                  <a:srgbClr val="0000FF"/>
+                </a:solidFill>
+                <a:latin typeface="Consolas" panose="020B0609020204030204" pitchFamily="49" charset="0"/>
+                <a:ea typeface="Times New Roman" panose="02020603050405020304" pitchFamily="18" charset="0"/>
+                <a:cs typeface="Times New Roman" panose="02020603050405020304" pitchFamily="18" charset="0"/>
+              </a:rPr>
+              <a:t>var</a:t>
+            </a:r>
+            <a:r>
+              <a:rPr lang="en-GB" u="sng" dirty="0">
+                <a:solidFill>
+                  <a:srgbClr val="000000"/>
+                </a:solidFill>
+                <a:latin typeface="Consolas" panose="020B0609020204030204" pitchFamily="49" charset="0"/>
+                <a:ea typeface="Times New Roman" panose="02020603050405020304" pitchFamily="18" charset="0"/>
+                <a:cs typeface="Times New Roman" panose="02020603050405020304" pitchFamily="18" charset="0"/>
+              </a:rPr>
+              <a:t> </a:t>
+            </a:r>
+            <a:r>
+              <a:rPr lang="en-GB" u="sng" dirty="0">
+                <a:solidFill>
+                  <a:srgbClr val="001080"/>
+                </a:solidFill>
+                <a:latin typeface="Consolas" panose="020B0609020204030204" pitchFamily="49" charset="0"/>
+                <a:ea typeface="Times New Roman" panose="02020603050405020304" pitchFamily="18" charset="0"/>
+                <a:cs typeface="Times New Roman" panose="02020603050405020304" pitchFamily="18" charset="0"/>
+              </a:rPr>
+              <a:t>temp</a:t>
+            </a:r>
+            <a:r>
+              <a:rPr lang="en-GB" u="sng" dirty="0">
+                <a:solidFill>
+                  <a:srgbClr val="000000"/>
+                </a:solidFill>
+                <a:latin typeface="Consolas" panose="020B0609020204030204" pitchFamily="49" charset="0"/>
+                <a:ea typeface="Times New Roman" panose="02020603050405020304" pitchFamily="18" charset="0"/>
+                <a:cs typeface="Times New Roman" panose="02020603050405020304" pitchFamily="18" charset="0"/>
+              </a:rPr>
+              <a:t> = </a:t>
+            </a:r>
+            <a:r>
+              <a:rPr lang="en-GB" u="sng" dirty="0">
+                <a:solidFill>
+                  <a:srgbClr val="A31515"/>
+                </a:solidFill>
+                <a:latin typeface="Consolas" panose="020B0609020204030204" pitchFamily="49" charset="0"/>
+                <a:ea typeface="Times New Roman" panose="02020603050405020304" pitchFamily="18" charset="0"/>
+                <a:cs typeface="Times New Roman" panose="02020603050405020304" pitchFamily="18" charset="0"/>
+              </a:rPr>
+              <a:t>'outer'</a:t>
+            </a:r>
+            <a:r>
+              <a:rPr lang="en-GB" u="sng" dirty="0">
+                <a:solidFill>
+                  <a:srgbClr val="000000"/>
+                </a:solidFill>
+                <a:latin typeface="Consolas" panose="020B0609020204030204" pitchFamily="49" charset="0"/>
+                <a:ea typeface="Times New Roman" panose="02020603050405020304" pitchFamily="18" charset="0"/>
+                <a:cs typeface="Times New Roman" panose="02020603050405020304" pitchFamily="18" charset="0"/>
+              </a:rPr>
+              <a:t>;</a:t>
+            </a:r>
+            <a:endParaRPr lang="pl-PL" sz="3200" u="sng" dirty="0">
+              <a:latin typeface="Calibri" panose="020F0502020204030204" pitchFamily="34" charset="0"/>
+              <a:ea typeface="Calibri" panose="020F0502020204030204" pitchFamily="34" charset="0"/>
+              <a:cs typeface="Times New Roman" panose="02020603050405020304" pitchFamily="18" charset="0"/>
+            </a:endParaRPr>
           </a:p>
           <a:p>
             <a:pPr marL="0" indent="0">
-              <a:buNone/>
-            </a:pPr>
-            <a:r>
-              <a:rPr lang="en-US" dirty="0"/>
-              <a:t>JavaScript mechanism where </a:t>
-            </a:r>
-            <a:r>
-              <a:rPr lang="en-US" b="1" dirty="0"/>
-              <a:t>variables</a:t>
-            </a:r>
-            <a:r>
-              <a:rPr lang="en-US" dirty="0"/>
-              <a:t> and </a:t>
-            </a:r>
-            <a:r>
-              <a:rPr lang="en-US" b="1" dirty="0"/>
-              <a:t>function</a:t>
-            </a:r>
-            <a:r>
-              <a:rPr lang="en-US" dirty="0"/>
+              <a:lnSpc>
+                <a:spcPts val="1425"/>
+              </a:lnSpc>
+              <a:buNone/>
+            </a:pPr>
+            <a:r>
+              <a:rPr lang="en-GB" dirty="0">
+                <a:solidFill>
+                  <a:srgbClr val="000000"/>
+                </a:solidFill>
+                <a:latin typeface="Consolas" panose="020B0609020204030204" pitchFamily="49" charset="0"/>
+                <a:ea typeface="Times New Roman" panose="02020603050405020304" pitchFamily="18" charset="0"/>
+                <a:cs typeface="Times New Roman" panose="02020603050405020304" pitchFamily="18" charset="0"/>
+              </a:rPr>
+              <a:t> </a:t>
+            </a:r>
+            <a:endParaRPr lang="pl-PL" sz="3200" dirty="0">
+              <a:latin typeface="Calibri" panose="020F0502020204030204" pitchFamily="34" charset="0"/>
+              <a:ea typeface="Calibri" panose="020F0502020204030204" pitchFamily="34" charset="0"/>
+              <a:cs typeface="Times New Roman" panose="02020603050405020304" pitchFamily="18" charset="0"/>
+            </a:endParaRPr>
+          </a:p>
+          <a:p>
+            <a:pPr marL="0" indent="0">
+              <a:lnSpc>
+                <a:spcPts val="1425"/>
+              </a:lnSpc>
+              <a:spcAft>
+                <a:spcPts val="0"/>
+              </a:spcAft>
+              <a:buNone/>
+            </a:pPr>
+            <a:r>
+              <a:rPr lang="en-GB" dirty="0">
+                <a:solidFill>
+                  <a:srgbClr val="AF00DB"/>
+                </a:solidFill>
+                <a:latin typeface="Consolas" panose="020B0609020204030204" pitchFamily="49" charset="0"/>
+                <a:ea typeface="Times New Roman" panose="02020603050405020304" pitchFamily="18" charset="0"/>
+                <a:cs typeface="Times New Roman" panose="02020603050405020304" pitchFamily="18" charset="0"/>
+              </a:rPr>
+              <a:t>for / if / while</a:t>
+            </a:r>
+            <a:r>
+              <a:rPr lang="en-GB" dirty="0">
+                <a:solidFill>
+                  <a:srgbClr val="000000"/>
+                </a:solidFill>
+                <a:latin typeface="Consolas" panose="020B0609020204030204" pitchFamily="49" charset="0"/>
+                <a:ea typeface="Times New Roman" panose="02020603050405020304" pitchFamily="18" charset="0"/>
+                <a:cs typeface="Times New Roman" panose="02020603050405020304" pitchFamily="18" charset="0"/>
+              </a:rPr>
               <a:t> </a:t>
             </a:r>
             <a:r>
-              <a:rPr lang="en-US" b="1" dirty="0"/>
-              <a:t>declarations</a:t>
-            </a:r>
-            <a:r>
-              <a:rPr lang="en-US" dirty="0"/>
-              <a:t> are moved to the </a:t>
-            </a:r>
-            <a:r>
-              <a:rPr lang="en-US" b="1" dirty="0"/>
-              <a:t>top</a:t>
-            </a:r>
-            <a:r>
-              <a:rPr lang="en-US" dirty="0"/>
-              <a:t> of their scope before code execution.</a:t>
-            </a:r>
-            <a:endParaRPr lang="pl-PL" dirty="0"/>
+              <a:rPr lang="en-GB" sz="3600" b="1" dirty="0">
+                <a:solidFill>
+                  <a:srgbClr val="000000"/>
+                </a:solidFill>
+                <a:latin typeface="Consolas" panose="020B0609020204030204" pitchFamily="49" charset="0"/>
+                <a:ea typeface="Times New Roman" panose="02020603050405020304" pitchFamily="18" charset="0"/>
+                <a:cs typeface="Times New Roman" panose="02020603050405020304" pitchFamily="18" charset="0"/>
+              </a:rPr>
+              <a:t>(</a:t>
+            </a:r>
+            <a:r>
+              <a:rPr lang="en-GB" sz="3600" b="1" dirty="0">
+                <a:solidFill>
+                  <a:srgbClr val="0000FF"/>
+                </a:solidFill>
+                <a:latin typeface="Consolas" panose="020B0609020204030204" pitchFamily="49" charset="0"/>
+                <a:ea typeface="Times New Roman" panose="02020603050405020304" pitchFamily="18" charset="0"/>
+                <a:cs typeface="Times New Roman" panose="02020603050405020304" pitchFamily="18" charset="0"/>
+              </a:rPr>
+              <a:t>…</a:t>
+            </a:r>
+            <a:r>
+              <a:rPr lang="en-GB" sz="3600" b="1" dirty="0">
+                <a:solidFill>
+                  <a:srgbClr val="000000"/>
+                </a:solidFill>
+                <a:latin typeface="Consolas" panose="020B0609020204030204" pitchFamily="49" charset="0"/>
+                <a:ea typeface="Times New Roman" panose="02020603050405020304" pitchFamily="18" charset="0"/>
+                <a:cs typeface="Times New Roman" panose="02020603050405020304" pitchFamily="18" charset="0"/>
+              </a:rPr>
+              <a:t>) {</a:t>
+            </a:r>
+            <a:endParaRPr lang="pl-PL" sz="3200" dirty="0">
+              <a:latin typeface="Calibri" panose="020F0502020204030204" pitchFamily="34" charset="0"/>
+              <a:ea typeface="Calibri" panose="020F0502020204030204" pitchFamily="34" charset="0"/>
+              <a:cs typeface="Times New Roman" panose="02020603050405020304" pitchFamily="18" charset="0"/>
+            </a:endParaRPr>
+          </a:p>
+          <a:p>
+            <a:pPr marL="0" indent="0">
+              <a:lnSpc>
+                <a:spcPts val="1425"/>
+              </a:lnSpc>
+              <a:spcAft>
+                <a:spcPts val="0"/>
+              </a:spcAft>
+              <a:buNone/>
+            </a:pPr>
+            <a:r>
+              <a:rPr lang="en-GB" dirty="0">
+                <a:solidFill>
+                  <a:srgbClr val="000000"/>
+                </a:solidFill>
+                <a:latin typeface="Consolas" panose="020B0609020204030204" pitchFamily="49" charset="0"/>
+                <a:ea typeface="Times New Roman" panose="02020603050405020304" pitchFamily="18" charset="0"/>
+                <a:cs typeface="Times New Roman" panose="02020603050405020304" pitchFamily="18" charset="0"/>
+              </a:rPr>
+              <a:t>    </a:t>
+            </a:r>
+            <a:r>
+              <a:rPr lang="en-GB" i="1" dirty="0">
+                <a:solidFill>
+                  <a:srgbClr val="000000"/>
+                </a:solidFill>
+                <a:latin typeface="Consolas" panose="020B0609020204030204" pitchFamily="49" charset="0"/>
+                <a:ea typeface="Times New Roman" panose="02020603050405020304" pitchFamily="18" charset="0"/>
+                <a:cs typeface="Times New Roman" panose="02020603050405020304" pitchFamily="18" charset="0"/>
+              </a:rPr>
+              <a:t>	</a:t>
+            </a:r>
+          </a:p>
+          <a:p>
+            <a:pPr marL="0" indent="0">
+              <a:lnSpc>
+                <a:spcPts val="1425"/>
+              </a:lnSpc>
+              <a:spcAft>
+                <a:spcPts val="0"/>
+              </a:spcAft>
+              <a:buNone/>
+            </a:pPr>
+            <a:r>
+              <a:rPr lang="en-GB" i="1" dirty="0">
+                <a:solidFill>
+                  <a:srgbClr val="000000"/>
+                </a:solidFill>
+                <a:latin typeface="Consolas" panose="020B0609020204030204" pitchFamily="49" charset="0"/>
+                <a:ea typeface="Times New Roman" panose="02020603050405020304" pitchFamily="18" charset="0"/>
+                <a:cs typeface="Times New Roman" panose="02020603050405020304" pitchFamily="18" charset="0"/>
+              </a:rPr>
+              <a:t>	</a:t>
+            </a:r>
+            <a:r>
+              <a:rPr lang="en-GB" dirty="0">
+                <a:solidFill>
+                  <a:srgbClr val="0000FF"/>
+                </a:solidFill>
+                <a:latin typeface="Consolas" panose="020B0609020204030204" pitchFamily="49" charset="0"/>
+                <a:ea typeface="Times New Roman" panose="02020603050405020304" pitchFamily="18" charset="0"/>
+                <a:cs typeface="Times New Roman" panose="02020603050405020304" pitchFamily="18" charset="0"/>
+              </a:rPr>
+              <a:t>let</a:t>
+            </a:r>
+            <a:r>
+              <a:rPr lang="en-GB" dirty="0">
+                <a:solidFill>
+                  <a:srgbClr val="000000"/>
+                </a:solidFill>
+                <a:latin typeface="Consolas" panose="020B0609020204030204" pitchFamily="49" charset="0"/>
+                <a:ea typeface="Times New Roman" panose="02020603050405020304" pitchFamily="18" charset="0"/>
+                <a:cs typeface="Times New Roman" panose="02020603050405020304" pitchFamily="18" charset="0"/>
+              </a:rPr>
+              <a:t> </a:t>
+            </a:r>
+            <a:r>
+              <a:rPr lang="en-GB" dirty="0">
+                <a:solidFill>
+                  <a:srgbClr val="001080"/>
+                </a:solidFill>
+                <a:latin typeface="Consolas" panose="020B0609020204030204" pitchFamily="49" charset="0"/>
+                <a:ea typeface="Times New Roman" panose="02020603050405020304" pitchFamily="18" charset="0"/>
+                <a:cs typeface="Times New Roman" panose="02020603050405020304" pitchFamily="18" charset="0"/>
+              </a:rPr>
+              <a:t>temp</a:t>
+            </a:r>
+            <a:r>
+              <a:rPr lang="en-GB" dirty="0">
+                <a:solidFill>
+                  <a:srgbClr val="000000"/>
+                </a:solidFill>
+                <a:latin typeface="Consolas" panose="020B0609020204030204" pitchFamily="49" charset="0"/>
+                <a:ea typeface="Times New Roman" panose="02020603050405020304" pitchFamily="18" charset="0"/>
+                <a:cs typeface="Times New Roman" panose="02020603050405020304" pitchFamily="18" charset="0"/>
+              </a:rPr>
+              <a:t> = </a:t>
+            </a:r>
+            <a:r>
+              <a:rPr lang="en-GB" dirty="0">
+                <a:solidFill>
+                  <a:srgbClr val="A31515"/>
+                </a:solidFill>
+                <a:latin typeface="Consolas" panose="020B0609020204030204" pitchFamily="49" charset="0"/>
+                <a:ea typeface="Times New Roman" panose="02020603050405020304" pitchFamily="18" charset="0"/>
+                <a:cs typeface="Times New Roman" panose="02020603050405020304" pitchFamily="18" charset="0"/>
+              </a:rPr>
+              <a:t>'inner’</a:t>
+            </a:r>
+            <a:r>
+              <a:rPr lang="en-GB" dirty="0">
+                <a:solidFill>
+                  <a:srgbClr val="000000"/>
+                </a:solidFill>
+                <a:latin typeface="Consolas" panose="020B0609020204030204" pitchFamily="49" charset="0"/>
+                <a:ea typeface="Times New Roman" panose="02020603050405020304" pitchFamily="18" charset="0"/>
+                <a:cs typeface="Times New Roman" panose="02020603050405020304" pitchFamily="18" charset="0"/>
+              </a:rPr>
+              <a:t>; </a:t>
+            </a:r>
+          </a:p>
+          <a:p>
+            <a:pPr marL="0" indent="0">
+              <a:lnSpc>
+                <a:spcPts val="1425"/>
+              </a:lnSpc>
+              <a:spcAft>
+                <a:spcPts val="0"/>
+              </a:spcAft>
+              <a:buNone/>
+            </a:pPr>
+            <a:r>
+              <a:rPr lang="en-GB" dirty="0">
+                <a:solidFill>
+                  <a:srgbClr val="000000"/>
+                </a:solidFill>
+                <a:latin typeface="Consolas" panose="020B0609020204030204" pitchFamily="49" charset="0"/>
+                <a:ea typeface="Times New Roman" panose="02020603050405020304" pitchFamily="18" charset="0"/>
+                <a:cs typeface="Times New Roman" panose="02020603050405020304" pitchFamily="18" charset="0"/>
+              </a:rPr>
+              <a:t>	</a:t>
+            </a:r>
+          </a:p>
+          <a:p>
+            <a:pPr marL="0" indent="0">
+              <a:lnSpc>
+                <a:spcPts val="1425"/>
+              </a:lnSpc>
+              <a:spcAft>
+                <a:spcPts val="0"/>
+              </a:spcAft>
+              <a:buNone/>
+            </a:pPr>
+            <a:r>
+              <a:rPr lang="en-GB" sz="3200" dirty="0">
+                <a:solidFill>
+                  <a:srgbClr val="000000"/>
+                </a:solidFill>
+                <a:latin typeface="Consolas" panose="020B0609020204030204" pitchFamily="49" charset="0"/>
+                <a:ea typeface="Times New Roman" panose="02020603050405020304" pitchFamily="18" charset="0"/>
+                <a:cs typeface="Times New Roman" panose="02020603050405020304" pitchFamily="18" charset="0"/>
+              </a:rPr>
+              <a:t>}</a:t>
+            </a:r>
+          </a:p>
+          <a:p>
+            <a:pPr marL="0" indent="0">
+              <a:lnSpc>
+                <a:spcPts val="1425"/>
+              </a:lnSpc>
+              <a:spcAft>
+                <a:spcPts val="0"/>
+              </a:spcAft>
+              <a:buNone/>
+            </a:pPr>
+            <a:endParaRPr lang="en-GB" dirty="0">
+              <a:solidFill>
+                <a:srgbClr val="267F99"/>
+              </a:solidFill>
+              <a:latin typeface="Consolas" panose="020B0609020204030204" pitchFamily="49" charset="0"/>
+              <a:ea typeface="Times New Roman" panose="02020603050405020304" pitchFamily="18" charset="0"/>
+              <a:cs typeface="Times New Roman" panose="02020603050405020304" pitchFamily="18" charset="0"/>
+            </a:endParaRPr>
+          </a:p>
+          <a:p>
+            <a:pPr marL="0" indent="0">
+              <a:lnSpc>
+                <a:spcPts val="1425"/>
+              </a:lnSpc>
+              <a:spcAft>
+                <a:spcPts val="0"/>
+              </a:spcAft>
+              <a:buNone/>
+            </a:pPr>
+            <a:endParaRPr lang="en-GB" dirty="0">
+              <a:solidFill>
+                <a:srgbClr val="267F99"/>
+              </a:solidFill>
+              <a:latin typeface="Consolas" panose="020B0609020204030204" pitchFamily="49" charset="0"/>
+              <a:ea typeface="Times New Roman" panose="02020603050405020304" pitchFamily="18" charset="0"/>
+              <a:cs typeface="Times New Roman" panose="02020603050405020304" pitchFamily="18" charset="0"/>
+            </a:endParaRPr>
+          </a:p>
+          <a:p>
+            <a:pPr marL="0" indent="0">
+              <a:lnSpc>
+                <a:spcPts val="1425"/>
+              </a:lnSpc>
+              <a:spcAft>
+                <a:spcPts val="0"/>
+              </a:spcAft>
+              <a:buNone/>
+            </a:pPr>
+            <a:r>
+              <a:rPr lang="en-GB" dirty="0">
+                <a:solidFill>
+                  <a:srgbClr val="267F99"/>
+                </a:solidFill>
+                <a:latin typeface="Consolas" panose="020B0609020204030204" pitchFamily="49" charset="0"/>
+                <a:ea typeface="Times New Roman" panose="02020603050405020304" pitchFamily="18" charset="0"/>
+                <a:cs typeface="Times New Roman" panose="02020603050405020304" pitchFamily="18" charset="0"/>
+              </a:rPr>
+              <a:t>console</a:t>
+            </a:r>
+            <a:r>
+              <a:rPr lang="en-GB" dirty="0">
+                <a:solidFill>
+                  <a:srgbClr val="000000"/>
+                </a:solidFill>
+                <a:latin typeface="Consolas" panose="020B0609020204030204" pitchFamily="49" charset="0"/>
+                <a:ea typeface="Times New Roman" panose="02020603050405020304" pitchFamily="18" charset="0"/>
+                <a:cs typeface="Times New Roman" panose="02020603050405020304" pitchFamily="18" charset="0"/>
+              </a:rPr>
+              <a:t>.</a:t>
+            </a:r>
+            <a:r>
+              <a:rPr lang="en-GB" dirty="0">
+                <a:solidFill>
+                  <a:srgbClr val="795E26"/>
+                </a:solidFill>
+                <a:latin typeface="Consolas" panose="020B0609020204030204" pitchFamily="49" charset="0"/>
+                <a:ea typeface="Times New Roman" panose="02020603050405020304" pitchFamily="18" charset="0"/>
+                <a:cs typeface="Times New Roman" panose="02020603050405020304" pitchFamily="18" charset="0"/>
+              </a:rPr>
+              <a:t>log</a:t>
+            </a:r>
+            <a:r>
+              <a:rPr lang="en-GB" dirty="0">
+                <a:solidFill>
+                  <a:srgbClr val="000000"/>
+                </a:solidFill>
+                <a:latin typeface="Consolas" panose="020B0609020204030204" pitchFamily="49" charset="0"/>
+                <a:ea typeface="Times New Roman" panose="02020603050405020304" pitchFamily="18" charset="0"/>
+                <a:cs typeface="Times New Roman" panose="02020603050405020304" pitchFamily="18" charset="0"/>
+              </a:rPr>
+              <a:t>(</a:t>
+            </a:r>
+            <a:r>
+              <a:rPr lang="en-GB" dirty="0">
+                <a:solidFill>
+                  <a:srgbClr val="001080"/>
+                </a:solidFill>
+                <a:latin typeface="Consolas" panose="020B0609020204030204" pitchFamily="49" charset="0"/>
+                <a:ea typeface="Times New Roman" panose="02020603050405020304" pitchFamily="18" charset="0"/>
+                <a:cs typeface="Times New Roman" panose="02020603050405020304" pitchFamily="18" charset="0"/>
+              </a:rPr>
+              <a:t>temp</a:t>
+            </a:r>
+            <a:r>
+              <a:rPr lang="en-GB" dirty="0">
+                <a:solidFill>
+                  <a:srgbClr val="000000"/>
+                </a:solidFill>
+                <a:latin typeface="Consolas" panose="020B0609020204030204" pitchFamily="49" charset="0"/>
+                <a:ea typeface="Times New Roman" panose="02020603050405020304" pitchFamily="18" charset="0"/>
+                <a:cs typeface="Times New Roman" panose="02020603050405020304" pitchFamily="18" charset="0"/>
+              </a:rPr>
+              <a:t>); </a:t>
+            </a:r>
+            <a:r>
+              <a:rPr lang="en-GB" b="1" u="sng" dirty="0">
+                <a:solidFill>
+                  <a:srgbClr val="008000"/>
+                </a:solidFill>
+                <a:latin typeface="Consolas" panose="020B0609020204030204" pitchFamily="49" charset="0"/>
+                <a:ea typeface="Times New Roman" panose="02020603050405020304" pitchFamily="18" charset="0"/>
+                <a:cs typeface="Times New Roman" panose="02020603050405020304" pitchFamily="18" charset="0"/>
+              </a:rPr>
+              <a:t>// Console prints: </a:t>
+            </a:r>
+            <a:r>
+              <a:rPr lang="en-GB" b="1" u="sng" dirty="0">
+                <a:solidFill>
+                  <a:srgbClr val="A31515"/>
+                </a:solidFill>
+                <a:latin typeface="Consolas" panose="020B0609020204030204" pitchFamily="49" charset="0"/>
+                <a:ea typeface="Times New Roman" panose="02020603050405020304" pitchFamily="18" charset="0"/>
+                <a:cs typeface="Times New Roman" panose="02020603050405020304" pitchFamily="18" charset="0"/>
+              </a:rPr>
+              <a:t>'outer'</a:t>
+            </a:r>
+            <a:endParaRPr lang="pl-PL" sz="3200" b="1" u="sng" dirty="0">
+              <a:latin typeface="Calibri" panose="020F0502020204030204" pitchFamily="34" charset="0"/>
+              <a:ea typeface="Calibri" panose="020F0502020204030204" pitchFamily="34" charset="0"/>
+              <a:cs typeface="Times New Roman" panose="02020603050405020304" pitchFamily="18" charset="0"/>
+            </a:endParaRPr>
           </a:p>
         </p:txBody>
       </p:sp>
     </p:spTree>
     <p:extLst>
       <p:ext uri="{BB962C8B-B14F-4D97-AF65-F5344CB8AC3E}">
-        <p14:creationId xmlns:p14="http://schemas.microsoft.com/office/powerpoint/2010/main" val="3008997080"/>
+        <p14:creationId xmlns:p14="http://schemas.microsoft.com/office/powerpoint/2010/main" val="2916573456"/>
       </p:ext>
     </p:extLst>
   </p:cSld>
@@ -4585,7 +5635,7 @@
           <p:cNvPr id="2" name="Tytuł 1">
             <a:extLst>
               <a:ext uri="{FF2B5EF4-FFF2-40B4-BE49-F238E27FC236}">
-                <a16:creationId xmlns:a16="http://schemas.microsoft.com/office/drawing/2014/main" id="{277D3371-6D8B-439E-8756-A21964B5B91C}"/>
+                <a16:creationId xmlns:a16="http://schemas.microsoft.com/office/drawing/2014/main" id="{3CE288DE-249C-4AB5-890C-2ACC32A74EC6}"/>
               </a:ext>
             </a:extLst>
           </p:cNvPr>
@@ -4601,39 +5651,53 @@
           <a:bodyPr/>
           <a:lstStyle/>
           <a:p>
-            <a:endParaRPr lang="pl-PL"/>
-          </a:p>
-        </p:txBody>
-      </p:sp>
-      <p:sp>
-        <p:nvSpPr>
-          <p:cNvPr id="3" name="Symbol zastępczy zawartości 2">
-            <a:extLst>
-              <a:ext uri="{FF2B5EF4-FFF2-40B4-BE49-F238E27FC236}">
-                <a16:creationId xmlns:a16="http://schemas.microsoft.com/office/drawing/2014/main" id="{630E16BB-AC35-41BB-8455-6A66871ADFF9}"/>
-              </a:ext>
-            </a:extLst>
-          </p:cNvPr>
-          <p:cNvSpPr>
-            <a:spLocks noGrp="1"/>
-          </p:cNvSpPr>
+            <a:r>
+              <a:rPr lang="en-GB" dirty="0"/>
+              <a:t>Hoisting</a:t>
+            </a:r>
+            <a:endParaRPr lang="pl-PL" dirty="0"/>
+          </a:p>
+        </p:txBody>
+      </p:sp>
+      <p:pic>
+        <p:nvPicPr>
+          <p:cNvPr id="9" name="Symbol zastępczy zawartości 8">
+            <a:extLst>
+              <a:ext uri="{FF2B5EF4-FFF2-40B4-BE49-F238E27FC236}">
+                <a16:creationId xmlns:a16="http://schemas.microsoft.com/office/drawing/2014/main" id="{F8240627-4E3A-4B7D-8A46-96940A5A3B61}"/>
+              </a:ext>
+            </a:extLst>
+          </p:cNvPr>
+          <p:cNvPicPr>
+            <a:picLocks noGrp="1" noChangeAspect="1"/>
+          </p:cNvPicPr>
           <p:nvPr>
             <p:ph idx="1"/>
           </p:nvPr>
-        </p:nvSpPr>
-        <p:spPr/>
-        <p:txBody>
-          <a:bodyPr/>
-          <a:lstStyle/>
-          <a:p>
-            <a:endParaRPr lang="pl-PL"/>
-          </a:p>
-        </p:txBody>
-      </p:sp>
+        </p:nvPicPr>
+        <p:blipFill>
+          <a:blip r:embed="rId2">
+            <a:extLst>
+              <a:ext uri="{28A0092B-C50C-407E-A947-70E740481C1C}">
+                <a14:useLocalDpi xmlns:a14="http://schemas.microsoft.com/office/drawing/2010/main" val="0"/>
+              </a:ext>
+            </a:extLst>
+          </a:blip>
+          <a:stretch>
+            <a:fillRect/>
+          </a:stretch>
+        </p:blipFill>
+        <p:spPr>
+          <a:xfrm>
+            <a:off x="2027583" y="1417119"/>
+            <a:ext cx="6549886" cy="4912415"/>
+          </a:xfrm>
+        </p:spPr>
+      </p:pic>
     </p:spTree>
     <p:extLst>
       <p:ext uri="{BB962C8B-B14F-4D97-AF65-F5344CB8AC3E}">
-        <p14:creationId xmlns:p14="http://schemas.microsoft.com/office/powerpoint/2010/main" val="519642855"/>
+        <p14:creationId xmlns:p14="http://schemas.microsoft.com/office/powerpoint/2010/main" val="608451684"/>
       </p:ext>
     </p:extLst>
   </p:cSld>
@@ -4665,7 +5729,7 @@
           <p:cNvPr id="2" name="Tytuł 1">
             <a:extLst>
               <a:ext uri="{FF2B5EF4-FFF2-40B4-BE49-F238E27FC236}">
-                <a16:creationId xmlns:a16="http://schemas.microsoft.com/office/drawing/2014/main" id="{657F7715-21C7-4B85-82AB-ECEC3E360DEA}"/>
+                <a16:creationId xmlns:a16="http://schemas.microsoft.com/office/drawing/2014/main" id="{88E4FC62-AE9F-4639-925E-E02FB36C1DE4}"/>
               </a:ext>
             </a:extLst>
           </p:cNvPr>
@@ -4681,54 +5745,115 @@
           <a:bodyPr/>
           <a:lstStyle/>
           <a:p>
-            <a:pPr algn="ctr"/>
-            <a:r>
-              <a:rPr lang="en-GB" dirty="0" err="1"/>
-              <a:t>Clousure</a:t>
+            <a:r>
+              <a:rPr lang="en-GB" dirty="0"/>
+              <a:t>Hoisting</a:t>
             </a:r>
             <a:endParaRPr lang="pl-PL" dirty="0"/>
           </a:p>
         </p:txBody>
       </p:sp>
-      <p:pic>
-        <p:nvPicPr>
-          <p:cNvPr id="5" name="Symbol zastępczy zawartości 4">
-            <a:extLst>
-              <a:ext uri="{FF2B5EF4-FFF2-40B4-BE49-F238E27FC236}">
-                <a16:creationId xmlns:a16="http://schemas.microsoft.com/office/drawing/2014/main" id="{0B1F3834-DBCC-4BB4-A84E-054D76E8FFEF}"/>
-              </a:ext>
-            </a:extLst>
-          </p:cNvPr>
-          <p:cNvPicPr>
-            <a:picLocks noGrp="1" noChangeAspect="1"/>
-          </p:cNvPicPr>
+      <p:sp>
+        <p:nvSpPr>
+          <p:cNvPr id="3" name="Symbol zastępczy zawartości 2">
+            <a:extLst>
+              <a:ext uri="{FF2B5EF4-FFF2-40B4-BE49-F238E27FC236}">
+                <a16:creationId xmlns:a16="http://schemas.microsoft.com/office/drawing/2014/main" id="{5E03A168-22CE-4B3C-BC83-8F9EBEF1C4BE}"/>
+              </a:ext>
+            </a:extLst>
+          </p:cNvPr>
+          <p:cNvSpPr>
+            <a:spLocks noGrp="1"/>
+          </p:cNvSpPr>
           <p:nvPr>
             <p:ph idx="1"/>
           </p:nvPr>
-        </p:nvPicPr>
-        <p:blipFill>
-          <a:blip r:embed="rId2">
-            <a:extLst>
-              <a:ext uri="{28A0092B-C50C-407E-A947-70E740481C1C}">
-                <a14:useLocalDpi xmlns:a14="http://schemas.microsoft.com/office/drawing/2010/main" val="0"/>
-              </a:ext>
-            </a:extLst>
-          </a:blip>
-          <a:stretch>
-            <a:fillRect/>
-          </a:stretch>
-        </p:blipFill>
-        <p:spPr>
-          <a:xfrm>
-            <a:off x="2860813" y="1466683"/>
-            <a:ext cx="6470374" cy="5147542"/>
-          </a:xfrm>
-        </p:spPr>
-      </p:pic>
+        </p:nvSpPr>
+        <p:spPr/>
+        <p:txBody>
+          <a:bodyPr/>
+          <a:lstStyle/>
+          <a:p>
+            <a:pPr marL="0" indent="0">
+              <a:buNone/>
+            </a:pPr>
+            <a:endParaRPr lang="en-US" dirty="0"/>
+          </a:p>
+          <a:p>
+            <a:pPr marL="0" indent="0">
+              <a:buNone/>
+            </a:pPr>
+            <a:endParaRPr lang="en-US" dirty="0"/>
+          </a:p>
+          <a:p>
+            <a:pPr marL="0" indent="0">
+              <a:buNone/>
+            </a:pPr>
+            <a:r>
+              <a:rPr lang="en-US" dirty="0"/>
+              <a:t>JavaScript mechanism where </a:t>
+            </a:r>
+            <a:r>
+              <a:rPr lang="en-US" b="1" dirty="0"/>
+              <a:t>variables</a:t>
+            </a:r>
+            <a:r>
+              <a:rPr lang="en-US" dirty="0"/>
+              <a:t> and </a:t>
+            </a:r>
+            <a:r>
+              <a:rPr lang="en-US" b="1" dirty="0"/>
+              <a:t>function</a:t>
+            </a:r>
+            <a:r>
+              <a:rPr lang="en-US" dirty="0"/>
+              <a:t> </a:t>
+            </a:r>
+            <a:r>
+              <a:rPr lang="en-US" b="1" dirty="0"/>
+              <a:t>declarations</a:t>
+            </a:r>
+            <a:r>
+              <a:rPr lang="en-US" dirty="0"/>
+              <a:t> are moved to the </a:t>
+            </a:r>
+            <a:r>
+              <a:rPr lang="en-US" b="1" dirty="0"/>
+              <a:t>top</a:t>
+            </a:r>
+            <a:r>
+              <a:rPr lang="en-US" dirty="0"/>
+              <a:t> of their scope before code execution.</a:t>
+            </a:r>
+          </a:p>
+          <a:p>
+            <a:pPr marL="0" indent="0">
+              <a:buNone/>
+            </a:pPr>
+            <a:endParaRPr lang="en-US" dirty="0"/>
+          </a:p>
+          <a:p>
+            <a:pPr marL="0" indent="0">
+              <a:buNone/>
+            </a:pPr>
+            <a:endParaRPr lang="en-US" dirty="0"/>
+          </a:p>
+          <a:p>
+            <a:pPr marL="0" indent="0">
+              <a:buNone/>
+            </a:pPr>
+            <a:r>
+              <a:rPr lang="en-US" dirty="0"/>
+              <a:t>Examples: hosting.js, hosting.2.js</a:t>
+            </a:r>
+            <a:endParaRPr lang="pl-PL" dirty="0"/>
+          </a:p>
+        </p:txBody>
+      </p:sp>
     </p:spTree>
     <p:extLst>
       <p:ext uri="{BB962C8B-B14F-4D97-AF65-F5344CB8AC3E}">
-        <p14:creationId xmlns:p14="http://schemas.microsoft.com/office/powerpoint/2010/main" val="97084285"/>
+        <p14:creationId xmlns:p14="http://schemas.microsoft.com/office/powerpoint/2010/main" val="3008997080"/>
       </p:ext>
     </p:extLst>
   </p:cSld>
@@ -4760,7 +5885,7 @@
           <p:cNvPr id="2" name="Tytuł 1">
             <a:extLst>
               <a:ext uri="{FF2B5EF4-FFF2-40B4-BE49-F238E27FC236}">
-                <a16:creationId xmlns:a16="http://schemas.microsoft.com/office/drawing/2014/main" id="{596B87AF-86C3-45AB-B596-533D7067F41A}"/>
+                <a16:creationId xmlns:a16="http://schemas.microsoft.com/office/drawing/2014/main" id="{657F7715-21C7-4B85-82AB-ECEC3E360DEA}"/>
               </a:ext>
             </a:extLst>
           </p:cNvPr>
@@ -4776,6 +5901,7 @@
           <a:bodyPr/>
           <a:lstStyle/>
           <a:p>
+            <a:pPr algn="ctr"/>
             <a:r>
               <a:rPr lang="en-GB" dirty="0" err="1"/>
               <a:t>Clousure</a:t>
@@ -4789,7 +5915,7 @@
           <p:cNvPr id="3" name="Symbol zastępczy zawartości 2">
             <a:extLst>
               <a:ext uri="{FF2B5EF4-FFF2-40B4-BE49-F238E27FC236}">
-                <a16:creationId xmlns:a16="http://schemas.microsoft.com/office/drawing/2014/main" id="{D80D47D1-8BB9-440A-A960-0BA6590D4E70}"/>
+                <a16:creationId xmlns:a16="http://schemas.microsoft.com/office/drawing/2014/main" id="{4F7A8C1D-A8F7-448C-BB42-D203912AF30E}"/>
               </a:ext>
             </a:extLst>
           </p:cNvPr>
@@ -4805,46 +5931,44 @@
           <a:bodyPr/>
           <a:lstStyle/>
           <a:p>
-            <a:r>
-              <a:rPr lang="en-US" b="1" dirty="0"/>
-              <a:t>In C#</a:t>
-            </a:r>
-            <a:r>
-              <a:rPr lang="en-US" dirty="0"/>
-              <a:t> takes the form of an in-line delegate/anonymous method/lambda.  A </a:t>
-            </a:r>
-            <a:r>
-              <a:rPr lang="en-US" b="1" dirty="0"/>
-              <a:t>closure</a:t>
-            </a:r>
-            <a:r>
-              <a:rPr lang="en-US" dirty="0"/>
-              <a:t> is attached to its parent method meaning that </a:t>
-            </a:r>
-            <a:r>
-              <a:rPr lang="en-US" u="sng" dirty="0"/>
-              <a:t>variables defined in parent's method </a:t>
-            </a:r>
-            <a:r>
-              <a:rPr lang="en-US" dirty="0"/>
-              <a:t>body can be referenced from within the anonymous method.</a:t>
-            </a:r>
-          </a:p>
-          <a:p>
-            <a:endParaRPr lang="en-US" dirty="0"/>
-          </a:p>
-          <a:p>
-            <a:r>
-              <a:rPr lang="en-US" dirty="0"/>
-              <a:t>Example from c#, with action called inside for and after end of for</a:t>
-            </a:r>
-          </a:p>
-        </p:txBody>
-      </p:sp>
+            <a:endParaRPr lang="pl-PL"/>
+          </a:p>
+        </p:txBody>
+      </p:sp>
+      <p:pic>
+        <p:nvPicPr>
+          <p:cNvPr id="4" name="Obraz 3">
+            <a:extLst>
+              <a:ext uri="{FF2B5EF4-FFF2-40B4-BE49-F238E27FC236}">
+                <a16:creationId xmlns:a16="http://schemas.microsoft.com/office/drawing/2014/main" id="{16166A64-60C2-4A4C-9418-1AD16F082C4C}"/>
+              </a:ext>
+            </a:extLst>
+          </p:cNvPr>
+          <p:cNvPicPr>
+            <a:picLocks noChangeAspect="1"/>
+          </p:cNvPicPr>
+          <p:nvPr/>
+        </p:nvPicPr>
+        <p:blipFill>
+          <a:blip r:embed="rId2"/>
+          <a:stretch>
+            <a:fillRect/>
+          </a:stretch>
+        </p:blipFill>
+        <p:spPr>
+          <a:xfrm>
+            <a:off x="2597617" y="1690688"/>
+            <a:ext cx="6477000" cy="4829175"/>
+          </a:xfrm>
+          <a:prstGeom prst="rect">
+            <a:avLst/>
+          </a:prstGeom>
+        </p:spPr>
+      </p:pic>
     </p:spTree>
     <p:extLst>
       <p:ext uri="{BB962C8B-B14F-4D97-AF65-F5344CB8AC3E}">
-        <p14:creationId xmlns:p14="http://schemas.microsoft.com/office/powerpoint/2010/main" val="310696529"/>
+        <p14:creationId xmlns:p14="http://schemas.microsoft.com/office/powerpoint/2010/main" val="97084285"/>
       </p:ext>
     </p:extLst>
   </p:cSld>
@@ -4876,7 +6000,7 @@
           <p:cNvPr id="2" name="Tytuł 1">
             <a:extLst>
               <a:ext uri="{FF2B5EF4-FFF2-40B4-BE49-F238E27FC236}">
-                <a16:creationId xmlns:a16="http://schemas.microsoft.com/office/drawing/2014/main" id="{107271B8-3F3F-40D3-B378-C18BAB7C63CF}"/>
+                <a16:creationId xmlns:a16="http://schemas.microsoft.com/office/drawing/2014/main" id="{596B87AF-86C3-45AB-B596-533D7067F41A}"/>
               </a:ext>
             </a:extLst>
           </p:cNvPr>
@@ -4892,7 +6016,11 @@
           <a:bodyPr/>
           <a:lstStyle/>
           <a:p>
-            <a:endParaRPr lang="pl-PL"/>
+            <a:r>
+              <a:rPr lang="en-GB" dirty="0" err="1"/>
+              <a:t>Clousure</a:t>
+            </a:r>
+            <a:endParaRPr lang="pl-PL" dirty="0"/>
           </a:p>
         </p:txBody>
       </p:sp>
@@ -4901,7 +6029,7 @@
           <p:cNvPr id="3" name="Symbol zastępczy zawartości 2">
             <a:extLst>
               <a:ext uri="{FF2B5EF4-FFF2-40B4-BE49-F238E27FC236}">
-                <a16:creationId xmlns:a16="http://schemas.microsoft.com/office/drawing/2014/main" id="{D7BC9333-0F67-4516-8D50-7E74C1FCA234}"/>
+                <a16:creationId xmlns:a16="http://schemas.microsoft.com/office/drawing/2014/main" id="{D80D47D1-8BB9-440A-A960-0BA6590D4E70}"/>
               </a:ext>
             </a:extLst>
           </p:cNvPr>
@@ -4914,17 +6042,116 @@
         </p:nvSpPr>
         <p:spPr/>
         <p:txBody>
-          <a:bodyPr/>
-          <a:lstStyle/>
-          <a:p>
-            <a:endParaRPr lang="pl-PL"/>
+          <a:bodyPr>
+            <a:normAutofit/>
+          </a:bodyPr>
+          <a:lstStyle/>
+          <a:p>
+            <a:pPr marL="0" indent="0">
+              <a:buNone/>
+            </a:pPr>
+            <a:r>
+              <a:rPr lang="en-US" dirty="0"/>
+              <a:t>A </a:t>
+            </a:r>
+            <a:r>
+              <a:rPr lang="en-US" b="1" dirty="0"/>
+              <a:t>closure</a:t>
+            </a:r>
+            <a:r>
+              <a:rPr lang="en-US" dirty="0"/>
+              <a:t> is an inner function that has access to the outer (enclosing) function's variables—scope chain. </a:t>
+            </a:r>
+          </a:p>
+          <a:p>
+            <a:pPr marL="0" indent="0">
+              <a:buNone/>
+            </a:pPr>
+            <a:endParaRPr lang="en-US" dirty="0"/>
+          </a:p>
+          <a:p>
+            <a:pPr marL="0" indent="0">
+              <a:buNone/>
+            </a:pPr>
+            <a:r>
+              <a:rPr lang="en-US" dirty="0"/>
+              <a:t>The </a:t>
+            </a:r>
+            <a:r>
+              <a:rPr lang="en-US" b="1" dirty="0"/>
+              <a:t>closure</a:t>
+            </a:r>
+            <a:r>
+              <a:rPr lang="en-US" dirty="0"/>
+              <a:t> has three scope chains: </a:t>
+            </a:r>
+          </a:p>
+          <a:p>
+            <a:pPr marL="0" indent="0">
+              <a:buNone/>
+            </a:pPr>
+            <a:r>
+              <a:rPr lang="en-US" dirty="0"/>
+              <a:t>it has access to its </a:t>
+            </a:r>
+            <a:r>
+              <a:rPr lang="en-US" b="1" dirty="0"/>
+              <a:t>own scope </a:t>
+            </a:r>
+            <a:r>
+              <a:rPr lang="en-US" dirty="0"/>
+              <a:t>(variables defined between its curly brackets), </a:t>
+            </a:r>
+          </a:p>
+          <a:p>
+            <a:pPr marL="0" indent="0">
+              <a:buNone/>
+            </a:pPr>
+            <a:r>
+              <a:rPr lang="en-US" dirty="0"/>
+              <a:t>it has access to the </a:t>
+            </a:r>
+            <a:r>
+              <a:rPr lang="en-US" b="1" dirty="0"/>
+              <a:t>outer function's variables</a:t>
+            </a:r>
+            <a:r>
+              <a:rPr lang="en-US" dirty="0"/>
+              <a:t>, </a:t>
+            </a:r>
+          </a:p>
+          <a:p>
+            <a:pPr marL="0" indent="0">
+              <a:buNone/>
+            </a:pPr>
+            <a:r>
+              <a:rPr lang="en-US" dirty="0"/>
+              <a:t>and it has access to the </a:t>
+            </a:r>
+            <a:r>
+              <a:rPr lang="en-US" b="1" dirty="0"/>
+              <a:t>global variables</a:t>
+            </a:r>
+            <a:r>
+              <a:rPr lang="en-US" dirty="0"/>
+              <a:t>.</a:t>
+            </a:r>
+          </a:p>
+          <a:p>
+            <a:pPr marL="0" indent="0">
+              <a:buNone/>
+            </a:pPr>
+            <a:r>
+              <a:rPr lang="en-US" dirty="0"/>
+              <a:t> </a:t>
+            </a:r>
           </a:p>
         </p:txBody>
       </p:sp>
     </p:spTree>
     <p:extLst>
       <p:ext uri="{BB962C8B-B14F-4D97-AF65-F5344CB8AC3E}">
-        <p14:creationId xmlns:p14="http://schemas.microsoft.com/office/powerpoint/2010/main" val="928897282"/>
+        <p14:creationId xmlns:p14="http://schemas.microsoft.com/office/powerpoint/2010/main" val="310696529"/>
       </p:ext>
     </p:extLst>
   </p:cSld>
@@ -4956,7 +6183,7 @@
           <p:cNvPr id="2" name="Tytuł 1">
             <a:extLst>
               <a:ext uri="{FF2B5EF4-FFF2-40B4-BE49-F238E27FC236}">
-                <a16:creationId xmlns:a16="http://schemas.microsoft.com/office/drawing/2014/main" id="{BCEF0200-5C49-46AC-A3D9-B1AB79DA756B}"/>
+                <a16:creationId xmlns:a16="http://schemas.microsoft.com/office/drawing/2014/main" id="{107271B8-3F3F-40D3-B378-C18BAB7C63CF}"/>
               </a:ext>
             </a:extLst>
           </p:cNvPr>
@@ -4974,7 +6201,7 @@
           <a:p>
             <a:r>
               <a:rPr lang="en-GB" dirty="0"/>
-              <a:t>JS safe scope</a:t>
+              <a:t>Closure example</a:t>
             </a:r>
             <a:endParaRPr lang="pl-PL" dirty="0"/>
           </a:p>
@@ -4985,7 +6212,7 @@
           <p:cNvPr id="3" name="Symbol zastępczy zawartości 2">
             <a:extLst>
               <a:ext uri="{FF2B5EF4-FFF2-40B4-BE49-F238E27FC236}">
-                <a16:creationId xmlns:a16="http://schemas.microsoft.com/office/drawing/2014/main" id="{C80260BC-0C60-4EDD-9947-0CEE87CE7000}"/>
+                <a16:creationId xmlns:a16="http://schemas.microsoft.com/office/drawing/2014/main" id="{D7BC9333-0F67-4516-8D50-7E74C1FCA234}"/>
               </a:ext>
             </a:extLst>
           </p:cNvPr>
@@ -4998,52 +6225,365 @@
         </p:nvSpPr>
         <p:spPr/>
         <p:txBody>
-          <a:bodyPr/>
+          <a:bodyPr>
+            <a:normAutofit/>
+          </a:bodyPr>
           <a:lstStyle/>
           <a:p>
             <a:pPr marL="0" indent="0">
               <a:buNone/>
             </a:pPr>
             <a:r>
-              <a:rPr lang="en-GB" dirty="0"/>
-              <a:t>ECMA2015 introduces </a:t>
+              <a:rPr lang="pl-PL" dirty="0" err="1">
+                <a:solidFill>
+                  <a:srgbClr val="0000FF"/>
+                </a:solidFill>
+                <a:latin typeface="Consolas" panose="020B0609020204030204" pitchFamily="49" charset="0"/>
+              </a:rPr>
+              <a:t>function</a:t>
+            </a:r>
+            <a:r>
+              <a:rPr lang="pl-PL" dirty="0">
+                <a:solidFill>
+                  <a:srgbClr val="000000"/>
+                </a:solidFill>
+                <a:latin typeface="Consolas" panose="020B0609020204030204" pitchFamily="49" charset="0"/>
+              </a:rPr>
+              <a:t> </a:t>
+            </a:r>
+            <a:r>
+              <a:rPr lang="pl-PL" dirty="0" err="1">
+                <a:solidFill>
+                  <a:srgbClr val="795E26"/>
+                </a:solidFill>
+                <a:latin typeface="Consolas" panose="020B0609020204030204" pitchFamily="49" charset="0"/>
+              </a:rPr>
+              <a:t>makeFunc</a:t>
+            </a:r>
+            <a:r>
+              <a:rPr lang="pl-PL" dirty="0">
+                <a:solidFill>
+                  <a:srgbClr val="000000"/>
+                </a:solidFill>
+                <a:latin typeface="Consolas" panose="020B0609020204030204" pitchFamily="49" charset="0"/>
+              </a:rPr>
+              <a:t>() {</a:t>
+            </a:r>
+          </a:p>
+          <a:p>
+            <a:pPr marL="0" indent="0">
+              <a:buNone/>
+            </a:pPr>
+            <a:r>
+              <a:rPr lang="pl-PL" dirty="0" err="1">
+                <a:solidFill>
+                  <a:srgbClr val="0000FF"/>
+                </a:solidFill>
+                <a:latin typeface="Consolas" panose="020B0609020204030204" pitchFamily="49" charset="0"/>
+              </a:rPr>
+              <a:t>var</a:t>
+            </a:r>
+            <a:r>
+              <a:rPr lang="pl-PL" dirty="0">
+                <a:solidFill>
+                  <a:srgbClr val="000000"/>
+                </a:solidFill>
+                <a:latin typeface="Consolas" panose="020B0609020204030204" pitchFamily="49" charset="0"/>
+              </a:rPr>
+              <a:t> </a:t>
+            </a:r>
+            <a:r>
+              <a:rPr lang="pl-PL" dirty="0" err="1">
+                <a:solidFill>
+                  <a:srgbClr val="001080"/>
+                </a:solidFill>
+                <a:latin typeface="Consolas" panose="020B0609020204030204" pitchFamily="49" charset="0"/>
+              </a:rPr>
+              <a:t>name</a:t>
+            </a:r>
+            <a:r>
+              <a:rPr lang="pl-PL" dirty="0">
+                <a:solidFill>
+                  <a:srgbClr val="000000"/>
+                </a:solidFill>
+                <a:latin typeface="Consolas" panose="020B0609020204030204" pitchFamily="49" charset="0"/>
+              </a:rPr>
+              <a:t> = </a:t>
             </a:r>
             <a:r>
               <a:rPr lang="en-GB" dirty="0">
                 <a:solidFill>
-                  <a:srgbClr val="00B0F0"/>
-                </a:solidFill>
-              </a:rPr>
-              <a:t>let</a:t>
-            </a:r>
-            <a:r>
-              <a:rPr lang="en-GB" dirty="0"/>
-              <a:t> and </a:t>
+                  <a:srgbClr val="A31515"/>
+                </a:solidFill>
+                <a:latin typeface="Consolas" panose="020B0609020204030204" pitchFamily="49" charset="0"/>
+              </a:rPr>
+              <a:t>‘Volvo’</a:t>
+            </a:r>
+            <a:r>
+              <a:rPr lang="pl-PL" dirty="0">
+                <a:solidFill>
+                  <a:srgbClr val="000000"/>
+                </a:solidFill>
+                <a:latin typeface="Consolas" panose="020B0609020204030204" pitchFamily="49" charset="0"/>
+              </a:rPr>
+              <a:t>;</a:t>
+            </a:r>
+          </a:p>
+          <a:p>
+            <a:pPr marL="457200" lvl="1" indent="0">
+              <a:buNone/>
+            </a:pPr>
+            <a:r>
+              <a:rPr lang="pl-PL" dirty="0" err="1">
+                <a:solidFill>
+                  <a:srgbClr val="0000FF"/>
+                </a:solidFill>
+                <a:latin typeface="Consolas" panose="020B0609020204030204" pitchFamily="49" charset="0"/>
+              </a:rPr>
+              <a:t>function</a:t>
+            </a:r>
+            <a:r>
+              <a:rPr lang="pl-PL" dirty="0">
+                <a:solidFill>
+                  <a:srgbClr val="000000"/>
+                </a:solidFill>
+                <a:latin typeface="Consolas" panose="020B0609020204030204" pitchFamily="49" charset="0"/>
+              </a:rPr>
+              <a:t> </a:t>
+            </a:r>
+            <a:r>
+              <a:rPr lang="pl-PL" dirty="0" err="1">
+                <a:solidFill>
+                  <a:srgbClr val="795E26"/>
+                </a:solidFill>
+                <a:latin typeface="Consolas" panose="020B0609020204030204" pitchFamily="49" charset="0"/>
+              </a:rPr>
+              <a:t>displayName</a:t>
             </a:r>
             <a:r>
               <a:rPr lang="en-GB" dirty="0" err="1">
                 <a:solidFill>
-                  <a:srgbClr val="00B0F0"/>
-                </a:solidFill>
-              </a:rPr>
-              <a:t>const</a:t>
-            </a:r>
-            <a:r>
-              <a:rPr lang="en-GB" dirty="0"/>
-              <a:t> keywords which </a:t>
-            </a:r>
+                  <a:srgbClr val="795E26"/>
+                </a:solidFill>
+                <a:latin typeface="Consolas" panose="020B0609020204030204" pitchFamily="49" charset="0"/>
+              </a:rPr>
+              <a:t>Fn</a:t>
+            </a:r>
+            <a:r>
+              <a:rPr lang="pl-PL" dirty="0">
+                <a:solidFill>
+                  <a:srgbClr val="000000"/>
+                </a:solidFill>
+                <a:latin typeface="Consolas" panose="020B0609020204030204" pitchFamily="49" charset="0"/>
+              </a:rPr>
+              <a:t>() {</a:t>
+            </a:r>
+          </a:p>
+          <a:p>
+            <a:pPr marL="457200" lvl="1" indent="0">
+              <a:buNone/>
+            </a:pPr>
             <a:r>
               <a:rPr lang="en-GB" dirty="0">
                 <a:solidFill>
-                  <a:schemeClr val="accent6"/>
-                </a:solidFill>
-              </a:rPr>
-              <a:t>create scopes for every block </a:t>
-            </a:r>
-            <a:r>
-              <a:rPr lang="en-GB" dirty="0"/>
-              <a:t>statements.</a:t>
-            </a:r>
+                  <a:srgbClr val="795E26"/>
+                </a:solidFill>
+                <a:latin typeface="Consolas" panose="020B0609020204030204" pitchFamily="49" charset="0"/>
+              </a:rPr>
+              <a:t>	console.log</a:t>
+            </a:r>
+            <a:r>
+              <a:rPr lang="pl-PL" dirty="0">
+                <a:solidFill>
+                  <a:srgbClr val="000000"/>
+                </a:solidFill>
+                <a:latin typeface="Consolas" panose="020B0609020204030204" pitchFamily="49" charset="0"/>
+              </a:rPr>
+              <a:t>(</a:t>
+            </a:r>
+            <a:r>
+              <a:rPr lang="pl-PL" dirty="0" err="1">
+                <a:solidFill>
+                  <a:srgbClr val="001080"/>
+                </a:solidFill>
+                <a:latin typeface="Consolas" panose="020B0609020204030204" pitchFamily="49" charset="0"/>
+              </a:rPr>
+              <a:t>name</a:t>
+            </a:r>
+            <a:r>
+              <a:rPr lang="pl-PL" dirty="0">
+                <a:solidFill>
+                  <a:srgbClr val="000000"/>
+                </a:solidFill>
+                <a:latin typeface="Consolas" panose="020B0609020204030204" pitchFamily="49" charset="0"/>
+              </a:rPr>
+              <a:t>);</a:t>
+            </a:r>
+          </a:p>
+          <a:p>
+            <a:pPr marL="457200" lvl="1" indent="0">
+              <a:buNone/>
+            </a:pPr>
+            <a:r>
+              <a:rPr lang="pl-PL" dirty="0">
+                <a:solidFill>
+                  <a:srgbClr val="000000"/>
+                </a:solidFill>
+                <a:latin typeface="Consolas" panose="020B0609020204030204" pitchFamily="49" charset="0"/>
+              </a:rPr>
+              <a:t>}</a:t>
+            </a:r>
+          </a:p>
+          <a:p>
+            <a:pPr marL="457200" lvl="1" indent="0">
+              <a:buNone/>
+            </a:pPr>
+            <a:r>
+              <a:rPr lang="pl-PL" dirty="0">
+                <a:solidFill>
+                  <a:srgbClr val="AF00DB"/>
+                </a:solidFill>
+                <a:latin typeface="Consolas" panose="020B0609020204030204" pitchFamily="49" charset="0"/>
+              </a:rPr>
+              <a:t>return</a:t>
+            </a:r>
+            <a:r>
+              <a:rPr lang="pl-PL" dirty="0">
+                <a:solidFill>
+                  <a:srgbClr val="000000"/>
+                </a:solidFill>
+                <a:latin typeface="Consolas" panose="020B0609020204030204" pitchFamily="49" charset="0"/>
+              </a:rPr>
+              <a:t> </a:t>
+            </a:r>
+            <a:r>
+              <a:rPr lang="pl-PL" dirty="0" err="1">
+                <a:solidFill>
+                  <a:srgbClr val="001080"/>
+                </a:solidFill>
+                <a:latin typeface="Consolas" panose="020B0609020204030204" pitchFamily="49" charset="0"/>
+              </a:rPr>
+              <a:t>displayName</a:t>
+            </a:r>
+            <a:r>
+              <a:rPr lang="en-GB" dirty="0" err="1">
+                <a:solidFill>
+                  <a:srgbClr val="001080"/>
+                </a:solidFill>
+                <a:latin typeface="Consolas" panose="020B0609020204030204" pitchFamily="49" charset="0"/>
+              </a:rPr>
+              <a:t>Fn</a:t>
+            </a:r>
+            <a:r>
+              <a:rPr lang="pl-PL" dirty="0">
+                <a:solidFill>
+                  <a:srgbClr val="000000"/>
+                </a:solidFill>
+                <a:latin typeface="Consolas" panose="020B0609020204030204" pitchFamily="49" charset="0"/>
+              </a:rPr>
+              <a:t>;</a:t>
+            </a:r>
+          </a:p>
+          <a:p>
+            <a:pPr marL="0" indent="0">
+              <a:buNone/>
+            </a:pPr>
+            <a:r>
+              <a:rPr lang="pl-PL" dirty="0">
+                <a:solidFill>
+                  <a:srgbClr val="000000"/>
+                </a:solidFill>
+                <a:latin typeface="Consolas" panose="020B0609020204030204" pitchFamily="49" charset="0"/>
+              </a:rPr>
+              <a:t>}</a:t>
+            </a:r>
+          </a:p>
+          <a:p>
+            <a:pPr marL="0" indent="0">
+              <a:buNone/>
+            </a:pPr>
+            <a:r>
+              <a:rPr lang="pl-PL" dirty="0" err="1">
+                <a:solidFill>
+                  <a:srgbClr val="0000FF"/>
+                </a:solidFill>
+                <a:latin typeface="Consolas" panose="020B0609020204030204" pitchFamily="49" charset="0"/>
+              </a:rPr>
+              <a:t>var</a:t>
+            </a:r>
+            <a:r>
+              <a:rPr lang="pl-PL" dirty="0">
+                <a:solidFill>
+                  <a:srgbClr val="000000"/>
+                </a:solidFill>
+                <a:latin typeface="Consolas" panose="020B0609020204030204" pitchFamily="49" charset="0"/>
+              </a:rPr>
+              <a:t> </a:t>
+            </a:r>
+            <a:r>
+              <a:rPr lang="pl-PL" dirty="0" err="1">
+                <a:solidFill>
+                  <a:srgbClr val="001080"/>
+                </a:solidFill>
+                <a:latin typeface="Consolas" panose="020B0609020204030204" pitchFamily="49" charset="0"/>
+              </a:rPr>
+              <a:t>myFunc</a:t>
+            </a:r>
+            <a:r>
+              <a:rPr lang="pl-PL" dirty="0">
+                <a:solidFill>
+                  <a:srgbClr val="000000"/>
+                </a:solidFill>
+                <a:latin typeface="Consolas" panose="020B0609020204030204" pitchFamily="49" charset="0"/>
+              </a:rPr>
+              <a:t> = </a:t>
+            </a:r>
+            <a:r>
+              <a:rPr lang="pl-PL" dirty="0" err="1">
+                <a:solidFill>
+                  <a:srgbClr val="795E26"/>
+                </a:solidFill>
+                <a:latin typeface="Consolas" panose="020B0609020204030204" pitchFamily="49" charset="0"/>
+              </a:rPr>
+              <a:t>makeFunc</a:t>
+            </a:r>
+            <a:r>
+              <a:rPr lang="pl-PL" dirty="0">
+                <a:solidFill>
+                  <a:srgbClr val="000000"/>
+                </a:solidFill>
+                <a:latin typeface="Consolas" panose="020B0609020204030204" pitchFamily="49" charset="0"/>
+              </a:rPr>
+              <a:t>();</a:t>
+            </a:r>
+          </a:p>
+          <a:p>
+            <a:pPr marL="0" indent="0">
+              <a:buNone/>
+            </a:pPr>
+            <a:r>
+              <a:rPr lang="pl-PL" dirty="0" err="1">
+                <a:solidFill>
+                  <a:srgbClr val="795E26"/>
+                </a:solidFill>
+                <a:latin typeface="Consolas" panose="020B0609020204030204" pitchFamily="49" charset="0"/>
+              </a:rPr>
+              <a:t>myFunc</a:t>
+            </a:r>
+            <a:r>
+              <a:rPr lang="pl-PL" dirty="0">
+                <a:solidFill>
+                  <a:srgbClr val="000000"/>
+                </a:solidFill>
+                <a:latin typeface="Consolas" panose="020B0609020204030204" pitchFamily="49" charset="0"/>
+              </a:rPr>
+              <a:t>();</a:t>
+            </a:r>
+          </a:p>
+          <a:p>
+            <a:pPr marL="0" indent="0">
+              <a:buNone/>
+            </a:pPr>
             <a:endParaRPr lang="pl-PL" dirty="0"/>
           </a:p>
         </p:txBody>
@@ -5051,7 +6591,284 @@
     </p:spTree>
     <p:extLst>
       <p:ext uri="{BB962C8B-B14F-4D97-AF65-F5344CB8AC3E}">
-        <p14:creationId xmlns:p14="http://schemas.microsoft.com/office/powerpoint/2010/main" val="3828454026"/>
+        <p14:creationId xmlns:p14="http://schemas.microsoft.com/office/powerpoint/2010/main" val="928897282"/>
+      </p:ext>
+    </p:extLst>
+  </p:cSld>
+  <p:clrMapOvr>
+    <a:masterClrMapping/>
+  </p:clrMapOvr>
+</p:sld>
+</file>
+
+<file path=ppt/slides/slide17.xml><?xml version="1.0" encoding="utf-8"?>
+<p:sld xmlns:a="http://schemas.openxmlformats.org/drawingml/2006/main" xmlns:r="http://schemas.openxmlformats.org/officeDocument/2006/relationships" xmlns:p="http://schemas.openxmlformats.org/presentationml/2006/main">
+  <p:cSld>
+    <p:spTree>
+      <p:nvGrpSpPr>
+        <p:cNvPr id="1" name=""/>
+        <p:cNvGrpSpPr/>
+        <p:nvPr/>
+      </p:nvGrpSpPr>
+      <p:grpSpPr>
+        <a:xfrm>
+          <a:off x="0" y="0"/>
+          <a:ext cx="0" cy="0"/>
+          <a:chOff x="0" y="0"/>
+          <a:chExt cx="0" cy="0"/>
+        </a:xfrm>
+      </p:grpSpPr>
+      <p:sp>
+        <p:nvSpPr>
+          <p:cNvPr id="2" name="Tytuł 1">
+            <a:extLst>
+              <a:ext uri="{FF2B5EF4-FFF2-40B4-BE49-F238E27FC236}">
+                <a16:creationId xmlns:a16="http://schemas.microsoft.com/office/drawing/2014/main" id="{DCF8A634-D10B-4AEE-979E-F02F59CC3624}"/>
+              </a:ext>
+            </a:extLst>
+          </p:cNvPr>
+          <p:cNvSpPr>
+            <a:spLocks noGrp="1"/>
+          </p:cNvSpPr>
+          <p:nvPr>
+            <p:ph type="title"/>
+          </p:nvPr>
+        </p:nvSpPr>
+        <p:spPr/>
+        <p:txBody>
+          <a:bodyPr/>
+          <a:lstStyle/>
+          <a:p>
+            <a:r>
+              <a:rPr lang="en-GB" dirty="0"/>
+              <a:t>Objective JS</a:t>
+            </a:r>
+            <a:endParaRPr lang="pl-PL" dirty="0"/>
+          </a:p>
+        </p:txBody>
+      </p:sp>
+      <p:pic>
+        <p:nvPicPr>
+          <p:cNvPr id="4098" name="Picture 2" descr="Image result for class diagram">
+            <a:extLst>
+              <a:ext uri="{FF2B5EF4-FFF2-40B4-BE49-F238E27FC236}">
+                <a16:creationId xmlns:a16="http://schemas.microsoft.com/office/drawing/2014/main" id="{2D4368A4-1C04-4963-A04E-B4BBF421717C}"/>
+              </a:ext>
+            </a:extLst>
+          </p:cNvPr>
+          <p:cNvPicPr>
+            <a:picLocks noChangeAspect="1" noChangeArrowheads="1"/>
+          </p:cNvPicPr>
+          <p:nvPr/>
+        </p:nvPicPr>
+        <p:blipFill>
+          <a:blip r:embed="rId2">
+            <a:extLst>
+              <a:ext uri="{28A0092B-C50C-407E-A947-70E740481C1C}">
+                <a14:useLocalDpi xmlns:a14="http://schemas.microsoft.com/office/drawing/2010/main" val="0"/>
+              </a:ext>
+            </a:extLst>
+          </a:blip>
+          <a:srcRect/>
+          <a:stretch>
+            <a:fillRect/>
+          </a:stretch>
+        </p:blipFill>
+        <p:spPr bwMode="auto">
+          <a:xfrm>
+            <a:off x="1597794" y="1786617"/>
+            <a:ext cx="7109792" cy="3815286"/>
+          </a:xfrm>
+          <a:prstGeom prst="rect">
+            <a:avLst/>
+          </a:prstGeom>
+          <a:noFill/>
+          <a:extLst>
+            <a:ext uri="{909E8E84-426E-40DD-AFC4-6F175D3DCCD1}">
+              <a14:hiddenFill xmlns:a14="http://schemas.microsoft.com/office/drawing/2010/main">
+                <a:solidFill>
+                  <a:srgbClr val="FFFFFF"/>
+                </a:solidFill>
+              </a14:hiddenFill>
+            </a:ext>
+          </a:extLst>
+        </p:spPr>
+      </p:pic>
+    </p:spTree>
+    <p:extLst>
+      <p:ext uri="{BB962C8B-B14F-4D97-AF65-F5344CB8AC3E}">
+        <p14:creationId xmlns:p14="http://schemas.microsoft.com/office/powerpoint/2010/main" val="245088865"/>
+      </p:ext>
+    </p:extLst>
+  </p:cSld>
+  <p:clrMapOvr>
+    <a:masterClrMapping/>
+  </p:clrMapOvr>
+</p:sld>
+</file>
+
+<file path=ppt/slides/slide18.xml><?xml version="1.0" encoding="utf-8"?>
+<p:sld xmlns:a="http://schemas.openxmlformats.org/drawingml/2006/main" xmlns:r="http://schemas.openxmlformats.org/officeDocument/2006/relationships" xmlns:p="http://schemas.openxmlformats.org/presentationml/2006/main">
+  <p:cSld>
+    <p:spTree>
+      <p:nvGrpSpPr>
+        <p:cNvPr id="1" name=""/>
+        <p:cNvGrpSpPr/>
+        <p:nvPr/>
+      </p:nvGrpSpPr>
+      <p:grpSpPr>
+        <a:xfrm>
+          <a:off x="0" y="0"/>
+          <a:ext cx="0" cy="0"/>
+          <a:chOff x="0" y="0"/>
+          <a:chExt cx="0" cy="0"/>
+        </a:xfrm>
+      </p:grpSpPr>
+      <p:sp>
+        <p:nvSpPr>
+          <p:cNvPr id="2" name="Tytuł 1">
+            <a:extLst>
+              <a:ext uri="{FF2B5EF4-FFF2-40B4-BE49-F238E27FC236}">
+                <a16:creationId xmlns:a16="http://schemas.microsoft.com/office/drawing/2014/main" id="{2FD44348-DB0D-479F-ACB9-279F5BB62C18}"/>
+              </a:ext>
+            </a:extLst>
+          </p:cNvPr>
+          <p:cNvSpPr>
+            <a:spLocks noGrp="1"/>
+          </p:cNvSpPr>
+          <p:nvPr>
+            <p:ph type="title"/>
+          </p:nvPr>
+        </p:nvSpPr>
+        <p:spPr/>
+        <p:txBody>
+          <a:bodyPr/>
+          <a:lstStyle/>
+          <a:p>
+            <a:r>
+              <a:rPr lang="en-GB" dirty="0"/>
+              <a:t>Literal Object - Objective JS</a:t>
+            </a:r>
+            <a:endParaRPr lang="pl-PL" dirty="0"/>
+          </a:p>
+        </p:txBody>
+      </p:sp>
+      <p:sp>
+        <p:nvSpPr>
+          <p:cNvPr id="3" name="Symbol zastępczy zawartości 2">
+            <a:extLst>
+              <a:ext uri="{FF2B5EF4-FFF2-40B4-BE49-F238E27FC236}">
+                <a16:creationId xmlns:a16="http://schemas.microsoft.com/office/drawing/2014/main" id="{FF119F87-BF63-4479-A53C-91F0630B0838}"/>
+              </a:ext>
+            </a:extLst>
+          </p:cNvPr>
+          <p:cNvSpPr>
+            <a:spLocks noGrp="1"/>
+          </p:cNvSpPr>
+          <p:nvPr>
+            <p:ph idx="1"/>
+          </p:nvPr>
+        </p:nvSpPr>
+        <p:spPr/>
+        <p:txBody>
+          <a:bodyPr/>
+          <a:lstStyle/>
+          <a:p>
+            <a:endParaRPr lang="en-GB" dirty="0"/>
+          </a:p>
+          <a:p>
+            <a:endParaRPr lang="pl-PL" dirty="0"/>
+          </a:p>
+        </p:txBody>
+      </p:sp>
+    </p:spTree>
+    <p:extLst>
+      <p:ext uri="{BB962C8B-B14F-4D97-AF65-F5344CB8AC3E}">
+        <p14:creationId xmlns:p14="http://schemas.microsoft.com/office/powerpoint/2010/main" val="3037676568"/>
+      </p:ext>
+    </p:extLst>
+  </p:cSld>
+  <p:clrMapOvr>
+    <a:masterClrMapping/>
+  </p:clrMapOvr>
+</p:sld>
+</file>
+
+<file path=ppt/slides/slide19.xml><?xml version="1.0" encoding="utf-8"?>
+<p:sld xmlns:a="http://schemas.openxmlformats.org/drawingml/2006/main" xmlns:r="http://schemas.openxmlformats.org/officeDocument/2006/relationships" xmlns:p="http://schemas.openxmlformats.org/presentationml/2006/main">
+  <p:cSld>
+    <p:spTree>
+      <p:nvGrpSpPr>
+        <p:cNvPr id="1" name=""/>
+        <p:cNvGrpSpPr/>
+        <p:nvPr/>
+      </p:nvGrpSpPr>
+      <p:grpSpPr>
+        <a:xfrm>
+          <a:off x="0" y="0"/>
+          <a:ext cx="0" cy="0"/>
+          <a:chOff x="0" y="0"/>
+          <a:chExt cx="0" cy="0"/>
+        </a:xfrm>
+      </p:grpSpPr>
+      <p:sp>
+        <p:nvSpPr>
+          <p:cNvPr id="2" name="Tytuł 1">
+            <a:extLst>
+              <a:ext uri="{FF2B5EF4-FFF2-40B4-BE49-F238E27FC236}">
+                <a16:creationId xmlns:a16="http://schemas.microsoft.com/office/drawing/2014/main" id="{0729E6BE-B243-4F45-A1B5-D3972A7C19C6}"/>
+              </a:ext>
+            </a:extLst>
+          </p:cNvPr>
+          <p:cNvSpPr>
+            <a:spLocks noGrp="1"/>
+          </p:cNvSpPr>
+          <p:nvPr>
+            <p:ph type="title"/>
+          </p:nvPr>
+        </p:nvSpPr>
+        <p:spPr/>
+        <p:txBody>
+          <a:bodyPr/>
+          <a:lstStyle/>
+          <a:p>
+            <a:r>
+              <a:rPr lang="en-GB" dirty="0"/>
+              <a:t>Prototype</a:t>
+            </a:r>
+            <a:endParaRPr lang="pl-PL" dirty="0"/>
+          </a:p>
+        </p:txBody>
+      </p:sp>
+      <p:sp>
+        <p:nvSpPr>
+          <p:cNvPr id="3" name="Symbol zastępczy zawartości 2">
+            <a:extLst>
+              <a:ext uri="{FF2B5EF4-FFF2-40B4-BE49-F238E27FC236}">
+                <a16:creationId xmlns:a16="http://schemas.microsoft.com/office/drawing/2014/main" id="{959E9E0F-F50D-406E-A0C1-3AEE33795D86}"/>
+              </a:ext>
+            </a:extLst>
+          </p:cNvPr>
+          <p:cNvSpPr>
+            <a:spLocks noGrp="1"/>
+          </p:cNvSpPr>
+          <p:nvPr>
+            <p:ph idx="1"/>
+          </p:nvPr>
+        </p:nvSpPr>
+        <p:spPr/>
+        <p:txBody>
+          <a:bodyPr/>
+          <a:lstStyle/>
+          <a:p>
+            <a:endParaRPr lang="pl-PL"/>
+          </a:p>
+        </p:txBody>
+      </p:sp>
+    </p:spTree>
+    <p:extLst>
+      <p:ext uri="{BB962C8B-B14F-4D97-AF65-F5344CB8AC3E}">
+        <p14:creationId xmlns:p14="http://schemas.microsoft.com/office/powerpoint/2010/main" val="947438505"/>
       </p:ext>
     </p:extLst>
   </p:cSld>
@@ -5193,10 +7010,341 @@
           </a:p>
         </p:txBody>
       </p:sp>
+      <p:pic>
+        <p:nvPicPr>
+          <p:cNvPr id="5" name="Obraz 4">
+            <a:extLst>
+              <a:ext uri="{FF2B5EF4-FFF2-40B4-BE49-F238E27FC236}">
+                <a16:creationId xmlns:a16="http://schemas.microsoft.com/office/drawing/2014/main" id="{0F95A2E4-2AF9-4825-A8B6-CE3850EF538F}"/>
+              </a:ext>
+            </a:extLst>
+          </p:cNvPr>
+          <p:cNvPicPr>
+            <a:picLocks noChangeAspect="1"/>
+          </p:cNvPicPr>
+          <p:nvPr/>
+        </p:nvPicPr>
+        <p:blipFill>
+          <a:blip r:embed="rId2">
+            <a:extLst>
+              <a:ext uri="{28A0092B-C50C-407E-A947-70E740481C1C}">
+                <a14:useLocalDpi xmlns:a14="http://schemas.microsoft.com/office/drawing/2010/main" val="0"/>
+              </a:ext>
+            </a:extLst>
+          </a:blip>
+          <a:stretch>
+            <a:fillRect/>
+          </a:stretch>
+        </p:blipFill>
+        <p:spPr>
+          <a:xfrm rot="10800000">
+            <a:off x="8213558" y="180473"/>
+            <a:ext cx="2576361" cy="1932270"/>
+          </a:xfrm>
+          <a:prstGeom prst="rect">
+            <a:avLst/>
+          </a:prstGeom>
+        </p:spPr>
+      </p:pic>
     </p:spTree>
     <p:extLst>
       <p:ext uri="{BB962C8B-B14F-4D97-AF65-F5344CB8AC3E}">
         <p14:creationId xmlns:p14="http://schemas.microsoft.com/office/powerpoint/2010/main" val="2075266003"/>
+      </p:ext>
+    </p:extLst>
+  </p:cSld>
+  <p:clrMapOvr>
+    <a:masterClrMapping/>
+  </p:clrMapOvr>
+</p:sld>
+</file>
+
+<file path=ppt/slides/slide20.xml><?xml version="1.0" encoding="utf-8"?>
+<p:sld xmlns:a="http://schemas.openxmlformats.org/drawingml/2006/main" xmlns:r="http://schemas.openxmlformats.org/officeDocument/2006/relationships" xmlns:p="http://schemas.openxmlformats.org/presentationml/2006/main">
+  <p:cSld>
+    <p:spTree>
+      <p:nvGrpSpPr>
+        <p:cNvPr id="1" name=""/>
+        <p:cNvGrpSpPr/>
+        <p:nvPr/>
+      </p:nvGrpSpPr>
+      <p:grpSpPr>
+        <a:xfrm>
+          <a:off x="0" y="0"/>
+          <a:ext cx="0" cy="0"/>
+          <a:chOff x="0" y="0"/>
+          <a:chExt cx="0" cy="0"/>
+        </a:xfrm>
+      </p:grpSpPr>
+      <p:sp>
+        <p:nvSpPr>
+          <p:cNvPr id="2" name="Tytuł 1">
+            <a:extLst>
+              <a:ext uri="{FF2B5EF4-FFF2-40B4-BE49-F238E27FC236}">
+                <a16:creationId xmlns:a16="http://schemas.microsoft.com/office/drawing/2014/main" id="{61A2DA06-8B01-4974-8F7A-23DC022141DE}"/>
+              </a:ext>
+            </a:extLst>
+          </p:cNvPr>
+          <p:cNvSpPr>
+            <a:spLocks noGrp="1"/>
+          </p:cNvSpPr>
+          <p:nvPr>
+            <p:ph type="title"/>
+          </p:nvPr>
+        </p:nvSpPr>
+        <p:spPr/>
+        <p:txBody>
+          <a:bodyPr/>
+          <a:lstStyle/>
+          <a:p>
+            <a:r>
+              <a:rPr lang="en-GB" dirty="0"/>
+              <a:t>Module pattern</a:t>
+            </a:r>
+            <a:endParaRPr lang="pl-PL" dirty="0"/>
+          </a:p>
+        </p:txBody>
+      </p:sp>
+      <p:sp>
+        <p:nvSpPr>
+          <p:cNvPr id="3" name="Symbol zastępczy zawartości 2">
+            <a:extLst>
+              <a:ext uri="{FF2B5EF4-FFF2-40B4-BE49-F238E27FC236}">
+                <a16:creationId xmlns:a16="http://schemas.microsoft.com/office/drawing/2014/main" id="{2F9FF454-6407-4A9C-A7EE-A7D254067D29}"/>
+              </a:ext>
+            </a:extLst>
+          </p:cNvPr>
+          <p:cNvSpPr>
+            <a:spLocks noGrp="1"/>
+          </p:cNvSpPr>
+          <p:nvPr>
+            <p:ph idx="1"/>
+          </p:nvPr>
+        </p:nvSpPr>
+        <p:spPr/>
+        <p:txBody>
+          <a:bodyPr/>
+          <a:lstStyle/>
+          <a:p>
+            <a:endParaRPr lang="pl-PL"/>
+          </a:p>
+        </p:txBody>
+      </p:sp>
+    </p:spTree>
+    <p:extLst>
+      <p:ext uri="{BB962C8B-B14F-4D97-AF65-F5344CB8AC3E}">
+        <p14:creationId xmlns:p14="http://schemas.microsoft.com/office/powerpoint/2010/main" val="1872229659"/>
+      </p:ext>
+    </p:extLst>
+  </p:cSld>
+  <p:clrMapOvr>
+    <a:masterClrMapping/>
+  </p:clrMapOvr>
+</p:sld>
+</file>
+
+<file path=ppt/slides/slide21.xml><?xml version="1.0" encoding="utf-8"?>
+<p:sld xmlns:a="http://schemas.openxmlformats.org/drawingml/2006/main" xmlns:r="http://schemas.openxmlformats.org/officeDocument/2006/relationships" xmlns:p="http://schemas.openxmlformats.org/presentationml/2006/main">
+  <p:cSld>
+    <p:spTree>
+      <p:nvGrpSpPr>
+        <p:cNvPr id="1" name=""/>
+        <p:cNvGrpSpPr/>
+        <p:nvPr/>
+      </p:nvGrpSpPr>
+      <p:grpSpPr>
+        <a:xfrm>
+          <a:off x="0" y="0"/>
+          <a:ext cx="0" cy="0"/>
+          <a:chOff x="0" y="0"/>
+          <a:chExt cx="0" cy="0"/>
+        </a:xfrm>
+      </p:grpSpPr>
+      <p:sp>
+        <p:nvSpPr>
+          <p:cNvPr id="2" name="Tytuł 1">
+            <a:extLst>
+              <a:ext uri="{FF2B5EF4-FFF2-40B4-BE49-F238E27FC236}">
+                <a16:creationId xmlns:a16="http://schemas.microsoft.com/office/drawing/2014/main" id="{7A924111-12E4-45C0-867E-B4E651A25396}"/>
+              </a:ext>
+            </a:extLst>
+          </p:cNvPr>
+          <p:cNvSpPr>
+            <a:spLocks noGrp="1"/>
+          </p:cNvSpPr>
+          <p:nvPr>
+            <p:ph type="title"/>
+          </p:nvPr>
+        </p:nvSpPr>
+        <p:spPr/>
+        <p:txBody>
+          <a:bodyPr/>
+          <a:lstStyle/>
+          <a:p>
+            <a:r>
+              <a:rPr lang="en-GB"/>
+              <a:t>ECMA5</a:t>
+            </a:r>
+            <a:endParaRPr lang="pl-PL"/>
+          </a:p>
+        </p:txBody>
+      </p:sp>
+      <p:sp>
+        <p:nvSpPr>
+          <p:cNvPr id="3" name="Symbol zastępczy zawartości 2">
+            <a:extLst>
+              <a:ext uri="{FF2B5EF4-FFF2-40B4-BE49-F238E27FC236}">
+                <a16:creationId xmlns:a16="http://schemas.microsoft.com/office/drawing/2014/main" id="{D32C2D9E-36B7-4B4A-9E41-86FC5C7DFE4F}"/>
+              </a:ext>
+            </a:extLst>
+          </p:cNvPr>
+          <p:cNvSpPr>
+            <a:spLocks noGrp="1"/>
+          </p:cNvSpPr>
+          <p:nvPr>
+            <p:ph idx="1"/>
+          </p:nvPr>
+        </p:nvSpPr>
+        <p:spPr/>
+        <p:txBody>
+          <a:bodyPr/>
+          <a:lstStyle/>
+          <a:p>
+            <a:endParaRPr lang="pl-PL"/>
+          </a:p>
+        </p:txBody>
+      </p:sp>
+    </p:spTree>
+    <p:extLst>
+      <p:ext uri="{BB962C8B-B14F-4D97-AF65-F5344CB8AC3E}">
+        <p14:creationId xmlns:p14="http://schemas.microsoft.com/office/powerpoint/2010/main" val="606810457"/>
+      </p:ext>
+    </p:extLst>
+  </p:cSld>
+  <p:clrMapOvr>
+    <a:masterClrMapping/>
+  </p:clrMapOvr>
+</p:sld>
+</file>
+
+<file path=ppt/slides/slide22.xml><?xml version="1.0" encoding="utf-8"?>
+<p:sld xmlns:a="http://schemas.openxmlformats.org/drawingml/2006/main" xmlns:r="http://schemas.openxmlformats.org/officeDocument/2006/relationships" xmlns:p="http://schemas.openxmlformats.org/presentationml/2006/main">
+  <p:cSld>
+    <p:spTree>
+      <p:nvGrpSpPr>
+        <p:cNvPr id="1" name=""/>
+        <p:cNvGrpSpPr/>
+        <p:nvPr/>
+      </p:nvGrpSpPr>
+      <p:grpSpPr>
+        <a:xfrm>
+          <a:off x="0" y="0"/>
+          <a:ext cx="0" cy="0"/>
+          <a:chOff x="0" y="0"/>
+          <a:chExt cx="0" cy="0"/>
+        </a:xfrm>
+      </p:grpSpPr>
+      <p:sp>
+        <p:nvSpPr>
+          <p:cNvPr id="2" name="Tytuł 1">
+            <a:extLst>
+              <a:ext uri="{FF2B5EF4-FFF2-40B4-BE49-F238E27FC236}">
+                <a16:creationId xmlns:a16="http://schemas.microsoft.com/office/drawing/2014/main" id="{5FADE656-23A3-472B-9028-539E41BF4431}"/>
+              </a:ext>
+            </a:extLst>
+          </p:cNvPr>
+          <p:cNvSpPr>
+            <a:spLocks noGrp="1"/>
+          </p:cNvSpPr>
+          <p:nvPr>
+            <p:ph type="title"/>
+          </p:nvPr>
+        </p:nvSpPr>
+        <p:spPr/>
+        <p:txBody>
+          <a:bodyPr/>
+          <a:lstStyle/>
+          <a:p>
+            <a:r>
+              <a:rPr lang="en-GB" dirty="0"/>
+              <a:t>References</a:t>
+            </a:r>
+            <a:endParaRPr lang="pl-PL" dirty="0"/>
+          </a:p>
+        </p:txBody>
+      </p:sp>
+      <p:sp>
+        <p:nvSpPr>
+          <p:cNvPr id="3" name="Symbol zastępczy zawartości 2">
+            <a:extLst>
+              <a:ext uri="{FF2B5EF4-FFF2-40B4-BE49-F238E27FC236}">
+                <a16:creationId xmlns:a16="http://schemas.microsoft.com/office/drawing/2014/main" id="{3C1B7354-5CB8-4095-B8FB-473185CF846B}"/>
+              </a:ext>
+            </a:extLst>
+          </p:cNvPr>
+          <p:cNvSpPr>
+            <a:spLocks noGrp="1"/>
+          </p:cNvSpPr>
+          <p:nvPr>
+            <p:ph idx="1"/>
+          </p:nvPr>
+        </p:nvSpPr>
+        <p:spPr/>
+        <p:txBody>
+          <a:bodyPr/>
+          <a:lstStyle/>
+          <a:p>
+            <a:r>
+              <a:rPr lang="pl-PL" dirty="0">
+                <a:hlinkClick r:id="rId2"/>
+              </a:rPr>
+              <a:t>https://app.pluralsight.com/library/courses/javascript-from-fundamentals-to-functional-js/table-of-contents</a:t>
+            </a:r>
+            <a:r>
+              <a:rPr lang="en-GB" dirty="0"/>
+              <a:t> </a:t>
+            </a:r>
+          </a:p>
+          <a:p>
+            <a:endParaRPr lang="en-GB" dirty="0">
+              <a:hlinkClick r:id="rId3"/>
+            </a:endParaRPr>
+          </a:p>
+          <a:p>
+            <a:r>
+              <a:rPr lang="pl-PL" dirty="0">
+                <a:hlinkClick r:id="rId3"/>
+              </a:rPr>
+              <a:t>https://developer.mozilla.org/</a:t>
+            </a:r>
+            <a:r>
+              <a:rPr lang="en-GB" dirty="0"/>
+              <a:t> </a:t>
+            </a:r>
+          </a:p>
+          <a:p>
+            <a:endParaRPr lang="en-US" dirty="0"/>
+          </a:p>
+          <a:p>
+            <a:r>
+              <a:rPr lang="en-US" dirty="0"/>
+              <a:t>“JavaScript: The Good Parts”, by Douglas </a:t>
+            </a:r>
+            <a:r>
+              <a:rPr lang="en-US" dirty="0" err="1"/>
+              <a:t>Crockford</a:t>
+            </a:r>
+            <a:endParaRPr lang="en-US" dirty="0"/>
+          </a:p>
+          <a:p>
+            <a:endParaRPr lang="pl-PL" dirty="0"/>
+          </a:p>
+        </p:txBody>
+      </p:sp>
+    </p:spTree>
+    <p:extLst>
+      <p:ext uri="{BB962C8B-B14F-4D97-AF65-F5344CB8AC3E}">
+        <p14:creationId xmlns:p14="http://schemas.microsoft.com/office/powerpoint/2010/main" val="2962670193"/>
       </p:ext>
     </p:extLst>
   </p:cSld>
@@ -5270,9 +7418,22 @@
         </p:nvSpPr>
         <p:spPr/>
         <p:txBody>
-          <a:bodyPr/>
-          <a:lstStyle/>
-          <a:p>
+          <a:bodyPr>
+            <a:normAutofit/>
+          </a:bodyPr>
+          <a:lstStyle/>
+          <a:p>
+            <a:pPr marL="514350" indent="-514350">
+              <a:buFont typeface="+mj-lt"/>
+              <a:buAutoNum type="arabicPeriod"/>
+            </a:pPr>
+            <a:endParaRPr lang="en-GB" dirty="0"/>
+          </a:p>
+          <a:p>
+            <a:pPr marL="514350" indent="-514350">
+              <a:buFont typeface="+mj-lt"/>
+              <a:buAutoNum type="arabicPeriod"/>
+            </a:pPr>
             <a:r>
               <a:rPr lang="en-GB" dirty="0"/>
               <a:t>Understanding JS</a:t>
@@ -5282,36 +7443,48 @@
             <a:pPr lvl="1"/>
             <a:r>
               <a:rPr lang="en-GB" dirty="0"/>
-              <a:t>JS similar and different to modern languages (scopes, closure, hoisting)</a:t>
-            </a:r>
-          </a:p>
-          <a:p>
+              <a:t>scopes, closure, hoisting</a:t>
+            </a:r>
+          </a:p>
+          <a:p>
+            <a:pPr marL="514350" indent="-514350">
+              <a:buFont typeface="+mj-lt"/>
+              <a:buAutoNum type="arabicPeriod"/>
+            </a:pPr>
             <a:r>
               <a:rPr lang="en-GB" dirty="0"/>
-              <a:t>Objective JS: </a:t>
-            </a:r>
-            <a:r>
-              <a:rPr lang="en-GB" dirty="0" err="1"/>
-              <a:t>obj</a:t>
-            </a:r>
+              <a:t>Objective JS </a:t>
+            </a:r>
+          </a:p>
+          <a:p>
+            <a:pPr lvl="1"/>
             <a:r>
               <a:rPr lang="en-GB" dirty="0"/>
-              <a:t> literal, prototype, module pattern</a:t>
-            </a:r>
-          </a:p>
-          <a:p>
+              <a:t>object literal, prototype, module pattern</a:t>
+            </a:r>
+          </a:p>
+          <a:p>
+            <a:pPr marL="514350" indent="-514350">
+              <a:buFont typeface="+mj-lt"/>
+              <a:buAutoNum type="arabicPeriod"/>
+            </a:pPr>
             <a:r>
               <a:rPr lang="en-GB" dirty="0"/>
-              <a:t>ECMA5 array functions, strict mode,</a:t>
-            </a:r>
-          </a:p>
-          <a:p>
-            <a:pPr marL="457200" lvl="1" indent="0">
-              <a:buNone/>
-            </a:pPr>
-            <a:endParaRPr lang="en-GB" dirty="0"/>
-          </a:p>
-          <a:p>
+              <a:t>ECMA5</a:t>
+            </a:r>
+          </a:p>
+          <a:p>
+            <a:pPr lvl="1"/>
+            <a:r>
+              <a:rPr lang="en-GB" dirty="0"/>
+              <a:t> array functions, strict mode,</a:t>
+            </a:r>
+          </a:p>
+          <a:p>
+            <a:pPr marL="514350" indent="-514350">
+              <a:buFont typeface="+mj-lt"/>
+              <a:buAutoNum type="arabicPeriod"/>
+            </a:pPr>
             <a:r>
               <a:rPr lang="en-GB" dirty="0"/>
               <a:t>Future and necessary fixes</a:t>
@@ -5321,14 +7494,7 @@
             <a:pPr lvl="1"/>
             <a:r>
               <a:rPr lang="en-GB" dirty="0"/>
-              <a:t>ECMA2015</a:t>
-            </a:r>
-          </a:p>
-          <a:p>
-            <a:pPr lvl="1"/>
-            <a:r>
-              <a:rPr lang="en-GB" dirty="0"/>
-              <a:t>TypeScript</a:t>
+              <a:t>ECMA2015, TypeScript</a:t>
             </a:r>
           </a:p>
           <a:p>
@@ -5712,7 +7878,7 @@
             </a:r>
             <a:r>
               <a:rPr lang="en-US" dirty="0"/>
-              <a:t> have only two type of </a:t>
+              <a:t> has only two types of </a:t>
             </a:r>
             <a:r>
               <a:rPr lang="en-US" b="1" dirty="0"/>
@@ -5885,7 +8051,7 @@
           <a:p>
             <a:r>
               <a:rPr lang="en-GB" dirty="0"/>
-              <a:t>	“function” create a local scope </a:t>
+              <a:t>	“function” create a scope </a:t>
             </a:r>
             <a:endParaRPr lang="pl-PL" dirty="0"/>
           </a:p>
@@ -5905,7 +8071,7 @@
         </p:nvSpPr>
         <p:spPr>
           <a:xfrm>
-            <a:off x="641075" y="2981738"/>
+            <a:off x="641075" y="3338512"/>
             <a:ext cx="5262768" cy="1325563"/>
           </a:xfrm>
           <a:prstGeom prst="roundRect">
@@ -6055,7 +8221,7 @@
                 <a:ea typeface="Times New Roman" panose="02020603050405020304" pitchFamily="18" charset="0"/>
                 <a:cs typeface="Times New Roman" panose="02020603050405020304" pitchFamily="18" charset="0"/>
               </a:rPr>
-              <a:t>‘OUTER'</a:t>
+              <a:t>‘OUTER’</a:t>
             </a:r>
             <a:r>
               <a:rPr lang="en-GB" b="1" u="sng" dirty="0">
@@ -6068,6 +8234,17 @@
               </a:rPr>
               <a:t>;</a:t>
             </a:r>
+          </a:p>
+          <a:p>
+            <a:pPr marL="0" indent="0">
+              <a:lnSpc>
+                <a:spcPts val="1425"/>
+              </a:lnSpc>
+              <a:spcAft>
+                <a:spcPts val="0"/>
+              </a:spcAft>
+              <a:buNone/>
+            </a:pPr>
             <a:endParaRPr lang="pl-PL" sz="3200" b="1" u="sng" dirty="0">
               <a:latin typeface="Calibri" panose="020F0502020204030204" pitchFamily="34" charset="0"/>
               <a:ea typeface="Calibri" panose="020F0502020204030204" pitchFamily="34" charset="0"/>
@@ -6766,7 +8943,7 @@
                                         <p:tgtEl>
                                           <p:spTgt spid="3">
                                             <p:txEl>
-                                              <p:pRg st="2" end="2"/>
+                                              <p:pRg st="3" end="3"/>
                                             </p:txEl>
                                           </p:spTgt>
                                         </p:tgtEl>
@@ -6797,7 +8974,7 @@
                                         <p:tgtEl>
                                           <p:spTgt spid="3">
                                             <p:txEl>
-                                              <p:pRg st="3" end="3"/>
+                                              <p:pRg st="4" end="4"/>
                                             </p:txEl>
                                           </p:spTgt>
                                         </p:tgtEl>
@@ -6828,7 +9005,7 @@
                                         <p:tgtEl>
                                           <p:spTgt spid="3">
                                             <p:txEl>
-                                              <p:pRg st="5" end="5"/>
+                                              <p:pRg st="6" end="6"/>
                                             </p:txEl>
                                           </p:spTgt>
                                         </p:tgtEl>
@@ -6859,7 +9036,7 @@
                                         <p:tgtEl>
                                           <p:spTgt spid="3">
                                             <p:txEl>
-                                              <p:pRg st="7" end="7"/>
+                                              <p:pRg st="8" end="8"/>
                                             </p:txEl>
                                           </p:spTgt>
                                         </p:tgtEl>
@@ -6890,7 +9067,7 @@
                                         <p:tgtEl>
                                           <p:spTgt spid="3">
                                             <p:txEl>
-                                              <p:pRg st="8" end="8"/>
+                                              <p:pRg st="9" end="9"/>
                                             </p:txEl>
                                           </p:spTgt>
                                         </p:tgtEl>
@@ -6921,7 +9098,7 @@
                                         <p:tgtEl>
                                           <p:spTgt spid="3">
                                             <p:txEl>
-                                              <p:pRg st="9" end="9"/>
+                                              <p:pRg st="10" end="10"/>
                                             </p:txEl>
                                           </p:spTgt>
                                         </p:tgtEl>
@@ -6952,7 +9129,7 @@
                                         <p:tgtEl>
                                           <p:spTgt spid="3">
                                             <p:txEl>
-                                              <p:pRg st="10" end="10"/>
+                                              <p:pRg st="11" end="11"/>
                                             </p:txEl>
                                           </p:spTgt>
                                         </p:tgtEl>
@@ -7079,7 +9256,7 @@
         </p:nvSpPr>
         <p:spPr>
           <a:xfrm>
-            <a:off x="778566" y="3021496"/>
+            <a:off x="806989" y="3278553"/>
             <a:ext cx="5989982" cy="993913"/>
           </a:xfrm>
           <a:prstGeom prst="roundRect">
@@ -7165,7 +9342,19 @@
           <a:p>
             <a:r>
               <a:rPr lang="en-GB" dirty="0"/>
-              <a:t>       for, if, while  doesn’t create a local scope</a:t>
+              <a:t>       “</a:t>
+            </a:r>
+            <a:r>
+              <a:rPr lang="en-GB" b="1" u="sng" dirty="0"/>
+              <a:t>for”, “if”, “while”</a:t>
+            </a:r>
+            <a:r>
+              <a:rPr lang="en-GB" b="1" dirty="0"/>
+              <a:t>  </a:t>
+            </a:r>
+            <a:r>
+              <a:rPr lang="en-GB" dirty="0"/>
+              <a:t>don’t create a scope</a:t>
             </a:r>
             <a:endParaRPr lang="pl-PL" dirty="0"/>
           </a:p>
@@ -7190,12 +9379,12 @@
         <p:spPr>
           <a:xfrm>
             <a:off x="937590" y="1825625"/>
-            <a:ext cx="10515600" cy="4351338"/>
+            <a:ext cx="10515600" cy="4353794"/>
           </a:xfrm>
         </p:spPr>
         <p:txBody>
           <a:bodyPr>
-            <a:normAutofit lnSpcReduction="10000"/>
+            <a:normAutofit/>
           </a:bodyPr>
           <a:lstStyle/>
           <a:p>
@@ -7280,7 +9469,7 @@
                 <a:ea typeface="Times New Roman" panose="02020603050405020304" pitchFamily="18" charset="0"/>
                 <a:cs typeface="Times New Roman" panose="02020603050405020304" pitchFamily="18" charset="0"/>
               </a:rPr>
-              <a:t>‘OUTER'</a:t>
+              <a:t>‘OUTER’</a:t>
             </a:r>
             <a:r>
               <a:rPr lang="en-GB" u="sng" dirty="0">
@@ -7293,35 +9482,6 @@
               </a:rPr>
               <a:t>;</a:t>
             </a:r>
-            <a:endParaRPr lang="pl-PL" sz="3200" u="sng" dirty="0">
-              <a:latin typeface="Calibri" panose="020F0502020204030204" pitchFamily="34" charset="0"/>
-              <a:ea typeface="Calibri" panose="020F0502020204030204" pitchFamily="34" charset="0"/>
-              <a:cs typeface="Times New Roman" panose="02020603050405020304" pitchFamily="18" charset="0"/>
-            </a:endParaRPr>
-          </a:p>
-          <a:p>
-            <a:pPr marL="0" indent="0">
-              <a:lnSpc>
-                <a:spcPts val="1425"/>
-              </a:lnSpc>
-              <a:buNone/>
-            </a:pPr>
-            <a:r>
-              <a:rPr lang="en-GB" dirty="0">
-                <a:solidFill>
-                  <a:srgbClr val="000000"/>
-                </a:solidFill>
-                <a:latin typeface="Consolas" panose="020B0609020204030204" pitchFamily="49" charset="0"/>
-                <a:ea typeface="Times New Roman" panose="02020603050405020304" pitchFamily="18" charset="0"/>
-                <a:cs typeface="Times New Roman" panose="02020603050405020304" pitchFamily="18" charset="0"/>
-              </a:rPr>
-              <a:t> </a:t>
-            </a:r>
-            <a:endParaRPr lang="pl-PL" sz="3200" dirty="0">
-              <a:latin typeface="Calibri" panose="020F0502020204030204" pitchFamily="34" charset="0"/>
-              <a:ea typeface="Calibri" panose="020F0502020204030204" pitchFamily="34" charset="0"/>
-              <a:cs typeface="Times New Roman" panose="02020603050405020304" pitchFamily="18" charset="0"/>
-            </a:endParaRPr>
           </a:p>
           <a:p>
             <a:pPr marL="0" indent="0">
@@ -7333,19 +9493,21 @@
               </a:spcAft>
               <a:buNone/>
             </a:pPr>
-            <a:r>
-              <a:rPr lang="en-GB" sz="3600" b="1" dirty="0">
-                <a:solidFill>
-                  <a:srgbClr val="AF00DB"/>
-                </a:solidFill>
-                <a:latin typeface="Consolas" panose="020B0609020204030204" pitchFamily="49" charset="0"/>
-                <a:ea typeface="Times New Roman" panose="02020603050405020304" pitchFamily="18" charset="0"/>
-                <a:cs typeface="Times New Roman" panose="02020603050405020304" pitchFamily="18" charset="0"/>
-              </a:rPr>
-              <a:t>for / if / while</a:t>
-            </a:r>
-            <a:r>
-              <a:rPr lang="en-GB" sz="3600" b="1" dirty="0">
+            <a:endParaRPr lang="pl-PL" sz="3200" u="sng" dirty="0">
+              <a:latin typeface="Calibri" panose="020F0502020204030204" pitchFamily="34" charset="0"/>
+              <a:ea typeface="Calibri" panose="020F0502020204030204" pitchFamily="34" charset="0"/>
+              <a:cs typeface="Times New Roman" panose="02020603050405020304" pitchFamily="18" charset="0"/>
+            </a:endParaRPr>
+          </a:p>
+          <a:p>
+            <a:pPr marL="0" indent="0">
+              <a:lnSpc>
+                <a:spcPts val="1425"/>
+              </a:lnSpc>
+              <a:buNone/>
+            </a:pPr>
+            <a:r>
+              <a:rPr lang="en-GB" dirty="0">
                 <a:solidFill>
                   <a:srgbClr val="000000"/>
                 </a:solidFill>
@@ -7353,29 +9515,7 @@
                 <a:ea typeface="Times New Roman" panose="02020603050405020304" pitchFamily="18" charset="0"/>
                 <a:cs typeface="Times New Roman" panose="02020603050405020304" pitchFamily="18" charset="0"/>
               </a:rPr>
-              <a:t> (</a:t>
-            </a:r>
-            <a:r>
-              <a:rPr lang="en-GB" sz="3600" b="1" dirty="0">
-                <a:solidFill>
-                  <a:srgbClr val="0000FF"/>
-                </a:solidFill>
-                <a:latin typeface="Consolas" panose="020B0609020204030204" pitchFamily="49" charset="0"/>
-                <a:ea typeface="Times New Roman" panose="02020603050405020304" pitchFamily="18" charset="0"/>
-                <a:cs typeface="Times New Roman" panose="02020603050405020304" pitchFamily="18" charset="0"/>
-              </a:rPr>
-              <a:t>…</a:t>
-            </a:r>
-            <a:r>
-              <a:rPr lang="en-GB" sz="3600" b="1" dirty="0">
-                <a:solidFill>
-                  <a:srgbClr val="000000"/>
-                </a:solidFill>
-                <a:latin typeface="Consolas" panose="020B0609020204030204" pitchFamily="49" charset="0"/>
-                <a:ea typeface="Times New Roman" panose="02020603050405020304" pitchFamily="18" charset="0"/>
-                <a:cs typeface="Times New Roman" panose="02020603050405020304" pitchFamily="18" charset="0"/>
-              </a:rPr>
-              <a:t>) {</a:t>
+              <a:t> </a:t>
             </a:r>
             <a:endParaRPr lang="pl-PL" sz="3200" dirty="0">
               <a:latin typeface="Calibri" panose="020F0502020204030204" pitchFamily="34" charset="0"/>
@@ -7394,7 +9534,18 @@
               <a:buNone/>
             </a:pPr>
             <a:r>
-              <a:rPr lang="en-GB" dirty="0">
+              <a:rPr lang="en-GB" sz="3600" b="1" dirty="0">
+                <a:solidFill>
+                  <a:srgbClr val="AF00DB"/>
+                </a:solidFill>
+                <a:latin typeface="Consolas" panose="020B0609020204030204" pitchFamily="49" charset="0"/>
+                <a:ea typeface="Times New Roman" panose="02020603050405020304" pitchFamily="18" charset="0"/>
+                <a:cs typeface="Times New Roman" panose="02020603050405020304" pitchFamily="18" charset="0"/>
+              </a:rPr>
+              <a:t>for / if / while</a:t>
+            </a:r>
+            <a:r>
+              <a:rPr lang="en-GB" sz="3600" b="1" dirty="0">
                 <a:solidFill>
                   <a:srgbClr val="000000"/>
                 </a:solidFill>
@@ -7402,7 +9553,29 @@
                 <a:ea typeface="Times New Roman" panose="02020603050405020304" pitchFamily="18" charset="0"/>
                 <a:cs typeface="Times New Roman" panose="02020603050405020304" pitchFamily="18" charset="0"/>
               </a:rPr>
-              <a:t>    </a:t>
+              <a:t> (</a:t>
+            </a:r>
+            <a:r>
+              <a:rPr lang="en-GB" sz="3600" b="1" dirty="0">
+                <a:solidFill>
+                  <a:srgbClr val="0000FF"/>
+                </a:solidFill>
+                <a:latin typeface="Consolas" panose="020B0609020204030204" pitchFamily="49" charset="0"/>
+                <a:ea typeface="Times New Roman" panose="02020603050405020304" pitchFamily="18" charset="0"/>
+                <a:cs typeface="Times New Roman" panose="02020603050405020304" pitchFamily="18" charset="0"/>
+              </a:rPr>
+              <a:t>…</a:t>
+            </a:r>
+            <a:r>
+              <a:rPr lang="en-GB" sz="3600" b="1" dirty="0">
+                <a:solidFill>
+                  <a:srgbClr val="000000"/>
+                </a:solidFill>
+                <a:latin typeface="Consolas" panose="020B0609020204030204" pitchFamily="49" charset="0"/>
+                <a:ea typeface="Times New Roman" panose="02020603050405020304" pitchFamily="18" charset="0"/>
+                <a:cs typeface="Times New Roman" panose="02020603050405020304" pitchFamily="18" charset="0"/>
+              </a:rPr>
+              <a:t>) {</a:t>
             </a:r>
             <a:endParaRPr lang="pl-PL" sz="3200" dirty="0">
               <a:latin typeface="Calibri" panose="020F0502020204030204" pitchFamily="34" charset="0"/>
@@ -7431,73 +9604,7 @@
               </a:rPr>
               <a:t>    </a:t>
             </a:r>
-            <a:r>
-              <a:rPr lang="en-GB" u="sng" dirty="0" err="1">
-                <a:solidFill>
-                  <a:srgbClr val="0000FF"/>
-                </a:solidFill>
-                <a:latin typeface="Consolas" panose="020B0609020204030204" pitchFamily="49" charset="0"/>
-                <a:ea typeface="Times New Roman" panose="02020603050405020304" pitchFamily="18" charset="0"/>
-                <a:cs typeface="Times New Roman" panose="02020603050405020304" pitchFamily="18" charset="0"/>
-              </a:rPr>
-              <a:t>var</a:t>
-            </a:r>
-            <a:r>
-              <a:rPr lang="en-GB" u="sng" dirty="0">
-                <a:solidFill>
-                  <a:srgbClr val="000000"/>
-                </a:solidFill>
-                <a:latin typeface="Consolas" panose="020B0609020204030204" pitchFamily="49" charset="0"/>
-                <a:ea typeface="Times New Roman" panose="02020603050405020304" pitchFamily="18" charset="0"/>
-                <a:cs typeface="Times New Roman" panose="02020603050405020304" pitchFamily="18" charset="0"/>
-              </a:rPr>
-              <a:t> </a:t>
-            </a:r>
-            <a:r>
-              <a:rPr lang="en-GB" u="sng" dirty="0">
-                <a:solidFill>
-                  <a:srgbClr val="001080"/>
-                </a:solidFill>
-                <a:latin typeface="Consolas" panose="020B0609020204030204" pitchFamily="49" charset="0"/>
-                <a:ea typeface="Times New Roman" panose="02020603050405020304" pitchFamily="18" charset="0"/>
-                <a:cs typeface="Times New Roman" panose="02020603050405020304" pitchFamily="18" charset="0"/>
-              </a:rPr>
-              <a:t>temp</a:t>
-            </a:r>
-            <a:r>
-              <a:rPr lang="en-GB" u="sng" dirty="0">
-                <a:solidFill>
-                  <a:srgbClr val="000000"/>
-                </a:solidFill>
-                <a:latin typeface="Consolas" panose="020B0609020204030204" pitchFamily="49" charset="0"/>
-                <a:ea typeface="Times New Roman" panose="02020603050405020304" pitchFamily="18" charset="0"/>
-                <a:cs typeface="Times New Roman" panose="02020603050405020304" pitchFamily="18" charset="0"/>
-              </a:rPr>
-              <a:t> = </a:t>
-            </a:r>
-            <a:r>
-              <a:rPr lang="en-GB" u="sng" dirty="0">
-                <a:solidFill>
-                  <a:srgbClr val="A31515"/>
-                </a:solidFill>
-                <a:latin typeface="Consolas" panose="020B0609020204030204" pitchFamily="49" charset="0"/>
-                <a:ea typeface="Times New Roman" panose="02020603050405020304" pitchFamily="18" charset="0"/>
-                <a:cs typeface="Times New Roman" panose="02020603050405020304" pitchFamily="18" charset="0"/>
-              </a:rPr>
-              <a:t>‘INNER'</a:t>
-            </a:r>
-            <a:r>
-              <a:rPr lang="en-GB" u="sng" dirty="0">
-                <a:solidFill>
-                  <a:srgbClr val="000000"/>
-                </a:solidFill>
-                <a:latin typeface="Consolas" panose="020B0609020204030204" pitchFamily="49" charset="0"/>
-                <a:ea typeface="Times New Roman" panose="02020603050405020304" pitchFamily="18" charset="0"/>
-                <a:cs typeface="Times New Roman" panose="02020603050405020304" pitchFamily="18" charset="0"/>
-              </a:rPr>
-              <a:t>; </a:t>
-            </a:r>
-            <a:endParaRPr lang="pl-PL" sz="3200" u="sng" dirty="0">
+            <a:endParaRPr lang="pl-PL" sz="3200" dirty="0">
               <a:latin typeface="Calibri" panose="020F0502020204030204" pitchFamily="34" charset="0"/>
               <a:ea typeface="Calibri" panose="020F0502020204030204" pitchFamily="34" charset="0"/>
               <a:cs typeface="Times New Roman" panose="02020603050405020304" pitchFamily="18" charset="0"/>
@@ -7514,7 +9621,7 @@
               <a:buNone/>
             </a:pPr>
             <a:r>
-              <a:rPr lang="en-GB" sz="3200" dirty="0">
+              <a:rPr lang="en-GB" dirty="0">
                 <a:solidFill>
                   <a:srgbClr val="000000"/>
                 </a:solidFill>
@@ -7522,9 +9629,75 @@
                 <a:ea typeface="Times New Roman" panose="02020603050405020304" pitchFamily="18" charset="0"/>
                 <a:cs typeface="Times New Roman" panose="02020603050405020304" pitchFamily="18" charset="0"/>
               </a:rPr>
-              <a:t>}</a:t>
-            </a:r>
-            <a:endParaRPr lang="pl-PL" sz="3200" dirty="0">
+              <a:t>    </a:t>
+            </a:r>
+            <a:r>
+              <a:rPr lang="en-GB" u="sng" dirty="0" err="1">
+                <a:solidFill>
+                  <a:srgbClr val="0000FF"/>
+                </a:solidFill>
+                <a:latin typeface="Consolas" panose="020B0609020204030204" pitchFamily="49" charset="0"/>
+                <a:ea typeface="Times New Roman" panose="02020603050405020304" pitchFamily="18" charset="0"/>
+                <a:cs typeface="Times New Roman" panose="02020603050405020304" pitchFamily="18" charset="0"/>
+              </a:rPr>
+              <a:t>var</a:t>
+            </a:r>
+            <a:r>
+              <a:rPr lang="en-GB" u="sng" dirty="0">
+                <a:solidFill>
+                  <a:srgbClr val="000000"/>
+                </a:solidFill>
+                <a:latin typeface="Consolas" panose="020B0609020204030204" pitchFamily="49" charset="0"/>
+                <a:ea typeface="Times New Roman" panose="02020603050405020304" pitchFamily="18" charset="0"/>
+                <a:cs typeface="Times New Roman" panose="02020603050405020304" pitchFamily="18" charset="0"/>
+              </a:rPr>
+              <a:t> </a:t>
+            </a:r>
+            <a:r>
+              <a:rPr lang="en-GB" u="sng" dirty="0">
+                <a:solidFill>
+                  <a:srgbClr val="001080"/>
+                </a:solidFill>
+                <a:latin typeface="Consolas" panose="020B0609020204030204" pitchFamily="49" charset="0"/>
+                <a:ea typeface="Times New Roman" panose="02020603050405020304" pitchFamily="18" charset="0"/>
+                <a:cs typeface="Times New Roman" panose="02020603050405020304" pitchFamily="18" charset="0"/>
+              </a:rPr>
+              <a:t>temp</a:t>
+            </a:r>
+            <a:r>
+              <a:rPr lang="en-GB" u="sng" dirty="0">
+                <a:solidFill>
+                  <a:srgbClr val="000000"/>
+                </a:solidFill>
+                <a:latin typeface="Consolas" panose="020B0609020204030204" pitchFamily="49" charset="0"/>
+                <a:ea typeface="Times New Roman" panose="02020603050405020304" pitchFamily="18" charset="0"/>
+                <a:cs typeface="Times New Roman" panose="02020603050405020304" pitchFamily="18" charset="0"/>
+              </a:rPr>
+              <a:t> = </a:t>
+            </a:r>
+            <a:r>
+              <a:rPr lang="en-GB" u="sng" dirty="0">
+                <a:solidFill>
+                  <a:srgbClr val="A31515"/>
+                </a:solidFill>
+                <a:latin typeface="Consolas" panose="020B0609020204030204" pitchFamily="49" charset="0"/>
+                <a:ea typeface="Times New Roman" panose="02020603050405020304" pitchFamily="18" charset="0"/>
+                <a:cs typeface="Times New Roman" panose="02020603050405020304" pitchFamily="18" charset="0"/>
+              </a:rPr>
+              <a:t>‘INNER'</a:t>
+            </a:r>
+            <a:r>
+              <a:rPr lang="en-GB" u="sng" dirty="0">
+                <a:solidFill>
+                  <a:srgbClr val="000000"/>
+                </a:solidFill>
+                <a:latin typeface="Consolas" panose="020B0609020204030204" pitchFamily="49" charset="0"/>
+                <a:ea typeface="Times New Roman" panose="02020603050405020304" pitchFamily="18" charset="0"/>
+                <a:cs typeface="Times New Roman" panose="02020603050405020304" pitchFamily="18" charset="0"/>
+              </a:rPr>
+              <a:t>; </a:t>
+            </a:r>
+            <a:endParaRPr lang="pl-PL" sz="3200" u="sng" dirty="0">
               <a:latin typeface="Calibri" panose="020F0502020204030204" pitchFamily="34" charset="0"/>
               <a:ea typeface="Calibri" panose="020F0502020204030204" pitchFamily="34" charset="0"/>
               <a:cs typeface="Times New Roman" panose="02020603050405020304" pitchFamily="18" charset="0"/>
@@ -7541,7 +9714,7 @@
               <a:buNone/>
             </a:pPr>
             <a:r>
-              <a:rPr lang="en-GB" dirty="0">
+              <a:rPr lang="en-GB" sz="3200" dirty="0">
                 <a:solidFill>
                   <a:srgbClr val="000000"/>
                 </a:solidFill>
@@ -7549,7 +9722,7 @@
                 <a:ea typeface="Times New Roman" panose="02020603050405020304" pitchFamily="18" charset="0"/>
                 <a:cs typeface="Times New Roman" panose="02020603050405020304" pitchFamily="18" charset="0"/>
               </a:rPr>
-              <a:t> </a:t>
+              <a:t>}</a:t>
             </a:r>
             <a:endParaRPr lang="pl-PL" sz="3200" dirty="0">
               <a:latin typeface="Calibri" panose="020F0502020204030204" pitchFamily="34" charset="0"/>
@@ -7567,6 +9740,17 @@
               </a:spcAft>
               <a:buNone/>
             </a:pPr>
+            <a:r>
+              <a:rPr lang="en-GB" dirty="0">
+                <a:solidFill>
+                  <a:srgbClr val="000000"/>
+                </a:solidFill>
+                <a:latin typeface="Consolas" panose="020B0609020204030204" pitchFamily="49" charset="0"/>
+                <a:ea typeface="Times New Roman" panose="02020603050405020304" pitchFamily="18" charset="0"/>
+                <a:cs typeface="Times New Roman" panose="02020603050405020304" pitchFamily="18" charset="0"/>
+              </a:rPr>
+              <a:t> </a:t>
+            </a:r>
             <a:endParaRPr lang="en-GB" dirty="0">
               <a:solidFill>
                 <a:srgbClr val="267F99"/>
@@ -7736,16 +9920,6 @@
               </a:rPr>
               <a:t> </a:t>
             </a:r>
-            <a:endParaRPr lang="pl-PL" sz="3200" dirty="0">
-              <a:latin typeface="Calibri" panose="020F0502020204030204" pitchFamily="34" charset="0"/>
-              <a:ea typeface="Calibri" panose="020F0502020204030204" pitchFamily="34" charset="0"/>
-              <a:cs typeface="Times New Roman" panose="02020603050405020304" pitchFamily="18" charset="0"/>
-            </a:endParaRPr>
-          </a:p>
-          <a:p>
-            <a:pPr marL="0" indent="0">
-              <a:buNone/>
-            </a:pPr>
             <a:endParaRPr lang="pl-PL" dirty="0"/>
           </a:p>
         </p:txBody>
@@ -7917,12 +10091,23 @@
             <p:ph idx="1"/>
           </p:nvPr>
         </p:nvSpPr>
-        <p:spPr/>
+        <p:spPr>
+          <a:xfrm>
+            <a:off x="838200" y="1825625"/>
+            <a:ext cx="10515600" cy="4351338"/>
+          </a:xfrm>
+        </p:spPr>
         <p:txBody>
           <a:bodyPr>
-            <a:normAutofit lnSpcReduction="10000"/>
+            <a:normAutofit/>
           </a:bodyPr>
           <a:lstStyle/>
+          <a:p>
+            <a:pPr marL="0" indent="0">
+              <a:buNone/>
+            </a:pPr>
+            <a:endParaRPr lang="en-US" dirty="0"/>
+          </a:p>
           <a:p>
             <a:pPr marL="0" indent="0">
               <a:buNone/>
@@ -7942,58 +10127,67 @@
             <a:pPr marL="0" indent="0">
               <a:buNone/>
             </a:pPr>
-            <a:r>
-              <a:rPr lang="en-US" dirty="0"/>
-              <a:t>(function () {</a:t>
-            </a:r>
+            <a:endParaRPr lang="en-US" dirty="0"/>
           </a:p>
           <a:p>
             <a:pPr marL="0" indent="0">
               <a:buNone/>
             </a:pPr>
+            <a:r>
+              <a:rPr lang="pl-PL" noProof="1">
+                <a:solidFill>
+                  <a:srgbClr val="000000"/>
+                </a:solidFill>
+                <a:latin typeface="Consolas" panose="020B0609020204030204" pitchFamily="49" charset="0"/>
+              </a:rPr>
+              <a:t>(</a:t>
+            </a:r>
+            <a:r>
+              <a:rPr lang="pl-PL" noProof="1">
+                <a:solidFill>
+                  <a:srgbClr val="0000FF"/>
+                </a:solidFill>
+                <a:latin typeface="Consolas" panose="020B0609020204030204" pitchFamily="49" charset="0"/>
+              </a:rPr>
+              <a:t>function</a:t>
+            </a:r>
+            <a:r>
+              <a:rPr lang="pl-PL" noProof="1">
+                <a:solidFill>
+                  <a:srgbClr val="000000"/>
+                </a:solidFill>
+                <a:latin typeface="Consolas" panose="020B0609020204030204" pitchFamily="49" charset="0"/>
+              </a:rPr>
+              <a:t>(){</a:t>
+            </a:r>
+          </a:p>
+          <a:p>
+            <a:pPr marL="0" indent="0">
+              <a:buNone/>
+            </a:pPr>
+            <a:br>
+              <a:rPr lang="pl-PL" dirty="0">
+                <a:solidFill>
+                  <a:srgbClr val="000000"/>
+                </a:solidFill>
+                <a:latin typeface="Consolas" panose="020B0609020204030204" pitchFamily="49" charset="0"/>
+              </a:rPr>
+            </a:br>
+            <a:r>
+              <a:rPr lang="pl-PL" dirty="0">
+                <a:solidFill>
+                  <a:srgbClr val="000000"/>
+                </a:solidFill>
+                <a:latin typeface="Consolas" panose="020B0609020204030204" pitchFamily="49" charset="0"/>
+              </a:rPr>
+              <a:t>})();</a:t>
+            </a:r>
+          </a:p>
+          <a:p>
+            <a:pPr marL="0" indent="0">
+              <a:buNone/>
+            </a:pPr>
             <a:endParaRPr lang="en-US" dirty="0"/>
-          </a:p>
-          <a:p>
-            <a:pPr marL="0" indent="0">
-              <a:buNone/>
-            </a:pPr>
-            <a:r>
-              <a:rPr lang="en-US" dirty="0"/>
-              <a:t>})();</a:t>
-            </a:r>
-          </a:p>
-          <a:p>
-            <a:pPr marL="0" indent="0">
-              <a:buNone/>
-            </a:pPr>
-            <a:endParaRPr lang="en-US" dirty="0"/>
-          </a:p>
-          <a:p>
-            <a:pPr marL="0" indent="0">
-              <a:buNone/>
-            </a:pPr>
-            <a:r>
-              <a:rPr lang="en-US" dirty="0"/>
-              <a:t>Why would you use if?</a:t>
-            </a:r>
-          </a:p>
-          <a:p>
-            <a:pPr marL="0" indent="0">
-              <a:buNone/>
-            </a:pPr>
-            <a:r>
-              <a:rPr lang="en-US" dirty="0"/>
-              <a:t>To Avoid Polluting the Global Scope. </a:t>
-            </a:r>
-          </a:p>
-          <a:p>
-            <a:pPr marL="0" indent="0">
-              <a:buNone/>
-            </a:pPr>
-            <a:r>
-              <a:rPr lang="en-US" dirty="0"/>
-              <a:t>To fix issues with blocks: if, while, for</a:t>
-            </a:r>
           </a:p>
           <a:p>
             <a:pPr marL="0" indent="0">
@@ -8058,7 +10252,7 @@
           <a:p>
             <a:r>
               <a:rPr lang="en-GB" dirty="0"/>
-              <a:t>Fix with IIFE </a:t>
+              <a:t>Fix with IFFE </a:t>
             </a:r>
             <a:br>
               <a:rPr lang="en-GB" dirty="0"/>
@@ -8230,7 +10424,7 @@
               <a:buNone/>
             </a:pPr>
             <a:r>
-              <a:rPr lang="en-GB" b="1" dirty="0">
+              <a:rPr lang="en-GB" dirty="0">
                 <a:solidFill>
                   <a:srgbClr val="AF00DB"/>
                 </a:solidFill>
@@ -8241,7 +10435,7 @@
               <a:t>for / if / while</a:t>
             </a:r>
             <a:r>
-              <a:rPr lang="en-GB" b="1" dirty="0">
+              <a:rPr lang="en-GB" dirty="0">
                 <a:solidFill>
                   <a:srgbClr val="000000"/>
                 </a:solidFill>
@@ -8336,10 +10530,21 @@
                 <a:ea typeface="Times New Roman" panose="02020603050405020304" pitchFamily="18" charset="0"/>
                 <a:cs typeface="Times New Roman" panose="02020603050405020304" pitchFamily="18" charset="0"/>
               </a:rPr>
-              <a:t>    (</a:t>
-            </a:r>
-            <a:r>
-              <a:rPr lang="en-GB" dirty="0">
+              <a:t>    </a:t>
+            </a:r>
+            <a:r>
+              <a:rPr lang="en-GB" b="1" u="sng" dirty="0">
+                <a:solidFill>
+                  <a:srgbClr val="000000"/>
+                </a:solidFill>
+                <a:latin typeface="Consolas" panose="020B0609020204030204" pitchFamily="49" charset="0"/>
+                <a:ea typeface="Times New Roman" panose="02020603050405020304" pitchFamily="18" charset="0"/>
+                <a:cs typeface="Times New Roman" panose="02020603050405020304" pitchFamily="18" charset="0"/>
+              </a:rPr>
+              <a:t>(</a:t>
+            </a:r>
+            <a:r>
+              <a:rPr lang="en-GB" b="1" u="sng" dirty="0">
                 <a:solidFill>
                   <a:srgbClr val="0000FF"/>
                 </a:solidFill>
@@ -8350,7 +10555,7 @@
               <a:t>function </a:t>
             </a:r>
             <a:r>
-              <a:rPr lang="en-GB" dirty="0">
+              <a:rPr lang="en-GB" b="1" u="sng" dirty="0">
                 <a:solidFill>
                   <a:srgbClr val="000000"/>
                 </a:solidFill>
@@ -8512,9 +10717,20 @@
                 <a:ea typeface="Times New Roman" panose="02020603050405020304" pitchFamily="18" charset="0"/>
                 <a:cs typeface="Times New Roman" panose="02020603050405020304" pitchFamily="18" charset="0"/>
               </a:rPr>
-              <a:t>	})();</a:t>
-            </a:r>
-            <a:endParaRPr lang="en-GB" sz="3200" dirty="0">
+              <a:t>	</a:t>
+            </a:r>
+            <a:r>
+              <a:rPr lang="en-GB" b="1" u="sng" dirty="0">
+                <a:solidFill>
+                  <a:srgbClr val="000000"/>
+                </a:solidFill>
+                <a:latin typeface="Consolas" panose="020B0609020204030204" pitchFamily="49" charset="0"/>
+                <a:ea typeface="Times New Roman" panose="02020603050405020304" pitchFamily="18" charset="0"/>
+                <a:cs typeface="Times New Roman" panose="02020603050405020304" pitchFamily="18" charset="0"/>
+              </a:rPr>
+              <a:t>})();</a:t>
+            </a:r>
+            <a:endParaRPr lang="en-GB" sz="3200" b="1" u="sng" dirty="0">
               <a:solidFill>
                 <a:srgbClr val="000000"/>
               </a:solidFill>
@@ -8657,7 +10873,18 @@
                 <a:ea typeface="Times New Roman" panose="02020603050405020304" pitchFamily="18" charset="0"/>
                 <a:cs typeface="Times New Roman" panose="02020603050405020304" pitchFamily="18" charset="0"/>
               </a:rPr>
-              <a:t>// Console prints: inner</a:t>
+              <a:t>// Console prints: </a:t>
+            </a:r>
+            <a:r>
+              <a:rPr lang="en-GB" b="1" u="sng" dirty="0">
+                <a:solidFill>
+                  <a:srgbClr val="A31515"/>
+                </a:solidFill>
+                <a:latin typeface="Consolas" panose="020B0609020204030204" pitchFamily="49" charset="0"/>
+                <a:ea typeface="Times New Roman" panose="02020603050405020304" pitchFamily="18" charset="0"/>
+                <a:cs typeface="Times New Roman" panose="02020603050405020304" pitchFamily="18" charset="0"/>
+              </a:rPr>
+              <a:t>'outer'</a:t>
             </a:r>
             <a:endParaRPr lang="pl-PL" sz="3200" b="1" u="sng" dirty="0">
               <a:latin typeface="Calibri" panose="020F0502020204030204" pitchFamily="34" charset="0"/>

--- a/JsTraining-presentation/JS Training.pptx
+++ b/JsTraining-presentation/JS Training.pptx
@@ -25,7 +25,7 @@
     <p:sldId id="266" r:id="rId16"/>
     <p:sldId id="271" r:id="rId17"/>
     <p:sldId id="277" r:id="rId18"/>
-    <p:sldId id="275" r:id="rId19"/>
+    <p:sldId id="282" r:id="rId19"/>
     <p:sldId id="279" r:id="rId20"/>
     <p:sldId id="280" r:id="rId21"/>
     <p:sldId id="281" r:id="rId22"/>
@@ -707,6 +707,178 @@
 </p:notes>
 </file>
 
+<file path=ppt/notesSlides/notesSlide10.xml><?xml version="1.0" encoding="utf-8"?>
+<p:notes xmlns:a="http://schemas.openxmlformats.org/drawingml/2006/main" xmlns:r="http://schemas.openxmlformats.org/officeDocument/2006/relationships" xmlns:p="http://schemas.openxmlformats.org/presentationml/2006/main">
+  <p:cSld>
+    <p:spTree>
+      <p:nvGrpSpPr>
+        <p:cNvPr id="1" name=""/>
+        <p:cNvGrpSpPr/>
+        <p:nvPr/>
+      </p:nvGrpSpPr>
+      <p:grpSpPr>
+        <a:xfrm>
+          <a:off x="0" y="0"/>
+          <a:ext cx="0" cy="0"/>
+          <a:chOff x="0" y="0"/>
+          <a:chExt cx="0" cy="0"/>
+        </a:xfrm>
+      </p:grpSpPr>
+      <p:sp>
+        <p:nvSpPr>
+          <p:cNvPr id="2" name="Symbol zastępczy obrazu slajdu 1"/>
+          <p:cNvSpPr>
+            <a:spLocks noGrp="1" noRot="1" noChangeAspect="1"/>
+          </p:cNvSpPr>
+          <p:nvPr>
+            <p:ph type="sldImg"/>
+          </p:nvPr>
+        </p:nvSpPr>
+        <p:spPr/>
+      </p:sp>
+      <p:sp>
+        <p:nvSpPr>
+          <p:cNvPr id="3" name="Symbol zastępczy notatek 2"/>
+          <p:cNvSpPr>
+            <a:spLocks noGrp="1"/>
+          </p:cNvSpPr>
+          <p:nvPr>
+            <p:ph type="body" idx="1"/>
+          </p:nvPr>
+        </p:nvSpPr>
+        <p:spPr/>
+        <p:txBody>
+          <a:bodyPr/>
+          <a:lstStyle/>
+          <a:p>
+            <a:r>
+              <a:rPr lang="en-GB" dirty="0"/>
+              <a:t>One time method, property is defined for all instance of objects.</a:t>
+            </a:r>
+            <a:endParaRPr lang="pl-PL" dirty="0"/>
+          </a:p>
+        </p:txBody>
+      </p:sp>
+      <p:sp>
+        <p:nvSpPr>
+          <p:cNvPr id="4" name="Symbol zastępczy numeru slajdu 3"/>
+          <p:cNvSpPr>
+            <a:spLocks noGrp="1"/>
+          </p:cNvSpPr>
+          <p:nvPr>
+            <p:ph type="sldNum" sz="quarter" idx="10"/>
+          </p:nvPr>
+        </p:nvSpPr>
+        <p:spPr/>
+        <p:txBody>
+          <a:bodyPr/>
+          <a:lstStyle/>
+          <a:p>
+            <a:fld id="{4E272AE2-02A2-4B8F-AAEA-7ADC3F971F81}" type="slidenum">
+              <a:rPr lang="pl-PL" smtClean="0"/>
+              <a:t>19</a:t>
+            </a:fld>
+            <a:endParaRPr lang="pl-PL"/>
+          </a:p>
+        </p:txBody>
+      </p:sp>
+    </p:spTree>
+    <p:extLst>
+      <p:ext uri="{BB962C8B-B14F-4D97-AF65-F5344CB8AC3E}">
+        <p14:creationId xmlns:p14="http://schemas.microsoft.com/office/powerpoint/2010/main" val="3517623830"/>
+      </p:ext>
+    </p:extLst>
+  </p:cSld>
+  <p:clrMapOvr>
+    <a:masterClrMapping/>
+  </p:clrMapOvr>
+</p:notes>
+</file>
+
+<file path=ppt/notesSlides/notesSlide11.xml><?xml version="1.0" encoding="utf-8"?>
+<p:notes xmlns:a="http://schemas.openxmlformats.org/drawingml/2006/main" xmlns:r="http://schemas.openxmlformats.org/officeDocument/2006/relationships" xmlns:p="http://schemas.openxmlformats.org/presentationml/2006/main">
+  <p:cSld>
+    <p:spTree>
+      <p:nvGrpSpPr>
+        <p:cNvPr id="1" name=""/>
+        <p:cNvGrpSpPr/>
+        <p:nvPr/>
+      </p:nvGrpSpPr>
+      <p:grpSpPr>
+        <a:xfrm>
+          <a:off x="0" y="0"/>
+          <a:ext cx="0" cy="0"/>
+          <a:chOff x="0" y="0"/>
+          <a:chExt cx="0" cy="0"/>
+        </a:xfrm>
+      </p:grpSpPr>
+      <p:sp>
+        <p:nvSpPr>
+          <p:cNvPr id="2" name="Symbol zastępczy obrazu slajdu 1"/>
+          <p:cNvSpPr>
+            <a:spLocks noGrp="1" noRot="1" noChangeAspect="1"/>
+          </p:cNvSpPr>
+          <p:nvPr>
+            <p:ph type="sldImg"/>
+          </p:nvPr>
+        </p:nvSpPr>
+        <p:spPr/>
+      </p:sp>
+      <p:sp>
+        <p:nvSpPr>
+          <p:cNvPr id="3" name="Symbol zastępczy notatek 2"/>
+          <p:cNvSpPr>
+            <a:spLocks noGrp="1"/>
+          </p:cNvSpPr>
+          <p:nvPr>
+            <p:ph type="body" idx="1"/>
+          </p:nvPr>
+        </p:nvSpPr>
+        <p:spPr/>
+        <p:txBody>
+          <a:bodyPr/>
+          <a:lstStyle/>
+          <a:p>
+            <a:endParaRPr lang="pl-PL" dirty="0"/>
+          </a:p>
+        </p:txBody>
+      </p:sp>
+      <p:sp>
+        <p:nvSpPr>
+          <p:cNvPr id="4" name="Symbol zastępczy numeru slajdu 3"/>
+          <p:cNvSpPr>
+            <a:spLocks noGrp="1"/>
+          </p:cNvSpPr>
+          <p:nvPr>
+            <p:ph type="sldNum" sz="quarter" idx="10"/>
+          </p:nvPr>
+        </p:nvSpPr>
+        <p:spPr/>
+        <p:txBody>
+          <a:bodyPr/>
+          <a:lstStyle/>
+          <a:p>
+            <a:fld id="{4E272AE2-02A2-4B8F-AAEA-7ADC3F971F81}" type="slidenum">
+              <a:rPr lang="pl-PL" smtClean="0"/>
+              <a:t>20</a:t>
+            </a:fld>
+            <a:endParaRPr lang="pl-PL"/>
+          </a:p>
+        </p:txBody>
+      </p:sp>
+    </p:spTree>
+    <p:extLst>
+      <p:ext uri="{BB962C8B-B14F-4D97-AF65-F5344CB8AC3E}">
+        <p14:creationId xmlns:p14="http://schemas.microsoft.com/office/powerpoint/2010/main" val="4053500840"/>
+      </p:ext>
+    </p:extLst>
+  </p:cSld>
+  <p:clrMapOvr>
+    <a:masterClrMapping/>
+  </p:clrMapOvr>
+</p:notes>
+</file>
+
 <file path=ppt/notesSlides/notesSlide2.xml><?xml version="1.0" encoding="utf-8"?>
 <p:notes xmlns:a="http://schemas.openxmlformats.org/drawingml/2006/main" xmlns:r="http://schemas.openxmlformats.org/officeDocument/2006/relationships" xmlns:p="http://schemas.openxmlformats.org/presentationml/2006/main">
   <p:cSld>
@@ -1410,58 +1582,10 @@
           <a:bodyPr/>
           <a:lstStyle/>
           <a:p>
-            <a:pPr marL="0" marR="0" lvl="0" indent="0" algn="l" defTabSz="914400" rtl="0" eaLnBrk="1" fontAlgn="auto" latinLnBrk="0" hangingPunct="1">
-              <a:lnSpc>
-                <a:spcPct val="100000"/>
-              </a:lnSpc>
-              <a:spcBef>
-                <a:spcPts val="0"/>
-              </a:spcBef>
-              <a:spcAft>
-                <a:spcPts val="0"/>
-              </a:spcAft>
-              <a:buClrTx/>
-              <a:buSzTx/>
-              <a:buFontTx/>
-              <a:buNone/>
-              <a:tabLst/>
-              <a:defRPr/>
-            </a:pPr>
-            <a:r>
-              <a:rPr lang="pl-PL" sz="1200" b="1" i="0" kern="1200" dirty="0">
-                <a:solidFill>
-                  <a:schemeClr val="tx1"/>
-                </a:solidFill>
-                <a:effectLst/>
-                <a:latin typeface="+mn-lt"/>
-                <a:ea typeface="+mn-ea"/>
-                <a:cs typeface="+mn-cs"/>
-              </a:rPr>
-              <a:t>Object </a:t>
-            </a:r>
-            <a:r>
-              <a:rPr lang="pl-PL" sz="1200" b="1" i="0" kern="1200" dirty="0" err="1">
-                <a:solidFill>
-                  <a:schemeClr val="tx1"/>
-                </a:solidFill>
-                <a:effectLst/>
-                <a:latin typeface="+mn-lt"/>
-                <a:ea typeface="+mn-ea"/>
-                <a:cs typeface="+mn-cs"/>
-              </a:rPr>
-              <a:t>initializer</a:t>
-            </a:r>
-            <a:endParaRPr lang="pl-PL" sz="1200" b="1" i="0" kern="1200" dirty="0">
-              <a:solidFill>
-                <a:schemeClr val="tx1"/>
-              </a:solidFill>
-              <a:effectLst/>
-              <a:latin typeface="+mn-lt"/>
-              <a:ea typeface="+mn-ea"/>
-              <a:cs typeface="+mn-cs"/>
-            </a:endParaRPr>
-          </a:p>
-          <a:p>
+            <a:r>
+              <a:rPr lang="en-GB" dirty="0"/>
+              <a:t>examples</a:t>
+            </a:r>
             <a:endParaRPr lang="pl-PL" dirty="0"/>
           </a:p>
         </p:txBody>
@@ -1492,7 +1616,7 @@
     </p:spTree>
     <p:extLst>
       <p:ext uri="{BB962C8B-B14F-4D97-AF65-F5344CB8AC3E}">
-        <p14:creationId xmlns:p14="http://schemas.microsoft.com/office/powerpoint/2010/main" val="2133489400"/>
+        <p14:creationId xmlns:p14="http://schemas.microsoft.com/office/powerpoint/2010/main" val="4065689355"/>
       </p:ext>
     </p:extLst>
   </p:cSld>
@@ -6729,7 +6853,7 @@
           <p:cNvPr id="2" name="Tytuł 1">
             <a:extLst>
               <a:ext uri="{FF2B5EF4-FFF2-40B4-BE49-F238E27FC236}">
-                <a16:creationId xmlns:a16="http://schemas.microsoft.com/office/drawing/2014/main" id="{2FD44348-DB0D-479F-ACB9-279F5BB62C18}"/>
+                <a16:creationId xmlns:a16="http://schemas.microsoft.com/office/drawing/2014/main" id="{89E6D71C-C03F-48D4-8FD2-75F48A9D38D1}"/>
               </a:ext>
             </a:extLst>
           </p:cNvPr>
@@ -6747,7 +6871,7 @@
           <a:p>
             <a:r>
               <a:rPr lang="en-GB" dirty="0"/>
-              <a:t>Literal Object - Objective JS</a:t>
+              <a:t>Object literal</a:t>
             </a:r>
             <a:endParaRPr lang="pl-PL" dirty="0"/>
           </a:p>
@@ -6758,7 +6882,7 @@
           <p:cNvPr id="3" name="Symbol zastępczy zawartości 2">
             <a:extLst>
               <a:ext uri="{FF2B5EF4-FFF2-40B4-BE49-F238E27FC236}">
-                <a16:creationId xmlns:a16="http://schemas.microsoft.com/office/drawing/2014/main" id="{FF119F87-BF63-4479-A53C-91F0630B0838}"/>
+                <a16:creationId xmlns:a16="http://schemas.microsoft.com/office/drawing/2014/main" id="{42DD21EC-6D95-4F2B-9A8F-CE4D3623A080}"/>
               </a:ext>
             </a:extLst>
           </p:cNvPr>
@@ -6774,7 +6898,193 @@
           <a:bodyPr/>
           <a:lstStyle/>
           <a:p>
-            <a:endParaRPr lang="en-GB" dirty="0"/>
+            <a:pPr marL="0" indent="0">
+              <a:buNone/>
+            </a:pPr>
+            <a:endParaRPr lang="en-GB" dirty="0">
+              <a:solidFill>
+                <a:srgbClr val="0000FF"/>
+              </a:solidFill>
+              <a:latin typeface="Consolas" panose="020B0609020204030204" pitchFamily="49" charset="0"/>
+            </a:endParaRPr>
+          </a:p>
+          <a:p>
+            <a:pPr marL="0" indent="0">
+              <a:buNone/>
+            </a:pPr>
+            <a:r>
+              <a:rPr lang="pl-PL" dirty="0" err="1">
+                <a:solidFill>
+                  <a:srgbClr val="0000FF"/>
+                </a:solidFill>
+                <a:latin typeface="Consolas" panose="020B0609020204030204" pitchFamily="49" charset="0"/>
+              </a:rPr>
+              <a:t>var</a:t>
+            </a:r>
+            <a:r>
+              <a:rPr lang="pl-PL" dirty="0">
+                <a:solidFill>
+                  <a:srgbClr val="000000"/>
+                </a:solidFill>
+                <a:latin typeface="Consolas" panose="020B0609020204030204" pitchFamily="49" charset="0"/>
+              </a:rPr>
+              <a:t> </a:t>
+            </a:r>
+            <a:r>
+              <a:rPr lang="pl-PL" dirty="0">
+                <a:solidFill>
+                  <a:srgbClr val="001080"/>
+                </a:solidFill>
+                <a:latin typeface="Consolas" panose="020B0609020204030204" pitchFamily="49" charset="0"/>
+              </a:rPr>
+              <a:t>object1</a:t>
+            </a:r>
+            <a:r>
+              <a:rPr lang="pl-PL" dirty="0">
+                <a:solidFill>
+                  <a:srgbClr val="000000"/>
+                </a:solidFill>
+                <a:latin typeface="Consolas" panose="020B0609020204030204" pitchFamily="49" charset="0"/>
+              </a:rPr>
+              <a:t> = {</a:t>
+            </a:r>
+          </a:p>
+          <a:p>
+            <a:pPr marL="457200" lvl="1" indent="0">
+              <a:buNone/>
+            </a:pPr>
+            <a:r>
+              <a:rPr lang="pl-PL" dirty="0">
+                <a:solidFill>
+                  <a:srgbClr val="001080"/>
+                </a:solidFill>
+                <a:latin typeface="Consolas" panose="020B0609020204030204" pitchFamily="49" charset="0"/>
+              </a:rPr>
+              <a:t>a:</a:t>
+            </a:r>
+            <a:r>
+              <a:rPr lang="pl-PL" dirty="0">
+                <a:solidFill>
+                  <a:srgbClr val="000000"/>
+                </a:solidFill>
+                <a:latin typeface="Consolas" panose="020B0609020204030204" pitchFamily="49" charset="0"/>
+              </a:rPr>
+              <a:t> </a:t>
+            </a:r>
+            <a:r>
+              <a:rPr lang="pl-PL" dirty="0">
+                <a:solidFill>
+                  <a:srgbClr val="A31515"/>
+                </a:solidFill>
+                <a:latin typeface="Consolas" panose="020B0609020204030204" pitchFamily="49" charset="0"/>
+              </a:rPr>
+              <a:t>'</a:t>
+            </a:r>
+            <a:r>
+              <a:rPr lang="pl-PL" dirty="0" err="1">
+                <a:solidFill>
+                  <a:srgbClr val="A31515"/>
+                </a:solidFill>
+                <a:latin typeface="Consolas" panose="020B0609020204030204" pitchFamily="49" charset="0"/>
+              </a:rPr>
+              <a:t>foo</a:t>
+            </a:r>
+            <a:r>
+              <a:rPr lang="pl-PL" dirty="0">
+                <a:solidFill>
+                  <a:srgbClr val="A31515"/>
+                </a:solidFill>
+                <a:latin typeface="Consolas" panose="020B0609020204030204" pitchFamily="49" charset="0"/>
+              </a:rPr>
+              <a:t>'</a:t>
+            </a:r>
+            <a:r>
+              <a:rPr lang="pl-PL" dirty="0">
+                <a:solidFill>
+                  <a:srgbClr val="000000"/>
+                </a:solidFill>
+                <a:latin typeface="Consolas" panose="020B0609020204030204" pitchFamily="49" charset="0"/>
+              </a:rPr>
+              <a:t>, </a:t>
+            </a:r>
+          </a:p>
+          <a:p>
+            <a:pPr marL="457200" lvl="1" indent="0">
+              <a:buNone/>
+            </a:pPr>
+            <a:r>
+              <a:rPr lang="pl-PL" dirty="0">
+                <a:solidFill>
+                  <a:srgbClr val="001080"/>
+                </a:solidFill>
+                <a:latin typeface="Consolas" panose="020B0609020204030204" pitchFamily="49" charset="0"/>
+              </a:rPr>
+              <a:t>b:</a:t>
+            </a:r>
+            <a:r>
+              <a:rPr lang="pl-PL" dirty="0">
+                <a:solidFill>
+                  <a:srgbClr val="000000"/>
+                </a:solidFill>
+                <a:latin typeface="Consolas" panose="020B0609020204030204" pitchFamily="49" charset="0"/>
+              </a:rPr>
+              <a:t> </a:t>
+            </a:r>
+            <a:r>
+              <a:rPr lang="pl-PL" dirty="0">
+                <a:solidFill>
+                  <a:srgbClr val="09885A"/>
+                </a:solidFill>
+                <a:latin typeface="Consolas" panose="020B0609020204030204" pitchFamily="49" charset="0"/>
+              </a:rPr>
+              <a:t>42</a:t>
+            </a:r>
+            <a:r>
+              <a:rPr lang="pl-PL" dirty="0">
+                <a:solidFill>
+                  <a:srgbClr val="000000"/>
+                </a:solidFill>
+                <a:latin typeface="Consolas" panose="020B0609020204030204" pitchFamily="49" charset="0"/>
+              </a:rPr>
+              <a:t>, </a:t>
+            </a:r>
+          </a:p>
+          <a:p>
+            <a:pPr marL="457200" lvl="1" indent="0">
+              <a:buNone/>
+            </a:pPr>
+            <a:r>
+              <a:rPr lang="pl-PL" dirty="0">
+                <a:solidFill>
+                  <a:srgbClr val="001080"/>
+                </a:solidFill>
+                <a:latin typeface="Consolas" panose="020B0609020204030204" pitchFamily="49" charset="0"/>
+              </a:rPr>
+              <a:t>c:</a:t>
+            </a:r>
+            <a:r>
+              <a:rPr lang="pl-PL" dirty="0">
+                <a:solidFill>
+                  <a:srgbClr val="000000"/>
+                </a:solidFill>
+                <a:latin typeface="Consolas" panose="020B0609020204030204" pitchFamily="49" charset="0"/>
+              </a:rPr>
+              <a:t> {}</a:t>
+            </a:r>
+          </a:p>
+          <a:p>
+            <a:pPr marL="0" indent="0">
+              <a:buNone/>
+            </a:pPr>
+            <a:r>
+              <a:rPr lang="pl-PL" dirty="0">
+                <a:solidFill>
+                  <a:srgbClr val="000000"/>
+                </a:solidFill>
+                <a:latin typeface="Consolas" panose="020B0609020204030204" pitchFamily="49" charset="0"/>
+              </a:rPr>
+              <a:t>};</a:t>
+            </a:r>
           </a:p>
           <a:p>
             <a:endParaRPr lang="pl-PL" dirty="0"/>
@@ -6784,7 +7094,7 @@
     </p:spTree>
     <p:extLst>
       <p:ext uri="{BB962C8B-B14F-4D97-AF65-F5344CB8AC3E}">
-        <p14:creationId xmlns:p14="http://schemas.microsoft.com/office/powerpoint/2010/main" val="3037676568"/>
+        <p14:creationId xmlns:p14="http://schemas.microsoft.com/office/powerpoint/2010/main" val="1318554497"/>
       </p:ext>
     </p:extLst>
   </p:cSld>
@@ -6861,7 +7171,380 @@
           <a:bodyPr/>
           <a:lstStyle/>
           <a:p>
-            <a:endParaRPr lang="pl-PL"/>
+            <a:pPr marL="0" indent="0">
+              <a:buNone/>
+            </a:pPr>
+            <a:r>
+              <a:rPr lang="pl-PL" dirty="0" err="1">
+                <a:solidFill>
+                  <a:srgbClr val="0000FF"/>
+                </a:solidFill>
+                <a:latin typeface="Consolas" panose="020B0609020204030204" pitchFamily="49" charset="0"/>
+              </a:rPr>
+              <a:t>var</a:t>
+            </a:r>
+            <a:r>
+              <a:rPr lang="pl-PL" dirty="0">
+                <a:solidFill>
+                  <a:srgbClr val="000000"/>
+                </a:solidFill>
+                <a:latin typeface="Consolas" panose="020B0609020204030204" pitchFamily="49" charset="0"/>
+              </a:rPr>
+              <a:t> </a:t>
+            </a:r>
+            <a:r>
+              <a:rPr lang="pl-PL" dirty="0" err="1">
+                <a:solidFill>
+                  <a:srgbClr val="795E26"/>
+                </a:solidFill>
+                <a:latin typeface="Consolas" panose="020B0609020204030204" pitchFamily="49" charset="0"/>
+              </a:rPr>
+              <a:t>Animal</a:t>
+            </a:r>
+            <a:r>
+              <a:rPr lang="pl-PL" dirty="0">
+                <a:solidFill>
+                  <a:srgbClr val="000000"/>
+                </a:solidFill>
+                <a:latin typeface="Consolas" panose="020B0609020204030204" pitchFamily="49" charset="0"/>
+              </a:rPr>
+              <a:t> = </a:t>
+            </a:r>
+            <a:r>
+              <a:rPr lang="pl-PL" dirty="0" err="1">
+                <a:solidFill>
+                  <a:srgbClr val="0000FF"/>
+                </a:solidFill>
+                <a:latin typeface="Consolas" panose="020B0609020204030204" pitchFamily="49" charset="0"/>
+              </a:rPr>
+              <a:t>function</a:t>
+            </a:r>
+            <a:r>
+              <a:rPr lang="pl-PL" dirty="0">
+                <a:solidFill>
+                  <a:srgbClr val="000000"/>
+                </a:solidFill>
+                <a:latin typeface="Consolas" panose="020B0609020204030204" pitchFamily="49" charset="0"/>
+              </a:rPr>
+              <a:t>(</a:t>
+            </a:r>
+            <a:r>
+              <a:rPr lang="pl-PL" dirty="0" err="1">
+                <a:solidFill>
+                  <a:srgbClr val="001080"/>
+                </a:solidFill>
+                <a:latin typeface="Consolas" panose="020B0609020204030204" pitchFamily="49" charset="0"/>
+              </a:rPr>
+              <a:t>name</a:t>
+            </a:r>
+            <a:r>
+              <a:rPr lang="pl-PL" dirty="0">
+                <a:solidFill>
+                  <a:srgbClr val="000000"/>
+                </a:solidFill>
+                <a:latin typeface="Consolas" panose="020B0609020204030204" pitchFamily="49" charset="0"/>
+              </a:rPr>
+              <a:t>){</a:t>
+            </a:r>
+          </a:p>
+          <a:p>
+            <a:pPr marL="0" indent="0">
+              <a:buNone/>
+            </a:pPr>
+            <a:r>
+              <a:rPr lang="en-GB" dirty="0">
+                <a:solidFill>
+                  <a:srgbClr val="0000FF"/>
+                </a:solidFill>
+                <a:latin typeface="Consolas" panose="020B0609020204030204" pitchFamily="49" charset="0"/>
+              </a:rPr>
+              <a:t>	</a:t>
+            </a:r>
+            <a:r>
+              <a:rPr lang="pl-PL" dirty="0">
+                <a:solidFill>
+                  <a:srgbClr val="0000FF"/>
+                </a:solidFill>
+                <a:latin typeface="Consolas" panose="020B0609020204030204" pitchFamily="49" charset="0"/>
+              </a:rPr>
+              <a:t>this</a:t>
+            </a:r>
+            <a:r>
+              <a:rPr lang="pl-PL" dirty="0">
+                <a:solidFill>
+                  <a:srgbClr val="000000"/>
+                </a:solidFill>
+                <a:latin typeface="Consolas" panose="020B0609020204030204" pitchFamily="49" charset="0"/>
+              </a:rPr>
+              <a:t>.</a:t>
+            </a:r>
+            <a:r>
+              <a:rPr lang="pl-PL" dirty="0">
+                <a:solidFill>
+                  <a:srgbClr val="001080"/>
+                </a:solidFill>
+                <a:latin typeface="Consolas" panose="020B0609020204030204" pitchFamily="49" charset="0"/>
+              </a:rPr>
+              <a:t>name</a:t>
+            </a:r>
+            <a:r>
+              <a:rPr lang="pl-PL" dirty="0">
+                <a:solidFill>
+                  <a:srgbClr val="000000"/>
+                </a:solidFill>
+                <a:latin typeface="Consolas" panose="020B0609020204030204" pitchFamily="49" charset="0"/>
+              </a:rPr>
+              <a:t> = </a:t>
+            </a:r>
+            <a:r>
+              <a:rPr lang="pl-PL" dirty="0" err="1">
+                <a:solidFill>
+                  <a:srgbClr val="001080"/>
+                </a:solidFill>
+                <a:latin typeface="Consolas" panose="020B0609020204030204" pitchFamily="49" charset="0"/>
+              </a:rPr>
+              <a:t>name</a:t>
+            </a:r>
+            <a:r>
+              <a:rPr lang="pl-PL" dirty="0">
+                <a:solidFill>
+                  <a:srgbClr val="000000"/>
+                </a:solidFill>
+                <a:latin typeface="Consolas" panose="020B0609020204030204" pitchFamily="49" charset="0"/>
+              </a:rPr>
+              <a:t>;</a:t>
+            </a:r>
+          </a:p>
+          <a:p>
+            <a:pPr marL="0" indent="0">
+              <a:buNone/>
+            </a:pPr>
+            <a:r>
+              <a:rPr lang="pl-PL" dirty="0">
+                <a:solidFill>
+                  <a:srgbClr val="000000"/>
+                </a:solidFill>
+                <a:latin typeface="Consolas" panose="020B0609020204030204" pitchFamily="49" charset="0"/>
+              </a:rPr>
+              <a:t>};</a:t>
+            </a:r>
+          </a:p>
+          <a:p>
+            <a:pPr marL="0" indent="0">
+              <a:buNone/>
+            </a:pPr>
+            <a:br>
+              <a:rPr lang="pl-PL" dirty="0">
+                <a:solidFill>
+                  <a:srgbClr val="000000"/>
+                </a:solidFill>
+                <a:latin typeface="Consolas" panose="020B0609020204030204" pitchFamily="49" charset="0"/>
+              </a:rPr>
+            </a:br>
+            <a:br>
+              <a:rPr lang="pl-PL" dirty="0">
+                <a:solidFill>
+                  <a:srgbClr val="000000"/>
+                </a:solidFill>
+                <a:latin typeface="Consolas" panose="020B0609020204030204" pitchFamily="49" charset="0"/>
+              </a:rPr>
+            </a:br>
+            <a:r>
+              <a:rPr lang="pl-PL" dirty="0" err="1">
+                <a:solidFill>
+                  <a:srgbClr val="267F99"/>
+                </a:solidFill>
+                <a:latin typeface="Consolas" panose="020B0609020204030204" pitchFamily="49" charset="0"/>
+              </a:rPr>
+              <a:t>Animal</a:t>
+            </a:r>
+            <a:r>
+              <a:rPr lang="pl-PL" dirty="0" err="1">
+                <a:solidFill>
+                  <a:srgbClr val="000000"/>
+                </a:solidFill>
+                <a:latin typeface="Consolas" panose="020B0609020204030204" pitchFamily="49" charset="0"/>
+              </a:rPr>
+              <a:t>.</a:t>
+            </a:r>
+            <a:r>
+              <a:rPr lang="pl-PL" dirty="0" err="1">
+                <a:solidFill>
+                  <a:srgbClr val="001080"/>
+                </a:solidFill>
+                <a:latin typeface="Consolas" panose="020B0609020204030204" pitchFamily="49" charset="0"/>
+              </a:rPr>
+              <a:t>prototype</a:t>
+            </a:r>
+            <a:r>
+              <a:rPr lang="pl-PL" dirty="0" err="1">
+                <a:solidFill>
+                  <a:srgbClr val="000000"/>
+                </a:solidFill>
+                <a:latin typeface="Consolas" panose="020B0609020204030204" pitchFamily="49" charset="0"/>
+              </a:rPr>
+              <a:t>.</a:t>
+            </a:r>
+            <a:r>
+              <a:rPr lang="pl-PL" dirty="0" err="1">
+                <a:solidFill>
+                  <a:srgbClr val="795E26"/>
+                </a:solidFill>
+                <a:latin typeface="Consolas" panose="020B0609020204030204" pitchFamily="49" charset="0"/>
+              </a:rPr>
+              <a:t>makeSound</a:t>
+            </a:r>
+            <a:r>
+              <a:rPr lang="pl-PL" dirty="0">
+                <a:solidFill>
+                  <a:srgbClr val="000000"/>
+                </a:solidFill>
+                <a:latin typeface="Consolas" panose="020B0609020204030204" pitchFamily="49" charset="0"/>
+              </a:rPr>
+              <a:t> = </a:t>
+            </a:r>
+            <a:r>
+              <a:rPr lang="pl-PL" dirty="0" err="1">
+                <a:solidFill>
+                  <a:srgbClr val="0000FF"/>
+                </a:solidFill>
+                <a:latin typeface="Consolas" panose="020B0609020204030204" pitchFamily="49" charset="0"/>
+              </a:rPr>
+              <a:t>function</a:t>
+            </a:r>
+            <a:r>
+              <a:rPr lang="pl-PL" dirty="0">
+                <a:solidFill>
+                  <a:srgbClr val="000000"/>
+                </a:solidFill>
+                <a:latin typeface="Consolas" panose="020B0609020204030204" pitchFamily="49" charset="0"/>
+              </a:rPr>
+              <a:t> () {</a:t>
+            </a:r>
+          </a:p>
+          <a:p>
+            <a:pPr marL="0" indent="0">
+              <a:buNone/>
+            </a:pPr>
+            <a:r>
+              <a:rPr lang="en-GB" dirty="0">
+                <a:solidFill>
+                  <a:srgbClr val="AF00DB"/>
+                </a:solidFill>
+                <a:latin typeface="Consolas" panose="020B0609020204030204" pitchFamily="49" charset="0"/>
+              </a:rPr>
+              <a:t>	</a:t>
+            </a:r>
+            <a:r>
+              <a:rPr lang="pl-PL" dirty="0">
+                <a:solidFill>
+                  <a:srgbClr val="AF00DB"/>
+                </a:solidFill>
+                <a:latin typeface="Consolas" panose="020B0609020204030204" pitchFamily="49" charset="0"/>
+              </a:rPr>
+              <a:t>return</a:t>
+            </a:r>
+            <a:r>
+              <a:rPr lang="pl-PL" dirty="0">
+                <a:solidFill>
+                  <a:srgbClr val="000000"/>
+                </a:solidFill>
+                <a:latin typeface="Consolas" panose="020B0609020204030204" pitchFamily="49" charset="0"/>
+              </a:rPr>
+              <a:t> (</a:t>
+            </a:r>
+            <a:r>
+              <a:rPr lang="pl-PL" dirty="0">
+                <a:solidFill>
+                  <a:srgbClr val="A31515"/>
+                </a:solidFill>
+                <a:latin typeface="Consolas" panose="020B0609020204030204" pitchFamily="49" charset="0"/>
+              </a:rPr>
+              <a:t>'('</a:t>
+            </a:r>
+            <a:r>
+              <a:rPr lang="pl-PL" dirty="0">
+                <a:solidFill>
+                  <a:srgbClr val="000000"/>
+                </a:solidFill>
+                <a:latin typeface="Consolas" panose="020B0609020204030204" pitchFamily="49" charset="0"/>
+              </a:rPr>
+              <a:t>+</a:t>
+            </a:r>
+            <a:r>
+              <a:rPr lang="pl-PL" dirty="0">
+                <a:solidFill>
+                  <a:srgbClr val="0000FF"/>
+                </a:solidFill>
+                <a:latin typeface="Consolas" panose="020B0609020204030204" pitchFamily="49" charset="0"/>
+              </a:rPr>
+              <a:t>this</a:t>
+            </a:r>
+            <a:r>
+              <a:rPr lang="pl-PL" dirty="0">
+                <a:solidFill>
+                  <a:srgbClr val="000000"/>
+                </a:solidFill>
+                <a:latin typeface="Consolas" panose="020B0609020204030204" pitchFamily="49" charset="0"/>
+              </a:rPr>
+              <a:t>.</a:t>
+            </a:r>
+            <a:r>
+              <a:rPr lang="pl-PL" dirty="0">
+                <a:solidFill>
+                  <a:srgbClr val="001080"/>
+                </a:solidFill>
+                <a:latin typeface="Consolas" panose="020B0609020204030204" pitchFamily="49" charset="0"/>
+              </a:rPr>
+              <a:t>name</a:t>
+            </a:r>
+            <a:r>
+              <a:rPr lang="pl-PL" dirty="0">
+                <a:solidFill>
+                  <a:srgbClr val="000000"/>
+                </a:solidFill>
+                <a:latin typeface="Consolas" panose="020B0609020204030204" pitchFamily="49" charset="0"/>
+              </a:rPr>
+              <a:t>+</a:t>
+            </a:r>
+            <a:r>
+              <a:rPr lang="pl-PL" dirty="0">
+                <a:solidFill>
+                  <a:srgbClr val="A31515"/>
+                </a:solidFill>
+                <a:latin typeface="Consolas" panose="020B0609020204030204" pitchFamily="49" charset="0"/>
+              </a:rPr>
+              <a:t>')'</a:t>
+            </a:r>
+            <a:r>
+              <a:rPr lang="pl-PL" dirty="0">
+                <a:solidFill>
+                  <a:srgbClr val="000000"/>
+                </a:solidFill>
+                <a:latin typeface="Consolas" panose="020B0609020204030204" pitchFamily="49" charset="0"/>
+              </a:rPr>
+              <a:t>);</a:t>
+            </a:r>
+          </a:p>
+          <a:p>
+            <a:pPr marL="0" indent="0">
+              <a:buNone/>
+            </a:pPr>
+            <a:r>
+              <a:rPr lang="pl-PL" dirty="0">
+                <a:solidFill>
+                  <a:srgbClr val="000000"/>
+                </a:solidFill>
+                <a:latin typeface="Consolas" panose="020B0609020204030204" pitchFamily="49" charset="0"/>
+              </a:rPr>
+              <a:t>};</a:t>
+            </a:r>
+          </a:p>
+          <a:p>
+            <a:pPr marL="0" indent="0">
+              <a:buNone/>
+            </a:pPr>
+            <a:endParaRPr lang="pl-PL" dirty="0"/>
           </a:p>
         </p:txBody>
       </p:sp>
@@ -7121,12 +7804,490 @@
             <p:ph idx="1"/>
           </p:nvPr>
         </p:nvSpPr>
-        <p:spPr/>
-        <p:txBody>
-          <a:bodyPr/>
+        <p:spPr>
+          <a:xfrm>
+            <a:off x="761198" y="1575368"/>
+            <a:ext cx="10515600" cy="4351338"/>
+          </a:xfrm>
+        </p:spPr>
+        <p:txBody>
+          <a:bodyPr>
+            <a:normAutofit fontScale="85000" lnSpcReduction="20000"/>
+          </a:bodyPr>
           <a:lstStyle/>
           <a:p>
-            <a:endParaRPr lang="pl-PL"/>
+            <a:pPr marL="0" indent="0">
+              <a:buNone/>
+            </a:pPr>
+            <a:r>
+              <a:rPr lang="pl-PL" noProof="1">
+                <a:solidFill>
+                  <a:srgbClr val="0000FF"/>
+                </a:solidFill>
+                <a:latin typeface="Consolas" panose="020B0609020204030204" pitchFamily="49" charset="0"/>
+              </a:rPr>
+              <a:t>var</a:t>
+            </a:r>
+            <a:r>
+              <a:rPr lang="pl-PL" dirty="0">
+                <a:solidFill>
+                  <a:srgbClr val="000000"/>
+                </a:solidFill>
+                <a:latin typeface="Consolas" panose="020B0609020204030204" pitchFamily="49" charset="0"/>
+              </a:rPr>
+              <a:t> </a:t>
+            </a:r>
+            <a:r>
+              <a:rPr lang="pl-PL" dirty="0">
+                <a:solidFill>
+                  <a:srgbClr val="001080"/>
+                </a:solidFill>
+                <a:latin typeface="Consolas" panose="020B0609020204030204" pitchFamily="49" charset="0"/>
+              </a:rPr>
+              <a:t>MODULE</a:t>
+            </a:r>
+            <a:r>
+              <a:rPr lang="pl-PL" dirty="0">
+                <a:solidFill>
+                  <a:srgbClr val="000000"/>
+                </a:solidFill>
+                <a:latin typeface="Consolas" panose="020B0609020204030204" pitchFamily="49" charset="0"/>
+              </a:rPr>
+              <a:t> = (</a:t>
+            </a:r>
+            <a:r>
+              <a:rPr lang="pl-PL" dirty="0" err="1">
+                <a:solidFill>
+                  <a:srgbClr val="0000FF"/>
+                </a:solidFill>
+                <a:latin typeface="Consolas" panose="020B0609020204030204" pitchFamily="49" charset="0"/>
+              </a:rPr>
+              <a:t>function</a:t>
+            </a:r>
+            <a:r>
+              <a:rPr lang="pl-PL" dirty="0">
+                <a:solidFill>
+                  <a:srgbClr val="000000"/>
+                </a:solidFill>
+                <a:latin typeface="Consolas" panose="020B0609020204030204" pitchFamily="49" charset="0"/>
+              </a:rPr>
+              <a:t> () {</a:t>
+            </a:r>
+          </a:p>
+          <a:p>
+            <a:pPr marL="0" indent="0">
+              <a:buNone/>
+            </a:pPr>
+            <a:r>
+              <a:rPr lang="pl-PL" dirty="0">
+                <a:solidFill>
+                  <a:srgbClr val="000000"/>
+                </a:solidFill>
+                <a:latin typeface="Consolas" panose="020B0609020204030204" pitchFamily="49" charset="0"/>
+              </a:rPr>
+              <a:t>    </a:t>
+            </a:r>
+            <a:r>
+              <a:rPr lang="pl-PL" dirty="0" err="1">
+                <a:solidFill>
+                  <a:srgbClr val="0000FF"/>
+                </a:solidFill>
+                <a:latin typeface="Consolas" panose="020B0609020204030204" pitchFamily="49" charset="0"/>
+              </a:rPr>
+              <a:t>var</a:t>
+            </a:r>
+            <a:r>
+              <a:rPr lang="pl-PL" dirty="0">
+                <a:solidFill>
+                  <a:srgbClr val="000000"/>
+                </a:solidFill>
+                <a:latin typeface="Consolas" panose="020B0609020204030204" pitchFamily="49" charset="0"/>
+              </a:rPr>
+              <a:t> </a:t>
+            </a:r>
+            <a:r>
+              <a:rPr lang="pl-PL" dirty="0">
+                <a:solidFill>
+                  <a:srgbClr val="001080"/>
+                </a:solidFill>
+                <a:latin typeface="Consolas" panose="020B0609020204030204" pitchFamily="49" charset="0"/>
+              </a:rPr>
+              <a:t>my</a:t>
+            </a:r>
+            <a:r>
+              <a:rPr lang="pl-PL" dirty="0">
+                <a:solidFill>
+                  <a:srgbClr val="000000"/>
+                </a:solidFill>
+                <a:latin typeface="Consolas" panose="020B0609020204030204" pitchFamily="49" charset="0"/>
+              </a:rPr>
+              <a:t> = {},</a:t>
+            </a:r>
+          </a:p>
+          <a:p>
+            <a:pPr marL="0" indent="0">
+              <a:buNone/>
+            </a:pPr>
+            <a:r>
+              <a:rPr lang="pl-PL" dirty="0">
+                <a:solidFill>
+                  <a:srgbClr val="000000"/>
+                </a:solidFill>
+                <a:latin typeface="Consolas" panose="020B0609020204030204" pitchFamily="49" charset="0"/>
+              </a:rPr>
+              <a:t>        </a:t>
+            </a:r>
+            <a:r>
+              <a:rPr lang="pl-PL" dirty="0" err="1">
+                <a:solidFill>
+                  <a:srgbClr val="001080"/>
+                </a:solidFill>
+                <a:latin typeface="Consolas" panose="020B0609020204030204" pitchFamily="49" charset="0"/>
+              </a:rPr>
+              <a:t>privateVariable</a:t>
+            </a:r>
+            <a:r>
+              <a:rPr lang="pl-PL" dirty="0">
+                <a:solidFill>
+                  <a:srgbClr val="000000"/>
+                </a:solidFill>
+                <a:latin typeface="Consolas" panose="020B0609020204030204" pitchFamily="49" charset="0"/>
+              </a:rPr>
+              <a:t> = </a:t>
+            </a:r>
+            <a:r>
+              <a:rPr lang="pl-PL" dirty="0">
+                <a:solidFill>
+                  <a:srgbClr val="09885A"/>
+                </a:solidFill>
+                <a:latin typeface="Consolas" panose="020B0609020204030204" pitchFamily="49" charset="0"/>
+              </a:rPr>
+              <a:t>1</a:t>
+            </a:r>
+            <a:r>
+              <a:rPr lang="pl-PL" dirty="0">
+                <a:solidFill>
+                  <a:srgbClr val="000000"/>
+                </a:solidFill>
+                <a:latin typeface="Consolas" panose="020B0609020204030204" pitchFamily="49" charset="0"/>
+              </a:rPr>
+              <a:t>;</a:t>
+            </a:r>
+          </a:p>
+          <a:p>
+            <a:pPr marL="0" indent="0">
+              <a:buNone/>
+            </a:pPr>
+            <a:br>
+              <a:rPr lang="pl-PL" dirty="0">
+                <a:solidFill>
+                  <a:srgbClr val="000000"/>
+                </a:solidFill>
+                <a:latin typeface="Consolas" panose="020B0609020204030204" pitchFamily="49" charset="0"/>
+              </a:rPr>
+            </a:br>
+            <a:r>
+              <a:rPr lang="pl-PL" dirty="0">
+                <a:solidFill>
+                  <a:srgbClr val="000000"/>
+                </a:solidFill>
+                <a:latin typeface="Consolas" panose="020B0609020204030204" pitchFamily="49" charset="0"/>
+              </a:rPr>
+              <a:t>    </a:t>
+            </a:r>
+            <a:r>
+              <a:rPr lang="pl-PL" dirty="0" err="1">
+                <a:solidFill>
+                  <a:srgbClr val="0000FF"/>
+                </a:solidFill>
+                <a:latin typeface="Consolas" panose="020B0609020204030204" pitchFamily="49" charset="0"/>
+              </a:rPr>
+              <a:t>function</a:t>
+            </a:r>
+            <a:r>
+              <a:rPr lang="pl-PL" dirty="0">
+                <a:solidFill>
+                  <a:srgbClr val="000000"/>
+                </a:solidFill>
+                <a:latin typeface="Consolas" panose="020B0609020204030204" pitchFamily="49" charset="0"/>
+              </a:rPr>
+              <a:t> </a:t>
+            </a:r>
+            <a:r>
+              <a:rPr lang="pl-PL" dirty="0" err="1">
+                <a:solidFill>
+                  <a:srgbClr val="795E26"/>
+                </a:solidFill>
+                <a:latin typeface="Consolas" panose="020B0609020204030204" pitchFamily="49" charset="0"/>
+              </a:rPr>
+              <a:t>privateMethod</a:t>
+            </a:r>
+            <a:r>
+              <a:rPr lang="pl-PL" dirty="0">
+                <a:solidFill>
+                  <a:srgbClr val="000000"/>
+                </a:solidFill>
+                <a:latin typeface="Consolas" panose="020B0609020204030204" pitchFamily="49" charset="0"/>
+              </a:rPr>
+              <a:t>() {</a:t>
+            </a:r>
+          </a:p>
+          <a:p>
+            <a:pPr marL="0" indent="0">
+              <a:buNone/>
+            </a:pPr>
+            <a:r>
+              <a:rPr lang="pl-PL" dirty="0">
+                <a:solidFill>
+                  <a:srgbClr val="000000"/>
+                </a:solidFill>
+                <a:latin typeface="Consolas" panose="020B0609020204030204" pitchFamily="49" charset="0"/>
+              </a:rPr>
+              <a:t>        </a:t>
+            </a:r>
+            <a:r>
+              <a:rPr lang="pl-PL" dirty="0">
+                <a:solidFill>
+                  <a:srgbClr val="008000"/>
+                </a:solidFill>
+                <a:latin typeface="Consolas" panose="020B0609020204030204" pitchFamily="49" charset="0"/>
+              </a:rPr>
+              <a:t>// ...</a:t>
+            </a:r>
+            <a:endParaRPr lang="pl-PL" dirty="0">
+              <a:solidFill>
+                <a:srgbClr val="000000"/>
+              </a:solidFill>
+              <a:latin typeface="Consolas" panose="020B0609020204030204" pitchFamily="49" charset="0"/>
+            </a:endParaRPr>
+          </a:p>
+          <a:p>
+            <a:pPr marL="0" indent="0">
+              <a:buNone/>
+            </a:pPr>
+            <a:r>
+              <a:rPr lang="pl-PL" dirty="0">
+                <a:solidFill>
+                  <a:srgbClr val="000000"/>
+                </a:solidFill>
+                <a:latin typeface="Consolas" panose="020B0609020204030204" pitchFamily="49" charset="0"/>
+              </a:rPr>
+              <a:t>    }</a:t>
+            </a:r>
+          </a:p>
+          <a:p>
+            <a:pPr marL="0" indent="0">
+              <a:buNone/>
+            </a:pPr>
+            <a:br>
+              <a:rPr lang="pl-PL" dirty="0">
+                <a:solidFill>
+                  <a:srgbClr val="000000"/>
+                </a:solidFill>
+                <a:latin typeface="Consolas" panose="020B0609020204030204" pitchFamily="49" charset="0"/>
+              </a:rPr>
+            </a:br>
+            <a:r>
+              <a:rPr lang="pl-PL" dirty="0">
+                <a:solidFill>
+                  <a:srgbClr val="000000"/>
+                </a:solidFill>
+                <a:latin typeface="Consolas" panose="020B0609020204030204" pitchFamily="49" charset="0"/>
+              </a:rPr>
+              <a:t>    </a:t>
+            </a:r>
+            <a:r>
+              <a:rPr lang="pl-PL" dirty="0">
+                <a:solidFill>
+                  <a:srgbClr val="AF00DB"/>
+                </a:solidFill>
+                <a:latin typeface="Consolas" panose="020B0609020204030204" pitchFamily="49" charset="0"/>
+              </a:rPr>
+              <a:t>return</a:t>
+            </a:r>
+            <a:r>
+              <a:rPr lang="pl-PL" dirty="0">
+                <a:solidFill>
+                  <a:srgbClr val="000000"/>
+                </a:solidFill>
+                <a:latin typeface="Consolas" panose="020B0609020204030204" pitchFamily="49" charset="0"/>
+              </a:rPr>
+              <a:t> {</a:t>
+            </a:r>
+            <a:r>
+              <a:rPr lang="en-GB" dirty="0">
+                <a:solidFill>
+                  <a:srgbClr val="000000"/>
+                </a:solidFill>
+                <a:latin typeface="Consolas" panose="020B0609020204030204" pitchFamily="49" charset="0"/>
+              </a:rPr>
+              <a:t> </a:t>
+            </a:r>
+            <a:r>
+              <a:rPr lang="pl-PL" dirty="0" err="1">
+                <a:solidFill>
+                  <a:srgbClr val="001080"/>
+                </a:solidFill>
+                <a:latin typeface="Consolas" panose="020B0609020204030204" pitchFamily="49" charset="0"/>
+              </a:rPr>
+              <a:t>moduleProperty</a:t>
+            </a:r>
+            <a:r>
+              <a:rPr lang="pl-PL" dirty="0">
+                <a:solidFill>
+                  <a:srgbClr val="001080"/>
+                </a:solidFill>
+                <a:latin typeface="Consolas" panose="020B0609020204030204" pitchFamily="49" charset="0"/>
+              </a:rPr>
+              <a:t>:</a:t>
+            </a:r>
+            <a:r>
+              <a:rPr lang="pl-PL" dirty="0">
+                <a:solidFill>
+                  <a:srgbClr val="000000"/>
+                </a:solidFill>
+                <a:latin typeface="Consolas" panose="020B0609020204030204" pitchFamily="49" charset="0"/>
+              </a:rPr>
+              <a:t> </a:t>
+            </a:r>
+            <a:r>
+              <a:rPr lang="pl-PL" dirty="0">
+                <a:solidFill>
+                  <a:srgbClr val="09885A"/>
+                </a:solidFill>
+                <a:latin typeface="Consolas" panose="020B0609020204030204" pitchFamily="49" charset="0"/>
+              </a:rPr>
+              <a:t>1</a:t>
+            </a:r>
+            <a:r>
+              <a:rPr lang="pl-PL" dirty="0">
+                <a:solidFill>
+                  <a:srgbClr val="000000"/>
+                </a:solidFill>
+                <a:latin typeface="Consolas" panose="020B0609020204030204" pitchFamily="49" charset="0"/>
+              </a:rPr>
+              <a:t>,</a:t>
+            </a:r>
+            <a:r>
+              <a:rPr lang="en-GB" dirty="0">
+                <a:solidFill>
+                  <a:srgbClr val="000000"/>
+                </a:solidFill>
+                <a:latin typeface="Consolas" panose="020B0609020204030204" pitchFamily="49" charset="0"/>
+              </a:rPr>
+              <a:t> </a:t>
+            </a:r>
+          </a:p>
+          <a:p>
+            <a:pPr marL="0" indent="0">
+              <a:buNone/>
+            </a:pPr>
+            <a:r>
+              <a:rPr lang="en-GB" dirty="0">
+                <a:solidFill>
+                  <a:srgbClr val="000000"/>
+                </a:solidFill>
+                <a:latin typeface="Consolas" panose="020B0609020204030204" pitchFamily="49" charset="0"/>
+              </a:rPr>
+              <a:t>		   </a:t>
+            </a:r>
+            <a:r>
+              <a:rPr lang="pl-PL" dirty="0" err="1">
+                <a:solidFill>
+                  <a:srgbClr val="795E26"/>
+                </a:solidFill>
+                <a:latin typeface="Consolas" panose="020B0609020204030204" pitchFamily="49" charset="0"/>
+              </a:rPr>
+              <a:t>moduleMethod</a:t>
+            </a:r>
+            <a:r>
+              <a:rPr lang="pl-PL" dirty="0">
+                <a:solidFill>
+                  <a:srgbClr val="001080"/>
+                </a:solidFill>
+                <a:latin typeface="Consolas" panose="020B0609020204030204" pitchFamily="49" charset="0"/>
+              </a:rPr>
+              <a:t>:</a:t>
+            </a:r>
+            <a:r>
+              <a:rPr lang="pl-PL" dirty="0">
+                <a:solidFill>
+                  <a:srgbClr val="000000"/>
+                </a:solidFill>
+                <a:latin typeface="Consolas" panose="020B0609020204030204" pitchFamily="49" charset="0"/>
+              </a:rPr>
+              <a:t> </a:t>
+            </a:r>
+            <a:r>
+              <a:rPr lang="pl-PL" dirty="0" err="1">
+                <a:solidFill>
+                  <a:srgbClr val="0000FF"/>
+                </a:solidFill>
+                <a:latin typeface="Consolas" panose="020B0609020204030204" pitchFamily="49" charset="0"/>
+              </a:rPr>
+              <a:t>function</a:t>
+            </a:r>
+            <a:r>
+              <a:rPr lang="pl-PL" dirty="0">
+                <a:solidFill>
+                  <a:srgbClr val="000000"/>
+                </a:solidFill>
+                <a:latin typeface="Consolas" panose="020B0609020204030204" pitchFamily="49" charset="0"/>
+              </a:rPr>
+              <a:t> () {}</a:t>
+            </a:r>
+            <a:r>
+              <a:rPr lang="en-GB" dirty="0">
+                <a:solidFill>
+                  <a:srgbClr val="000000"/>
+                </a:solidFill>
+                <a:latin typeface="Consolas" panose="020B0609020204030204" pitchFamily="49" charset="0"/>
+              </a:rPr>
+              <a:t> </a:t>
+            </a:r>
+          </a:p>
+          <a:p>
+            <a:pPr marL="0" indent="0">
+              <a:buNone/>
+            </a:pPr>
+            <a:r>
+              <a:rPr lang="en-GB" dirty="0">
+                <a:solidFill>
+                  <a:srgbClr val="000000"/>
+                </a:solidFill>
+                <a:latin typeface="Consolas" panose="020B0609020204030204" pitchFamily="49" charset="0"/>
+              </a:rPr>
+              <a:t>		</a:t>
+            </a:r>
+            <a:r>
+              <a:rPr lang="pl-PL" dirty="0">
+                <a:solidFill>
+                  <a:srgbClr val="000000"/>
+                </a:solidFill>
+                <a:latin typeface="Consolas" panose="020B0609020204030204" pitchFamily="49" charset="0"/>
+              </a:rPr>
+              <a:t>};</a:t>
+            </a:r>
+          </a:p>
+          <a:p>
+            <a:pPr marL="0" indent="0">
+              <a:buNone/>
+            </a:pPr>
+            <a:r>
+              <a:rPr lang="pl-PL" dirty="0">
+                <a:solidFill>
+                  <a:srgbClr val="000000"/>
+                </a:solidFill>
+                <a:latin typeface="Consolas" panose="020B0609020204030204" pitchFamily="49" charset="0"/>
+              </a:rPr>
+              <a:t>}());</a:t>
+            </a:r>
+          </a:p>
+          <a:p>
+            <a:pPr marL="0" indent="0">
+              <a:buNone/>
+            </a:pPr>
+            <a:endParaRPr lang="pl-PL" dirty="0"/>
           </a:p>
         </p:txBody>
       </p:sp>
@@ -7182,38 +8343,877 @@
           <a:lstStyle/>
           <a:p>
             <a:r>
-              <a:rPr lang="en-GB"/>
-              <a:t>ECMA5</a:t>
-            </a:r>
-            <a:endParaRPr lang="pl-PL"/>
-          </a:p>
-        </p:txBody>
-      </p:sp>
-      <p:sp>
-        <p:nvSpPr>
-          <p:cNvPr id="3" name="Symbol zastępczy zawartości 2">
+              <a:rPr lang="en-GB" dirty="0"/>
+              <a:t>ECMAScript5 – C# </a:t>
+            </a:r>
+            <a:r>
+              <a:rPr lang="en-GB" dirty="0" err="1"/>
+              <a:t>Linq</a:t>
+            </a:r>
+            <a:r>
+              <a:rPr lang="en-GB" dirty="0"/>
+              <a:t> vs array function</a:t>
+            </a:r>
+            <a:endParaRPr lang="pl-PL" dirty="0"/>
+          </a:p>
+        </p:txBody>
+      </p:sp>
+      <p:graphicFrame>
+        <p:nvGraphicFramePr>
+          <p:cNvPr id="6" name="Symbol zastępczy zawartości 5">
             <a:extLst>
               <a:ext uri="{FF2B5EF4-FFF2-40B4-BE49-F238E27FC236}">
-                <a16:creationId xmlns:a16="http://schemas.microsoft.com/office/drawing/2014/main" id="{D32C2D9E-36B7-4B4A-9E41-86FC5C7DFE4F}"/>
+                <a16:creationId xmlns:a16="http://schemas.microsoft.com/office/drawing/2014/main" id="{4FD6E3A1-3AAA-46D4-8528-F77B532C6023}"/>
               </a:ext>
             </a:extLst>
           </p:cNvPr>
-          <p:cNvSpPr>
-            <a:spLocks noGrp="1"/>
-          </p:cNvSpPr>
+          <p:cNvGraphicFramePr>
+            <a:graphicFrameLocks noGrp="1"/>
+          </p:cNvGraphicFramePr>
           <p:nvPr>
             <p:ph idx="1"/>
-          </p:nvPr>
-        </p:nvSpPr>
-        <p:spPr/>
-        <p:txBody>
-          <a:bodyPr/>
-          <a:lstStyle/>
-          <a:p>
-            <a:endParaRPr lang="pl-PL"/>
-          </a:p>
-        </p:txBody>
-      </p:sp>
+            <p:extLst>
+              <p:ext uri="{D42A27DB-BD31-4B8C-83A1-F6EECF244321}">
+                <p14:modId xmlns:p14="http://schemas.microsoft.com/office/powerpoint/2010/main" val="122938712"/>
+              </p:ext>
+            </p:extLst>
+          </p:nvPr>
+        </p:nvGraphicFramePr>
+        <p:xfrm>
+          <a:off x="2069431" y="1809549"/>
+          <a:ext cx="7738711" cy="3484341"/>
+        </p:xfrm>
+        <a:graphic>
+          <a:graphicData uri="http://schemas.openxmlformats.org/drawingml/2006/table">
+            <a:tbl>
+              <a:tblPr/>
+              <a:tblGrid>
+                <a:gridCol w="3986609">
+                  <a:extLst>
+                    <a:ext uri="{9D8B030D-6E8A-4147-A177-3AD203B41FA5}">
+                      <a16:colId xmlns:a16="http://schemas.microsoft.com/office/drawing/2014/main" val="2050930475"/>
+                    </a:ext>
+                  </a:extLst>
+                </a:gridCol>
+                <a:gridCol w="3752102">
+                  <a:extLst>
+                    <a:ext uri="{9D8B030D-6E8A-4147-A177-3AD203B41FA5}">
+                      <a16:colId xmlns:a16="http://schemas.microsoft.com/office/drawing/2014/main" val="764268481"/>
+                    </a:ext>
+                  </a:extLst>
+                </a:gridCol>
+              </a:tblGrid>
+              <a:tr h="497763">
+                <a:tc>
+                  <a:txBody>
+                    <a:bodyPr/>
+                    <a:lstStyle/>
+                    <a:p>
+                      <a:pPr algn="l" fontAlgn="b"/>
+                      <a:r>
+                        <a:rPr lang="pl-PL" sz="2400" b="1" i="0" u="none" strike="noStrike">
+                          <a:solidFill>
+                            <a:srgbClr val="FFFFFF"/>
+                          </a:solidFill>
+                          <a:effectLst/>
+                          <a:latin typeface="Calibri" panose="020F0502020204030204" pitchFamily="34" charset="0"/>
+                        </a:rPr>
+                        <a:t>C#</a:t>
+                      </a:r>
+                    </a:p>
+                  </a:txBody>
+                  <a:tcPr marL="6350" marR="6350" marT="6350" marB="0" anchor="b">
+                    <a:lnL w="6350" cap="flat" cmpd="sng" algn="ctr">
+                      <a:solidFill>
+                        <a:srgbClr val="8EA9DB"/>
+                      </a:solidFill>
+                      <a:prstDash val="solid"/>
+                      <a:round/>
+                      <a:headEnd type="none" w="med" len="med"/>
+                      <a:tailEnd type="none" w="med" len="med"/>
+                    </a:lnL>
+                    <a:lnR>
+                      <a:noFill/>
+                    </a:lnR>
+                    <a:lnT w="6350" cap="flat" cmpd="sng" algn="ctr">
+                      <a:solidFill>
+                        <a:srgbClr val="8EA9DB"/>
+                      </a:solidFill>
+                      <a:prstDash val="solid"/>
+                      <a:round/>
+                      <a:headEnd type="none" w="med" len="med"/>
+                      <a:tailEnd type="none" w="med" len="med"/>
+                    </a:lnT>
+                    <a:lnB w="6350" cap="flat" cmpd="sng" algn="ctr">
+                      <a:solidFill>
+                        <a:srgbClr val="8EA9DB"/>
+                      </a:solidFill>
+                      <a:prstDash val="solid"/>
+                      <a:round/>
+                      <a:headEnd type="none" w="med" len="med"/>
+                      <a:tailEnd type="none" w="med" len="med"/>
+                    </a:lnB>
+                    <a:solidFill>
+                      <a:srgbClr val="4472C4"/>
+                    </a:solidFill>
+                  </a:tcPr>
+                </a:tc>
+                <a:tc>
+                  <a:txBody>
+                    <a:bodyPr/>
+                    <a:lstStyle/>
+                    <a:p>
+                      <a:pPr algn="l" fontAlgn="b"/>
+                      <a:r>
+                        <a:rPr lang="pl-PL" sz="2400" b="1" i="0" u="none" strike="noStrike">
+                          <a:solidFill>
+                            <a:srgbClr val="FFFFFF"/>
+                          </a:solidFill>
+                          <a:effectLst/>
+                          <a:latin typeface="Calibri" panose="020F0502020204030204" pitchFamily="34" charset="0"/>
+                        </a:rPr>
+                        <a:t>ECMAScript5</a:t>
+                      </a:r>
+                    </a:p>
+                  </a:txBody>
+                  <a:tcPr marL="6350" marR="6350" marT="6350" marB="0" anchor="b">
+                    <a:lnL>
+                      <a:noFill/>
+                    </a:lnL>
+                    <a:lnR w="6350" cap="flat" cmpd="sng" algn="ctr">
+                      <a:solidFill>
+                        <a:srgbClr val="8EA9DB"/>
+                      </a:solidFill>
+                      <a:prstDash val="solid"/>
+                      <a:round/>
+                      <a:headEnd type="none" w="med" len="med"/>
+                      <a:tailEnd type="none" w="med" len="med"/>
+                    </a:lnR>
+                    <a:lnT w="6350" cap="flat" cmpd="sng" algn="ctr">
+                      <a:solidFill>
+                        <a:srgbClr val="8EA9DB"/>
+                      </a:solidFill>
+                      <a:prstDash val="solid"/>
+                      <a:round/>
+                      <a:headEnd type="none" w="med" len="med"/>
+                      <a:tailEnd type="none" w="med" len="med"/>
+                    </a:lnT>
+                    <a:lnB w="6350" cap="flat" cmpd="sng" algn="ctr">
+                      <a:solidFill>
+                        <a:srgbClr val="8EA9DB"/>
+                      </a:solidFill>
+                      <a:prstDash val="solid"/>
+                      <a:round/>
+                      <a:headEnd type="none" w="med" len="med"/>
+                      <a:tailEnd type="none" w="med" len="med"/>
+                    </a:lnB>
+                    <a:solidFill>
+                      <a:srgbClr val="4472C4"/>
+                    </a:solidFill>
+                  </a:tcPr>
+                </a:tc>
+                <a:extLst>
+                  <a:ext uri="{0D108BD9-81ED-4DB2-BD59-A6C34878D82A}">
+                    <a16:rowId xmlns:a16="http://schemas.microsoft.com/office/drawing/2014/main" val="2366617205"/>
+                  </a:ext>
+                </a:extLst>
+              </a:tr>
+              <a:tr h="497763">
+                <a:tc>
+                  <a:txBody>
+                    <a:bodyPr/>
+                    <a:lstStyle/>
+                    <a:p>
+                      <a:pPr algn="l" fontAlgn="b"/>
+                      <a:r>
+                        <a:rPr lang="pl-PL" sz="2400" b="0" i="0" u="none" strike="noStrike">
+                          <a:solidFill>
+                            <a:srgbClr val="000000"/>
+                          </a:solidFill>
+                          <a:effectLst/>
+                          <a:latin typeface="Consolas" panose="020B0609020204030204" pitchFamily="49" charset="0"/>
+                        </a:rPr>
+                        <a:t>Where()</a:t>
+                      </a:r>
+                    </a:p>
+                  </a:txBody>
+                  <a:tcPr marL="6350" marR="6350" marT="6350" marB="0" anchor="b">
+                    <a:lnL w="6350" cap="flat" cmpd="sng" algn="ctr">
+                      <a:solidFill>
+                        <a:srgbClr val="8EA9DB"/>
+                      </a:solidFill>
+                      <a:prstDash val="solid"/>
+                      <a:round/>
+                      <a:headEnd type="none" w="med" len="med"/>
+                      <a:tailEnd type="none" w="med" len="med"/>
+                    </a:lnL>
+                    <a:lnR>
+                      <a:noFill/>
+                    </a:lnR>
+                    <a:lnT w="6350" cap="flat" cmpd="sng" algn="ctr">
+                      <a:solidFill>
+                        <a:srgbClr val="8EA9DB"/>
+                      </a:solidFill>
+                      <a:prstDash val="solid"/>
+                      <a:round/>
+                      <a:headEnd type="none" w="med" len="med"/>
+                      <a:tailEnd type="none" w="med" len="med"/>
+                    </a:lnT>
+                    <a:lnB w="6350" cap="flat" cmpd="sng" algn="ctr">
+                      <a:solidFill>
+                        <a:srgbClr val="8EA9DB"/>
+                      </a:solidFill>
+                      <a:prstDash val="solid"/>
+                      <a:round/>
+                      <a:headEnd type="none" w="med" len="med"/>
+                      <a:tailEnd type="none" w="med" len="med"/>
+                    </a:lnB>
+                    <a:solidFill>
+                      <a:srgbClr val="D9E1F2"/>
+                    </a:solidFill>
+                  </a:tcPr>
+                </a:tc>
+                <a:tc>
+                  <a:txBody>
+                    <a:bodyPr/>
+                    <a:lstStyle/>
+                    <a:p>
+                      <a:pPr algn="l" fontAlgn="b"/>
+                      <a:r>
+                        <a:rPr lang="pl-PL" sz="2400" b="0" i="0" u="none" strike="noStrike">
+                          <a:solidFill>
+                            <a:srgbClr val="000000"/>
+                          </a:solidFill>
+                          <a:effectLst/>
+                          <a:latin typeface="Consolas" panose="020B0609020204030204" pitchFamily="49" charset="0"/>
+                        </a:rPr>
+                        <a:t>filter()</a:t>
+                      </a:r>
+                    </a:p>
+                  </a:txBody>
+                  <a:tcPr marL="6350" marR="6350" marT="6350" marB="0" anchor="b">
+                    <a:lnL>
+                      <a:noFill/>
+                    </a:lnL>
+                    <a:lnR w="6350" cap="flat" cmpd="sng" algn="ctr">
+                      <a:solidFill>
+                        <a:srgbClr val="8EA9DB"/>
+                      </a:solidFill>
+                      <a:prstDash val="solid"/>
+                      <a:round/>
+                      <a:headEnd type="none" w="med" len="med"/>
+                      <a:tailEnd type="none" w="med" len="med"/>
+                    </a:lnR>
+                    <a:lnT w="6350" cap="flat" cmpd="sng" algn="ctr">
+                      <a:solidFill>
+                        <a:srgbClr val="8EA9DB"/>
+                      </a:solidFill>
+                      <a:prstDash val="solid"/>
+                      <a:round/>
+                      <a:headEnd type="none" w="med" len="med"/>
+                      <a:tailEnd type="none" w="med" len="med"/>
+                    </a:lnT>
+                    <a:lnB w="6350" cap="flat" cmpd="sng" algn="ctr">
+                      <a:solidFill>
+                        <a:srgbClr val="8EA9DB"/>
+                      </a:solidFill>
+                      <a:prstDash val="solid"/>
+                      <a:round/>
+                      <a:headEnd type="none" w="med" len="med"/>
+                      <a:tailEnd type="none" w="med" len="med"/>
+                    </a:lnB>
+                    <a:solidFill>
+                      <a:srgbClr val="D9E1F2"/>
+                    </a:solidFill>
+                  </a:tcPr>
+                </a:tc>
+                <a:extLst>
+                  <a:ext uri="{0D108BD9-81ED-4DB2-BD59-A6C34878D82A}">
+                    <a16:rowId xmlns:a16="http://schemas.microsoft.com/office/drawing/2014/main" val="4101366795"/>
+                  </a:ext>
+                </a:extLst>
+              </a:tr>
+              <a:tr h="497763">
+                <a:tc>
+                  <a:txBody>
+                    <a:bodyPr/>
+                    <a:lstStyle/>
+                    <a:p>
+                      <a:pPr algn="l" fontAlgn="b"/>
+                      <a:r>
+                        <a:rPr lang="pl-PL" sz="2400" b="0" i="0" u="none" strike="noStrike">
+                          <a:solidFill>
+                            <a:srgbClr val="000000"/>
+                          </a:solidFill>
+                          <a:effectLst/>
+                          <a:latin typeface="Consolas" panose="020B0609020204030204" pitchFamily="49" charset="0"/>
+                        </a:rPr>
+                        <a:t>Select()</a:t>
+                      </a:r>
+                    </a:p>
+                  </a:txBody>
+                  <a:tcPr marL="6350" marR="6350" marT="6350" marB="0" anchor="b">
+                    <a:lnL w="6350" cap="flat" cmpd="sng" algn="ctr">
+                      <a:solidFill>
+                        <a:srgbClr val="8EA9DB"/>
+                      </a:solidFill>
+                      <a:prstDash val="solid"/>
+                      <a:round/>
+                      <a:headEnd type="none" w="med" len="med"/>
+                      <a:tailEnd type="none" w="med" len="med"/>
+                    </a:lnL>
+                    <a:lnR>
+                      <a:noFill/>
+                    </a:lnR>
+                    <a:lnT w="6350" cap="flat" cmpd="sng" algn="ctr">
+                      <a:solidFill>
+                        <a:srgbClr val="8EA9DB"/>
+                      </a:solidFill>
+                      <a:prstDash val="solid"/>
+                      <a:round/>
+                      <a:headEnd type="none" w="med" len="med"/>
+                      <a:tailEnd type="none" w="med" len="med"/>
+                    </a:lnT>
+                    <a:lnB w="6350" cap="flat" cmpd="sng" algn="ctr">
+                      <a:solidFill>
+                        <a:srgbClr val="8EA9DB"/>
+                      </a:solidFill>
+                      <a:prstDash val="solid"/>
+                      <a:round/>
+                      <a:headEnd type="none" w="med" len="med"/>
+                      <a:tailEnd type="none" w="med" len="med"/>
+                    </a:lnB>
+                  </a:tcPr>
+                </a:tc>
+                <a:tc>
+                  <a:txBody>
+                    <a:bodyPr/>
+                    <a:lstStyle/>
+                    <a:p>
+                      <a:pPr algn="l" fontAlgn="b"/>
+                      <a:r>
+                        <a:rPr lang="pl-PL" sz="2400" b="0" i="0" u="none" strike="noStrike">
+                          <a:solidFill>
+                            <a:srgbClr val="000000"/>
+                          </a:solidFill>
+                          <a:effectLst/>
+                          <a:latin typeface="Consolas" panose="020B0609020204030204" pitchFamily="49" charset="0"/>
+                        </a:rPr>
+                        <a:t>map()</a:t>
+                      </a:r>
+                    </a:p>
+                  </a:txBody>
+                  <a:tcPr marL="6350" marR="6350" marT="6350" marB="0" anchor="b">
+                    <a:lnL>
+                      <a:noFill/>
+                    </a:lnL>
+                    <a:lnR w="6350" cap="flat" cmpd="sng" algn="ctr">
+                      <a:solidFill>
+                        <a:srgbClr val="8EA9DB"/>
+                      </a:solidFill>
+                      <a:prstDash val="solid"/>
+                      <a:round/>
+                      <a:headEnd type="none" w="med" len="med"/>
+                      <a:tailEnd type="none" w="med" len="med"/>
+                    </a:lnR>
+                    <a:lnT w="6350" cap="flat" cmpd="sng" algn="ctr">
+                      <a:solidFill>
+                        <a:srgbClr val="8EA9DB"/>
+                      </a:solidFill>
+                      <a:prstDash val="solid"/>
+                      <a:round/>
+                      <a:headEnd type="none" w="med" len="med"/>
+                      <a:tailEnd type="none" w="med" len="med"/>
+                    </a:lnT>
+                    <a:lnB w="6350" cap="flat" cmpd="sng" algn="ctr">
+                      <a:solidFill>
+                        <a:srgbClr val="8EA9DB"/>
+                      </a:solidFill>
+                      <a:prstDash val="solid"/>
+                      <a:round/>
+                      <a:headEnd type="none" w="med" len="med"/>
+                      <a:tailEnd type="none" w="med" len="med"/>
+                    </a:lnB>
+                  </a:tcPr>
+                </a:tc>
+                <a:extLst>
+                  <a:ext uri="{0D108BD9-81ED-4DB2-BD59-A6C34878D82A}">
+                    <a16:rowId xmlns:a16="http://schemas.microsoft.com/office/drawing/2014/main" val="17940330"/>
+                  </a:ext>
+                </a:extLst>
+              </a:tr>
+              <a:tr h="497763">
+                <a:tc>
+                  <a:txBody>
+                    <a:bodyPr/>
+                    <a:lstStyle/>
+                    <a:p>
+                      <a:pPr algn="l" fontAlgn="b"/>
+                      <a:r>
+                        <a:rPr lang="pl-PL" sz="2400" b="0" i="0" u="none" strike="noStrike" dirty="0" err="1">
+                          <a:solidFill>
+                            <a:srgbClr val="000000"/>
+                          </a:solidFill>
+                          <a:effectLst/>
+                          <a:latin typeface="Consolas" panose="020B0609020204030204" pitchFamily="49" charset="0"/>
+                        </a:rPr>
+                        <a:t>Any</a:t>
+                      </a:r>
+                      <a:r>
+                        <a:rPr lang="pl-PL" sz="2400" b="0" i="0" u="none" strike="noStrike" dirty="0">
+                          <a:solidFill>
+                            <a:srgbClr val="000000"/>
+                          </a:solidFill>
+                          <a:effectLst/>
+                          <a:latin typeface="Consolas" panose="020B0609020204030204" pitchFamily="49" charset="0"/>
+                        </a:rPr>
+                        <a:t>()</a:t>
+                      </a:r>
+                    </a:p>
+                  </a:txBody>
+                  <a:tcPr marL="6350" marR="6350" marT="6350" marB="0" anchor="b">
+                    <a:lnL w="6350" cap="flat" cmpd="sng" algn="ctr">
+                      <a:solidFill>
+                        <a:srgbClr val="8EA9DB"/>
+                      </a:solidFill>
+                      <a:prstDash val="solid"/>
+                      <a:round/>
+                      <a:headEnd type="none" w="med" len="med"/>
+                      <a:tailEnd type="none" w="med" len="med"/>
+                    </a:lnL>
+                    <a:lnR>
+                      <a:noFill/>
+                    </a:lnR>
+                    <a:lnT w="6350" cap="flat" cmpd="sng" algn="ctr">
+                      <a:solidFill>
+                        <a:srgbClr val="8EA9DB"/>
+                      </a:solidFill>
+                      <a:prstDash val="solid"/>
+                      <a:round/>
+                      <a:headEnd type="none" w="med" len="med"/>
+                      <a:tailEnd type="none" w="med" len="med"/>
+                    </a:lnT>
+                    <a:lnB w="6350" cap="flat" cmpd="sng" algn="ctr">
+                      <a:solidFill>
+                        <a:srgbClr val="8EA9DB"/>
+                      </a:solidFill>
+                      <a:prstDash val="solid"/>
+                      <a:round/>
+                      <a:headEnd type="none" w="med" len="med"/>
+                      <a:tailEnd type="none" w="med" len="med"/>
+                    </a:lnB>
+                    <a:solidFill>
+                      <a:srgbClr val="D9E1F2"/>
+                    </a:solidFill>
+                  </a:tcPr>
+                </a:tc>
+                <a:tc>
+                  <a:txBody>
+                    <a:bodyPr/>
+                    <a:lstStyle/>
+                    <a:p>
+                      <a:pPr algn="l" fontAlgn="b"/>
+                      <a:r>
+                        <a:rPr lang="pl-PL" sz="2400" b="0" i="0" u="none" strike="noStrike">
+                          <a:solidFill>
+                            <a:srgbClr val="000000"/>
+                          </a:solidFill>
+                          <a:effectLst/>
+                          <a:latin typeface="Consolas" panose="020B0609020204030204" pitchFamily="49" charset="0"/>
+                        </a:rPr>
+                        <a:t>some()</a:t>
+                      </a:r>
+                    </a:p>
+                  </a:txBody>
+                  <a:tcPr marL="6350" marR="6350" marT="6350" marB="0" anchor="b">
+                    <a:lnL>
+                      <a:noFill/>
+                    </a:lnL>
+                    <a:lnR w="6350" cap="flat" cmpd="sng" algn="ctr">
+                      <a:solidFill>
+                        <a:srgbClr val="8EA9DB"/>
+                      </a:solidFill>
+                      <a:prstDash val="solid"/>
+                      <a:round/>
+                      <a:headEnd type="none" w="med" len="med"/>
+                      <a:tailEnd type="none" w="med" len="med"/>
+                    </a:lnR>
+                    <a:lnT w="6350" cap="flat" cmpd="sng" algn="ctr">
+                      <a:solidFill>
+                        <a:srgbClr val="8EA9DB"/>
+                      </a:solidFill>
+                      <a:prstDash val="solid"/>
+                      <a:round/>
+                      <a:headEnd type="none" w="med" len="med"/>
+                      <a:tailEnd type="none" w="med" len="med"/>
+                    </a:lnT>
+                    <a:lnB w="6350" cap="flat" cmpd="sng" algn="ctr">
+                      <a:solidFill>
+                        <a:srgbClr val="8EA9DB"/>
+                      </a:solidFill>
+                      <a:prstDash val="solid"/>
+                      <a:round/>
+                      <a:headEnd type="none" w="med" len="med"/>
+                      <a:tailEnd type="none" w="med" len="med"/>
+                    </a:lnB>
+                    <a:solidFill>
+                      <a:srgbClr val="D9E1F2"/>
+                    </a:solidFill>
+                  </a:tcPr>
+                </a:tc>
+                <a:extLst>
+                  <a:ext uri="{0D108BD9-81ED-4DB2-BD59-A6C34878D82A}">
+                    <a16:rowId xmlns:a16="http://schemas.microsoft.com/office/drawing/2014/main" val="2475652129"/>
+                  </a:ext>
+                </a:extLst>
+              </a:tr>
+              <a:tr h="497763">
+                <a:tc>
+                  <a:txBody>
+                    <a:bodyPr/>
+                    <a:lstStyle/>
+                    <a:p>
+                      <a:pPr algn="l" fontAlgn="b"/>
+                      <a:r>
+                        <a:rPr lang="pl-PL" sz="2400" b="0" i="0" u="none" strike="noStrike">
+                          <a:solidFill>
+                            <a:srgbClr val="000000"/>
+                          </a:solidFill>
+                          <a:effectLst/>
+                          <a:latin typeface="Consolas" panose="020B0609020204030204" pitchFamily="49" charset="0"/>
+                        </a:rPr>
+                        <a:t>All()</a:t>
+                      </a:r>
+                    </a:p>
+                  </a:txBody>
+                  <a:tcPr marL="6350" marR="6350" marT="6350" marB="0" anchor="b">
+                    <a:lnL w="6350" cap="flat" cmpd="sng" algn="ctr">
+                      <a:solidFill>
+                        <a:srgbClr val="8EA9DB"/>
+                      </a:solidFill>
+                      <a:prstDash val="solid"/>
+                      <a:round/>
+                      <a:headEnd type="none" w="med" len="med"/>
+                      <a:tailEnd type="none" w="med" len="med"/>
+                    </a:lnL>
+                    <a:lnR>
+                      <a:noFill/>
+                    </a:lnR>
+                    <a:lnT w="6350" cap="flat" cmpd="sng" algn="ctr">
+                      <a:solidFill>
+                        <a:srgbClr val="8EA9DB"/>
+                      </a:solidFill>
+                      <a:prstDash val="solid"/>
+                      <a:round/>
+                      <a:headEnd type="none" w="med" len="med"/>
+                      <a:tailEnd type="none" w="med" len="med"/>
+                    </a:lnT>
+                    <a:lnB w="6350" cap="flat" cmpd="sng" algn="ctr">
+                      <a:solidFill>
+                        <a:srgbClr val="8EA9DB"/>
+                      </a:solidFill>
+                      <a:prstDash val="solid"/>
+                      <a:round/>
+                      <a:headEnd type="none" w="med" len="med"/>
+                      <a:tailEnd type="none" w="med" len="med"/>
+                    </a:lnB>
+                  </a:tcPr>
+                </a:tc>
+                <a:tc>
+                  <a:txBody>
+                    <a:bodyPr/>
+                    <a:lstStyle/>
+                    <a:p>
+                      <a:pPr algn="l" fontAlgn="b"/>
+                      <a:r>
+                        <a:rPr lang="pl-PL" sz="2400" b="0" i="0" u="none" strike="noStrike">
+                          <a:solidFill>
+                            <a:srgbClr val="000000"/>
+                          </a:solidFill>
+                          <a:effectLst/>
+                          <a:latin typeface="Consolas" panose="020B0609020204030204" pitchFamily="49" charset="0"/>
+                        </a:rPr>
+                        <a:t>every()</a:t>
+                      </a:r>
+                    </a:p>
+                  </a:txBody>
+                  <a:tcPr marL="6350" marR="6350" marT="6350" marB="0" anchor="b">
+                    <a:lnL>
+                      <a:noFill/>
+                    </a:lnL>
+                    <a:lnR w="6350" cap="flat" cmpd="sng" algn="ctr">
+                      <a:solidFill>
+                        <a:srgbClr val="8EA9DB"/>
+                      </a:solidFill>
+                      <a:prstDash val="solid"/>
+                      <a:round/>
+                      <a:headEnd type="none" w="med" len="med"/>
+                      <a:tailEnd type="none" w="med" len="med"/>
+                    </a:lnR>
+                    <a:lnT w="6350" cap="flat" cmpd="sng" algn="ctr">
+                      <a:solidFill>
+                        <a:srgbClr val="8EA9DB"/>
+                      </a:solidFill>
+                      <a:prstDash val="solid"/>
+                      <a:round/>
+                      <a:headEnd type="none" w="med" len="med"/>
+                      <a:tailEnd type="none" w="med" len="med"/>
+                    </a:lnT>
+                    <a:lnB w="6350" cap="flat" cmpd="sng" algn="ctr">
+                      <a:solidFill>
+                        <a:srgbClr val="8EA9DB"/>
+                      </a:solidFill>
+                      <a:prstDash val="solid"/>
+                      <a:round/>
+                      <a:headEnd type="none" w="med" len="med"/>
+                      <a:tailEnd type="none" w="med" len="med"/>
+                    </a:lnB>
+                  </a:tcPr>
+                </a:tc>
+                <a:extLst>
+                  <a:ext uri="{0D108BD9-81ED-4DB2-BD59-A6C34878D82A}">
+                    <a16:rowId xmlns:a16="http://schemas.microsoft.com/office/drawing/2014/main" val="2130732614"/>
+                  </a:ext>
+                </a:extLst>
+              </a:tr>
+              <a:tr h="497763">
+                <a:tc>
+                  <a:txBody>
+                    <a:bodyPr/>
+                    <a:lstStyle/>
+                    <a:p>
+                      <a:pPr algn="l" fontAlgn="b"/>
+                      <a:r>
+                        <a:rPr lang="pl-PL" sz="2400" b="0" i="0" u="none" strike="noStrike">
+                          <a:solidFill>
+                            <a:srgbClr val="000000"/>
+                          </a:solidFill>
+                          <a:effectLst/>
+                          <a:latin typeface="Consolas" panose="020B0609020204030204" pitchFamily="49" charset="0"/>
+                        </a:rPr>
+                        <a:t>Aggregate()</a:t>
+                      </a:r>
+                    </a:p>
+                  </a:txBody>
+                  <a:tcPr marL="6350" marR="6350" marT="6350" marB="0" anchor="b">
+                    <a:lnL w="6350" cap="flat" cmpd="sng" algn="ctr">
+                      <a:solidFill>
+                        <a:srgbClr val="8EA9DB"/>
+                      </a:solidFill>
+                      <a:prstDash val="solid"/>
+                      <a:round/>
+                      <a:headEnd type="none" w="med" len="med"/>
+                      <a:tailEnd type="none" w="med" len="med"/>
+                    </a:lnL>
+                    <a:lnR>
+                      <a:noFill/>
+                    </a:lnR>
+                    <a:lnT w="6350" cap="flat" cmpd="sng" algn="ctr">
+                      <a:solidFill>
+                        <a:srgbClr val="8EA9DB"/>
+                      </a:solidFill>
+                      <a:prstDash val="solid"/>
+                      <a:round/>
+                      <a:headEnd type="none" w="med" len="med"/>
+                      <a:tailEnd type="none" w="med" len="med"/>
+                    </a:lnT>
+                    <a:lnB w="6350" cap="flat" cmpd="sng" algn="ctr">
+                      <a:solidFill>
+                        <a:srgbClr val="8EA9DB"/>
+                      </a:solidFill>
+                      <a:prstDash val="solid"/>
+                      <a:round/>
+                      <a:headEnd type="none" w="med" len="med"/>
+                      <a:tailEnd type="none" w="med" len="med"/>
+                    </a:lnB>
+                    <a:solidFill>
+                      <a:srgbClr val="D9E1F2"/>
+                    </a:solidFill>
+                  </a:tcPr>
+                </a:tc>
+                <a:tc>
+                  <a:txBody>
+                    <a:bodyPr/>
+                    <a:lstStyle/>
+                    <a:p>
+                      <a:pPr algn="l" fontAlgn="b"/>
+                      <a:r>
+                        <a:rPr lang="pl-PL" sz="2400" b="0" i="0" u="none" strike="noStrike">
+                          <a:solidFill>
+                            <a:srgbClr val="000000"/>
+                          </a:solidFill>
+                          <a:effectLst/>
+                          <a:latin typeface="Consolas" panose="020B0609020204030204" pitchFamily="49" charset="0"/>
+                        </a:rPr>
+                        <a:t>reduce()</a:t>
+                      </a:r>
+                    </a:p>
+                  </a:txBody>
+                  <a:tcPr marL="6350" marR="6350" marT="6350" marB="0" anchor="b">
+                    <a:lnL>
+                      <a:noFill/>
+                    </a:lnL>
+                    <a:lnR w="6350" cap="flat" cmpd="sng" algn="ctr">
+                      <a:solidFill>
+                        <a:srgbClr val="8EA9DB"/>
+                      </a:solidFill>
+                      <a:prstDash val="solid"/>
+                      <a:round/>
+                      <a:headEnd type="none" w="med" len="med"/>
+                      <a:tailEnd type="none" w="med" len="med"/>
+                    </a:lnR>
+                    <a:lnT w="6350" cap="flat" cmpd="sng" algn="ctr">
+                      <a:solidFill>
+                        <a:srgbClr val="8EA9DB"/>
+                      </a:solidFill>
+                      <a:prstDash val="solid"/>
+                      <a:round/>
+                      <a:headEnd type="none" w="med" len="med"/>
+                      <a:tailEnd type="none" w="med" len="med"/>
+                    </a:lnT>
+                    <a:lnB w="6350" cap="flat" cmpd="sng" algn="ctr">
+                      <a:solidFill>
+                        <a:srgbClr val="8EA9DB"/>
+                      </a:solidFill>
+                      <a:prstDash val="solid"/>
+                      <a:round/>
+                      <a:headEnd type="none" w="med" len="med"/>
+                      <a:tailEnd type="none" w="med" len="med"/>
+                    </a:lnB>
+                    <a:solidFill>
+                      <a:srgbClr val="D9E1F2"/>
+                    </a:solidFill>
+                  </a:tcPr>
+                </a:tc>
+                <a:extLst>
+                  <a:ext uri="{0D108BD9-81ED-4DB2-BD59-A6C34878D82A}">
+                    <a16:rowId xmlns:a16="http://schemas.microsoft.com/office/drawing/2014/main" val="1968311153"/>
+                  </a:ext>
+                </a:extLst>
+              </a:tr>
+              <a:tr h="497763">
+                <a:tc>
+                  <a:txBody>
+                    <a:bodyPr/>
+                    <a:lstStyle/>
+                    <a:p>
+                      <a:pPr algn="l" fontAlgn="b"/>
+                      <a:r>
+                        <a:rPr lang="pl-PL" sz="2400" b="0" i="0" u="none" strike="noStrike">
+                          <a:solidFill>
+                            <a:srgbClr val="000000"/>
+                          </a:solidFill>
+                          <a:effectLst/>
+                          <a:latin typeface="Consolas" panose="020B0609020204030204" pitchFamily="49" charset="0"/>
+                        </a:rPr>
+                        <a:t>ForEach()//List</a:t>
+                      </a:r>
+                    </a:p>
+                  </a:txBody>
+                  <a:tcPr marL="6350" marR="6350" marT="6350" marB="0" anchor="b">
+                    <a:lnL w="6350" cap="flat" cmpd="sng" algn="ctr">
+                      <a:solidFill>
+                        <a:srgbClr val="8EA9DB"/>
+                      </a:solidFill>
+                      <a:prstDash val="solid"/>
+                      <a:round/>
+                      <a:headEnd type="none" w="med" len="med"/>
+                      <a:tailEnd type="none" w="med" len="med"/>
+                    </a:lnL>
+                    <a:lnR>
+                      <a:noFill/>
+                    </a:lnR>
+                    <a:lnT w="6350" cap="flat" cmpd="sng" algn="ctr">
+                      <a:solidFill>
+                        <a:srgbClr val="8EA9DB"/>
+                      </a:solidFill>
+                      <a:prstDash val="solid"/>
+                      <a:round/>
+                      <a:headEnd type="none" w="med" len="med"/>
+                      <a:tailEnd type="none" w="med" len="med"/>
+                    </a:lnT>
+                    <a:lnB w="6350" cap="flat" cmpd="sng" algn="ctr">
+                      <a:solidFill>
+                        <a:srgbClr val="8EA9DB"/>
+                      </a:solidFill>
+                      <a:prstDash val="solid"/>
+                      <a:round/>
+                      <a:headEnd type="none" w="med" len="med"/>
+                      <a:tailEnd type="none" w="med" len="med"/>
+                    </a:lnB>
+                  </a:tcPr>
+                </a:tc>
+                <a:tc>
+                  <a:txBody>
+                    <a:bodyPr/>
+                    <a:lstStyle/>
+                    <a:p>
+                      <a:pPr algn="l" fontAlgn="b"/>
+                      <a:r>
+                        <a:rPr lang="pl-PL" sz="2400" b="0" i="0" u="none" strike="noStrike" dirty="0" err="1">
+                          <a:solidFill>
+                            <a:srgbClr val="000000"/>
+                          </a:solidFill>
+                          <a:effectLst/>
+                          <a:latin typeface="Consolas" panose="020B0609020204030204" pitchFamily="49" charset="0"/>
+                        </a:rPr>
+                        <a:t>forEach</a:t>
+                      </a:r>
+                      <a:r>
+                        <a:rPr lang="pl-PL" sz="2400" b="0" i="0" u="none" strike="noStrike" dirty="0">
+                          <a:solidFill>
+                            <a:srgbClr val="000000"/>
+                          </a:solidFill>
+                          <a:effectLst/>
+                          <a:latin typeface="Consolas" panose="020B0609020204030204" pitchFamily="49" charset="0"/>
+                        </a:rPr>
+                        <a:t>()</a:t>
+                      </a:r>
+                    </a:p>
+                  </a:txBody>
+                  <a:tcPr marL="6350" marR="6350" marT="6350" marB="0" anchor="b">
+                    <a:lnL>
+                      <a:noFill/>
+                    </a:lnL>
+                    <a:lnR w="6350" cap="flat" cmpd="sng" algn="ctr">
+                      <a:solidFill>
+                        <a:srgbClr val="8EA9DB"/>
+                      </a:solidFill>
+                      <a:prstDash val="solid"/>
+                      <a:round/>
+                      <a:headEnd type="none" w="med" len="med"/>
+                      <a:tailEnd type="none" w="med" len="med"/>
+                    </a:lnR>
+                    <a:lnT w="6350" cap="flat" cmpd="sng" algn="ctr">
+                      <a:solidFill>
+                        <a:srgbClr val="8EA9DB"/>
+                      </a:solidFill>
+                      <a:prstDash val="solid"/>
+                      <a:round/>
+                      <a:headEnd type="none" w="med" len="med"/>
+                      <a:tailEnd type="none" w="med" len="med"/>
+                    </a:lnT>
+                    <a:lnB w="6350" cap="flat" cmpd="sng" algn="ctr">
+                      <a:solidFill>
+                        <a:srgbClr val="8EA9DB"/>
+                      </a:solidFill>
+                      <a:prstDash val="solid"/>
+                      <a:round/>
+                      <a:headEnd type="none" w="med" len="med"/>
+                      <a:tailEnd type="none" w="med" len="med"/>
+                    </a:lnB>
+                  </a:tcPr>
+                </a:tc>
+                <a:extLst>
+                  <a:ext uri="{0D108BD9-81ED-4DB2-BD59-A6C34878D82A}">
+                    <a16:rowId xmlns:a16="http://schemas.microsoft.com/office/drawing/2014/main" val="3551120749"/>
+                  </a:ext>
+                </a:extLst>
+              </a:tr>
+            </a:tbl>
+          </a:graphicData>
+        </a:graphic>
+      </p:graphicFrame>
     </p:spTree>
     <p:extLst>
       <p:ext uri="{BB962C8B-B14F-4D97-AF65-F5344CB8AC3E}">
@@ -10134,7 +12134,7 @@
               <a:buNone/>
             </a:pPr>
             <a:r>
-              <a:rPr lang="pl-PL" noProof="1">
+              <a:rPr lang="pl-PL" b="1" noProof="1">
                 <a:solidFill>
                   <a:srgbClr val="000000"/>
                 </a:solidFill>
@@ -10143,7 +12143,7 @@
               <a:t>(</a:t>
             </a:r>
             <a:r>
-              <a:rPr lang="pl-PL" noProof="1">
+              <a:rPr lang="pl-PL" b="1" noProof="1">
                 <a:solidFill>
                   <a:srgbClr val="0000FF"/>
                 </a:solidFill>
@@ -10152,7 +12152,7 @@
               <a:t>function</a:t>
             </a:r>
             <a:r>
-              <a:rPr lang="pl-PL" noProof="1">
+              <a:rPr lang="pl-PL" b="1" noProof="1">
                 <a:solidFill>
                   <a:srgbClr val="000000"/>
                 </a:solidFill>
@@ -10174,7 +12174,7 @@
               </a:rPr>
             </a:br>
             <a:r>
-              <a:rPr lang="pl-PL" dirty="0">
+              <a:rPr lang="pl-PL" b="1" dirty="0">
                 <a:solidFill>
                   <a:srgbClr val="000000"/>
                 </a:solidFill>

--- a/JsTraining-presentation/JS Training.pptx
+++ b/JsTraining-presentation/JS Training.pptx
@@ -5,7 +5,7 @@
     <p:sldMasterId id="2147483648" r:id="rId1"/>
   </p:sldMasterIdLst>
   <p:notesMasterIdLst>
-    <p:notesMasterId r:id="rId24"/>
+    <p:notesMasterId r:id="rId26"/>
   </p:notesMasterIdLst>
   <p:sldIdLst>
     <p:sldId id="256" r:id="rId2"/>
@@ -29,7 +29,9 @@
     <p:sldId id="279" r:id="rId20"/>
     <p:sldId id="280" r:id="rId21"/>
     <p:sldId id="281" r:id="rId22"/>
-    <p:sldId id="278" r:id="rId23"/>
+    <p:sldId id="283" r:id="rId23"/>
+    <p:sldId id="284" r:id="rId24"/>
+    <p:sldId id="278" r:id="rId25"/>
   </p:sldIdLst>
   <p:sldSz cx="12192000" cy="6858000"/>
   <p:notesSz cx="6858000" cy="9144000"/>
@@ -8814,14 +8816,24 @@
                     <a:p>
                       <a:pPr algn="l" fontAlgn="b"/>
                       <a:r>
-                        <a:rPr lang="pl-PL" sz="2400" b="0" i="0" u="none" strike="noStrike">
+                        <a:rPr lang="pl-PL" sz="2400" b="0" i="0" u="none" strike="noStrike" dirty="0" err="1">
                           <a:solidFill>
                             <a:srgbClr val="000000"/>
                           </a:solidFill>
                           <a:effectLst/>
                           <a:latin typeface="Consolas" panose="020B0609020204030204" pitchFamily="49" charset="0"/>
                         </a:rPr>
-                        <a:t>some()</a:t>
+                        <a:t>some</a:t>
+                      </a:r>
+                      <a:r>
+                        <a:rPr lang="pl-PL" sz="2400" b="0" i="0" u="none" strike="noStrike" dirty="0">
+                          <a:solidFill>
+                            <a:srgbClr val="000000"/>
+                          </a:solidFill>
+                          <a:effectLst/>
+                          <a:latin typeface="Consolas" panose="020B0609020204030204" pitchFamily="49" charset="0"/>
+                        </a:rPr>
+                        <a:t>()</a:t>
                       </a:r>
                     </a:p>
                   </a:txBody>
@@ -9249,6 +9261,216 @@
           <p:cNvPr id="2" name="Tytuł 1">
             <a:extLst>
               <a:ext uri="{FF2B5EF4-FFF2-40B4-BE49-F238E27FC236}">
+                <a16:creationId xmlns:a16="http://schemas.microsoft.com/office/drawing/2014/main" id="{9D66BE46-468D-4516-8225-06CD6E221154}"/>
+              </a:ext>
+            </a:extLst>
+          </p:cNvPr>
+          <p:cNvSpPr>
+            <a:spLocks noGrp="1"/>
+          </p:cNvSpPr>
+          <p:nvPr>
+            <p:ph type="title"/>
+          </p:nvPr>
+        </p:nvSpPr>
+        <p:spPr/>
+        <p:txBody>
+          <a:bodyPr/>
+          <a:lstStyle/>
+          <a:p>
+            <a:r>
+              <a:rPr lang="en-GB" dirty="0"/>
+              <a:t>ECMAScript5 – strict mode</a:t>
+            </a:r>
+            <a:endParaRPr lang="pl-PL" dirty="0"/>
+          </a:p>
+        </p:txBody>
+      </p:sp>
+      <p:sp>
+        <p:nvSpPr>
+          <p:cNvPr id="3" name="Symbol zastępczy zawartości 2">
+            <a:extLst>
+              <a:ext uri="{FF2B5EF4-FFF2-40B4-BE49-F238E27FC236}">
+                <a16:creationId xmlns:a16="http://schemas.microsoft.com/office/drawing/2014/main" id="{251BFD25-F9C3-46CD-86CE-0D7826534814}"/>
+              </a:ext>
+            </a:extLst>
+          </p:cNvPr>
+          <p:cNvSpPr>
+            <a:spLocks noGrp="1"/>
+          </p:cNvSpPr>
+          <p:nvPr>
+            <p:ph idx="1"/>
+          </p:nvPr>
+        </p:nvSpPr>
+        <p:spPr/>
+        <p:txBody>
+          <a:bodyPr/>
+          <a:lstStyle/>
+          <a:p>
+            <a:r>
+              <a:rPr lang="en-US" b="1" dirty="0"/>
+              <a:t>Strict mode</a:t>
+            </a:r>
+            <a:r>
+              <a:rPr lang="en-US" dirty="0"/>
+              <a:t> is a way to introduce better error-checking into your code. When you use </a:t>
+            </a:r>
+            <a:r>
+              <a:rPr lang="en-US" b="1" dirty="0"/>
+              <a:t>strict mode</a:t>
+            </a:r>
+            <a:r>
+              <a:rPr lang="en-US" dirty="0"/>
+              <a:t>, you cannot, for example, use implicitly declared variables, or assign a value to a read-only property, or add a property to an object that is not extensible</a:t>
+            </a:r>
+          </a:p>
+          <a:p>
+            <a:endParaRPr lang="en-US" dirty="0"/>
+          </a:p>
+          <a:p>
+            <a:r>
+              <a:rPr lang="en-US" dirty="0"/>
+              <a:t>“use strict”;</a:t>
+            </a:r>
+          </a:p>
+          <a:p>
+            <a:endParaRPr lang="en-US" dirty="0"/>
+          </a:p>
+          <a:p>
+            <a:r>
+              <a:rPr lang="en-US" b="1" dirty="0"/>
+              <a:t>Only for new code, inside </a:t>
+            </a:r>
+            <a:r>
+              <a:rPr lang="en-US" b="1" dirty="0" err="1"/>
+              <a:t>iffe</a:t>
+            </a:r>
+            <a:r>
+              <a:rPr lang="en-US" dirty="0"/>
+              <a:t>. Strange bugs / behavior for legacy code when is turned of.</a:t>
+            </a:r>
+            <a:endParaRPr lang="pl-PL" dirty="0"/>
+          </a:p>
+        </p:txBody>
+      </p:sp>
+    </p:spTree>
+    <p:extLst>
+      <p:ext uri="{BB962C8B-B14F-4D97-AF65-F5344CB8AC3E}">
+        <p14:creationId xmlns:p14="http://schemas.microsoft.com/office/powerpoint/2010/main" val="3538558893"/>
+      </p:ext>
+    </p:extLst>
+  </p:cSld>
+  <p:clrMapOvr>
+    <a:masterClrMapping/>
+  </p:clrMapOvr>
+</p:sld>
+</file>
+
+<file path=ppt/slides/slide23.xml><?xml version="1.0" encoding="utf-8"?>
+<p:sld xmlns:a="http://schemas.openxmlformats.org/drawingml/2006/main" xmlns:r="http://schemas.openxmlformats.org/officeDocument/2006/relationships" xmlns:p="http://schemas.openxmlformats.org/presentationml/2006/main">
+  <p:cSld>
+    <p:spTree>
+      <p:nvGrpSpPr>
+        <p:cNvPr id="1" name=""/>
+        <p:cNvGrpSpPr/>
+        <p:nvPr/>
+      </p:nvGrpSpPr>
+      <p:grpSpPr>
+        <a:xfrm>
+          <a:off x="0" y="0"/>
+          <a:ext cx="0" cy="0"/>
+          <a:chOff x="0" y="0"/>
+          <a:chExt cx="0" cy="0"/>
+        </a:xfrm>
+      </p:grpSpPr>
+      <p:sp>
+        <p:nvSpPr>
+          <p:cNvPr id="2" name="Tytuł 1">
+            <a:extLst>
+              <a:ext uri="{FF2B5EF4-FFF2-40B4-BE49-F238E27FC236}">
+                <a16:creationId xmlns:a16="http://schemas.microsoft.com/office/drawing/2014/main" id="{49D354FC-E5D9-467C-A3DA-C73FDA6BE195}"/>
+              </a:ext>
+            </a:extLst>
+          </p:cNvPr>
+          <p:cNvSpPr>
+            <a:spLocks noGrp="1"/>
+          </p:cNvSpPr>
+          <p:nvPr>
+            <p:ph type="title"/>
+          </p:nvPr>
+        </p:nvSpPr>
+        <p:spPr/>
+        <p:txBody>
+          <a:bodyPr/>
+          <a:lstStyle/>
+          <a:p>
+            <a:r>
+              <a:rPr lang="en-GB" dirty="0"/>
+              <a:t>Future</a:t>
+            </a:r>
+            <a:endParaRPr lang="pl-PL" dirty="0"/>
+          </a:p>
+        </p:txBody>
+      </p:sp>
+      <p:sp>
+        <p:nvSpPr>
+          <p:cNvPr id="3" name="Symbol zastępczy zawartości 2">
+            <a:extLst>
+              <a:ext uri="{FF2B5EF4-FFF2-40B4-BE49-F238E27FC236}">
+                <a16:creationId xmlns:a16="http://schemas.microsoft.com/office/drawing/2014/main" id="{08B0688C-EC6C-4297-B777-08602E689138}"/>
+              </a:ext>
+            </a:extLst>
+          </p:cNvPr>
+          <p:cNvSpPr>
+            <a:spLocks noGrp="1"/>
+          </p:cNvSpPr>
+          <p:nvPr>
+            <p:ph idx="1"/>
+          </p:nvPr>
+        </p:nvSpPr>
+        <p:spPr/>
+        <p:txBody>
+          <a:bodyPr/>
+          <a:lstStyle/>
+          <a:p>
+            <a:endParaRPr lang="pl-PL"/>
+          </a:p>
+        </p:txBody>
+      </p:sp>
+    </p:spTree>
+    <p:extLst>
+      <p:ext uri="{BB962C8B-B14F-4D97-AF65-F5344CB8AC3E}">
+        <p14:creationId xmlns:p14="http://schemas.microsoft.com/office/powerpoint/2010/main" val="947129652"/>
+      </p:ext>
+    </p:extLst>
+  </p:cSld>
+  <p:clrMapOvr>
+    <a:masterClrMapping/>
+  </p:clrMapOvr>
+</p:sld>
+</file>
+
+<file path=ppt/slides/slide24.xml><?xml version="1.0" encoding="utf-8"?>
+<p:sld xmlns:a="http://schemas.openxmlformats.org/drawingml/2006/main" xmlns:r="http://schemas.openxmlformats.org/officeDocument/2006/relationships" xmlns:p="http://schemas.openxmlformats.org/presentationml/2006/main">
+  <p:cSld>
+    <p:spTree>
+      <p:nvGrpSpPr>
+        <p:cNvPr id="1" name=""/>
+        <p:cNvGrpSpPr/>
+        <p:nvPr/>
+      </p:nvGrpSpPr>
+      <p:grpSpPr>
+        <a:xfrm>
+          <a:off x="0" y="0"/>
+          <a:ext cx="0" cy="0"/>
+          <a:chOff x="0" y="0"/>
+          <a:chExt cx="0" cy="0"/>
+        </a:xfrm>
+      </p:grpSpPr>
+      <p:sp>
+        <p:nvSpPr>
+          <p:cNvPr id="2" name="Tytuł 1">
+            <a:extLst>
+              <a:ext uri="{FF2B5EF4-FFF2-40B4-BE49-F238E27FC236}">
                 <a16:creationId xmlns:a16="http://schemas.microsoft.com/office/drawing/2014/main" id="{5FADE656-23A3-472B-9028-539E41BF4431}"/>
               </a:ext>
             </a:extLst>
@@ -9470,7 +9692,7 @@
             </a:pPr>
             <a:r>
               <a:rPr lang="en-GB" dirty="0"/>
-              <a:t>ECMA5</a:t>
+              <a:t>ECMAScript5</a:t>
             </a:r>
           </a:p>
           <a:p>
@@ -9494,7 +9716,7 @@
             <a:pPr lvl="1"/>
             <a:r>
               <a:rPr lang="en-GB" dirty="0"/>
-              <a:t>ECMA2015, TypeScript</a:t>
+              <a:t>ECMAScript2015, TypeScript</a:t>
             </a:r>
           </a:p>
           <a:p>

--- a/JsTraining-presentation/JS Training.pptx
+++ b/JsTraining-presentation/JS Training.pptx
@@ -5,7 +5,7 @@
     <p:sldMasterId id="2147483648" r:id="rId1"/>
   </p:sldMasterIdLst>
   <p:notesMasterIdLst>
-    <p:notesMasterId r:id="rId26"/>
+    <p:notesMasterId r:id="rId27"/>
   </p:notesMasterIdLst>
   <p:sldIdLst>
     <p:sldId id="256" r:id="rId2"/>
@@ -31,7 +31,8 @@
     <p:sldId id="281" r:id="rId22"/>
     <p:sldId id="283" r:id="rId23"/>
     <p:sldId id="284" r:id="rId24"/>
-    <p:sldId id="278" r:id="rId25"/>
+    <p:sldId id="285" r:id="rId25"/>
+    <p:sldId id="278" r:id="rId26"/>
   </p:sldIdLst>
   <p:sldSz cx="12192000" cy="6858000"/>
   <p:notesSz cx="6858000" cy="9144000"/>
@@ -224,7 +225,7 @@
           <a:p>
             <a:fld id="{09602215-4A9B-41A2-BE1E-32070F33B33D}" type="datetimeFigureOut">
               <a:rPr lang="pl-PL" smtClean="0"/>
-              <a:t>18.01.2018</a:t>
+              <a:t>19.01.2018</a:t>
             </a:fld>
             <a:endParaRPr lang="pl-PL"/>
           </a:p>
@@ -1775,7 +1776,7 @@
           <a:p>
             <a:fld id="{C57C09B5-6BF9-4018-AF21-4D72641C658B}" type="datetimeFigureOut">
               <a:rPr lang="pl-PL" smtClean="0"/>
-              <a:t>18.01.2018</a:t>
+              <a:t>19.01.2018</a:t>
             </a:fld>
             <a:endParaRPr lang="pl-PL"/>
           </a:p>
@@ -1973,7 +1974,7 @@
           <a:p>
             <a:fld id="{C57C09B5-6BF9-4018-AF21-4D72641C658B}" type="datetimeFigureOut">
               <a:rPr lang="pl-PL" smtClean="0"/>
-              <a:t>18.01.2018</a:t>
+              <a:t>19.01.2018</a:t>
             </a:fld>
             <a:endParaRPr lang="pl-PL"/>
           </a:p>
@@ -2181,7 +2182,7 @@
           <a:p>
             <a:fld id="{C57C09B5-6BF9-4018-AF21-4D72641C658B}" type="datetimeFigureOut">
               <a:rPr lang="pl-PL" smtClean="0"/>
-              <a:t>18.01.2018</a:t>
+              <a:t>19.01.2018</a:t>
             </a:fld>
             <a:endParaRPr lang="pl-PL"/>
           </a:p>
@@ -2379,7 +2380,7 @@
           <a:p>
             <a:fld id="{C57C09B5-6BF9-4018-AF21-4D72641C658B}" type="datetimeFigureOut">
               <a:rPr lang="pl-PL" smtClean="0"/>
-              <a:t>18.01.2018</a:t>
+              <a:t>19.01.2018</a:t>
             </a:fld>
             <a:endParaRPr lang="pl-PL"/>
           </a:p>
@@ -2654,7 +2655,7 @@
           <a:p>
             <a:fld id="{C57C09B5-6BF9-4018-AF21-4D72641C658B}" type="datetimeFigureOut">
               <a:rPr lang="pl-PL" smtClean="0"/>
-              <a:t>18.01.2018</a:t>
+              <a:t>19.01.2018</a:t>
             </a:fld>
             <a:endParaRPr lang="pl-PL"/>
           </a:p>
@@ -2919,7 +2920,7 @@
           <a:p>
             <a:fld id="{C57C09B5-6BF9-4018-AF21-4D72641C658B}" type="datetimeFigureOut">
               <a:rPr lang="pl-PL" smtClean="0"/>
-              <a:t>18.01.2018</a:t>
+              <a:t>19.01.2018</a:t>
             </a:fld>
             <a:endParaRPr lang="pl-PL"/>
           </a:p>
@@ -3331,7 +3332,7 @@
           <a:p>
             <a:fld id="{C57C09B5-6BF9-4018-AF21-4D72641C658B}" type="datetimeFigureOut">
               <a:rPr lang="pl-PL" smtClean="0"/>
-              <a:t>18.01.2018</a:t>
+              <a:t>19.01.2018</a:t>
             </a:fld>
             <a:endParaRPr lang="pl-PL"/>
           </a:p>
@@ -3472,7 +3473,7 @@
           <a:p>
             <a:fld id="{C57C09B5-6BF9-4018-AF21-4D72641C658B}" type="datetimeFigureOut">
               <a:rPr lang="pl-PL" smtClean="0"/>
-              <a:t>18.01.2018</a:t>
+              <a:t>19.01.2018</a:t>
             </a:fld>
             <a:endParaRPr lang="pl-PL"/>
           </a:p>
@@ -3585,7 +3586,7 @@
           <a:p>
             <a:fld id="{C57C09B5-6BF9-4018-AF21-4D72641C658B}" type="datetimeFigureOut">
               <a:rPr lang="pl-PL" smtClean="0"/>
-              <a:t>18.01.2018</a:t>
+              <a:t>19.01.2018</a:t>
             </a:fld>
             <a:endParaRPr lang="pl-PL"/>
           </a:p>
@@ -3896,7 +3897,7 @@
           <a:p>
             <a:fld id="{C57C09B5-6BF9-4018-AF21-4D72641C658B}" type="datetimeFigureOut">
               <a:rPr lang="pl-PL" smtClean="0"/>
-              <a:t>18.01.2018</a:t>
+              <a:t>19.01.2018</a:t>
             </a:fld>
             <a:endParaRPr lang="pl-PL"/>
           </a:p>
@@ -4184,7 +4185,7 @@
           <a:p>
             <a:fld id="{C57C09B5-6BF9-4018-AF21-4D72641C658B}" type="datetimeFigureOut">
               <a:rPr lang="pl-PL" smtClean="0"/>
-              <a:t>18.01.2018</a:t>
+              <a:t>19.01.2018</a:t>
             </a:fld>
             <a:endParaRPr lang="pl-PL"/>
           </a:p>
@@ -4425,7 +4426,7 @@
           <a:p>
             <a:fld id="{C57C09B5-6BF9-4018-AF21-4D72641C658B}" type="datetimeFigureOut">
               <a:rPr lang="pl-PL" smtClean="0"/>
-              <a:t>18.01.2018</a:t>
+              <a:t>19.01.2018</a:t>
             </a:fld>
             <a:endParaRPr lang="pl-PL"/>
           </a:p>
@@ -4969,6 +4970,62 @@
           </a:prstGeom>
         </p:spPr>
       </p:pic>
+      <p:sp>
+        <p:nvSpPr>
+          <p:cNvPr id="4" name="pole tekstowe 3">
+            <a:extLst>
+              <a:ext uri="{FF2B5EF4-FFF2-40B4-BE49-F238E27FC236}">
+                <a16:creationId xmlns:a16="http://schemas.microsoft.com/office/drawing/2014/main" id="{A2D8FE86-D8B2-41C5-8D4A-1ADED7F43B5A}"/>
+              </a:ext>
+            </a:extLst>
+          </p:cNvPr>
+          <p:cNvSpPr txBox="1"/>
+          <p:nvPr/>
+        </p:nvSpPr>
+        <p:spPr>
+          <a:xfrm>
+            <a:off x="1233889" y="6125378"/>
+            <a:ext cx="5372176" cy="369332"/>
+          </a:xfrm>
+          <a:prstGeom prst="rect">
+            <a:avLst/>
+          </a:prstGeom>
+          <a:noFill/>
+        </p:spPr>
+        <p:txBody>
+          <a:bodyPr wrap="none" rtlCol="0">
+            <a:spAutoFit/>
+          </a:bodyPr>
+          <a:lstStyle/>
+          <a:p>
+            <a:r>
+              <a:rPr lang="en-GB" dirty="0"/>
+              <a:t>Special thanks to: </a:t>
+            </a:r>
+            <a:r>
+              <a:rPr lang="en-GB" dirty="0" err="1"/>
+              <a:t>Maracelina</a:t>
+            </a:r>
+            <a:r>
+              <a:rPr lang="en-GB" dirty="0"/>
+              <a:t> </a:t>
+            </a:r>
+            <a:r>
+              <a:rPr lang="en-GB" dirty="0" err="1"/>
+              <a:t>Skopek</a:t>
+            </a:r>
+            <a:r>
+              <a:rPr lang="en-GB" dirty="0"/>
+              <a:t>-, Anton </a:t>
+            </a:r>
+            <a:r>
+              <a:rPr lang="en-GB" dirty="0" err="1"/>
+              <a:t>Horetskyi</a:t>
+            </a:r>
+            <a:endParaRPr lang="pl-PL" dirty="0"/>
+          </a:p>
+        </p:txBody>
+      </p:sp>
     </p:spTree>
     <p:extLst>
       <p:ext uri="{BB962C8B-B14F-4D97-AF65-F5344CB8AC3E}">
@@ -9471,6 +9528,90 @@
           <p:cNvPr id="2" name="Tytuł 1">
             <a:extLst>
               <a:ext uri="{FF2B5EF4-FFF2-40B4-BE49-F238E27FC236}">
+                <a16:creationId xmlns:a16="http://schemas.microsoft.com/office/drawing/2014/main" id="{108B77F4-5851-4373-896E-9D4790EA2C87}"/>
+              </a:ext>
+            </a:extLst>
+          </p:cNvPr>
+          <p:cNvSpPr>
+            <a:spLocks noGrp="1"/>
+          </p:cNvSpPr>
+          <p:nvPr>
+            <p:ph type="title"/>
+          </p:nvPr>
+        </p:nvSpPr>
+        <p:spPr/>
+        <p:txBody>
+          <a:bodyPr/>
+          <a:lstStyle/>
+          <a:p>
+            <a:r>
+              <a:rPr lang="en-GB" dirty="0"/>
+              <a:t>Q&amp;A</a:t>
+            </a:r>
+            <a:endParaRPr lang="pl-PL" dirty="0"/>
+          </a:p>
+        </p:txBody>
+      </p:sp>
+      <p:sp>
+        <p:nvSpPr>
+          <p:cNvPr id="3" name="Symbol zastępczy zawartości 2">
+            <a:extLst>
+              <a:ext uri="{FF2B5EF4-FFF2-40B4-BE49-F238E27FC236}">
+                <a16:creationId xmlns:a16="http://schemas.microsoft.com/office/drawing/2014/main" id="{61C532A8-27DC-4097-B4AD-28A12AFCBDE8}"/>
+              </a:ext>
+            </a:extLst>
+          </p:cNvPr>
+          <p:cNvSpPr>
+            <a:spLocks noGrp="1"/>
+          </p:cNvSpPr>
+          <p:nvPr>
+            <p:ph idx="1"/>
+          </p:nvPr>
+        </p:nvSpPr>
+        <p:spPr/>
+        <p:txBody>
+          <a:bodyPr/>
+          <a:lstStyle/>
+          <a:p>
+            <a:endParaRPr lang="pl-PL"/>
+          </a:p>
+        </p:txBody>
+      </p:sp>
+    </p:spTree>
+    <p:extLst>
+      <p:ext uri="{BB962C8B-B14F-4D97-AF65-F5344CB8AC3E}">
+        <p14:creationId xmlns:p14="http://schemas.microsoft.com/office/powerpoint/2010/main" val="2406907354"/>
+      </p:ext>
+    </p:extLst>
+  </p:cSld>
+  <p:clrMapOvr>
+    <a:masterClrMapping/>
+  </p:clrMapOvr>
+</p:sld>
+</file>
+
+<file path=ppt/slides/slide25.xml><?xml version="1.0" encoding="utf-8"?>
+<p:sld xmlns:a="http://schemas.openxmlformats.org/drawingml/2006/main" xmlns:r="http://schemas.openxmlformats.org/officeDocument/2006/relationships" xmlns:p="http://schemas.openxmlformats.org/presentationml/2006/main">
+  <p:cSld>
+    <p:spTree>
+      <p:nvGrpSpPr>
+        <p:cNvPr id="1" name=""/>
+        <p:cNvGrpSpPr/>
+        <p:nvPr/>
+      </p:nvGrpSpPr>
+      <p:grpSpPr>
+        <a:xfrm>
+          <a:off x="0" y="0"/>
+          <a:ext cx="0" cy="0"/>
+          <a:chOff x="0" y="0"/>
+          <a:chExt cx="0" cy="0"/>
+        </a:xfrm>
+      </p:grpSpPr>
+      <p:sp>
+        <p:nvSpPr>
+          <p:cNvPr id="2" name="Tytuł 1">
+            <a:extLst>
+              <a:ext uri="{FF2B5EF4-FFF2-40B4-BE49-F238E27FC236}">
                 <a16:creationId xmlns:a16="http://schemas.microsoft.com/office/drawing/2014/main" id="{5FADE656-23A3-472B-9028-539E41BF4431}"/>
               </a:ext>
             </a:extLst>
@@ -9716,8 +9857,13 @@
             <a:pPr lvl="1"/>
             <a:r>
               <a:rPr lang="en-GB" dirty="0"/>
-              <a:t>ECMAScript2015, TypeScript</a:t>
-            </a:r>
+              <a:t>ECMAScript2015, TypeScript, </a:t>
+            </a:r>
+            <a:r>
+              <a:rPr lang="en-GB" dirty="0" err="1"/>
+              <a:t>Transpillers</a:t>
+            </a:r>
+            <a:endParaRPr lang="en-GB" dirty="0"/>
           </a:p>
           <a:p>
             <a:pPr lvl="1"/>

--- a/JsTraining-presentation/JS Training.pptx
+++ b/JsTraining-presentation/JS Training.pptx
@@ -5,7 +5,7 @@
     <p:sldMasterId id="2147483648" r:id="rId1"/>
   </p:sldMasterIdLst>
   <p:notesMasterIdLst>
-    <p:notesMasterId r:id="rId27"/>
+    <p:notesMasterId r:id="rId34"/>
   </p:notesMasterIdLst>
   <p:sldIdLst>
     <p:sldId id="256" r:id="rId2"/>
@@ -21,18 +21,25 @@
     <p:sldId id="276" r:id="rId12"/>
     <p:sldId id="264" r:id="rId13"/>
     <p:sldId id="265" r:id="rId14"/>
-    <p:sldId id="270" r:id="rId15"/>
-    <p:sldId id="266" r:id="rId16"/>
-    <p:sldId id="271" r:id="rId17"/>
-    <p:sldId id="277" r:id="rId18"/>
-    <p:sldId id="282" r:id="rId19"/>
-    <p:sldId id="279" r:id="rId20"/>
+    <p:sldId id="277" r:id="rId15"/>
+    <p:sldId id="279" r:id="rId16"/>
+    <p:sldId id="288" r:id="rId17"/>
+    <p:sldId id="289" r:id="rId18"/>
+    <p:sldId id="290" r:id="rId19"/>
+    <p:sldId id="291" r:id="rId20"/>
     <p:sldId id="280" r:id="rId21"/>
-    <p:sldId id="281" r:id="rId22"/>
-    <p:sldId id="283" r:id="rId23"/>
-    <p:sldId id="284" r:id="rId24"/>
-    <p:sldId id="285" r:id="rId25"/>
-    <p:sldId id="278" r:id="rId26"/>
+    <p:sldId id="286" r:id="rId22"/>
+    <p:sldId id="281" r:id="rId23"/>
+    <p:sldId id="283" r:id="rId24"/>
+    <p:sldId id="287" r:id="rId25"/>
+    <p:sldId id="284" r:id="rId26"/>
+    <p:sldId id="294" r:id="rId27"/>
+    <p:sldId id="292" r:id="rId28"/>
+    <p:sldId id="295" r:id="rId29"/>
+    <p:sldId id="296" r:id="rId30"/>
+    <p:sldId id="285" r:id="rId31"/>
+    <p:sldId id="278" r:id="rId32"/>
+    <p:sldId id="293" r:id="rId33"/>
   </p:sldIdLst>
   <p:sldSz cx="12192000" cy="6858000"/>
   <p:notesSz cx="6858000" cy="9144000"/>
@@ -225,7 +232,7 @@
           <a:p>
             <a:fld id="{09602215-4A9B-41A2-BE1E-32070F33B33D}" type="datetimeFigureOut">
               <a:rPr lang="pl-PL" smtClean="0"/>
-              <a:t>19.01.2018</a:t>
+              <a:t>21.01.2018</a:t>
             </a:fld>
             <a:endParaRPr lang="pl-PL"/>
           </a:p>
@@ -754,10 +761,6 @@
           <a:bodyPr/>
           <a:lstStyle/>
           <a:p>
-            <a:r>
-              <a:rPr lang="en-GB" dirty="0"/>
-              <a:t>One time method, property is defined for all instance of objects.</a:t>
-            </a:r>
             <a:endParaRPr lang="pl-PL" dirty="0"/>
           </a:p>
         </p:txBody>
@@ -779,7 +782,7 @@
           <a:p>
             <a:fld id="{4E272AE2-02A2-4B8F-AAEA-7ADC3F971F81}" type="slidenum">
               <a:rPr lang="pl-PL" smtClean="0"/>
-              <a:t>19</a:t>
+              <a:t>20</a:t>
             </a:fld>
             <a:endParaRPr lang="pl-PL"/>
           </a:p>
@@ -788,7 +791,7 @@
     </p:spTree>
     <p:extLst>
       <p:ext uri="{BB962C8B-B14F-4D97-AF65-F5344CB8AC3E}">
-        <p14:creationId xmlns:p14="http://schemas.microsoft.com/office/powerpoint/2010/main" val="3517623830"/>
+        <p14:creationId xmlns:p14="http://schemas.microsoft.com/office/powerpoint/2010/main" val="4053500840"/>
       </p:ext>
     </p:extLst>
   </p:cSld>
@@ -842,6 +845,80 @@
           <a:bodyPr/>
           <a:lstStyle/>
           <a:p>
+            <a:r>
+              <a:rPr lang="en-US" sz="1200" b="1" i="0" kern="1200" dirty="0">
+                <a:solidFill>
+                  <a:schemeClr val="tx1"/>
+                </a:solidFill>
+                <a:effectLst/>
+                <a:latin typeface="+mn-lt"/>
+                <a:ea typeface="+mn-ea"/>
+                <a:cs typeface="+mn-cs"/>
+              </a:rPr>
+              <a:t>Pragma strict</a:t>
+            </a:r>
+            <a:r>
+              <a:rPr lang="en-US" sz="1200" b="0" i="0" kern="1200" dirty="0">
+                <a:solidFill>
+                  <a:schemeClr val="tx1"/>
+                </a:solidFill>
+                <a:effectLst/>
+                <a:latin typeface="+mn-lt"/>
+                <a:ea typeface="+mn-ea"/>
+                <a:cs typeface="+mn-cs"/>
+              </a:rPr>
+              <a:t> is a way to tell </a:t>
+            </a:r>
+            <a:r>
+              <a:rPr lang="en-US" sz="1200" b="0" i="0" kern="1200" dirty="0" err="1">
+                <a:solidFill>
+                  <a:schemeClr val="tx1"/>
+                </a:solidFill>
+                <a:effectLst/>
+                <a:latin typeface="+mn-lt"/>
+                <a:ea typeface="+mn-ea"/>
+                <a:cs typeface="+mn-cs"/>
+              </a:rPr>
+              <a:t>javascript</a:t>
+            </a:r>
+            <a:r>
+              <a:rPr lang="en-US" sz="1200" b="0" i="0" kern="1200" dirty="0">
+                <a:solidFill>
+                  <a:schemeClr val="tx1"/>
+                </a:solidFill>
+                <a:effectLst/>
+                <a:latin typeface="+mn-lt"/>
+                <a:ea typeface="+mn-ea"/>
+                <a:cs typeface="+mn-cs"/>
+              </a:rPr>
+              <a:t> to "be a stricter compiler". That is, it should throw errors when you try to do dumb things that </a:t>
+            </a:r>
+            <a:r>
+              <a:rPr lang="en-US" sz="1200" b="0" i="0" kern="1200" dirty="0" err="1">
+                <a:solidFill>
+                  <a:schemeClr val="tx1"/>
+                </a:solidFill>
+                <a:effectLst/>
+                <a:latin typeface="+mn-lt"/>
+                <a:ea typeface="+mn-ea"/>
+                <a:cs typeface="+mn-cs"/>
+              </a:rPr>
+              <a:t>javascript</a:t>
+            </a:r>
+            <a:r>
+              <a:rPr lang="en-US" sz="1200" b="0" i="0" kern="1200" dirty="0">
+                <a:solidFill>
+                  <a:schemeClr val="tx1"/>
+                </a:solidFill>
+                <a:effectLst/>
+                <a:latin typeface="+mn-lt"/>
+                <a:ea typeface="+mn-ea"/>
+                <a:cs typeface="+mn-cs"/>
+              </a:rPr>
+              <a:t> allows. C# is by nature "stricter" and doesn't need to be told to do that.</a:t>
+            </a:r>
+          </a:p>
+          <a:p>
             <a:endParaRPr lang="pl-PL" dirty="0"/>
           </a:p>
         </p:txBody>
@@ -863,7 +940,7 @@
           <a:p>
             <a:fld id="{4E272AE2-02A2-4B8F-AAEA-7ADC3F971F81}" type="slidenum">
               <a:rPr lang="pl-PL" smtClean="0"/>
-              <a:t>20</a:t>
+              <a:t>24</a:t>
             </a:fld>
             <a:endParaRPr lang="pl-PL"/>
           </a:p>
@@ -872,7 +949,223 @@
     </p:spTree>
     <p:extLst>
       <p:ext uri="{BB962C8B-B14F-4D97-AF65-F5344CB8AC3E}">
-        <p14:creationId xmlns:p14="http://schemas.microsoft.com/office/powerpoint/2010/main" val="4053500840"/>
+        <p14:creationId xmlns:p14="http://schemas.microsoft.com/office/powerpoint/2010/main" val="3305284818"/>
+      </p:ext>
+    </p:extLst>
+  </p:cSld>
+  <p:clrMapOvr>
+    <a:masterClrMapping/>
+  </p:clrMapOvr>
+</p:notes>
+</file>
+
+<file path=ppt/notesSlides/notesSlide12.xml><?xml version="1.0" encoding="utf-8"?>
+<p:notes xmlns:a="http://schemas.openxmlformats.org/drawingml/2006/main" xmlns:r="http://schemas.openxmlformats.org/officeDocument/2006/relationships" xmlns:p="http://schemas.openxmlformats.org/presentationml/2006/main">
+  <p:cSld>
+    <p:spTree>
+      <p:nvGrpSpPr>
+        <p:cNvPr id="1" name=""/>
+        <p:cNvGrpSpPr/>
+        <p:nvPr/>
+      </p:nvGrpSpPr>
+      <p:grpSpPr>
+        <a:xfrm>
+          <a:off x="0" y="0"/>
+          <a:ext cx="0" cy="0"/>
+          <a:chOff x="0" y="0"/>
+          <a:chExt cx="0" cy="0"/>
+        </a:xfrm>
+      </p:grpSpPr>
+      <p:sp>
+        <p:nvSpPr>
+          <p:cNvPr id="2" name="Symbol zastępczy obrazu slajdu 1"/>
+          <p:cNvSpPr>
+            <a:spLocks noGrp="1" noRot="1" noChangeAspect="1"/>
+          </p:cNvSpPr>
+          <p:nvPr>
+            <p:ph type="sldImg"/>
+          </p:nvPr>
+        </p:nvSpPr>
+        <p:spPr/>
+      </p:sp>
+      <p:sp>
+        <p:nvSpPr>
+          <p:cNvPr id="3" name="Symbol zastępczy notatek 2"/>
+          <p:cNvSpPr>
+            <a:spLocks noGrp="1"/>
+          </p:cNvSpPr>
+          <p:nvPr>
+            <p:ph type="body" idx="1"/>
+          </p:nvPr>
+        </p:nvSpPr>
+        <p:spPr/>
+        <p:txBody>
+          <a:bodyPr/>
+          <a:lstStyle/>
+          <a:p>
+            <a:r>
+              <a:rPr lang="pl-PL" dirty="0" err="1"/>
+              <a:t>Classes</a:t>
+            </a:r>
+            <a:r>
+              <a:rPr lang="pl-PL" dirty="0"/>
+              <a:t> </a:t>
+            </a:r>
+            <a:r>
+              <a:rPr lang="pl-PL" dirty="0" err="1"/>
+              <a:t>doesn’t</a:t>
+            </a:r>
+            <a:r>
+              <a:rPr lang="pl-PL" dirty="0"/>
+              <a:t> </a:t>
+            </a:r>
+            <a:r>
+              <a:rPr lang="pl-PL" dirty="0" err="1"/>
+              <a:t>have</a:t>
+            </a:r>
+            <a:r>
+              <a:rPr lang="pl-PL" dirty="0"/>
+              <a:t> </a:t>
+            </a:r>
+            <a:r>
+              <a:rPr lang="pl-PL" dirty="0" err="1"/>
+              <a:t>private</a:t>
+            </a:r>
+            <a:r>
+              <a:rPr lang="pl-PL" dirty="0"/>
+              <a:t> </a:t>
+            </a:r>
+            <a:r>
+              <a:rPr lang="pl-PL" dirty="0" err="1"/>
+              <a:t>methods</a:t>
+            </a:r>
+            <a:endParaRPr lang="pl-PL" dirty="0"/>
+          </a:p>
+        </p:txBody>
+      </p:sp>
+      <p:sp>
+        <p:nvSpPr>
+          <p:cNvPr id="4" name="Symbol zastępczy numeru slajdu 3"/>
+          <p:cNvSpPr>
+            <a:spLocks noGrp="1"/>
+          </p:cNvSpPr>
+          <p:nvPr>
+            <p:ph type="sldNum" sz="quarter" idx="10"/>
+          </p:nvPr>
+        </p:nvSpPr>
+        <p:spPr/>
+        <p:txBody>
+          <a:bodyPr/>
+          <a:lstStyle/>
+          <a:p>
+            <a:fld id="{4E272AE2-02A2-4B8F-AAEA-7ADC3F971F81}" type="slidenum">
+              <a:rPr lang="pl-PL" smtClean="0"/>
+              <a:t>26</a:t>
+            </a:fld>
+            <a:endParaRPr lang="pl-PL"/>
+          </a:p>
+        </p:txBody>
+      </p:sp>
+    </p:spTree>
+    <p:extLst>
+      <p:ext uri="{BB962C8B-B14F-4D97-AF65-F5344CB8AC3E}">
+        <p14:creationId xmlns:p14="http://schemas.microsoft.com/office/powerpoint/2010/main" val="1887327802"/>
+      </p:ext>
+    </p:extLst>
+  </p:cSld>
+  <p:clrMapOvr>
+    <a:masterClrMapping/>
+  </p:clrMapOvr>
+</p:notes>
+</file>
+
+<file path=ppt/notesSlides/notesSlide13.xml><?xml version="1.0" encoding="utf-8"?>
+<p:notes xmlns:a="http://schemas.openxmlformats.org/drawingml/2006/main" xmlns:r="http://schemas.openxmlformats.org/officeDocument/2006/relationships" xmlns:p="http://schemas.openxmlformats.org/presentationml/2006/main">
+  <p:cSld>
+    <p:spTree>
+      <p:nvGrpSpPr>
+        <p:cNvPr id="1" name=""/>
+        <p:cNvGrpSpPr/>
+        <p:nvPr/>
+      </p:nvGrpSpPr>
+      <p:grpSpPr>
+        <a:xfrm>
+          <a:off x="0" y="0"/>
+          <a:ext cx="0" cy="0"/>
+          <a:chOff x="0" y="0"/>
+          <a:chExt cx="0" cy="0"/>
+        </a:xfrm>
+      </p:grpSpPr>
+      <p:sp>
+        <p:nvSpPr>
+          <p:cNvPr id="2" name="Symbol zastępczy obrazu slajdu 1"/>
+          <p:cNvSpPr>
+            <a:spLocks noGrp="1" noRot="1" noChangeAspect="1"/>
+          </p:cNvSpPr>
+          <p:nvPr>
+            <p:ph type="sldImg"/>
+          </p:nvPr>
+        </p:nvSpPr>
+        <p:spPr/>
+      </p:sp>
+      <p:sp>
+        <p:nvSpPr>
+          <p:cNvPr id="3" name="Symbol zastępczy notatek 2"/>
+          <p:cNvSpPr>
+            <a:spLocks noGrp="1"/>
+          </p:cNvSpPr>
+          <p:nvPr>
+            <p:ph type="body" idx="1"/>
+          </p:nvPr>
+        </p:nvSpPr>
+        <p:spPr/>
+        <p:txBody>
+          <a:bodyPr/>
+          <a:lstStyle/>
+          <a:p>
+            <a:r>
+              <a:rPr lang="pl-PL" dirty="0" err="1"/>
+              <a:t>Private</a:t>
+            </a:r>
+            <a:r>
+              <a:rPr lang="pl-PL" dirty="0"/>
+              <a:t> </a:t>
+            </a:r>
+            <a:r>
+              <a:rPr lang="pl-PL" dirty="0" err="1"/>
+              <a:t>methods</a:t>
+            </a:r>
+            <a:endParaRPr lang="pl-PL" dirty="0"/>
+          </a:p>
+        </p:txBody>
+      </p:sp>
+      <p:sp>
+        <p:nvSpPr>
+          <p:cNvPr id="4" name="Symbol zastępczy numeru slajdu 3"/>
+          <p:cNvSpPr>
+            <a:spLocks noGrp="1"/>
+          </p:cNvSpPr>
+          <p:nvPr>
+            <p:ph type="sldNum" sz="quarter" idx="10"/>
+          </p:nvPr>
+        </p:nvSpPr>
+        <p:spPr/>
+        <p:txBody>
+          <a:bodyPr/>
+          <a:lstStyle/>
+          <a:p>
+            <a:fld id="{4E272AE2-02A2-4B8F-AAEA-7ADC3F971F81}" type="slidenum">
+              <a:rPr lang="pl-PL" smtClean="0"/>
+              <a:t>28</a:t>
+            </a:fld>
+            <a:endParaRPr lang="pl-PL"/>
+          </a:p>
+        </p:txBody>
+      </p:sp>
+    </p:spTree>
+    <p:extLst>
+      <p:ext uri="{BB962C8B-B14F-4D97-AF65-F5344CB8AC3E}">
+        <p14:creationId xmlns:p14="http://schemas.microsoft.com/office/powerpoint/2010/main" val="3599588711"/>
       </p:ext>
     </p:extLst>
   </p:cSld>
@@ -1047,6 +1340,16 @@
               <a:rPr lang="en-US" dirty="0"/>
               <a:t>To fix issues with blocks: if, while, for</a:t>
             </a:r>
+            <a:r>
+              <a:rPr lang="pl-PL" dirty="0"/>
+              <a:t>,</a:t>
+            </a:r>
+          </a:p>
+          <a:p>
+            <a:pPr marL="0" indent="0">
+              <a:buNone/>
+            </a:pPr>
+            <a:endParaRPr lang="en-US" dirty="0"/>
           </a:p>
           <a:p>
             <a:endParaRPr lang="pl-PL" dirty="0"/>
@@ -1403,15 +1706,7 @@
           <a:p>
             <a:r>
               <a:rPr lang="en-GB" dirty="0"/>
-              <a:t>Usage of closure to emulate </a:t>
-            </a:r>
-            <a:r>
-              <a:rPr lang="en-GB" b="1" dirty="0"/>
-              <a:t>private</a:t>
-            </a:r>
-            <a:r>
-              <a:rPr lang="en-GB" dirty="0"/>
-              <a:t> member functions, variables.</a:t>
+              <a:t>One time method, property is defined for all instance of objects.</a:t>
             </a:r>
             <a:endParaRPr lang="pl-PL" dirty="0"/>
           </a:p>
@@ -1443,7 +1738,7 @@
     </p:spTree>
     <p:extLst>
       <p:ext uri="{BB962C8B-B14F-4D97-AF65-F5344CB8AC3E}">
-        <p14:creationId xmlns:p14="http://schemas.microsoft.com/office/powerpoint/2010/main" val="2625297966"/>
+        <p14:creationId xmlns:p14="http://schemas.microsoft.com/office/powerpoint/2010/main" val="3517623830"/>
       </p:ext>
     </p:extLst>
   </p:cSld>
@@ -1499,7 +1794,15 @@
           <a:p>
             <a:r>
               <a:rPr lang="en-GB" dirty="0"/>
-              <a:t>More examples VS Code</a:t>
+              <a:t>Usage of closure to emulate </a:t>
+            </a:r>
+            <a:r>
+              <a:rPr lang="en-GB" b="1" dirty="0"/>
+              <a:t>private</a:t>
+            </a:r>
+            <a:r>
+              <a:rPr lang="en-GB" dirty="0"/>
+              <a:t> member functions, variables.</a:t>
             </a:r>
             <a:endParaRPr lang="pl-PL" dirty="0"/>
           </a:p>
@@ -1522,7 +1825,7 @@
           <a:p>
             <a:fld id="{4E272AE2-02A2-4B8F-AAEA-7ADC3F971F81}" type="slidenum">
               <a:rPr lang="pl-PL" smtClean="0"/>
-              <a:t>16</a:t>
+              <a:t>18</a:t>
             </a:fld>
             <a:endParaRPr lang="pl-PL"/>
           </a:p>
@@ -1531,7 +1834,7 @@
     </p:spTree>
     <p:extLst>
       <p:ext uri="{BB962C8B-B14F-4D97-AF65-F5344CB8AC3E}">
-        <p14:creationId xmlns:p14="http://schemas.microsoft.com/office/powerpoint/2010/main" val="3118683129"/>
+        <p14:creationId xmlns:p14="http://schemas.microsoft.com/office/powerpoint/2010/main" val="1972720127"/>
       </p:ext>
     </p:extLst>
   </p:cSld>
@@ -1587,7 +1890,7 @@
           <a:p>
             <a:r>
               <a:rPr lang="en-GB" dirty="0"/>
-              <a:t>examples</a:t>
+              <a:t>More examples VS Code</a:t>
             </a:r>
             <a:endParaRPr lang="pl-PL" dirty="0"/>
           </a:p>
@@ -1610,7 +1913,7 @@
           <a:p>
             <a:fld id="{4E272AE2-02A2-4B8F-AAEA-7ADC3F971F81}" type="slidenum">
               <a:rPr lang="pl-PL" smtClean="0"/>
-              <a:t>18</a:t>
+              <a:t>19</a:t>
             </a:fld>
             <a:endParaRPr lang="pl-PL"/>
           </a:p>
@@ -1619,7 +1922,7 @@
     </p:spTree>
     <p:extLst>
       <p:ext uri="{BB962C8B-B14F-4D97-AF65-F5344CB8AC3E}">
-        <p14:creationId xmlns:p14="http://schemas.microsoft.com/office/powerpoint/2010/main" val="4065689355"/>
+        <p14:creationId xmlns:p14="http://schemas.microsoft.com/office/powerpoint/2010/main" val="2543650655"/>
       </p:ext>
     </p:extLst>
   </p:cSld>
@@ -1776,7 +2079,7 @@
           <a:p>
             <a:fld id="{C57C09B5-6BF9-4018-AF21-4D72641C658B}" type="datetimeFigureOut">
               <a:rPr lang="pl-PL" smtClean="0"/>
-              <a:t>19.01.2018</a:t>
+              <a:t>21.01.2018</a:t>
             </a:fld>
             <a:endParaRPr lang="pl-PL"/>
           </a:p>
@@ -1974,7 +2277,7 @@
           <a:p>
             <a:fld id="{C57C09B5-6BF9-4018-AF21-4D72641C658B}" type="datetimeFigureOut">
               <a:rPr lang="pl-PL" smtClean="0"/>
-              <a:t>19.01.2018</a:t>
+              <a:t>21.01.2018</a:t>
             </a:fld>
             <a:endParaRPr lang="pl-PL"/>
           </a:p>
@@ -2182,7 +2485,7 @@
           <a:p>
             <a:fld id="{C57C09B5-6BF9-4018-AF21-4D72641C658B}" type="datetimeFigureOut">
               <a:rPr lang="pl-PL" smtClean="0"/>
-              <a:t>19.01.2018</a:t>
+              <a:t>21.01.2018</a:t>
             </a:fld>
             <a:endParaRPr lang="pl-PL"/>
           </a:p>
@@ -2380,7 +2683,7 @@
           <a:p>
             <a:fld id="{C57C09B5-6BF9-4018-AF21-4D72641C658B}" type="datetimeFigureOut">
               <a:rPr lang="pl-PL" smtClean="0"/>
-              <a:t>19.01.2018</a:t>
+              <a:t>21.01.2018</a:t>
             </a:fld>
             <a:endParaRPr lang="pl-PL"/>
           </a:p>
@@ -2655,7 +2958,7 @@
           <a:p>
             <a:fld id="{C57C09B5-6BF9-4018-AF21-4D72641C658B}" type="datetimeFigureOut">
               <a:rPr lang="pl-PL" smtClean="0"/>
-              <a:t>19.01.2018</a:t>
+              <a:t>21.01.2018</a:t>
             </a:fld>
             <a:endParaRPr lang="pl-PL"/>
           </a:p>
@@ -2920,7 +3223,7 @@
           <a:p>
             <a:fld id="{C57C09B5-6BF9-4018-AF21-4D72641C658B}" type="datetimeFigureOut">
               <a:rPr lang="pl-PL" smtClean="0"/>
-              <a:t>19.01.2018</a:t>
+              <a:t>21.01.2018</a:t>
             </a:fld>
             <a:endParaRPr lang="pl-PL"/>
           </a:p>
@@ -3332,7 +3635,7 @@
           <a:p>
             <a:fld id="{C57C09B5-6BF9-4018-AF21-4D72641C658B}" type="datetimeFigureOut">
               <a:rPr lang="pl-PL" smtClean="0"/>
-              <a:t>19.01.2018</a:t>
+              <a:t>21.01.2018</a:t>
             </a:fld>
             <a:endParaRPr lang="pl-PL"/>
           </a:p>
@@ -3473,7 +3776,7 @@
           <a:p>
             <a:fld id="{C57C09B5-6BF9-4018-AF21-4D72641C658B}" type="datetimeFigureOut">
               <a:rPr lang="pl-PL" smtClean="0"/>
-              <a:t>19.01.2018</a:t>
+              <a:t>21.01.2018</a:t>
             </a:fld>
             <a:endParaRPr lang="pl-PL"/>
           </a:p>
@@ -3586,7 +3889,7 @@
           <a:p>
             <a:fld id="{C57C09B5-6BF9-4018-AF21-4D72641C658B}" type="datetimeFigureOut">
               <a:rPr lang="pl-PL" smtClean="0"/>
-              <a:t>19.01.2018</a:t>
+              <a:t>21.01.2018</a:t>
             </a:fld>
             <a:endParaRPr lang="pl-PL"/>
           </a:p>
@@ -3897,7 +4200,7 @@
           <a:p>
             <a:fld id="{C57C09B5-6BF9-4018-AF21-4D72641C658B}" type="datetimeFigureOut">
               <a:rPr lang="pl-PL" smtClean="0"/>
-              <a:t>19.01.2018</a:t>
+              <a:t>21.01.2018</a:t>
             </a:fld>
             <a:endParaRPr lang="pl-PL"/>
           </a:p>
@@ -4185,7 +4488,7 @@
           <a:p>
             <a:fld id="{C57C09B5-6BF9-4018-AF21-4D72641C658B}" type="datetimeFigureOut">
               <a:rPr lang="pl-PL" smtClean="0"/>
-              <a:t>19.01.2018</a:t>
+              <a:t>21.01.2018</a:t>
             </a:fld>
             <a:endParaRPr lang="pl-PL"/>
           </a:p>
@@ -4426,7 +4729,7 @@
           <a:p>
             <a:fld id="{C57C09B5-6BF9-4018-AF21-4D72641C658B}" type="datetimeFigureOut">
               <a:rPr lang="pl-PL" smtClean="0"/>
-              <a:t>19.01.2018</a:t>
+              <a:t>21.01.2018</a:t>
             </a:fld>
             <a:endParaRPr lang="pl-PL"/>
           </a:p>
@@ -4985,7 +5288,7 @@
         <p:spPr>
           <a:xfrm>
             <a:off x="1233889" y="6125378"/>
-            <a:ext cx="5372176" cy="369332"/>
+            <a:ext cx="6065891" cy="369332"/>
           </a:xfrm>
           <a:prstGeom prst="rect">
             <a:avLst/>
@@ -5016,7 +5319,15 @@
             </a:r>
             <a:r>
               <a:rPr lang="en-GB" dirty="0"/>
-              <a:t>-, Anton </a:t>
+              <a:t>-</a:t>
+            </a:r>
+            <a:r>
+              <a:rPr lang="pl-PL" dirty="0" err="1"/>
+              <a:t>Szermik</a:t>
+            </a:r>
+            <a:r>
+              <a:rPr lang="en-GB" dirty="0"/>
+              <a:t>, Anton </a:t>
             </a:r>
             <a:r>
               <a:rPr lang="en-GB" dirty="0" err="1"/>
@@ -6068,744 +6379,6 @@
           <p:cNvPr id="2" name="Tytuł 1">
             <a:extLst>
               <a:ext uri="{FF2B5EF4-FFF2-40B4-BE49-F238E27FC236}">
-                <a16:creationId xmlns:a16="http://schemas.microsoft.com/office/drawing/2014/main" id="{657F7715-21C7-4B85-82AB-ECEC3E360DEA}"/>
-              </a:ext>
-            </a:extLst>
-          </p:cNvPr>
-          <p:cNvSpPr>
-            <a:spLocks noGrp="1"/>
-          </p:cNvSpPr>
-          <p:nvPr>
-            <p:ph type="title"/>
-          </p:nvPr>
-        </p:nvSpPr>
-        <p:spPr/>
-        <p:txBody>
-          <a:bodyPr/>
-          <a:lstStyle/>
-          <a:p>
-            <a:pPr algn="ctr"/>
-            <a:r>
-              <a:rPr lang="en-GB" dirty="0" err="1"/>
-              <a:t>Clousure</a:t>
-            </a:r>
-            <a:endParaRPr lang="pl-PL" dirty="0"/>
-          </a:p>
-        </p:txBody>
-      </p:sp>
-      <p:sp>
-        <p:nvSpPr>
-          <p:cNvPr id="3" name="Symbol zastępczy zawartości 2">
-            <a:extLst>
-              <a:ext uri="{FF2B5EF4-FFF2-40B4-BE49-F238E27FC236}">
-                <a16:creationId xmlns:a16="http://schemas.microsoft.com/office/drawing/2014/main" id="{4F7A8C1D-A8F7-448C-BB42-D203912AF30E}"/>
-              </a:ext>
-            </a:extLst>
-          </p:cNvPr>
-          <p:cNvSpPr>
-            <a:spLocks noGrp="1"/>
-          </p:cNvSpPr>
-          <p:nvPr>
-            <p:ph idx="1"/>
-          </p:nvPr>
-        </p:nvSpPr>
-        <p:spPr/>
-        <p:txBody>
-          <a:bodyPr/>
-          <a:lstStyle/>
-          <a:p>
-            <a:endParaRPr lang="pl-PL"/>
-          </a:p>
-        </p:txBody>
-      </p:sp>
-      <p:pic>
-        <p:nvPicPr>
-          <p:cNvPr id="4" name="Obraz 3">
-            <a:extLst>
-              <a:ext uri="{FF2B5EF4-FFF2-40B4-BE49-F238E27FC236}">
-                <a16:creationId xmlns:a16="http://schemas.microsoft.com/office/drawing/2014/main" id="{16166A64-60C2-4A4C-9418-1AD16F082C4C}"/>
-              </a:ext>
-            </a:extLst>
-          </p:cNvPr>
-          <p:cNvPicPr>
-            <a:picLocks noChangeAspect="1"/>
-          </p:cNvPicPr>
-          <p:nvPr/>
-        </p:nvPicPr>
-        <p:blipFill>
-          <a:blip r:embed="rId2"/>
-          <a:stretch>
-            <a:fillRect/>
-          </a:stretch>
-        </p:blipFill>
-        <p:spPr>
-          <a:xfrm>
-            <a:off x="2597617" y="1690688"/>
-            <a:ext cx="6477000" cy="4829175"/>
-          </a:xfrm>
-          <a:prstGeom prst="rect">
-            <a:avLst/>
-          </a:prstGeom>
-        </p:spPr>
-      </p:pic>
-    </p:spTree>
-    <p:extLst>
-      <p:ext uri="{BB962C8B-B14F-4D97-AF65-F5344CB8AC3E}">
-        <p14:creationId xmlns:p14="http://schemas.microsoft.com/office/powerpoint/2010/main" val="97084285"/>
-      </p:ext>
-    </p:extLst>
-  </p:cSld>
-  <p:clrMapOvr>
-    <a:masterClrMapping/>
-  </p:clrMapOvr>
-</p:sld>
-</file>
-
-<file path=ppt/slides/slide15.xml><?xml version="1.0" encoding="utf-8"?>
-<p:sld xmlns:a="http://schemas.openxmlformats.org/drawingml/2006/main" xmlns:r="http://schemas.openxmlformats.org/officeDocument/2006/relationships" xmlns:p="http://schemas.openxmlformats.org/presentationml/2006/main">
-  <p:cSld>
-    <p:spTree>
-      <p:nvGrpSpPr>
-        <p:cNvPr id="1" name=""/>
-        <p:cNvGrpSpPr/>
-        <p:nvPr/>
-      </p:nvGrpSpPr>
-      <p:grpSpPr>
-        <a:xfrm>
-          <a:off x="0" y="0"/>
-          <a:ext cx="0" cy="0"/>
-          <a:chOff x="0" y="0"/>
-          <a:chExt cx="0" cy="0"/>
-        </a:xfrm>
-      </p:grpSpPr>
-      <p:sp>
-        <p:nvSpPr>
-          <p:cNvPr id="2" name="Tytuł 1">
-            <a:extLst>
-              <a:ext uri="{FF2B5EF4-FFF2-40B4-BE49-F238E27FC236}">
-                <a16:creationId xmlns:a16="http://schemas.microsoft.com/office/drawing/2014/main" id="{596B87AF-86C3-45AB-B596-533D7067F41A}"/>
-              </a:ext>
-            </a:extLst>
-          </p:cNvPr>
-          <p:cNvSpPr>
-            <a:spLocks noGrp="1"/>
-          </p:cNvSpPr>
-          <p:nvPr>
-            <p:ph type="title"/>
-          </p:nvPr>
-        </p:nvSpPr>
-        <p:spPr/>
-        <p:txBody>
-          <a:bodyPr/>
-          <a:lstStyle/>
-          <a:p>
-            <a:r>
-              <a:rPr lang="en-GB" dirty="0" err="1"/>
-              <a:t>Clousure</a:t>
-            </a:r>
-            <a:endParaRPr lang="pl-PL" dirty="0"/>
-          </a:p>
-        </p:txBody>
-      </p:sp>
-      <p:sp>
-        <p:nvSpPr>
-          <p:cNvPr id="3" name="Symbol zastępczy zawartości 2">
-            <a:extLst>
-              <a:ext uri="{FF2B5EF4-FFF2-40B4-BE49-F238E27FC236}">
-                <a16:creationId xmlns:a16="http://schemas.microsoft.com/office/drawing/2014/main" id="{D80D47D1-8BB9-440A-A960-0BA6590D4E70}"/>
-              </a:ext>
-            </a:extLst>
-          </p:cNvPr>
-          <p:cNvSpPr>
-            <a:spLocks noGrp="1"/>
-          </p:cNvSpPr>
-          <p:nvPr>
-            <p:ph idx="1"/>
-          </p:nvPr>
-        </p:nvSpPr>
-        <p:spPr/>
-        <p:txBody>
-          <a:bodyPr>
-            <a:normAutofit/>
-          </a:bodyPr>
-          <a:lstStyle/>
-          <a:p>
-            <a:pPr marL="0" indent="0">
-              <a:buNone/>
-            </a:pPr>
-            <a:r>
-              <a:rPr lang="en-US" dirty="0"/>
-              <a:t>A </a:t>
-            </a:r>
-            <a:r>
-              <a:rPr lang="en-US" b="1" dirty="0"/>
-              <a:t>closure</a:t>
-            </a:r>
-            <a:r>
-              <a:rPr lang="en-US" dirty="0"/>
-              <a:t> is an inner function that has access to the outer (enclosing) function's variables—scope chain. </a:t>
-            </a:r>
-          </a:p>
-          <a:p>
-            <a:pPr marL="0" indent="0">
-              <a:buNone/>
-            </a:pPr>
-            <a:endParaRPr lang="en-US" dirty="0"/>
-          </a:p>
-          <a:p>
-            <a:pPr marL="0" indent="0">
-              <a:buNone/>
-            </a:pPr>
-            <a:r>
-              <a:rPr lang="en-US" dirty="0"/>
-              <a:t>The </a:t>
-            </a:r>
-            <a:r>
-              <a:rPr lang="en-US" b="1" dirty="0"/>
-              <a:t>closure</a:t>
-            </a:r>
-            <a:r>
-              <a:rPr lang="en-US" dirty="0"/>
-              <a:t> has three scope chains: </a:t>
-            </a:r>
-          </a:p>
-          <a:p>
-            <a:pPr marL="0" indent="0">
-              <a:buNone/>
-            </a:pPr>
-            <a:r>
-              <a:rPr lang="en-US" dirty="0"/>
-              <a:t>it has access to its </a:t>
-            </a:r>
-            <a:r>
-              <a:rPr lang="en-US" b="1" dirty="0"/>
-              <a:t>own scope </a:t>
-            </a:r>
-            <a:r>
-              <a:rPr lang="en-US" dirty="0"/>
-              <a:t>(variables defined between its curly brackets), </a:t>
-            </a:r>
-          </a:p>
-          <a:p>
-            <a:pPr marL="0" indent="0">
-              <a:buNone/>
-            </a:pPr>
-            <a:r>
-              <a:rPr lang="en-US" dirty="0"/>
-              <a:t>it has access to the </a:t>
-            </a:r>
-            <a:r>
-              <a:rPr lang="en-US" b="1" dirty="0"/>
-              <a:t>outer function's variables</a:t>
-            </a:r>
-            <a:r>
-              <a:rPr lang="en-US" dirty="0"/>
-              <a:t>, </a:t>
-            </a:r>
-          </a:p>
-          <a:p>
-            <a:pPr marL="0" indent="0">
-              <a:buNone/>
-            </a:pPr>
-            <a:r>
-              <a:rPr lang="en-US" dirty="0"/>
-              <a:t>and it has access to the </a:t>
-            </a:r>
-            <a:r>
-              <a:rPr lang="en-US" b="1" dirty="0"/>
-              <a:t>global variables</a:t>
-            </a:r>
-            <a:r>
-              <a:rPr lang="en-US" dirty="0"/>
-              <a:t>.</a:t>
-            </a:r>
-          </a:p>
-          <a:p>
-            <a:pPr marL="0" indent="0">
-              <a:buNone/>
-            </a:pPr>
-            <a:r>
-              <a:rPr lang="en-US" dirty="0"/>
-              <a:t> </a:t>
-            </a:r>
-          </a:p>
-        </p:txBody>
-      </p:sp>
-    </p:spTree>
-    <p:extLst>
-      <p:ext uri="{BB962C8B-B14F-4D97-AF65-F5344CB8AC3E}">
-        <p14:creationId xmlns:p14="http://schemas.microsoft.com/office/powerpoint/2010/main" val="310696529"/>
-      </p:ext>
-    </p:extLst>
-  </p:cSld>
-  <p:clrMapOvr>
-    <a:masterClrMapping/>
-  </p:clrMapOvr>
-</p:sld>
-</file>
-
-<file path=ppt/slides/slide16.xml><?xml version="1.0" encoding="utf-8"?>
-<p:sld xmlns:a="http://schemas.openxmlformats.org/drawingml/2006/main" xmlns:r="http://schemas.openxmlformats.org/officeDocument/2006/relationships" xmlns:p="http://schemas.openxmlformats.org/presentationml/2006/main">
-  <p:cSld>
-    <p:spTree>
-      <p:nvGrpSpPr>
-        <p:cNvPr id="1" name=""/>
-        <p:cNvGrpSpPr/>
-        <p:nvPr/>
-      </p:nvGrpSpPr>
-      <p:grpSpPr>
-        <a:xfrm>
-          <a:off x="0" y="0"/>
-          <a:ext cx="0" cy="0"/>
-          <a:chOff x="0" y="0"/>
-          <a:chExt cx="0" cy="0"/>
-        </a:xfrm>
-      </p:grpSpPr>
-      <p:sp>
-        <p:nvSpPr>
-          <p:cNvPr id="2" name="Tytuł 1">
-            <a:extLst>
-              <a:ext uri="{FF2B5EF4-FFF2-40B4-BE49-F238E27FC236}">
-                <a16:creationId xmlns:a16="http://schemas.microsoft.com/office/drawing/2014/main" id="{107271B8-3F3F-40D3-B378-C18BAB7C63CF}"/>
-              </a:ext>
-            </a:extLst>
-          </p:cNvPr>
-          <p:cNvSpPr>
-            <a:spLocks noGrp="1"/>
-          </p:cNvSpPr>
-          <p:nvPr>
-            <p:ph type="title"/>
-          </p:nvPr>
-        </p:nvSpPr>
-        <p:spPr/>
-        <p:txBody>
-          <a:bodyPr/>
-          <a:lstStyle/>
-          <a:p>
-            <a:r>
-              <a:rPr lang="en-GB" dirty="0"/>
-              <a:t>Closure example</a:t>
-            </a:r>
-            <a:endParaRPr lang="pl-PL" dirty="0"/>
-          </a:p>
-        </p:txBody>
-      </p:sp>
-      <p:sp>
-        <p:nvSpPr>
-          <p:cNvPr id="3" name="Symbol zastępczy zawartości 2">
-            <a:extLst>
-              <a:ext uri="{FF2B5EF4-FFF2-40B4-BE49-F238E27FC236}">
-                <a16:creationId xmlns:a16="http://schemas.microsoft.com/office/drawing/2014/main" id="{D7BC9333-0F67-4516-8D50-7E74C1FCA234}"/>
-              </a:ext>
-            </a:extLst>
-          </p:cNvPr>
-          <p:cNvSpPr>
-            <a:spLocks noGrp="1"/>
-          </p:cNvSpPr>
-          <p:nvPr>
-            <p:ph idx="1"/>
-          </p:nvPr>
-        </p:nvSpPr>
-        <p:spPr/>
-        <p:txBody>
-          <a:bodyPr>
-            <a:normAutofit/>
-          </a:bodyPr>
-          <a:lstStyle/>
-          <a:p>
-            <a:pPr marL="0" indent="0">
-              <a:buNone/>
-            </a:pPr>
-            <a:r>
-              <a:rPr lang="pl-PL" dirty="0" err="1">
-                <a:solidFill>
-                  <a:srgbClr val="0000FF"/>
-                </a:solidFill>
-                <a:latin typeface="Consolas" panose="020B0609020204030204" pitchFamily="49" charset="0"/>
-              </a:rPr>
-              <a:t>function</a:t>
-            </a:r>
-            <a:r>
-              <a:rPr lang="pl-PL" dirty="0">
-                <a:solidFill>
-                  <a:srgbClr val="000000"/>
-                </a:solidFill>
-                <a:latin typeface="Consolas" panose="020B0609020204030204" pitchFamily="49" charset="0"/>
-              </a:rPr>
-              <a:t> </a:t>
-            </a:r>
-            <a:r>
-              <a:rPr lang="pl-PL" dirty="0" err="1">
-                <a:solidFill>
-                  <a:srgbClr val="795E26"/>
-                </a:solidFill>
-                <a:latin typeface="Consolas" panose="020B0609020204030204" pitchFamily="49" charset="0"/>
-              </a:rPr>
-              <a:t>makeFunc</a:t>
-            </a:r>
-            <a:r>
-              <a:rPr lang="pl-PL" dirty="0">
-                <a:solidFill>
-                  <a:srgbClr val="000000"/>
-                </a:solidFill>
-                <a:latin typeface="Consolas" panose="020B0609020204030204" pitchFamily="49" charset="0"/>
-              </a:rPr>
-              <a:t>() {</a:t>
-            </a:r>
-          </a:p>
-          <a:p>
-            <a:pPr marL="0" indent="0">
-              <a:buNone/>
-            </a:pPr>
-            <a:r>
-              <a:rPr lang="pl-PL" dirty="0" err="1">
-                <a:solidFill>
-                  <a:srgbClr val="0000FF"/>
-                </a:solidFill>
-                <a:latin typeface="Consolas" panose="020B0609020204030204" pitchFamily="49" charset="0"/>
-              </a:rPr>
-              <a:t>var</a:t>
-            </a:r>
-            <a:r>
-              <a:rPr lang="pl-PL" dirty="0">
-                <a:solidFill>
-                  <a:srgbClr val="000000"/>
-                </a:solidFill>
-                <a:latin typeface="Consolas" panose="020B0609020204030204" pitchFamily="49" charset="0"/>
-              </a:rPr>
-              <a:t> </a:t>
-            </a:r>
-            <a:r>
-              <a:rPr lang="pl-PL" dirty="0" err="1">
-                <a:solidFill>
-                  <a:srgbClr val="001080"/>
-                </a:solidFill>
-                <a:latin typeface="Consolas" panose="020B0609020204030204" pitchFamily="49" charset="0"/>
-              </a:rPr>
-              <a:t>name</a:t>
-            </a:r>
-            <a:r>
-              <a:rPr lang="pl-PL" dirty="0">
-                <a:solidFill>
-                  <a:srgbClr val="000000"/>
-                </a:solidFill>
-                <a:latin typeface="Consolas" panose="020B0609020204030204" pitchFamily="49" charset="0"/>
-              </a:rPr>
-              <a:t> = </a:t>
-            </a:r>
-            <a:r>
-              <a:rPr lang="en-GB" dirty="0">
-                <a:solidFill>
-                  <a:srgbClr val="A31515"/>
-                </a:solidFill>
-                <a:latin typeface="Consolas" panose="020B0609020204030204" pitchFamily="49" charset="0"/>
-              </a:rPr>
-              <a:t>‘Volvo’</a:t>
-            </a:r>
-            <a:r>
-              <a:rPr lang="pl-PL" dirty="0">
-                <a:solidFill>
-                  <a:srgbClr val="000000"/>
-                </a:solidFill>
-                <a:latin typeface="Consolas" panose="020B0609020204030204" pitchFamily="49" charset="0"/>
-              </a:rPr>
-              <a:t>;</a:t>
-            </a:r>
-          </a:p>
-          <a:p>
-            <a:pPr marL="457200" lvl="1" indent="0">
-              <a:buNone/>
-            </a:pPr>
-            <a:r>
-              <a:rPr lang="pl-PL" dirty="0" err="1">
-                <a:solidFill>
-                  <a:srgbClr val="0000FF"/>
-                </a:solidFill>
-                <a:latin typeface="Consolas" panose="020B0609020204030204" pitchFamily="49" charset="0"/>
-              </a:rPr>
-              <a:t>function</a:t>
-            </a:r>
-            <a:r>
-              <a:rPr lang="pl-PL" dirty="0">
-                <a:solidFill>
-                  <a:srgbClr val="000000"/>
-                </a:solidFill>
-                <a:latin typeface="Consolas" panose="020B0609020204030204" pitchFamily="49" charset="0"/>
-              </a:rPr>
-              <a:t> </a:t>
-            </a:r>
-            <a:r>
-              <a:rPr lang="pl-PL" dirty="0" err="1">
-                <a:solidFill>
-                  <a:srgbClr val="795E26"/>
-                </a:solidFill>
-                <a:latin typeface="Consolas" panose="020B0609020204030204" pitchFamily="49" charset="0"/>
-              </a:rPr>
-              <a:t>displayName</a:t>
-            </a:r>
-            <a:r>
-              <a:rPr lang="en-GB" dirty="0" err="1">
-                <a:solidFill>
-                  <a:srgbClr val="795E26"/>
-                </a:solidFill>
-                <a:latin typeface="Consolas" panose="020B0609020204030204" pitchFamily="49" charset="0"/>
-              </a:rPr>
-              <a:t>Fn</a:t>
-            </a:r>
-            <a:r>
-              <a:rPr lang="pl-PL" dirty="0">
-                <a:solidFill>
-                  <a:srgbClr val="000000"/>
-                </a:solidFill>
-                <a:latin typeface="Consolas" panose="020B0609020204030204" pitchFamily="49" charset="0"/>
-              </a:rPr>
-              <a:t>() {</a:t>
-            </a:r>
-          </a:p>
-          <a:p>
-            <a:pPr marL="457200" lvl="1" indent="0">
-              <a:buNone/>
-            </a:pPr>
-            <a:r>
-              <a:rPr lang="en-GB" dirty="0">
-                <a:solidFill>
-                  <a:srgbClr val="795E26"/>
-                </a:solidFill>
-                <a:latin typeface="Consolas" panose="020B0609020204030204" pitchFamily="49" charset="0"/>
-              </a:rPr>
-              <a:t>	console.log</a:t>
-            </a:r>
-            <a:r>
-              <a:rPr lang="pl-PL" dirty="0">
-                <a:solidFill>
-                  <a:srgbClr val="000000"/>
-                </a:solidFill>
-                <a:latin typeface="Consolas" panose="020B0609020204030204" pitchFamily="49" charset="0"/>
-              </a:rPr>
-              <a:t>(</a:t>
-            </a:r>
-            <a:r>
-              <a:rPr lang="pl-PL" dirty="0" err="1">
-                <a:solidFill>
-                  <a:srgbClr val="001080"/>
-                </a:solidFill>
-                <a:latin typeface="Consolas" panose="020B0609020204030204" pitchFamily="49" charset="0"/>
-              </a:rPr>
-              <a:t>name</a:t>
-            </a:r>
-            <a:r>
-              <a:rPr lang="pl-PL" dirty="0">
-                <a:solidFill>
-                  <a:srgbClr val="000000"/>
-                </a:solidFill>
-                <a:latin typeface="Consolas" panose="020B0609020204030204" pitchFamily="49" charset="0"/>
-              </a:rPr>
-              <a:t>);</a:t>
-            </a:r>
-          </a:p>
-          <a:p>
-            <a:pPr marL="457200" lvl="1" indent="0">
-              <a:buNone/>
-            </a:pPr>
-            <a:r>
-              <a:rPr lang="pl-PL" dirty="0">
-                <a:solidFill>
-                  <a:srgbClr val="000000"/>
-                </a:solidFill>
-                <a:latin typeface="Consolas" panose="020B0609020204030204" pitchFamily="49" charset="0"/>
-              </a:rPr>
-              <a:t>}</a:t>
-            </a:r>
-          </a:p>
-          <a:p>
-            <a:pPr marL="457200" lvl="1" indent="0">
-              <a:buNone/>
-            </a:pPr>
-            <a:r>
-              <a:rPr lang="pl-PL" dirty="0">
-                <a:solidFill>
-                  <a:srgbClr val="AF00DB"/>
-                </a:solidFill>
-                <a:latin typeface="Consolas" panose="020B0609020204030204" pitchFamily="49" charset="0"/>
-              </a:rPr>
-              <a:t>return</a:t>
-            </a:r>
-            <a:r>
-              <a:rPr lang="pl-PL" dirty="0">
-                <a:solidFill>
-                  <a:srgbClr val="000000"/>
-                </a:solidFill>
-                <a:latin typeface="Consolas" panose="020B0609020204030204" pitchFamily="49" charset="0"/>
-              </a:rPr>
-              <a:t> </a:t>
-            </a:r>
-            <a:r>
-              <a:rPr lang="pl-PL" dirty="0" err="1">
-                <a:solidFill>
-                  <a:srgbClr val="001080"/>
-                </a:solidFill>
-                <a:latin typeface="Consolas" panose="020B0609020204030204" pitchFamily="49" charset="0"/>
-              </a:rPr>
-              <a:t>displayName</a:t>
-            </a:r>
-            <a:r>
-              <a:rPr lang="en-GB" dirty="0" err="1">
-                <a:solidFill>
-                  <a:srgbClr val="001080"/>
-                </a:solidFill>
-                <a:latin typeface="Consolas" panose="020B0609020204030204" pitchFamily="49" charset="0"/>
-              </a:rPr>
-              <a:t>Fn</a:t>
-            </a:r>
-            <a:r>
-              <a:rPr lang="pl-PL" dirty="0">
-                <a:solidFill>
-                  <a:srgbClr val="000000"/>
-                </a:solidFill>
-                <a:latin typeface="Consolas" panose="020B0609020204030204" pitchFamily="49" charset="0"/>
-              </a:rPr>
-              <a:t>;</a:t>
-            </a:r>
-          </a:p>
-          <a:p>
-            <a:pPr marL="0" indent="0">
-              <a:buNone/>
-            </a:pPr>
-            <a:r>
-              <a:rPr lang="pl-PL" dirty="0">
-                <a:solidFill>
-                  <a:srgbClr val="000000"/>
-                </a:solidFill>
-                <a:latin typeface="Consolas" panose="020B0609020204030204" pitchFamily="49" charset="0"/>
-              </a:rPr>
-              <a:t>}</a:t>
-            </a:r>
-          </a:p>
-          <a:p>
-            <a:pPr marL="0" indent="0">
-              <a:buNone/>
-            </a:pPr>
-            <a:r>
-              <a:rPr lang="pl-PL" dirty="0" err="1">
-                <a:solidFill>
-                  <a:srgbClr val="0000FF"/>
-                </a:solidFill>
-                <a:latin typeface="Consolas" panose="020B0609020204030204" pitchFamily="49" charset="0"/>
-              </a:rPr>
-              <a:t>var</a:t>
-            </a:r>
-            <a:r>
-              <a:rPr lang="pl-PL" dirty="0">
-                <a:solidFill>
-                  <a:srgbClr val="000000"/>
-                </a:solidFill>
-                <a:latin typeface="Consolas" panose="020B0609020204030204" pitchFamily="49" charset="0"/>
-              </a:rPr>
-              <a:t> </a:t>
-            </a:r>
-            <a:r>
-              <a:rPr lang="pl-PL" dirty="0" err="1">
-                <a:solidFill>
-                  <a:srgbClr val="001080"/>
-                </a:solidFill>
-                <a:latin typeface="Consolas" panose="020B0609020204030204" pitchFamily="49" charset="0"/>
-              </a:rPr>
-              <a:t>myFunc</a:t>
-            </a:r>
-            <a:r>
-              <a:rPr lang="pl-PL" dirty="0">
-                <a:solidFill>
-                  <a:srgbClr val="000000"/>
-                </a:solidFill>
-                <a:latin typeface="Consolas" panose="020B0609020204030204" pitchFamily="49" charset="0"/>
-              </a:rPr>
-              <a:t> = </a:t>
-            </a:r>
-            <a:r>
-              <a:rPr lang="pl-PL" dirty="0" err="1">
-                <a:solidFill>
-                  <a:srgbClr val="795E26"/>
-                </a:solidFill>
-                <a:latin typeface="Consolas" panose="020B0609020204030204" pitchFamily="49" charset="0"/>
-              </a:rPr>
-              <a:t>makeFunc</a:t>
-            </a:r>
-            <a:r>
-              <a:rPr lang="pl-PL" dirty="0">
-                <a:solidFill>
-                  <a:srgbClr val="000000"/>
-                </a:solidFill>
-                <a:latin typeface="Consolas" panose="020B0609020204030204" pitchFamily="49" charset="0"/>
-              </a:rPr>
-              <a:t>();</a:t>
-            </a:r>
-          </a:p>
-          <a:p>
-            <a:pPr marL="0" indent="0">
-              <a:buNone/>
-            </a:pPr>
-            <a:r>
-              <a:rPr lang="pl-PL" dirty="0" err="1">
-                <a:solidFill>
-                  <a:srgbClr val="795E26"/>
-                </a:solidFill>
-                <a:latin typeface="Consolas" panose="020B0609020204030204" pitchFamily="49" charset="0"/>
-              </a:rPr>
-              <a:t>myFunc</a:t>
-            </a:r>
-            <a:r>
-              <a:rPr lang="pl-PL" dirty="0">
-                <a:solidFill>
-                  <a:srgbClr val="000000"/>
-                </a:solidFill>
-                <a:latin typeface="Consolas" panose="020B0609020204030204" pitchFamily="49" charset="0"/>
-              </a:rPr>
-              <a:t>();</a:t>
-            </a:r>
-          </a:p>
-          <a:p>
-            <a:pPr marL="0" indent="0">
-              <a:buNone/>
-            </a:pPr>
-            <a:endParaRPr lang="pl-PL" dirty="0"/>
-          </a:p>
-        </p:txBody>
-      </p:sp>
-    </p:spTree>
-    <p:extLst>
-      <p:ext uri="{BB962C8B-B14F-4D97-AF65-F5344CB8AC3E}">
-        <p14:creationId xmlns:p14="http://schemas.microsoft.com/office/powerpoint/2010/main" val="928897282"/>
-      </p:ext>
-    </p:extLst>
-  </p:cSld>
-  <p:clrMapOvr>
-    <a:masterClrMapping/>
-  </p:clrMapOvr>
-</p:sld>
-</file>
-
-<file path=ppt/slides/slide17.xml><?xml version="1.0" encoding="utf-8"?>
-<p:sld xmlns:a="http://schemas.openxmlformats.org/drawingml/2006/main" xmlns:r="http://schemas.openxmlformats.org/officeDocument/2006/relationships" xmlns:p="http://schemas.openxmlformats.org/presentationml/2006/main">
-  <p:cSld>
-    <p:spTree>
-      <p:nvGrpSpPr>
-        <p:cNvPr id="1" name=""/>
-        <p:cNvGrpSpPr/>
-        <p:nvPr/>
-      </p:nvGrpSpPr>
-      <p:grpSpPr>
-        <a:xfrm>
-          <a:off x="0" y="0"/>
-          <a:ext cx="0" cy="0"/>
-          <a:chOff x="0" y="0"/>
-          <a:chExt cx="0" cy="0"/>
-        </a:xfrm>
-      </p:grpSpPr>
-      <p:sp>
-        <p:nvSpPr>
-          <p:cNvPr id="2" name="Tytuł 1">
-            <a:extLst>
-              <a:ext uri="{FF2B5EF4-FFF2-40B4-BE49-F238E27FC236}">
                 <a16:creationId xmlns:a16="http://schemas.microsoft.com/office/drawing/2014/main" id="{DCF8A634-D10B-4AEE-979E-F02F59CC3624}"/>
               </a:ext>
             </a:extLst>
@@ -6890,280 +6463,7 @@
 </p:sld>
 </file>
 
-<file path=ppt/slides/slide18.xml><?xml version="1.0" encoding="utf-8"?>
-<p:sld xmlns:a="http://schemas.openxmlformats.org/drawingml/2006/main" xmlns:r="http://schemas.openxmlformats.org/officeDocument/2006/relationships" xmlns:p="http://schemas.openxmlformats.org/presentationml/2006/main">
-  <p:cSld>
-    <p:spTree>
-      <p:nvGrpSpPr>
-        <p:cNvPr id="1" name=""/>
-        <p:cNvGrpSpPr/>
-        <p:nvPr/>
-      </p:nvGrpSpPr>
-      <p:grpSpPr>
-        <a:xfrm>
-          <a:off x="0" y="0"/>
-          <a:ext cx="0" cy="0"/>
-          <a:chOff x="0" y="0"/>
-          <a:chExt cx="0" cy="0"/>
-        </a:xfrm>
-      </p:grpSpPr>
-      <p:sp>
-        <p:nvSpPr>
-          <p:cNvPr id="2" name="Tytuł 1">
-            <a:extLst>
-              <a:ext uri="{FF2B5EF4-FFF2-40B4-BE49-F238E27FC236}">
-                <a16:creationId xmlns:a16="http://schemas.microsoft.com/office/drawing/2014/main" id="{89E6D71C-C03F-48D4-8FD2-75F48A9D38D1}"/>
-              </a:ext>
-            </a:extLst>
-          </p:cNvPr>
-          <p:cNvSpPr>
-            <a:spLocks noGrp="1"/>
-          </p:cNvSpPr>
-          <p:nvPr>
-            <p:ph type="title"/>
-          </p:nvPr>
-        </p:nvSpPr>
-        <p:spPr/>
-        <p:txBody>
-          <a:bodyPr/>
-          <a:lstStyle/>
-          <a:p>
-            <a:r>
-              <a:rPr lang="en-GB" dirty="0"/>
-              <a:t>Object literal</a:t>
-            </a:r>
-            <a:endParaRPr lang="pl-PL" dirty="0"/>
-          </a:p>
-        </p:txBody>
-      </p:sp>
-      <p:sp>
-        <p:nvSpPr>
-          <p:cNvPr id="3" name="Symbol zastępczy zawartości 2">
-            <a:extLst>
-              <a:ext uri="{FF2B5EF4-FFF2-40B4-BE49-F238E27FC236}">
-                <a16:creationId xmlns:a16="http://schemas.microsoft.com/office/drawing/2014/main" id="{42DD21EC-6D95-4F2B-9A8F-CE4D3623A080}"/>
-              </a:ext>
-            </a:extLst>
-          </p:cNvPr>
-          <p:cNvSpPr>
-            <a:spLocks noGrp="1"/>
-          </p:cNvSpPr>
-          <p:nvPr>
-            <p:ph idx="1"/>
-          </p:nvPr>
-        </p:nvSpPr>
-        <p:spPr/>
-        <p:txBody>
-          <a:bodyPr/>
-          <a:lstStyle/>
-          <a:p>
-            <a:pPr marL="0" indent="0">
-              <a:buNone/>
-            </a:pPr>
-            <a:endParaRPr lang="en-GB" dirty="0">
-              <a:solidFill>
-                <a:srgbClr val="0000FF"/>
-              </a:solidFill>
-              <a:latin typeface="Consolas" panose="020B0609020204030204" pitchFamily="49" charset="0"/>
-            </a:endParaRPr>
-          </a:p>
-          <a:p>
-            <a:pPr marL="0" indent="0">
-              <a:buNone/>
-            </a:pPr>
-            <a:r>
-              <a:rPr lang="pl-PL" dirty="0" err="1">
-                <a:solidFill>
-                  <a:srgbClr val="0000FF"/>
-                </a:solidFill>
-                <a:latin typeface="Consolas" panose="020B0609020204030204" pitchFamily="49" charset="0"/>
-              </a:rPr>
-              <a:t>var</a:t>
-            </a:r>
-            <a:r>
-              <a:rPr lang="pl-PL" dirty="0">
-                <a:solidFill>
-                  <a:srgbClr val="000000"/>
-                </a:solidFill>
-                <a:latin typeface="Consolas" panose="020B0609020204030204" pitchFamily="49" charset="0"/>
-              </a:rPr>
-              <a:t> </a:t>
-            </a:r>
-            <a:r>
-              <a:rPr lang="pl-PL" dirty="0">
-                <a:solidFill>
-                  <a:srgbClr val="001080"/>
-                </a:solidFill>
-                <a:latin typeface="Consolas" panose="020B0609020204030204" pitchFamily="49" charset="0"/>
-              </a:rPr>
-              <a:t>object1</a:t>
-            </a:r>
-            <a:r>
-              <a:rPr lang="pl-PL" dirty="0">
-                <a:solidFill>
-                  <a:srgbClr val="000000"/>
-                </a:solidFill>
-                <a:latin typeface="Consolas" panose="020B0609020204030204" pitchFamily="49" charset="0"/>
-              </a:rPr>
-              <a:t> = {</a:t>
-            </a:r>
-          </a:p>
-          <a:p>
-            <a:pPr marL="457200" lvl="1" indent="0">
-              <a:buNone/>
-            </a:pPr>
-            <a:r>
-              <a:rPr lang="pl-PL" dirty="0">
-                <a:solidFill>
-                  <a:srgbClr val="001080"/>
-                </a:solidFill>
-                <a:latin typeface="Consolas" panose="020B0609020204030204" pitchFamily="49" charset="0"/>
-              </a:rPr>
-              <a:t>a:</a:t>
-            </a:r>
-            <a:r>
-              <a:rPr lang="pl-PL" dirty="0">
-                <a:solidFill>
-                  <a:srgbClr val="000000"/>
-                </a:solidFill>
-                <a:latin typeface="Consolas" panose="020B0609020204030204" pitchFamily="49" charset="0"/>
-              </a:rPr>
-              <a:t> </a:t>
-            </a:r>
-            <a:r>
-              <a:rPr lang="pl-PL" dirty="0">
-                <a:solidFill>
-                  <a:srgbClr val="A31515"/>
-                </a:solidFill>
-                <a:latin typeface="Consolas" panose="020B0609020204030204" pitchFamily="49" charset="0"/>
-              </a:rPr>
-              <a:t>'</a:t>
-            </a:r>
-            <a:r>
-              <a:rPr lang="pl-PL" dirty="0" err="1">
-                <a:solidFill>
-                  <a:srgbClr val="A31515"/>
-                </a:solidFill>
-                <a:latin typeface="Consolas" panose="020B0609020204030204" pitchFamily="49" charset="0"/>
-              </a:rPr>
-              <a:t>foo</a:t>
-            </a:r>
-            <a:r>
-              <a:rPr lang="pl-PL" dirty="0">
-                <a:solidFill>
-                  <a:srgbClr val="A31515"/>
-                </a:solidFill>
-                <a:latin typeface="Consolas" panose="020B0609020204030204" pitchFamily="49" charset="0"/>
-              </a:rPr>
-              <a:t>'</a:t>
-            </a:r>
-            <a:r>
-              <a:rPr lang="pl-PL" dirty="0">
-                <a:solidFill>
-                  <a:srgbClr val="000000"/>
-                </a:solidFill>
-                <a:latin typeface="Consolas" panose="020B0609020204030204" pitchFamily="49" charset="0"/>
-              </a:rPr>
-              <a:t>, </a:t>
-            </a:r>
-          </a:p>
-          <a:p>
-            <a:pPr marL="457200" lvl="1" indent="0">
-              <a:buNone/>
-            </a:pPr>
-            <a:r>
-              <a:rPr lang="pl-PL" dirty="0">
-                <a:solidFill>
-                  <a:srgbClr val="001080"/>
-                </a:solidFill>
-                <a:latin typeface="Consolas" panose="020B0609020204030204" pitchFamily="49" charset="0"/>
-              </a:rPr>
-              <a:t>b:</a:t>
-            </a:r>
-            <a:r>
-              <a:rPr lang="pl-PL" dirty="0">
-                <a:solidFill>
-                  <a:srgbClr val="000000"/>
-                </a:solidFill>
-                <a:latin typeface="Consolas" panose="020B0609020204030204" pitchFamily="49" charset="0"/>
-              </a:rPr>
-              <a:t> </a:t>
-            </a:r>
-            <a:r>
-              <a:rPr lang="pl-PL" dirty="0">
-                <a:solidFill>
-                  <a:srgbClr val="09885A"/>
-                </a:solidFill>
-                <a:latin typeface="Consolas" panose="020B0609020204030204" pitchFamily="49" charset="0"/>
-              </a:rPr>
-              <a:t>42</a:t>
-            </a:r>
-            <a:r>
-              <a:rPr lang="pl-PL" dirty="0">
-                <a:solidFill>
-                  <a:srgbClr val="000000"/>
-                </a:solidFill>
-                <a:latin typeface="Consolas" panose="020B0609020204030204" pitchFamily="49" charset="0"/>
-              </a:rPr>
-              <a:t>, </a:t>
-            </a:r>
-          </a:p>
-          <a:p>
-            <a:pPr marL="457200" lvl="1" indent="0">
-              <a:buNone/>
-            </a:pPr>
-            <a:r>
-              <a:rPr lang="pl-PL" dirty="0">
-                <a:solidFill>
-                  <a:srgbClr val="001080"/>
-                </a:solidFill>
-                <a:latin typeface="Consolas" panose="020B0609020204030204" pitchFamily="49" charset="0"/>
-              </a:rPr>
-              <a:t>c:</a:t>
-            </a:r>
-            <a:r>
-              <a:rPr lang="pl-PL" dirty="0">
-                <a:solidFill>
-                  <a:srgbClr val="000000"/>
-                </a:solidFill>
-                <a:latin typeface="Consolas" panose="020B0609020204030204" pitchFamily="49" charset="0"/>
-              </a:rPr>
-              <a:t> {}</a:t>
-            </a:r>
-          </a:p>
-          <a:p>
-            <a:pPr marL="0" indent="0">
-              <a:buNone/>
-            </a:pPr>
-            <a:r>
-              <a:rPr lang="pl-PL" dirty="0">
-                <a:solidFill>
-                  <a:srgbClr val="000000"/>
-                </a:solidFill>
-                <a:latin typeface="Consolas" panose="020B0609020204030204" pitchFamily="49" charset="0"/>
-              </a:rPr>
-              <a:t>};</a:t>
-            </a:r>
-          </a:p>
-          <a:p>
-            <a:endParaRPr lang="pl-PL" dirty="0"/>
-          </a:p>
-        </p:txBody>
-      </p:sp>
-    </p:spTree>
-    <p:extLst>
-      <p:ext uri="{BB962C8B-B14F-4D97-AF65-F5344CB8AC3E}">
-        <p14:creationId xmlns:p14="http://schemas.microsoft.com/office/powerpoint/2010/main" val="1318554497"/>
-      </p:ext>
-    </p:extLst>
-  </p:cSld>
-  <p:clrMapOvr>
-    <a:masterClrMapping/>
-  </p:clrMapOvr>
-</p:sld>
-</file>
-
-<file path=ppt/slides/slide19.xml><?xml version="1.0" encoding="utf-8"?>
+<file path=ppt/slides/slide15.xml><?xml version="1.0" encoding="utf-8"?>
 <p:sld xmlns:a="http://schemas.openxmlformats.org/drawingml/2006/main" xmlns:r="http://schemas.openxmlformats.org/officeDocument/2006/relationships" xmlns:p="http://schemas.openxmlformats.org/presentationml/2006/main">
   <p:cSld>
     <p:spTree>
@@ -7611,6 +6911,1472 @@
     <p:extLst>
       <p:ext uri="{BB962C8B-B14F-4D97-AF65-F5344CB8AC3E}">
         <p14:creationId xmlns:p14="http://schemas.microsoft.com/office/powerpoint/2010/main" val="947438505"/>
+      </p:ext>
+    </p:extLst>
+  </p:cSld>
+  <p:clrMapOvr>
+    <a:masterClrMapping/>
+  </p:clrMapOvr>
+</p:sld>
+</file>
+
+<file path=ppt/slides/slide16.xml><?xml version="1.0" encoding="utf-8"?>
+<p:sld xmlns:a="http://schemas.openxmlformats.org/drawingml/2006/main" xmlns:r="http://schemas.openxmlformats.org/officeDocument/2006/relationships" xmlns:p="http://schemas.openxmlformats.org/presentationml/2006/main">
+  <p:cSld>
+    <p:spTree>
+      <p:nvGrpSpPr>
+        <p:cNvPr id="1" name=""/>
+        <p:cNvGrpSpPr/>
+        <p:nvPr/>
+      </p:nvGrpSpPr>
+      <p:grpSpPr>
+        <a:xfrm>
+          <a:off x="0" y="0"/>
+          <a:ext cx="0" cy="0"/>
+          <a:chOff x="0" y="0"/>
+          <a:chExt cx="0" cy="0"/>
+        </a:xfrm>
+      </p:grpSpPr>
+      <p:sp>
+        <p:nvSpPr>
+          <p:cNvPr id="2" name="Tytuł 1">
+            <a:extLst>
+              <a:ext uri="{FF2B5EF4-FFF2-40B4-BE49-F238E27FC236}">
+                <a16:creationId xmlns:a16="http://schemas.microsoft.com/office/drawing/2014/main" id="{D1347094-CBC9-4F40-8CB6-20CB7DA39CA0}"/>
+              </a:ext>
+            </a:extLst>
+          </p:cNvPr>
+          <p:cNvSpPr>
+            <a:spLocks noGrp="1"/>
+          </p:cNvSpPr>
+          <p:nvPr>
+            <p:ph type="title"/>
+          </p:nvPr>
+        </p:nvSpPr>
+        <p:spPr/>
+        <p:txBody>
+          <a:bodyPr/>
+          <a:lstStyle/>
+          <a:p>
+            <a:r>
+              <a:rPr lang="pl-PL" dirty="0" err="1"/>
+              <a:t>Inheritance</a:t>
+            </a:r>
+            <a:r>
+              <a:rPr lang="pl-PL" dirty="0"/>
+              <a:t> with </a:t>
+            </a:r>
+            <a:r>
+              <a:rPr lang="pl-PL" dirty="0" err="1"/>
+              <a:t>prototype</a:t>
+            </a:r>
+            <a:endParaRPr lang="pl-PL" dirty="0"/>
+          </a:p>
+        </p:txBody>
+      </p:sp>
+      <p:sp>
+        <p:nvSpPr>
+          <p:cNvPr id="3" name="Symbol zastępczy zawartości 2">
+            <a:extLst>
+              <a:ext uri="{FF2B5EF4-FFF2-40B4-BE49-F238E27FC236}">
+                <a16:creationId xmlns:a16="http://schemas.microsoft.com/office/drawing/2014/main" id="{CAA37FCC-879B-4A9A-AB96-75101156913F}"/>
+              </a:ext>
+            </a:extLst>
+          </p:cNvPr>
+          <p:cNvSpPr>
+            <a:spLocks noGrp="1"/>
+          </p:cNvSpPr>
+          <p:nvPr>
+            <p:ph idx="1"/>
+          </p:nvPr>
+        </p:nvSpPr>
+        <p:spPr/>
+        <p:txBody>
+          <a:bodyPr>
+            <a:normAutofit fontScale="92500" lnSpcReduction="20000"/>
+          </a:bodyPr>
+          <a:lstStyle/>
+          <a:p>
+            <a:pPr marL="0" indent="0">
+              <a:buNone/>
+            </a:pPr>
+            <a:r>
+              <a:rPr lang="pl-PL" noProof="1">
+                <a:solidFill>
+                  <a:srgbClr val="0000FF"/>
+                </a:solidFill>
+                <a:latin typeface="Consolas" panose="020B0609020204030204" pitchFamily="49" charset="0"/>
+              </a:rPr>
+              <a:t>var</a:t>
+            </a:r>
+            <a:r>
+              <a:rPr lang="pl-PL" noProof="1">
+                <a:solidFill>
+                  <a:srgbClr val="000000"/>
+                </a:solidFill>
+                <a:latin typeface="Consolas" panose="020B0609020204030204" pitchFamily="49" charset="0"/>
+              </a:rPr>
+              <a:t> </a:t>
+            </a:r>
+            <a:r>
+              <a:rPr lang="pl-PL" noProof="1">
+                <a:solidFill>
+                  <a:srgbClr val="795E26"/>
+                </a:solidFill>
+                <a:latin typeface="Consolas" panose="020B0609020204030204" pitchFamily="49" charset="0"/>
+              </a:rPr>
+              <a:t>Cat</a:t>
+            </a:r>
+            <a:r>
+              <a:rPr lang="pl-PL" noProof="1">
+                <a:solidFill>
+                  <a:srgbClr val="000000"/>
+                </a:solidFill>
+                <a:latin typeface="Consolas" panose="020B0609020204030204" pitchFamily="49" charset="0"/>
+              </a:rPr>
+              <a:t> = </a:t>
+            </a:r>
+            <a:r>
+              <a:rPr lang="pl-PL" noProof="1">
+                <a:solidFill>
+                  <a:srgbClr val="0000FF"/>
+                </a:solidFill>
+                <a:latin typeface="Consolas" panose="020B0609020204030204" pitchFamily="49" charset="0"/>
+              </a:rPr>
+              <a:t>function</a:t>
+            </a:r>
+            <a:r>
+              <a:rPr lang="pl-PL" noProof="1">
+                <a:solidFill>
+                  <a:srgbClr val="000000"/>
+                </a:solidFill>
+                <a:latin typeface="Consolas" panose="020B0609020204030204" pitchFamily="49" charset="0"/>
+              </a:rPr>
+              <a:t> () {</a:t>
+            </a:r>
+          </a:p>
+          <a:p>
+            <a:pPr marL="0" indent="0">
+              <a:buNone/>
+            </a:pPr>
+            <a:r>
+              <a:rPr lang="pl-PL" noProof="1">
+                <a:solidFill>
+                  <a:srgbClr val="001080"/>
+                </a:solidFill>
+                <a:latin typeface="Consolas" panose="020B0609020204030204" pitchFamily="49" charset="0"/>
+              </a:rPr>
+              <a:t>	Animal</a:t>
+            </a:r>
+            <a:r>
+              <a:rPr lang="pl-PL" noProof="1">
+                <a:solidFill>
+                  <a:srgbClr val="000000"/>
+                </a:solidFill>
+                <a:latin typeface="Consolas" panose="020B0609020204030204" pitchFamily="49" charset="0"/>
+              </a:rPr>
+              <a:t>.</a:t>
+            </a:r>
+            <a:r>
+              <a:rPr lang="pl-PL" noProof="1">
+                <a:solidFill>
+                  <a:srgbClr val="795E26"/>
+                </a:solidFill>
+                <a:latin typeface="Consolas" panose="020B0609020204030204" pitchFamily="49" charset="0"/>
+              </a:rPr>
+              <a:t>call</a:t>
+            </a:r>
+            <a:r>
+              <a:rPr lang="pl-PL" noProof="1">
+                <a:solidFill>
+                  <a:srgbClr val="000000"/>
+                </a:solidFill>
+                <a:latin typeface="Consolas" panose="020B0609020204030204" pitchFamily="49" charset="0"/>
+              </a:rPr>
+              <a:t>(</a:t>
+            </a:r>
+            <a:r>
+              <a:rPr lang="pl-PL" noProof="1">
+                <a:solidFill>
+                  <a:srgbClr val="0000FF"/>
+                </a:solidFill>
+                <a:latin typeface="Consolas" panose="020B0609020204030204" pitchFamily="49" charset="0"/>
+              </a:rPr>
+              <a:t>this</a:t>
+            </a:r>
+            <a:r>
+              <a:rPr lang="pl-PL" noProof="1">
+                <a:solidFill>
+                  <a:srgbClr val="000000"/>
+                </a:solidFill>
+                <a:latin typeface="Consolas" panose="020B0609020204030204" pitchFamily="49" charset="0"/>
+              </a:rPr>
+              <a:t>, </a:t>
+            </a:r>
+            <a:r>
+              <a:rPr lang="pl-PL" noProof="1">
+                <a:solidFill>
+                  <a:srgbClr val="A31515"/>
+                </a:solidFill>
+                <a:latin typeface="Consolas" panose="020B0609020204030204" pitchFamily="49" charset="0"/>
+              </a:rPr>
+              <a:t>"cat"</a:t>
+            </a:r>
+            <a:r>
+              <a:rPr lang="pl-PL" noProof="1">
+                <a:solidFill>
+                  <a:srgbClr val="000000"/>
+                </a:solidFill>
+                <a:latin typeface="Consolas" panose="020B0609020204030204" pitchFamily="49" charset="0"/>
+              </a:rPr>
+              <a:t>);</a:t>
+            </a:r>
+          </a:p>
+          <a:p>
+            <a:pPr marL="0" indent="0">
+              <a:buNone/>
+            </a:pPr>
+            <a:r>
+              <a:rPr lang="pl-PL" noProof="1">
+                <a:solidFill>
+                  <a:srgbClr val="000000"/>
+                </a:solidFill>
+                <a:latin typeface="Consolas" panose="020B0609020204030204" pitchFamily="49" charset="0"/>
+              </a:rPr>
+              <a:t>};</a:t>
+            </a:r>
+          </a:p>
+          <a:p>
+            <a:pPr marL="0" indent="0">
+              <a:buNone/>
+            </a:pPr>
+            <a:br>
+              <a:rPr lang="pl-PL" noProof="1">
+                <a:solidFill>
+                  <a:srgbClr val="000000"/>
+                </a:solidFill>
+                <a:latin typeface="Consolas" panose="020B0609020204030204" pitchFamily="49" charset="0"/>
+              </a:rPr>
+            </a:br>
+            <a:r>
+              <a:rPr lang="pl-PL" noProof="1">
+                <a:solidFill>
+                  <a:srgbClr val="267F99"/>
+                </a:solidFill>
+                <a:latin typeface="Consolas" panose="020B0609020204030204" pitchFamily="49" charset="0"/>
+              </a:rPr>
+              <a:t>Cat</a:t>
+            </a:r>
+            <a:r>
+              <a:rPr lang="pl-PL" noProof="1">
+                <a:solidFill>
+                  <a:srgbClr val="000000"/>
+                </a:solidFill>
+                <a:latin typeface="Consolas" panose="020B0609020204030204" pitchFamily="49" charset="0"/>
+              </a:rPr>
+              <a:t>.</a:t>
+            </a:r>
+            <a:r>
+              <a:rPr lang="pl-PL" noProof="1">
+                <a:solidFill>
+                  <a:srgbClr val="001080"/>
+                </a:solidFill>
+                <a:latin typeface="Consolas" panose="020B0609020204030204" pitchFamily="49" charset="0"/>
+              </a:rPr>
+              <a:t>prototype</a:t>
+            </a:r>
+            <a:r>
+              <a:rPr lang="pl-PL" noProof="1">
+                <a:solidFill>
+                  <a:srgbClr val="000000"/>
+                </a:solidFill>
+                <a:latin typeface="Consolas" panose="020B0609020204030204" pitchFamily="49" charset="0"/>
+              </a:rPr>
+              <a:t> = </a:t>
+            </a:r>
+            <a:r>
+              <a:rPr lang="pl-PL" noProof="1">
+                <a:solidFill>
+                  <a:srgbClr val="267F99"/>
+                </a:solidFill>
+                <a:latin typeface="Consolas" panose="020B0609020204030204" pitchFamily="49" charset="0"/>
+              </a:rPr>
+              <a:t>Object</a:t>
+            </a:r>
+            <a:r>
+              <a:rPr lang="pl-PL" noProof="1">
+                <a:solidFill>
+                  <a:srgbClr val="000000"/>
+                </a:solidFill>
+                <a:latin typeface="Consolas" panose="020B0609020204030204" pitchFamily="49" charset="0"/>
+              </a:rPr>
+              <a:t>.</a:t>
+            </a:r>
+            <a:r>
+              <a:rPr lang="pl-PL" noProof="1">
+                <a:solidFill>
+                  <a:srgbClr val="795E26"/>
+                </a:solidFill>
+                <a:latin typeface="Consolas" panose="020B0609020204030204" pitchFamily="49" charset="0"/>
+              </a:rPr>
+              <a:t>create</a:t>
+            </a:r>
+            <a:r>
+              <a:rPr lang="pl-PL" noProof="1">
+                <a:solidFill>
+                  <a:srgbClr val="000000"/>
+                </a:solidFill>
+                <a:latin typeface="Consolas" panose="020B0609020204030204" pitchFamily="49" charset="0"/>
+              </a:rPr>
+              <a:t>(</a:t>
+            </a:r>
+            <a:r>
+              <a:rPr lang="pl-PL" noProof="1">
+                <a:solidFill>
+                  <a:srgbClr val="267F99"/>
+                </a:solidFill>
+                <a:latin typeface="Consolas" panose="020B0609020204030204" pitchFamily="49" charset="0"/>
+              </a:rPr>
+              <a:t>Animal</a:t>
+            </a:r>
+            <a:r>
+              <a:rPr lang="pl-PL" noProof="1">
+                <a:solidFill>
+                  <a:srgbClr val="000000"/>
+                </a:solidFill>
+                <a:latin typeface="Consolas" panose="020B0609020204030204" pitchFamily="49" charset="0"/>
+              </a:rPr>
+              <a:t>.</a:t>
+            </a:r>
+            <a:r>
+              <a:rPr lang="pl-PL" noProof="1">
+                <a:solidFill>
+                  <a:srgbClr val="001080"/>
+                </a:solidFill>
+                <a:latin typeface="Consolas" panose="020B0609020204030204" pitchFamily="49" charset="0"/>
+              </a:rPr>
+              <a:t>prototype</a:t>
+            </a:r>
+            <a:r>
+              <a:rPr lang="pl-PL" noProof="1">
+                <a:solidFill>
+                  <a:srgbClr val="000000"/>
+                </a:solidFill>
+                <a:latin typeface="Consolas" panose="020B0609020204030204" pitchFamily="49" charset="0"/>
+              </a:rPr>
+              <a:t>);</a:t>
+            </a:r>
+          </a:p>
+          <a:p>
+            <a:pPr marL="0" indent="0">
+              <a:buNone/>
+            </a:pPr>
+            <a:r>
+              <a:rPr lang="pl-PL" noProof="1">
+                <a:solidFill>
+                  <a:srgbClr val="267F99"/>
+                </a:solidFill>
+                <a:latin typeface="Consolas" panose="020B0609020204030204" pitchFamily="49" charset="0"/>
+              </a:rPr>
+              <a:t>Cat</a:t>
+            </a:r>
+            <a:r>
+              <a:rPr lang="pl-PL" noProof="1">
+                <a:solidFill>
+                  <a:srgbClr val="000000"/>
+                </a:solidFill>
+                <a:latin typeface="Consolas" panose="020B0609020204030204" pitchFamily="49" charset="0"/>
+              </a:rPr>
+              <a:t>.</a:t>
+            </a:r>
+            <a:r>
+              <a:rPr lang="pl-PL" noProof="1">
+                <a:solidFill>
+                  <a:srgbClr val="001080"/>
+                </a:solidFill>
+                <a:latin typeface="Consolas" panose="020B0609020204030204" pitchFamily="49" charset="0"/>
+              </a:rPr>
+              <a:t>prototype</a:t>
+            </a:r>
+            <a:r>
+              <a:rPr lang="pl-PL" noProof="1">
+                <a:solidFill>
+                  <a:srgbClr val="000000"/>
+                </a:solidFill>
+                <a:latin typeface="Consolas" panose="020B0609020204030204" pitchFamily="49" charset="0"/>
+              </a:rPr>
+              <a:t>.</a:t>
+            </a:r>
+            <a:r>
+              <a:rPr lang="pl-PL" noProof="1">
+                <a:solidFill>
+                  <a:srgbClr val="001080"/>
+                </a:solidFill>
+                <a:latin typeface="Consolas" panose="020B0609020204030204" pitchFamily="49" charset="0"/>
+              </a:rPr>
+              <a:t>constructor</a:t>
+            </a:r>
+            <a:r>
+              <a:rPr lang="pl-PL" noProof="1">
+                <a:solidFill>
+                  <a:srgbClr val="000000"/>
+                </a:solidFill>
+                <a:latin typeface="Consolas" panose="020B0609020204030204" pitchFamily="49" charset="0"/>
+              </a:rPr>
+              <a:t> = </a:t>
+            </a:r>
+            <a:r>
+              <a:rPr lang="pl-PL" noProof="1">
+                <a:solidFill>
+                  <a:srgbClr val="001080"/>
+                </a:solidFill>
+                <a:latin typeface="Consolas" panose="020B0609020204030204" pitchFamily="49" charset="0"/>
+              </a:rPr>
+              <a:t>Cat</a:t>
+            </a:r>
+            <a:r>
+              <a:rPr lang="pl-PL" noProof="1">
+                <a:solidFill>
+                  <a:srgbClr val="000000"/>
+                </a:solidFill>
+                <a:latin typeface="Consolas" panose="020B0609020204030204" pitchFamily="49" charset="0"/>
+              </a:rPr>
+              <a:t>;</a:t>
+            </a:r>
+          </a:p>
+          <a:p>
+            <a:pPr marL="0" indent="0">
+              <a:buNone/>
+            </a:pPr>
+            <a:br>
+              <a:rPr lang="pl-PL" noProof="1">
+                <a:solidFill>
+                  <a:srgbClr val="000000"/>
+                </a:solidFill>
+                <a:latin typeface="Consolas" panose="020B0609020204030204" pitchFamily="49" charset="0"/>
+              </a:rPr>
+            </a:br>
+            <a:r>
+              <a:rPr lang="pl-PL" noProof="1">
+                <a:solidFill>
+                  <a:srgbClr val="267F99"/>
+                </a:solidFill>
+                <a:latin typeface="Consolas" panose="020B0609020204030204" pitchFamily="49" charset="0"/>
+              </a:rPr>
+              <a:t>Cat</a:t>
+            </a:r>
+            <a:r>
+              <a:rPr lang="pl-PL" noProof="1">
+                <a:solidFill>
+                  <a:srgbClr val="000000"/>
+                </a:solidFill>
+                <a:latin typeface="Consolas" panose="020B0609020204030204" pitchFamily="49" charset="0"/>
+              </a:rPr>
+              <a:t>.</a:t>
+            </a:r>
+            <a:r>
+              <a:rPr lang="pl-PL" noProof="1">
+                <a:solidFill>
+                  <a:srgbClr val="001080"/>
+                </a:solidFill>
+                <a:latin typeface="Consolas" panose="020B0609020204030204" pitchFamily="49" charset="0"/>
+              </a:rPr>
+              <a:t>prototype</a:t>
+            </a:r>
+            <a:r>
+              <a:rPr lang="pl-PL" noProof="1">
+                <a:solidFill>
+                  <a:srgbClr val="000000"/>
+                </a:solidFill>
+                <a:latin typeface="Consolas" panose="020B0609020204030204" pitchFamily="49" charset="0"/>
+              </a:rPr>
+              <a:t>.</a:t>
+            </a:r>
+            <a:r>
+              <a:rPr lang="pl-PL" noProof="1">
+                <a:solidFill>
+                  <a:srgbClr val="795E26"/>
+                </a:solidFill>
+                <a:latin typeface="Consolas" panose="020B0609020204030204" pitchFamily="49" charset="0"/>
+              </a:rPr>
+              <a:t>makeSound</a:t>
+            </a:r>
+            <a:r>
+              <a:rPr lang="pl-PL" noProof="1">
+                <a:solidFill>
+                  <a:srgbClr val="000000"/>
+                </a:solidFill>
+                <a:latin typeface="Consolas" panose="020B0609020204030204" pitchFamily="49" charset="0"/>
+              </a:rPr>
+              <a:t> = </a:t>
+            </a:r>
+            <a:r>
+              <a:rPr lang="pl-PL" noProof="1">
+                <a:solidFill>
+                  <a:srgbClr val="0000FF"/>
+                </a:solidFill>
+                <a:latin typeface="Consolas" panose="020B0609020204030204" pitchFamily="49" charset="0"/>
+              </a:rPr>
+              <a:t>function</a:t>
+            </a:r>
+            <a:r>
+              <a:rPr lang="pl-PL" noProof="1">
+                <a:solidFill>
+                  <a:srgbClr val="000000"/>
+                </a:solidFill>
+                <a:latin typeface="Consolas" panose="020B0609020204030204" pitchFamily="49" charset="0"/>
+              </a:rPr>
+              <a:t>(){</a:t>
+            </a:r>
+          </a:p>
+          <a:p>
+            <a:pPr marL="457200" lvl="1" indent="0">
+              <a:buNone/>
+            </a:pPr>
+            <a:r>
+              <a:rPr lang="pl-PL" noProof="1">
+                <a:solidFill>
+                  <a:srgbClr val="0000FF"/>
+                </a:solidFill>
+                <a:latin typeface="Consolas" panose="020B0609020204030204" pitchFamily="49" charset="0"/>
+              </a:rPr>
+              <a:t>var</a:t>
+            </a:r>
+            <a:r>
+              <a:rPr lang="pl-PL" noProof="1">
+                <a:solidFill>
+                  <a:srgbClr val="000000"/>
+                </a:solidFill>
+                <a:latin typeface="Consolas" panose="020B0609020204030204" pitchFamily="49" charset="0"/>
+              </a:rPr>
+              <a:t> </a:t>
+            </a:r>
+            <a:r>
+              <a:rPr lang="pl-PL" noProof="1">
+                <a:solidFill>
+                  <a:srgbClr val="001080"/>
+                </a:solidFill>
+                <a:latin typeface="Consolas" panose="020B0609020204030204" pitchFamily="49" charset="0"/>
+              </a:rPr>
+              <a:t>base</a:t>
+            </a:r>
+            <a:r>
+              <a:rPr lang="pl-PL" noProof="1">
+                <a:solidFill>
+                  <a:srgbClr val="000000"/>
+                </a:solidFill>
+                <a:latin typeface="Consolas" panose="020B0609020204030204" pitchFamily="49" charset="0"/>
+              </a:rPr>
+              <a:t> = </a:t>
+            </a:r>
+            <a:r>
+              <a:rPr lang="pl-PL" noProof="1">
+                <a:solidFill>
+                  <a:srgbClr val="267F99"/>
+                </a:solidFill>
+                <a:latin typeface="Consolas" panose="020B0609020204030204" pitchFamily="49" charset="0"/>
+              </a:rPr>
+              <a:t>Animal</a:t>
+            </a:r>
+            <a:r>
+              <a:rPr lang="pl-PL" noProof="1">
+                <a:solidFill>
+                  <a:srgbClr val="000000"/>
+                </a:solidFill>
+                <a:latin typeface="Consolas" panose="020B0609020204030204" pitchFamily="49" charset="0"/>
+              </a:rPr>
+              <a:t>.</a:t>
+            </a:r>
+            <a:r>
+              <a:rPr lang="pl-PL" noProof="1">
+                <a:solidFill>
+                  <a:srgbClr val="001080"/>
+                </a:solidFill>
+                <a:latin typeface="Consolas" panose="020B0609020204030204" pitchFamily="49" charset="0"/>
+              </a:rPr>
+              <a:t>prototype</a:t>
+            </a:r>
+            <a:r>
+              <a:rPr lang="pl-PL" noProof="1">
+                <a:solidFill>
+                  <a:srgbClr val="000000"/>
+                </a:solidFill>
+                <a:latin typeface="Consolas" panose="020B0609020204030204" pitchFamily="49" charset="0"/>
+              </a:rPr>
+              <a:t>.</a:t>
+            </a:r>
+            <a:r>
+              <a:rPr lang="pl-PL" noProof="1">
+                <a:solidFill>
+                  <a:srgbClr val="001080"/>
+                </a:solidFill>
+                <a:latin typeface="Consolas" panose="020B0609020204030204" pitchFamily="49" charset="0"/>
+              </a:rPr>
+              <a:t>makeSound</a:t>
+            </a:r>
+            <a:r>
+              <a:rPr lang="pl-PL" noProof="1">
+                <a:solidFill>
+                  <a:srgbClr val="000000"/>
+                </a:solidFill>
+                <a:latin typeface="Consolas" panose="020B0609020204030204" pitchFamily="49" charset="0"/>
+              </a:rPr>
+              <a:t>.</a:t>
+            </a:r>
+            <a:r>
+              <a:rPr lang="pl-PL" noProof="1">
+                <a:solidFill>
+                  <a:srgbClr val="795E26"/>
+                </a:solidFill>
+                <a:latin typeface="Consolas" panose="020B0609020204030204" pitchFamily="49" charset="0"/>
+              </a:rPr>
+              <a:t>call</a:t>
+            </a:r>
+            <a:r>
+              <a:rPr lang="pl-PL" noProof="1">
+                <a:solidFill>
+                  <a:srgbClr val="000000"/>
+                </a:solidFill>
+                <a:latin typeface="Consolas" panose="020B0609020204030204" pitchFamily="49" charset="0"/>
+              </a:rPr>
+              <a:t>(</a:t>
+            </a:r>
+            <a:r>
+              <a:rPr lang="pl-PL" noProof="1">
+                <a:solidFill>
+                  <a:srgbClr val="0000FF"/>
+                </a:solidFill>
+                <a:latin typeface="Consolas" panose="020B0609020204030204" pitchFamily="49" charset="0"/>
+              </a:rPr>
+              <a:t>this</a:t>
+            </a:r>
+            <a:r>
+              <a:rPr lang="pl-PL" noProof="1">
+                <a:solidFill>
+                  <a:srgbClr val="000000"/>
+                </a:solidFill>
+                <a:latin typeface="Consolas" panose="020B0609020204030204" pitchFamily="49" charset="0"/>
+              </a:rPr>
+              <a:t>);</a:t>
+            </a:r>
+          </a:p>
+          <a:p>
+            <a:pPr marL="457200" lvl="1" indent="0">
+              <a:buNone/>
+            </a:pPr>
+            <a:r>
+              <a:rPr lang="pl-PL" noProof="1">
+                <a:solidFill>
+                  <a:srgbClr val="AF00DB"/>
+                </a:solidFill>
+                <a:latin typeface="Consolas" panose="020B0609020204030204" pitchFamily="49" charset="0"/>
+              </a:rPr>
+              <a:t>return</a:t>
+            </a:r>
+            <a:r>
+              <a:rPr lang="pl-PL" noProof="1">
+                <a:solidFill>
+                  <a:srgbClr val="000000"/>
+                </a:solidFill>
+                <a:latin typeface="Consolas" panose="020B0609020204030204" pitchFamily="49" charset="0"/>
+              </a:rPr>
+              <a:t> (</a:t>
+            </a:r>
+            <a:r>
+              <a:rPr lang="pl-PL" noProof="1">
+                <a:solidFill>
+                  <a:srgbClr val="A31515"/>
+                </a:solidFill>
+                <a:latin typeface="Consolas" panose="020B0609020204030204" pitchFamily="49" charset="0"/>
+              </a:rPr>
+              <a:t>'meow '</a:t>
+            </a:r>
+            <a:r>
+              <a:rPr lang="pl-PL" noProof="1">
+                <a:solidFill>
+                  <a:srgbClr val="000000"/>
+                </a:solidFill>
+                <a:latin typeface="Consolas" panose="020B0609020204030204" pitchFamily="49" charset="0"/>
+              </a:rPr>
+              <a:t>+</a:t>
+            </a:r>
+            <a:r>
+              <a:rPr lang="pl-PL" noProof="1">
+                <a:solidFill>
+                  <a:srgbClr val="001080"/>
+                </a:solidFill>
+                <a:latin typeface="Consolas" panose="020B0609020204030204" pitchFamily="49" charset="0"/>
+              </a:rPr>
+              <a:t>base</a:t>
+            </a:r>
+            <a:r>
+              <a:rPr lang="pl-PL" noProof="1">
+                <a:solidFill>
+                  <a:srgbClr val="000000"/>
+                </a:solidFill>
+                <a:latin typeface="Consolas" panose="020B0609020204030204" pitchFamily="49" charset="0"/>
+              </a:rPr>
+              <a:t>);</a:t>
+            </a:r>
+          </a:p>
+          <a:p>
+            <a:pPr marL="0" indent="0">
+              <a:buNone/>
+            </a:pPr>
+            <a:r>
+              <a:rPr lang="pl-PL" noProof="1">
+                <a:solidFill>
+                  <a:srgbClr val="000000"/>
+                </a:solidFill>
+                <a:latin typeface="Consolas" panose="020B0609020204030204" pitchFamily="49" charset="0"/>
+              </a:rPr>
+              <a:t>}</a:t>
+            </a:r>
+          </a:p>
+        </p:txBody>
+      </p:sp>
+    </p:spTree>
+    <p:extLst>
+      <p:ext uri="{BB962C8B-B14F-4D97-AF65-F5344CB8AC3E}">
+        <p14:creationId xmlns:p14="http://schemas.microsoft.com/office/powerpoint/2010/main" val="1782591561"/>
+      </p:ext>
+    </p:extLst>
+  </p:cSld>
+  <p:clrMapOvr>
+    <a:masterClrMapping/>
+  </p:clrMapOvr>
+</p:sld>
+</file>
+
+<file path=ppt/slides/slide17.xml><?xml version="1.0" encoding="utf-8"?>
+<p:sld xmlns:a="http://schemas.openxmlformats.org/drawingml/2006/main" xmlns:r="http://schemas.openxmlformats.org/officeDocument/2006/relationships" xmlns:p="http://schemas.openxmlformats.org/presentationml/2006/main">
+  <p:cSld>
+    <p:spTree>
+      <p:nvGrpSpPr>
+        <p:cNvPr id="1" name=""/>
+        <p:cNvGrpSpPr/>
+        <p:nvPr/>
+      </p:nvGrpSpPr>
+      <p:grpSpPr>
+        <a:xfrm>
+          <a:off x="0" y="0"/>
+          <a:ext cx="0" cy="0"/>
+          <a:chOff x="0" y="0"/>
+          <a:chExt cx="0" cy="0"/>
+        </a:xfrm>
+      </p:grpSpPr>
+      <p:sp>
+        <p:nvSpPr>
+          <p:cNvPr id="2" name="Tytuł 1">
+            <a:extLst>
+              <a:ext uri="{FF2B5EF4-FFF2-40B4-BE49-F238E27FC236}">
+                <a16:creationId xmlns:a16="http://schemas.microsoft.com/office/drawing/2014/main" id="{657F7715-21C7-4B85-82AB-ECEC3E360DEA}"/>
+              </a:ext>
+            </a:extLst>
+          </p:cNvPr>
+          <p:cNvSpPr>
+            <a:spLocks noGrp="1"/>
+          </p:cNvSpPr>
+          <p:nvPr>
+            <p:ph type="title"/>
+          </p:nvPr>
+        </p:nvSpPr>
+        <p:spPr/>
+        <p:txBody>
+          <a:bodyPr/>
+          <a:lstStyle/>
+          <a:p>
+            <a:pPr algn="ctr"/>
+            <a:r>
+              <a:rPr lang="en-GB" dirty="0" err="1"/>
+              <a:t>Clousure</a:t>
+            </a:r>
+            <a:endParaRPr lang="pl-PL" dirty="0"/>
+          </a:p>
+        </p:txBody>
+      </p:sp>
+      <p:sp>
+        <p:nvSpPr>
+          <p:cNvPr id="3" name="Symbol zastępczy zawartości 2">
+            <a:extLst>
+              <a:ext uri="{FF2B5EF4-FFF2-40B4-BE49-F238E27FC236}">
+                <a16:creationId xmlns:a16="http://schemas.microsoft.com/office/drawing/2014/main" id="{4F7A8C1D-A8F7-448C-BB42-D203912AF30E}"/>
+              </a:ext>
+            </a:extLst>
+          </p:cNvPr>
+          <p:cNvSpPr>
+            <a:spLocks noGrp="1"/>
+          </p:cNvSpPr>
+          <p:nvPr>
+            <p:ph idx="1"/>
+          </p:nvPr>
+        </p:nvSpPr>
+        <p:spPr/>
+        <p:txBody>
+          <a:bodyPr/>
+          <a:lstStyle/>
+          <a:p>
+            <a:endParaRPr lang="pl-PL"/>
+          </a:p>
+        </p:txBody>
+      </p:sp>
+      <p:pic>
+        <p:nvPicPr>
+          <p:cNvPr id="4" name="Obraz 3">
+            <a:extLst>
+              <a:ext uri="{FF2B5EF4-FFF2-40B4-BE49-F238E27FC236}">
+                <a16:creationId xmlns:a16="http://schemas.microsoft.com/office/drawing/2014/main" id="{16166A64-60C2-4A4C-9418-1AD16F082C4C}"/>
+              </a:ext>
+            </a:extLst>
+          </p:cNvPr>
+          <p:cNvPicPr>
+            <a:picLocks noChangeAspect="1"/>
+          </p:cNvPicPr>
+          <p:nvPr/>
+        </p:nvPicPr>
+        <p:blipFill>
+          <a:blip r:embed="rId2"/>
+          <a:stretch>
+            <a:fillRect/>
+          </a:stretch>
+        </p:blipFill>
+        <p:spPr>
+          <a:xfrm>
+            <a:off x="2597617" y="1690688"/>
+            <a:ext cx="6477000" cy="4829175"/>
+          </a:xfrm>
+          <a:prstGeom prst="rect">
+            <a:avLst/>
+          </a:prstGeom>
+        </p:spPr>
+      </p:pic>
+    </p:spTree>
+    <p:extLst>
+      <p:ext uri="{BB962C8B-B14F-4D97-AF65-F5344CB8AC3E}">
+        <p14:creationId xmlns:p14="http://schemas.microsoft.com/office/powerpoint/2010/main" val="2750470991"/>
+      </p:ext>
+    </p:extLst>
+  </p:cSld>
+  <p:clrMapOvr>
+    <a:masterClrMapping/>
+  </p:clrMapOvr>
+</p:sld>
+</file>
+
+<file path=ppt/slides/slide18.xml><?xml version="1.0" encoding="utf-8"?>
+<p:sld xmlns:a="http://schemas.openxmlformats.org/drawingml/2006/main" xmlns:r="http://schemas.openxmlformats.org/officeDocument/2006/relationships" xmlns:p="http://schemas.openxmlformats.org/presentationml/2006/main">
+  <p:cSld>
+    <p:spTree>
+      <p:nvGrpSpPr>
+        <p:cNvPr id="1" name=""/>
+        <p:cNvGrpSpPr/>
+        <p:nvPr/>
+      </p:nvGrpSpPr>
+      <p:grpSpPr>
+        <a:xfrm>
+          <a:off x="0" y="0"/>
+          <a:ext cx="0" cy="0"/>
+          <a:chOff x="0" y="0"/>
+          <a:chExt cx="0" cy="0"/>
+        </a:xfrm>
+      </p:grpSpPr>
+      <p:sp>
+        <p:nvSpPr>
+          <p:cNvPr id="2" name="Tytuł 1">
+            <a:extLst>
+              <a:ext uri="{FF2B5EF4-FFF2-40B4-BE49-F238E27FC236}">
+                <a16:creationId xmlns:a16="http://schemas.microsoft.com/office/drawing/2014/main" id="{596B87AF-86C3-45AB-B596-533D7067F41A}"/>
+              </a:ext>
+            </a:extLst>
+          </p:cNvPr>
+          <p:cNvSpPr>
+            <a:spLocks noGrp="1"/>
+          </p:cNvSpPr>
+          <p:nvPr>
+            <p:ph type="title"/>
+          </p:nvPr>
+        </p:nvSpPr>
+        <p:spPr/>
+        <p:txBody>
+          <a:bodyPr/>
+          <a:lstStyle/>
+          <a:p>
+            <a:r>
+              <a:rPr lang="en-GB" dirty="0" err="1"/>
+              <a:t>Clousure</a:t>
+            </a:r>
+            <a:endParaRPr lang="pl-PL" dirty="0"/>
+          </a:p>
+        </p:txBody>
+      </p:sp>
+      <p:sp>
+        <p:nvSpPr>
+          <p:cNvPr id="3" name="Symbol zastępczy zawartości 2">
+            <a:extLst>
+              <a:ext uri="{FF2B5EF4-FFF2-40B4-BE49-F238E27FC236}">
+                <a16:creationId xmlns:a16="http://schemas.microsoft.com/office/drawing/2014/main" id="{D80D47D1-8BB9-440A-A960-0BA6590D4E70}"/>
+              </a:ext>
+            </a:extLst>
+          </p:cNvPr>
+          <p:cNvSpPr>
+            <a:spLocks noGrp="1"/>
+          </p:cNvSpPr>
+          <p:nvPr>
+            <p:ph idx="1"/>
+          </p:nvPr>
+        </p:nvSpPr>
+        <p:spPr/>
+        <p:txBody>
+          <a:bodyPr>
+            <a:normAutofit/>
+          </a:bodyPr>
+          <a:lstStyle/>
+          <a:p>
+            <a:pPr marL="0" indent="0">
+              <a:buNone/>
+            </a:pPr>
+            <a:r>
+              <a:rPr lang="en-US" dirty="0"/>
+              <a:t>A </a:t>
+            </a:r>
+            <a:r>
+              <a:rPr lang="en-US" b="1" dirty="0"/>
+              <a:t>closure</a:t>
+            </a:r>
+            <a:r>
+              <a:rPr lang="en-US" dirty="0"/>
+              <a:t> is an inner function that has access to the outer (enclosing) function's variables—scope chain. </a:t>
+            </a:r>
+          </a:p>
+          <a:p>
+            <a:pPr marL="0" indent="0">
+              <a:buNone/>
+            </a:pPr>
+            <a:endParaRPr lang="en-US" dirty="0"/>
+          </a:p>
+          <a:p>
+            <a:pPr marL="0" indent="0">
+              <a:buNone/>
+            </a:pPr>
+            <a:r>
+              <a:rPr lang="en-US" dirty="0"/>
+              <a:t>The </a:t>
+            </a:r>
+            <a:r>
+              <a:rPr lang="en-US" b="1" dirty="0"/>
+              <a:t>closure</a:t>
+            </a:r>
+            <a:r>
+              <a:rPr lang="en-US" dirty="0"/>
+              <a:t> has three scope chains: </a:t>
+            </a:r>
+          </a:p>
+          <a:p>
+            <a:pPr marL="0" indent="0">
+              <a:buNone/>
+            </a:pPr>
+            <a:r>
+              <a:rPr lang="en-US" dirty="0"/>
+              <a:t>it has access to its </a:t>
+            </a:r>
+            <a:r>
+              <a:rPr lang="en-US" b="1" dirty="0"/>
+              <a:t>own scope </a:t>
+            </a:r>
+            <a:r>
+              <a:rPr lang="en-US" dirty="0"/>
+              <a:t>(variables defined between its curly brackets), </a:t>
+            </a:r>
+          </a:p>
+          <a:p>
+            <a:pPr marL="0" indent="0">
+              <a:buNone/>
+            </a:pPr>
+            <a:r>
+              <a:rPr lang="en-US" dirty="0"/>
+              <a:t>it has access to the </a:t>
+            </a:r>
+            <a:r>
+              <a:rPr lang="en-US" b="1" dirty="0"/>
+              <a:t>outer function's variables</a:t>
+            </a:r>
+            <a:r>
+              <a:rPr lang="en-US" dirty="0"/>
+              <a:t>, </a:t>
+            </a:r>
+          </a:p>
+          <a:p>
+            <a:pPr marL="0" indent="0">
+              <a:buNone/>
+            </a:pPr>
+            <a:r>
+              <a:rPr lang="en-US" dirty="0"/>
+              <a:t>and it has access to the </a:t>
+            </a:r>
+            <a:r>
+              <a:rPr lang="en-US" b="1" dirty="0"/>
+              <a:t>global variables</a:t>
+            </a:r>
+            <a:r>
+              <a:rPr lang="en-US" dirty="0"/>
+              <a:t>.</a:t>
+            </a:r>
+          </a:p>
+          <a:p>
+            <a:pPr marL="0" indent="0">
+              <a:buNone/>
+            </a:pPr>
+            <a:r>
+              <a:rPr lang="en-US" dirty="0"/>
+              <a:t> </a:t>
+            </a:r>
+          </a:p>
+        </p:txBody>
+      </p:sp>
+    </p:spTree>
+    <p:extLst>
+      <p:ext uri="{BB962C8B-B14F-4D97-AF65-F5344CB8AC3E}">
+        <p14:creationId xmlns:p14="http://schemas.microsoft.com/office/powerpoint/2010/main" val="1910448540"/>
+      </p:ext>
+    </p:extLst>
+  </p:cSld>
+  <p:clrMapOvr>
+    <a:masterClrMapping/>
+  </p:clrMapOvr>
+</p:sld>
+</file>
+
+<file path=ppt/slides/slide19.xml><?xml version="1.0" encoding="utf-8"?>
+<p:sld xmlns:a="http://schemas.openxmlformats.org/drawingml/2006/main" xmlns:r="http://schemas.openxmlformats.org/officeDocument/2006/relationships" xmlns:p="http://schemas.openxmlformats.org/presentationml/2006/main">
+  <p:cSld>
+    <p:spTree>
+      <p:nvGrpSpPr>
+        <p:cNvPr id="1" name=""/>
+        <p:cNvGrpSpPr/>
+        <p:nvPr/>
+      </p:nvGrpSpPr>
+      <p:grpSpPr>
+        <a:xfrm>
+          <a:off x="0" y="0"/>
+          <a:ext cx="0" cy="0"/>
+          <a:chOff x="0" y="0"/>
+          <a:chExt cx="0" cy="0"/>
+        </a:xfrm>
+      </p:grpSpPr>
+      <p:sp>
+        <p:nvSpPr>
+          <p:cNvPr id="2" name="Tytuł 1">
+            <a:extLst>
+              <a:ext uri="{FF2B5EF4-FFF2-40B4-BE49-F238E27FC236}">
+                <a16:creationId xmlns:a16="http://schemas.microsoft.com/office/drawing/2014/main" id="{107271B8-3F3F-40D3-B378-C18BAB7C63CF}"/>
+              </a:ext>
+            </a:extLst>
+          </p:cNvPr>
+          <p:cNvSpPr>
+            <a:spLocks noGrp="1"/>
+          </p:cNvSpPr>
+          <p:nvPr>
+            <p:ph type="title"/>
+          </p:nvPr>
+        </p:nvSpPr>
+        <p:spPr/>
+        <p:txBody>
+          <a:bodyPr/>
+          <a:lstStyle/>
+          <a:p>
+            <a:r>
+              <a:rPr lang="en-GB" dirty="0"/>
+              <a:t>Closure example</a:t>
+            </a:r>
+            <a:endParaRPr lang="pl-PL" dirty="0"/>
+          </a:p>
+        </p:txBody>
+      </p:sp>
+      <p:sp>
+        <p:nvSpPr>
+          <p:cNvPr id="3" name="Symbol zastępczy zawartości 2">
+            <a:extLst>
+              <a:ext uri="{FF2B5EF4-FFF2-40B4-BE49-F238E27FC236}">
+                <a16:creationId xmlns:a16="http://schemas.microsoft.com/office/drawing/2014/main" id="{D7BC9333-0F67-4516-8D50-7E74C1FCA234}"/>
+              </a:ext>
+            </a:extLst>
+          </p:cNvPr>
+          <p:cNvSpPr>
+            <a:spLocks noGrp="1"/>
+          </p:cNvSpPr>
+          <p:nvPr>
+            <p:ph idx="1"/>
+          </p:nvPr>
+        </p:nvSpPr>
+        <p:spPr/>
+        <p:txBody>
+          <a:bodyPr>
+            <a:normAutofit/>
+          </a:bodyPr>
+          <a:lstStyle/>
+          <a:p>
+            <a:pPr marL="0" indent="0">
+              <a:buNone/>
+            </a:pPr>
+            <a:r>
+              <a:rPr lang="pl-PL" dirty="0" err="1">
+                <a:solidFill>
+                  <a:srgbClr val="0000FF"/>
+                </a:solidFill>
+                <a:latin typeface="Consolas" panose="020B0609020204030204" pitchFamily="49" charset="0"/>
+              </a:rPr>
+              <a:t>function</a:t>
+            </a:r>
+            <a:r>
+              <a:rPr lang="pl-PL" dirty="0">
+                <a:solidFill>
+                  <a:srgbClr val="000000"/>
+                </a:solidFill>
+                <a:latin typeface="Consolas" panose="020B0609020204030204" pitchFamily="49" charset="0"/>
+              </a:rPr>
+              <a:t> </a:t>
+            </a:r>
+            <a:r>
+              <a:rPr lang="pl-PL" dirty="0" err="1">
+                <a:solidFill>
+                  <a:srgbClr val="795E26"/>
+                </a:solidFill>
+                <a:latin typeface="Consolas" panose="020B0609020204030204" pitchFamily="49" charset="0"/>
+              </a:rPr>
+              <a:t>makeFunc</a:t>
+            </a:r>
+            <a:r>
+              <a:rPr lang="pl-PL" dirty="0">
+                <a:solidFill>
+                  <a:srgbClr val="000000"/>
+                </a:solidFill>
+                <a:latin typeface="Consolas" panose="020B0609020204030204" pitchFamily="49" charset="0"/>
+              </a:rPr>
+              <a:t>() {</a:t>
+            </a:r>
+          </a:p>
+          <a:p>
+            <a:pPr marL="0" indent="0">
+              <a:buNone/>
+            </a:pPr>
+            <a:r>
+              <a:rPr lang="pl-PL" dirty="0" err="1">
+                <a:solidFill>
+                  <a:srgbClr val="0000FF"/>
+                </a:solidFill>
+                <a:latin typeface="Consolas" panose="020B0609020204030204" pitchFamily="49" charset="0"/>
+              </a:rPr>
+              <a:t>var</a:t>
+            </a:r>
+            <a:r>
+              <a:rPr lang="pl-PL" dirty="0">
+                <a:solidFill>
+                  <a:srgbClr val="000000"/>
+                </a:solidFill>
+                <a:latin typeface="Consolas" panose="020B0609020204030204" pitchFamily="49" charset="0"/>
+              </a:rPr>
+              <a:t> </a:t>
+            </a:r>
+            <a:r>
+              <a:rPr lang="pl-PL" dirty="0" err="1">
+                <a:solidFill>
+                  <a:srgbClr val="001080"/>
+                </a:solidFill>
+                <a:latin typeface="Consolas" panose="020B0609020204030204" pitchFamily="49" charset="0"/>
+              </a:rPr>
+              <a:t>name</a:t>
+            </a:r>
+            <a:r>
+              <a:rPr lang="pl-PL" dirty="0">
+                <a:solidFill>
+                  <a:srgbClr val="000000"/>
+                </a:solidFill>
+                <a:latin typeface="Consolas" panose="020B0609020204030204" pitchFamily="49" charset="0"/>
+              </a:rPr>
+              <a:t> = </a:t>
+            </a:r>
+            <a:r>
+              <a:rPr lang="en-GB" dirty="0">
+                <a:solidFill>
+                  <a:srgbClr val="A31515"/>
+                </a:solidFill>
+                <a:latin typeface="Consolas" panose="020B0609020204030204" pitchFamily="49" charset="0"/>
+              </a:rPr>
+              <a:t>‘Volvo’</a:t>
+            </a:r>
+            <a:r>
+              <a:rPr lang="pl-PL" dirty="0">
+                <a:solidFill>
+                  <a:srgbClr val="000000"/>
+                </a:solidFill>
+                <a:latin typeface="Consolas" panose="020B0609020204030204" pitchFamily="49" charset="0"/>
+              </a:rPr>
+              <a:t>;</a:t>
+            </a:r>
+          </a:p>
+          <a:p>
+            <a:pPr marL="457200" lvl="1" indent="0">
+              <a:buNone/>
+            </a:pPr>
+            <a:r>
+              <a:rPr lang="pl-PL" dirty="0" err="1">
+                <a:solidFill>
+                  <a:srgbClr val="0000FF"/>
+                </a:solidFill>
+                <a:latin typeface="Consolas" panose="020B0609020204030204" pitchFamily="49" charset="0"/>
+              </a:rPr>
+              <a:t>function</a:t>
+            </a:r>
+            <a:r>
+              <a:rPr lang="pl-PL" dirty="0">
+                <a:solidFill>
+                  <a:srgbClr val="000000"/>
+                </a:solidFill>
+                <a:latin typeface="Consolas" panose="020B0609020204030204" pitchFamily="49" charset="0"/>
+              </a:rPr>
+              <a:t> </a:t>
+            </a:r>
+            <a:r>
+              <a:rPr lang="pl-PL" dirty="0" err="1">
+                <a:solidFill>
+                  <a:srgbClr val="795E26"/>
+                </a:solidFill>
+                <a:latin typeface="Consolas" panose="020B0609020204030204" pitchFamily="49" charset="0"/>
+              </a:rPr>
+              <a:t>displayName</a:t>
+            </a:r>
+            <a:r>
+              <a:rPr lang="en-GB" dirty="0" err="1">
+                <a:solidFill>
+                  <a:srgbClr val="795E26"/>
+                </a:solidFill>
+                <a:latin typeface="Consolas" panose="020B0609020204030204" pitchFamily="49" charset="0"/>
+              </a:rPr>
+              <a:t>Fn</a:t>
+            </a:r>
+            <a:r>
+              <a:rPr lang="pl-PL" dirty="0">
+                <a:solidFill>
+                  <a:srgbClr val="000000"/>
+                </a:solidFill>
+                <a:latin typeface="Consolas" panose="020B0609020204030204" pitchFamily="49" charset="0"/>
+              </a:rPr>
+              <a:t>() {</a:t>
+            </a:r>
+          </a:p>
+          <a:p>
+            <a:pPr marL="457200" lvl="1" indent="0">
+              <a:buNone/>
+            </a:pPr>
+            <a:r>
+              <a:rPr lang="en-GB" dirty="0">
+                <a:solidFill>
+                  <a:srgbClr val="795E26"/>
+                </a:solidFill>
+                <a:latin typeface="Consolas" panose="020B0609020204030204" pitchFamily="49" charset="0"/>
+              </a:rPr>
+              <a:t>	console.log</a:t>
+            </a:r>
+            <a:r>
+              <a:rPr lang="pl-PL" dirty="0">
+                <a:solidFill>
+                  <a:srgbClr val="000000"/>
+                </a:solidFill>
+                <a:latin typeface="Consolas" panose="020B0609020204030204" pitchFamily="49" charset="0"/>
+              </a:rPr>
+              <a:t>(</a:t>
+            </a:r>
+            <a:r>
+              <a:rPr lang="pl-PL" dirty="0" err="1">
+                <a:solidFill>
+                  <a:srgbClr val="001080"/>
+                </a:solidFill>
+                <a:latin typeface="Consolas" panose="020B0609020204030204" pitchFamily="49" charset="0"/>
+              </a:rPr>
+              <a:t>name</a:t>
+            </a:r>
+            <a:r>
+              <a:rPr lang="pl-PL" dirty="0">
+                <a:solidFill>
+                  <a:srgbClr val="000000"/>
+                </a:solidFill>
+                <a:latin typeface="Consolas" panose="020B0609020204030204" pitchFamily="49" charset="0"/>
+              </a:rPr>
+              <a:t>);</a:t>
+            </a:r>
+          </a:p>
+          <a:p>
+            <a:pPr marL="457200" lvl="1" indent="0">
+              <a:buNone/>
+            </a:pPr>
+            <a:r>
+              <a:rPr lang="pl-PL" dirty="0">
+                <a:solidFill>
+                  <a:srgbClr val="000000"/>
+                </a:solidFill>
+                <a:latin typeface="Consolas" panose="020B0609020204030204" pitchFamily="49" charset="0"/>
+              </a:rPr>
+              <a:t>}</a:t>
+            </a:r>
+          </a:p>
+          <a:p>
+            <a:pPr marL="457200" lvl="1" indent="0">
+              <a:buNone/>
+            </a:pPr>
+            <a:r>
+              <a:rPr lang="pl-PL" dirty="0">
+                <a:solidFill>
+                  <a:srgbClr val="AF00DB"/>
+                </a:solidFill>
+                <a:latin typeface="Consolas" panose="020B0609020204030204" pitchFamily="49" charset="0"/>
+              </a:rPr>
+              <a:t>return</a:t>
+            </a:r>
+            <a:r>
+              <a:rPr lang="pl-PL" dirty="0">
+                <a:solidFill>
+                  <a:srgbClr val="000000"/>
+                </a:solidFill>
+                <a:latin typeface="Consolas" panose="020B0609020204030204" pitchFamily="49" charset="0"/>
+              </a:rPr>
+              <a:t> </a:t>
+            </a:r>
+            <a:r>
+              <a:rPr lang="pl-PL" dirty="0" err="1">
+                <a:solidFill>
+                  <a:srgbClr val="001080"/>
+                </a:solidFill>
+                <a:latin typeface="Consolas" panose="020B0609020204030204" pitchFamily="49" charset="0"/>
+              </a:rPr>
+              <a:t>displayName</a:t>
+            </a:r>
+            <a:r>
+              <a:rPr lang="en-GB" dirty="0" err="1">
+                <a:solidFill>
+                  <a:srgbClr val="001080"/>
+                </a:solidFill>
+                <a:latin typeface="Consolas" panose="020B0609020204030204" pitchFamily="49" charset="0"/>
+              </a:rPr>
+              <a:t>Fn</a:t>
+            </a:r>
+            <a:r>
+              <a:rPr lang="pl-PL" dirty="0">
+                <a:solidFill>
+                  <a:srgbClr val="000000"/>
+                </a:solidFill>
+                <a:latin typeface="Consolas" panose="020B0609020204030204" pitchFamily="49" charset="0"/>
+              </a:rPr>
+              <a:t>;</a:t>
+            </a:r>
+          </a:p>
+          <a:p>
+            <a:pPr marL="0" indent="0">
+              <a:buNone/>
+            </a:pPr>
+            <a:r>
+              <a:rPr lang="pl-PL" dirty="0">
+                <a:solidFill>
+                  <a:srgbClr val="000000"/>
+                </a:solidFill>
+                <a:latin typeface="Consolas" panose="020B0609020204030204" pitchFamily="49" charset="0"/>
+              </a:rPr>
+              <a:t>}</a:t>
+            </a:r>
+          </a:p>
+          <a:p>
+            <a:pPr marL="0" indent="0">
+              <a:buNone/>
+            </a:pPr>
+            <a:r>
+              <a:rPr lang="pl-PL" dirty="0" err="1">
+                <a:solidFill>
+                  <a:srgbClr val="0000FF"/>
+                </a:solidFill>
+                <a:latin typeface="Consolas" panose="020B0609020204030204" pitchFamily="49" charset="0"/>
+              </a:rPr>
+              <a:t>var</a:t>
+            </a:r>
+            <a:r>
+              <a:rPr lang="pl-PL" dirty="0">
+                <a:solidFill>
+                  <a:srgbClr val="000000"/>
+                </a:solidFill>
+                <a:latin typeface="Consolas" panose="020B0609020204030204" pitchFamily="49" charset="0"/>
+              </a:rPr>
+              <a:t> </a:t>
+            </a:r>
+            <a:r>
+              <a:rPr lang="pl-PL" dirty="0" err="1">
+                <a:solidFill>
+                  <a:srgbClr val="001080"/>
+                </a:solidFill>
+                <a:latin typeface="Consolas" panose="020B0609020204030204" pitchFamily="49" charset="0"/>
+              </a:rPr>
+              <a:t>myFunc</a:t>
+            </a:r>
+            <a:r>
+              <a:rPr lang="pl-PL" dirty="0">
+                <a:solidFill>
+                  <a:srgbClr val="000000"/>
+                </a:solidFill>
+                <a:latin typeface="Consolas" panose="020B0609020204030204" pitchFamily="49" charset="0"/>
+              </a:rPr>
+              <a:t> = </a:t>
+            </a:r>
+            <a:r>
+              <a:rPr lang="pl-PL" dirty="0" err="1">
+                <a:solidFill>
+                  <a:srgbClr val="795E26"/>
+                </a:solidFill>
+                <a:latin typeface="Consolas" panose="020B0609020204030204" pitchFamily="49" charset="0"/>
+              </a:rPr>
+              <a:t>makeFunc</a:t>
+            </a:r>
+            <a:r>
+              <a:rPr lang="pl-PL" dirty="0">
+                <a:solidFill>
+                  <a:srgbClr val="000000"/>
+                </a:solidFill>
+                <a:latin typeface="Consolas" panose="020B0609020204030204" pitchFamily="49" charset="0"/>
+              </a:rPr>
+              <a:t>();</a:t>
+            </a:r>
+          </a:p>
+          <a:p>
+            <a:pPr marL="0" indent="0">
+              <a:buNone/>
+            </a:pPr>
+            <a:r>
+              <a:rPr lang="pl-PL" dirty="0" err="1">
+                <a:solidFill>
+                  <a:srgbClr val="795E26"/>
+                </a:solidFill>
+                <a:latin typeface="Consolas" panose="020B0609020204030204" pitchFamily="49" charset="0"/>
+              </a:rPr>
+              <a:t>myFunc</a:t>
+            </a:r>
+            <a:r>
+              <a:rPr lang="pl-PL" dirty="0">
+                <a:solidFill>
+                  <a:srgbClr val="000000"/>
+                </a:solidFill>
+                <a:latin typeface="Consolas" panose="020B0609020204030204" pitchFamily="49" charset="0"/>
+              </a:rPr>
+              <a:t>();</a:t>
+            </a:r>
+          </a:p>
+          <a:p>
+            <a:pPr marL="0" indent="0">
+              <a:buNone/>
+            </a:pPr>
+            <a:endParaRPr lang="pl-PL" dirty="0"/>
+          </a:p>
+        </p:txBody>
+      </p:sp>
+    </p:spTree>
+    <p:extLst>
+      <p:ext uri="{BB962C8B-B14F-4D97-AF65-F5344CB8AC3E}">
+        <p14:creationId xmlns:p14="http://schemas.microsoft.com/office/powerpoint/2010/main" val="2133694956"/>
       </p:ext>
     </p:extLst>
   </p:cSld>
@@ -8364,6 +9130,1604 @@
 </file>
 
 <file path=ppt/slides/slide21.xml><?xml version="1.0" encoding="utf-8"?>
+<p:sld xmlns:a="http://schemas.openxmlformats.org/drawingml/2006/main" xmlns:r="http://schemas.openxmlformats.org/officeDocument/2006/relationships" xmlns:p="http://schemas.openxmlformats.org/presentationml/2006/main">
+  <p:cSld>
+    <p:spTree>
+      <p:nvGrpSpPr>
+        <p:cNvPr id="1" name=""/>
+        <p:cNvGrpSpPr/>
+        <p:nvPr/>
+      </p:nvGrpSpPr>
+      <p:grpSpPr>
+        <a:xfrm>
+          <a:off x="0" y="0"/>
+          <a:ext cx="0" cy="0"/>
+          <a:chOff x="0" y="0"/>
+          <a:chExt cx="0" cy="0"/>
+        </a:xfrm>
+      </p:grpSpPr>
+      <p:sp>
+        <p:nvSpPr>
+          <p:cNvPr id="2" name="Tytuł 1">
+            <a:extLst>
+              <a:ext uri="{FF2B5EF4-FFF2-40B4-BE49-F238E27FC236}">
+                <a16:creationId xmlns:a16="http://schemas.microsoft.com/office/drawing/2014/main" id="{77FD532B-33EF-4359-9F34-DDF39F7B31F9}"/>
+              </a:ext>
+            </a:extLst>
+          </p:cNvPr>
+          <p:cNvSpPr>
+            <a:spLocks noGrp="1"/>
+          </p:cNvSpPr>
+          <p:nvPr>
+            <p:ph type="title"/>
+          </p:nvPr>
+        </p:nvSpPr>
+        <p:spPr/>
+        <p:txBody>
+          <a:bodyPr/>
+          <a:lstStyle/>
+          <a:p>
+            <a:r>
+              <a:rPr lang="en-GB" dirty="0"/>
+              <a:t>JS standards  - ECMAScript</a:t>
+            </a:r>
+            <a:endParaRPr lang="pl-PL" dirty="0"/>
+          </a:p>
+        </p:txBody>
+      </p:sp>
+      <p:graphicFrame>
+        <p:nvGraphicFramePr>
+          <p:cNvPr id="5" name="Symbol zastępczy zawartości 4">
+            <a:extLst>
+              <a:ext uri="{FF2B5EF4-FFF2-40B4-BE49-F238E27FC236}">
+                <a16:creationId xmlns:a16="http://schemas.microsoft.com/office/drawing/2014/main" id="{E5DFC999-7C3C-4BC4-87C2-C6DF6C9E01CF}"/>
+              </a:ext>
+            </a:extLst>
+          </p:cNvPr>
+          <p:cNvGraphicFramePr>
+            <a:graphicFrameLocks noGrp="1"/>
+          </p:cNvGraphicFramePr>
+          <p:nvPr>
+            <p:ph idx="1"/>
+            <p:extLst>
+              <p:ext uri="{D42A27DB-BD31-4B8C-83A1-F6EECF244321}">
+                <p14:modId xmlns:p14="http://schemas.microsoft.com/office/powerpoint/2010/main" val="782870074"/>
+              </p:ext>
+            </p:extLst>
+          </p:nvPr>
+        </p:nvGraphicFramePr>
+        <p:xfrm>
+          <a:off x="638978" y="2071170"/>
+          <a:ext cx="10410941" cy="3580441"/>
+        </p:xfrm>
+        <a:graphic>
+          <a:graphicData uri="http://schemas.openxmlformats.org/drawingml/2006/table">
+            <a:tbl>
+              <a:tblPr/>
+              <a:tblGrid>
+                <a:gridCol w="1718632">
+                  <a:extLst>
+                    <a:ext uri="{9D8B030D-6E8A-4147-A177-3AD203B41FA5}">
+                      <a16:colId xmlns:a16="http://schemas.microsoft.com/office/drawing/2014/main" val="3773107332"/>
+                    </a:ext>
+                  </a:extLst>
+                </a:gridCol>
+                <a:gridCol w="1233889">
+                  <a:extLst>
+                    <a:ext uri="{9D8B030D-6E8A-4147-A177-3AD203B41FA5}">
+                      <a16:colId xmlns:a16="http://schemas.microsoft.com/office/drawing/2014/main" val="2741677970"/>
+                    </a:ext>
+                  </a:extLst>
+                </a:gridCol>
+                <a:gridCol w="2544896">
+                  <a:extLst>
+                    <a:ext uri="{9D8B030D-6E8A-4147-A177-3AD203B41FA5}">
+                      <a16:colId xmlns:a16="http://schemas.microsoft.com/office/drawing/2014/main" val="1825846188"/>
+                    </a:ext>
+                  </a:extLst>
+                </a:gridCol>
+                <a:gridCol w="3767769">
+                  <a:extLst>
+                    <a:ext uri="{9D8B030D-6E8A-4147-A177-3AD203B41FA5}">
+                      <a16:colId xmlns:a16="http://schemas.microsoft.com/office/drawing/2014/main" val="2979017345"/>
+                    </a:ext>
+                  </a:extLst>
+                </a:gridCol>
+                <a:gridCol w="1145755">
+                  <a:extLst>
+                    <a:ext uri="{9D8B030D-6E8A-4147-A177-3AD203B41FA5}">
+                      <a16:colId xmlns:a16="http://schemas.microsoft.com/office/drawing/2014/main" val="3369921248"/>
+                    </a:ext>
+                  </a:extLst>
+                </a:gridCol>
+              </a:tblGrid>
+              <a:tr h="295748">
+                <a:tc>
+                  <a:txBody>
+                    <a:bodyPr/>
+                    <a:lstStyle/>
+                    <a:p>
+                      <a:pPr algn="l" fontAlgn="t"/>
+                      <a:r>
+                        <a:rPr lang="pl-PL" sz="1600" b="1" i="0" u="none" strike="noStrike">
+                          <a:solidFill>
+                            <a:srgbClr val="000000"/>
+                          </a:solidFill>
+                          <a:effectLst/>
+                          <a:latin typeface="Calibri" panose="020F0502020204030204" pitchFamily="34" charset="0"/>
+                        </a:rPr>
+                        <a:t>standard</a:t>
+                      </a:r>
+                    </a:p>
+                  </a:txBody>
+                  <a:tcPr marL="6350" marR="6350" marT="6350" marB="0">
+                    <a:lnL>
+                      <a:noFill/>
+                    </a:lnL>
+                    <a:lnR>
+                      <a:noFill/>
+                    </a:lnR>
+                    <a:lnT w="6350" cap="flat" cmpd="sng" algn="ctr">
+                      <a:solidFill>
+                        <a:srgbClr val="000000"/>
+                      </a:solidFill>
+                      <a:prstDash val="solid"/>
+                      <a:round/>
+                      <a:headEnd type="none" w="med" len="med"/>
+                      <a:tailEnd type="none" w="med" len="med"/>
+                    </a:lnT>
+                    <a:lnB w="6350" cap="flat" cmpd="sng" algn="ctr">
+                      <a:solidFill>
+                        <a:srgbClr val="000000"/>
+                      </a:solidFill>
+                      <a:prstDash val="solid"/>
+                      <a:round/>
+                      <a:headEnd type="none" w="med" len="med"/>
+                      <a:tailEnd type="none" w="med" len="med"/>
+                    </a:lnB>
+                  </a:tcPr>
+                </a:tc>
+                <a:tc>
+                  <a:txBody>
+                    <a:bodyPr/>
+                    <a:lstStyle/>
+                    <a:p>
+                      <a:pPr algn="l" fontAlgn="t"/>
+                      <a:r>
+                        <a:rPr lang="pl-PL" sz="1600" b="1" i="0" u="none" strike="noStrike" dirty="0" err="1">
+                          <a:solidFill>
+                            <a:srgbClr val="000000"/>
+                          </a:solidFill>
+                          <a:effectLst/>
+                          <a:latin typeface="Calibri" panose="020F0502020204030204" pitchFamily="34" charset="0"/>
+                        </a:rPr>
+                        <a:t>released</a:t>
+                      </a:r>
+                      <a:endParaRPr lang="pl-PL" sz="1600" b="1" i="0" u="none" strike="noStrike" dirty="0">
+                        <a:solidFill>
+                          <a:srgbClr val="000000"/>
+                        </a:solidFill>
+                        <a:effectLst/>
+                        <a:latin typeface="Calibri" panose="020F0502020204030204" pitchFamily="34" charset="0"/>
+                      </a:endParaRPr>
+                    </a:p>
+                  </a:txBody>
+                  <a:tcPr marL="6350" marR="6350" marT="6350" marB="0">
+                    <a:lnL>
+                      <a:noFill/>
+                    </a:lnL>
+                    <a:lnR>
+                      <a:noFill/>
+                    </a:lnR>
+                    <a:lnT w="6350" cap="flat" cmpd="sng" algn="ctr">
+                      <a:solidFill>
+                        <a:srgbClr val="000000"/>
+                      </a:solidFill>
+                      <a:prstDash val="solid"/>
+                      <a:round/>
+                      <a:headEnd type="none" w="med" len="med"/>
+                      <a:tailEnd type="none" w="med" len="med"/>
+                    </a:lnT>
+                    <a:lnB w="6350" cap="flat" cmpd="sng" algn="ctr">
+                      <a:solidFill>
+                        <a:srgbClr val="000000"/>
+                      </a:solidFill>
+                      <a:prstDash val="solid"/>
+                      <a:round/>
+                      <a:headEnd type="none" w="med" len="med"/>
+                      <a:tailEnd type="none" w="med" len="med"/>
+                    </a:lnB>
+                  </a:tcPr>
+                </a:tc>
+                <a:tc>
+                  <a:txBody>
+                    <a:bodyPr/>
+                    <a:lstStyle/>
+                    <a:p>
+                      <a:pPr algn="l" fontAlgn="t"/>
+                      <a:r>
+                        <a:rPr lang="pl-PL" sz="1600" b="1" i="0" u="none" strike="noStrike" dirty="0" err="1">
+                          <a:solidFill>
+                            <a:srgbClr val="000000"/>
+                          </a:solidFill>
+                          <a:effectLst/>
+                          <a:latin typeface="Calibri" panose="020F0502020204030204" pitchFamily="34" charset="0"/>
+                        </a:rPr>
+                        <a:t>browser</a:t>
+                      </a:r>
+                      <a:r>
+                        <a:rPr lang="pl-PL" sz="1600" b="1" i="0" u="none" strike="noStrike" dirty="0">
+                          <a:solidFill>
+                            <a:srgbClr val="000000"/>
+                          </a:solidFill>
+                          <a:effectLst/>
+                          <a:latin typeface="Calibri" panose="020F0502020204030204" pitchFamily="34" charset="0"/>
+                        </a:rPr>
+                        <a:t> </a:t>
+                      </a:r>
+                      <a:r>
+                        <a:rPr lang="pl-PL" sz="1600" b="1" i="0" u="none" strike="noStrike" dirty="0" err="1">
+                          <a:solidFill>
+                            <a:srgbClr val="000000"/>
+                          </a:solidFill>
+                          <a:effectLst/>
+                          <a:latin typeface="Calibri" panose="020F0502020204030204" pitchFamily="34" charset="0"/>
+                        </a:rPr>
+                        <a:t>support</a:t>
+                      </a:r>
+                      <a:endParaRPr lang="pl-PL" sz="1600" b="1" i="0" u="none" strike="noStrike" dirty="0">
+                        <a:solidFill>
+                          <a:srgbClr val="000000"/>
+                        </a:solidFill>
+                        <a:effectLst/>
+                        <a:latin typeface="Calibri" panose="020F0502020204030204" pitchFamily="34" charset="0"/>
+                      </a:endParaRPr>
+                    </a:p>
+                  </a:txBody>
+                  <a:tcPr marL="6350" marR="6350" marT="6350" marB="0">
+                    <a:lnL>
+                      <a:noFill/>
+                    </a:lnL>
+                    <a:lnR>
+                      <a:noFill/>
+                    </a:lnR>
+                    <a:lnT w="6350" cap="flat" cmpd="sng" algn="ctr">
+                      <a:solidFill>
+                        <a:srgbClr val="000000"/>
+                      </a:solidFill>
+                      <a:prstDash val="solid"/>
+                      <a:round/>
+                      <a:headEnd type="none" w="med" len="med"/>
+                      <a:tailEnd type="none" w="med" len="med"/>
+                    </a:lnT>
+                    <a:lnB w="6350" cap="flat" cmpd="sng" algn="ctr">
+                      <a:solidFill>
+                        <a:srgbClr val="000000"/>
+                      </a:solidFill>
+                      <a:prstDash val="solid"/>
+                      <a:round/>
+                      <a:headEnd type="none" w="med" len="med"/>
+                      <a:tailEnd type="none" w="med" len="med"/>
+                    </a:lnB>
+                  </a:tcPr>
+                </a:tc>
+                <a:tc>
+                  <a:txBody>
+                    <a:bodyPr/>
+                    <a:lstStyle/>
+                    <a:p>
+                      <a:pPr algn="l" fontAlgn="t"/>
+                      <a:r>
+                        <a:rPr lang="pl-PL" sz="1600" b="1" i="0" u="none" strike="noStrike">
+                          <a:solidFill>
+                            <a:srgbClr val="000000"/>
+                          </a:solidFill>
+                          <a:effectLst/>
+                          <a:latin typeface="Calibri" panose="020F0502020204030204" pitchFamily="34" charset="0"/>
+                        </a:rPr>
+                        <a:t>Major featurs added</a:t>
+                      </a:r>
+                    </a:p>
+                  </a:txBody>
+                  <a:tcPr marL="6350" marR="6350" marT="6350" marB="0">
+                    <a:lnL>
+                      <a:noFill/>
+                    </a:lnL>
+                    <a:lnR>
+                      <a:noFill/>
+                    </a:lnR>
+                    <a:lnT w="6350" cap="flat" cmpd="sng" algn="ctr">
+                      <a:solidFill>
+                        <a:srgbClr val="000000"/>
+                      </a:solidFill>
+                      <a:prstDash val="solid"/>
+                      <a:round/>
+                      <a:headEnd type="none" w="med" len="med"/>
+                      <a:tailEnd type="none" w="med" len="med"/>
+                    </a:lnT>
+                    <a:lnB w="6350" cap="flat" cmpd="sng" algn="ctr">
+                      <a:solidFill>
+                        <a:srgbClr val="000000"/>
+                      </a:solidFill>
+                      <a:prstDash val="solid"/>
+                      <a:round/>
+                      <a:headEnd type="none" w="med" len="med"/>
+                      <a:tailEnd type="none" w="med" len="med"/>
+                    </a:lnB>
+                  </a:tcPr>
+                </a:tc>
+                <a:tc>
+                  <a:txBody>
+                    <a:bodyPr/>
+                    <a:lstStyle/>
+                    <a:p>
+                      <a:pPr algn="l" fontAlgn="t"/>
+                      <a:r>
+                        <a:rPr lang="pl-PL" sz="1600" b="1" i="0" u="none" strike="noStrike">
+                          <a:solidFill>
+                            <a:srgbClr val="000000"/>
+                          </a:solidFill>
+                          <a:effectLst/>
+                          <a:latin typeface="Calibri" panose="020F0502020204030204" pitchFamily="34" charset="0"/>
+                        </a:rPr>
+                        <a:t>Enterprise mode (IE8)</a:t>
+                      </a:r>
+                    </a:p>
+                  </a:txBody>
+                  <a:tcPr marL="6350" marR="6350" marT="6350" marB="0">
+                    <a:lnL>
+                      <a:noFill/>
+                    </a:lnL>
+                    <a:lnR>
+                      <a:noFill/>
+                    </a:lnR>
+                    <a:lnT w="6350" cap="flat" cmpd="sng" algn="ctr">
+                      <a:solidFill>
+                        <a:srgbClr val="000000"/>
+                      </a:solidFill>
+                      <a:prstDash val="solid"/>
+                      <a:round/>
+                      <a:headEnd type="none" w="med" len="med"/>
+                      <a:tailEnd type="none" w="med" len="med"/>
+                    </a:lnT>
+                    <a:lnB w="6350" cap="flat" cmpd="sng" algn="ctr">
+                      <a:solidFill>
+                        <a:srgbClr val="000000"/>
+                      </a:solidFill>
+                      <a:prstDash val="solid"/>
+                      <a:round/>
+                      <a:headEnd type="none" w="med" len="med"/>
+                      <a:tailEnd type="none" w="med" len="med"/>
+                    </a:lnB>
+                  </a:tcPr>
+                </a:tc>
+                <a:extLst>
+                  <a:ext uri="{0D108BD9-81ED-4DB2-BD59-A6C34878D82A}">
+                    <a16:rowId xmlns:a16="http://schemas.microsoft.com/office/drawing/2014/main" val="998979996"/>
+                  </a:ext>
+                </a:extLst>
+              </a:tr>
+              <a:tr h="295748">
+                <a:tc>
+                  <a:txBody>
+                    <a:bodyPr/>
+                    <a:lstStyle/>
+                    <a:p>
+                      <a:pPr algn="l" fontAlgn="t"/>
+                      <a:r>
+                        <a:rPr lang="pl-PL" sz="1600" b="0" i="0" u="none" strike="noStrike">
+                          <a:solidFill>
+                            <a:srgbClr val="000000"/>
+                          </a:solidFill>
+                          <a:effectLst/>
+                          <a:latin typeface="Calibri" panose="020F0502020204030204" pitchFamily="34" charset="0"/>
+                        </a:rPr>
+                        <a:t>ECMAScript 3</a:t>
+                      </a:r>
+                    </a:p>
+                  </a:txBody>
+                  <a:tcPr marL="6350" marR="6350" marT="6350" marB="0">
+                    <a:lnL>
+                      <a:noFill/>
+                    </a:lnL>
+                    <a:lnR>
+                      <a:noFill/>
+                    </a:lnR>
+                    <a:lnT w="6350" cap="flat" cmpd="sng" algn="ctr">
+                      <a:solidFill>
+                        <a:srgbClr val="000000"/>
+                      </a:solidFill>
+                      <a:prstDash val="solid"/>
+                      <a:round/>
+                      <a:headEnd type="none" w="med" len="med"/>
+                      <a:tailEnd type="none" w="med" len="med"/>
+                    </a:lnT>
+                    <a:lnB>
+                      <a:noFill/>
+                    </a:lnB>
+                    <a:solidFill>
+                      <a:srgbClr val="D9D9D9"/>
+                    </a:solidFill>
+                  </a:tcPr>
+                </a:tc>
+                <a:tc>
+                  <a:txBody>
+                    <a:bodyPr/>
+                    <a:lstStyle/>
+                    <a:p>
+                      <a:pPr algn="ctr" fontAlgn="t"/>
+                      <a:r>
+                        <a:rPr lang="pl-PL" sz="1600" b="0" i="0" u="none" strike="noStrike" dirty="0">
+                          <a:solidFill>
+                            <a:srgbClr val="000000"/>
+                          </a:solidFill>
+                          <a:effectLst/>
+                          <a:latin typeface="Calibri" panose="020F0502020204030204" pitchFamily="34" charset="0"/>
+                        </a:rPr>
+                        <a:t>1999</a:t>
+                      </a:r>
+                    </a:p>
+                  </a:txBody>
+                  <a:tcPr marL="6350" marR="6350" marT="6350" marB="0">
+                    <a:lnL>
+                      <a:noFill/>
+                    </a:lnL>
+                    <a:lnR>
+                      <a:noFill/>
+                    </a:lnR>
+                    <a:lnT w="6350" cap="flat" cmpd="sng" algn="ctr">
+                      <a:solidFill>
+                        <a:srgbClr val="000000"/>
+                      </a:solidFill>
+                      <a:prstDash val="solid"/>
+                      <a:round/>
+                      <a:headEnd type="none" w="med" len="med"/>
+                      <a:tailEnd type="none" w="med" len="med"/>
+                    </a:lnT>
+                    <a:lnB>
+                      <a:noFill/>
+                    </a:lnB>
+                    <a:solidFill>
+                      <a:srgbClr val="D9D9D9"/>
+                    </a:solidFill>
+                  </a:tcPr>
+                </a:tc>
+                <a:tc>
+                  <a:txBody>
+                    <a:bodyPr/>
+                    <a:lstStyle/>
+                    <a:p>
+                      <a:pPr algn="l" fontAlgn="t"/>
+                      <a:r>
+                        <a:rPr lang="pl-PL" sz="1600" b="0" i="0" u="none" strike="noStrike">
+                          <a:solidFill>
+                            <a:srgbClr val="000000"/>
+                          </a:solidFill>
+                          <a:effectLst/>
+                          <a:latin typeface="Calibri" panose="020F0502020204030204" pitchFamily="34" charset="0"/>
+                        </a:rPr>
+                        <a:t>Older browser</a:t>
+                      </a:r>
+                    </a:p>
+                  </a:txBody>
+                  <a:tcPr marL="6350" marR="6350" marT="6350" marB="0">
+                    <a:lnL>
+                      <a:noFill/>
+                    </a:lnL>
+                    <a:lnR>
+                      <a:noFill/>
+                    </a:lnR>
+                    <a:lnT w="6350" cap="flat" cmpd="sng" algn="ctr">
+                      <a:solidFill>
+                        <a:srgbClr val="000000"/>
+                      </a:solidFill>
+                      <a:prstDash val="solid"/>
+                      <a:round/>
+                      <a:headEnd type="none" w="med" len="med"/>
+                      <a:tailEnd type="none" w="med" len="med"/>
+                    </a:lnT>
+                    <a:lnB>
+                      <a:noFill/>
+                    </a:lnB>
+                    <a:solidFill>
+                      <a:srgbClr val="D9D9D9"/>
+                    </a:solidFill>
+                  </a:tcPr>
+                </a:tc>
+                <a:tc>
+                  <a:txBody>
+                    <a:bodyPr/>
+                    <a:lstStyle/>
+                    <a:p>
+                      <a:pPr algn="l" fontAlgn="t"/>
+                      <a:r>
+                        <a:rPr lang="pl-PL" sz="1600" b="0" i="0" u="none" strike="noStrike">
+                          <a:solidFill>
+                            <a:srgbClr val="000000"/>
+                          </a:solidFill>
+                          <a:effectLst/>
+                          <a:latin typeface="Calibri" panose="020F0502020204030204" pitchFamily="34" charset="0"/>
+                        </a:rPr>
+                        <a:t>Regular Expressions, try/catch</a:t>
+                      </a:r>
+                    </a:p>
+                  </a:txBody>
+                  <a:tcPr marL="6350" marR="6350" marT="6350" marB="0">
+                    <a:lnL>
+                      <a:noFill/>
+                    </a:lnL>
+                    <a:lnR>
+                      <a:noFill/>
+                    </a:lnR>
+                    <a:lnT w="6350" cap="flat" cmpd="sng" algn="ctr">
+                      <a:solidFill>
+                        <a:srgbClr val="000000"/>
+                      </a:solidFill>
+                      <a:prstDash val="solid"/>
+                      <a:round/>
+                      <a:headEnd type="none" w="med" len="med"/>
+                      <a:tailEnd type="none" w="med" len="med"/>
+                    </a:lnT>
+                    <a:lnB>
+                      <a:noFill/>
+                    </a:lnB>
+                    <a:solidFill>
+                      <a:srgbClr val="D9D9D9"/>
+                    </a:solidFill>
+                  </a:tcPr>
+                </a:tc>
+                <a:tc>
+                  <a:txBody>
+                    <a:bodyPr/>
+                    <a:lstStyle/>
+                    <a:p>
+                      <a:pPr algn="l" fontAlgn="t"/>
+                      <a:r>
+                        <a:rPr lang="pl-PL" sz="1600" b="0" i="0" u="none" strike="noStrike">
+                          <a:solidFill>
+                            <a:srgbClr val="000000"/>
+                          </a:solidFill>
+                          <a:effectLst/>
+                          <a:latin typeface="Calibri" panose="020F0502020204030204" pitchFamily="34" charset="0"/>
+                        </a:rPr>
+                        <a:t>Yes</a:t>
+                      </a:r>
+                    </a:p>
+                  </a:txBody>
+                  <a:tcPr marL="6350" marR="6350" marT="6350" marB="0">
+                    <a:lnL>
+                      <a:noFill/>
+                    </a:lnL>
+                    <a:lnR>
+                      <a:noFill/>
+                    </a:lnR>
+                    <a:lnT w="6350" cap="flat" cmpd="sng" algn="ctr">
+                      <a:solidFill>
+                        <a:srgbClr val="000000"/>
+                      </a:solidFill>
+                      <a:prstDash val="solid"/>
+                      <a:round/>
+                      <a:headEnd type="none" w="med" len="med"/>
+                      <a:tailEnd type="none" w="med" len="med"/>
+                    </a:lnT>
+                    <a:lnB>
+                      <a:noFill/>
+                    </a:lnB>
+                    <a:solidFill>
+                      <a:srgbClr val="D9D9D9"/>
+                    </a:solidFill>
+                  </a:tcPr>
+                </a:tc>
+                <a:extLst>
+                  <a:ext uri="{0D108BD9-81ED-4DB2-BD59-A6C34878D82A}">
+                    <a16:rowId xmlns:a16="http://schemas.microsoft.com/office/drawing/2014/main" val="2863024620"/>
+                  </a:ext>
+                </a:extLst>
+              </a:tr>
+              <a:tr h="591495">
+                <a:tc>
+                  <a:txBody>
+                    <a:bodyPr/>
+                    <a:lstStyle/>
+                    <a:p>
+                      <a:pPr algn="l" fontAlgn="t"/>
+                      <a:r>
+                        <a:rPr lang="pl-PL" sz="1600" b="0" i="0" u="none" strike="noStrike">
+                          <a:solidFill>
+                            <a:srgbClr val="000000"/>
+                          </a:solidFill>
+                          <a:effectLst/>
+                          <a:latin typeface="Calibri" panose="020F0502020204030204" pitchFamily="34" charset="0"/>
+                        </a:rPr>
+                        <a:t>ECMAScript 5</a:t>
+                      </a:r>
+                    </a:p>
+                  </a:txBody>
+                  <a:tcPr marL="6350" marR="6350" marT="6350" marB="0">
+                    <a:lnL>
+                      <a:noFill/>
+                    </a:lnL>
+                    <a:lnR>
+                      <a:noFill/>
+                    </a:lnR>
+                    <a:lnT>
+                      <a:noFill/>
+                    </a:lnT>
+                    <a:lnB>
+                      <a:noFill/>
+                    </a:lnB>
+                  </a:tcPr>
+                </a:tc>
+                <a:tc>
+                  <a:txBody>
+                    <a:bodyPr/>
+                    <a:lstStyle/>
+                    <a:p>
+                      <a:pPr algn="ctr" fontAlgn="t"/>
+                      <a:r>
+                        <a:rPr lang="pl-PL" sz="1600" b="0" i="0" u="none" strike="noStrike" dirty="0">
+                          <a:solidFill>
+                            <a:srgbClr val="000000"/>
+                          </a:solidFill>
+                          <a:effectLst/>
+                          <a:latin typeface="Calibri" panose="020F0502020204030204" pitchFamily="34" charset="0"/>
+                        </a:rPr>
+                        <a:t>2009</a:t>
+                      </a:r>
+                    </a:p>
+                  </a:txBody>
+                  <a:tcPr marL="6350" marR="6350" marT="6350" marB="0">
+                    <a:lnL>
+                      <a:noFill/>
+                    </a:lnL>
+                    <a:lnR>
+                      <a:noFill/>
+                    </a:lnR>
+                    <a:lnT>
+                      <a:noFill/>
+                    </a:lnT>
+                    <a:lnB>
+                      <a:noFill/>
+                    </a:lnB>
+                  </a:tcPr>
+                </a:tc>
+                <a:tc>
+                  <a:txBody>
+                    <a:bodyPr/>
+                    <a:lstStyle/>
+                    <a:p>
+                      <a:pPr algn="l" fontAlgn="t"/>
+                      <a:r>
+                        <a:rPr lang="pl-PL" sz="1600" b="0" i="0" u="none" strike="noStrike">
+                          <a:solidFill>
+                            <a:srgbClr val="000000"/>
+                          </a:solidFill>
+                          <a:effectLst/>
+                          <a:latin typeface="Calibri" panose="020F0502020204030204" pitchFamily="34" charset="0"/>
+                        </a:rPr>
+                        <a:t>IE11, all morder browsers</a:t>
+                      </a:r>
+                    </a:p>
+                  </a:txBody>
+                  <a:tcPr marL="6350" marR="6350" marT="6350" marB="0">
+                    <a:lnL>
+                      <a:noFill/>
+                    </a:lnL>
+                    <a:lnR>
+                      <a:noFill/>
+                    </a:lnR>
+                    <a:lnT>
+                      <a:noFill/>
+                    </a:lnT>
+                    <a:lnB>
+                      <a:noFill/>
+                    </a:lnB>
+                  </a:tcPr>
+                </a:tc>
+                <a:tc>
+                  <a:txBody>
+                    <a:bodyPr/>
+                    <a:lstStyle/>
+                    <a:p>
+                      <a:pPr algn="l" fontAlgn="t"/>
+                      <a:r>
+                        <a:rPr lang="pl-PL" sz="1600" b="0" i="0" u="none" strike="noStrike" dirty="0">
+                          <a:solidFill>
+                            <a:srgbClr val="000000"/>
+                          </a:solidFill>
+                          <a:effectLst/>
+                          <a:latin typeface="Calibri" panose="020F0502020204030204" pitchFamily="34" charset="0"/>
+                        </a:rPr>
+                        <a:t>"</a:t>
+                      </a:r>
+                      <a:r>
+                        <a:rPr lang="pl-PL" sz="1600" b="0" i="0" u="none" strike="noStrike" dirty="0" err="1">
+                          <a:solidFill>
+                            <a:srgbClr val="000000"/>
+                          </a:solidFill>
+                          <a:effectLst/>
+                          <a:latin typeface="Calibri" panose="020F0502020204030204" pitchFamily="34" charset="0"/>
+                        </a:rPr>
+                        <a:t>strict</a:t>
+                      </a:r>
+                      <a:r>
+                        <a:rPr lang="pl-PL" sz="1600" b="0" i="0" u="none" strike="noStrike" dirty="0">
+                          <a:solidFill>
+                            <a:srgbClr val="000000"/>
+                          </a:solidFill>
+                          <a:effectLst/>
+                          <a:latin typeface="Calibri" panose="020F0502020204030204" pitchFamily="34" charset="0"/>
+                        </a:rPr>
+                        <a:t> </a:t>
+                      </a:r>
+                      <a:r>
+                        <a:rPr lang="pl-PL" sz="1600" b="0" i="0" u="none" strike="noStrike" dirty="0" err="1">
+                          <a:solidFill>
+                            <a:srgbClr val="000000"/>
+                          </a:solidFill>
+                          <a:effectLst/>
+                          <a:latin typeface="Calibri" panose="020F0502020204030204" pitchFamily="34" charset="0"/>
+                        </a:rPr>
+                        <a:t>mode</a:t>
+                      </a:r>
+                      <a:r>
+                        <a:rPr lang="pl-PL" sz="1600" b="0" i="0" u="none" strike="noStrike" dirty="0">
+                          <a:solidFill>
+                            <a:srgbClr val="000000"/>
+                          </a:solidFill>
+                          <a:effectLst/>
+                          <a:latin typeface="Calibri" panose="020F0502020204030204" pitchFamily="34" charset="0"/>
+                        </a:rPr>
+                        <a:t>", </a:t>
+                      </a:r>
+                      <a:r>
+                        <a:rPr lang="pl-PL" sz="1600" b="0" i="0" u="none" strike="noStrike" dirty="0" err="1">
+                          <a:solidFill>
+                            <a:srgbClr val="000000"/>
+                          </a:solidFill>
+                          <a:effectLst/>
+                          <a:latin typeface="Calibri" panose="020F0502020204030204" pitchFamily="34" charset="0"/>
+                        </a:rPr>
+                        <a:t>array</a:t>
+                      </a:r>
+                      <a:r>
+                        <a:rPr lang="pl-PL" sz="1600" b="0" i="0" u="none" strike="noStrike" dirty="0">
+                          <a:solidFill>
+                            <a:srgbClr val="000000"/>
+                          </a:solidFill>
+                          <a:effectLst/>
+                          <a:latin typeface="Calibri" panose="020F0502020204030204" pitchFamily="34" charset="0"/>
+                        </a:rPr>
+                        <a:t> </a:t>
+                      </a:r>
+                      <a:r>
+                        <a:rPr lang="pl-PL" sz="1600" b="0" i="0" u="none" strike="noStrike" dirty="0" err="1">
+                          <a:solidFill>
+                            <a:srgbClr val="000000"/>
+                          </a:solidFill>
+                          <a:effectLst/>
+                          <a:latin typeface="Calibri" panose="020F0502020204030204" pitchFamily="34" charset="0"/>
+                        </a:rPr>
+                        <a:t>func</a:t>
+                      </a:r>
+                      <a:r>
+                        <a:rPr lang="en-GB" sz="1600" b="0" i="0" u="none" strike="noStrike" dirty="0" err="1">
+                          <a:solidFill>
+                            <a:srgbClr val="000000"/>
+                          </a:solidFill>
+                          <a:effectLst/>
+                          <a:latin typeface="Calibri" panose="020F0502020204030204" pitchFamily="34" charset="0"/>
+                        </a:rPr>
+                        <a:t>tions</a:t>
+                      </a:r>
+                      <a:r>
+                        <a:rPr lang="pl-PL" sz="1600" b="0" i="0" u="none" strike="noStrike" dirty="0">
+                          <a:solidFill>
+                            <a:srgbClr val="000000"/>
+                          </a:solidFill>
+                          <a:effectLst/>
+                          <a:latin typeface="Calibri" panose="020F0502020204030204" pitchFamily="34" charset="0"/>
+                        </a:rPr>
+                        <a:t>, JSON </a:t>
+                      </a:r>
+                      <a:r>
+                        <a:rPr lang="pl-PL" sz="1600" b="0" i="0" u="none" strike="noStrike" dirty="0" err="1">
+                          <a:solidFill>
+                            <a:srgbClr val="000000"/>
+                          </a:solidFill>
+                          <a:effectLst/>
+                          <a:latin typeface="Calibri" panose="020F0502020204030204" pitchFamily="34" charset="0"/>
+                        </a:rPr>
+                        <a:t>support</a:t>
+                      </a:r>
+                      <a:endParaRPr lang="pl-PL" sz="1600" b="0" i="0" u="none" strike="noStrike" dirty="0">
+                        <a:solidFill>
+                          <a:srgbClr val="000000"/>
+                        </a:solidFill>
+                        <a:effectLst/>
+                        <a:latin typeface="Calibri" panose="020F0502020204030204" pitchFamily="34" charset="0"/>
+                      </a:endParaRPr>
+                    </a:p>
+                  </a:txBody>
+                  <a:tcPr marL="6350" marR="6350" marT="6350" marB="0">
+                    <a:lnL>
+                      <a:noFill/>
+                    </a:lnL>
+                    <a:lnR>
+                      <a:noFill/>
+                    </a:lnR>
+                    <a:lnT>
+                      <a:noFill/>
+                    </a:lnT>
+                    <a:lnB>
+                      <a:noFill/>
+                    </a:lnB>
+                  </a:tcPr>
+                </a:tc>
+                <a:tc>
+                  <a:txBody>
+                    <a:bodyPr/>
+                    <a:lstStyle/>
+                    <a:p>
+                      <a:pPr algn="l" fontAlgn="t"/>
+                      <a:r>
+                        <a:rPr lang="pl-PL" sz="1600" b="0" i="0" u="none" strike="noStrike">
+                          <a:solidFill>
+                            <a:srgbClr val="000000"/>
+                          </a:solidFill>
+                          <a:effectLst/>
+                          <a:latin typeface="Calibri" panose="020F0502020204030204" pitchFamily="34" charset="0"/>
+                        </a:rPr>
+                        <a:t>No</a:t>
+                      </a:r>
+                    </a:p>
+                  </a:txBody>
+                  <a:tcPr marL="6350" marR="6350" marT="6350" marB="0">
+                    <a:lnL>
+                      <a:noFill/>
+                    </a:lnL>
+                    <a:lnR>
+                      <a:noFill/>
+                    </a:lnR>
+                    <a:lnT>
+                      <a:noFill/>
+                    </a:lnT>
+                    <a:lnB>
+                      <a:noFill/>
+                    </a:lnB>
+                  </a:tcPr>
+                </a:tc>
+                <a:extLst>
+                  <a:ext uri="{0D108BD9-81ED-4DB2-BD59-A6C34878D82A}">
+                    <a16:rowId xmlns:a16="http://schemas.microsoft.com/office/drawing/2014/main" val="1397933428"/>
+                  </a:ext>
+                </a:extLst>
+              </a:tr>
+              <a:tr h="295748">
+                <a:tc>
+                  <a:txBody>
+                    <a:bodyPr/>
+                    <a:lstStyle/>
+                    <a:p>
+                      <a:pPr algn="l" fontAlgn="t"/>
+                      <a:r>
+                        <a:rPr lang="pl-PL" sz="1600" b="0" i="0" u="none" strike="noStrike">
+                          <a:solidFill>
+                            <a:srgbClr val="000000"/>
+                          </a:solidFill>
+                          <a:effectLst/>
+                          <a:latin typeface="Calibri" panose="020F0502020204030204" pitchFamily="34" charset="0"/>
+                        </a:rPr>
+                        <a:t>ECMAScript 2015 (6)</a:t>
+                      </a:r>
+                    </a:p>
+                  </a:txBody>
+                  <a:tcPr marL="6350" marR="6350" marT="6350" marB="0">
+                    <a:lnL>
+                      <a:noFill/>
+                    </a:lnL>
+                    <a:lnR>
+                      <a:noFill/>
+                    </a:lnR>
+                    <a:lnT>
+                      <a:noFill/>
+                    </a:lnT>
+                    <a:lnB>
+                      <a:noFill/>
+                    </a:lnB>
+                    <a:solidFill>
+                      <a:srgbClr val="D9D9D9"/>
+                    </a:solidFill>
+                  </a:tcPr>
+                </a:tc>
+                <a:tc>
+                  <a:txBody>
+                    <a:bodyPr/>
+                    <a:lstStyle/>
+                    <a:p>
+                      <a:pPr algn="ctr" fontAlgn="t"/>
+                      <a:r>
+                        <a:rPr lang="pl-PL" sz="1600" b="0" i="0" u="none" strike="noStrike" dirty="0">
+                          <a:solidFill>
+                            <a:srgbClr val="000000"/>
+                          </a:solidFill>
+                          <a:effectLst/>
+                          <a:latin typeface="Calibri" panose="020F0502020204030204" pitchFamily="34" charset="0"/>
+                        </a:rPr>
+                        <a:t>2015</a:t>
+                      </a:r>
+                    </a:p>
+                  </a:txBody>
+                  <a:tcPr marL="6350" marR="6350" marT="6350" marB="0">
+                    <a:lnL>
+                      <a:noFill/>
+                    </a:lnL>
+                    <a:lnR>
+                      <a:noFill/>
+                    </a:lnR>
+                    <a:lnT>
+                      <a:noFill/>
+                    </a:lnT>
+                    <a:lnB>
+                      <a:noFill/>
+                    </a:lnB>
+                    <a:solidFill>
+                      <a:srgbClr val="D9D9D9"/>
+                    </a:solidFill>
+                  </a:tcPr>
+                </a:tc>
+                <a:tc>
+                  <a:txBody>
+                    <a:bodyPr/>
+                    <a:lstStyle/>
+                    <a:p>
+                      <a:pPr algn="l" fontAlgn="t"/>
+                      <a:r>
+                        <a:rPr lang="en-US" sz="1600" b="0" i="0" u="none" strike="noStrike">
+                          <a:solidFill>
+                            <a:srgbClr val="000000"/>
+                          </a:solidFill>
+                          <a:effectLst/>
+                          <a:latin typeface="Calibri" panose="020F0502020204030204" pitchFamily="34" charset="0"/>
+                        </a:rPr>
+                        <a:t>96%-99% latest Edge, Chrome, FF, Safari </a:t>
+                      </a:r>
+                    </a:p>
+                  </a:txBody>
+                  <a:tcPr marL="6350" marR="6350" marT="6350" marB="0">
+                    <a:lnL>
+                      <a:noFill/>
+                    </a:lnL>
+                    <a:lnR>
+                      <a:noFill/>
+                    </a:lnR>
+                    <a:lnT>
+                      <a:noFill/>
+                    </a:lnT>
+                    <a:lnB>
+                      <a:noFill/>
+                    </a:lnB>
+                    <a:solidFill>
+                      <a:srgbClr val="D9D9D9"/>
+                    </a:solidFill>
+                  </a:tcPr>
+                </a:tc>
+                <a:tc>
+                  <a:txBody>
+                    <a:bodyPr/>
+                    <a:lstStyle/>
+                    <a:p>
+                      <a:pPr algn="l" fontAlgn="b"/>
+                      <a:r>
+                        <a:rPr lang="pl-PL" sz="1600" b="0" i="0" u="none" strike="noStrike">
+                          <a:solidFill>
+                            <a:srgbClr val="000000"/>
+                          </a:solidFill>
+                          <a:effectLst/>
+                          <a:latin typeface="Calibri" panose="020F0502020204030204" pitchFamily="34" charset="0"/>
+                        </a:rPr>
+                        <a:t>Classes and modules.</a:t>
+                      </a:r>
+                    </a:p>
+                  </a:txBody>
+                  <a:tcPr marL="6350" marR="6350" marT="6350" marB="0" anchor="b">
+                    <a:lnL>
+                      <a:noFill/>
+                    </a:lnL>
+                    <a:lnR>
+                      <a:noFill/>
+                    </a:lnR>
+                    <a:lnT>
+                      <a:noFill/>
+                    </a:lnT>
+                    <a:lnB>
+                      <a:noFill/>
+                    </a:lnB>
+                    <a:solidFill>
+                      <a:srgbClr val="D9D9D9"/>
+                    </a:solidFill>
+                  </a:tcPr>
+                </a:tc>
+                <a:tc>
+                  <a:txBody>
+                    <a:bodyPr/>
+                    <a:lstStyle/>
+                    <a:p>
+                      <a:pPr algn="l" fontAlgn="t"/>
+                      <a:r>
+                        <a:rPr lang="pl-PL" sz="1600" b="0" i="0" u="none" strike="noStrike">
+                          <a:solidFill>
+                            <a:srgbClr val="000000"/>
+                          </a:solidFill>
+                          <a:effectLst/>
+                          <a:latin typeface="Calibri" panose="020F0502020204030204" pitchFamily="34" charset="0"/>
+                        </a:rPr>
+                        <a:t>No</a:t>
+                      </a:r>
+                    </a:p>
+                  </a:txBody>
+                  <a:tcPr marL="6350" marR="6350" marT="6350" marB="0">
+                    <a:lnL>
+                      <a:noFill/>
+                    </a:lnL>
+                    <a:lnR>
+                      <a:noFill/>
+                    </a:lnR>
+                    <a:lnT>
+                      <a:noFill/>
+                    </a:lnT>
+                    <a:lnB>
+                      <a:noFill/>
+                    </a:lnB>
+                    <a:solidFill>
+                      <a:srgbClr val="D9D9D9"/>
+                    </a:solidFill>
+                  </a:tcPr>
+                </a:tc>
+                <a:extLst>
+                  <a:ext uri="{0D108BD9-81ED-4DB2-BD59-A6C34878D82A}">
+                    <a16:rowId xmlns:a16="http://schemas.microsoft.com/office/drawing/2014/main" val="589440673"/>
+                  </a:ext>
+                </a:extLst>
+              </a:tr>
+              <a:tr h="591495">
+                <a:tc>
+                  <a:txBody>
+                    <a:bodyPr/>
+                    <a:lstStyle/>
+                    <a:p>
+                      <a:pPr algn="l" fontAlgn="t"/>
+                      <a:r>
+                        <a:rPr lang="pl-PL" sz="1600" b="0" i="0" u="none" strike="noStrike">
+                          <a:solidFill>
+                            <a:srgbClr val="000000"/>
+                          </a:solidFill>
+                          <a:effectLst/>
+                          <a:latin typeface="Calibri" panose="020F0502020204030204" pitchFamily="34" charset="0"/>
+                        </a:rPr>
+                        <a:t>ECMAScript 2016 (7)</a:t>
+                      </a:r>
+                    </a:p>
+                  </a:txBody>
+                  <a:tcPr marL="6350" marR="6350" marT="6350" marB="0">
+                    <a:lnL>
+                      <a:noFill/>
+                    </a:lnL>
+                    <a:lnR>
+                      <a:noFill/>
+                    </a:lnR>
+                    <a:lnT>
+                      <a:noFill/>
+                    </a:lnT>
+                    <a:lnB>
+                      <a:noFill/>
+                    </a:lnB>
+                  </a:tcPr>
+                </a:tc>
+                <a:tc>
+                  <a:txBody>
+                    <a:bodyPr/>
+                    <a:lstStyle/>
+                    <a:p>
+                      <a:pPr algn="ctr" fontAlgn="t"/>
+                      <a:r>
+                        <a:rPr lang="pl-PL" sz="1600" b="0" i="0" u="none" strike="noStrike" dirty="0">
+                          <a:solidFill>
+                            <a:srgbClr val="000000"/>
+                          </a:solidFill>
+                          <a:effectLst/>
+                          <a:latin typeface="Calibri" panose="020F0502020204030204" pitchFamily="34" charset="0"/>
+                        </a:rPr>
+                        <a:t>2016</a:t>
+                      </a:r>
+                    </a:p>
+                  </a:txBody>
+                  <a:tcPr marL="6350" marR="6350" marT="50800" marB="50800">
+                    <a:lnL>
+                      <a:noFill/>
+                    </a:lnL>
+                    <a:lnR>
+                      <a:noFill/>
+                    </a:lnR>
+                    <a:lnT>
+                      <a:noFill/>
+                    </a:lnT>
+                    <a:lnB>
+                      <a:noFill/>
+                    </a:lnB>
+                  </a:tcPr>
+                </a:tc>
+                <a:tc>
+                  <a:txBody>
+                    <a:bodyPr/>
+                    <a:lstStyle/>
+                    <a:p>
+                      <a:pPr algn="l" fontAlgn="t"/>
+                      <a:r>
+                        <a:rPr lang="en-US" sz="1600" b="0" i="0" u="none" strike="noStrike">
+                          <a:solidFill>
+                            <a:srgbClr val="000000"/>
+                          </a:solidFill>
+                          <a:effectLst/>
+                          <a:latin typeface="Calibri" panose="020F0502020204030204" pitchFamily="34" charset="0"/>
+                        </a:rPr>
+                        <a:t>72%-87% Edge, 82% FF, 90% CH</a:t>
+                      </a:r>
+                    </a:p>
+                  </a:txBody>
+                  <a:tcPr marL="6350" marR="6350" marT="6350" marB="0">
+                    <a:lnL>
+                      <a:noFill/>
+                    </a:lnL>
+                    <a:lnR>
+                      <a:noFill/>
+                    </a:lnR>
+                    <a:lnT>
+                      <a:noFill/>
+                    </a:lnT>
+                    <a:lnB>
+                      <a:noFill/>
+                    </a:lnB>
+                  </a:tcPr>
+                </a:tc>
+                <a:tc>
+                  <a:txBody>
+                    <a:bodyPr/>
+                    <a:lstStyle/>
+                    <a:p>
+                      <a:pPr algn="l" fontAlgn="t"/>
+                      <a:r>
+                        <a:rPr lang="pl-PL" sz="1600" b="0" i="0" u="none" strike="noStrike">
+                          <a:solidFill>
+                            <a:srgbClr val="000000"/>
+                          </a:solidFill>
+                          <a:effectLst/>
+                          <a:latin typeface="Calibri" panose="020F0502020204030204" pitchFamily="34" charset="0"/>
+                        </a:rPr>
+                        <a:t>exponential operator, Array includes</a:t>
+                      </a:r>
+                    </a:p>
+                  </a:txBody>
+                  <a:tcPr marL="6350" marR="6350" marT="6350" marB="0">
+                    <a:lnL>
+                      <a:noFill/>
+                    </a:lnL>
+                    <a:lnR>
+                      <a:noFill/>
+                    </a:lnR>
+                    <a:lnT>
+                      <a:noFill/>
+                    </a:lnT>
+                    <a:lnB>
+                      <a:noFill/>
+                    </a:lnB>
+                  </a:tcPr>
+                </a:tc>
+                <a:tc>
+                  <a:txBody>
+                    <a:bodyPr/>
+                    <a:lstStyle/>
+                    <a:p>
+                      <a:pPr algn="l" fontAlgn="t"/>
+                      <a:r>
+                        <a:rPr lang="pl-PL" sz="1600" b="0" i="0" u="none" strike="noStrike" dirty="0">
+                          <a:solidFill>
+                            <a:srgbClr val="000000"/>
+                          </a:solidFill>
+                          <a:effectLst/>
+                          <a:latin typeface="Calibri" panose="020F0502020204030204" pitchFamily="34" charset="0"/>
+                        </a:rPr>
+                        <a:t>No</a:t>
+                      </a:r>
+                    </a:p>
+                  </a:txBody>
+                  <a:tcPr marL="6350" marR="6350" marT="6350" marB="0">
+                    <a:lnL>
+                      <a:noFill/>
+                    </a:lnL>
+                    <a:lnR>
+                      <a:noFill/>
+                    </a:lnR>
+                    <a:lnT>
+                      <a:noFill/>
+                    </a:lnT>
+                    <a:lnB>
+                      <a:noFill/>
+                    </a:lnB>
+                  </a:tcPr>
+                </a:tc>
+                <a:extLst>
+                  <a:ext uri="{0D108BD9-81ED-4DB2-BD59-A6C34878D82A}">
+                    <a16:rowId xmlns:a16="http://schemas.microsoft.com/office/drawing/2014/main" val="2527480239"/>
+                  </a:ext>
+                </a:extLst>
+              </a:tr>
+              <a:tr h="295748">
+                <a:tc>
+                  <a:txBody>
+                    <a:bodyPr/>
+                    <a:lstStyle/>
+                    <a:p>
+                      <a:pPr algn="l" fontAlgn="t"/>
+                      <a:endParaRPr lang="pl-PL" sz="1600" b="0" i="0" u="none" strike="noStrike">
+                        <a:solidFill>
+                          <a:srgbClr val="000000"/>
+                        </a:solidFill>
+                        <a:effectLst/>
+                        <a:latin typeface="Calibri" panose="020F0502020204030204" pitchFamily="34" charset="0"/>
+                      </a:endParaRPr>
+                    </a:p>
+                  </a:txBody>
+                  <a:tcPr marL="6350" marR="6350" marT="6350" marB="0">
+                    <a:lnL>
+                      <a:noFill/>
+                    </a:lnL>
+                    <a:lnR>
+                      <a:noFill/>
+                    </a:lnR>
+                    <a:lnT>
+                      <a:noFill/>
+                    </a:lnT>
+                    <a:lnB>
+                      <a:noFill/>
+                    </a:lnB>
+                    <a:solidFill>
+                      <a:srgbClr val="D9D9D9"/>
+                    </a:solidFill>
+                  </a:tcPr>
+                </a:tc>
+                <a:tc>
+                  <a:txBody>
+                    <a:bodyPr/>
+                    <a:lstStyle/>
+                    <a:p>
+                      <a:pPr algn="l" fontAlgn="t"/>
+                      <a:endParaRPr lang="pl-PL" sz="1600" b="0" i="0" u="none" strike="noStrike">
+                        <a:solidFill>
+                          <a:srgbClr val="000000"/>
+                        </a:solidFill>
+                        <a:effectLst/>
+                        <a:latin typeface="Calibri" panose="020F0502020204030204" pitchFamily="34" charset="0"/>
+                      </a:endParaRPr>
+                    </a:p>
+                  </a:txBody>
+                  <a:tcPr marL="6350" marR="6350" marT="6350" marB="0">
+                    <a:lnL>
+                      <a:noFill/>
+                    </a:lnL>
+                    <a:lnR>
+                      <a:noFill/>
+                    </a:lnR>
+                    <a:lnT>
+                      <a:noFill/>
+                    </a:lnT>
+                    <a:lnB>
+                      <a:noFill/>
+                    </a:lnB>
+                    <a:solidFill>
+                      <a:srgbClr val="D9D9D9"/>
+                    </a:solidFill>
+                  </a:tcPr>
+                </a:tc>
+                <a:tc>
+                  <a:txBody>
+                    <a:bodyPr/>
+                    <a:lstStyle/>
+                    <a:p>
+                      <a:pPr algn="l" fontAlgn="t"/>
+                      <a:endParaRPr lang="pl-PL" sz="1600" b="0" i="0" u="none" strike="noStrike">
+                        <a:solidFill>
+                          <a:srgbClr val="000000"/>
+                        </a:solidFill>
+                        <a:effectLst/>
+                        <a:latin typeface="Calibri" panose="020F0502020204030204" pitchFamily="34" charset="0"/>
+                      </a:endParaRPr>
+                    </a:p>
+                  </a:txBody>
+                  <a:tcPr marL="6350" marR="6350" marT="6350" marB="0">
+                    <a:lnL>
+                      <a:noFill/>
+                    </a:lnL>
+                    <a:lnR>
+                      <a:noFill/>
+                    </a:lnR>
+                    <a:lnT>
+                      <a:noFill/>
+                    </a:lnT>
+                    <a:lnB>
+                      <a:noFill/>
+                    </a:lnB>
+                    <a:solidFill>
+                      <a:srgbClr val="D9D9D9"/>
+                    </a:solidFill>
+                  </a:tcPr>
+                </a:tc>
+                <a:tc>
+                  <a:txBody>
+                    <a:bodyPr/>
+                    <a:lstStyle/>
+                    <a:p>
+                      <a:pPr algn="l" fontAlgn="t"/>
+                      <a:endParaRPr lang="pl-PL" sz="1600" b="0" i="0" u="none" strike="noStrike">
+                        <a:solidFill>
+                          <a:srgbClr val="000000"/>
+                        </a:solidFill>
+                        <a:effectLst/>
+                        <a:latin typeface="Calibri" panose="020F0502020204030204" pitchFamily="34" charset="0"/>
+                      </a:endParaRPr>
+                    </a:p>
+                  </a:txBody>
+                  <a:tcPr marL="6350" marR="6350" marT="6350" marB="0">
+                    <a:lnL>
+                      <a:noFill/>
+                    </a:lnL>
+                    <a:lnR>
+                      <a:noFill/>
+                    </a:lnR>
+                    <a:lnT>
+                      <a:noFill/>
+                    </a:lnT>
+                    <a:lnB>
+                      <a:noFill/>
+                    </a:lnB>
+                    <a:solidFill>
+                      <a:srgbClr val="D9D9D9"/>
+                    </a:solidFill>
+                  </a:tcPr>
+                </a:tc>
+                <a:tc>
+                  <a:txBody>
+                    <a:bodyPr/>
+                    <a:lstStyle/>
+                    <a:p>
+                      <a:pPr algn="l" fontAlgn="t"/>
+                      <a:endParaRPr lang="pl-PL" sz="1600" b="0" i="0" u="none" strike="noStrike">
+                        <a:solidFill>
+                          <a:srgbClr val="000000"/>
+                        </a:solidFill>
+                        <a:effectLst/>
+                        <a:latin typeface="Calibri" panose="020F0502020204030204" pitchFamily="34" charset="0"/>
+                      </a:endParaRPr>
+                    </a:p>
+                  </a:txBody>
+                  <a:tcPr marL="6350" marR="6350" marT="6350" marB="0">
+                    <a:lnL>
+                      <a:noFill/>
+                    </a:lnL>
+                    <a:lnR>
+                      <a:noFill/>
+                    </a:lnR>
+                    <a:lnT>
+                      <a:noFill/>
+                    </a:lnT>
+                    <a:lnB>
+                      <a:noFill/>
+                    </a:lnB>
+                    <a:solidFill>
+                      <a:srgbClr val="D9D9D9"/>
+                    </a:solidFill>
+                  </a:tcPr>
+                </a:tc>
+                <a:extLst>
+                  <a:ext uri="{0D108BD9-81ED-4DB2-BD59-A6C34878D82A}">
+                    <a16:rowId xmlns:a16="http://schemas.microsoft.com/office/drawing/2014/main" val="4036835475"/>
+                  </a:ext>
+                </a:extLst>
+              </a:tr>
+              <a:tr h="817895">
+                <a:tc>
+                  <a:txBody>
+                    <a:bodyPr/>
+                    <a:lstStyle/>
+                    <a:p>
+                      <a:endParaRPr lang="pl-PL"/>
+                    </a:p>
+                  </a:txBody>
+                  <a:tcPr marL="6350" marR="6350" marT="6350" marB="0">
+                    <a:lnL>
+                      <a:noFill/>
+                    </a:lnL>
+                    <a:lnR>
+                      <a:noFill/>
+                    </a:lnR>
+                    <a:lnT>
+                      <a:noFill/>
+                    </a:lnT>
+                    <a:lnB w="6350" cap="flat" cmpd="sng" algn="ctr">
+                      <a:solidFill>
+                        <a:srgbClr val="000000"/>
+                      </a:solidFill>
+                      <a:prstDash val="solid"/>
+                      <a:round/>
+                      <a:headEnd type="none" w="med" len="med"/>
+                      <a:tailEnd type="none" w="med" len="med"/>
+                    </a:lnB>
+                  </a:tcPr>
+                </a:tc>
+                <a:tc>
+                  <a:txBody>
+                    <a:bodyPr/>
+                    <a:lstStyle/>
+                    <a:p>
+                      <a:endParaRPr lang="pl-PL" dirty="0"/>
+                    </a:p>
+                  </a:txBody>
+                  <a:tcPr marL="6350" marR="6350" marT="6350" marB="0">
+                    <a:lnL>
+                      <a:noFill/>
+                    </a:lnL>
+                    <a:lnR>
+                      <a:noFill/>
+                    </a:lnR>
+                    <a:lnT>
+                      <a:noFill/>
+                    </a:lnT>
+                    <a:lnB w="6350" cap="flat" cmpd="sng" algn="ctr">
+                      <a:solidFill>
+                        <a:srgbClr val="000000"/>
+                      </a:solidFill>
+                      <a:prstDash val="solid"/>
+                      <a:round/>
+                      <a:headEnd type="none" w="med" len="med"/>
+                      <a:tailEnd type="none" w="med" len="med"/>
+                    </a:lnB>
+                  </a:tcPr>
+                </a:tc>
+                <a:tc>
+                  <a:txBody>
+                    <a:bodyPr/>
+                    <a:lstStyle/>
+                    <a:p>
+                      <a:pPr algn="ctr" fontAlgn="t"/>
+                      <a:r>
+                        <a:rPr lang="fi-FI" sz="1600" b="0" i="1" u="none" strike="noStrike" dirty="0">
+                          <a:solidFill>
+                            <a:srgbClr val="000000"/>
+                          </a:solidFill>
+                          <a:effectLst/>
+                          <a:latin typeface="Calibri" panose="020F0502020204030204" pitchFamily="34" charset="0"/>
+                        </a:rPr>
+                        <a:t>base on: http://kangax.github.io/compat-table/es6/ </a:t>
+                      </a:r>
+                    </a:p>
+                  </a:txBody>
+                  <a:tcPr marL="6350" marR="6350" marT="6350" marB="0">
+                    <a:lnL>
+                      <a:noFill/>
+                    </a:lnL>
+                    <a:lnR>
+                      <a:noFill/>
+                    </a:lnR>
+                    <a:lnT>
+                      <a:noFill/>
+                    </a:lnT>
+                    <a:lnB w="6350" cap="flat" cmpd="sng" algn="ctr">
+                      <a:solidFill>
+                        <a:srgbClr val="000000"/>
+                      </a:solidFill>
+                      <a:prstDash val="solid"/>
+                      <a:round/>
+                      <a:headEnd type="none" w="med" len="med"/>
+                      <a:tailEnd type="none" w="med" len="med"/>
+                    </a:lnB>
+                  </a:tcPr>
+                </a:tc>
+                <a:tc>
+                  <a:txBody>
+                    <a:bodyPr/>
+                    <a:lstStyle/>
+                    <a:p>
+                      <a:pPr algn="ctr" fontAlgn="t"/>
+                      <a:endParaRPr lang="pl-PL" sz="1600" b="0" i="0" u="none" strike="noStrike" dirty="0">
+                        <a:solidFill>
+                          <a:srgbClr val="000000"/>
+                        </a:solidFill>
+                        <a:effectLst/>
+                        <a:latin typeface="Calibri" panose="020F0502020204030204" pitchFamily="34" charset="0"/>
+                      </a:endParaRPr>
+                    </a:p>
+                  </a:txBody>
+                  <a:tcPr marL="6350" marR="6350" marT="6350" marB="0">
+                    <a:lnL>
+                      <a:noFill/>
+                    </a:lnL>
+                    <a:lnR>
+                      <a:noFill/>
+                    </a:lnR>
+                    <a:lnT>
+                      <a:noFill/>
+                    </a:lnT>
+                    <a:lnB w="6350" cap="flat" cmpd="sng" algn="ctr">
+                      <a:solidFill>
+                        <a:srgbClr val="000000"/>
+                      </a:solidFill>
+                      <a:prstDash val="solid"/>
+                      <a:round/>
+                      <a:headEnd type="none" w="med" len="med"/>
+                      <a:tailEnd type="none" w="med" len="med"/>
+                    </a:lnB>
+                  </a:tcPr>
+                </a:tc>
+                <a:tc>
+                  <a:txBody>
+                    <a:bodyPr/>
+                    <a:lstStyle/>
+                    <a:p>
+                      <a:pPr algn="ctr" fontAlgn="t"/>
+                      <a:endParaRPr lang="pl-PL" sz="1600" b="0" i="0" u="none" strike="noStrike" dirty="0">
+                        <a:solidFill>
+                          <a:srgbClr val="000000"/>
+                        </a:solidFill>
+                        <a:effectLst/>
+                        <a:latin typeface="Calibri" panose="020F0502020204030204" pitchFamily="34" charset="0"/>
+                      </a:endParaRPr>
+                    </a:p>
+                  </a:txBody>
+                  <a:tcPr marL="6350" marR="6350" marT="6350" marB="0">
+                    <a:lnL>
+                      <a:noFill/>
+                    </a:lnL>
+                    <a:lnR>
+                      <a:noFill/>
+                    </a:lnR>
+                    <a:lnT>
+                      <a:noFill/>
+                    </a:lnT>
+                    <a:lnB w="6350" cap="flat" cmpd="sng" algn="ctr">
+                      <a:solidFill>
+                        <a:srgbClr val="000000"/>
+                      </a:solidFill>
+                      <a:prstDash val="solid"/>
+                      <a:round/>
+                      <a:headEnd type="none" w="med" len="med"/>
+                      <a:tailEnd type="none" w="med" len="med"/>
+                    </a:lnB>
+                  </a:tcPr>
+                </a:tc>
+                <a:extLst>
+                  <a:ext uri="{0D108BD9-81ED-4DB2-BD59-A6C34878D82A}">
+                    <a16:rowId xmlns:a16="http://schemas.microsoft.com/office/drawing/2014/main" val="924848805"/>
+                  </a:ext>
+                </a:extLst>
+              </a:tr>
+            </a:tbl>
+          </a:graphicData>
+        </a:graphic>
+      </p:graphicFrame>
+    </p:spTree>
+    <p:extLst>
+      <p:ext uri="{BB962C8B-B14F-4D97-AF65-F5344CB8AC3E}">
+        <p14:creationId xmlns:p14="http://schemas.microsoft.com/office/powerpoint/2010/main" val="2552392795"/>
+      </p:ext>
+    </p:extLst>
+  </p:cSld>
+  <p:clrMapOvr>
+    <a:masterClrMapping/>
+  </p:clrMapOvr>
+</p:sld>
+</file>
+
+<file path=ppt/slides/slide22.xml><?xml version="1.0" encoding="utf-8"?>
 <p:sld xmlns:a="http://schemas.openxmlformats.org/drawingml/2006/main" xmlns:r="http://schemas.openxmlformats.org/officeDocument/2006/relationships" xmlns:p="http://schemas.openxmlformats.org/presentationml/2006/main">
   <p:cSld>
     <p:spTree>
@@ -9296,7 +11660,7 @@
 </p:sld>
 </file>
 
-<file path=ppt/slides/slide22.xml><?xml version="1.0" encoding="utf-8"?>
+<file path=ppt/slides/slide23.xml><?xml version="1.0" encoding="utf-8"?>
 <p:sld xmlns:a="http://schemas.openxmlformats.org/drawingml/2006/main" xmlns:r="http://schemas.openxmlformats.org/officeDocument/2006/relationships" xmlns:p="http://schemas.openxmlformats.org/presentationml/2006/main">
   <p:cSld>
     <p:spTree>
@@ -9395,7 +11759,7 @@
           <a:p>
             <a:r>
               <a:rPr lang="en-US" b="1" dirty="0"/>
-              <a:t>Only for new code, inside </a:t>
+              <a:t>Recommended only for new code and inside </a:t>
             </a:r>
             <a:r>
               <a:rPr lang="en-US" b="1" dirty="0" err="1"/>
@@ -9422,7 +11786,148 @@
 </p:sld>
 </file>
 
-<file path=ppt/slides/slide23.xml><?xml version="1.0" encoding="utf-8"?>
+<file path=ppt/slides/slide24.xml><?xml version="1.0" encoding="utf-8"?>
+<p:sld xmlns:a="http://schemas.openxmlformats.org/drawingml/2006/main" xmlns:r="http://schemas.openxmlformats.org/officeDocument/2006/relationships" xmlns:p="http://schemas.openxmlformats.org/presentationml/2006/main">
+  <p:cSld>
+    <p:spTree>
+      <p:nvGrpSpPr>
+        <p:cNvPr id="1" name=""/>
+        <p:cNvGrpSpPr/>
+        <p:nvPr/>
+      </p:nvGrpSpPr>
+      <p:grpSpPr>
+        <a:xfrm>
+          <a:off x="0" y="0"/>
+          <a:ext cx="0" cy="0"/>
+          <a:chOff x="0" y="0"/>
+          <a:chExt cx="0" cy="0"/>
+        </a:xfrm>
+      </p:grpSpPr>
+      <p:sp>
+        <p:nvSpPr>
+          <p:cNvPr id="2" name="Tytuł 1">
+            <a:extLst>
+              <a:ext uri="{FF2B5EF4-FFF2-40B4-BE49-F238E27FC236}">
+                <a16:creationId xmlns:a16="http://schemas.microsoft.com/office/drawing/2014/main" id="{45F0BCE7-89BF-4A04-8184-B6B4B6985C48}"/>
+              </a:ext>
+            </a:extLst>
+          </p:cNvPr>
+          <p:cNvSpPr>
+            <a:spLocks noGrp="1"/>
+          </p:cNvSpPr>
+          <p:nvPr>
+            <p:ph type="title"/>
+          </p:nvPr>
+        </p:nvSpPr>
+        <p:spPr/>
+        <p:txBody>
+          <a:bodyPr/>
+          <a:lstStyle/>
+          <a:p>
+            <a:r>
+              <a:rPr lang="en-GB" dirty="0"/>
+              <a:t>Strict mode – ECMAScript5</a:t>
+            </a:r>
+            <a:endParaRPr lang="pl-PL" dirty="0"/>
+          </a:p>
+        </p:txBody>
+      </p:sp>
+      <p:sp>
+        <p:nvSpPr>
+          <p:cNvPr id="3" name="Symbol zastępczy zawartości 2">
+            <a:extLst>
+              <a:ext uri="{FF2B5EF4-FFF2-40B4-BE49-F238E27FC236}">
+                <a16:creationId xmlns:a16="http://schemas.microsoft.com/office/drawing/2014/main" id="{AE1461AD-4115-4E1B-862F-F33B3908B07E}"/>
+              </a:ext>
+            </a:extLst>
+          </p:cNvPr>
+          <p:cNvSpPr>
+            <a:spLocks noGrp="1"/>
+          </p:cNvSpPr>
+          <p:nvPr>
+            <p:ph idx="1"/>
+          </p:nvPr>
+        </p:nvSpPr>
+        <p:spPr>
+          <a:xfrm>
+            <a:off x="838200" y="1825625"/>
+            <a:ext cx="10515600" cy="4351338"/>
+          </a:xfrm>
+        </p:spPr>
+        <p:txBody>
+          <a:bodyPr/>
+          <a:lstStyle/>
+          <a:p>
+            <a:pPr marL="0" indent="0">
+              <a:buNone/>
+            </a:pPr>
+            <a:r>
+              <a:rPr lang="en-US" b="1" dirty="0"/>
+              <a:t>Strict mode</a:t>
+            </a:r>
+            <a:r>
+              <a:rPr lang="en-US" dirty="0"/>
+              <a:t> is a way to introduce better error-checking into your code.</a:t>
+            </a:r>
+          </a:p>
+          <a:p>
+            <a:pPr marL="0" indent="0">
+              <a:buNone/>
+            </a:pPr>
+            <a:endParaRPr lang="en-US" dirty="0"/>
+          </a:p>
+          <a:p>
+            <a:pPr marL="0" indent="0">
+              <a:buNone/>
+            </a:pPr>
+            <a:r>
+              <a:rPr lang="en-US" dirty="0"/>
+              <a:t>Restrictions: </a:t>
+            </a:r>
+          </a:p>
+          <a:p>
+            <a:r>
+              <a:rPr lang="en-US" dirty="0"/>
+              <a:t>Using a variable without declaring it.</a:t>
+            </a:r>
+          </a:p>
+          <a:p>
+            <a:r>
+              <a:rPr lang="en-US" dirty="0"/>
+              <a:t>Writing to a read-only property.</a:t>
+            </a:r>
+          </a:p>
+          <a:p>
+            <a:r>
+              <a:rPr lang="en-US" dirty="0"/>
+              <a:t>The value of this is not converted to the global object when it is null or undefined. </a:t>
+            </a:r>
+          </a:p>
+          <a:p>
+            <a:r>
+              <a:rPr lang="en-US" dirty="0"/>
+              <a:t>Deleting a variable, a function, or an argument.</a:t>
+            </a:r>
+          </a:p>
+          <a:p>
+            <a:endParaRPr lang="pl-PL" dirty="0"/>
+          </a:p>
+        </p:txBody>
+      </p:sp>
+    </p:spTree>
+    <p:extLst>
+      <p:ext uri="{BB962C8B-B14F-4D97-AF65-F5344CB8AC3E}">
+        <p14:creationId xmlns:p14="http://schemas.microsoft.com/office/powerpoint/2010/main" val="1930528979"/>
+      </p:ext>
+    </p:extLst>
+  </p:cSld>
+  <p:clrMapOvr>
+    <a:masterClrMapping/>
+  </p:clrMapOvr>
+</p:sld>
+</file>
+
+<file path=ppt/slides/slide25.xml><?xml version="1.0" encoding="utf-8"?>
 <p:sld xmlns:a="http://schemas.openxmlformats.org/drawingml/2006/main" xmlns:r="http://schemas.openxmlformats.org/officeDocument/2006/relationships" xmlns:p="http://schemas.openxmlformats.org/presentationml/2006/main">
   <p:cSld>
     <p:spTree>
@@ -9464,7 +11969,18 @@
               <a:rPr lang="en-GB" dirty="0"/>
               <a:t>Future</a:t>
             </a:r>
-            <a:endParaRPr lang="pl-PL" dirty="0"/>
+            <a:r>
+              <a:rPr lang="pl-PL" dirty="0"/>
+              <a:t> – </a:t>
+            </a:r>
+            <a:r>
+              <a:rPr lang="pl-PL" dirty="0" err="1"/>
+              <a:t>ECMAScript</a:t>
+            </a:r>
+            <a:r>
+              <a:rPr lang="pl-PL" dirty="0"/>
+              <a:t> 2015 (6)</a:t>
+            </a:r>
           </a:p>
         </p:txBody>
       </p:sp>
@@ -9489,10 +12005,60 @@
           <a:bodyPr/>
           <a:lstStyle/>
           <a:p>
-            <a:endParaRPr lang="pl-PL"/>
+            <a:endParaRPr lang="en-GB" dirty="0"/>
+          </a:p>
+          <a:p>
+            <a:endParaRPr lang="pl-PL" dirty="0"/>
           </a:p>
         </p:txBody>
       </p:sp>
+      <p:pic>
+        <p:nvPicPr>
+          <p:cNvPr id="3074" name="Picture 2" descr="1482783056455362000.png (1532×732)">
+            <a:extLst>
+              <a:ext uri="{FF2B5EF4-FFF2-40B4-BE49-F238E27FC236}">
+                <a16:creationId xmlns:a16="http://schemas.microsoft.com/office/drawing/2014/main" id="{AE925239-ACC4-4AAA-88C3-8CA0E740E852}"/>
+              </a:ext>
+            </a:extLst>
+          </p:cNvPr>
+          <p:cNvPicPr>
+            <a:picLocks noChangeAspect="1" noChangeArrowheads="1"/>
+          </p:cNvPicPr>
+          <p:nvPr/>
+        </p:nvPicPr>
+        <p:blipFill>
+          <a:blip r:embed="rId2">
+            <a:extLst>
+              <a:ext uri="{28A0092B-C50C-407E-A947-70E740481C1C}">
+                <a14:useLocalDpi xmlns:a14="http://schemas.microsoft.com/office/drawing/2010/main" val="0"/>
+              </a:ext>
+            </a:extLst>
+          </a:blip>
+          <a:srcRect/>
+          <a:stretch>
+            <a:fillRect/>
+          </a:stretch>
+        </p:blipFill>
+        <p:spPr bwMode="auto">
+          <a:xfrm>
+            <a:off x="2192356" y="2275855"/>
+            <a:ext cx="7586949" cy="3625534"/>
+          </a:xfrm>
+          <a:prstGeom prst="rect">
+            <a:avLst/>
+          </a:prstGeom>
+          <a:noFill/>
+          <a:extLst>
+            <a:ext uri="{909E8E84-426E-40DD-AFC4-6F175D3DCCD1}">
+              <a14:hiddenFill xmlns:a14="http://schemas.microsoft.com/office/drawing/2010/main">
+                <a:solidFill>
+                  <a:srgbClr val="FFFFFF"/>
+                </a:solidFill>
+              </a14:hiddenFill>
+            </a:ext>
+          </a:extLst>
+        </p:spPr>
+      </p:pic>
     </p:spTree>
     <p:extLst>
       <p:ext uri="{BB962C8B-B14F-4D97-AF65-F5344CB8AC3E}">
@@ -9506,7 +12072,7 @@
 </p:sld>
 </file>
 
-<file path=ppt/slides/slide24.xml><?xml version="1.0" encoding="utf-8"?>
+<file path=ppt/slides/slide26.xml><?xml version="1.0" encoding="utf-8"?>
 <p:sld xmlns:a="http://schemas.openxmlformats.org/drawingml/2006/main" xmlns:r="http://schemas.openxmlformats.org/officeDocument/2006/relationships" xmlns:p="http://schemas.openxmlformats.org/presentationml/2006/main">
   <p:cSld>
     <p:spTree>
@@ -9528,7 +12094,7 @@
           <p:cNvPr id="2" name="Tytuł 1">
             <a:extLst>
               <a:ext uri="{FF2B5EF4-FFF2-40B4-BE49-F238E27FC236}">
-                <a16:creationId xmlns:a16="http://schemas.microsoft.com/office/drawing/2014/main" id="{108B77F4-5851-4373-896E-9D4790EA2C87}"/>
+                <a16:creationId xmlns:a16="http://schemas.microsoft.com/office/drawing/2014/main" id="{C8EB8C33-B252-4022-B763-913841FA30A8}"/>
               </a:ext>
             </a:extLst>
           </p:cNvPr>
@@ -9545,10 +12111,13 @@
           <a:lstStyle/>
           <a:p>
             <a:r>
-              <a:rPr lang="en-GB" dirty="0"/>
-              <a:t>Q&amp;A</a:t>
-            </a:r>
-            <a:endParaRPr lang="pl-PL" dirty="0"/>
+              <a:rPr lang="pl-PL" dirty="0" err="1"/>
+              <a:t>Features</a:t>
+            </a:r>
+            <a:r>
+              <a:rPr lang="pl-PL" dirty="0"/>
+              <a:t>		</a:t>
+            </a:r>
           </a:p>
         </p:txBody>
       </p:sp>
@@ -9557,7 +12126,141 @@
           <p:cNvPr id="3" name="Symbol zastępczy zawartości 2">
             <a:extLst>
               <a:ext uri="{FF2B5EF4-FFF2-40B4-BE49-F238E27FC236}">
-                <a16:creationId xmlns:a16="http://schemas.microsoft.com/office/drawing/2014/main" id="{61C532A8-27DC-4097-B4AD-28A12AFCBDE8}"/>
+                <a16:creationId xmlns:a16="http://schemas.microsoft.com/office/drawing/2014/main" id="{229A404E-1102-4415-8649-BBFF595FD516}"/>
+              </a:ext>
+            </a:extLst>
+          </p:cNvPr>
+          <p:cNvSpPr>
+            <a:spLocks noGrp="1"/>
+          </p:cNvSpPr>
+          <p:nvPr>
+            <p:ph idx="1"/>
+          </p:nvPr>
+        </p:nvSpPr>
+        <p:spPr/>
+        <p:txBody>
+          <a:bodyPr>
+            <a:normAutofit fontScale="85000" lnSpcReduction="20000"/>
+          </a:bodyPr>
+          <a:lstStyle/>
+          <a:p>
+            <a:r>
+              <a:rPr lang="pl-PL" dirty="0"/>
+              <a:t>Arrow </a:t>
+            </a:r>
+            <a:r>
+              <a:rPr lang="pl-PL" dirty="0" err="1"/>
+              <a:t>functions</a:t>
+            </a:r>
+            <a:endParaRPr lang="pl-PL" dirty="0"/>
+          </a:p>
+          <a:p>
+            <a:endParaRPr lang="pl-PL" dirty="0"/>
+          </a:p>
+          <a:p>
+            <a:r>
+              <a:rPr lang="pl-PL" dirty="0" err="1"/>
+              <a:t>Classes</a:t>
+            </a:r>
+            <a:endParaRPr lang="pl-PL" dirty="0"/>
+          </a:p>
+          <a:p>
+            <a:endParaRPr lang="pl-PL" dirty="0"/>
+          </a:p>
+          <a:p>
+            <a:r>
+              <a:rPr lang="pl-PL" dirty="0" err="1"/>
+              <a:t>Template</a:t>
+            </a:r>
+            <a:r>
+              <a:rPr lang="pl-PL" dirty="0"/>
+              <a:t> </a:t>
+            </a:r>
+            <a:r>
+              <a:rPr lang="pl-PL" dirty="0" err="1"/>
+              <a:t>strings</a:t>
+            </a:r>
+            <a:endParaRPr lang="pl-PL" dirty="0"/>
+          </a:p>
+          <a:p>
+            <a:endParaRPr lang="pl-PL" dirty="0"/>
+          </a:p>
+          <a:p>
+            <a:r>
+              <a:rPr lang="pl-PL" dirty="0" err="1"/>
+              <a:t>Let</a:t>
+            </a:r>
+            <a:r>
+              <a:rPr lang="pl-PL" dirty="0"/>
+              <a:t> + </a:t>
+            </a:r>
+            <a:r>
+              <a:rPr lang="pl-PL" dirty="0" err="1"/>
+              <a:t>Const</a:t>
+            </a:r>
+            <a:endParaRPr lang="pl-PL" dirty="0"/>
+          </a:p>
+          <a:p>
+            <a:endParaRPr lang="pl-PL" dirty="0"/>
+          </a:p>
+          <a:p>
+            <a:r>
+              <a:rPr lang="pl-PL" dirty="0" err="1"/>
+              <a:t>Iterators</a:t>
+            </a:r>
+            <a:r>
+              <a:rPr lang="pl-PL" dirty="0"/>
+              <a:t> + For … Of</a:t>
+            </a:r>
+          </a:p>
+          <a:p>
+            <a:endParaRPr lang="pl-PL" dirty="0"/>
+          </a:p>
+          <a:p>
+            <a:r>
+              <a:rPr lang="pl-PL" dirty="0" err="1"/>
+              <a:t>Modules</a:t>
+            </a:r>
+            <a:endParaRPr lang="pl-PL" dirty="0"/>
+          </a:p>
+        </p:txBody>
+      </p:sp>
+    </p:spTree>
+    <p:extLst>
+      <p:ext uri="{BB962C8B-B14F-4D97-AF65-F5344CB8AC3E}">
+        <p14:creationId xmlns:p14="http://schemas.microsoft.com/office/powerpoint/2010/main" val="61185183"/>
+      </p:ext>
+    </p:extLst>
+  </p:cSld>
+  <p:clrMapOvr>
+    <a:masterClrMapping/>
+  </p:clrMapOvr>
+</p:sld>
+</file>
+
+<file path=ppt/slides/slide27.xml><?xml version="1.0" encoding="utf-8"?>
+<p:sld xmlns:a="http://schemas.openxmlformats.org/drawingml/2006/main" xmlns:r="http://schemas.openxmlformats.org/officeDocument/2006/relationships" xmlns:p="http://schemas.openxmlformats.org/presentationml/2006/main">
+  <p:cSld>
+    <p:spTree>
+      <p:nvGrpSpPr>
+        <p:cNvPr id="1" name=""/>
+        <p:cNvGrpSpPr/>
+        <p:nvPr/>
+      </p:nvGrpSpPr>
+      <p:grpSpPr>
+        <a:xfrm>
+          <a:off x="0" y="0"/>
+          <a:ext cx="0" cy="0"/>
+          <a:chOff x="0" y="0"/>
+          <a:chExt cx="0" cy="0"/>
+        </a:xfrm>
+      </p:grpSpPr>
+      <p:sp>
+        <p:nvSpPr>
+          <p:cNvPr id="3" name="Symbol zastępczy zawartości 2">
+            <a:extLst>
+              <a:ext uri="{FF2B5EF4-FFF2-40B4-BE49-F238E27FC236}">
+                <a16:creationId xmlns:a16="http://schemas.microsoft.com/office/drawing/2014/main" id="{3BAC168D-6F4E-44F0-AE13-981027F468B3}"/>
               </a:ext>
             </a:extLst>
           </p:cNvPr>
@@ -9573,14 +12276,108 @@
           <a:bodyPr/>
           <a:lstStyle/>
           <a:p>
-            <a:endParaRPr lang="pl-PL"/>
+            <a:endParaRPr lang="pl-PL" dirty="0"/>
           </a:p>
         </p:txBody>
       </p:sp>
+      <p:pic>
+        <p:nvPicPr>
+          <p:cNvPr id="4" name="Picture 4" descr="https://cdn-images-1.medium.com/max/1200/1*GrV-nz5YZLitg0aaj62IiQ.png">
+            <a:extLst>
+              <a:ext uri="{FF2B5EF4-FFF2-40B4-BE49-F238E27FC236}">
+                <a16:creationId xmlns:a16="http://schemas.microsoft.com/office/drawing/2014/main" id="{BD44DD0C-D193-4BA1-A09E-FC5E46906276}"/>
+              </a:ext>
+            </a:extLst>
+          </p:cNvPr>
+          <p:cNvPicPr>
+            <a:picLocks noChangeAspect="1" noChangeArrowheads="1"/>
+          </p:cNvPicPr>
+          <p:nvPr/>
+        </p:nvPicPr>
+        <p:blipFill>
+          <a:blip r:embed="rId2">
+            <a:extLst>
+              <a:ext uri="{28A0092B-C50C-407E-A947-70E740481C1C}">
+                <a14:useLocalDpi xmlns:a14="http://schemas.microsoft.com/office/drawing/2010/main" val="0"/>
+              </a:ext>
+            </a:extLst>
+          </a:blip>
+          <a:srcRect/>
+          <a:stretch>
+            <a:fillRect/>
+          </a:stretch>
+        </p:blipFill>
+        <p:spPr bwMode="auto">
+          <a:xfrm>
+            <a:off x="3668617" y="2318505"/>
+            <a:ext cx="3631149" cy="3631149"/>
+          </a:xfrm>
+          <a:prstGeom prst="rect">
+            <a:avLst/>
+          </a:prstGeom>
+          <a:noFill/>
+          <a:extLst>
+            <a:ext uri="{909E8E84-426E-40DD-AFC4-6F175D3DCCD1}">
+              <a14:hiddenFill xmlns:a14="http://schemas.microsoft.com/office/drawing/2010/main">
+                <a:solidFill>
+                  <a:srgbClr val="FFFFFF"/>
+                </a:solidFill>
+              </a14:hiddenFill>
+            </a:ext>
+          </a:extLst>
+        </p:spPr>
+      </p:pic>
+      <p:pic>
+        <p:nvPicPr>
+          <p:cNvPr id="5124" name="Picture 4" descr="http://mherman.org/assets/img/blog/typescript-logo.png">
+            <a:extLst>
+              <a:ext uri="{FF2B5EF4-FFF2-40B4-BE49-F238E27FC236}">
+                <a16:creationId xmlns:a16="http://schemas.microsoft.com/office/drawing/2014/main" id="{7EAA1EB7-C7F4-4DF0-BF81-36F09B0193B1}"/>
+              </a:ext>
+            </a:extLst>
+          </p:cNvPr>
+          <p:cNvPicPr>
+            <a:picLocks noChangeAspect="1" noChangeArrowheads="1"/>
+          </p:cNvPicPr>
+          <p:nvPr/>
+        </p:nvPicPr>
+        <p:blipFill>
+          <a:blip r:embed="rId3">
+            <a:extLst>
+              <a:ext uri="{28A0092B-C50C-407E-A947-70E740481C1C}">
+                <a14:useLocalDpi xmlns:a14="http://schemas.microsoft.com/office/drawing/2010/main" val="0"/>
+              </a:ext>
+            </a:extLst>
+          </a:blip>
+          <a:srcRect/>
+          <a:stretch>
+            <a:fillRect/>
+          </a:stretch>
+        </p:blipFill>
+        <p:spPr bwMode="auto">
+          <a:xfrm>
+            <a:off x="926335" y="312579"/>
+            <a:ext cx="5970224" cy="1625694"/>
+          </a:xfrm>
+          <a:prstGeom prst="rect">
+            <a:avLst/>
+          </a:prstGeom>
+          <a:noFill/>
+          <a:extLst>
+            <a:ext uri="{909E8E84-426E-40DD-AFC4-6F175D3DCCD1}">
+              <a14:hiddenFill xmlns:a14="http://schemas.microsoft.com/office/drawing/2010/main">
+                <a:solidFill>
+                  <a:srgbClr val="FFFFFF"/>
+                </a:solidFill>
+              </a14:hiddenFill>
+            </a:ext>
+          </a:extLst>
+        </p:spPr>
+      </p:pic>
     </p:spTree>
     <p:extLst>
       <p:ext uri="{BB962C8B-B14F-4D97-AF65-F5344CB8AC3E}">
-        <p14:creationId xmlns:p14="http://schemas.microsoft.com/office/powerpoint/2010/main" val="2406907354"/>
+        <p14:creationId xmlns:p14="http://schemas.microsoft.com/office/powerpoint/2010/main" val="803838354"/>
       </p:ext>
     </p:extLst>
   </p:cSld>
@@ -9590,7 +12387,7 @@
 </p:sld>
 </file>
 
-<file path=ppt/slides/slide25.xml><?xml version="1.0" encoding="utf-8"?>
+<file path=ppt/slides/slide28.xml><?xml version="1.0" encoding="utf-8"?>
 <p:sld xmlns:a="http://schemas.openxmlformats.org/drawingml/2006/main" xmlns:r="http://schemas.openxmlformats.org/officeDocument/2006/relationships" xmlns:p="http://schemas.openxmlformats.org/presentationml/2006/main">
   <p:cSld>
     <p:spTree>
@@ -9612,7 +12409,7 @@
           <p:cNvPr id="2" name="Tytuł 1">
             <a:extLst>
               <a:ext uri="{FF2B5EF4-FFF2-40B4-BE49-F238E27FC236}">
-                <a16:creationId xmlns:a16="http://schemas.microsoft.com/office/drawing/2014/main" id="{5FADE656-23A3-472B-9028-539E41BF4431}"/>
+                <a16:creationId xmlns:a16="http://schemas.microsoft.com/office/drawing/2014/main" id="{B6ECDBDC-8AAD-4FBE-871E-6F6D081DD2B3}"/>
               </a:ext>
             </a:extLst>
           </p:cNvPr>
@@ -9629,8 +12426,12 @@
           <a:lstStyle/>
           <a:p>
             <a:r>
-              <a:rPr lang="en-GB" dirty="0"/>
-              <a:t>References</a:t>
+              <a:rPr lang="pl-PL" dirty="0"/>
+              <a:t>               </a:t>
+            </a:r>
+            <a:r>
+              <a:rPr lang="pl-PL" dirty="0" err="1"/>
+              <a:t>Features</a:t>
             </a:r>
             <a:endParaRPr lang="pl-PL" dirty="0"/>
           </a:p>
@@ -9641,7 +12442,220 @@
           <p:cNvPr id="3" name="Symbol zastępczy zawartości 2">
             <a:extLst>
               <a:ext uri="{FF2B5EF4-FFF2-40B4-BE49-F238E27FC236}">
-                <a16:creationId xmlns:a16="http://schemas.microsoft.com/office/drawing/2014/main" id="{3C1B7354-5CB8-4095-B8FB-473185CF846B}"/>
+                <a16:creationId xmlns:a16="http://schemas.microsoft.com/office/drawing/2014/main" id="{42F56E1A-B99F-4CEF-BD1D-83514A87399C}"/>
+              </a:ext>
+            </a:extLst>
+          </p:cNvPr>
+          <p:cNvSpPr>
+            <a:spLocks noGrp="1"/>
+          </p:cNvSpPr>
+          <p:nvPr>
+            <p:ph idx="1"/>
+          </p:nvPr>
+        </p:nvSpPr>
+        <p:spPr/>
+        <p:txBody>
+          <a:bodyPr>
+            <a:normAutofit fontScale="92500" lnSpcReduction="20000"/>
+          </a:bodyPr>
+          <a:lstStyle/>
+          <a:p>
+            <a:endParaRPr lang="pl-PL" dirty="0"/>
+          </a:p>
+          <a:p>
+            <a:r>
+              <a:rPr lang="en-GB" dirty="0"/>
+              <a:t>Code with static typing</a:t>
+            </a:r>
+          </a:p>
+          <a:p>
+            <a:endParaRPr lang="pl-PL" dirty="0"/>
+          </a:p>
+          <a:p>
+            <a:r>
+              <a:rPr lang="en-GB" dirty="0"/>
+              <a:t>Annotations</a:t>
+            </a:r>
+          </a:p>
+          <a:p>
+            <a:endParaRPr lang="pl-PL" dirty="0"/>
+          </a:p>
+          <a:p>
+            <a:r>
+              <a:rPr lang="en-GB" dirty="0"/>
+              <a:t>Interfaces, </a:t>
+            </a:r>
+            <a:r>
+              <a:rPr lang="en-GB" dirty="0" err="1"/>
+              <a:t>enums</a:t>
+            </a:r>
+            <a:endParaRPr lang="pl-PL" dirty="0"/>
+          </a:p>
+          <a:p>
+            <a:endParaRPr lang="en-GB" dirty="0"/>
+          </a:p>
+          <a:p>
+            <a:r>
+              <a:rPr lang="en-GB" dirty="0" err="1"/>
+              <a:t>Intellisense</a:t>
+            </a:r>
+            <a:r>
+              <a:rPr lang="en-GB" dirty="0"/>
+              <a:t> </a:t>
+            </a:r>
+            <a:endParaRPr lang="pl-PL" dirty="0"/>
+          </a:p>
+          <a:p>
+            <a:endParaRPr lang="pl-PL" dirty="0"/>
+          </a:p>
+          <a:p>
+            <a:r>
+              <a:rPr lang="pl-PL" dirty="0" err="1"/>
+              <a:t>Await</a:t>
+            </a:r>
+            <a:r>
+              <a:rPr lang="pl-PL" dirty="0"/>
+              <a:t> / </a:t>
+            </a:r>
+            <a:r>
+              <a:rPr lang="pl-PL" dirty="0" err="1"/>
+              <a:t>Async</a:t>
+            </a:r>
+            <a:endParaRPr lang="en-GB" dirty="0"/>
+          </a:p>
+        </p:txBody>
+      </p:sp>
+      <p:pic>
+        <p:nvPicPr>
+          <p:cNvPr id="8196" name="Picture 4" descr="https://s.gravatar.com/avatar/17e414f1d3c2a1c190a1fe04d9850286?size=496&amp;default=retro">
+            <a:extLst>
+              <a:ext uri="{FF2B5EF4-FFF2-40B4-BE49-F238E27FC236}">
+                <a16:creationId xmlns:a16="http://schemas.microsoft.com/office/drawing/2014/main" id="{AC8448C3-B202-41AD-84C7-C5536E095F84}"/>
+              </a:ext>
+            </a:extLst>
+          </p:cNvPr>
+          <p:cNvPicPr>
+            <a:picLocks noChangeAspect="1" noChangeArrowheads="1"/>
+          </p:cNvPicPr>
+          <p:nvPr/>
+        </p:nvPicPr>
+        <p:blipFill>
+          <a:blip r:embed="rId3">
+            <a:extLst>
+              <a:ext uri="{28A0092B-C50C-407E-A947-70E740481C1C}">
+                <a14:useLocalDpi xmlns:a14="http://schemas.microsoft.com/office/drawing/2010/main" val="0"/>
+              </a:ext>
+            </a:extLst>
+          </a:blip>
+          <a:srcRect/>
+          <a:stretch>
+            <a:fillRect/>
+          </a:stretch>
+        </p:blipFill>
+        <p:spPr bwMode="auto">
+          <a:xfrm>
+            <a:off x="838200" y="165349"/>
+            <a:ext cx="1610299" cy="1610299"/>
+          </a:xfrm>
+          <a:prstGeom prst="rect">
+            <a:avLst/>
+          </a:prstGeom>
+          <a:noFill/>
+          <a:extLst>
+            <a:ext uri="{909E8E84-426E-40DD-AFC4-6F175D3DCCD1}">
+              <a14:hiddenFill xmlns:a14="http://schemas.microsoft.com/office/drawing/2010/main">
+                <a:solidFill>
+                  <a:srgbClr val="FFFFFF"/>
+                </a:solidFill>
+              </a14:hiddenFill>
+            </a:ext>
+          </a:extLst>
+        </p:spPr>
+      </p:pic>
+    </p:spTree>
+    <p:extLst>
+      <p:ext uri="{BB962C8B-B14F-4D97-AF65-F5344CB8AC3E}">
+        <p14:creationId xmlns:p14="http://schemas.microsoft.com/office/powerpoint/2010/main" val="1647049362"/>
+      </p:ext>
+    </p:extLst>
+  </p:cSld>
+  <p:clrMapOvr>
+    <a:masterClrMapping/>
+  </p:clrMapOvr>
+</p:sld>
+</file>
+
+<file path=ppt/slides/slide29.xml><?xml version="1.0" encoding="utf-8"?>
+<p:sld xmlns:a="http://schemas.openxmlformats.org/drawingml/2006/main" xmlns:r="http://schemas.openxmlformats.org/officeDocument/2006/relationships" xmlns:p="http://schemas.openxmlformats.org/presentationml/2006/main">
+  <p:cSld>
+    <p:spTree>
+      <p:nvGrpSpPr>
+        <p:cNvPr id="1" name=""/>
+        <p:cNvGrpSpPr/>
+        <p:nvPr/>
+      </p:nvGrpSpPr>
+      <p:grpSpPr>
+        <a:xfrm>
+          <a:off x="0" y="0"/>
+          <a:ext cx="0" cy="0"/>
+          <a:chOff x="0" y="0"/>
+          <a:chExt cx="0" cy="0"/>
+        </a:xfrm>
+      </p:grpSpPr>
+      <p:sp>
+        <p:nvSpPr>
+          <p:cNvPr id="2" name="Tytuł 1">
+            <a:extLst>
+              <a:ext uri="{FF2B5EF4-FFF2-40B4-BE49-F238E27FC236}">
+                <a16:creationId xmlns:a16="http://schemas.microsoft.com/office/drawing/2014/main" id="{DC33AF74-8990-468E-8EA1-D8B89BC19F8A}"/>
+              </a:ext>
+            </a:extLst>
+          </p:cNvPr>
+          <p:cNvSpPr>
+            <a:spLocks noGrp="1"/>
+          </p:cNvSpPr>
+          <p:nvPr>
+            <p:ph type="title"/>
+          </p:nvPr>
+        </p:nvSpPr>
+        <p:spPr/>
+        <p:txBody>
+          <a:bodyPr/>
+          <a:lstStyle/>
+          <a:p>
+            <a:r>
+              <a:rPr lang="pl-PL" dirty="0" err="1"/>
+              <a:t>Hybrid</a:t>
+            </a:r>
+            <a:r>
+              <a:rPr lang="pl-PL" dirty="0"/>
+              <a:t> </a:t>
+            </a:r>
+            <a:r>
+              <a:rPr lang="pl-PL" dirty="0" err="1"/>
+              <a:t>solutions</a:t>
+            </a:r>
+            <a:r>
+              <a:rPr lang="pl-PL" dirty="0"/>
+              <a:t> - </a:t>
+            </a:r>
+            <a:r>
+              <a:rPr lang="pl-PL" dirty="0" err="1"/>
+              <a:t>Transpillers</a:t>
+            </a:r>
+            <a:r>
+              <a:rPr lang="pl-PL" dirty="0"/>
+              <a:t> </a:t>
+            </a:r>
+          </a:p>
+        </p:txBody>
+      </p:sp>
+      <p:sp>
+        <p:nvSpPr>
+          <p:cNvPr id="3" name="Symbol zastępczy zawartości 2">
+            <a:extLst>
+              <a:ext uri="{FF2B5EF4-FFF2-40B4-BE49-F238E27FC236}">
+                <a16:creationId xmlns:a16="http://schemas.microsoft.com/office/drawing/2014/main" id="{C8B648E3-BE6B-48A4-832B-F10179825286}"/>
               </a:ext>
             </a:extLst>
           </p:cNvPr>
@@ -9657,57 +12671,103 @@
           <a:bodyPr/>
           <a:lstStyle/>
           <a:p>
-            <a:r>
-              <a:rPr lang="pl-PL" dirty="0">
-                <a:hlinkClick r:id="rId2"/>
-              </a:rPr>
-              <a:t>https://app.pluralsight.com/library/courses/javascript-from-fundamentals-to-functional-js/table-of-contents</a:t>
-            </a:r>
-            <a:r>
-              <a:rPr lang="en-GB" dirty="0"/>
+            <a:pPr lvl="1"/>
+            <a:r>
+              <a:rPr lang="pl-PL" dirty="0" err="1"/>
+              <a:t>TypeScript</a:t>
+            </a:r>
+            <a:endParaRPr lang="pl-PL" dirty="0"/>
+          </a:p>
+          <a:p>
+            <a:pPr lvl="2"/>
+            <a:r>
+              <a:rPr lang="pl-PL" dirty="0"/>
+              <a:t>Tools: node.js </a:t>
+            </a:r>
+            <a:r>
+              <a:rPr lang="pl-PL" dirty="0" err="1"/>
+              <a:t>tools</a:t>
+            </a:r>
+            <a:r>
+              <a:rPr lang="pl-PL" dirty="0"/>
+              <a:t>, Visual Studio, VS </a:t>
+            </a:r>
+            <a:r>
+              <a:rPr lang="pl-PL" dirty="0" err="1"/>
+              <a:t>Code</a:t>
+            </a:r>
+            <a:endParaRPr lang="pl-PL" dirty="0"/>
+          </a:p>
+          <a:p>
+            <a:pPr lvl="2"/>
+            <a:r>
+              <a:rPr lang="pl-PL" dirty="0" err="1"/>
+              <a:t>allow-js</a:t>
+            </a:r>
+            <a:endParaRPr lang="pl-PL" dirty="0"/>
+          </a:p>
+          <a:p>
+            <a:pPr lvl="2"/>
+            <a:r>
+              <a:rPr lang="pl-PL" dirty="0" err="1"/>
+              <a:t>Type</a:t>
+            </a:r>
+            <a:r>
+              <a:rPr lang="pl-PL" dirty="0"/>
               <a:t> </a:t>
             </a:r>
-          </a:p>
-          <a:p>
-            <a:endParaRPr lang="en-GB" dirty="0">
-              <a:hlinkClick r:id="rId3"/>
-            </a:endParaRPr>
-          </a:p>
-          <a:p>
-            <a:r>
-              <a:rPr lang="pl-PL" dirty="0">
-                <a:hlinkClick r:id="rId3"/>
-              </a:rPr>
-              <a:t>https://developer.mozilla.org/</a:t>
-            </a:r>
-            <a:r>
-              <a:rPr lang="en-GB" dirty="0"/>
-              <a:t> </a:t>
-            </a:r>
-          </a:p>
-          <a:p>
-            <a:endParaRPr lang="en-US" dirty="0"/>
-          </a:p>
-          <a:p>
-            <a:r>
-              <a:rPr lang="en-US" dirty="0"/>
-              <a:t>“JavaScript: The Good Parts”, by Douglas </a:t>
-            </a:r>
-            <a:r>
-              <a:rPr lang="en-US" dirty="0" err="1"/>
-              <a:t>Crockford</a:t>
-            </a:r>
-            <a:endParaRPr lang="en-US" dirty="0"/>
-          </a:p>
-          <a:p>
+            <a:r>
+              <a:rPr lang="pl-PL" dirty="0" err="1"/>
+              <a:t>definitions</a:t>
+            </a:r>
             <a:endParaRPr lang="pl-PL" dirty="0"/>
+          </a:p>
+          <a:p>
+            <a:pPr lvl="1"/>
+            <a:endParaRPr lang="pl-PL" dirty="0"/>
+          </a:p>
+          <a:p>
+            <a:pPr lvl="1"/>
+            <a:r>
+              <a:rPr lang="pl-PL" dirty="0" err="1"/>
+              <a:t>ECMAScript</a:t>
+            </a:r>
+            <a:r>
+              <a:rPr lang="pl-PL" dirty="0"/>
+              <a:t> 2015 (ES6)</a:t>
+            </a:r>
+          </a:p>
+          <a:p>
+            <a:pPr lvl="2"/>
+            <a:r>
+              <a:rPr lang="pl-PL" dirty="0" err="1"/>
+              <a:t>BabelJS</a:t>
+            </a:r>
+            <a:endParaRPr lang="pl-PL" dirty="0"/>
+          </a:p>
+          <a:p>
+            <a:pPr marL="914400" lvl="2" indent="0">
+              <a:buNone/>
+            </a:pPr>
+            <a:endParaRPr lang="pl-PL" dirty="0"/>
+          </a:p>
+          <a:p>
+            <a:pPr lvl="1"/>
+            <a:r>
+              <a:rPr lang="pl-PL" dirty="0" err="1"/>
+              <a:t>Targeting</a:t>
+            </a:r>
+            <a:r>
+              <a:rPr lang="pl-PL" dirty="0"/>
+              <a:t> ES 3, ES 5, ES 2015 </a:t>
+            </a:r>
           </a:p>
         </p:txBody>
       </p:sp>
     </p:spTree>
     <p:extLst>
       <p:ext uri="{BB962C8B-B14F-4D97-AF65-F5344CB8AC3E}">
-        <p14:creationId xmlns:p14="http://schemas.microsoft.com/office/powerpoint/2010/main" val="2962670193"/>
+        <p14:creationId xmlns:p14="http://schemas.microsoft.com/office/powerpoint/2010/main" val="1434285204"/>
       </p:ext>
     </p:extLst>
   </p:cSld>
@@ -9806,7 +12866,7 @@
             <a:pPr lvl="1"/>
             <a:r>
               <a:rPr lang="en-GB" dirty="0"/>
-              <a:t>scopes, closure, hoisting</a:t>
+              <a:t>scopes, hoisting</a:t>
             </a:r>
           </a:p>
           <a:p>
@@ -9823,7 +12883,7 @@
             <a:pPr lvl="1"/>
             <a:r>
               <a:rPr lang="en-GB" dirty="0"/>
-              <a:t>object literal, prototype, module pattern</a:t>
+              <a:t>prototype, closure, module pattern</a:t>
             </a:r>
           </a:p>
           <a:p>
@@ -9879,6 +12939,397 @@
     <p:extLst>
       <p:ext uri="{BB962C8B-B14F-4D97-AF65-F5344CB8AC3E}">
         <p14:creationId xmlns:p14="http://schemas.microsoft.com/office/powerpoint/2010/main" val="3362660853"/>
+      </p:ext>
+    </p:extLst>
+  </p:cSld>
+  <p:clrMapOvr>
+    <a:masterClrMapping/>
+  </p:clrMapOvr>
+</p:sld>
+</file>
+
+<file path=ppt/slides/slide30.xml><?xml version="1.0" encoding="utf-8"?>
+<p:sld xmlns:a="http://schemas.openxmlformats.org/drawingml/2006/main" xmlns:r="http://schemas.openxmlformats.org/officeDocument/2006/relationships" xmlns:p="http://schemas.openxmlformats.org/presentationml/2006/main">
+  <p:cSld>
+    <p:spTree>
+      <p:nvGrpSpPr>
+        <p:cNvPr id="1" name=""/>
+        <p:cNvGrpSpPr/>
+        <p:nvPr/>
+      </p:nvGrpSpPr>
+      <p:grpSpPr>
+        <a:xfrm>
+          <a:off x="0" y="0"/>
+          <a:ext cx="0" cy="0"/>
+          <a:chOff x="0" y="0"/>
+          <a:chExt cx="0" cy="0"/>
+        </a:xfrm>
+      </p:grpSpPr>
+      <p:sp>
+        <p:nvSpPr>
+          <p:cNvPr id="2" name="Tytuł 1">
+            <a:extLst>
+              <a:ext uri="{FF2B5EF4-FFF2-40B4-BE49-F238E27FC236}">
+                <a16:creationId xmlns:a16="http://schemas.microsoft.com/office/drawing/2014/main" id="{108B77F4-5851-4373-896E-9D4790EA2C87}"/>
+              </a:ext>
+            </a:extLst>
+          </p:cNvPr>
+          <p:cNvSpPr>
+            <a:spLocks noGrp="1"/>
+          </p:cNvSpPr>
+          <p:nvPr>
+            <p:ph type="title"/>
+          </p:nvPr>
+        </p:nvSpPr>
+        <p:spPr/>
+        <p:txBody>
+          <a:bodyPr/>
+          <a:lstStyle/>
+          <a:p>
+            <a:r>
+              <a:rPr lang="en-GB" dirty="0"/>
+              <a:t>Q&amp;A</a:t>
+            </a:r>
+            <a:endParaRPr lang="pl-PL" dirty="0"/>
+          </a:p>
+        </p:txBody>
+      </p:sp>
+      <p:sp>
+        <p:nvSpPr>
+          <p:cNvPr id="3" name="Symbol zastępczy zawartości 2">
+            <a:extLst>
+              <a:ext uri="{FF2B5EF4-FFF2-40B4-BE49-F238E27FC236}">
+                <a16:creationId xmlns:a16="http://schemas.microsoft.com/office/drawing/2014/main" id="{61C532A8-27DC-4097-B4AD-28A12AFCBDE8}"/>
+              </a:ext>
+            </a:extLst>
+          </p:cNvPr>
+          <p:cNvSpPr>
+            <a:spLocks noGrp="1"/>
+          </p:cNvSpPr>
+          <p:nvPr>
+            <p:ph idx="1"/>
+          </p:nvPr>
+        </p:nvSpPr>
+        <p:spPr/>
+        <p:txBody>
+          <a:bodyPr/>
+          <a:lstStyle/>
+          <a:p>
+            <a:endParaRPr lang="pl-PL"/>
+          </a:p>
+        </p:txBody>
+      </p:sp>
+      <p:pic>
+        <p:nvPicPr>
+          <p:cNvPr id="6146" name="Picture 2" descr="http://www.wns.com/Portals/0/Images/HeaderBanner/desktop/756/106/QnA_header.jpg">
+            <a:extLst>
+              <a:ext uri="{FF2B5EF4-FFF2-40B4-BE49-F238E27FC236}">
+                <a16:creationId xmlns:a16="http://schemas.microsoft.com/office/drawing/2014/main" id="{74FB1B95-B264-4983-8393-6D22017895B7}"/>
+              </a:ext>
+            </a:extLst>
+          </p:cNvPr>
+          <p:cNvPicPr>
+            <a:picLocks noChangeAspect="1" noChangeArrowheads="1"/>
+          </p:cNvPicPr>
+          <p:nvPr/>
+        </p:nvPicPr>
+        <p:blipFill>
+          <a:blip r:embed="rId2">
+            <a:extLst>
+              <a:ext uri="{28A0092B-C50C-407E-A947-70E740481C1C}">
+                <a14:useLocalDpi xmlns:a14="http://schemas.microsoft.com/office/drawing/2010/main" val="0"/>
+              </a:ext>
+            </a:extLst>
+          </a:blip>
+          <a:srcRect/>
+          <a:stretch>
+            <a:fillRect/>
+          </a:stretch>
+        </p:blipFill>
+        <p:spPr bwMode="auto">
+          <a:xfrm>
+            <a:off x="0" y="103188"/>
+            <a:ext cx="12192000" cy="6650037"/>
+          </a:xfrm>
+          <a:prstGeom prst="rect">
+            <a:avLst/>
+          </a:prstGeom>
+          <a:noFill/>
+          <a:extLst>
+            <a:ext uri="{909E8E84-426E-40DD-AFC4-6F175D3DCCD1}">
+              <a14:hiddenFill xmlns:a14="http://schemas.microsoft.com/office/drawing/2010/main">
+                <a:solidFill>
+                  <a:srgbClr val="FFFFFF"/>
+                </a:solidFill>
+              </a14:hiddenFill>
+            </a:ext>
+          </a:extLst>
+        </p:spPr>
+      </p:pic>
+    </p:spTree>
+    <p:extLst>
+      <p:ext uri="{BB962C8B-B14F-4D97-AF65-F5344CB8AC3E}">
+        <p14:creationId xmlns:p14="http://schemas.microsoft.com/office/powerpoint/2010/main" val="2406907354"/>
+      </p:ext>
+    </p:extLst>
+  </p:cSld>
+  <p:clrMapOvr>
+    <a:masterClrMapping/>
+  </p:clrMapOvr>
+</p:sld>
+</file>
+
+<file path=ppt/slides/slide31.xml><?xml version="1.0" encoding="utf-8"?>
+<p:sld xmlns:a="http://schemas.openxmlformats.org/drawingml/2006/main" xmlns:r="http://schemas.openxmlformats.org/officeDocument/2006/relationships" xmlns:p="http://schemas.openxmlformats.org/presentationml/2006/main">
+  <p:cSld>
+    <p:spTree>
+      <p:nvGrpSpPr>
+        <p:cNvPr id="1" name=""/>
+        <p:cNvGrpSpPr/>
+        <p:nvPr/>
+      </p:nvGrpSpPr>
+      <p:grpSpPr>
+        <a:xfrm>
+          <a:off x="0" y="0"/>
+          <a:ext cx="0" cy="0"/>
+          <a:chOff x="0" y="0"/>
+          <a:chExt cx="0" cy="0"/>
+        </a:xfrm>
+      </p:grpSpPr>
+      <p:sp>
+        <p:nvSpPr>
+          <p:cNvPr id="2" name="Tytuł 1">
+            <a:extLst>
+              <a:ext uri="{FF2B5EF4-FFF2-40B4-BE49-F238E27FC236}">
+                <a16:creationId xmlns:a16="http://schemas.microsoft.com/office/drawing/2014/main" id="{5FADE656-23A3-472B-9028-539E41BF4431}"/>
+              </a:ext>
+            </a:extLst>
+          </p:cNvPr>
+          <p:cNvSpPr>
+            <a:spLocks noGrp="1"/>
+          </p:cNvSpPr>
+          <p:nvPr>
+            <p:ph type="title"/>
+          </p:nvPr>
+        </p:nvSpPr>
+        <p:spPr/>
+        <p:txBody>
+          <a:bodyPr/>
+          <a:lstStyle/>
+          <a:p>
+            <a:r>
+              <a:rPr lang="en-GB" dirty="0"/>
+              <a:t>References</a:t>
+            </a:r>
+            <a:endParaRPr lang="pl-PL" dirty="0"/>
+          </a:p>
+        </p:txBody>
+      </p:sp>
+      <p:sp>
+        <p:nvSpPr>
+          <p:cNvPr id="3" name="Symbol zastępczy zawartości 2">
+            <a:extLst>
+              <a:ext uri="{FF2B5EF4-FFF2-40B4-BE49-F238E27FC236}">
+                <a16:creationId xmlns:a16="http://schemas.microsoft.com/office/drawing/2014/main" id="{3C1B7354-5CB8-4095-B8FB-473185CF846B}"/>
+              </a:ext>
+            </a:extLst>
+          </p:cNvPr>
+          <p:cNvSpPr>
+            <a:spLocks noGrp="1"/>
+          </p:cNvSpPr>
+          <p:nvPr>
+            <p:ph idx="1"/>
+          </p:nvPr>
+        </p:nvSpPr>
+        <p:spPr/>
+        <p:txBody>
+          <a:bodyPr/>
+          <a:lstStyle/>
+          <a:p>
+            <a:r>
+              <a:rPr lang="pl-PL" dirty="0">
+                <a:hlinkClick r:id="rId2"/>
+              </a:rPr>
+              <a:t>https://app.pluralsight.com/library/courses/javascript-from-fundamentals-to-functional-js/table-of-contents</a:t>
+            </a:r>
+            <a:r>
+              <a:rPr lang="en-GB" dirty="0"/>
+              <a:t> </a:t>
+            </a:r>
+          </a:p>
+          <a:p>
+            <a:endParaRPr lang="en-GB" dirty="0">
+              <a:hlinkClick r:id="rId3"/>
+            </a:endParaRPr>
+          </a:p>
+          <a:p>
+            <a:r>
+              <a:rPr lang="pl-PL" dirty="0">
+                <a:hlinkClick r:id="rId3"/>
+              </a:rPr>
+              <a:t>https://developer.mozilla.org/</a:t>
+            </a:r>
+            <a:r>
+              <a:rPr lang="en-GB" dirty="0"/>
+              <a:t> </a:t>
+            </a:r>
+          </a:p>
+          <a:p>
+            <a:endParaRPr lang="en-US" dirty="0"/>
+          </a:p>
+          <a:p>
+            <a:r>
+              <a:rPr lang="en-US" dirty="0"/>
+              <a:t>“JavaScript: The Good Parts”, by Douglas </a:t>
+            </a:r>
+            <a:r>
+              <a:rPr lang="en-US" dirty="0" err="1"/>
+              <a:t>Crockford</a:t>
+            </a:r>
+            <a:endParaRPr lang="pl-PL" dirty="0"/>
+          </a:p>
+          <a:p>
+            <a:endParaRPr lang="en-US" dirty="0"/>
+          </a:p>
+          <a:p>
+            <a:endParaRPr lang="pl-PL" dirty="0"/>
+          </a:p>
+        </p:txBody>
+      </p:sp>
+    </p:spTree>
+    <p:extLst>
+      <p:ext uri="{BB962C8B-B14F-4D97-AF65-F5344CB8AC3E}">
+        <p14:creationId xmlns:p14="http://schemas.microsoft.com/office/powerpoint/2010/main" val="2962670193"/>
+      </p:ext>
+    </p:extLst>
+  </p:cSld>
+  <p:clrMapOvr>
+    <a:masterClrMapping/>
+  </p:clrMapOvr>
+</p:sld>
+</file>
+
+<file path=ppt/slides/slide32.xml><?xml version="1.0" encoding="utf-8"?>
+<p:sld xmlns:a="http://schemas.openxmlformats.org/drawingml/2006/main" xmlns:r="http://schemas.openxmlformats.org/officeDocument/2006/relationships" xmlns:p="http://schemas.openxmlformats.org/presentationml/2006/main">
+  <p:cSld>
+    <p:spTree>
+      <p:nvGrpSpPr>
+        <p:cNvPr id="1" name=""/>
+        <p:cNvGrpSpPr/>
+        <p:nvPr/>
+      </p:nvGrpSpPr>
+      <p:grpSpPr>
+        <a:xfrm>
+          <a:off x="0" y="0"/>
+          <a:ext cx="0" cy="0"/>
+          <a:chOff x="0" y="0"/>
+          <a:chExt cx="0" cy="0"/>
+        </a:xfrm>
+      </p:grpSpPr>
+      <p:sp>
+        <p:nvSpPr>
+          <p:cNvPr id="2" name="Tytuł 1">
+            <a:extLst>
+              <a:ext uri="{FF2B5EF4-FFF2-40B4-BE49-F238E27FC236}">
+                <a16:creationId xmlns:a16="http://schemas.microsoft.com/office/drawing/2014/main" id="{29595173-8118-423B-B6DE-9B9ABBB5E65E}"/>
+              </a:ext>
+            </a:extLst>
+          </p:cNvPr>
+          <p:cNvSpPr>
+            <a:spLocks noGrp="1"/>
+          </p:cNvSpPr>
+          <p:nvPr>
+            <p:ph type="title"/>
+          </p:nvPr>
+        </p:nvSpPr>
+        <p:spPr/>
+        <p:txBody>
+          <a:bodyPr/>
+          <a:lstStyle/>
+          <a:p>
+            <a:br>
+              <a:rPr lang="pl-PL" dirty="0"/>
+            </a:br>
+            <a:endParaRPr lang="pl-PL" dirty="0"/>
+          </a:p>
+        </p:txBody>
+      </p:sp>
+      <p:sp>
+        <p:nvSpPr>
+          <p:cNvPr id="3" name="Symbol zastępczy zawartości 2">
+            <a:extLst>
+              <a:ext uri="{FF2B5EF4-FFF2-40B4-BE49-F238E27FC236}">
+                <a16:creationId xmlns:a16="http://schemas.microsoft.com/office/drawing/2014/main" id="{FFBC775E-A408-426B-AD64-D760CE493868}"/>
+              </a:ext>
+            </a:extLst>
+          </p:cNvPr>
+          <p:cNvSpPr>
+            <a:spLocks noGrp="1"/>
+          </p:cNvSpPr>
+          <p:nvPr>
+            <p:ph idx="1"/>
+          </p:nvPr>
+        </p:nvSpPr>
+        <p:spPr/>
+        <p:txBody>
+          <a:bodyPr/>
+          <a:lstStyle/>
+          <a:p>
+            <a:endParaRPr lang="pl-PL"/>
+          </a:p>
+        </p:txBody>
+      </p:sp>
+      <p:pic>
+        <p:nvPicPr>
+          <p:cNvPr id="4098" name="Picture 2" descr="feedback.jpg (2101×888)">
+            <a:extLst>
+              <a:ext uri="{FF2B5EF4-FFF2-40B4-BE49-F238E27FC236}">
+                <a16:creationId xmlns:a16="http://schemas.microsoft.com/office/drawing/2014/main" id="{039166BD-E3EB-4B9E-9CED-885F07B9625A}"/>
+              </a:ext>
+            </a:extLst>
+          </p:cNvPr>
+          <p:cNvPicPr>
+            <a:picLocks noChangeAspect="1" noChangeArrowheads="1"/>
+          </p:cNvPicPr>
+          <p:nvPr/>
+        </p:nvPicPr>
+        <p:blipFill>
+          <a:blip r:embed="rId2">
+            <a:extLst>
+              <a:ext uri="{28A0092B-C50C-407E-A947-70E740481C1C}">
+                <a14:useLocalDpi xmlns:a14="http://schemas.microsoft.com/office/drawing/2010/main" val="0"/>
+              </a:ext>
+            </a:extLst>
+          </a:blip>
+          <a:srcRect/>
+          <a:stretch>
+            <a:fillRect/>
+          </a:stretch>
+        </p:blipFill>
+        <p:spPr bwMode="auto">
+          <a:xfrm>
+            <a:off x="0" y="1027906"/>
+            <a:ext cx="12192000" cy="5153025"/>
+          </a:xfrm>
+          <a:prstGeom prst="rect">
+            <a:avLst/>
+          </a:prstGeom>
+          <a:noFill/>
+          <a:extLst>
+            <a:ext uri="{909E8E84-426E-40DD-AFC4-6F175D3DCCD1}">
+              <a14:hiddenFill xmlns:a14="http://schemas.microsoft.com/office/drawing/2010/main">
+                <a:solidFill>
+                  <a:srgbClr val="FFFFFF"/>
+                </a:solidFill>
+              </a14:hiddenFill>
+            </a:ext>
+          </a:extLst>
+        </p:spPr>
+      </p:pic>
+    </p:spTree>
+    <p:extLst>
+      <p:ext uri="{BB962C8B-B14F-4D97-AF65-F5344CB8AC3E}">
+        <p14:creationId xmlns:p14="http://schemas.microsoft.com/office/powerpoint/2010/main" val="3557732705"/>
       </p:ext>
     </p:extLst>
   </p:cSld>

--- a/JsTraining-presentation/JS Training.pptx
+++ b/JsTraining-presentation/JS Training.pptx
@@ -12309,8 +12309,8 @@
         </p:blipFill>
         <p:spPr bwMode="auto">
           <a:xfrm>
-            <a:off x="3668617" y="2318505"/>
-            <a:ext cx="3631149" cy="3631149"/>
+            <a:off x="3911447" y="2007988"/>
+            <a:ext cx="2842024" cy="2842024"/>
           </a:xfrm>
           <a:prstGeom prst="rect">
             <a:avLst/>
@@ -12372,6 +12372,36 @@
               </a14:hiddenFill>
             </a:ext>
           </a:extLst>
+        </p:spPr>
+      </p:pic>
+      <p:pic>
+        <p:nvPicPr>
+          <p:cNvPr id="5" name="Obraz 4">
+            <a:extLst>
+              <a:ext uri="{FF2B5EF4-FFF2-40B4-BE49-F238E27FC236}">
+                <a16:creationId xmlns:a16="http://schemas.microsoft.com/office/drawing/2014/main" id="{4D24F4C7-ED06-4F77-A9B3-6543B7A09D0C}"/>
+              </a:ext>
+            </a:extLst>
+          </p:cNvPr>
+          <p:cNvPicPr>
+            <a:picLocks noChangeAspect="1"/>
+          </p:cNvPicPr>
+          <p:nvPr/>
+        </p:nvPicPr>
+        <p:blipFill>
+          <a:blip r:embed="rId4"/>
+          <a:stretch>
+            <a:fillRect/>
+          </a:stretch>
+        </p:blipFill>
+        <p:spPr>
+          <a:xfrm>
+            <a:off x="1825816" y="5101305"/>
+            <a:ext cx="8181975" cy="1181100"/>
+          </a:xfrm>
+          <a:prstGeom prst="rect">
+            <a:avLst/>
+          </a:prstGeom>
         </p:spPr>
       </p:pic>
     </p:spTree>

--- a/JsTraining-presentation/JS Training.pptx
+++ b/JsTraining-presentation/JS Training.pptx
@@ -232,7 +232,7 @@
           <a:p>
             <a:fld id="{09602215-4A9B-41A2-BE1E-32070F33B33D}" type="datetimeFigureOut">
               <a:rPr lang="pl-PL" smtClean="0"/>
-              <a:t>21.01.2018</a:t>
+              <a:t>22.01.2018</a:t>
             </a:fld>
             <a:endParaRPr lang="pl-PL"/>
           </a:p>
@@ -2079,7 +2079,7 @@
           <a:p>
             <a:fld id="{C57C09B5-6BF9-4018-AF21-4D72641C658B}" type="datetimeFigureOut">
               <a:rPr lang="pl-PL" smtClean="0"/>
-              <a:t>21.01.2018</a:t>
+              <a:t>22.01.2018</a:t>
             </a:fld>
             <a:endParaRPr lang="pl-PL"/>
           </a:p>
@@ -2277,7 +2277,7 @@
           <a:p>
             <a:fld id="{C57C09B5-6BF9-4018-AF21-4D72641C658B}" type="datetimeFigureOut">
               <a:rPr lang="pl-PL" smtClean="0"/>
-              <a:t>21.01.2018</a:t>
+              <a:t>22.01.2018</a:t>
             </a:fld>
             <a:endParaRPr lang="pl-PL"/>
           </a:p>
@@ -2485,7 +2485,7 @@
           <a:p>
             <a:fld id="{C57C09B5-6BF9-4018-AF21-4D72641C658B}" type="datetimeFigureOut">
               <a:rPr lang="pl-PL" smtClean="0"/>
-              <a:t>21.01.2018</a:t>
+              <a:t>22.01.2018</a:t>
             </a:fld>
             <a:endParaRPr lang="pl-PL"/>
           </a:p>
@@ -2683,7 +2683,7 @@
           <a:p>
             <a:fld id="{C57C09B5-6BF9-4018-AF21-4D72641C658B}" type="datetimeFigureOut">
               <a:rPr lang="pl-PL" smtClean="0"/>
-              <a:t>21.01.2018</a:t>
+              <a:t>22.01.2018</a:t>
             </a:fld>
             <a:endParaRPr lang="pl-PL"/>
           </a:p>
@@ -2958,7 +2958,7 @@
           <a:p>
             <a:fld id="{C57C09B5-6BF9-4018-AF21-4D72641C658B}" type="datetimeFigureOut">
               <a:rPr lang="pl-PL" smtClean="0"/>
-              <a:t>21.01.2018</a:t>
+              <a:t>22.01.2018</a:t>
             </a:fld>
             <a:endParaRPr lang="pl-PL"/>
           </a:p>
@@ -3223,7 +3223,7 @@
           <a:p>
             <a:fld id="{C57C09B5-6BF9-4018-AF21-4D72641C658B}" type="datetimeFigureOut">
               <a:rPr lang="pl-PL" smtClean="0"/>
-              <a:t>21.01.2018</a:t>
+              <a:t>22.01.2018</a:t>
             </a:fld>
             <a:endParaRPr lang="pl-PL"/>
           </a:p>
@@ -3635,7 +3635,7 @@
           <a:p>
             <a:fld id="{C57C09B5-6BF9-4018-AF21-4D72641C658B}" type="datetimeFigureOut">
               <a:rPr lang="pl-PL" smtClean="0"/>
-              <a:t>21.01.2018</a:t>
+              <a:t>22.01.2018</a:t>
             </a:fld>
             <a:endParaRPr lang="pl-PL"/>
           </a:p>
@@ -3776,7 +3776,7 @@
           <a:p>
             <a:fld id="{C57C09B5-6BF9-4018-AF21-4D72641C658B}" type="datetimeFigureOut">
               <a:rPr lang="pl-PL" smtClean="0"/>
-              <a:t>21.01.2018</a:t>
+              <a:t>22.01.2018</a:t>
             </a:fld>
             <a:endParaRPr lang="pl-PL"/>
           </a:p>
@@ -3889,7 +3889,7 @@
           <a:p>
             <a:fld id="{C57C09B5-6BF9-4018-AF21-4D72641C658B}" type="datetimeFigureOut">
               <a:rPr lang="pl-PL" smtClean="0"/>
-              <a:t>21.01.2018</a:t>
+              <a:t>22.01.2018</a:t>
             </a:fld>
             <a:endParaRPr lang="pl-PL"/>
           </a:p>
@@ -4200,7 +4200,7 @@
           <a:p>
             <a:fld id="{C57C09B5-6BF9-4018-AF21-4D72641C658B}" type="datetimeFigureOut">
               <a:rPr lang="pl-PL" smtClean="0"/>
-              <a:t>21.01.2018</a:t>
+              <a:t>22.01.2018</a:t>
             </a:fld>
             <a:endParaRPr lang="pl-PL"/>
           </a:p>
@@ -4488,7 +4488,7 @@
           <a:p>
             <a:fld id="{C57C09B5-6BF9-4018-AF21-4D72641C658B}" type="datetimeFigureOut">
               <a:rPr lang="pl-PL" smtClean="0"/>
-              <a:t>21.01.2018</a:t>
+              <a:t>22.01.2018</a:t>
             </a:fld>
             <a:endParaRPr lang="pl-PL"/>
           </a:p>
@@ -4729,7 +4729,7 @@
           <a:p>
             <a:fld id="{C57C09B5-6BF9-4018-AF21-4D72641C658B}" type="datetimeFigureOut">
               <a:rPr lang="pl-PL" smtClean="0"/>
-              <a:t>21.01.2018</a:t>
+              <a:t>22.01.2018</a:t>
             </a:fld>
             <a:endParaRPr lang="pl-PL"/>
           </a:p>
@@ -12221,6 +12221,14 @@
               <a:rPr lang="pl-PL" dirty="0" err="1"/>
               <a:t>Modules</a:t>
             </a:r>
+            <a:r>
+              <a:rPr lang="en-GB" dirty="0"/>
+              <a:t> and </a:t>
+            </a:r>
+            <a:r>
+              <a:rPr lang="en-GB"/>
+              <a:t>much more…</a:t>
+            </a:r>
             <a:endParaRPr lang="pl-PL" dirty="0"/>
           </a:p>
         </p:txBody>

--- a/JsTraining-presentation/JS Training.pptx
+++ b/JsTraining-presentation/JS Training.pptx
@@ -140,7 +140,7 @@
   </p:defaultTextStyle>
   <p:extLst>
     <p:ext uri="{EFAFB233-063F-42B5-8137-9DF3F51BA10A}">
-      <p15:sldGuideLst xmlns:p15="http://schemas.microsoft.com/office/powerpoint/2012/main"/>
+      <p15:sldGuideLst xmlns:p15="http://schemas.microsoft.com/office/powerpoint/2012/main" xmlns=""/>
     </p:ext>
   </p:extLst>
 </p:presentation>
@@ -232,7 +232,7 @@
           <a:p>
             <a:fld id="{09602215-4A9B-41A2-BE1E-32070F33B33D}" type="datetimeFigureOut">
               <a:rPr lang="pl-PL" smtClean="0"/>
-              <a:t>21.01.2018</a:t>
+              <a:t>2018-01-23</a:t>
             </a:fld>
             <a:endParaRPr lang="pl-PL"/>
           </a:p>
@@ -1954,7 +1954,7 @@
           <p:cNvPr id="2" name="Tytuł 1">
             <a:extLst>
               <a:ext uri="{FF2B5EF4-FFF2-40B4-BE49-F238E27FC236}">
-                <a16:creationId xmlns:a16="http://schemas.microsoft.com/office/drawing/2014/main" id="{E90713CD-4A2F-4382-B6E1-DF48B4B4024E}"/>
+                <a16:creationId xmlns:a16="http://schemas.microsoft.com/office/drawing/2014/main" xmlns="" id="{E90713CD-4A2F-4382-B6E1-DF48B4B4024E}"/>
               </a:ext>
             </a:extLst>
           </p:cNvPr>
@@ -1991,7 +1991,7 @@
           <p:cNvPr id="3" name="Podtytuł 2">
             <a:extLst>
               <a:ext uri="{FF2B5EF4-FFF2-40B4-BE49-F238E27FC236}">
-                <a16:creationId xmlns:a16="http://schemas.microsoft.com/office/drawing/2014/main" id="{725D0417-8673-4599-8D37-35A7F5F7E978}"/>
+                <a16:creationId xmlns:a16="http://schemas.microsoft.com/office/drawing/2014/main" xmlns="" id="{725D0417-8673-4599-8D37-35A7F5F7E978}"/>
               </a:ext>
             </a:extLst>
           </p:cNvPr>
@@ -2061,7 +2061,7 @@
           <p:cNvPr id="4" name="Symbol zastępczy daty 3">
             <a:extLst>
               <a:ext uri="{FF2B5EF4-FFF2-40B4-BE49-F238E27FC236}">
-                <a16:creationId xmlns:a16="http://schemas.microsoft.com/office/drawing/2014/main" id="{63B7FFEA-C586-4F18-8C47-47E82BFA49B8}"/>
+                <a16:creationId xmlns:a16="http://schemas.microsoft.com/office/drawing/2014/main" xmlns="" id="{63B7FFEA-C586-4F18-8C47-47E82BFA49B8}"/>
               </a:ext>
             </a:extLst>
           </p:cNvPr>
@@ -2079,7 +2079,7 @@
           <a:p>
             <a:fld id="{C57C09B5-6BF9-4018-AF21-4D72641C658B}" type="datetimeFigureOut">
               <a:rPr lang="pl-PL" smtClean="0"/>
-              <a:t>21.01.2018</a:t>
+              <a:t>2018-01-23</a:t>
             </a:fld>
             <a:endParaRPr lang="pl-PL"/>
           </a:p>
@@ -2090,7 +2090,7 @@
           <p:cNvPr id="5" name="Symbol zastępczy stopki 4">
             <a:extLst>
               <a:ext uri="{FF2B5EF4-FFF2-40B4-BE49-F238E27FC236}">
-                <a16:creationId xmlns:a16="http://schemas.microsoft.com/office/drawing/2014/main" id="{2F1213E8-C7D6-471F-AE59-6123984D2E9E}"/>
+                <a16:creationId xmlns:a16="http://schemas.microsoft.com/office/drawing/2014/main" xmlns="" id="{2F1213E8-C7D6-471F-AE59-6123984D2E9E}"/>
               </a:ext>
             </a:extLst>
           </p:cNvPr>
@@ -2115,7 +2115,7 @@
           <p:cNvPr id="6" name="Symbol zastępczy numeru slajdu 5">
             <a:extLst>
               <a:ext uri="{FF2B5EF4-FFF2-40B4-BE49-F238E27FC236}">
-                <a16:creationId xmlns:a16="http://schemas.microsoft.com/office/drawing/2014/main" id="{D137DFBA-90BC-42C7-868E-F883748C3E92}"/>
+                <a16:creationId xmlns:a16="http://schemas.microsoft.com/office/drawing/2014/main" xmlns="" id="{D137DFBA-90BC-42C7-868E-F883748C3E92}"/>
               </a:ext>
             </a:extLst>
           </p:cNvPr>
@@ -2174,7 +2174,7 @@
           <p:cNvPr id="2" name="Tytuł 1">
             <a:extLst>
               <a:ext uri="{FF2B5EF4-FFF2-40B4-BE49-F238E27FC236}">
-                <a16:creationId xmlns:a16="http://schemas.microsoft.com/office/drawing/2014/main" id="{5681CF82-E3D8-4A1A-B6E8-5185201042FE}"/>
+                <a16:creationId xmlns:a16="http://schemas.microsoft.com/office/drawing/2014/main" xmlns="" id="{5681CF82-E3D8-4A1A-B6E8-5185201042FE}"/>
               </a:ext>
             </a:extLst>
           </p:cNvPr>
@@ -2202,7 +2202,7 @@
           <p:cNvPr id="3" name="Symbol zastępczy tytułu pionowego 2">
             <a:extLst>
               <a:ext uri="{FF2B5EF4-FFF2-40B4-BE49-F238E27FC236}">
-                <a16:creationId xmlns:a16="http://schemas.microsoft.com/office/drawing/2014/main" id="{8D1E9EA8-EDE6-4DD4-B0C2-7A4C4131EE77}"/>
+                <a16:creationId xmlns:a16="http://schemas.microsoft.com/office/drawing/2014/main" xmlns="" id="{8D1E9EA8-EDE6-4DD4-B0C2-7A4C4131EE77}"/>
               </a:ext>
             </a:extLst>
           </p:cNvPr>
@@ -2259,7 +2259,7 @@
           <p:cNvPr id="4" name="Symbol zastępczy daty 3">
             <a:extLst>
               <a:ext uri="{FF2B5EF4-FFF2-40B4-BE49-F238E27FC236}">
-                <a16:creationId xmlns:a16="http://schemas.microsoft.com/office/drawing/2014/main" id="{C0A9F7D9-DE09-4E71-AE41-72247F2626C4}"/>
+                <a16:creationId xmlns:a16="http://schemas.microsoft.com/office/drawing/2014/main" xmlns="" id="{C0A9F7D9-DE09-4E71-AE41-72247F2626C4}"/>
               </a:ext>
             </a:extLst>
           </p:cNvPr>
@@ -2277,7 +2277,7 @@
           <a:p>
             <a:fld id="{C57C09B5-6BF9-4018-AF21-4D72641C658B}" type="datetimeFigureOut">
               <a:rPr lang="pl-PL" smtClean="0"/>
-              <a:t>21.01.2018</a:t>
+              <a:t>2018-01-23</a:t>
             </a:fld>
             <a:endParaRPr lang="pl-PL"/>
           </a:p>
@@ -2288,7 +2288,7 @@
           <p:cNvPr id="5" name="Symbol zastępczy stopki 4">
             <a:extLst>
               <a:ext uri="{FF2B5EF4-FFF2-40B4-BE49-F238E27FC236}">
-                <a16:creationId xmlns:a16="http://schemas.microsoft.com/office/drawing/2014/main" id="{EB5C85AA-D5A9-41D3-B093-FF97588287DB}"/>
+                <a16:creationId xmlns:a16="http://schemas.microsoft.com/office/drawing/2014/main" xmlns="" id="{EB5C85AA-D5A9-41D3-B093-FF97588287DB}"/>
               </a:ext>
             </a:extLst>
           </p:cNvPr>
@@ -2313,7 +2313,7 @@
           <p:cNvPr id="6" name="Symbol zastępczy numeru slajdu 5">
             <a:extLst>
               <a:ext uri="{FF2B5EF4-FFF2-40B4-BE49-F238E27FC236}">
-                <a16:creationId xmlns:a16="http://schemas.microsoft.com/office/drawing/2014/main" id="{A990276F-C9F8-45E1-9A07-BACCE9B8235B}"/>
+                <a16:creationId xmlns:a16="http://schemas.microsoft.com/office/drawing/2014/main" xmlns="" id="{A990276F-C9F8-45E1-9A07-BACCE9B8235B}"/>
               </a:ext>
             </a:extLst>
           </p:cNvPr>
@@ -2372,7 +2372,7 @@
           <p:cNvPr id="2" name="Tytuł pionowy 1">
             <a:extLst>
               <a:ext uri="{FF2B5EF4-FFF2-40B4-BE49-F238E27FC236}">
-                <a16:creationId xmlns:a16="http://schemas.microsoft.com/office/drawing/2014/main" id="{4748C3C5-50AA-4561-BC79-29F2660070DB}"/>
+                <a16:creationId xmlns:a16="http://schemas.microsoft.com/office/drawing/2014/main" xmlns="" id="{4748C3C5-50AA-4561-BC79-29F2660070DB}"/>
               </a:ext>
             </a:extLst>
           </p:cNvPr>
@@ -2405,7 +2405,7 @@
           <p:cNvPr id="3" name="Symbol zastępczy tytułu pionowego 2">
             <a:extLst>
               <a:ext uri="{FF2B5EF4-FFF2-40B4-BE49-F238E27FC236}">
-                <a16:creationId xmlns:a16="http://schemas.microsoft.com/office/drawing/2014/main" id="{27D46F3C-A0B0-4BE2-B882-68D14D7FAE18}"/>
+                <a16:creationId xmlns:a16="http://schemas.microsoft.com/office/drawing/2014/main" xmlns="" id="{27D46F3C-A0B0-4BE2-B882-68D14D7FAE18}"/>
               </a:ext>
             </a:extLst>
           </p:cNvPr>
@@ -2467,7 +2467,7 @@
           <p:cNvPr id="4" name="Symbol zastępczy daty 3">
             <a:extLst>
               <a:ext uri="{FF2B5EF4-FFF2-40B4-BE49-F238E27FC236}">
-                <a16:creationId xmlns:a16="http://schemas.microsoft.com/office/drawing/2014/main" id="{04F64566-F47E-4DB2-94F4-88C6A0C78F04}"/>
+                <a16:creationId xmlns:a16="http://schemas.microsoft.com/office/drawing/2014/main" xmlns="" id="{04F64566-F47E-4DB2-94F4-88C6A0C78F04}"/>
               </a:ext>
             </a:extLst>
           </p:cNvPr>
@@ -2485,7 +2485,7 @@
           <a:p>
             <a:fld id="{C57C09B5-6BF9-4018-AF21-4D72641C658B}" type="datetimeFigureOut">
               <a:rPr lang="pl-PL" smtClean="0"/>
-              <a:t>21.01.2018</a:t>
+              <a:t>2018-01-23</a:t>
             </a:fld>
             <a:endParaRPr lang="pl-PL"/>
           </a:p>
@@ -2496,7 +2496,7 @@
           <p:cNvPr id="5" name="Symbol zastępczy stopki 4">
             <a:extLst>
               <a:ext uri="{FF2B5EF4-FFF2-40B4-BE49-F238E27FC236}">
-                <a16:creationId xmlns:a16="http://schemas.microsoft.com/office/drawing/2014/main" id="{56FE68AB-B1EF-4ABA-9C74-9709EFC29F98}"/>
+                <a16:creationId xmlns:a16="http://schemas.microsoft.com/office/drawing/2014/main" xmlns="" id="{56FE68AB-B1EF-4ABA-9C74-9709EFC29F98}"/>
               </a:ext>
             </a:extLst>
           </p:cNvPr>
@@ -2521,7 +2521,7 @@
           <p:cNvPr id="6" name="Symbol zastępczy numeru slajdu 5">
             <a:extLst>
               <a:ext uri="{FF2B5EF4-FFF2-40B4-BE49-F238E27FC236}">
-                <a16:creationId xmlns:a16="http://schemas.microsoft.com/office/drawing/2014/main" id="{28B33CEA-7EC7-4114-99FE-E0EC42AE7E29}"/>
+                <a16:creationId xmlns:a16="http://schemas.microsoft.com/office/drawing/2014/main" xmlns="" id="{28B33CEA-7EC7-4114-99FE-E0EC42AE7E29}"/>
               </a:ext>
             </a:extLst>
           </p:cNvPr>
@@ -2580,7 +2580,7 @@
           <p:cNvPr id="2" name="Tytuł 1">
             <a:extLst>
               <a:ext uri="{FF2B5EF4-FFF2-40B4-BE49-F238E27FC236}">
-                <a16:creationId xmlns:a16="http://schemas.microsoft.com/office/drawing/2014/main" id="{7E124BC1-676F-453B-9D4B-5BCE45023D10}"/>
+                <a16:creationId xmlns:a16="http://schemas.microsoft.com/office/drawing/2014/main" xmlns="" id="{7E124BC1-676F-453B-9D4B-5BCE45023D10}"/>
               </a:ext>
             </a:extLst>
           </p:cNvPr>
@@ -2608,7 +2608,7 @@
           <p:cNvPr id="3" name="Symbol zastępczy zawartości 2">
             <a:extLst>
               <a:ext uri="{FF2B5EF4-FFF2-40B4-BE49-F238E27FC236}">
-                <a16:creationId xmlns:a16="http://schemas.microsoft.com/office/drawing/2014/main" id="{D99B9A1C-154E-4669-9409-9AF9BF3EC21B}"/>
+                <a16:creationId xmlns:a16="http://schemas.microsoft.com/office/drawing/2014/main" xmlns="" id="{D99B9A1C-154E-4669-9409-9AF9BF3EC21B}"/>
               </a:ext>
             </a:extLst>
           </p:cNvPr>
@@ -2665,7 +2665,7 @@
           <p:cNvPr id="4" name="Symbol zastępczy daty 3">
             <a:extLst>
               <a:ext uri="{FF2B5EF4-FFF2-40B4-BE49-F238E27FC236}">
-                <a16:creationId xmlns:a16="http://schemas.microsoft.com/office/drawing/2014/main" id="{63DF11E7-69B0-44BE-8FA8-5747685C0CAB}"/>
+                <a16:creationId xmlns:a16="http://schemas.microsoft.com/office/drawing/2014/main" xmlns="" id="{63DF11E7-69B0-44BE-8FA8-5747685C0CAB}"/>
               </a:ext>
             </a:extLst>
           </p:cNvPr>
@@ -2683,7 +2683,7 @@
           <a:p>
             <a:fld id="{C57C09B5-6BF9-4018-AF21-4D72641C658B}" type="datetimeFigureOut">
               <a:rPr lang="pl-PL" smtClean="0"/>
-              <a:t>21.01.2018</a:t>
+              <a:t>2018-01-23</a:t>
             </a:fld>
             <a:endParaRPr lang="pl-PL"/>
           </a:p>
@@ -2694,7 +2694,7 @@
           <p:cNvPr id="5" name="Symbol zastępczy stopki 4">
             <a:extLst>
               <a:ext uri="{FF2B5EF4-FFF2-40B4-BE49-F238E27FC236}">
-                <a16:creationId xmlns:a16="http://schemas.microsoft.com/office/drawing/2014/main" id="{9D370639-5316-436B-A6E6-272812B32E98}"/>
+                <a16:creationId xmlns:a16="http://schemas.microsoft.com/office/drawing/2014/main" xmlns="" id="{9D370639-5316-436B-A6E6-272812B32E98}"/>
               </a:ext>
             </a:extLst>
           </p:cNvPr>
@@ -2719,7 +2719,7 @@
           <p:cNvPr id="6" name="Symbol zastępczy numeru slajdu 5">
             <a:extLst>
               <a:ext uri="{FF2B5EF4-FFF2-40B4-BE49-F238E27FC236}">
-                <a16:creationId xmlns:a16="http://schemas.microsoft.com/office/drawing/2014/main" id="{890821B2-8427-47E9-BEEA-61541913FA51}"/>
+                <a16:creationId xmlns:a16="http://schemas.microsoft.com/office/drawing/2014/main" xmlns="" id="{890821B2-8427-47E9-BEEA-61541913FA51}"/>
               </a:ext>
             </a:extLst>
           </p:cNvPr>
@@ -2778,7 +2778,7 @@
           <p:cNvPr id="2" name="Tytuł 1">
             <a:extLst>
               <a:ext uri="{FF2B5EF4-FFF2-40B4-BE49-F238E27FC236}">
-                <a16:creationId xmlns:a16="http://schemas.microsoft.com/office/drawing/2014/main" id="{4E5C8790-6D8F-42C2-8EF2-B0A995C13F9E}"/>
+                <a16:creationId xmlns:a16="http://schemas.microsoft.com/office/drawing/2014/main" xmlns="" id="{4E5C8790-6D8F-42C2-8EF2-B0A995C13F9E}"/>
               </a:ext>
             </a:extLst>
           </p:cNvPr>
@@ -2815,7 +2815,7 @@
           <p:cNvPr id="3" name="Symbol zastępczy tekstu 2">
             <a:extLst>
               <a:ext uri="{FF2B5EF4-FFF2-40B4-BE49-F238E27FC236}">
-                <a16:creationId xmlns:a16="http://schemas.microsoft.com/office/drawing/2014/main" id="{44772819-2E6E-42EA-A994-8D5A106DAF2C}"/>
+                <a16:creationId xmlns:a16="http://schemas.microsoft.com/office/drawing/2014/main" xmlns="" id="{44772819-2E6E-42EA-A994-8D5A106DAF2C}"/>
               </a:ext>
             </a:extLst>
           </p:cNvPr>
@@ -2940,7 +2940,7 @@
           <p:cNvPr id="4" name="Symbol zastępczy daty 3">
             <a:extLst>
               <a:ext uri="{FF2B5EF4-FFF2-40B4-BE49-F238E27FC236}">
-                <a16:creationId xmlns:a16="http://schemas.microsoft.com/office/drawing/2014/main" id="{41D2D888-EAC7-402E-B08C-84C9DA1EF284}"/>
+                <a16:creationId xmlns:a16="http://schemas.microsoft.com/office/drawing/2014/main" xmlns="" id="{41D2D888-EAC7-402E-B08C-84C9DA1EF284}"/>
               </a:ext>
             </a:extLst>
           </p:cNvPr>
@@ -2958,7 +2958,7 @@
           <a:p>
             <a:fld id="{C57C09B5-6BF9-4018-AF21-4D72641C658B}" type="datetimeFigureOut">
               <a:rPr lang="pl-PL" smtClean="0"/>
-              <a:t>21.01.2018</a:t>
+              <a:t>2018-01-23</a:t>
             </a:fld>
             <a:endParaRPr lang="pl-PL"/>
           </a:p>
@@ -2969,7 +2969,7 @@
           <p:cNvPr id="5" name="Symbol zastępczy stopki 4">
             <a:extLst>
               <a:ext uri="{FF2B5EF4-FFF2-40B4-BE49-F238E27FC236}">
-                <a16:creationId xmlns:a16="http://schemas.microsoft.com/office/drawing/2014/main" id="{C8A4FCF2-8BED-4395-A9C1-B9295A9AFE68}"/>
+                <a16:creationId xmlns:a16="http://schemas.microsoft.com/office/drawing/2014/main" xmlns="" id="{C8A4FCF2-8BED-4395-A9C1-B9295A9AFE68}"/>
               </a:ext>
             </a:extLst>
           </p:cNvPr>
@@ -2994,7 +2994,7 @@
           <p:cNvPr id="6" name="Symbol zastępczy numeru slajdu 5">
             <a:extLst>
               <a:ext uri="{FF2B5EF4-FFF2-40B4-BE49-F238E27FC236}">
-                <a16:creationId xmlns:a16="http://schemas.microsoft.com/office/drawing/2014/main" id="{54A5A31A-1CAF-49F0-920F-1A058CACFE95}"/>
+                <a16:creationId xmlns:a16="http://schemas.microsoft.com/office/drawing/2014/main" xmlns="" id="{54A5A31A-1CAF-49F0-920F-1A058CACFE95}"/>
               </a:ext>
             </a:extLst>
           </p:cNvPr>
@@ -3053,7 +3053,7 @@
           <p:cNvPr id="2" name="Tytuł 1">
             <a:extLst>
               <a:ext uri="{FF2B5EF4-FFF2-40B4-BE49-F238E27FC236}">
-                <a16:creationId xmlns:a16="http://schemas.microsoft.com/office/drawing/2014/main" id="{FF6E38DC-47EA-45DF-932B-BA2CA8367AE0}"/>
+                <a16:creationId xmlns:a16="http://schemas.microsoft.com/office/drawing/2014/main" xmlns="" id="{FF6E38DC-47EA-45DF-932B-BA2CA8367AE0}"/>
               </a:ext>
             </a:extLst>
           </p:cNvPr>
@@ -3081,7 +3081,7 @@
           <p:cNvPr id="3" name="Symbol zastępczy zawartości 2">
             <a:extLst>
               <a:ext uri="{FF2B5EF4-FFF2-40B4-BE49-F238E27FC236}">
-                <a16:creationId xmlns:a16="http://schemas.microsoft.com/office/drawing/2014/main" id="{4D10020B-A7AA-4F58-959E-2322E74ABB15}"/>
+                <a16:creationId xmlns:a16="http://schemas.microsoft.com/office/drawing/2014/main" xmlns="" id="{4D10020B-A7AA-4F58-959E-2322E74ABB15}"/>
               </a:ext>
             </a:extLst>
           </p:cNvPr>
@@ -3143,7 +3143,7 @@
           <p:cNvPr id="4" name="Symbol zastępczy zawartości 3">
             <a:extLst>
               <a:ext uri="{FF2B5EF4-FFF2-40B4-BE49-F238E27FC236}">
-                <a16:creationId xmlns:a16="http://schemas.microsoft.com/office/drawing/2014/main" id="{D05CFFB0-426F-4A40-8DEF-E9E3397BD191}"/>
+                <a16:creationId xmlns:a16="http://schemas.microsoft.com/office/drawing/2014/main" xmlns="" id="{D05CFFB0-426F-4A40-8DEF-E9E3397BD191}"/>
               </a:ext>
             </a:extLst>
           </p:cNvPr>
@@ -3205,7 +3205,7 @@
           <p:cNvPr id="5" name="Symbol zastępczy daty 4">
             <a:extLst>
               <a:ext uri="{FF2B5EF4-FFF2-40B4-BE49-F238E27FC236}">
-                <a16:creationId xmlns:a16="http://schemas.microsoft.com/office/drawing/2014/main" id="{11FA5FDE-472A-4D62-8FDA-0D46F6634C90}"/>
+                <a16:creationId xmlns:a16="http://schemas.microsoft.com/office/drawing/2014/main" xmlns="" id="{11FA5FDE-472A-4D62-8FDA-0D46F6634C90}"/>
               </a:ext>
             </a:extLst>
           </p:cNvPr>
@@ -3223,7 +3223,7 @@
           <a:p>
             <a:fld id="{C57C09B5-6BF9-4018-AF21-4D72641C658B}" type="datetimeFigureOut">
               <a:rPr lang="pl-PL" smtClean="0"/>
-              <a:t>21.01.2018</a:t>
+              <a:t>2018-01-23</a:t>
             </a:fld>
             <a:endParaRPr lang="pl-PL"/>
           </a:p>
@@ -3234,7 +3234,7 @@
           <p:cNvPr id="6" name="Symbol zastępczy stopki 5">
             <a:extLst>
               <a:ext uri="{FF2B5EF4-FFF2-40B4-BE49-F238E27FC236}">
-                <a16:creationId xmlns:a16="http://schemas.microsoft.com/office/drawing/2014/main" id="{EA9A8FB3-F47A-424C-BB00-67BEC2C7CEE1}"/>
+                <a16:creationId xmlns:a16="http://schemas.microsoft.com/office/drawing/2014/main" xmlns="" id="{EA9A8FB3-F47A-424C-BB00-67BEC2C7CEE1}"/>
               </a:ext>
             </a:extLst>
           </p:cNvPr>
@@ -3259,7 +3259,7 @@
           <p:cNvPr id="7" name="Symbol zastępczy numeru slajdu 6">
             <a:extLst>
               <a:ext uri="{FF2B5EF4-FFF2-40B4-BE49-F238E27FC236}">
-                <a16:creationId xmlns:a16="http://schemas.microsoft.com/office/drawing/2014/main" id="{A8452A1B-E423-4EC3-9BCD-22B373575F3F}"/>
+                <a16:creationId xmlns:a16="http://schemas.microsoft.com/office/drawing/2014/main" xmlns="" id="{A8452A1B-E423-4EC3-9BCD-22B373575F3F}"/>
               </a:ext>
             </a:extLst>
           </p:cNvPr>
@@ -3318,7 +3318,7 @@
           <p:cNvPr id="2" name="Tytuł 1">
             <a:extLst>
               <a:ext uri="{FF2B5EF4-FFF2-40B4-BE49-F238E27FC236}">
-                <a16:creationId xmlns:a16="http://schemas.microsoft.com/office/drawing/2014/main" id="{D9D55F30-860E-44F5-ADA2-5ACD49C78522}"/>
+                <a16:creationId xmlns:a16="http://schemas.microsoft.com/office/drawing/2014/main" xmlns="" id="{D9D55F30-860E-44F5-ADA2-5ACD49C78522}"/>
               </a:ext>
             </a:extLst>
           </p:cNvPr>
@@ -3351,7 +3351,7 @@
           <p:cNvPr id="3" name="Symbol zastępczy tekstu 2">
             <a:extLst>
               <a:ext uri="{FF2B5EF4-FFF2-40B4-BE49-F238E27FC236}">
-                <a16:creationId xmlns:a16="http://schemas.microsoft.com/office/drawing/2014/main" id="{FF8CA372-D0CA-483F-8D2E-8D68AEAAAC7E}"/>
+                <a16:creationId xmlns:a16="http://schemas.microsoft.com/office/drawing/2014/main" xmlns="" id="{FF8CA372-D0CA-483F-8D2E-8D68AEAAAC7E}"/>
               </a:ext>
             </a:extLst>
           </p:cNvPr>
@@ -3422,7 +3422,7 @@
           <p:cNvPr id="4" name="Symbol zastępczy zawartości 3">
             <a:extLst>
               <a:ext uri="{FF2B5EF4-FFF2-40B4-BE49-F238E27FC236}">
-                <a16:creationId xmlns:a16="http://schemas.microsoft.com/office/drawing/2014/main" id="{70F90083-DD54-4126-A659-960340FB8147}"/>
+                <a16:creationId xmlns:a16="http://schemas.microsoft.com/office/drawing/2014/main" xmlns="" id="{70F90083-DD54-4126-A659-960340FB8147}"/>
               </a:ext>
             </a:extLst>
           </p:cNvPr>
@@ -3484,7 +3484,7 @@
           <p:cNvPr id="5" name="Symbol zastępczy tekstu 4">
             <a:extLst>
               <a:ext uri="{FF2B5EF4-FFF2-40B4-BE49-F238E27FC236}">
-                <a16:creationId xmlns:a16="http://schemas.microsoft.com/office/drawing/2014/main" id="{0304290E-F9BC-4C52-8615-7750E304621F}"/>
+                <a16:creationId xmlns:a16="http://schemas.microsoft.com/office/drawing/2014/main" xmlns="" id="{0304290E-F9BC-4C52-8615-7750E304621F}"/>
               </a:ext>
             </a:extLst>
           </p:cNvPr>
@@ -3555,7 +3555,7 @@
           <p:cNvPr id="6" name="Symbol zastępczy zawartości 5">
             <a:extLst>
               <a:ext uri="{FF2B5EF4-FFF2-40B4-BE49-F238E27FC236}">
-                <a16:creationId xmlns:a16="http://schemas.microsoft.com/office/drawing/2014/main" id="{6B10E023-10B4-4B16-A76F-37BF4CC92DFD}"/>
+                <a16:creationId xmlns:a16="http://schemas.microsoft.com/office/drawing/2014/main" xmlns="" id="{6B10E023-10B4-4B16-A76F-37BF4CC92DFD}"/>
               </a:ext>
             </a:extLst>
           </p:cNvPr>
@@ -3617,7 +3617,7 @@
           <p:cNvPr id="7" name="Symbol zastępczy daty 6">
             <a:extLst>
               <a:ext uri="{FF2B5EF4-FFF2-40B4-BE49-F238E27FC236}">
-                <a16:creationId xmlns:a16="http://schemas.microsoft.com/office/drawing/2014/main" id="{EC6DBB80-B071-4573-A34F-FB9DA1B3131B}"/>
+                <a16:creationId xmlns:a16="http://schemas.microsoft.com/office/drawing/2014/main" xmlns="" id="{EC6DBB80-B071-4573-A34F-FB9DA1B3131B}"/>
               </a:ext>
             </a:extLst>
           </p:cNvPr>
@@ -3635,7 +3635,7 @@
           <a:p>
             <a:fld id="{C57C09B5-6BF9-4018-AF21-4D72641C658B}" type="datetimeFigureOut">
               <a:rPr lang="pl-PL" smtClean="0"/>
-              <a:t>21.01.2018</a:t>
+              <a:t>2018-01-23</a:t>
             </a:fld>
             <a:endParaRPr lang="pl-PL"/>
           </a:p>
@@ -3646,7 +3646,7 @@
           <p:cNvPr id="8" name="Symbol zastępczy stopki 7">
             <a:extLst>
               <a:ext uri="{FF2B5EF4-FFF2-40B4-BE49-F238E27FC236}">
-                <a16:creationId xmlns:a16="http://schemas.microsoft.com/office/drawing/2014/main" id="{376F7624-54EA-4050-AFD5-2E69DE4C4257}"/>
+                <a16:creationId xmlns:a16="http://schemas.microsoft.com/office/drawing/2014/main" xmlns="" id="{376F7624-54EA-4050-AFD5-2E69DE4C4257}"/>
               </a:ext>
             </a:extLst>
           </p:cNvPr>
@@ -3671,7 +3671,7 @@
           <p:cNvPr id="9" name="Symbol zastępczy numeru slajdu 8">
             <a:extLst>
               <a:ext uri="{FF2B5EF4-FFF2-40B4-BE49-F238E27FC236}">
-                <a16:creationId xmlns:a16="http://schemas.microsoft.com/office/drawing/2014/main" id="{D295B66A-1F91-45F3-A39A-71A74D2AE61B}"/>
+                <a16:creationId xmlns:a16="http://schemas.microsoft.com/office/drawing/2014/main" xmlns="" id="{D295B66A-1F91-45F3-A39A-71A74D2AE61B}"/>
               </a:ext>
             </a:extLst>
           </p:cNvPr>
@@ -3730,7 +3730,7 @@
           <p:cNvPr id="2" name="Tytuł 1">
             <a:extLst>
               <a:ext uri="{FF2B5EF4-FFF2-40B4-BE49-F238E27FC236}">
-                <a16:creationId xmlns:a16="http://schemas.microsoft.com/office/drawing/2014/main" id="{CA882F9B-4013-478D-A5AD-993175E832B5}"/>
+                <a16:creationId xmlns:a16="http://schemas.microsoft.com/office/drawing/2014/main" xmlns="" id="{CA882F9B-4013-478D-A5AD-993175E832B5}"/>
               </a:ext>
             </a:extLst>
           </p:cNvPr>
@@ -3758,7 +3758,7 @@
           <p:cNvPr id="3" name="Symbol zastępczy daty 2">
             <a:extLst>
               <a:ext uri="{FF2B5EF4-FFF2-40B4-BE49-F238E27FC236}">
-                <a16:creationId xmlns:a16="http://schemas.microsoft.com/office/drawing/2014/main" id="{662FC33B-BF7E-40CE-9529-989C14325D5C}"/>
+                <a16:creationId xmlns:a16="http://schemas.microsoft.com/office/drawing/2014/main" xmlns="" id="{662FC33B-BF7E-40CE-9529-989C14325D5C}"/>
               </a:ext>
             </a:extLst>
           </p:cNvPr>
@@ -3776,7 +3776,7 @@
           <a:p>
             <a:fld id="{C57C09B5-6BF9-4018-AF21-4D72641C658B}" type="datetimeFigureOut">
               <a:rPr lang="pl-PL" smtClean="0"/>
-              <a:t>21.01.2018</a:t>
+              <a:t>2018-01-23</a:t>
             </a:fld>
             <a:endParaRPr lang="pl-PL"/>
           </a:p>
@@ -3787,7 +3787,7 @@
           <p:cNvPr id="4" name="Symbol zastępczy stopki 3">
             <a:extLst>
               <a:ext uri="{FF2B5EF4-FFF2-40B4-BE49-F238E27FC236}">
-                <a16:creationId xmlns:a16="http://schemas.microsoft.com/office/drawing/2014/main" id="{31B7449A-AD11-40D3-BC02-6271005773C4}"/>
+                <a16:creationId xmlns:a16="http://schemas.microsoft.com/office/drawing/2014/main" xmlns="" id="{31B7449A-AD11-40D3-BC02-6271005773C4}"/>
               </a:ext>
             </a:extLst>
           </p:cNvPr>
@@ -3812,7 +3812,7 @@
           <p:cNvPr id="5" name="Symbol zastępczy numeru slajdu 4">
             <a:extLst>
               <a:ext uri="{FF2B5EF4-FFF2-40B4-BE49-F238E27FC236}">
-                <a16:creationId xmlns:a16="http://schemas.microsoft.com/office/drawing/2014/main" id="{497D3217-03F4-4477-86F5-8B5FD66E8887}"/>
+                <a16:creationId xmlns:a16="http://schemas.microsoft.com/office/drawing/2014/main" xmlns="" id="{497D3217-03F4-4477-86F5-8B5FD66E8887}"/>
               </a:ext>
             </a:extLst>
           </p:cNvPr>
@@ -3871,7 +3871,7 @@
           <p:cNvPr id="2" name="Symbol zastępczy daty 1">
             <a:extLst>
               <a:ext uri="{FF2B5EF4-FFF2-40B4-BE49-F238E27FC236}">
-                <a16:creationId xmlns:a16="http://schemas.microsoft.com/office/drawing/2014/main" id="{55B86F02-59C0-4B0F-BE01-D6FD2B50504F}"/>
+                <a16:creationId xmlns:a16="http://schemas.microsoft.com/office/drawing/2014/main" xmlns="" id="{55B86F02-59C0-4B0F-BE01-D6FD2B50504F}"/>
               </a:ext>
             </a:extLst>
           </p:cNvPr>
@@ -3889,7 +3889,7 @@
           <a:p>
             <a:fld id="{C57C09B5-6BF9-4018-AF21-4D72641C658B}" type="datetimeFigureOut">
               <a:rPr lang="pl-PL" smtClean="0"/>
-              <a:t>21.01.2018</a:t>
+              <a:t>2018-01-23</a:t>
             </a:fld>
             <a:endParaRPr lang="pl-PL"/>
           </a:p>
@@ -3900,7 +3900,7 @@
           <p:cNvPr id="3" name="Symbol zastępczy stopki 2">
             <a:extLst>
               <a:ext uri="{FF2B5EF4-FFF2-40B4-BE49-F238E27FC236}">
-                <a16:creationId xmlns:a16="http://schemas.microsoft.com/office/drawing/2014/main" id="{2695278C-94EA-4BE9-83D8-018FFFE8705C}"/>
+                <a16:creationId xmlns:a16="http://schemas.microsoft.com/office/drawing/2014/main" xmlns="" id="{2695278C-94EA-4BE9-83D8-018FFFE8705C}"/>
               </a:ext>
             </a:extLst>
           </p:cNvPr>
@@ -3925,7 +3925,7 @@
           <p:cNvPr id="4" name="Symbol zastępczy numeru slajdu 3">
             <a:extLst>
               <a:ext uri="{FF2B5EF4-FFF2-40B4-BE49-F238E27FC236}">
-                <a16:creationId xmlns:a16="http://schemas.microsoft.com/office/drawing/2014/main" id="{BBF785F1-B0B8-400F-A874-164CD40E3110}"/>
+                <a16:creationId xmlns:a16="http://schemas.microsoft.com/office/drawing/2014/main" xmlns="" id="{BBF785F1-B0B8-400F-A874-164CD40E3110}"/>
               </a:ext>
             </a:extLst>
           </p:cNvPr>
@@ -3984,7 +3984,7 @@
           <p:cNvPr id="2" name="Tytuł 1">
             <a:extLst>
               <a:ext uri="{FF2B5EF4-FFF2-40B4-BE49-F238E27FC236}">
-                <a16:creationId xmlns:a16="http://schemas.microsoft.com/office/drawing/2014/main" id="{6157E0E3-4F23-49A1-94FE-E33065BB3DDF}"/>
+                <a16:creationId xmlns:a16="http://schemas.microsoft.com/office/drawing/2014/main" xmlns="" id="{6157E0E3-4F23-49A1-94FE-E33065BB3DDF}"/>
               </a:ext>
             </a:extLst>
           </p:cNvPr>
@@ -4021,7 +4021,7 @@
           <p:cNvPr id="3" name="Symbol zastępczy zawartości 2">
             <a:extLst>
               <a:ext uri="{FF2B5EF4-FFF2-40B4-BE49-F238E27FC236}">
-                <a16:creationId xmlns:a16="http://schemas.microsoft.com/office/drawing/2014/main" id="{5C96D624-0470-4E71-AAEE-CBF452B8A13E}"/>
+                <a16:creationId xmlns:a16="http://schemas.microsoft.com/office/drawing/2014/main" xmlns="" id="{5C96D624-0470-4E71-AAEE-CBF452B8A13E}"/>
               </a:ext>
             </a:extLst>
           </p:cNvPr>
@@ -4111,7 +4111,7 @@
           <p:cNvPr id="4" name="Symbol zastępczy tekstu 3">
             <a:extLst>
               <a:ext uri="{FF2B5EF4-FFF2-40B4-BE49-F238E27FC236}">
-                <a16:creationId xmlns:a16="http://schemas.microsoft.com/office/drawing/2014/main" id="{9550601A-6B33-45AB-92E5-10BF569ABF5B}"/>
+                <a16:creationId xmlns:a16="http://schemas.microsoft.com/office/drawing/2014/main" xmlns="" id="{9550601A-6B33-45AB-92E5-10BF569ABF5B}"/>
               </a:ext>
             </a:extLst>
           </p:cNvPr>
@@ -4182,7 +4182,7 @@
           <p:cNvPr id="5" name="Symbol zastępczy daty 4">
             <a:extLst>
               <a:ext uri="{FF2B5EF4-FFF2-40B4-BE49-F238E27FC236}">
-                <a16:creationId xmlns:a16="http://schemas.microsoft.com/office/drawing/2014/main" id="{B6171D79-0605-4F4D-8F2A-C42872A56A70}"/>
+                <a16:creationId xmlns:a16="http://schemas.microsoft.com/office/drawing/2014/main" xmlns="" id="{B6171D79-0605-4F4D-8F2A-C42872A56A70}"/>
               </a:ext>
             </a:extLst>
           </p:cNvPr>
@@ -4200,7 +4200,7 @@
           <a:p>
             <a:fld id="{C57C09B5-6BF9-4018-AF21-4D72641C658B}" type="datetimeFigureOut">
               <a:rPr lang="pl-PL" smtClean="0"/>
-              <a:t>21.01.2018</a:t>
+              <a:t>2018-01-23</a:t>
             </a:fld>
             <a:endParaRPr lang="pl-PL"/>
           </a:p>
@@ -4211,7 +4211,7 @@
           <p:cNvPr id="6" name="Symbol zastępczy stopki 5">
             <a:extLst>
               <a:ext uri="{FF2B5EF4-FFF2-40B4-BE49-F238E27FC236}">
-                <a16:creationId xmlns:a16="http://schemas.microsoft.com/office/drawing/2014/main" id="{25F0E706-D6CE-4E45-9AE9-79B44DEA34F7}"/>
+                <a16:creationId xmlns:a16="http://schemas.microsoft.com/office/drawing/2014/main" xmlns="" id="{25F0E706-D6CE-4E45-9AE9-79B44DEA34F7}"/>
               </a:ext>
             </a:extLst>
           </p:cNvPr>
@@ -4236,7 +4236,7 @@
           <p:cNvPr id="7" name="Symbol zastępczy numeru slajdu 6">
             <a:extLst>
               <a:ext uri="{FF2B5EF4-FFF2-40B4-BE49-F238E27FC236}">
-                <a16:creationId xmlns:a16="http://schemas.microsoft.com/office/drawing/2014/main" id="{82036A8C-A6C3-4473-BA46-3D8C2B82160D}"/>
+                <a16:creationId xmlns:a16="http://schemas.microsoft.com/office/drawing/2014/main" xmlns="" id="{82036A8C-A6C3-4473-BA46-3D8C2B82160D}"/>
               </a:ext>
             </a:extLst>
           </p:cNvPr>
@@ -4295,7 +4295,7 @@
           <p:cNvPr id="2" name="Tytuł 1">
             <a:extLst>
               <a:ext uri="{FF2B5EF4-FFF2-40B4-BE49-F238E27FC236}">
-                <a16:creationId xmlns:a16="http://schemas.microsoft.com/office/drawing/2014/main" id="{4C57E339-4B80-4FD2-BF02-B5B2A8C823DB}"/>
+                <a16:creationId xmlns:a16="http://schemas.microsoft.com/office/drawing/2014/main" xmlns="" id="{4C57E339-4B80-4FD2-BF02-B5B2A8C823DB}"/>
               </a:ext>
             </a:extLst>
           </p:cNvPr>
@@ -4332,7 +4332,7 @@
           <p:cNvPr id="3" name="Symbol zastępczy obrazu 2">
             <a:extLst>
               <a:ext uri="{FF2B5EF4-FFF2-40B4-BE49-F238E27FC236}">
-                <a16:creationId xmlns:a16="http://schemas.microsoft.com/office/drawing/2014/main" id="{57FEEF24-DAD5-43C4-8891-75059FF31BAC}"/>
+                <a16:creationId xmlns:a16="http://schemas.microsoft.com/office/drawing/2014/main" xmlns="" id="{57FEEF24-DAD5-43C4-8891-75059FF31BAC}"/>
               </a:ext>
             </a:extLst>
           </p:cNvPr>
@@ -4399,7 +4399,7 @@
           <p:cNvPr id="4" name="Symbol zastępczy tekstu 3">
             <a:extLst>
               <a:ext uri="{FF2B5EF4-FFF2-40B4-BE49-F238E27FC236}">
-                <a16:creationId xmlns:a16="http://schemas.microsoft.com/office/drawing/2014/main" id="{AE9A9BD5-F9C4-49D2-9B0C-59D201954A49}"/>
+                <a16:creationId xmlns:a16="http://schemas.microsoft.com/office/drawing/2014/main" xmlns="" id="{AE9A9BD5-F9C4-49D2-9B0C-59D201954A49}"/>
               </a:ext>
             </a:extLst>
           </p:cNvPr>
@@ -4470,7 +4470,7 @@
           <p:cNvPr id="5" name="Symbol zastępczy daty 4">
             <a:extLst>
               <a:ext uri="{FF2B5EF4-FFF2-40B4-BE49-F238E27FC236}">
-                <a16:creationId xmlns:a16="http://schemas.microsoft.com/office/drawing/2014/main" id="{32D3F702-EFD4-4D31-BBB7-423A189076BF}"/>
+                <a16:creationId xmlns:a16="http://schemas.microsoft.com/office/drawing/2014/main" xmlns="" id="{32D3F702-EFD4-4D31-BBB7-423A189076BF}"/>
               </a:ext>
             </a:extLst>
           </p:cNvPr>
@@ -4488,7 +4488,7 @@
           <a:p>
             <a:fld id="{C57C09B5-6BF9-4018-AF21-4D72641C658B}" type="datetimeFigureOut">
               <a:rPr lang="pl-PL" smtClean="0"/>
-              <a:t>21.01.2018</a:t>
+              <a:t>2018-01-23</a:t>
             </a:fld>
             <a:endParaRPr lang="pl-PL"/>
           </a:p>
@@ -4499,7 +4499,7 @@
           <p:cNvPr id="6" name="Symbol zastępczy stopki 5">
             <a:extLst>
               <a:ext uri="{FF2B5EF4-FFF2-40B4-BE49-F238E27FC236}">
-                <a16:creationId xmlns:a16="http://schemas.microsoft.com/office/drawing/2014/main" id="{387394CD-FCDB-412F-AD39-3DA2BB16C024}"/>
+                <a16:creationId xmlns:a16="http://schemas.microsoft.com/office/drawing/2014/main" xmlns="" id="{387394CD-FCDB-412F-AD39-3DA2BB16C024}"/>
               </a:ext>
             </a:extLst>
           </p:cNvPr>
@@ -4524,7 +4524,7 @@
           <p:cNvPr id="7" name="Symbol zastępczy numeru slajdu 6">
             <a:extLst>
               <a:ext uri="{FF2B5EF4-FFF2-40B4-BE49-F238E27FC236}">
-                <a16:creationId xmlns:a16="http://schemas.microsoft.com/office/drawing/2014/main" id="{66FE8B06-3AAD-4046-BC54-BBE4E669988D}"/>
+                <a16:creationId xmlns:a16="http://schemas.microsoft.com/office/drawing/2014/main" xmlns="" id="{66FE8B06-3AAD-4046-BC54-BBE4E669988D}"/>
               </a:ext>
             </a:extLst>
           </p:cNvPr>
@@ -4588,7 +4588,7 @@
           <p:cNvPr id="2" name="Symbol zastępczy tytułu 1">
             <a:extLst>
               <a:ext uri="{FF2B5EF4-FFF2-40B4-BE49-F238E27FC236}">
-                <a16:creationId xmlns:a16="http://schemas.microsoft.com/office/drawing/2014/main" id="{C2E45EE6-AD69-4786-8044-54B82F75179A}"/>
+                <a16:creationId xmlns:a16="http://schemas.microsoft.com/office/drawing/2014/main" xmlns="" id="{C2E45EE6-AD69-4786-8044-54B82F75179A}"/>
               </a:ext>
             </a:extLst>
           </p:cNvPr>
@@ -4626,7 +4626,7 @@
           <p:cNvPr id="3" name="Symbol zastępczy tekstu 2">
             <a:extLst>
               <a:ext uri="{FF2B5EF4-FFF2-40B4-BE49-F238E27FC236}">
-                <a16:creationId xmlns:a16="http://schemas.microsoft.com/office/drawing/2014/main" id="{91FA3754-7929-4BC4-93DA-E9DC67420934}"/>
+                <a16:creationId xmlns:a16="http://schemas.microsoft.com/office/drawing/2014/main" xmlns="" id="{91FA3754-7929-4BC4-93DA-E9DC67420934}"/>
               </a:ext>
             </a:extLst>
           </p:cNvPr>
@@ -4693,7 +4693,7 @@
           <p:cNvPr id="4" name="Symbol zastępczy daty 3">
             <a:extLst>
               <a:ext uri="{FF2B5EF4-FFF2-40B4-BE49-F238E27FC236}">
-                <a16:creationId xmlns:a16="http://schemas.microsoft.com/office/drawing/2014/main" id="{5EA8DA1F-98C8-44FF-A155-6BEDE6E71EAC}"/>
+                <a16:creationId xmlns:a16="http://schemas.microsoft.com/office/drawing/2014/main" xmlns="" id="{5EA8DA1F-98C8-44FF-A155-6BEDE6E71EAC}"/>
               </a:ext>
             </a:extLst>
           </p:cNvPr>
@@ -4729,7 +4729,7 @@
           <a:p>
             <a:fld id="{C57C09B5-6BF9-4018-AF21-4D72641C658B}" type="datetimeFigureOut">
               <a:rPr lang="pl-PL" smtClean="0"/>
-              <a:t>21.01.2018</a:t>
+              <a:t>2018-01-23</a:t>
             </a:fld>
             <a:endParaRPr lang="pl-PL"/>
           </a:p>
@@ -4740,7 +4740,7 @@
           <p:cNvPr id="5" name="Symbol zastępczy stopki 4">
             <a:extLst>
               <a:ext uri="{FF2B5EF4-FFF2-40B4-BE49-F238E27FC236}">
-                <a16:creationId xmlns:a16="http://schemas.microsoft.com/office/drawing/2014/main" id="{CC97A1DA-3A69-44A5-BB9A-DF483110203B}"/>
+                <a16:creationId xmlns:a16="http://schemas.microsoft.com/office/drawing/2014/main" xmlns="" id="{CC97A1DA-3A69-44A5-BB9A-DF483110203B}"/>
               </a:ext>
             </a:extLst>
           </p:cNvPr>
@@ -4783,7 +4783,7 @@
           <p:cNvPr id="6" name="Symbol zastępczy numeru slajdu 5">
             <a:extLst>
               <a:ext uri="{FF2B5EF4-FFF2-40B4-BE49-F238E27FC236}">
-                <a16:creationId xmlns:a16="http://schemas.microsoft.com/office/drawing/2014/main" id="{B80CD0FB-F963-418F-809E-760463201976}"/>
+                <a16:creationId xmlns:a16="http://schemas.microsoft.com/office/drawing/2014/main" xmlns="" id="{B80CD0FB-F963-418F-809E-760463201976}"/>
               </a:ext>
             </a:extLst>
           </p:cNvPr>
@@ -5151,7 +5151,7 @@
           <p:cNvPr id="2" name="Tytuł 1">
             <a:extLst>
               <a:ext uri="{FF2B5EF4-FFF2-40B4-BE49-F238E27FC236}">
-                <a16:creationId xmlns:a16="http://schemas.microsoft.com/office/drawing/2014/main" id="{9B593245-636D-432B-AD53-D64F8D68D660}"/>
+                <a16:creationId xmlns:a16="http://schemas.microsoft.com/office/drawing/2014/main" xmlns="" id="{9B593245-636D-432B-AD53-D64F8D68D660}"/>
               </a:ext>
             </a:extLst>
           </p:cNvPr>
@@ -5181,6 +5181,10 @@
               <a:rPr lang="en-GB" b="1" dirty="0"/>
               <a:t>Training</a:t>
             </a:r>
+            <a:r>
+              <a:rPr lang="en-GB" dirty="0"/>
+              <a:t/>
+            </a:r>
             <a:br>
               <a:rPr lang="en-GB" dirty="0"/>
             </a:br>
@@ -5188,9 +5192,17 @@
               <a:rPr lang="en-GB" sz="5300" dirty="0"/>
               <a:t>JS is not perfect but works</a:t>
             </a:r>
+            <a:r>
+              <a:rPr lang="en-GB" dirty="0"/>
+              <a:t/>
+            </a:r>
             <a:br>
               <a:rPr lang="en-GB" dirty="0"/>
             </a:br>
+            <a:r>
+              <a:rPr lang="en-GB" dirty="0"/>
+              <a:t/>
+            </a:r>
             <a:br>
               <a:rPr lang="en-GB" dirty="0"/>
             </a:br>
@@ -5203,7 +5215,7 @@
           <p:cNvPr id="3" name="Podtytuł 2">
             <a:extLst>
               <a:ext uri="{FF2B5EF4-FFF2-40B4-BE49-F238E27FC236}">
-                <a16:creationId xmlns:a16="http://schemas.microsoft.com/office/drawing/2014/main" id="{9F2F29CD-9B58-4E32-9D72-7D6236B8F1FF}"/>
+                <a16:creationId xmlns:a16="http://schemas.microsoft.com/office/drawing/2014/main" xmlns="" id="{9F2F29CD-9B58-4E32-9D72-7D6236B8F1FF}"/>
               </a:ext>
             </a:extLst>
           </p:cNvPr>
@@ -5248,7 +5260,7 @@
           <p:cNvPr id="5" name="Obraz 4">
             <a:extLst>
               <a:ext uri="{FF2B5EF4-FFF2-40B4-BE49-F238E27FC236}">
-                <a16:creationId xmlns:a16="http://schemas.microsoft.com/office/drawing/2014/main" id="{7D4DC62E-81E4-4280-9B3D-41DEA426B61F}"/>
+                <a16:creationId xmlns:a16="http://schemas.microsoft.com/office/drawing/2014/main" xmlns="" id="{7D4DC62E-81E4-4280-9B3D-41DEA426B61F}"/>
               </a:ext>
             </a:extLst>
           </p:cNvPr>
@@ -5278,7 +5290,7 @@
           <p:cNvPr id="4" name="pole tekstowe 3">
             <a:extLst>
               <a:ext uri="{FF2B5EF4-FFF2-40B4-BE49-F238E27FC236}">
-                <a16:creationId xmlns:a16="http://schemas.microsoft.com/office/drawing/2014/main" id="{A2D8FE86-D8B2-41C5-8D4A-1ADED7F43B5A}"/>
+                <a16:creationId xmlns:a16="http://schemas.microsoft.com/office/drawing/2014/main" xmlns="" id="{A2D8FE86-D8B2-41C5-8D4A-1ADED7F43B5A}"/>
               </a:ext>
             </a:extLst>
           </p:cNvPr>
@@ -5372,7 +5384,7 @@
           <p:cNvPr id="2" name="Tytuł 1">
             <a:extLst>
               <a:ext uri="{FF2B5EF4-FFF2-40B4-BE49-F238E27FC236}">
-                <a16:creationId xmlns:a16="http://schemas.microsoft.com/office/drawing/2014/main" id="{BCEF0200-5C49-46AC-A3D9-B1AB79DA756B}"/>
+                <a16:creationId xmlns:a16="http://schemas.microsoft.com/office/drawing/2014/main" xmlns="" id="{BCEF0200-5C49-46AC-A3D9-B1AB79DA756B}"/>
               </a:ext>
             </a:extLst>
           </p:cNvPr>
@@ -5409,7 +5421,7 @@
           <p:cNvPr id="3" name="Symbol zastępczy zawartości 2">
             <a:extLst>
               <a:ext uri="{FF2B5EF4-FFF2-40B4-BE49-F238E27FC236}">
-                <a16:creationId xmlns:a16="http://schemas.microsoft.com/office/drawing/2014/main" id="{C80260BC-0C60-4EDD-9947-0CEE87CE7000}"/>
+                <a16:creationId xmlns:a16="http://schemas.microsoft.com/office/drawing/2014/main" xmlns="" id="{C80260BC-0C60-4EDD-9947-0CEE87CE7000}"/>
               </a:ext>
             </a:extLst>
           </p:cNvPr>
@@ -5533,7 +5545,7 @@
           <p:cNvPr id="2" name="Tytuł 1">
             <a:extLst>
               <a:ext uri="{FF2B5EF4-FFF2-40B4-BE49-F238E27FC236}">
-                <a16:creationId xmlns:a16="http://schemas.microsoft.com/office/drawing/2014/main" id="{C36F846F-F808-477F-B768-B830B9573D92}"/>
+                <a16:creationId xmlns:a16="http://schemas.microsoft.com/office/drawing/2014/main" xmlns="" id="{C36F846F-F808-477F-B768-B830B9573D92}"/>
               </a:ext>
             </a:extLst>
           </p:cNvPr>
@@ -5567,7 +5579,7 @@
           <p:cNvPr id="5" name="Symbol zastępczy zawartości 2">
             <a:extLst>
               <a:ext uri="{FF2B5EF4-FFF2-40B4-BE49-F238E27FC236}">
-                <a16:creationId xmlns:a16="http://schemas.microsoft.com/office/drawing/2014/main" id="{378CBC48-8BC1-423C-9137-C2D451BB6D57}"/>
+                <a16:creationId xmlns:a16="http://schemas.microsoft.com/office/drawing/2014/main" xmlns="" id="{378CBC48-8BC1-423C-9137-C2D451BB6D57}"/>
               </a:ext>
             </a:extLst>
           </p:cNvPr>
@@ -6129,7 +6141,7 @@
           <p:cNvPr id="2" name="Tytuł 1">
             <a:extLst>
               <a:ext uri="{FF2B5EF4-FFF2-40B4-BE49-F238E27FC236}">
-                <a16:creationId xmlns:a16="http://schemas.microsoft.com/office/drawing/2014/main" id="{3CE288DE-249C-4AB5-890C-2ACC32A74EC6}"/>
+                <a16:creationId xmlns:a16="http://schemas.microsoft.com/office/drawing/2014/main" xmlns="" id="{3CE288DE-249C-4AB5-890C-2ACC32A74EC6}"/>
               </a:ext>
             </a:extLst>
           </p:cNvPr>
@@ -6158,7 +6170,7 @@
           <p:cNvPr id="9" name="Symbol zastępczy zawartości 8">
             <a:extLst>
               <a:ext uri="{FF2B5EF4-FFF2-40B4-BE49-F238E27FC236}">
-                <a16:creationId xmlns:a16="http://schemas.microsoft.com/office/drawing/2014/main" id="{F8240627-4E3A-4B7D-8A46-96940A5A3B61}"/>
+                <a16:creationId xmlns:a16="http://schemas.microsoft.com/office/drawing/2014/main" xmlns="" id="{F8240627-4E3A-4B7D-8A46-96940A5A3B61}"/>
               </a:ext>
             </a:extLst>
           </p:cNvPr>
@@ -6223,7 +6235,7 @@
           <p:cNvPr id="2" name="Tytuł 1">
             <a:extLst>
               <a:ext uri="{FF2B5EF4-FFF2-40B4-BE49-F238E27FC236}">
-                <a16:creationId xmlns:a16="http://schemas.microsoft.com/office/drawing/2014/main" id="{88E4FC62-AE9F-4639-925E-E02FB36C1DE4}"/>
+                <a16:creationId xmlns:a16="http://schemas.microsoft.com/office/drawing/2014/main" xmlns="" id="{88E4FC62-AE9F-4639-925E-E02FB36C1DE4}"/>
               </a:ext>
             </a:extLst>
           </p:cNvPr>
@@ -6252,7 +6264,7 @@
           <p:cNvPr id="3" name="Symbol zastępczy zawartości 2">
             <a:extLst>
               <a:ext uri="{FF2B5EF4-FFF2-40B4-BE49-F238E27FC236}">
-                <a16:creationId xmlns:a16="http://schemas.microsoft.com/office/drawing/2014/main" id="{5E03A168-22CE-4B3C-BC83-8F9EBEF1C4BE}"/>
+                <a16:creationId xmlns:a16="http://schemas.microsoft.com/office/drawing/2014/main" xmlns="" id="{5E03A168-22CE-4B3C-BC83-8F9EBEF1C4BE}"/>
               </a:ext>
             </a:extLst>
           </p:cNvPr>
@@ -6379,7 +6391,7 @@
           <p:cNvPr id="2" name="Tytuł 1">
             <a:extLst>
               <a:ext uri="{FF2B5EF4-FFF2-40B4-BE49-F238E27FC236}">
-                <a16:creationId xmlns:a16="http://schemas.microsoft.com/office/drawing/2014/main" id="{DCF8A634-D10B-4AEE-979E-F02F59CC3624}"/>
+                <a16:creationId xmlns:a16="http://schemas.microsoft.com/office/drawing/2014/main" xmlns="" id="{DCF8A634-D10B-4AEE-979E-F02F59CC3624}"/>
               </a:ext>
             </a:extLst>
           </p:cNvPr>
@@ -6408,7 +6420,7 @@
           <p:cNvPr id="4098" name="Picture 2" descr="Image result for class diagram">
             <a:extLst>
               <a:ext uri="{FF2B5EF4-FFF2-40B4-BE49-F238E27FC236}">
-                <a16:creationId xmlns:a16="http://schemas.microsoft.com/office/drawing/2014/main" id="{2D4368A4-1C04-4963-A04E-B4BBF421717C}"/>
+                <a16:creationId xmlns:a16="http://schemas.microsoft.com/office/drawing/2014/main" xmlns="" id="{2D4368A4-1C04-4963-A04E-B4BBF421717C}"/>
               </a:ext>
             </a:extLst>
           </p:cNvPr>
@@ -6485,7 +6497,7 @@
           <p:cNvPr id="2" name="Tytuł 1">
             <a:extLst>
               <a:ext uri="{FF2B5EF4-FFF2-40B4-BE49-F238E27FC236}">
-                <a16:creationId xmlns:a16="http://schemas.microsoft.com/office/drawing/2014/main" id="{0729E6BE-B243-4F45-A1B5-D3972A7C19C6}"/>
+                <a16:creationId xmlns:a16="http://schemas.microsoft.com/office/drawing/2014/main" xmlns="" id="{0729E6BE-B243-4F45-A1B5-D3972A7C19C6}"/>
               </a:ext>
             </a:extLst>
           </p:cNvPr>
@@ -6514,7 +6526,7 @@
           <p:cNvPr id="3" name="Symbol zastępczy zawartości 2">
             <a:extLst>
               <a:ext uri="{FF2B5EF4-FFF2-40B4-BE49-F238E27FC236}">
-                <a16:creationId xmlns:a16="http://schemas.microsoft.com/office/drawing/2014/main" id="{959E9E0F-F50D-406E-A0C1-3AEE33795D86}"/>
+                <a16:creationId xmlns:a16="http://schemas.microsoft.com/office/drawing/2014/main" xmlns="" id="{959E9E0F-F50D-406E-A0C1-3AEE33795D86}"/>
               </a:ext>
             </a:extLst>
           </p:cNvPr>
@@ -6692,6 +6704,15 @@
             <a:pPr marL="0" indent="0">
               <a:buNone/>
             </a:pPr>
+            <a:r>
+              <a:rPr lang="pl-PL" dirty="0">
+                <a:solidFill>
+                  <a:srgbClr val="000000"/>
+                </a:solidFill>
+                <a:latin typeface="Consolas" panose="020B0609020204030204" pitchFamily="49" charset="0"/>
+              </a:rPr>
+              <a:t/>
+            </a:r>
             <a:br>
               <a:rPr lang="pl-PL" dirty="0">
                 <a:solidFill>
@@ -6700,6 +6721,15 @@
                 <a:latin typeface="Consolas" panose="020B0609020204030204" pitchFamily="49" charset="0"/>
               </a:rPr>
             </a:br>
+            <a:r>
+              <a:rPr lang="pl-PL" dirty="0">
+                <a:solidFill>
+                  <a:srgbClr val="000000"/>
+                </a:solidFill>
+                <a:latin typeface="Consolas" panose="020B0609020204030204" pitchFamily="49" charset="0"/>
+              </a:rPr>
+              <a:t/>
+            </a:r>
             <a:br>
               <a:rPr lang="pl-PL" dirty="0">
                 <a:solidFill>
@@ -6942,7 +6972,7 @@
           <p:cNvPr id="2" name="Tytuł 1">
             <a:extLst>
               <a:ext uri="{FF2B5EF4-FFF2-40B4-BE49-F238E27FC236}">
-                <a16:creationId xmlns:a16="http://schemas.microsoft.com/office/drawing/2014/main" id="{D1347094-CBC9-4F40-8CB6-20CB7DA39CA0}"/>
+                <a16:creationId xmlns:a16="http://schemas.microsoft.com/office/drawing/2014/main" xmlns="" id="{D1347094-CBC9-4F40-8CB6-20CB7DA39CA0}"/>
               </a:ext>
             </a:extLst>
           </p:cNvPr>
@@ -6979,7 +7009,7 @@
           <p:cNvPr id="3" name="Symbol zastępczy zawartości 2">
             <a:extLst>
               <a:ext uri="{FF2B5EF4-FFF2-40B4-BE49-F238E27FC236}">
-                <a16:creationId xmlns:a16="http://schemas.microsoft.com/office/drawing/2014/main" id="{CAA37FCC-879B-4A9A-AB96-75101156913F}"/>
+                <a16:creationId xmlns:a16="http://schemas.microsoft.com/office/drawing/2014/main" xmlns="" id="{CAA37FCC-879B-4A9A-AB96-75101156913F}"/>
               </a:ext>
             </a:extLst>
           </p:cNvPr>
@@ -7150,6 +7180,15 @@
             <a:pPr marL="0" indent="0">
               <a:buNone/>
             </a:pPr>
+            <a:r>
+              <a:rPr lang="pl-PL" noProof="1">
+                <a:solidFill>
+                  <a:srgbClr val="000000"/>
+                </a:solidFill>
+                <a:latin typeface="Consolas" panose="020B0609020204030204" pitchFamily="49" charset="0"/>
+              </a:rPr>
+              <a:t/>
+            </a:r>
             <a:br>
               <a:rPr lang="pl-PL" noProof="1">
                 <a:solidFill>
@@ -7348,6 +7387,15 @@
             <a:pPr marL="0" indent="0">
               <a:buNone/>
             </a:pPr>
+            <a:r>
+              <a:rPr lang="pl-PL" noProof="1">
+                <a:solidFill>
+                  <a:srgbClr val="000000"/>
+                </a:solidFill>
+                <a:latin typeface="Consolas" panose="020B0609020204030204" pitchFamily="49" charset="0"/>
+              </a:rPr>
+              <a:t/>
+            </a:r>
             <a:br>
               <a:rPr lang="pl-PL" noProof="1">
                 <a:solidFill>
@@ -7670,7 +7718,7 @@
           <p:cNvPr id="2" name="Tytuł 1">
             <a:extLst>
               <a:ext uri="{FF2B5EF4-FFF2-40B4-BE49-F238E27FC236}">
-                <a16:creationId xmlns:a16="http://schemas.microsoft.com/office/drawing/2014/main" id="{657F7715-21C7-4B85-82AB-ECEC3E360DEA}"/>
+                <a16:creationId xmlns:a16="http://schemas.microsoft.com/office/drawing/2014/main" xmlns="" id="{657F7715-21C7-4B85-82AB-ECEC3E360DEA}"/>
               </a:ext>
             </a:extLst>
           </p:cNvPr>
@@ -7700,7 +7748,7 @@
           <p:cNvPr id="3" name="Symbol zastępczy zawartości 2">
             <a:extLst>
               <a:ext uri="{FF2B5EF4-FFF2-40B4-BE49-F238E27FC236}">
-                <a16:creationId xmlns:a16="http://schemas.microsoft.com/office/drawing/2014/main" id="{4F7A8C1D-A8F7-448C-BB42-D203912AF30E}"/>
+                <a16:creationId xmlns:a16="http://schemas.microsoft.com/office/drawing/2014/main" xmlns="" id="{4F7A8C1D-A8F7-448C-BB42-D203912AF30E}"/>
               </a:ext>
             </a:extLst>
           </p:cNvPr>
@@ -7725,7 +7773,7 @@
           <p:cNvPr id="4" name="Obraz 3">
             <a:extLst>
               <a:ext uri="{FF2B5EF4-FFF2-40B4-BE49-F238E27FC236}">
-                <a16:creationId xmlns:a16="http://schemas.microsoft.com/office/drawing/2014/main" id="{16166A64-60C2-4A4C-9418-1AD16F082C4C}"/>
+                <a16:creationId xmlns:a16="http://schemas.microsoft.com/office/drawing/2014/main" xmlns="" id="{16166A64-60C2-4A4C-9418-1AD16F082C4C}"/>
               </a:ext>
             </a:extLst>
           </p:cNvPr>
@@ -7785,7 +7833,7 @@
           <p:cNvPr id="2" name="Tytuł 1">
             <a:extLst>
               <a:ext uri="{FF2B5EF4-FFF2-40B4-BE49-F238E27FC236}">
-                <a16:creationId xmlns:a16="http://schemas.microsoft.com/office/drawing/2014/main" id="{596B87AF-86C3-45AB-B596-533D7067F41A}"/>
+                <a16:creationId xmlns:a16="http://schemas.microsoft.com/office/drawing/2014/main" xmlns="" id="{596B87AF-86C3-45AB-B596-533D7067F41A}"/>
               </a:ext>
             </a:extLst>
           </p:cNvPr>
@@ -7814,7 +7862,7 @@
           <p:cNvPr id="3" name="Symbol zastępczy zawartości 2">
             <a:extLst>
               <a:ext uri="{FF2B5EF4-FFF2-40B4-BE49-F238E27FC236}">
-                <a16:creationId xmlns:a16="http://schemas.microsoft.com/office/drawing/2014/main" id="{D80D47D1-8BB9-440A-A960-0BA6590D4E70}"/>
+                <a16:creationId xmlns:a16="http://schemas.microsoft.com/office/drawing/2014/main" xmlns="" id="{D80D47D1-8BB9-440A-A960-0BA6590D4E70}"/>
               </a:ext>
             </a:extLst>
           </p:cNvPr>
@@ -7968,7 +8016,7 @@
           <p:cNvPr id="2" name="Tytuł 1">
             <a:extLst>
               <a:ext uri="{FF2B5EF4-FFF2-40B4-BE49-F238E27FC236}">
-                <a16:creationId xmlns:a16="http://schemas.microsoft.com/office/drawing/2014/main" id="{107271B8-3F3F-40D3-B378-C18BAB7C63CF}"/>
+                <a16:creationId xmlns:a16="http://schemas.microsoft.com/office/drawing/2014/main" xmlns="" id="{107271B8-3F3F-40D3-B378-C18BAB7C63CF}"/>
               </a:ext>
             </a:extLst>
           </p:cNvPr>
@@ -7997,7 +8045,7 @@
           <p:cNvPr id="3" name="Symbol zastępczy zawartości 2">
             <a:extLst>
               <a:ext uri="{FF2B5EF4-FFF2-40B4-BE49-F238E27FC236}">
-                <a16:creationId xmlns:a16="http://schemas.microsoft.com/office/drawing/2014/main" id="{D7BC9333-0F67-4516-8D50-7E74C1FCA234}"/>
+                <a16:creationId xmlns:a16="http://schemas.microsoft.com/office/drawing/2014/main" xmlns="" id="{D7BC9333-0F67-4516-8D50-7E74C1FCA234}"/>
               </a:ext>
             </a:extLst>
           </p:cNvPr>
@@ -8408,7 +8456,7 @@
           <p:cNvPr id="2" name="Tytuł 1">
             <a:extLst>
               <a:ext uri="{FF2B5EF4-FFF2-40B4-BE49-F238E27FC236}">
-                <a16:creationId xmlns:a16="http://schemas.microsoft.com/office/drawing/2014/main" id="{4E292530-A4C7-47F6-8CBA-D4D74000215E}"/>
+                <a16:creationId xmlns:a16="http://schemas.microsoft.com/office/drawing/2014/main" xmlns="" id="{4E292530-A4C7-47F6-8CBA-D4D74000215E}"/>
               </a:ext>
             </a:extLst>
           </p:cNvPr>
@@ -8437,7 +8485,7 @@
           <p:cNvPr id="3" name="Symbol zastępczy zawartości 2">
             <a:extLst>
               <a:ext uri="{FF2B5EF4-FFF2-40B4-BE49-F238E27FC236}">
-                <a16:creationId xmlns:a16="http://schemas.microsoft.com/office/drawing/2014/main" id="{78CAB4E5-4947-4D88-BD73-30344DD35208}"/>
+                <a16:creationId xmlns:a16="http://schemas.microsoft.com/office/drawing/2014/main" xmlns="" id="{78CAB4E5-4947-4D88-BD73-30344DD35208}"/>
               </a:ext>
             </a:extLst>
           </p:cNvPr>
@@ -8523,7 +8571,7 @@
           <p:cNvPr id="5" name="Obraz 4">
             <a:extLst>
               <a:ext uri="{FF2B5EF4-FFF2-40B4-BE49-F238E27FC236}">
-                <a16:creationId xmlns:a16="http://schemas.microsoft.com/office/drawing/2014/main" id="{0F95A2E4-2AF9-4825-A8B6-CE3850EF538F}"/>
+                <a16:creationId xmlns:a16="http://schemas.microsoft.com/office/drawing/2014/main" xmlns="" id="{0F95A2E4-2AF9-4825-A8B6-CE3850EF538F}"/>
               </a:ext>
             </a:extLst>
           </p:cNvPr>
@@ -8533,7 +8581,7 @@
           <p:nvPr/>
         </p:nvPicPr>
         <p:blipFill>
-          <a:blip r:embed="rId2">
+          <a:blip r:embed="rId2" cstate="print">
             <a:extLst>
               <a:ext uri="{28A0092B-C50C-407E-A947-70E740481C1C}">
                 <a14:useLocalDpi xmlns:a14="http://schemas.microsoft.com/office/drawing/2010/main" val="0"/>
@@ -8589,7 +8637,7 @@
           <p:cNvPr id="2" name="Tytuł 1">
             <a:extLst>
               <a:ext uri="{FF2B5EF4-FFF2-40B4-BE49-F238E27FC236}">
-                <a16:creationId xmlns:a16="http://schemas.microsoft.com/office/drawing/2014/main" id="{61A2DA06-8B01-4974-8F7A-23DC022141DE}"/>
+                <a16:creationId xmlns:a16="http://schemas.microsoft.com/office/drawing/2014/main" xmlns="" id="{61A2DA06-8B01-4974-8F7A-23DC022141DE}"/>
               </a:ext>
             </a:extLst>
           </p:cNvPr>
@@ -8618,7 +8666,7 @@
           <p:cNvPr id="3" name="Symbol zastępczy zawartości 2">
             <a:extLst>
               <a:ext uri="{FF2B5EF4-FFF2-40B4-BE49-F238E27FC236}">
-                <a16:creationId xmlns:a16="http://schemas.microsoft.com/office/drawing/2014/main" id="{2F9FF454-6407-4A9C-A7EE-A7D254067D29}"/>
+                <a16:creationId xmlns:a16="http://schemas.microsoft.com/office/drawing/2014/main" xmlns="" id="{2F9FF454-6407-4A9C-A7EE-A7D254067D29}"/>
               </a:ext>
             </a:extLst>
           </p:cNvPr>
@@ -8803,6 +8851,15 @@
             <a:pPr marL="0" indent="0">
               <a:buNone/>
             </a:pPr>
+            <a:r>
+              <a:rPr lang="pl-PL" dirty="0">
+                <a:solidFill>
+                  <a:srgbClr val="000000"/>
+                </a:solidFill>
+                <a:latin typeface="Consolas" panose="020B0609020204030204" pitchFamily="49" charset="0"/>
+              </a:rPr>
+              <a:t/>
+            </a:r>
             <a:br>
               <a:rPr lang="pl-PL" dirty="0">
                 <a:solidFill>
@@ -8904,6 +8961,15 @@
             <a:pPr marL="0" indent="0">
               <a:buNone/>
             </a:pPr>
+            <a:r>
+              <a:rPr lang="pl-PL" dirty="0">
+                <a:solidFill>
+                  <a:srgbClr val="000000"/>
+                </a:solidFill>
+                <a:latin typeface="Consolas" panose="020B0609020204030204" pitchFamily="49" charset="0"/>
+              </a:rPr>
+              <a:t/>
+            </a:r>
             <a:br>
               <a:rPr lang="pl-PL" dirty="0">
                 <a:solidFill>
@@ -9151,7 +9217,7 @@
           <p:cNvPr id="2" name="Tytuł 1">
             <a:extLst>
               <a:ext uri="{FF2B5EF4-FFF2-40B4-BE49-F238E27FC236}">
-                <a16:creationId xmlns:a16="http://schemas.microsoft.com/office/drawing/2014/main" id="{77FD532B-33EF-4359-9F34-DDF39F7B31F9}"/>
+                <a16:creationId xmlns:a16="http://schemas.microsoft.com/office/drawing/2014/main" xmlns="" id="{77FD532B-33EF-4359-9F34-DDF39F7B31F9}"/>
               </a:ext>
             </a:extLst>
           </p:cNvPr>
@@ -9180,7 +9246,7 @@
           <p:cNvPr id="5" name="Symbol zastępczy zawartości 4">
             <a:extLst>
               <a:ext uri="{FF2B5EF4-FFF2-40B4-BE49-F238E27FC236}">
-                <a16:creationId xmlns:a16="http://schemas.microsoft.com/office/drawing/2014/main" id="{E5DFC999-7C3C-4BC4-87C2-C6DF6C9E01CF}"/>
+                <a16:creationId xmlns:a16="http://schemas.microsoft.com/office/drawing/2014/main" xmlns="" id="{E5DFC999-7C3C-4BC4-87C2-C6DF6C9E01CF}"/>
               </a:ext>
             </a:extLst>
           </p:cNvPr>
@@ -9208,35 +9274,35 @@
                 <a:gridCol w="1718632">
                   <a:extLst>
                     <a:ext uri="{9D8B030D-6E8A-4147-A177-3AD203B41FA5}">
-                      <a16:colId xmlns:a16="http://schemas.microsoft.com/office/drawing/2014/main" val="3773107332"/>
+                      <a16:colId xmlns:a16="http://schemas.microsoft.com/office/drawing/2014/main" xmlns="" val="3773107332"/>
                     </a:ext>
                   </a:extLst>
                 </a:gridCol>
                 <a:gridCol w="1233889">
                   <a:extLst>
                     <a:ext uri="{9D8B030D-6E8A-4147-A177-3AD203B41FA5}">
-                      <a16:colId xmlns:a16="http://schemas.microsoft.com/office/drawing/2014/main" val="2741677970"/>
+                      <a16:colId xmlns:a16="http://schemas.microsoft.com/office/drawing/2014/main" xmlns="" val="2741677970"/>
                     </a:ext>
                   </a:extLst>
                 </a:gridCol>
                 <a:gridCol w="2544896">
                   <a:extLst>
                     <a:ext uri="{9D8B030D-6E8A-4147-A177-3AD203B41FA5}">
-                      <a16:colId xmlns:a16="http://schemas.microsoft.com/office/drawing/2014/main" val="1825846188"/>
+                      <a16:colId xmlns:a16="http://schemas.microsoft.com/office/drawing/2014/main" xmlns="" val="1825846188"/>
                     </a:ext>
                   </a:extLst>
                 </a:gridCol>
                 <a:gridCol w="3767769">
                   <a:extLst>
                     <a:ext uri="{9D8B030D-6E8A-4147-A177-3AD203B41FA5}">
-                      <a16:colId xmlns:a16="http://schemas.microsoft.com/office/drawing/2014/main" val="2979017345"/>
+                      <a16:colId xmlns:a16="http://schemas.microsoft.com/office/drawing/2014/main" xmlns="" val="2979017345"/>
                     </a:ext>
                   </a:extLst>
                 </a:gridCol>
                 <a:gridCol w="1145755">
                   <a:extLst>
                     <a:ext uri="{9D8B030D-6E8A-4147-A177-3AD203B41FA5}">
-                      <a16:colId xmlns:a16="http://schemas.microsoft.com/office/drawing/2014/main" val="3369921248"/>
+                      <a16:colId xmlns:a16="http://schemas.microsoft.com/office/drawing/2014/main" xmlns="" val="3369921248"/>
                     </a:ext>
                   </a:extLst>
                 </a:gridCol>
@@ -9249,7 +9315,7 @@
                     <a:p>
                       <a:pPr algn="l" fontAlgn="t"/>
                       <a:r>
-                        <a:rPr lang="pl-PL" sz="1600" b="1" i="0" u="none" strike="noStrike">
+                        <a:rPr lang="pl-PL" sz="1600" b="1" i="0" u="none" strike="noStrike" dirty="0">
                           <a:solidFill>
                             <a:srgbClr val="000000"/>
                           </a:solidFill>
@@ -9463,14 +9529,34 @@
                     <a:p>
                       <a:pPr algn="l" fontAlgn="t"/>
                       <a:r>
-                        <a:rPr lang="pl-PL" sz="1600" b="1" i="0" u="none" strike="noStrike">
+                        <a:rPr lang="pl-PL" sz="1600" b="1" i="0" u="none" strike="noStrike" dirty="0">
                           <a:solidFill>
                             <a:srgbClr val="000000"/>
                           </a:solidFill>
                           <a:effectLst/>
                           <a:latin typeface="Calibri" panose="020F0502020204030204" pitchFamily="34" charset="0"/>
                         </a:rPr>
-                        <a:t>Enterprise mode (IE8)</a:t>
+                        <a:t>Enterprise </a:t>
+                      </a:r>
+                      <a:r>
+                        <a:rPr lang="pl-PL" sz="1600" b="1" i="0" u="none" strike="noStrike" dirty="0" err="1">
+                          <a:solidFill>
+                            <a:srgbClr val="000000"/>
+                          </a:solidFill>
+                          <a:effectLst/>
+                          <a:latin typeface="Calibri" panose="020F0502020204030204" pitchFamily="34" charset="0"/>
+                        </a:rPr>
+                        <a:t>mode</a:t>
+                      </a:r>
+                      <a:r>
+                        <a:rPr lang="pl-PL" sz="1600" b="1" i="0" u="none" strike="noStrike" dirty="0">
+                          <a:solidFill>
+                            <a:srgbClr val="000000"/>
+                          </a:solidFill>
+                          <a:effectLst/>
+                          <a:latin typeface="Calibri" panose="020F0502020204030204" pitchFamily="34" charset="0"/>
+                        </a:rPr>
+                        <a:t> (IE8)</a:t>
                       </a:r>
                     </a:p>
                   </a:txBody>
@@ -9503,7 +9589,7 @@
                 </a:tc>
                 <a:extLst>
                   <a:ext uri="{0D108BD9-81ED-4DB2-BD59-A6C34878D82A}">
-                    <a16:rowId xmlns:a16="http://schemas.microsoft.com/office/drawing/2014/main" val="998979996"/>
+                    <a16:rowId xmlns:a16="http://schemas.microsoft.com/office/drawing/2014/main" xmlns="" val="998979996"/>
                   </a:ext>
                 </a:extLst>
               </a:tr>
@@ -9599,15 +9685,42 @@
                     <a:p>
                       <a:pPr algn="l" fontAlgn="t"/>
                       <a:r>
-                        <a:rPr lang="pl-PL" sz="1600" b="0" i="0" u="none" strike="noStrike">
+                        <a:rPr lang="pl-PL" sz="1600" b="0" i="0" u="none" strike="noStrike" dirty="0" err="1">
                           <a:solidFill>
                             <a:srgbClr val="000000"/>
                           </a:solidFill>
                           <a:effectLst/>
                           <a:latin typeface="Calibri" panose="020F0502020204030204" pitchFamily="34" charset="0"/>
                         </a:rPr>
-                        <a:t>Older browser</a:t>
+                        <a:t>Older</a:t>
                       </a:r>
+                      <a:r>
+                        <a:rPr lang="pl-PL" sz="1600" b="0" i="0" u="none" strike="noStrike" dirty="0">
+                          <a:solidFill>
+                            <a:srgbClr val="000000"/>
+                          </a:solidFill>
+                          <a:effectLst/>
+                          <a:latin typeface="Calibri" panose="020F0502020204030204" pitchFamily="34" charset="0"/>
+                        </a:rPr>
+                        <a:t> </a:t>
+                      </a:r>
+                      <a:r>
+                        <a:rPr lang="pl-PL" sz="1600" b="0" i="0" u="none" strike="noStrike" dirty="0" err="1">
+                          <a:solidFill>
+                            <a:srgbClr val="000000"/>
+                          </a:solidFill>
+                          <a:effectLst/>
+                          <a:latin typeface="Calibri" panose="020F0502020204030204" pitchFamily="34" charset="0"/>
+                        </a:rPr>
+                        <a:t>browser</a:t>
+                      </a:r>
+                      <a:endParaRPr lang="pl-PL" sz="1600" b="0" i="0" u="none" strike="noStrike" dirty="0">
+                        <a:solidFill>
+                          <a:srgbClr val="000000"/>
+                        </a:solidFill>
+                        <a:effectLst/>
+                        <a:latin typeface="Calibri" panose="020F0502020204030204" pitchFamily="34" charset="0"/>
+                      </a:endParaRPr>
                     </a:p>
                   </a:txBody>
                   <a:tcPr marL="6350" marR="6350" marT="6350" marB="0">
@@ -9683,7 +9796,7 @@
                     <a:p>
                       <a:pPr algn="l" fontAlgn="t"/>
                       <a:r>
-                        <a:rPr lang="pl-PL" sz="1600" b="0" i="0" u="none" strike="noStrike">
+                        <a:rPr lang="pl-PL" sz="1600" b="0" i="0" u="none" strike="noStrike" dirty="0" err="1">
                           <a:solidFill>
                             <a:srgbClr val="000000"/>
                           </a:solidFill>
@@ -9692,6 +9805,13 @@
                         </a:rPr>
                         <a:t>Yes</a:t>
                       </a:r>
+                      <a:endParaRPr lang="pl-PL" sz="1600" b="0" i="0" u="none" strike="noStrike" dirty="0">
+                        <a:solidFill>
+                          <a:srgbClr val="000000"/>
+                        </a:solidFill>
+                        <a:effectLst/>
+                        <a:latin typeface="Calibri" panose="020F0502020204030204" pitchFamily="34" charset="0"/>
+                      </a:endParaRPr>
                     </a:p>
                   </a:txBody>
                   <a:tcPr marL="6350" marR="6350" marT="6350" marB="0">
@@ -9720,7 +9840,7 @@
                 </a:tc>
                 <a:extLst>
                   <a:ext uri="{0D108BD9-81ED-4DB2-BD59-A6C34878D82A}">
-                    <a16:rowId xmlns:a16="http://schemas.microsoft.com/office/drawing/2014/main" val="2863024620"/>
+                    <a16:rowId xmlns:a16="http://schemas.microsoft.com/office/drawing/2014/main" xmlns="" val="2863024620"/>
                   </a:ext>
                 </a:extLst>
               </a:tr>
@@ -9999,7 +10119,7 @@
                 </a:tc>
                 <a:extLst>
                   <a:ext uri="{0D108BD9-81ED-4DB2-BD59-A6C34878D82A}">
-                    <a16:rowId xmlns:a16="http://schemas.microsoft.com/office/drawing/2014/main" val="1397933428"/>
+                    <a16:rowId xmlns:a16="http://schemas.microsoft.com/office/drawing/2014/main" xmlns="" val="1397933428"/>
                   </a:ext>
                 </a:extLst>
               </a:tr>
@@ -10083,7 +10203,7 @@
                     <a:p>
                       <a:pPr algn="l" fontAlgn="t"/>
                       <a:r>
-                        <a:rPr lang="en-US" sz="1600" b="0" i="0" u="none" strike="noStrike">
+                        <a:rPr lang="en-US" sz="1600" b="0" i="0" u="none" strike="noStrike" dirty="0">
                           <a:solidFill>
                             <a:srgbClr val="000000"/>
                           </a:solidFill>
@@ -10119,14 +10239,44 @@
                     <a:p>
                       <a:pPr algn="l" fontAlgn="b"/>
                       <a:r>
-                        <a:rPr lang="pl-PL" sz="1600" b="0" i="0" u="none" strike="noStrike">
+                        <a:rPr lang="pl-PL" sz="1600" b="0" i="0" u="none" strike="noStrike" dirty="0" err="1">
                           <a:solidFill>
                             <a:srgbClr val="000000"/>
                           </a:solidFill>
                           <a:effectLst/>
                           <a:latin typeface="Calibri" panose="020F0502020204030204" pitchFamily="34" charset="0"/>
                         </a:rPr>
-                        <a:t>Classes and modules.</a:t>
+                        <a:t>Classes</a:t>
+                      </a:r>
+                      <a:r>
+                        <a:rPr lang="pl-PL" sz="1600" b="0" i="0" u="none" strike="noStrike" dirty="0">
+                          <a:solidFill>
+                            <a:srgbClr val="000000"/>
+                          </a:solidFill>
+                          <a:effectLst/>
+                          <a:latin typeface="Calibri" panose="020F0502020204030204" pitchFamily="34" charset="0"/>
+                        </a:rPr>
+                        <a:t> and </a:t>
+                      </a:r>
+                      <a:r>
+                        <a:rPr lang="pl-PL" sz="1600" b="0" i="0" u="none" strike="noStrike" dirty="0" err="1">
+                          <a:solidFill>
+                            <a:srgbClr val="000000"/>
+                          </a:solidFill>
+                          <a:effectLst/>
+                          <a:latin typeface="Calibri" panose="020F0502020204030204" pitchFamily="34" charset="0"/>
+                        </a:rPr>
+                        <a:t>modules</a:t>
+                      </a:r>
+                      <a:r>
+                        <a:rPr lang="pl-PL" sz="1600" b="0" i="0" u="none" strike="noStrike" dirty="0">
+                          <a:solidFill>
+                            <a:srgbClr val="000000"/>
+                          </a:solidFill>
+                          <a:effectLst/>
+                          <a:latin typeface="Calibri" panose="020F0502020204030204" pitchFamily="34" charset="0"/>
+                        </a:rPr>
+                        <a:t>.</a:t>
                       </a:r>
                     </a:p>
                   </a:txBody>
@@ -10186,7 +10336,7 @@
                 </a:tc>
                 <a:extLst>
                   <a:ext uri="{0D108BD9-81ED-4DB2-BD59-A6C34878D82A}">
-                    <a16:rowId xmlns:a16="http://schemas.microsoft.com/office/drawing/2014/main" val="589440673"/>
+                    <a16:rowId xmlns:a16="http://schemas.microsoft.com/office/drawing/2014/main" xmlns="" val="589440673"/>
                   </a:ext>
                 </a:extLst>
               </a:tr>
@@ -10358,7 +10508,7 @@
                 </a:tc>
                 <a:extLst>
                   <a:ext uri="{0D108BD9-81ED-4DB2-BD59-A6C34878D82A}">
-                    <a16:rowId xmlns:a16="http://schemas.microsoft.com/office/drawing/2014/main" val="2527480239"/>
+                    <a16:rowId xmlns:a16="http://schemas.microsoft.com/office/drawing/2014/main" xmlns="" val="2527480239"/>
                   </a:ext>
                 </a:extLst>
               </a:tr>
@@ -10530,7 +10680,7 @@
                 </a:tc>
                 <a:extLst>
                   <a:ext uri="{0D108BD9-81ED-4DB2-BD59-A6C34878D82A}">
-                    <a16:rowId xmlns:a16="http://schemas.microsoft.com/office/drawing/2014/main" val="4036835475"/>
+                    <a16:rowId xmlns:a16="http://schemas.microsoft.com/office/drawing/2014/main" xmlns="" val="4036835475"/>
                   </a:ext>
                 </a:extLst>
               </a:tr>
@@ -10706,7 +10856,7 @@
                 </a:tc>
                 <a:extLst>
                   <a:ext uri="{0D108BD9-81ED-4DB2-BD59-A6C34878D82A}">
-                    <a16:rowId xmlns:a16="http://schemas.microsoft.com/office/drawing/2014/main" val="924848805"/>
+                    <a16:rowId xmlns:a16="http://schemas.microsoft.com/office/drawing/2014/main" xmlns="" val="924848805"/>
                   </a:ext>
                 </a:extLst>
               </a:tr>
@@ -10749,7 +10899,7 @@
           <p:cNvPr id="2" name="Tytuł 1">
             <a:extLst>
               <a:ext uri="{FF2B5EF4-FFF2-40B4-BE49-F238E27FC236}">
-                <a16:creationId xmlns:a16="http://schemas.microsoft.com/office/drawing/2014/main" id="{7A924111-12E4-45C0-867E-B4E651A25396}"/>
+                <a16:creationId xmlns:a16="http://schemas.microsoft.com/office/drawing/2014/main" xmlns="" id="{7A924111-12E4-45C0-867E-B4E651A25396}"/>
               </a:ext>
             </a:extLst>
           </p:cNvPr>
@@ -10786,7 +10936,7 @@
           <p:cNvPr id="6" name="Symbol zastępczy zawartości 5">
             <a:extLst>
               <a:ext uri="{FF2B5EF4-FFF2-40B4-BE49-F238E27FC236}">
-                <a16:creationId xmlns:a16="http://schemas.microsoft.com/office/drawing/2014/main" id="{4FD6E3A1-3AAA-46D4-8528-F77B532C6023}"/>
+                <a16:creationId xmlns:a16="http://schemas.microsoft.com/office/drawing/2014/main" xmlns="" id="{4FD6E3A1-3AAA-46D4-8528-F77B532C6023}"/>
               </a:ext>
             </a:extLst>
           </p:cNvPr>
@@ -10814,14 +10964,14 @@
                 <a:gridCol w="3986609">
                   <a:extLst>
                     <a:ext uri="{9D8B030D-6E8A-4147-A177-3AD203B41FA5}">
-                      <a16:colId xmlns:a16="http://schemas.microsoft.com/office/drawing/2014/main" val="2050930475"/>
+                      <a16:colId xmlns:a16="http://schemas.microsoft.com/office/drawing/2014/main" xmlns="" val="2050930475"/>
                     </a:ext>
                   </a:extLst>
                 </a:gridCol>
                 <a:gridCol w="3752102">
                   <a:extLst>
                     <a:ext uri="{9D8B030D-6E8A-4147-A177-3AD203B41FA5}">
-                      <a16:colId xmlns:a16="http://schemas.microsoft.com/office/drawing/2014/main" val="764268481"/>
+                      <a16:colId xmlns:a16="http://schemas.microsoft.com/office/drawing/2014/main" xmlns="" val="764268481"/>
                     </a:ext>
                   </a:extLst>
                 </a:gridCol>
@@ -10937,7 +11087,7 @@
                 </a:tc>
                 <a:extLst>
                   <a:ext uri="{0D108BD9-81ED-4DB2-BD59-A6C34878D82A}">
-                    <a16:rowId xmlns:a16="http://schemas.microsoft.com/office/drawing/2014/main" val="2366617205"/>
+                    <a16:rowId xmlns:a16="http://schemas.microsoft.com/office/drawing/2014/main" xmlns="" val="2366617205"/>
                   </a:ext>
                 </a:extLst>
               </a:tr>
@@ -11052,7 +11202,7 @@
                 </a:tc>
                 <a:extLst>
                   <a:ext uri="{0D108BD9-81ED-4DB2-BD59-A6C34878D82A}">
-                    <a16:rowId xmlns:a16="http://schemas.microsoft.com/office/drawing/2014/main" val="4101366795"/>
+                    <a16:rowId xmlns:a16="http://schemas.microsoft.com/office/drawing/2014/main" xmlns="" val="4101366795"/>
                   </a:ext>
                 </a:extLst>
               </a:tr>
@@ -11161,7 +11311,7 @@
                 </a:tc>
                 <a:extLst>
                   <a:ext uri="{0D108BD9-81ED-4DB2-BD59-A6C34878D82A}">
-                    <a16:rowId xmlns:a16="http://schemas.microsoft.com/office/drawing/2014/main" val="17940330"/>
+                    <a16:rowId xmlns:a16="http://schemas.microsoft.com/office/drawing/2014/main" xmlns="" val="17940330"/>
                   </a:ext>
                 </a:extLst>
               </a:tr>
@@ -11296,7 +11446,7 @@
                 </a:tc>
                 <a:extLst>
                   <a:ext uri="{0D108BD9-81ED-4DB2-BD59-A6C34878D82A}">
-                    <a16:rowId xmlns:a16="http://schemas.microsoft.com/office/drawing/2014/main" val="2475652129"/>
+                    <a16:rowId xmlns:a16="http://schemas.microsoft.com/office/drawing/2014/main" xmlns="" val="2475652129"/>
                   </a:ext>
                 </a:extLst>
               </a:tr>
@@ -11405,7 +11555,7 @@
                 </a:tc>
                 <a:extLst>
                   <a:ext uri="{0D108BD9-81ED-4DB2-BD59-A6C34878D82A}">
-                    <a16:rowId xmlns:a16="http://schemas.microsoft.com/office/drawing/2014/main" val="2130732614"/>
+                    <a16:rowId xmlns:a16="http://schemas.microsoft.com/office/drawing/2014/main" xmlns="" val="2130732614"/>
                   </a:ext>
                 </a:extLst>
               </a:tr>
@@ -11520,7 +11670,7 @@
                 </a:tc>
                 <a:extLst>
                   <a:ext uri="{0D108BD9-81ED-4DB2-BD59-A6C34878D82A}">
-                    <a16:rowId xmlns:a16="http://schemas.microsoft.com/office/drawing/2014/main" val="1968311153"/>
+                    <a16:rowId xmlns:a16="http://schemas.microsoft.com/office/drawing/2014/main" xmlns="" val="1968311153"/>
                   </a:ext>
                 </a:extLst>
               </a:tr>
@@ -11639,7 +11789,7 @@
                 </a:tc>
                 <a:extLst>
                   <a:ext uri="{0D108BD9-81ED-4DB2-BD59-A6C34878D82A}">
-                    <a16:rowId xmlns:a16="http://schemas.microsoft.com/office/drawing/2014/main" val="3551120749"/>
+                    <a16:rowId xmlns:a16="http://schemas.microsoft.com/office/drawing/2014/main" xmlns="" val="3551120749"/>
                   </a:ext>
                 </a:extLst>
               </a:tr>
@@ -11682,7 +11832,7 @@
           <p:cNvPr id="2" name="Tytuł 1">
             <a:extLst>
               <a:ext uri="{FF2B5EF4-FFF2-40B4-BE49-F238E27FC236}">
-                <a16:creationId xmlns:a16="http://schemas.microsoft.com/office/drawing/2014/main" id="{9D66BE46-468D-4516-8225-06CD6E221154}"/>
+                <a16:creationId xmlns:a16="http://schemas.microsoft.com/office/drawing/2014/main" xmlns="" id="{9D66BE46-468D-4516-8225-06CD6E221154}"/>
               </a:ext>
             </a:extLst>
           </p:cNvPr>
@@ -11711,7 +11861,7 @@
           <p:cNvPr id="3" name="Symbol zastępczy zawartości 2">
             <a:extLst>
               <a:ext uri="{FF2B5EF4-FFF2-40B4-BE49-F238E27FC236}">
-                <a16:creationId xmlns:a16="http://schemas.microsoft.com/office/drawing/2014/main" id="{251BFD25-F9C3-46CD-86CE-0D7826534814}"/>
+                <a16:creationId xmlns:a16="http://schemas.microsoft.com/office/drawing/2014/main" xmlns="" id="{251BFD25-F9C3-46CD-86CE-0D7826534814}"/>
               </a:ext>
             </a:extLst>
           </p:cNvPr>
@@ -11808,7 +11958,7 @@
           <p:cNvPr id="2" name="Tytuł 1">
             <a:extLst>
               <a:ext uri="{FF2B5EF4-FFF2-40B4-BE49-F238E27FC236}">
-                <a16:creationId xmlns:a16="http://schemas.microsoft.com/office/drawing/2014/main" id="{45F0BCE7-89BF-4A04-8184-B6B4B6985C48}"/>
+                <a16:creationId xmlns:a16="http://schemas.microsoft.com/office/drawing/2014/main" xmlns="" id="{45F0BCE7-89BF-4A04-8184-B6B4B6985C48}"/>
               </a:ext>
             </a:extLst>
           </p:cNvPr>
@@ -11837,7 +11987,7 @@
           <p:cNvPr id="3" name="Symbol zastępczy zawartości 2">
             <a:extLst>
               <a:ext uri="{FF2B5EF4-FFF2-40B4-BE49-F238E27FC236}">
-                <a16:creationId xmlns:a16="http://schemas.microsoft.com/office/drawing/2014/main" id="{AE1461AD-4115-4E1B-862F-F33B3908B07E}"/>
+                <a16:creationId xmlns:a16="http://schemas.microsoft.com/office/drawing/2014/main" xmlns="" id="{AE1461AD-4115-4E1B-862F-F33B3908B07E}"/>
               </a:ext>
             </a:extLst>
           </p:cNvPr>
@@ -11949,7 +12099,7 @@
           <p:cNvPr id="2" name="Tytuł 1">
             <a:extLst>
               <a:ext uri="{FF2B5EF4-FFF2-40B4-BE49-F238E27FC236}">
-                <a16:creationId xmlns:a16="http://schemas.microsoft.com/office/drawing/2014/main" id="{49D354FC-E5D9-467C-A3DA-C73FDA6BE195}"/>
+                <a16:creationId xmlns:a16="http://schemas.microsoft.com/office/drawing/2014/main" xmlns="" id="{49D354FC-E5D9-467C-A3DA-C73FDA6BE195}"/>
               </a:ext>
             </a:extLst>
           </p:cNvPr>
@@ -11989,7 +12139,7 @@
           <p:cNvPr id="3" name="Symbol zastępczy zawartości 2">
             <a:extLst>
               <a:ext uri="{FF2B5EF4-FFF2-40B4-BE49-F238E27FC236}">
-                <a16:creationId xmlns:a16="http://schemas.microsoft.com/office/drawing/2014/main" id="{08B0688C-EC6C-4297-B777-08602E689138}"/>
+                <a16:creationId xmlns:a16="http://schemas.microsoft.com/office/drawing/2014/main" xmlns="" id="{08B0688C-EC6C-4297-B777-08602E689138}"/>
               </a:ext>
             </a:extLst>
           </p:cNvPr>
@@ -12017,7 +12167,7 @@
           <p:cNvPr id="3074" name="Picture 2" descr="1482783056455362000.png (1532×732)">
             <a:extLst>
               <a:ext uri="{FF2B5EF4-FFF2-40B4-BE49-F238E27FC236}">
-                <a16:creationId xmlns:a16="http://schemas.microsoft.com/office/drawing/2014/main" id="{AE925239-ACC4-4AAA-88C3-8CA0E740E852}"/>
+                <a16:creationId xmlns:a16="http://schemas.microsoft.com/office/drawing/2014/main" xmlns="" id="{AE925239-ACC4-4AAA-88C3-8CA0E740E852}"/>
               </a:ext>
             </a:extLst>
           </p:cNvPr>
@@ -12094,7 +12244,7 @@
           <p:cNvPr id="2" name="Tytuł 1">
             <a:extLst>
               <a:ext uri="{FF2B5EF4-FFF2-40B4-BE49-F238E27FC236}">
-                <a16:creationId xmlns:a16="http://schemas.microsoft.com/office/drawing/2014/main" id="{C8EB8C33-B252-4022-B763-913841FA30A8}"/>
+                <a16:creationId xmlns:a16="http://schemas.microsoft.com/office/drawing/2014/main" xmlns="" id="{C8EB8C33-B252-4022-B763-913841FA30A8}"/>
               </a:ext>
             </a:extLst>
           </p:cNvPr>
@@ -12126,7 +12276,7 @@
           <p:cNvPr id="3" name="Symbol zastępczy zawartości 2">
             <a:extLst>
               <a:ext uri="{FF2B5EF4-FFF2-40B4-BE49-F238E27FC236}">
-                <a16:creationId xmlns:a16="http://schemas.microsoft.com/office/drawing/2014/main" id="{229A404E-1102-4415-8649-BBFF595FD516}"/>
+                <a16:creationId xmlns:a16="http://schemas.microsoft.com/office/drawing/2014/main" xmlns="" id="{229A404E-1102-4415-8649-BBFF595FD516}"/>
               </a:ext>
             </a:extLst>
           </p:cNvPr>
@@ -12260,7 +12410,7 @@
           <p:cNvPr id="3" name="Symbol zastępczy zawartości 2">
             <a:extLst>
               <a:ext uri="{FF2B5EF4-FFF2-40B4-BE49-F238E27FC236}">
-                <a16:creationId xmlns:a16="http://schemas.microsoft.com/office/drawing/2014/main" id="{3BAC168D-6F4E-44F0-AE13-981027F468B3}"/>
+                <a16:creationId xmlns:a16="http://schemas.microsoft.com/office/drawing/2014/main" xmlns="" id="{3BAC168D-6F4E-44F0-AE13-981027F468B3}"/>
               </a:ext>
             </a:extLst>
           </p:cNvPr>
@@ -12285,7 +12435,7 @@
           <p:cNvPr id="4" name="Picture 4" descr="https://cdn-images-1.medium.com/max/1200/1*GrV-nz5YZLitg0aaj62IiQ.png">
             <a:extLst>
               <a:ext uri="{FF2B5EF4-FFF2-40B4-BE49-F238E27FC236}">
-                <a16:creationId xmlns:a16="http://schemas.microsoft.com/office/drawing/2014/main" id="{BD44DD0C-D193-4BA1-A09E-FC5E46906276}"/>
+                <a16:creationId xmlns:a16="http://schemas.microsoft.com/office/drawing/2014/main" xmlns="" id="{BD44DD0C-D193-4BA1-A09E-FC5E46906276}"/>
               </a:ext>
             </a:extLst>
           </p:cNvPr>
@@ -12332,7 +12482,7 @@
           <p:cNvPr id="5124" name="Picture 4" descr="http://mherman.org/assets/img/blog/typescript-logo.png">
             <a:extLst>
               <a:ext uri="{FF2B5EF4-FFF2-40B4-BE49-F238E27FC236}">
-                <a16:creationId xmlns:a16="http://schemas.microsoft.com/office/drawing/2014/main" id="{7EAA1EB7-C7F4-4DF0-BF81-36F09B0193B1}"/>
+                <a16:creationId xmlns:a16="http://schemas.microsoft.com/office/drawing/2014/main" xmlns="" id="{7EAA1EB7-C7F4-4DF0-BF81-36F09B0193B1}"/>
               </a:ext>
             </a:extLst>
           </p:cNvPr>
@@ -12379,7 +12529,7 @@
           <p:cNvPr id="5" name="Obraz 4">
             <a:extLst>
               <a:ext uri="{FF2B5EF4-FFF2-40B4-BE49-F238E27FC236}">
-                <a16:creationId xmlns:a16="http://schemas.microsoft.com/office/drawing/2014/main" id="{4D24F4C7-ED06-4F77-A9B3-6543B7A09D0C}"/>
+                <a16:creationId xmlns:a16="http://schemas.microsoft.com/office/drawing/2014/main" xmlns="" id="{4D24F4C7-ED06-4F77-A9B3-6543B7A09D0C}"/>
               </a:ext>
             </a:extLst>
           </p:cNvPr>
@@ -12439,7 +12589,7 @@
           <p:cNvPr id="2" name="Tytuł 1">
             <a:extLst>
               <a:ext uri="{FF2B5EF4-FFF2-40B4-BE49-F238E27FC236}">
-                <a16:creationId xmlns:a16="http://schemas.microsoft.com/office/drawing/2014/main" id="{B6ECDBDC-8AAD-4FBE-871E-6F6D081DD2B3}"/>
+                <a16:creationId xmlns:a16="http://schemas.microsoft.com/office/drawing/2014/main" xmlns="" id="{B6ECDBDC-8AAD-4FBE-871E-6F6D081DD2B3}"/>
               </a:ext>
             </a:extLst>
           </p:cNvPr>
@@ -12472,7 +12622,7 @@
           <p:cNvPr id="3" name="Symbol zastępczy zawartości 2">
             <a:extLst>
               <a:ext uri="{FF2B5EF4-FFF2-40B4-BE49-F238E27FC236}">
-                <a16:creationId xmlns:a16="http://schemas.microsoft.com/office/drawing/2014/main" id="{42F56E1A-B99F-4CEF-BD1D-83514A87399C}"/>
+                <a16:creationId xmlns:a16="http://schemas.microsoft.com/office/drawing/2014/main" xmlns="" id="{42F56E1A-B99F-4CEF-BD1D-83514A87399C}"/>
               </a:ext>
             </a:extLst>
           </p:cNvPr>
@@ -12560,7 +12710,7 @@
           <p:cNvPr id="8196" name="Picture 4" descr="https://s.gravatar.com/avatar/17e414f1d3c2a1c190a1fe04d9850286?size=496&amp;default=retro">
             <a:extLst>
               <a:ext uri="{FF2B5EF4-FFF2-40B4-BE49-F238E27FC236}">
-                <a16:creationId xmlns:a16="http://schemas.microsoft.com/office/drawing/2014/main" id="{AC8448C3-B202-41AD-84C7-C5536E095F84}"/>
+                <a16:creationId xmlns:a16="http://schemas.microsoft.com/office/drawing/2014/main" xmlns="" id="{AC8448C3-B202-41AD-84C7-C5536E095F84}"/>
               </a:ext>
             </a:extLst>
           </p:cNvPr>
@@ -12570,7 +12720,7 @@
           <p:nvPr/>
         </p:nvPicPr>
         <p:blipFill>
-          <a:blip r:embed="rId3">
+          <a:blip r:embed="rId3" cstate="print">
             <a:extLst>
               <a:ext uri="{28A0092B-C50C-407E-A947-70E740481C1C}">
                 <a14:useLocalDpi xmlns:a14="http://schemas.microsoft.com/office/drawing/2010/main" val="0"/>
@@ -12637,7 +12787,7 @@
           <p:cNvPr id="2" name="Tytuł 1">
             <a:extLst>
               <a:ext uri="{FF2B5EF4-FFF2-40B4-BE49-F238E27FC236}">
-                <a16:creationId xmlns:a16="http://schemas.microsoft.com/office/drawing/2014/main" id="{DC33AF74-8990-468E-8EA1-D8B89BC19F8A}"/>
+                <a16:creationId xmlns:a16="http://schemas.microsoft.com/office/drawing/2014/main" xmlns="" id="{DC33AF74-8990-468E-8EA1-D8B89BC19F8A}"/>
               </a:ext>
             </a:extLst>
           </p:cNvPr>
@@ -12685,7 +12835,7 @@
           <p:cNvPr id="3" name="Symbol zastępczy zawartości 2">
             <a:extLst>
               <a:ext uri="{FF2B5EF4-FFF2-40B4-BE49-F238E27FC236}">
-                <a16:creationId xmlns:a16="http://schemas.microsoft.com/office/drawing/2014/main" id="{C8B648E3-BE6B-48A4-832B-F10179825286}"/>
+                <a16:creationId xmlns:a16="http://schemas.microsoft.com/office/drawing/2014/main" xmlns="" id="{C8B648E3-BE6B-48A4-832B-F10179825286}"/>
               </a:ext>
             </a:extLst>
           </p:cNvPr>
@@ -12829,7 +12979,7 @@
           <p:cNvPr id="2" name="Tytuł 1">
             <a:extLst>
               <a:ext uri="{FF2B5EF4-FFF2-40B4-BE49-F238E27FC236}">
-                <a16:creationId xmlns:a16="http://schemas.microsoft.com/office/drawing/2014/main" id="{CEDD4781-3483-4102-9647-FA6A45666C50}"/>
+                <a16:creationId xmlns:a16="http://schemas.microsoft.com/office/drawing/2014/main" xmlns="" id="{CEDD4781-3483-4102-9647-FA6A45666C50}"/>
               </a:ext>
             </a:extLst>
           </p:cNvPr>
@@ -12858,7 +13008,7 @@
           <p:cNvPr id="3" name="Symbol zastępczy zawartości 2">
             <a:extLst>
               <a:ext uri="{FF2B5EF4-FFF2-40B4-BE49-F238E27FC236}">
-                <a16:creationId xmlns:a16="http://schemas.microsoft.com/office/drawing/2014/main" id="{E3D82390-55E3-4805-8D90-54DBAC6C1432}"/>
+                <a16:creationId xmlns:a16="http://schemas.microsoft.com/office/drawing/2014/main" xmlns="" id="{E3D82390-55E3-4805-8D90-54DBAC6C1432}"/>
               </a:ext>
             </a:extLst>
           </p:cNvPr>
@@ -12913,7 +13063,15 @@
             <a:pPr lvl="1"/>
             <a:r>
               <a:rPr lang="en-GB" dirty="0"/>
-              <a:t>prototype, closure, module pattern</a:t>
+              <a:t>prototype, </a:t>
+            </a:r>
+            <a:r>
+              <a:rPr lang="en-GB" strike="sngStrike" dirty="0"/>
+              <a:t>closure,</a:t>
+            </a:r>
+            <a:r>
+              <a:rPr lang="en-GB" dirty="0"/>
+              <a:t> module pattern</a:t>
             </a:r>
           </a:p>
           <a:p>
@@ -12946,8 +13104,20 @@
           <a:p>
             <a:pPr lvl="1"/>
             <a:r>
+              <a:rPr lang="en-GB" dirty="0" smtClean="0"/>
+              <a:t>ECMAScript2015</a:t>
+            </a:r>
+            <a:r>
+              <a:rPr lang="pl-PL" dirty="0" smtClean="0"/>
+              <a:t>,</a:t>
+            </a:r>
+            <a:r>
+              <a:rPr lang="en-GB" dirty="0" smtClean="0"/>
+              <a:t> </a:t>
+            </a:r>
+            <a:r>
               <a:rPr lang="en-GB" dirty="0"/>
-              <a:t>ECMAScript2015, TypeScript, </a:t>
+              <a:t>TypeScript, </a:t>
             </a:r>
             <a:r>
               <a:rPr lang="en-GB" dirty="0" err="1"/>
@@ -13000,7 +13170,7 @@
           <p:cNvPr id="2" name="Tytuł 1">
             <a:extLst>
               <a:ext uri="{FF2B5EF4-FFF2-40B4-BE49-F238E27FC236}">
-                <a16:creationId xmlns:a16="http://schemas.microsoft.com/office/drawing/2014/main" id="{108B77F4-5851-4373-896E-9D4790EA2C87}"/>
+                <a16:creationId xmlns:a16="http://schemas.microsoft.com/office/drawing/2014/main" xmlns="" id="{108B77F4-5851-4373-896E-9D4790EA2C87}"/>
               </a:ext>
             </a:extLst>
           </p:cNvPr>
@@ -13029,7 +13199,7 @@
           <p:cNvPr id="3" name="Symbol zastępczy zawartości 2">
             <a:extLst>
               <a:ext uri="{FF2B5EF4-FFF2-40B4-BE49-F238E27FC236}">
-                <a16:creationId xmlns:a16="http://schemas.microsoft.com/office/drawing/2014/main" id="{61C532A8-27DC-4097-B4AD-28A12AFCBDE8}"/>
+                <a16:creationId xmlns:a16="http://schemas.microsoft.com/office/drawing/2014/main" xmlns="" id="{61C532A8-27DC-4097-B4AD-28A12AFCBDE8}"/>
               </a:ext>
             </a:extLst>
           </p:cNvPr>
@@ -13054,7 +13224,7 @@
           <p:cNvPr id="6146" name="Picture 2" descr="http://www.wns.com/Portals/0/Images/HeaderBanner/desktop/756/106/QnA_header.jpg">
             <a:extLst>
               <a:ext uri="{FF2B5EF4-FFF2-40B4-BE49-F238E27FC236}">
-                <a16:creationId xmlns:a16="http://schemas.microsoft.com/office/drawing/2014/main" id="{74FB1B95-B264-4983-8393-6D22017895B7}"/>
+                <a16:creationId xmlns:a16="http://schemas.microsoft.com/office/drawing/2014/main" xmlns="" id="{74FB1B95-B264-4983-8393-6D22017895B7}"/>
               </a:ext>
             </a:extLst>
           </p:cNvPr>
@@ -13131,7 +13301,7 @@
           <p:cNvPr id="2" name="Tytuł 1">
             <a:extLst>
               <a:ext uri="{FF2B5EF4-FFF2-40B4-BE49-F238E27FC236}">
-                <a16:creationId xmlns:a16="http://schemas.microsoft.com/office/drawing/2014/main" id="{5FADE656-23A3-472B-9028-539E41BF4431}"/>
+                <a16:creationId xmlns:a16="http://schemas.microsoft.com/office/drawing/2014/main" xmlns="" id="{5FADE656-23A3-472B-9028-539E41BF4431}"/>
               </a:ext>
             </a:extLst>
           </p:cNvPr>
@@ -13160,7 +13330,7 @@
           <p:cNvPr id="3" name="Symbol zastępczy zawartości 2">
             <a:extLst>
               <a:ext uri="{FF2B5EF4-FFF2-40B4-BE49-F238E27FC236}">
-                <a16:creationId xmlns:a16="http://schemas.microsoft.com/office/drawing/2014/main" id="{3C1B7354-5CB8-4095-B8FB-473185CF846B}"/>
+                <a16:creationId xmlns:a16="http://schemas.microsoft.com/office/drawing/2014/main" xmlns="" id="{3C1B7354-5CB8-4095-B8FB-473185CF846B}"/>
               </a:ext>
             </a:extLst>
           </p:cNvPr>
@@ -13261,7 +13431,7 @@
           <p:cNvPr id="2" name="Tytuł 1">
             <a:extLst>
               <a:ext uri="{FF2B5EF4-FFF2-40B4-BE49-F238E27FC236}">
-                <a16:creationId xmlns:a16="http://schemas.microsoft.com/office/drawing/2014/main" id="{29595173-8118-423B-B6DE-9B9ABBB5E65E}"/>
+                <a16:creationId xmlns:a16="http://schemas.microsoft.com/office/drawing/2014/main" xmlns="" id="{29595173-8118-423B-B6DE-9B9ABBB5E65E}"/>
               </a:ext>
             </a:extLst>
           </p:cNvPr>
@@ -13277,6 +13447,10 @@
           <a:bodyPr/>
           <a:lstStyle/>
           <a:p>
+            <a:r>
+              <a:rPr lang="pl-PL" dirty="0"/>
+              <a:t/>
+            </a:r>
             <a:br>
               <a:rPr lang="pl-PL" dirty="0"/>
             </a:br>
@@ -13289,7 +13463,7 @@
           <p:cNvPr id="3" name="Symbol zastępczy zawartości 2">
             <a:extLst>
               <a:ext uri="{FF2B5EF4-FFF2-40B4-BE49-F238E27FC236}">
-                <a16:creationId xmlns:a16="http://schemas.microsoft.com/office/drawing/2014/main" id="{FFBC775E-A408-426B-AD64-D760CE493868}"/>
+                <a16:creationId xmlns:a16="http://schemas.microsoft.com/office/drawing/2014/main" xmlns="" id="{FFBC775E-A408-426B-AD64-D760CE493868}"/>
               </a:ext>
             </a:extLst>
           </p:cNvPr>
@@ -13314,7 +13488,7 @@
           <p:cNvPr id="4098" name="Picture 2" descr="feedback.jpg (2101×888)">
             <a:extLst>
               <a:ext uri="{FF2B5EF4-FFF2-40B4-BE49-F238E27FC236}">
-                <a16:creationId xmlns:a16="http://schemas.microsoft.com/office/drawing/2014/main" id="{039166BD-E3EB-4B9E-9CED-885F07B9625A}"/>
+                <a16:creationId xmlns:a16="http://schemas.microsoft.com/office/drawing/2014/main" xmlns="" id="{039166BD-E3EB-4B9E-9CED-885F07B9625A}"/>
               </a:ext>
             </a:extLst>
           </p:cNvPr>
@@ -13391,7 +13565,7 @@
           <p:cNvPr id="7" name="Symbol zastępczy zawartości 6">
             <a:extLst>
               <a:ext uri="{FF2B5EF4-FFF2-40B4-BE49-F238E27FC236}">
-                <a16:creationId xmlns:a16="http://schemas.microsoft.com/office/drawing/2014/main" id="{6BA28FEA-11B1-4CFD-8C3A-83F74FD948C7}"/>
+                <a16:creationId xmlns:a16="http://schemas.microsoft.com/office/drawing/2014/main" xmlns="" id="{6BA28FEA-11B1-4CFD-8C3A-83F74FD948C7}"/>
               </a:ext>
             </a:extLst>
           </p:cNvPr>
@@ -13426,7 +13600,7 @@
           <p:cNvPr id="4" name="Prostokąt 3">
             <a:extLst>
               <a:ext uri="{FF2B5EF4-FFF2-40B4-BE49-F238E27FC236}">
-                <a16:creationId xmlns:a16="http://schemas.microsoft.com/office/drawing/2014/main" id="{8FBBBC71-E9BC-4D7C-92EF-CD881E4586F5}"/>
+                <a16:creationId xmlns:a16="http://schemas.microsoft.com/office/drawing/2014/main" xmlns="" id="{8FBBBC71-E9BC-4D7C-92EF-CD881E4586F5}"/>
               </a:ext>
             </a:extLst>
           </p:cNvPr>
@@ -13448,6 +13622,15 @@
           </a:bodyPr>
           <a:lstStyle/>
           <a:p>
+            <a:r>
+              <a:rPr lang="pl-PL" dirty="0">
+                <a:solidFill>
+                  <a:srgbClr val="000000"/>
+                </a:solidFill>
+                <a:latin typeface="Consolas" panose="020B0609020204030204" pitchFamily="49" charset="0"/>
+              </a:rPr>
+              <a:t/>
+            </a:r>
             <a:br>
               <a:rPr lang="pl-PL" dirty="0">
                 <a:solidFill>
@@ -13456,6 +13639,15 @@
                 <a:latin typeface="Consolas" panose="020B0609020204030204" pitchFamily="49" charset="0"/>
               </a:rPr>
             </a:br>
+            <a:r>
+              <a:rPr lang="pl-PL" dirty="0">
+                <a:solidFill>
+                  <a:srgbClr val="000000"/>
+                </a:solidFill>
+                <a:latin typeface="Consolas" panose="020B0609020204030204" pitchFamily="49" charset="0"/>
+              </a:rPr>
+              <a:t/>
+            </a:r>
             <a:br>
               <a:rPr lang="pl-PL" dirty="0">
                 <a:solidFill>
@@ -13464,6 +13656,15 @@
                 <a:latin typeface="Consolas" panose="020B0609020204030204" pitchFamily="49" charset="0"/>
               </a:rPr>
             </a:br>
+            <a:r>
+              <a:rPr lang="pl-PL" dirty="0">
+                <a:solidFill>
+                  <a:srgbClr val="000000"/>
+                </a:solidFill>
+                <a:latin typeface="Consolas" panose="020B0609020204030204" pitchFamily="49" charset="0"/>
+              </a:rPr>
+              <a:t/>
+            </a:r>
             <a:br>
               <a:rPr lang="pl-PL" dirty="0">
                 <a:solidFill>
@@ -13472,6 +13673,15 @@
                 <a:latin typeface="Consolas" panose="020B0609020204030204" pitchFamily="49" charset="0"/>
               </a:rPr>
             </a:br>
+            <a:r>
+              <a:rPr lang="pl-PL" dirty="0">
+                <a:solidFill>
+                  <a:srgbClr val="000000"/>
+                </a:solidFill>
+                <a:latin typeface="Consolas" panose="020B0609020204030204" pitchFamily="49" charset="0"/>
+              </a:rPr>
+              <a:t/>
+            </a:r>
             <a:br>
               <a:rPr lang="pl-PL" dirty="0">
                 <a:solidFill>
@@ -13480,6 +13690,15 @@
                 <a:latin typeface="Consolas" panose="020B0609020204030204" pitchFamily="49" charset="0"/>
               </a:rPr>
             </a:br>
+            <a:r>
+              <a:rPr lang="pl-PL" dirty="0">
+                <a:solidFill>
+                  <a:srgbClr val="000000"/>
+                </a:solidFill>
+                <a:latin typeface="Consolas" panose="020B0609020204030204" pitchFamily="49" charset="0"/>
+              </a:rPr>
+              <a:t/>
+            </a:r>
             <a:br>
               <a:rPr lang="pl-PL" dirty="0">
                 <a:solidFill>
@@ -13488,6 +13707,15 @@
                 <a:latin typeface="Consolas" panose="020B0609020204030204" pitchFamily="49" charset="0"/>
               </a:rPr>
             </a:br>
+            <a:r>
+              <a:rPr lang="pl-PL" dirty="0">
+                <a:solidFill>
+                  <a:srgbClr val="000000"/>
+                </a:solidFill>
+                <a:latin typeface="Consolas" panose="020B0609020204030204" pitchFamily="49" charset="0"/>
+              </a:rPr>
+              <a:t/>
+            </a:r>
             <a:br>
               <a:rPr lang="pl-PL" dirty="0">
                 <a:solidFill>
@@ -13511,7 +13739,7 @@
           <p:cNvPr id="5" name="Prostokąt 4">
             <a:extLst>
               <a:ext uri="{FF2B5EF4-FFF2-40B4-BE49-F238E27FC236}">
-                <a16:creationId xmlns:a16="http://schemas.microsoft.com/office/drawing/2014/main" id="{0F590A08-7177-4676-95F1-D6675900836D}"/>
+                <a16:creationId xmlns:a16="http://schemas.microsoft.com/office/drawing/2014/main" xmlns="" id="{0F590A08-7177-4676-95F1-D6675900836D}"/>
               </a:ext>
             </a:extLst>
           </p:cNvPr>
@@ -13533,6 +13761,15 @@
           </a:bodyPr>
           <a:lstStyle/>
           <a:p>
+            <a:r>
+              <a:rPr lang="pl-PL" dirty="0">
+                <a:solidFill>
+                  <a:srgbClr val="000000"/>
+                </a:solidFill>
+                <a:latin typeface="Consolas" panose="020B0609020204030204" pitchFamily="49" charset="0"/>
+              </a:rPr>
+              <a:t/>
+            </a:r>
             <a:br>
               <a:rPr lang="pl-PL" dirty="0">
                 <a:solidFill>
@@ -13541,6 +13778,15 @@
                 <a:latin typeface="Consolas" panose="020B0609020204030204" pitchFamily="49" charset="0"/>
               </a:rPr>
             </a:br>
+            <a:r>
+              <a:rPr lang="pl-PL" dirty="0">
+                <a:solidFill>
+                  <a:srgbClr val="000000"/>
+                </a:solidFill>
+                <a:latin typeface="Consolas" panose="020B0609020204030204" pitchFamily="49" charset="0"/>
+              </a:rPr>
+              <a:t/>
+            </a:r>
             <a:br>
               <a:rPr lang="pl-PL" dirty="0">
                 <a:solidFill>
@@ -13549,6 +13795,15 @@
                 <a:latin typeface="Consolas" panose="020B0609020204030204" pitchFamily="49" charset="0"/>
               </a:rPr>
             </a:br>
+            <a:r>
+              <a:rPr lang="pl-PL" dirty="0">
+                <a:solidFill>
+                  <a:srgbClr val="000000"/>
+                </a:solidFill>
+                <a:latin typeface="Consolas" panose="020B0609020204030204" pitchFamily="49" charset="0"/>
+              </a:rPr>
+              <a:t/>
+            </a:r>
             <a:br>
               <a:rPr lang="pl-PL" dirty="0">
                 <a:solidFill>
@@ -13557,6 +13812,15 @@
                 <a:latin typeface="Consolas" panose="020B0609020204030204" pitchFamily="49" charset="0"/>
               </a:rPr>
             </a:br>
+            <a:r>
+              <a:rPr lang="pl-PL" dirty="0">
+                <a:solidFill>
+                  <a:srgbClr val="000000"/>
+                </a:solidFill>
+                <a:latin typeface="Consolas" panose="020B0609020204030204" pitchFamily="49" charset="0"/>
+              </a:rPr>
+              <a:t/>
+            </a:r>
             <a:br>
               <a:rPr lang="pl-PL" dirty="0">
                 <a:solidFill>
@@ -13565,6 +13829,15 @@
                 <a:latin typeface="Consolas" panose="020B0609020204030204" pitchFamily="49" charset="0"/>
               </a:rPr>
             </a:br>
+            <a:r>
+              <a:rPr lang="pl-PL" dirty="0">
+                <a:solidFill>
+                  <a:srgbClr val="000000"/>
+                </a:solidFill>
+                <a:latin typeface="Consolas" panose="020B0609020204030204" pitchFamily="49" charset="0"/>
+              </a:rPr>
+              <a:t/>
+            </a:r>
             <a:br>
               <a:rPr lang="pl-PL" dirty="0">
                 <a:solidFill>
@@ -13573,6 +13846,15 @@
                 <a:latin typeface="Consolas" panose="020B0609020204030204" pitchFamily="49" charset="0"/>
               </a:rPr>
             </a:br>
+            <a:r>
+              <a:rPr lang="pl-PL" dirty="0">
+                <a:solidFill>
+                  <a:srgbClr val="000000"/>
+                </a:solidFill>
+                <a:latin typeface="Consolas" panose="020B0609020204030204" pitchFamily="49" charset="0"/>
+              </a:rPr>
+              <a:t/>
+            </a:r>
             <a:br>
               <a:rPr lang="pl-PL" dirty="0">
                 <a:solidFill>
@@ -13596,7 +13878,7 @@
           <p:cNvPr id="2" name="Tytuł 1">
             <a:extLst>
               <a:ext uri="{FF2B5EF4-FFF2-40B4-BE49-F238E27FC236}">
-                <a16:creationId xmlns:a16="http://schemas.microsoft.com/office/drawing/2014/main" id="{9D9CADC2-464B-4662-A905-9C78A94760DD}"/>
+                <a16:creationId xmlns:a16="http://schemas.microsoft.com/office/drawing/2014/main" xmlns="" id="{9D9CADC2-464B-4662-A905-9C78A94760DD}"/>
               </a:ext>
             </a:extLst>
           </p:cNvPr>
@@ -13660,7 +13942,7 @@
           <p:cNvPr id="2" name="Tytuł 1">
             <a:extLst>
               <a:ext uri="{FF2B5EF4-FFF2-40B4-BE49-F238E27FC236}">
-                <a16:creationId xmlns:a16="http://schemas.microsoft.com/office/drawing/2014/main" id="{3498F6BD-CB79-4DF2-B530-93A915097F89}"/>
+                <a16:creationId xmlns:a16="http://schemas.microsoft.com/office/drawing/2014/main" xmlns="" id="{3498F6BD-CB79-4DF2-B530-93A915097F89}"/>
               </a:ext>
             </a:extLst>
           </p:cNvPr>
@@ -13694,7 +13976,7 @@
           <p:cNvPr id="3" name="Symbol zastępczy zawartości 2">
             <a:extLst>
               <a:ext uri="{FF2B5EF4-FFF2-40B4-BE49-F238E27FC236}">
-                <a16:creationId xmlns:a16="http://schemas.microsoft.com/office/drawing/2014/main" id="{D33C3744-2045-44E7-837F-D49C8FFF31E6}"/>
+                <a16:creationId xmlns:a16="http://schemas.microsoft.com/office/drawing/2014/main" xmlns="" id="{D33C3744-2045-44E7-837F-D49C8FFF31E6}"/>
               </a:ext>
             </a:extLst>
           </p:cNvPr>
@@ -13877,7 +14159,7 @@
           <p:cNvPr id="2" name="Tytuł 1">
             <a:extLst>
               <a:ext uri="{FF2B5EF4-FFF2-40B4-BE49-F238E27FC236}">
-                <a16:creationId xmlns:a16="http://schemas.microsoft.com/office/drawing/2014/main" id="{999255DC-4E2E-45F6-82A0-0E7656A8857C}"/>
+                <a16:creationId xmlns:a16="http://schemas.microsoft.com/office/drawing/2014/main" xmlns="" id="{999255DC-4E2E-45F6-82A0-0E7656A8857C}"/>
               </a:ext>
             </a:extLst>
           </p:cNvPr>
@@ -13911,7 +14193,7 @@
           <p:cNvPr id="5" name="Prostokąt: zaokrąglone rogi 4">
             <a:extLst>
               <a:ext uri="{FF2B5EF4-FFF2-40B4-BE49-F238E27FC236}">
-                <a16:creationId xmlns:a16="http://schemas.microsoft.com/office/drawing/2014/main" id="{62B2373E-E5BA-479F-89FA-12C3FC7018A9}"/>
+                <a16:creationId xmlns:a16="http://schemas.microsoft.com/office/drawing/2014/main" xmlns="" id="{62B2373E-E5BA-479F-89FA-12C3FC7018A9}"/>
               </a:ext>
             </a:extLst>
           </p:cNvPr>
@@ -13968,7 +14250,7 @@
           <p:cNvPr id="3" name="Symbol zastępczy zawartości 2">
             <a:extLst>
               <a:ext uri="{FF2B5EF4-FFF2-40B4-BE49-F238E27FC236}">
-                <a16:creationId xmlns:a16="http://schemas.microsoft.com/office/drawing/2014/main" id="{6C5F2416-72AD-481B-853A-0575FB080EBA}"/>
+                <a16:creationId xmlns:a16="http://schemas.microsoft.com/office/drawing/2014/main" xmlns="" id="{6C5F2416-72AD-481B-853A-0575FB080EBA}"/>
               </a:ext>
             </a:extLst>
           </p:cNvPr>
@@ -14507,7 +14789,7 @@
           <p:cNvPr id="4" name="Uśmiechnięta buźka 3">
             <a:extLst>
               <a:ext uri="{FF2B5EF4-FFF2-40B4-BE49-F238E27FC236}">
-                <a16:creationId xmlns:a16="http://schemas.microsoft.com/office/drawing/2014/main" id="{ED6D7D81-8EFD-4A50-9658-71D8F468CE9C}"/>
+                <a16:creationId xmlns:a16="http://schemas.microsoft.com/office/drawing/2014/main" xmlns="" id="{ED6D7D81-8EFD-4A50-9658-71D8F468CE9C}"/>
               </a:ext>
             </a:extLst>
           </p:cNvPr>
@@ -14551,7 +14833,7 @@
           <p:cNvPr id="6" name="Prostokąt 5">
             <a:extLst>
               <a:ext uri="{FF2B5EF4-FFF2-40B4-BE49-F238E27FC236}">
-                <a16:creationId xmlns:a16="http://schemas.microsoft.com/office/drawing/2014/main" id="{8A76B395-FF69-4550-BEB4-3FC21AB8914D}"/>
+                <a16:creationId xmlns:a16="http://schemas.microsoft.com/office/drawing/2014/main" xmlns="" id="{8A76B395-FF69-4550-BEB4-3FC21AB8914D}"/>
               </a:ext>
             </a:extLst>
           </p:cNvPr>
@@ -15096,7 +15378,7 @@
           <p:cNvPr id="13" name="Prostokąt: zaokrąglone rogi 12">
             <a:extLst>
               <a:ext uri="{FF2B5EF4-FFF2-40B4-BE49-F238E27FC236}">
-                <a16:creationId xmlns:a16="http://schemas.microsoft.com/office/drawing/2014/main" id="{56EDD65E-0BFF-49BE-B1BE-64F498E62143}"/>
+                <a16:creationId xmlns:a16="http://schemas.microsoft.com/office/drawing/2014/main" xmlns="" id="{56EDD65E-0BFF-49BE-B1BE-64F498E62143}"/>
               </a:ext>
             </a:extLst>
           </p:cNvPr>
@@ -15168,7 +15450,7 @@
           <p:cNvPr id="2" name="Tytuł 1">
             <a:extLst>
               <a:ext uri="{FF2B5EF4-FFF2-40B4-BE49-F238E27FC236}">
-                <a16:creationId xmlns:a16="http://schemas.microsoft.com/office/drawing/2014/main" id="{83FC05E8-B10E-4A1E-A803-7040C218E79D}"/>
+                <a16:creationId xmlns:a16="http://schemas.microsoft.com/office/drawing/2014/main" xmlns="" id="{83FC05E8-B10E-4A1E-A803-7040C218E79D}"/>
               </a:ext>
             </a:extLst>
           </p:cNvPr>
@@ -15214,7 +15496,7 @@
           <p:cNvPr id="3" name="Symbol zastępczy zawartości 2">
             <a:extLst>
               <a:ext uri="{FF2B5EF4-FFF2-40B4-BE49-F238E27FC236}">
-                <a16:creationId xmlns:a16="http://schemas.microsoft.com/office/drawing/2014/main" id="{A53E0B28-793E-42EA-A7A7-E0C5D9ACCF98}"/>
+                <a16:creationId xmlns:a16="http://schemas.microsoft.com/office/drawing/2014/main" xmlns="" id="{A53E0B28-793E-42EA-A7A7-E0C5D9ACCF98}"/>
               </a:ext>
             </a:extLst>
           </p:cNvPr>
@@ -15778,7 +16060,7 @@
           <p:cNvPr id="4" name="Znak mnożenia 3">
             <a:extLst>
               <a:ext uri="{FF2B5EF4-FFF2-40B4-BE49-F238E27FC236}">
-                <a16:creationId xmlns:a16="http://schemas.microsoft.com/office/drawing/2014/main" id="{3B8840BA-6011-4DD9-BF15-C4C836DAAF48}"/>
+                <a16:creationId xmlns:a16="http://schemas.microsoft.com/office/drawing/2014/main" xmlns="" id="{3B8840BA-6011-4DD9-BF15-C4C836DAAF48}"/>
               </a:ext>
             </a:extLst>
           </p:cNvPr>
@@ -15827,7 +16109,7 @@
           <p:cNvPr id="5" name="Obraz 4">
             <a:extLst>
               <a:ext uri="{FF2B5EF4-FFF2-40B4-BE49-F238E27FC236}">
-                <a16:creationId xmlns:a16="http://schemas.microsoft.com/office/drawing/2014/main" id="{650225C6-B39E-4AB3-8A3B-C74F69CADF8E}"/>
+                <a16:creationId xmlns:a16="http://schemas.microsoft.com/office/drawing/2014/main" xmlns="" id="{650225C6-B39E-4AB3-8A3B-C74F69CADF8E}"/>
               </a:ext>
             </a:extLst>
           </p:cNvPr>
@@ -15893,7 +16175,7 @@
           <p:cNvPr id="2" name="Tytuł 1">
             <a:extLst>
               <a:ext uri="{FF2B5EF4-FFF2-40B4-BE49-F238E27FC236}">
-                <a16:creationId xmlns:a16="http://schemas.microsoft.com/office/drawing/2014/main" id="{7A4C0D29-EA2A-4548-8F42-726DBDF5FFD8}"/>
+                <a16:creationId xmlns:a16="http://schemas.microsoft.com/office/drawing/2014/main" xmlns="" id="{7A4C0D29-EA2A-4548-8F42-726DBDF5FFD8}"/>
               </a:ext>
             </a:extLst>
           </p:cNvPr>
@@ -15929,7 +16211,7 @@
           <p:cNvPr id="3" name="Symbol zastępczy zawartości 2">
             <a:extLst>
               <a:ext uri="{FF2B5EF4-FFF2-40B4-BE49-F238E27FC236}">
-                <a16:creationId xmlns:a16="http://schemas.microsoft.com/office/drawing/2014/main" id="{EFDB322C-1461-4441-84C5-A57D191B5BA7}"/>
+                <a16:creationId xmlns:a16="http://schemas.microsoft.com/office/drawing/2014/main" xmlns="" id="{EFDB322C-1461-4441-84C5-A57D191B5BA7}"/>
               </a:ext>
             </a:extLst>
           </p:cNvPr>
@@ -16014,6 +16296,15 @@
             <a:pPr marL="0" indent="0">
               <a:buNone/>
             </a:pPr>
+            <a:r>
+              <a:rPr lang="pl-PL" dirty="0">
+                <a:solidFill>
+                  <a:srgbClr val="000000"/>
+                </a:solidFill>
+                <a:latin typeface="Consolas" panose="020B0609020204030204" pitchFamily="49" charset="0"/>
+              </a:rPr>
+              <a:t/>
+            </a:r>
             <a:br>
               <a:rPr lang="pl-PL" dirty="0">
                 <a:solidFill>
@@ -16081,7 +16372,7 @@
           <p:cNvPr id="2" name="Tytuł 1">
             <a:extLst>
               <a:ext uri="{FF2B5EF4-FFF2-40B4-BE49-F238E27FC236}">
-                <a16:creationId xmlns:a16="http://schemas.microsoft.com/office/drawing/2014/main" id="{C36F846F-F808-477F-B768-B830B9573D92}"/>
+                <a16:creationId xmlns:a16="http://schemas.microsoft.com/office/drawing/2014/main" xmlns="" id="{C36F846F-F808-477F-B768-B830B9573D92}"/>
               </a:ext>
             </a:extLst>
           </p:cNvPr>
@@ -16115,7 +16406,7 @@
           <p:cNvPr id="5" name="Symbol zastępczy zawartości 2">
             <a:extLst>
               <a:ext uri="{FF2B5EF4-FFF2-40B4-BE49-F238E27FC236}">
-                <a16:creationId xmlns:a16="http://schemas.microsoft.com/office/drawing/2014/main" id="{378CBC48-8BC1-423C-9137-C2D451BB6D57}"/>
+                <a16:creationId xmlns:a16="http://schemas.microsoft.com/office/drawing/2014/main" xmlns="" id="{378CBC48-8BC1-423C-9137-C2D451BB6D57}"/>
               </a:ext>
             </a:extLst>
           </p:cNvPr>
@@ -17045,7 +17336,7 @@
   <a:extraClrSchemeLst/>
   <a:extLst>
     <a:ext uri="{05A4C25C-085E-4340-85A3-A5531E510DB2}">
-      <thm15:themeFamily xmlns:thm15="http://schemas.microsoft.com/office/thememl/2012/main" name="Office Theme" id="{62F939B6-93AF-4DB8-9C6B-D6C7DFDC589F}" vid="{4A3C46E8-61CC-4603-A589-7422A47A8E4A}"/>
+      <thm15:themeFamily xmlns:thm15="http://schemas.microsoft.com/office/thememl/2012/main" xmlns="" name="Office Theme" id="{62F939B6-93AF-4DB8-9C6B-D6C7DFDC589F}" vid="{4A3C46E8-61CC-4603-A589-7422A47A8E4A}"/>
     </a:ext>
   </a:extLst>
 </a:theme>
@@ -17340,7 +17631,7 @@
   <a:extraClrSchemeLst/>
   <a:extLst>
     <a:ext uri="{05A4C25C-085E-4340-85A3-A5531E510DB2}">
-      <thm15:themeFamily xmlns:thm15="http://schemas.microsoft.com/office/thememl/2012/main" name="Office Theme" id="{62F939B6-93AF-4DB8-9C6B-D6C7DFDC589F}" vid="{4A3C46E8-61CC-4603-A589-7422A47A8E4A}"/>
+      <thm15:themeFamily xmlns:thm15="http://schemas.microsoft.com/office/thememl/2012/main" xmlns="" name="Office Theme" id="{62F939B6-93AF-4DB8-9C6B-D6C7DFDC589F}" vid="{4A3C46E8-61CC-4603-A589-7422A47A8E4A}"/>
     </a:ext>
   </a:extLst>
 </a:theme>

--- a/JsTraining-presentation/JS Training.pptx
+++ b/JsTraining-presentation/JS Training.pptx
@@ -152,10 +152,6 @@
 </p:cmAuthorLst>
 </file>
 
-<file path=ppt/revisionInfo.xml><?xml version="1.0" encoding="utf-8"?>
-<p1510:revInfo xmlns:a="http://schemas.openxmlformats.org/drawingml/2006/main" xmlns:r="http://schemas.openxmlformats.org/officeDocument/2006/relationships" xmlns:p1510="http://schemas.microsoft.com/office/powerpoint/2015/10/main"/>
-</file>
-
 <file path=ppt/notesMasters/notesMaster1.xml><?xml version="1.0" encoding="utf-8"?>
 <p:notesMaster xmlns:a="http://schemas.openxmlformats.org/drawingml/2006/main" xmlns:r="http://schemas.openxmlformats.org/officeDocument/2006/relationships" xmlns:p="http://schemas.openxmlformats.org/presentationml/2006/main">
   <p:cSld>
@@ -1514,6 +1510,90 @@
     <p:extLst>
       <p:ext uri="{BB962C8B-B14F-4D97-AF65-F5344CB8AC3E}">
         <p14:creationId xmlns:p14="http://schemas.microsoft.com/office/powerpoint/2010/main" val="3599588711"/>
+      </p:ext>
+    </p:extLst>
+  </p:cSld>
+  <p:clrMapOvr>
+    <a:masterClrMapping/>
+  </p:clrMapOvr>
+</p:notes>
+</file>
+
+<file path=ppt/notesSlides/notesSlide17.xml><?xml version="1.0" encoding="utf-8"?>
+<p:notes xmlns:a="http://schemas.openxmlformats.org/drawingml/2006/main" xmlns:r="http://schemas.openxmlformats.org/officeDocument/2006/relationships" xmlns:p="http://schemas.openxmlformats.org/presentationml/2006/main">
+  <p:cSld>
+    <p:spTree>
+      <p:nvGrpSpPr>
+        <p:cNvPr id="1" name=""/>
+        <p:cNvGrpSpPr/>
+        <p:nvPr/>
+      </p:nvGrpSpPr>
+      <p:grpSpPr>
+        <a:xfrm>
+          <a:off x="0" y="0"/>
+          <a:ext cx="0" cy="0"/>
+          <a:chOff x="0" y="0"/>
+          <a:chExt cx="0" cy="0"/>
+        </a:xfrm>
+      </p:grpSpPr>
+      <p:sp>
+        <p:nvSpPr>
+          <p:cNvPr id="2" name="Symbol zastępczy obrazu slajdu 1"/>
+          <p:cNvSpPr>
+            <a:spLocks noGrp="1" noRot="1" noChangeAspect="1"/>
+          </p:cNvSpPr>
+          <p:nvPr>
+            <p:ph type="sldImg"/>
+          </p:nvPr>
+        </p:nvSpPr>
+        <p:spPr/>
+      </p:sp>
+      <p:sp>
+        <p:nvSpPr>
+          <p:cNvPr id="3" name="Symbol zastępczy notatek 2"/>
+          <p:cNvSpPr>
+            <a:spLocks noGrp="1"/>
+          </p:cNvSpPr>
+          <p:nvPr>
+            <p:ph type="body" idx="1"/>
+          </p:nvPr>
+        </p:nvSpPr>
+        <p:spPr/>
+        <p:txBody>
+          <a:bodyPr/>
+          <a:lstStyle/>
+          <a:p>
+            <a:endParaRPr lang="pl-PL" dirty="0"/>
+          </a:p>
+        </p:txBody>
+      </p:sp>
+      <p:sp>
+        <p:nvSpPr>
+          <p:cNvPr id="4" name="Symbol zastępczy numeru slajdu 3"/>
+          <p:cNvSpPr>
+            <a:spLocks noGrp="1"/>
+          </p:cNvSpPr>
+          <p:nvPr>
+            <p:ph type="sldNum" sz="quarter" idx="10"/>
+          </p:nvPr>
+        </p:nvSpPr>
+        <p:spPr/>
+        <p:txBody>
+          <a:bodyPr/>
+          <a:lstStyle/>
+          <a:p>
+            <a:fld id="{4E272AE2-02A2-4B8F-AAEA-7ADC3F971F81}" type="slidenum">
+              <a:rPr lang="pl-PL" smtClean="0"/>
+              <a:t>24</a:t>
+            </a:fld>
+            <a:endParaRPr lang="pl-PL"/>
+          </a:p>
+        </p:txBody>
+      </p:sp>
+    </p:spTree>
+    <p:extLst>
+      <p:ext uri="{BB962C8B-B14F-4D97-AF65-F5344CB8AC3E}">
+        <p14:creationId xmlns:p14="http://schemas.microsoft.com/office/powerpoint/2010/main" val="2245870974"/>
       </p:ext>
     </p:extLst>
   </p:cSld>
@@ -6411,7 +6491,7 @@
         <p:spPr>
           <a:xfrm>
             <a:off x="838200" y="1825625"/>
-            <a:ext cx="5055824" cy="4351338"/>
+            <a:ext cx="4780402" cy="4351338"/>
           </a:xfrm>
         </p:spPr>
         <p:txBody>
@@ -6424,39 +6504,39 @@
               <a:buNone/>
             </a:pPr>
             <a:r>
-              <a:rPr lang="en-US" sz="2400" dirty="0"/>
+              <a:rPr lang="en-US" sz="2800" dirty="0"/>
               <a:t>JavaScript mechanism where </a:t>
             </a:r>
             <a:r>
-              <a:rPr lang="en-US" sz="2400" b="1" dirty="0"/>
+              <a:rPr lang="en-US" sz="2800" b="1" dirty="0"/>
               <a:t>variables</a:t>
             </a:r>
             <a:r>
-              <a:rPr lang="en-US" sz="2400" dirty="0"/>
+              <a:rPr lang="en-US" sz="2800" dirty="0"/>
               <a:t> and </a:t>
             </a:r>
             <a:r>
-              <a:rPr lang="en-US" sz="2400" b="1" dirty="0"/>
+              <a:rPr lang="en-US" sz="2800" b="1" dirty="0"/>
               <a:t>function</a:t>
             </a:r>
             <a:r>
-              <a:rPr lang="en-US" sz="2400" dirty="0"/>
+              <a:rPr lang="en-US" sz="2800" dirty="0"/>
               <a:t> </a:t>
             </a:r>
             <a:r>
-              <a:rPr lang="en-US" sz="2400" b="1" dirty="0"/>
+              <a:rPr lang="en-US" sz="2800" b="1" dirty="0"/>
               <a:t>declarations</a:t>
             </a:r>
             <a:r>
-              <a:rPr lang="en-US" sz="2400" dirty="0"/>
+              <a:rPr lang="en-US" sz="2800" dirty="0"/>
               <a:t> are moved to the </a:t>
             </a:r>
             <a:r>
-              <a:rPr lang="en-US" sz="2400" b="1" dirty="0"/>
+              <a:rPr lang="en-US" sz="2800" b="1" dirty="0"/>
               <a:t>top</a:t>
             </a:r>
             <a:r>
-              <a:rPr lang="en-US" sz="2400" dirty="0"/>
+              <a:rPr lang="en-US" sz="2800" dirty="0"/>
               <a:t> of their scope before code execution.</a:t>
             </a:r>
           </a:p>
@@ -7865,17 +7945,18 @@
               <a:buNone/>
             </a:pPr>
             <a:r>
-              <a:rPr lang="en-US" sz="2400" dirty="0"/>
+              <a:rPr lang="en-US" sz="2800" dirty="0"/>
               <a:t>A </a:t>
             </a:r>
             <a:r>
-              <a:rPr lang="en-US" sz="2400" b="1" dirty="0"/>
+              <a:rPr lang="en-US" sz="2800" b="1" dirty="0"/>
               <a:t>closure</a:t>
             </a:r>
             <a:r>
-              <a:rPr lang="en-US" sz="2400" dirty="0"/>
-              <a:t> is an inner function that has access to the outer (enclosing) function's variables—scope chain. </a:t>
-            </a:r>
+              <a:rPr lang="en-US" sz="2800" dirty="0"/>
+              <a:t> is an inner function that has access to the outer (enclosing) function's variables and scope chain. </a:t>
+            </a:r>
+            <a:endParaRPr lang="en-US" sz="2400" dirty="0"/>
           </a:p>
           <a:p>
             <a:pPr marL="0" indent="0">
@@ -7995,7 +8076,7 @@
         </p:blipFill>
         <p:spPr>
           <a:xfrm>
-            <a:off x="8722995" y="4450251"/>
+            <a:off x="9107470" y="2390096"/>
             <a:ext cx="2315906" cy="1726712"/>
           </a:xfrm>
           <a:prstGeom prst="rect">
@@ -8003,6 +8084,54 @@
           </a:prstGeom>
         </p:spPr>
       </p:pic>
+      <p:sp>
+        <p:nvSpPr>
+          <p:cNvPr id="5" name="Tytuł 1">
+            <a:extLst>
+              <a:ext uri="{FF2B5EF4-FFF2-40B4-BE49-F238E27FC236}">
+                <a16:creationId xmlns:a16="http://schemas.microsoft.com/office/drawing/2014/main" id="{89BFB9E2-7422-4598-932E-36A18F491214}"/>
+              </a:ext>
+            </a:extLst>
+          </p:cNvPr>
+          <p:cNvSpPr txBox="1">
+            <a:spLocks/>
+          </p:cNvSpPr>
+          <p:nvPr/>
+        </p:nvSpPr>
+        <p:spPr>
+          <a:xfrm>
+            <a:off x="450576" y="321100"/>
+            <a:ext cx="10972800" cy="1143000"/>
+          </a:xfrm>
+          <a:prstGeom prst="rect">
+            <a:avLst/>
+          </a:prstGeom>
+        </p:spPr>
+        <p:txBody>
+          <a:bodyPr vert="horz" lIns="91440" tIns="45720" rIns="91440" bIns="45720" rtlCol="0" anchor="t" anchorCtr="0">
+            <a:noAutofit/>
+          </a:bodyPr>
+          <a:lstStyle>
+            <a:lvl1pPr algn="l" defTabSz="914400" rtl="0" eaLnBrk="1" latinLnBrk="0" hangingPunct="1">
+              <a:spcBef>
+                <a:spcPct val="0"/>
+              </a:spcBef>
+              <a:buNone/>
+              <a:defRPr lang="en-US" sz="3200" b="1" kern="1200" smtClean="0">
+                <a:solidFill>
+                  <a:schemeClr val="tx2"/>
+                </a:solidFill>
+                <a:latin typeface="Arial" pitchFamily="34" charset="0"/>
+                <a:ea typeface="+mj-ea"/>
+                <a:cs typeface="Arial" pitchFamily="34" charset="0"/>
+              </a:defRPr>
+            </a:lvl1pPr>
+          </a:lstStyle>
+          <a:p>
+            <a:endParaRPr lang="pl-PL" b="0" dirty="0"/>
+          </a:p>
+        </p:txBody>
+      </p:sp>
     </p:spTree>
     <p:extLst>
       <p:ext uri="{BB962C8B-B14F-4D97-AF65-F5344CB8AC3E}">
@@ -8527,7 +8656,7 @@
         </p:spPr>
         <p:txBody>
           <a:bodyPr>
-            <a:normAutofit/>
+            <a:normAutofit fontScale="92500" lnSpcReduction="10000"/>
           </a:bodyPr>
           <a:lstStyle/>
           <a:p>
@@ -8535,7 +8664,7 @@
               <a:buNone/>
             </a:pPr>
             <a:r>
-              <a:rPr lang="pl-PL" noProof="1">
+              <a:rPr lang="pl-PL" sz="2400" noProof="1">
                 <a:solidFill>
                   <a:srgbClr val="0000FF"/>
                 </a:solidFill>
@@ -8544,7 +8673,7 @@
               <a:t>var</a:t>
             </a:r>
             <a:r>
-              <a:rPr lang="pl-PL" dirty="0">
+              <a:rPr lang="pl-PL" sz="2400" dirty="0">
                 <a:solidFill>
                   <a:srgbClr val="000000"/>
                 </a:solidFill>
@@ -8553,7 +8682,7 @@
               <a:t> </a:t>
             </a:r>
             <a:r>
-              <a:rPr lang="pl-PL" dirty="0">
+              <a:rPr lang="pl-PL" sz="2400" dirty="0">
                 <a:solidFill>
                   <a:srgbClr val="001080"/>
                 </a:solidFill>
@@ -8562,7 +8691,7 @@
               <a:t>MODULE</a:t>
             </a:r>
             <a:r>
-              <a:rPr lang="pl-PL" dirty="0">
+              <a:rPr lang="pl-PL" sz="2400" dirty="0">
                 <a:solidFill>
                   <a:srgbClr val="000000"/>
                 </a:solidFill>
@@ -8571,7 +8700,7 @@
               <a:t> = (</a:t>
             </a:r>
             <a:r>
-              <a:rPr lang="pl-PL" dirty="0">
+              <a:rPr lang="pl-PL" sz="2400" dirty="0">
                 <a:solidFill>
                   <a:srgbClr val="0000FF"/>
                 </a:solidFill>
@@ -8580,7 +8709,7 @@
               <a:t>function</a:t>
             </a:r>
             <a:r>
-              <a:rPr lang="pl-PL" dirty="0">
+              <a:rPr lang="pl-PL" sz="2400" dirty="0">
                 <a:solidFill>
                   <a:srgbClr val="000000"/>
                 </a:solidFill>
@@ -8594,7 +8723,7 @@
               <a:buNone/>
             </a:pPr>
             <a:r>
-              <a:rPr lang="pl-PL" dirty="0">
+              <a:rPr lang="pl-PL" sz="2400" dirty="0">
                 <a:solidFill>
                   <a:srgbClr val="000000"/>
                 </a:solidFill>
@@ -8603,7 +8732,7 @@
               <a:t>    </a:t>
             </a:r>
             <a:r>
-              <a:rPr lang="pl-PL" dirty="0" err="1">
+              <a:rPr lang="pl-PL" sz="2400" dirty="0" err="1">
                 <a:solidFill>
                   <a:srgbClr val="0000FF"/>
                 </a:solidFill>
@@ -8612,7 +8741,7 @@
               <a:t>var</a:t>
             </a:r>
             <a:r>
-              <a:rPr lang="pl-PL" dirty="0">
+              <a:rPr lang="pl-PL" sz="2400" dirty="0">
                 <a:solidFill>
                   <a:srgbClr val="000000"/>
                 </a:solidFill>
@@ -8621,7 +8750,7 @@
               <a:t> </a:t>
             </a:r>
             <a:r>
-              <a:rPr lang="pl-PL" dirty="0">
+              <a:rPr lang="pl-PL" sz="2400" dirty="0">
                 <a:solidFill>
                   <a:srgbClr val="001080"/>
                 </a:solidFill>
@@ -8630,7 +8759,7 @@
               <a:t>my</a:t>
             </a:r>
             <a:r>
-              <a:rPr lang="pl-PL" dirty="0">
+              <a:rPr lang="pl-PL" sz="2400" dirty="0">
                 <a:solidFill>
                   <a:srgbClr val="000000"/>
                 </a:solidFill>
@@ -8644,7 +8773,7 @@
               <a:buNone/>
             </a:pPr>
             <a:r>
-              <a:rPr lang="pl-PL" dirty="0">
+              <a:rPr lang="pl-PL" sz="2400" dirty="0">
                 <a:solidFill>
                   <a:srgbClr val="000000"/>
                 </a:solidFill>
@@ -8653,7 +8782,7 @@
               <a:t>        </a:t>
             </a:r>
             <a:r>
-              <a:rPr lang="pl-PL" dirty="0" err="1">
+              <a:rPr lang="pl-PL" sz="2400" dirty="0" err="1">
                 <a:solidFill>
                   <a:srgbClr val="001080"/>
                 </a:solidFill>
@@ -8662,7 +8791,7 @@
               <a:t>privateVariable</a:t>
             </a:r>
             <a:r>
-              <a:rPr lang="pl-PL" dirty="0">
+              <a:rPr lang="pl-PL" sz="2400" dirty="0">
                 <a:solidFill>
                   <a:srgbClr val="000000"/>
                 </a:solidFill>
@@ -8671,7 +8800,7 @@
               <a:t> = </a:t>
             </a:r>
             <a:r>
-              <a:rPr lang="pl-PL" dirty="0">
+              <a:rPr lang="pl-PL" sz="2400" dirty="0">
                 <a:solidFill>
                   <a:srgbClr val="09885A"/>
                 </a:solidFill>
@@ -8680,7 +8809,7 @@
               <a:t>1</a:t>
             </a:r>
             <a:r>
-              <a:rPr lang="pl-PL" dirty="0">
+              <a:rPr lang="pl-PL" sz="2400" dirty="0">
                 <a:solidFill>
                   <a:srgbClr val="000000"/>
                 </a:solidFill>
@@ -8688,88 +8817,7 @@
               </a:rPr>
               <a:t>;</a:t>
             </a:r>
-          </a:p>
-          <a:p>
-            <a:pPr marL="0" indent="0">
-              <a:buNone/>
-            </a:pPr>
-            <a:br>
-              <a:rPr lang="pl-PL" dirty="0">
-                <a:solidFill>
-                  <a:srgbClr val="000000"/>
-                </a:solidFill>
-                <a:latin typeface="Consolas" panose="020B0609020204030204" pitchFamily="49" charset="0"/>
-              </a:rPr>
-            </a:br>
-            <a:r>
-              <a:rPr lang="pl-PL" dirty="0">
-                <a:solidFill>
-                  <a:srgbClr val="000000"/>
-                </a:solidFill>
-                <a:latin typeface="Consolas" panose="020B0609020204030204" pitchFamily="49" charset="0"/>
-              </a:rPr>
-              <a:t>    </a:t>
-            </a:r>
-            <a:r>
-              <a:rPr lang="pl-PL" dirty="0">
-                <a:solidFill>
-                  <a:srgbClr val="0000FF"/>
-                </a:solidFill>
-                <a:latin typeface="Consolas" panose="020B0609020204030204" pitchFamily="49" charset="0"/>
-              </a:rPr>
-              <a:t>function</a:t>
-            </a:r>
-            <a:r>
-              <a:rPr lang="pl-PL" dirty="0">
-                <a:solidFill>
-                  <a:srgbClr val="000000"/>
-                </a:solidFill>
-                <a:latin typeface="Consolas" panose="020B0609020204030204" pitchFamily="49" charset="0"/>
-              </a:rPr>
-              <a:t> </a:t>
-            </a:r>
-            <a:r>
-              <a:rPr lang="pl-PL" dirty="0" err="1">
-                <a:solidFill>
-                  <a:srgbClr val="795E26"/>
-                </a:solidFill>
-                <a:latin typeface="Consolas" panose="020B0609020204030204" pitchFamily="49" charset="0"/>
-              </a:rPr>
-              <a:t>privateMethod</a:t>
-            </a:r>
-            <a:r>
-              <a:rPr lang="pl-PL" dirty="0">
-                <a:solidFill>
-                  <a:srgbClr val="000000"/>
-                </a:solidFill>
-                <a:latin typeface="Consolas" panose="020B0609020204030204" pitchFamily="49" charset="0"/>
-              </a:rPr>
-              <a:t>() {</a:t>
-            </a:r>
-          </a:p>
-          <a:p>
-            <a:pPr marL="0" indent="0">
-              <a:buNone/>
-            </a:pPr>
-            <a:r>
-              <a:rPr lang="pl-PL" dirty="0">
-                <a:solidFill>
-                  <a:srgbClr val="000000"/>
-                </a:solidFill>
-                <a:latin typeface="Consolas" panose="020B0609020204030204" pitchFamily="49" charset="0"/>
-              </a:rPr>
-              <a:t>        </a:t>
-            </a:r>
-            <a:r>
-              <a:rPr lang="pl-PL" dirty="0">
-                <a:solidFill>
-                  <a:srgbClr val="008000"/>
-                </a:solidFill>
-                <a:latin typeface="Consolas" panose="020B0609020204030204" pitchFamily="49" charset="0"/>
-              </a:rPr>
-              <a:t>// ...</a:t>
-            </a:r>
-            <a:endParaRPr lang="pl-PL" dirty="0">
+            <a:endParaRPr lang="en-GB" sz="2400" dirty="0">
               <a:solidFill>
                 <a:srgbClr val="000000"/>
               </a:solidFill>
@@ -8780,175 +8828,58 @@
             <a:pPr marL="0" indent="0">
               <a:buNone/>
             </a:pPr>
-            <a:r>
-              <a:rPr lang="pl-PL" dirty="0">
+            <a:br>
+              <a:rPr lang="pl-PL" sz="2400" dirty="0">
                 <a:solidFill>
                   <a:srgbClr val="000000"/>
                 </a:solidFill>
                 <a:latin typeface="Consolas" panose="020B0609020204030204" pitchFamily="49" charset="0"/>
               </a:rPr>
-              <a:t>    }</a:t>
-            </a:r>
-            <a:br>
-              <a:rPr lang="pl-PL" dirty="0">
+            </a:br>
+            <a:r>
+              <a:rPr lang="pl-PL" sz="2400" dirty="0">
                 <a:solidFill>
                   <a:srgbClr val="000000"/>
                 </a:solidFill>
                 <a:latin typeface="Consolas" panose="020B0609020204030204" pitchFamily="49" charset="0"/>
               </a:rPr>
-            </a:br>
-            <a:r>
-              <a:rPr lang="pl-PL" dirty="0">
+              <a:t>    </a:t>
+            </a:r>
+            <a:r>
+              <a:rPr lang="pl-PL" sz="2400" dirty="0">
+                <a:solidFill>
+                  <a:srgbClr val="0000FF"/>
+                </a:solidFill>
+                <a:latin typeface="Consolas" panose="020B0609020204030204" pitchFamily="49" charset="0"/>
+              </a:rPr>
+              <a:t>function</a:t>
+            </a:r>
+            <a:r>
+              <a:rPr lang="pl-PL" sz="2400" dirty="0">
                 <a:solidFill>
                   <a:srgbClr val="000000"/>
                 </a:solidFill>
                 <a:latin typeface="Consolas" panose="020B0609020204030204" pitchFamily="49" charset="0"/>
               </a:rPr>
-              <a:t>    </a:t>
-            </a:r>
-            <a:r>
-              <a:rPr lang="pl-PL" dirty="0">
-                <a:solidFill>
-                  <a:srgbClr val="AF00DB"/>
-                </a:solidFill>
-                <a:latin typeface="Consolas" panose="020B0609020204030204" pitchFamily="49" charset="0"/>
-              </a:rPr>
-              <a:t>return</a:t>
-            </a:r>
-            <a:r>
-              <a:rPr lang="pl-PL" dirty="0">
+              <a:t> </a:t>
+            </a:r>
+            <a:r>
+              <a:rPr lang="pl-PL" sz="2400" dirty="0" err="1">
+                <a:solidFill>
+                  <a:srgbClr val="795E26"/>
+                </a:solidFill>
+                <a:latin typeface="Consolas" panose="020B0609020204030204" pitchFamily="49" charset="0"/>
+              </a:rPr>
+              <a:t>privateMethod</a:t>
+            </a:r>
+            <a:r>
+              <a:rPr lang="pl-PL" sz="2400" dirty="0">
                 <a:solidFill>
                   <a:srgbClr val="000000"/>
                 </a:solidFill>
                 <a:latin typeface="Consolas" panose="020B0609020204030204" pitchFamily="49" charset="0"/>
               </a:rPr>
-              <a:t> {</a:t>
-            </a:r>
-            <a:r>
-              <a:rPr lang="en-GB" dirty="0">
-                <a:solidFill>
-                  <a:srgbClr val="000000"/>
-                </a:solidFill>
-                <a:latin typeface="Consolas" panose="020B0609020204030204" pitchFamily="49" charset="0"/>
-              </a:rPr>
-              <a:t> </a:t>
-            </a:r>
-            <a:r>
-              <a:rPr lang="pl-PL" dirty="0" err="1">
-                <a:solidFill>
-                  <a:srgbClr val="001080"/>
-                </a:solidFill>
-                <a:latin typeface="Consolas" panose="020B0609020204030204" pitchFamily="49" charset="0"/>
-              </a:rPr>
-              <a:t>moduleProperty</a:t>
-            </a:r>
-            <a:r>
-              <a:rPr lang="pl-PL" dirty="0">
-                <a:solidFill>
-                  <a:srgbClr val="001080"/>
-                </a:solidFill>
-                <a:latin typeface="Consolas" panose="020B0609020204030204" pitchFamily="49" charset="0"/>
-              </a:rPr>
-              <a:t>:</a:t>
-            </a:r>
-            <a:r>
-              <a:rPr lang="pl-PL" dirty="0">
-                <a:solidFill>
-                  <a:srgbClr val="000000"/>
-                </a:solidFill>
-                <a:latin typeface="Consolas" panose="020B0609020204030204" pitchFamily="49" charset="0"/>
-              </a:rPr>
-              <a:t> </a:t>
-            </a:r>
-            <a:r>
-              <a:rPr lang="pl-PL" dirty="0">
-                <a:solidFill>
-                  <a:srgbClr val="09885A"/>
-                </a:solidFill>
-                <a:latin typeface="Consolas" panose="020B0609020204030204" pitchFamily="49" charset="0"/>
-              </a:rPr>
-              <a:t>1</a:t>
-            </a:r>
-            <a:r>
-              <a:rPr lang="pl-PL" dirty="0">
-                <a:solidFill>
-                  <a:srgbClr val="000000"/>
-                </a:solidFill>
-                <a:latin typeface="Consolas" panose="020B0609020204030204" pitchFamily="49" charset="0"/>
-              </a:rPr>
-              <a:t>,</a:t>
-            </a:r>
-            <a:r>
-              <a:rPr lang="en-GB" dirty="0">
-                <a:solidFill>
-                  <a:srgbClr val="000000"/>
-                </a:solidFill>
-                <a:latin typeface="Consolas" panose="020B0609020204030204" pitchFamily="49" charset="0"/>
-              </a:rPr>
-              <a:t> </a:t>
-            </a:r>
-            <a:r>
-              <a:rPr lang="pl-PL" dirty="0" err="1">
-                <a:solidFill>
-                  <a:srgbClr val="795E26"/>
-                </a:solidFill>
-                <a:latin typeface="Consolas" panose="020B0609020204030204" pitchFamily="49" charset="0"/>
-              </a:rPr>
-              <a:t>moduleMethod</a:t>
-            </a:r>
-            <a:r>
-              <a:rPr lang="pl-PL" dirty="0">
-                <a:solidFill>
-                  <a:srgbClr val="001080"/>
-                </a:solidFill>
-                <a:latin typeface="Consolas" panose="020B0609020204030204" pitchFamily="49" charset="0"/>
-              </a:rPr>
-              <a:t>:</a:t>
-            </a:r>
-            <a:r>
-              <a:rPr lang="pl-PL" dirty="0">
-                <a:solidFill>
-                  <a:srgbClr val="000000"/>
-                </a:solidFill>
-                <a:latin typeface="Consolas" panose="020B0609020204030204" pitchFamily="49" charset="0"/>
-              </a:rPr>
-              <a:t> </a:t>
-            </a:r>
-            <a:r>
-              <a:rPr lang="pl-PL" dirty="0">
-                <a:solidFill>
-                  <a:srgbClr val="0000FF"/>
-                </a:solidFill>
-                <a:latin typeface="Consolas" panose="020B0609020204030204" pitchFamily="49" charset="0"/>
-              </a:rPr>
-              <a:t>function</a:t>
-            </a:r>
-            <a:r>
-              <a:rPr lang="pl-PL" dirty="0">
-                <a:solidFill>
-                  <a:srgbClr val="000000"/>
-                </a:solidFill>
-                <a:latin typeface="Consolas" panose="020B0609020204030204" pitchFamily="49" charset="0"/>
-              </a:rPr>
-              <a:t> () {}</a:t>
-            </a:r>
-            <a:r>
-              <a:rPr lang="en-GB" dirty="0">
-                <a:solidFill>
-                  <a:srgbClr val="000000"/>
-                </a:solidFill>
-                <a:latin typeface="Consolas" panose="020B0609020204030204" pitchFamily="49" charset="0"/>
-              </a:rPr>
-              <a:t> </a:t>
-            </a:r>
-            <a:r>
-              <a:rPr lang="pl-PL" dirty="0">
-                <a:solidFill>
-                  <a:srgbClr val="000000"/>
-                </a:solidFill>
-                <a:latin typeface="Consolas" panose="020B0609020204030204" pitchFamily="49" charset="0"/>
-              </a:rPr>
-              <a:t>};</a:t>
+              <a:t>() {</a:t>
             </a:r>
           </a:p>
           <a:p>
@@ -8956,20 +8887,224 @@
               <a:buNone/>
             </a:pPr>
             <a:r>
-              <a:rPr lang="pl-PL" dirty="0">
+              <a:rPr lang="pl-PL" sz="2400" dirty="0">
                 <a:solidFill>
                   <a:srgbClr val="000000"/>
                 </a:solidFill>
                 <a:latin typeface="Consolas" panose="020B0609020204030204" pitchFamily="49" charset="0"/>
               </a:rPr>
-              <a:t>}());</a:t>
-            </a:r>
+              <a:t>        </a:t>
+            </a:r>
+            <a:r>
+              <a:rPr lang="pl-PL" sz="2400" dirty="0">
+                <a:solidFill>
+                  <a:srgbClr val="008000"/>
+                </a:solidFill>
+                <a:latin typeface="Consolas" panose="020B0609020204030204" pitchFamily="49" charset="0"/>
+              </a:rPr>
+              <a:t>// ...</a:t>
+            </a:r>
+            <a:endParaRPr lang="pl-PL" sz="2400" dirty="0">
+              <a:solidFill>
+                <a:srgbClr val="000000"/>
+              </a:solidFill>
+              <a:latin typeface="Consolas" panose="020B0609020204030204" pitchFamily="49" charset="0"/>
+            </a:endParaRPr>
           </a:p>
           <a:p>
             <a:pPr marL="0" indent="0">
               <a:buNone/>
             </a:pPr>
-            <a:endParaRPr lang="pl-PL" dirty="0"/>
+            <a:r>
+              <a:rPr lang="pl-PL" sz="2400" dirty="0">
+                <a:solidFill>
+                  <a:srgbClr val="000000"/>
+                </a:solidFill>
+                <a:latin typeface="Consolas" panose="020B0609020204030204" pitchFamily="49" charset="0"/>
+              </a:rPr>
+              <a:t>    }</a:t>
+            </a:r>
+            <a:br>
+              <a:rPr lang="pl-PL" sz="2400" dirty="0">
+                <a:solidFill>
+                  <a:srgbClr val="000000"/>
+                </a:solidFill>
+                <a:latin typeface="Consolas" panose="020B0609020204030204" pitchFamily="49" charset="0"/>
+              </a:rPr>
+            </a:br>
+            <a:r>
+              <a:rPr lang="pl-PL" sz="2400" dirty="0">
+                <a:solidFill>
+                  <a:srgbClr val="000000"/>
+                </a:solidFill>
+                <a:latin typeface="Consolas" panose="020B0609020204030204" pitchFamily="49" charset="0"/>
+              </a:rPr>
+              <a:t>    </a:t>
+            </a:r>
+            <a:r>
+              <a:rPr lang="pl-PL" sz="2400" dirty="0">
+                <a:solidFill>
+                  <a:srgbClr val="AF00DB"/>
+                </a:solidFill>
+                <a:latin typeface="Consolas" panose="020B0609020204030204" pitchFamily="49" charset="0"/>
+              </a:rPr>
+              <a:t>return</a:t>
+            </a:r>
+            <a:r>
+              <a:rPr lang="pl-PL" sz="2400" dirty="0">
+                <a:solidFill>
+                  <a:srgbClr val="000000"/>
+                </a:solidFill>
+                <a:latin typeface="Consolas" panose="020B0609020204030204" pitchFamily="49" charset="0"/>
+              </a:rPr>
+              <a:t> {</a:t>
+            </a:r>
+            <a:r>
+              <a:rPr lang="en-GB" sz="2400" dirty="0">
+                <a:solidFill>
+                  <a:srgbClr val="000000"/>
+                </a:solidFill>
+                <a:latin typeface="Consolas" panose="020B0609020204030204" pitchFamily="49" charset="0"/>
+              </a:rPr>
+              <a:t> </a:t>
+            </a:r>
+            <a:r>
+              <a:rPr lang="pl-PL" sz="2400" dirty="0" err="1">
+                <a:solidFill>
+                  <a:srgbClr val="001080"/>
+                </a:solidFill>
+                <a:latin typeface="Consolas" panose="020B0609020204030204" pitchFamily="49" charset="0"/>
+              </a:rPr>
+              <a:t>moduleProperty</a:t>
+            </a:r>
+            <a:r>
+              <a:rPr lang="pl-PL" sz="2400" dirty="0">
+                <a:solidFill>
+                  <a:srgbClr val="001080"/>
+                </a:solidFill>
+                <a:latin typeface="Consolas" panose="020B0609020204030204" pitchFamily="49" charset="0"/>
+              </a:rPr>
+              <a:t>:</a:t>
+            </a:r>
+            <a:r>
+              <a:rPr lang="pl-PL" sz="2400" dirty="0">
+                <a:solidFill>
+                  <a:srgbClr val="000000"/>
+                </a:solidFill>
+                <a:latin typeface="Consolas" panose="020B0609020204030204" pitchFamily="49" charset="0"/>
+              </a:rPr>
+              <a:t> </a:t>
+            </a:r>
+            <a:r>
+              <a:rPr lang="pl-PL" sz="2400" dirty="0">
+                <a:solidFill>
+                  <a:srgbClr val="09885A"/>
+                </a:solidFill>
+                <a:latin typeface="Consolas" panose="020B0609020204030204" pitchFamily="49" charset="0"/>
+              </a:rPr>
+              <a:t>1</a:t>
+            </a:r>
+            <a:r>
+              <a:rPr lang="pl-PL" sz="2400" dirty="0">
+                <a:solidFill>
+                  <a:srgbClr val="000000"/>
+                </a:solidFill>
+                <a:latin typeface="Consolas" panose="020B0609020204030204" pitchFamily="49" charset="0"/>
+              </a:rPr>
+              <a:t>,</a:t>
+            </a:r>
+            <a:r>
+              <a:rPr lang="en-GB" sz="2400" dirty="0">
+                <a:solidFill>
+                  <a:srgbClr val="000000"/>
+                </a:solidFill>
+                <a:latin typeface="Consolas" panose="020B0609020204030204" pitchFamily="49" charset="0"/>
+              </a:rPr>
+              <a:t> </a:t>
+            </a:r>
+            <a:r>
+              <a:rPr lang="pl-PL" sz="2400" dirty="0" err="1">
+                <a:solidFill>
+                  <a:srgbClr val="795E26"/>
+                </a:solidFill>
+                <a:latin typeface="Consolas" panose="020B0609020204030204" pitchFamily="49" charset="0"/>
+              </a:rPr>
+              <a:t>moduleMethod</a:t>
+            </a:r>
+            <a:r>
+              <a:rPr lang="pl-PL" sz="2400" dirty="0">
+                <a:solidFill>
+                  <a:srgbClr val="001080"/>
+                </a:solidFill>
+                <a:latin typeface="Consolas" panose="020B0609020204030204" pitchFamily="49" charset="0"/>
+              </a:rPr>
+              <a:t>:</a:t>
+            </a:r>
+            <a:r>
+              <a:rPr lang="pl-PL" sz="2400" dirty="0">
+                <a:solidFill>
+                  <a:srgbClr val="000000"/>
+                </a:solidFill>
+                <a:latin typeface="Consolas" panose="020B0609020204030204" pitchFamily="49" charset="0"/>
+              </a:rPr>
+              <a:t> </a:t>
+            </a:r>
+            <a:r>
+              <a:rPr lang="pl-PL" sz="2400" dirty="0">
+                <a:solidFill>
+                  <a:srgbClr val="0000FF"/>
+                </a:solidFill>
+                <a:latin typeface="Consolas" panose="020B0609020204030204" pitchFamily="49" charset="0"/>
+              </a:rPr>
+              <a:t>function</a:t>
+            </a:r>
+            <a:r>
+              <a:rPr lang="pl-PL" sz="2400" dirty="0">
+                <a:solidFill>
+                  <a:srgbClr val="000000"/>
+                </a:solidFill>
+                <a:latin typeface="Consolas" panose="020B0609020204030204" pitchFamily="49" charset="0"/>
+              </a:rPr>
+              <a:t> () {}</a:t>
+            </a:r>
+            <a:r>
+              <a:rPr lang="en-GB" sz="2400" dirty="0">
+                <a:solidFill>
+                  <a:srgbClr val="000000"/>
+                </a:solidFill>
+                <a:latin typeface="Consolas" panose="020B0609020204030204" pitchFamily="49" charset="0"/>
+              </a:rPr>
+              <a:t> </a:t>
+            </a:r>
+            <a:r>
+              <a:rPr lang="pl-PL" sz="2400" dirty="0">
+                <a:solidFill>
+                  <a:srgbClr val="000000"/>
+                </a:solidFill>
+                <a:latin typeface="Consolas" panose="020B0609020204030204" pitchFamily="49" charset="0"/>
+              </a:rPr>
+              <a:t>};</a:t>
+            </a:r>
+          </a:p>
+          <a:p>
+            <a:pPr marL="0" indent="0">
+              <a:buNone/>
+            </a:pPr>
+            <a:r>
+              <a:rPr lang="pl-PL" sz="2400" dirty="0">
+                <a:solidFill>
+                  <a:srgbClr val="000000"/>
+                </a:solidFill>
+                <a:latin typeface="Consolas" panose="020B0609020204030204" pitchFamily="49" charset="0"/>
+              </a:rPr>
+              <a:t>}());</a:t>
+            </a:r>
+          </a:p>
+          <a:p>
+            <a:pPr marL="0" indent="0">
+              <a:buNone/>
+            </a:pPr>
+            <a:endParaRPr lang="pl-PL" sz="2400" dirty="0"/>
           </a:p>
         </p:txBody>
       </p:sp>
@@ -9084,7 +9219,7 @@
             <p:ph idx="1"/>
             <p:extLst>
               <p:ext uri="{D42A27DB-BD31-4B8C-83A1-F6EECF244321}">
-                <p14:modId xmlns:p14="http://schemas.microsoft.com/office/powerpoint/2010/main" val="1761453367"/>
+                <p14:modId xmlns:p14="http://schemas.microsoft.com/office/powerpoint/2010/main" val="1034397314"/>
               </p:ext>
             </p:extLst>
           </p:nvPr>
@@ -10050,7 +10185,27 @@
                           <a:effectLst/>
                           <a:latin typeface="Calibri" panose="020F0502020204030204" pitchFamily="34" charset="0"/>
                         </a:rPr>
-                        <a:t>evergreen browsers</a:t>
+                        <a:t>all </a:t>
+                      </a:r>
+                      <a:r>
+                        <a:rPr lang="en-US" sz="2400" b="0" i="0" u="none" strike="noStrike" dirty="0" err="1">
+                          <a:solidFill>
+                            <a:srgbClr val="000000"/>
+                          </a:solidFill>
+                          <a:effectLst/>
+                          <a:latin typeface="Calibri" panose="020F0502020204030204" pitchFamily="34" charset="0"/>
+                        </a:rPr>
+                        <a:t>suported</a:t>
+                      </a:r>
+                      <a:r>
+                        <a:rPr lang="en-US" sz="2400" b="0" i="0" u="none" strike="noStrike" dirty="0">
+                          <a:solidFill>
+                            <a:srgbClr val="000000"/>
+                          </a:solidFill>
+                          <a:effectLst/>
+                          <a:latin typeface="Calibri" panose="020F0502020204030204" pitchFamily="34" charset="0"/>
+                        </a:rPr>
+                        <a:t> browsers</a:t>
                       </a:r>
                       <a:endParaRPr lang="pl-PL" sz="2400" b="0" i="0" u="none" strike="noStrike" dirty="0">
                         <a:solidFill>
@@ -10227,7 +10382,7 @@
                     <a:p>
                       <a:pPr algn="ctr" fontAlgn="t"/>
                       <a:r>
-                        <a:rPr lang="pl-PL" sz="2400" b="0" i="0" u="none" strike="noStrike" dirty="0">
+                        <a:rPr lang="pl-PL" sz="2400" b="0" i="0" u="sng" strike="noStrike" dirty="0">
                           <a:solidFill>
                             <a:srgbClr val="000000"/>
                           </a:solidFill>
@@ -10511,7 +10666,7 @@
                     <a:p>
                       <a:pPr algn="ctr" fontAlgn="t"/>
                       <a:r>
-                        <a:rPr lang="pl-PL" sz="2400" b="0" i="0" u="none" strike="noStrike" dirty="0">
+                        <a:rPr lang="pl-PL" sz="2400" b="0" i="0" u="sng" strike="noStrike" dirty="0">
                           <a:solidFill>
                             <a:srgbClr val="000000"/>
                           </a:solidFill>
@@ -10827,7 +10982,7 @@
                     <a:p>
                       <a:pPr algn="ctr" fontAlgn="t"/>
                       <a:r>
-                        <a:rPr lang="pl-PL" sz="2400" b="0" i="0" u="none" strike="noStrike" dirty="0">
+                        <a:rPr lang="pl-PL" sz="2400" b="0" i="0" u="sng" strike="noStrike" dirty="0">
                           <a:solidFill>
                             <a:srgbClr val="000000"/>
                           </a:solidFill>
@@ -10986,7 +11141,7 @@
             <p:ph idx="1"/>
             <p:extLst>
               <p:ext uri="{D42A27DB-BD31-4B8C-83A1-F6EECF244321}">
-                <p14:modId xmlns:p14="http://schemas.microsoft.com/office/powerpoint/2010/main" val="631249311"/>
+                <p14:modId xmlns:p14="http://schemas.microsoft.com/office/powerpoint/2010/main" val="144999920"/>
               </p:ext>
             </p:extLst>
           </p:nvPr>
@@ -11760,6 +11915,13 @@
                         </a:rPr>
                         <a:t>()</a:t>
                       </a:r>
+                      <a:endParaRPr lang="pl-PL" sz="2800" b="0" i="1" u="none" strike="noStrike" dirty="0">
+                        <a:solidFill>
+                          <a:srgbClr val="000000"/>
+                        </a:solidFill>
+                        <a:effectLst/>
+                        <a:latin typeface="Consolas" panose="020B0609020204030204" pitchFamily="49" charset="0"/>
+                      </a:endParaRPr>
                     </a:p>
                   </a:txBody>
                   <a:tcPr marL="6350" marR="6350" marT="6350" marB="0" anchor="b">
@@ -12012,34 +12174,63 @@
         <p:spPr/>
         <p:txBody>
           <a:bodyPr>
-            <a:normAutofit/>
+            <a:normAutofit lnSpcReduction="10000"/>
           </a:bodyPr>
           <a:lstStyle/>
-          <a:p>
-            <a:r>
-              <a:rPr lang="en-US" sz="2400" b="1" dirty="0"/>
-              <a:t>Strict mode</a:t>
-            </a:r>
-            <a:r>
-              <a:rPr lang="en-US" sz="2400" dirty="0"/>
-              <a:t> is a way to introduce better error-checking into your code. </a:t>
-            </a:r>
-          </a:p>
-          <a:p>
-            <a:endParaRPr lang="en-US" sz="2400" dirty="0"/>
-          </a:p>
-          <a:p>
-            <a:r>
-              <a:rPr lang="en-US" sz="2400" dirty="0"/>
-              <a:t>Put in the beginning of the file or the function:</a:t>
-            </a:r>
-          </a:p>
           <a:p>
             <a:pPr marL="0" indent="0">
               <a:buNone/>
             </a:pPr>
             <a:r>
+              <a:rPr lang="en-US" sz="2800" b="1" dirty="0"/>
+              <a:t>Strict mode</a:t>
+            </a:r>
+            <a:r>
+              <a:rPr lang="en-US" sz="2800" dirty="0"/>
+              <a:t> is a way to introduce better error-checking into your code. </a:t>
+            </a:r>
+          </a:p>
+          <a:p>
+            <a:endParaRPr lang="en-US" sz="2400" dirty="0"/>
+          </a:p>
+          <a:p>
+            <a:r>
               <a:rPr lang="en-US" sz="2400" dirty="0"/>
+              <a:t>Put in the </a:t>
+            </a:r>
+            <a:r>
+              <a:rPr lang="en-US" sz="2400" b="1" dirty="0"/>
+              <a:t>beginning</a:t>
+            </a:r>
+            <a:r>
+              <a:rPr lang="en-US" sz="2400" dirty="0"/>
+              <a:t> of the </a:t>
+            </a:r>
+            <a:r>
+              <a:rPr lang="en-US" sz="2400" b="1" dirty="0"/>
+              <a:t>file</a:t>
+            </a:r>
+            <a:r>
+              <a:rPr lang="en-US" sz="2400" dirty="0"/>
+              <a:t> or the </a:t>
+            </a:r>
+            <a:r>
+              <a:rPr lang="en-US" sz="2400" b="1" dirty="0"/>
+              <a:t>function</a:t>
+            </a:r>
+            <a:r>
+              <a:rPr lang="en-US" sz="2400" dirty="0"/>
+              <a:t>:</a:t>
+            </a:r>
+          </a:p>
+          <a:p>
+            <a:pPr marL="0" indent="0">
+              <a:buNone/>
+            </a:pPr>
+            <a:r>
+              <a:rPr lang="en-US" sz="2800" dirty="0">
+                <a:latin typeface="Consolas" panose="020B0609020204030204" pitchFamily="49" charset="0"/>
+              </a:rPr>
               <a:t>   “use strict”;</a:t>
             </a:r>
           </a:p>
@@ -12362,28 +12553,9 @@
         <p:spPr/>
         <p:txBody>
           <a:bodyPr>
-            <a:normAutofit lnSpcReduction="10000"/>
+            <a:normAutofit/>
           </a:bodyPr>
           <a:lstStyle/>
-          <a:p>
-            <a:pPr marL="0" indent="0">
-              <a:buNone/>
-            </a:pPr>
-            <a:r>
-              <a:rPr lang="en-US" sz="2400" b="1" dirty="0"/>
-              <a:t>Strict mode</a:t>
-            </a:r>
-            <a:r>
-              <a:rPr lang="en-US" sz="2400" dirty="0"/>
-              <a:t> is a way to introduce a better error-checking into your code.</a:t>
-            </a:r>
-          </a:p>
-          <a:p>
-            <a:pPr marL="0" indent="0">
-              <a:buNone/>
-            </a:pPr>
-            <a:endParaRPr lang="en-US" sz="2400" dirty="0"/>
-          </a:p>
           <a:p>
             <a:pPr marL="0" indent="0">
               <a:buNone/>
@@ -12508,7 +12680,7 @@
         </p:blipFill>
         <p:spPr bwMode="auto">
           <a:xfrm>
-            <a:off x="8251633" y="2824913"/>
+            <a:off x="7877060" y="1497150"/>
             <a:ext cx="2632113" cy="1176381"/>
           </a:xfrm>
           <a:prstGeom prst="rect">
@@ -12986,7 +13158,7 @@
         </p:blipFill>
         <p:spPr bwMode="auto">
           <a:xfrm>
-            <a:off x="4880636" y="1770789"/>
+            <a:off x="8322849" y="1264013"/>
             <a:ext cx="2842024" cy="2842024"/>
           </a:xfrm>
           <a:prstGeom prst="rect">
@@ -13073,8 +13245,8 @@
         </p:blipFill>
         <p:spPr>
           <a:xfrm>
-            <a:off x="3223732" y="4891335"/>
-            <a:ext cx="8181975" cy="1181100"/>
+            <a:off x="3025948" y="4290082"/>
+            <a:ext cx="9370270" cy="1352635"/>
           </a:xfrm>
           <a:prstGeom prst="rect">
             <a:avLst/>
@@ -13136,101 +13308,109 @@
           <a:p>
             <a:pPr lvl="1"/>
             <a:r>
-              <a:rPr lang="pl-PL" dirty="0" err="1"/>
+              <a:rPr lang="pl-PL" sz="2400" dirty="0" err="1"/>
               <a:t>TypeScript</a:t>
             </a:r>
-            <a:endParaRPr lang="pl-PL" dirty="0"/>
+            <a:endParaRPr lang="pl-PL" sz="2400" dirty="0"/>
           </a:p>
           <a:p>
             <a:pPr lvl="2"/>
             <a:r>
-              <a:rPr lang="pl-PL" dirty="0"/>
+              <a:rPr lang="pl-PL" sz="2400" dirty="0"/>
               <a:t>Tools: node.js </a:t>
             </a:r>
             <a:r>
-              <a:rPr lang="pl-PL" dirty="0" err="1"/>
+              <a:rPr lang="pl-PL" sz="2400" dirty="0" err="1"/>
               <a:t>tools</a:t>
             </a:r>
             <a:r>
-              <a:rPr lang="pl-PL" dirty="0"/>
+              <a:rPr lang="pl-PL" sz="2400" dirty="0"/>
               <a:t>, Visual Studio, VS </a:t>
             </a:r>
             <a:r>
-              <a:rPr lang="pl-PL" dirty="0" err="1"/>
+              <a:rPr lang="pl-PL" sz="2400" dirty="0" err="1"/>
               <a:t>Code</a:t>
             </a:r>
-            <a:endParaRPr lang="pl-PL" dirty="0"/>
+            <a:endParaRPr lang="pl-PL" sz="2400" dirty="0"/>
           </a:p>
           <a:p>
             <a:pPr lvl="2"/>
             <a:r>
-              <a:rPr lang="pl-PL" dirty="0" err="1"/>
+              <a:rPr lang="en-GB" sz="2400" dirty="0"/>
+              <a:t> </a:t>
+            </a:r>
+            <a:r>
+              <a:rPr lang="pl-PL" sz="2400" dirty="0" err="1"/>
               <a:t>allow-js</a:t>
             </a:r>
-            <a:endParaRPr lang="pl-PL" dirty="0"/>
+            <a:r>
+              <a:rPr lang="en-GB" sz="2400" dirty="0"/>
+              <a:t> option, t</a:t>
+            </a:r>
+            <a:r>
+              <a:rPr lang="pl-PL" sz="2400" dirty="0" err="1"/>
+              <a:t>ype</a:t>
+            </a:r>
+            <a:r>
+              <a:rPr lang="pl-PL" sz="2400" dirty="0"/>
+              <a:t> </a:t>
+            </a:r>
+            <a:r>
+              <a:rPr lang="pl-PL" sz="2400" dirty="0" err="1"/>
+              <a:t>definitions</a:t>
+            </a:r>
+            <a:r>
+              <a:rPr lang="en-GB" sz="2400" dirty="0"/>
+              <a:t> </a:t>
+            </a:r>
+            <a:endParaRPr lang="pl-PL" sz="2400" dirty="0"/>
+          </a:p>
+          <a:p>
+            <a:pPr lvl="1"/>
+            <a:r>
+              <a:rPr lang="pl-PL" sz="2400" dirty="0" err="1"/>
+              <a:t>ECMAScript</a:t>
+            </a:r>
+            <a:r>
+              <a:rPr lang="pl-PL" sz="2400" dirty="0"/>
+              <a:t> 2015 (ES6)</a:t>
+            </a:r>
           </a:p>
           <a:p>
             <a:pPr lvl="2"/>
             <a:r>
-              <a:rPr lang="pl-PL" dirty="0" err="1"/>
-              <a:t>Type</a:t>
-            </a:r>
-            <a:r>
-              <a:rPr lang="pl-PL" dirty="0"/>
+              <a:rPr lang="pl-PL" sz="2400" dirty="0" err="1"/>
+              <a:t>BabelJS</a:t>
+            </a:r>
+            <a:endParaRPr lang="pl-PL" sz="2400" dirty="0"/>
+          </a:p>
+          <a:p>
+            <a:pPr lvl="1"/>
+            <a:r>
+              <a:rPr lang="en-GB" sz="2400" dirty="0"/>
+              <a:t>Output code is t</a:t>
+            </a:r>
+            <a:r>
+              <a:rPr lang="pl-PL" sz="2400" dirty="0" err="1"/>
+              <a:t>argeting</a:t>
+            </a:r>
+            <a:r>
+              <a:rPr lang="pl-PL" sz="2400" dirty="0"/>
               <a:t> </a:t>
             </a:r>
             <a:r>
-              <a:rPr lang="pl-PL" dirty="0" err="1"/>
-              <a:t>definitions</a:t>
-            </a:r>
-            <a:endParaRPr lang="pl-PL" dirty="0"/>
-          </a:p>
-          <a:p>
-            <a:pPr lvl="1"/>
-            <a:r>
-              <a:rPr lang="pl-PL" dirty="0" err="1"/>
-              <a:t>ECMAScript</a:t>
-            </a:r>
-            <a:r>
-              <a:rPr lang="pl-PL" dirty="0"/>
-              <a:t> 2015 (ES6)</a:t>
+              <a:rPr lang="en-GB" sz="2400" dirty="0"/>
+              <a:t>standards :</a:t>
             </a:r>
           </a:p>
           <a:p>
             <a:pPr lvl="2"/>
             <a:r>
-              <a:rPr lang="pl-PL" dirty="0" err="1"/>
-              <a:t>BabelJS</a:t>
-            </a:r>
-            <a:endParaRPr lang="pl-PL" dirty="0"/>
-          </a:p>
-          <a:p>
-            <a:pPr lvl="1"/>
-            <a:r>
-              <a:rPr lang="en-GB" dirty="0"/>
-              <a:t>Output code is t</a:t>
-            </a:r>
-            <a:r>
-              <a:rPr lang="pl-PL" dirty="0" err="1"/>
-              <a:t>argeting</a:t>
-            </a:r>
-            <a:r>
-              <a:rPr lang="pl-PL" dirty="0"/>
+              <a:rPr lang="en-GB" sz="2400" dirty="0"/>
               <a:t> </a:t>
             </a:r>
             <a:r>
-              <a:rPr lang="en-GB" dirty="0"/>
-              <a:t>standards :</a:t>
-            </a:r>
-          </a:p>
-          <a:p>
-            <a:pPr lvl="2"/>
-            <a:r>
-              <a:rPr lang="en-GB" dirty="0"/>
-              <a:t> </a:t>
-            </a:r>
-            <a:r>
-              <a:rPr lang="pl-PL" dirty="0"/>
+              <a:rPr lang="pl-PL" sz="2400" dirty="0"/>
               <a:t>ES 3, ES 5, ES 2015 </a:t>
             </a:r>
           </a:p>
@@ -13455,7 +13635,7 @@
           <p:nvPr/>
         </p:nvPicPr>
         <p:blipFill>
-          <a:blip r:embed="rId2">
+          <a:blip r:embed="rId3">
             <a:extLst>
               <a:ext uri="{28A0092B-C50C-407E-A947-70E740481C1C}">
                 <a14:useLocalDpi xmlns:a14="http://schemas.microsoft.com/office/drawing/2010/main" val="0"/>
@@ -13469,8 +13649,8 @@
         </p:blipFill>
         <p:spPr bwMode="auto">
           <a:xfrm>
-            <a:off x="18854" y="112616"/>
-            <a:ext cx="12192000" cy="6650037"/>
+            <a:off x="0" y="1"/>
+            <a:ext cx="12192000" cy="6940626"/>
           </a:xfrm>
           <a:prstGeom prst="rect">
             <a:avLst/>
@@ -13580,96 +13760,79 @@
         <p:spPr/>
         <p:txBody>
           <a:bodyPr>
-            <a:normAutofit fontScale="85000" lnSpcReduction="10000"/>
+            <a:normAutofit/>
           </a:bodyPr>
           <a:lstStyle/>
           <a:p>
             <a:r>
-              <a:rPr lang="pl-PL" dirty="0">
+              <a:rPr lang="pl-PL" sz="2400" dirty="0">
                 <a:hlinkClick r:id="rId2"/>
               </a:rPr>
               <a:t>https://app.pluralsight.com/library/courses/javascript-from-fundamentals-to-functional-js/table-of-contents</a:t>
             </a:r>
             <a:r>
-              <a:rPr lang="en-GB" dirty="0"/>
+              <a:rPr lang="en-GB" sz="2400" dirty="0"/>
               <a:t> </a:t>
             </a:r>
           </a:p>
           <a:p>
-            <a:endParaRPr lang="en-GB" dirty="0">
-              <a:hlinkClick r:id="rId3"/>
-            </a:endParaRPr>
-          </a:p>
-          <a:p>
-            <a:r>
-              <a:rPr lang="pl-PL" dirty="0">
+            <a:r>
+              <a:rPr lang="pl-PL" sz="2400" dirty="0">
                 <a:hlinkClick r:id="rId3"/>
               </a:rPr>
               <a:t>https://developer.mozilla.org/</a:t>
             </a:r>
             <a:r>
-              <a:rPr lang="en-GB" dirty="0"/>
+              <a:rPr lang="en-GB" sz="2400" dirty="0"/>
               <a:t> </a:t>
             </a:r>
           </a:p>
           <a:p>
-            <a:pPr marL="0" indent="0">
-              <a:buNone/>
-            </a:pPr>
-            <a:endParaRPr lang="en-GB" dirty="0"/>
-          </a:p>
-          <a:p>
-            <a:r>
-              <a:rPr lang="en-GB" dirty="0">
+            <a:r>
+              <a:rPr lang="en-GB" sz="2400" dirty="0">
                 <a:hlinkClick r:id="rId4"/>
               </a:rPr>
               <a:t>https://babeljs.io/learn-es2015/</a:t>
             </a:r>
             <a:r>
-              <a:rPr lang="en-GB" dirty="0"/>
+              <a:rPr lang="en-GB" sz="2400" dirty="0"/>
               <a:t> </a:t>
             </a:r>
           </a:p>
           <a:p>
-            <a:endParaRPr lang="en-GB" dirty="0"/>
-          </a:p>
-          <a:p>
-            <a:r>
-              <a:rPr lang="pl-PL" dirty="0">
+            <a:r>
+              <a:rPr lang="pl-PL" sz="2400" dirty="0">
                 <a:hlinkClick r:id="rId5"/>
               </a:rPr>
               <a:t>https://www.typescriptlang.org/</a:t>
             </a:r>
             <a:r>
-              <a:rPr lang="en-GB" dirty="0"/>
+              <a:rPr lang="en-GB" sz="2400" dirty="0"/>
               <a:t> </a:t>
             </a:r>
           </a:p>
           <a:p>
-            <a:endParaRPr lang="en-GB" dirty="0"/>
-          </a:p>
-          <a:p>
-            <a:r>
-              <a:rPr lang="en-US" dirty="0"/>
+            <a:r>
+              <a:rPr lang="en-US" sz="2400" dirty="0"/>
               <a:t>“JavaScript: The Good Parts”, by Douglas </a:t>
             </a:r>
             <a:r>
-              <a:rPr lang="en-US" dirty="0" err="1"/>
+              <a:rPr lang="en-US" sz="2400" dirty="0" err="1"/>
               <a:t>Crockford</a:t>
             </a:r>
-            <a:endParaRPr lang="en-US" dirty="0"/>
-          </a:p>
-          <a:p>
-            <a:endParaRPr lang="en-GB" dirty="0"/>
-          </a:p>
-          <a:p>
-            <a:endParaRPr lang="pl-PL" dirty="0"/>
-          </a:p>
-          <a:p>
-            <a:endParaRPr lang="en-US" dirty="0"/>
-          </a:p>
-          <a:p>
-            <a:endParaRPr lang="pl-PL" dirty="0"/>
+            <a:endParaRPr lang="en-US" sz="2400" dirty="0"/>
+          </a:p>
+          <a:p>
+            <a:endParaRPr lang="en-GB" sz="2400" dirty="0"/>
+          </a:p>
+          <a:p>
+            <a:endParaRPr lang="pl-PL" sz="2400" dirty="0"/>
+          </a:p>
+          <a:p>
+            <a:endParaRPr lang="en-US" sz="2400" dirty="0"/>
+          </a:p>
+          <a:p>
+            <a:endParaRPr lang="pl-PL" sz="2400" dirty="0"/>
           </a:p>
         </p:txBody>
       </p:sp>
@@ -14259,7 +14422,7 @@
         </p:nvSpPr>
         <p:spPr>
           <a:xfrm>
-            <a:off x="768626" y="415820"/>
+            <a:off x="559303" y="415820"/>
             <a:ext cx="10515600" cy="1325563"/>
           </a:xfrm>
         </p:spPr>
@@ -15890,29 +16053,7 @@
                 <a:ea typeface="Times New Roman" panose="02020603050405020304" pitchFamily="18" charset="0"/>
                 <a:cs typeface="Times New Roman" panose="02020603050405020304" pitchFamily="18" charset="0"/>
               </a:rPr>
-              <a:t> </a:t>
-            </a:r>
-            <a:r>
-              <a:rPr lang="en-GB" sz="3600" b="1" dirty="0">
-                <a:solidFill>
-                  <a:srgbClr val="795E26"/>
-                </a:solidFill>
-                <a:latin typeface="Consolas" panose="020B0609020204030204" pitchFamily="49" charset="0"/>
-                <a:ea typeface="Times New Roman" panose="02020603050405020304" pitchFamily="18" charset="0"/>
-                <a:cs typeface="Times New Roman" panose="02020603050405020304" pitchFamily="18" charset="0"/>
-              </a:rPr>
-              <a:t>f1</a:t>
-            </a:r>
-            <a:r>
-              <a:rPr lang="en-GB" sz="3600" b="1" dirty="0">
-                <a:solidFill>
-                  <a:srgbClr val="000000"/>
-                </a:solidFill>
-                <a:latin typeface="Consolas" panose="020B0609020204030204" pitchFamily="49" charset="0"/>
-                <a:ea typeface="Times New Roman" panose="02020603050405020304" pitchFamily="18" charset="0"/>
-                <a:cs typeface="Times New Roman" panose="02020603050405020304" pitchFamily="18" charset="0"/>
-              </a:rPr>
-              <a:t>() {</a:t>
+              <a:t>(…) {</a:t>
             </a:r>
           </a:p>
           <a:p>

--- a/JsTraining-presentation/JS Training.pptx
+++ b/JsTraining-presentation/JS Training.pptx
@@ -13765,8 +13765,31 @@
           <a:lstStyle/>
           <a:p>
             <a:r>
+              <a:rPr lang="en-GB" sz="2400" dirty="0"/>
+              <a:t>Code + Presentation</a:t>
+            </a:r>
+            <a:r>
+              <a:rPr lang="en-GB" sz="2400"/>
+              <a:t>: </a:t>
+            </a:r>
+            <a:r>
+              <a:rPr lang="en-GB" sz="2400">
+                <a:hlinkClick r:id="rId2"/>
+              </a:rPr>
+              <a:t>https://github.com/dankrz/JsTraining</a:t>
+            </a:r>
+            <a:r>
+              <a:rPr lang="en-GB" sz="2400"/>
+              <a:t> </a:t>
+            </a:r>
+            <a:endParaRPr lang="en-GB" sz="2400" dirty="0">
+              <a:hlinkClick r:id="rId3"/>
+            </a:endParaRPr>
+          </a:p>
+          <a:p>
+            <a:r>
               <a:rPr lang="pl-PL" sz="2400" dirty="0">
-                <a:hlinkClick r:id="rId2"/>
+                <a:hlinkClick r:id="rId3"/>
               </a:rPr>
               <a:t>https://app.pluralsight.com/library/courses/javascript-from-fundamentals-to-functional-js/table-of-contents</a:t>
             </a:r>
@@ -13778,7 +13801,7 @@
           <a:p>
             <a:r>
               <a:rPr lang="pl-PL" sz="2400" dirty="0">
-                <a:hlinkClick r:id="rId3"/>
+                <a:hlinkClick r:id="rId4"/>
               </a:rPr>
               <a:t>https://developer.mozilla.org/</a:t>
             </a:r>
@@ -13790,7 +13813,7 @@
           <a:p>
             <a:r>
               <a:rPr lang="en-GB" sz="2400" dirty="0">
-                <a:hlinkClick r:id="rId4"/>
+                <a:hlinkClick r:id="rId5"/>
               </a:rPr>
               <a:t>https://babeljs.io/learn-es2015/</a:t>
             </a:r>
@@ -13802,7 +13825,7 @@
           <a:p>
             <a:r>
               <a:rPr lang="pl-PL" sz="2400" dirty="0">
-                <a:hlinkClick r:id="rId5"/>
+                <a:hlinkClick r:id="rId6"/>
               </a:rPr>
               <a:t>https://www.typescriptlang.org/</a:t>
             </a:r>

--- a/JsTraining-presentation/JS Training.pptx
+++ b/JsTraining-presentation/JS Training.pptx
@@ -134,7 +134,7 @@
   </p:defaultTextStyle>
   <p:extLst>
     <p:ext uri="{EFAFB233-063F-42B5-8137-9DF3F51BA10A}">
-      <p15:sldGuideLst xmlns:p15="http://schemas.microsoft.com/office/powerpoint/2012/main"/>
+      <p15:sldGuideLst xmlns:p15="http://schemas.microsoft.com/office/powerpoint/2012/main" xmlns=""/>
     </p:ext>
   </p:extLst>
 </p:presentation>
@@ -143,11 +143,7 @@
 <file path=ppt/commentAuthors.xml><?xml version="1.0" encoding="utf-8"?>
 <p:cmAuthorLst xmlns:a="http://schemas.openxmlformats.org/drawingml/2006/main" xmlns:r="http://schemas.openxmlformats.org/officeDocument/2006/relationships" xmlns:p="http://schemas.openxmlformats.org/presentationml/2006/main">
   <p:cmAuthor id="1" name="Krzysztof Danielewicz" initials="KD" lastIdx="1" clrIdx="0">
-    <p:extLst>
-      <p:ext uri="{19B8F6BF-5375-455C-9EA6-DF929625EA0E}">
-        <p15:presenceInfo xmlns:p15="http://schemas.microsoft.com/office/powerpoint/2012/main" userId="d633d1ff7cd8c739" providerId="Windows Live"/>
-      </p:ext>
-    </p:extLst>
+    <p:extLst/>
   </p:cmAuthor>
 </p:cmAuthorLst>
 </file>
@@ -234,7 +230,7 @@
           <a:p>
             <a:fld id="{09602215-4A9B-41A2-BE1E-32070F33B33D}" type="datetimeFigureOut">
               <a:rPr lang="pl-PL" smtClean="0"/>
-              <a:t>23.01.2018</a:t>
+              <a:t>2018-01-24</a:t>
             </a:fld>
             <a:endParaRPr lang="pl-PL"/>
           </a:p>
@@ -2555,7 +2551,7 @@
           <a:p>
             <a:fld id="{C57C09B5-6BF9-4018-AF21-4D72641C658B}" type="datetimeFigureOut">
               <a:rPr lang="pl-PL" smtClean="0"/>
-              <a:t>23.01.2018</a:t>
+              <a:t>2018-01-24</a:t>
             </a:fld>
             <a:endParaRPr lang="pl-PL"/>
           </a:p>
@@ -2853,7 +2849,7 @@
           <a:p>
             <a:fld id="{C57C09B5-6BF9-4018-AF21-4D72641C658B}" type="datetimeFigureOut">
               <a:rPr lang="pl-PL" smtClean="0"/>
-              <a:t>23.01.2018</a:t>
+              <a:t>2018-01-24</a:t>
             </a:fld>
             <a:endParaRPr lang="pl-PL"/>
           </a:p>
@@ -3004,7 +3000,7 @@
           <a:p>
             <a:fld id="{C57C09B5-6BF9-4018-AF21-4D72641C658B}" type="datetimeFigureOut">
               <a:rPr lang="pl-PL" smtClean="0"/>
-              <a:t>23.01.2018</a:t>
+              <a:t>2018-01-24</a:t>
             </a:fld>
             <a:endParaRPr lang="pl-PL"/>
           </a:p>
@@ -3306,7 +3302,7 @@
           <a:p>
             <a:fld id="{C57C09B5-6BF9-4018-AF21-4D72641C658B}" type="datetimeFigureOut">
               <a:rPr lang="pl-PL" smtClean="0"/>
-              <a:t>23.01.2018</a:t>
+              <a:t>2018-01-24</a:t>
             </a:fld>
             <a:endParaRPr lang="pl-PL"/>
           </a:p>
@@ -3596,7 +3592,7 @@
           <a:p>
             <a:fld id="{C57C09B5-6BF9-4018-AF21-4D72641C658B}" type="datetimeFigureOut">
               <a:rPr lang="pl-PL" smtClean="0"/>
-              <a:t>23.01.2018</a:t>
+              <a:t>2018-01-24</a:t>
             </a:fld>
             <a:endParaRPr lang="pl-PL"/>
           </a:p>
@@ -3703,7 +3699,7 @@
           <a:p>
             <a:fld id="{C57C09B5-6BF9-4018-AF21-4D72641C658B}" type="datetimeFigureOut">
               <a:rPr lang="pl-PL" smtClean="0"/>
-              <a:t>23.01.2018</a:t>
+              <a:t>2018-01-24</a:t>
             </a:fld>
             <a:endParaRPr lang="pl-PL"/>
           </a:p>
@@ -3823,7 +3819,7 @@
           <a:p>
             <a:fld id="{C57C09B5-6BF9-4018-AF21-4D72641C658B}" type="datetimeFigureOut">
               <a:rPr lang="pl-PL" smtClean="0"/>
-              <a:t>23.01.2018</a:t>
+              <a:t>2018-01-24</a:t>
             </a:fld>
             <a:endParaRPr lang="pl-PL"/>
           </a:p>
@@ -4104,7 +4100,7 @@
           <a:p>
             <a:fld id="{C57C09B5-6BF9-4018-AF21-4D72641C658B}" type="datetimeFigureOut">
               <a:rPr lang="pl-PL" smtClean="0"/>
-              <a:t>23.01.2018</a:t>
+              <a:t>2018-01-24</a:t>
             </a:fld>
             <a:endParaRPr lang="pl-PL"/>
           </a:p>
@@ -4368,7 +4364,7 @@
           <a:p>
             <a:fld id="{C57C09B5-6BF9-4018-AF21-4D72641C658B}" type="datetimeFigureOut">
               <a:rPr lang="pl-PL" smtClean="0"/>
-              <a:t>23.01.2018</a:t>
+              <a:t>2018-01-24</a:t>
             </a:fld>
             <a:endParaRPr lang="pl-PL"/>
           </a:p>
@@ -5283,7 +5279,7 @@
           <a:p>
             <a:fld id="{C57C09B5-6BF9-4018-AF21-4D72641C658B}" type="datetimeFigureOut">
               <a:rPr lang="pl-PL" smtClean="0"/>
-              <a:t>23.01.2018</a:t>
+              <a:t>2018-01-24</a:t>
             </a:fld>
             <a:endParaRPr lang="pl-PL"/>
           </a:p>
@@ -5636,7 +5632,7 @@
           <p:cNvPr id="2" name="Tytuł 1">
             <a:extLst>
               <a:ext uri="{FF2B5EF4-FFF2-40B4-BE49-F238E27FC236}">
-                <a16:creationId xmlns:a16="http://schemas.microsoft.com/office/drawing/2014/main" id="{9B593245-636D-432B-AD53-D64F8D68D660}"/>
+                <a16:creationId xmlns:a16="http://schemas.microsoft.com/office/drawing/2014/main" xmlns="" id="{9B593245-636D-432B-AD53-D64F8D68D660}"/>
               </a:ext>
             </a:extLst>
           </p:cNvPr>
@@ -5671,6 +5667,10 @@
               <a:rPr lang="en-GB" b="1" dirty="0"/>
               <a:t>Training</a:t>
             </a:r>
+            <a:r>
+              <a:rPr lang="en-GB" dirty="0"/>
+              <a:t/>
+            </a:r>
             <a:br>
               <a:rPr lang="en-GB" dirty="0"/>
             </a:br>
@@ -5678,9 +5678,17 @@
               <a:rPr lang="en-GB" sz="5300" dirty="0"/>
               <a:t>JS is not perfect but works</a:t>
             </a:r>
+            <a:r>
+              <a:rPr lang="en-GB" dirty="0"/>
+              <a:t/>
+            </a:r>
             <a:br>
               <a:rPr lang="en-GB" dirty="0"/>
             </a:br>
+            <a:r>
+              <a:rPr lang="en-GB" dirty="0"/>
+              <a:t/>
+            </a:r>
             <a:br>
               <a:rPr lang="en-GB" dirty="0"/>
             </a:br>
@@ -5693,7 +5701,7 @@
           <p:cNvPr id="3" name="Podtytuł 2">
             <a:extLst>
               <a:ext uri="{FF2B5EF4-FFF2-40B4-BE49-F238E27FC236}">
-                <a16:creationId xmlns:a16="http://schemas.microsoft.com/office/drawing/2014/main" id="{9F2F29CD-9B58-4E32-9D72-7D6236B8F1FF}"/>
+                <a16:creationId xmlns:a16="http://schemas.microsoft.com/office/drawing/2014/main" xmlns="" id="{9F2F29CD-9B58-4E32-9D72-7D6236B8F1FF}"/>
               </a:ext>
             </a:extLst>
           </p:cNvPr>
@@ -5728,7 +5736,7 @@
           <p:cNvPr id="5" name="Obraz 4">
             <a:extLst>
               <a:ext uri="{FF2B5EF4-FFF2-40B4-BE49-F238E27FC236}">
-                <a16:creationId xmlns:a16="http://schemas.microsoft.com/office/drawing/2014/main" id="{7D4DC62E-81E4-4280-9B3D-41DEA426B61F}"/>
+                <a16:creationId xmlns:a16="http://schemas.microsoft.com/office/drawing/2014/main" xmlns="" id="{7D4DC62E-81E4-4280-9B3D-41DEA426B61F}"/>
               </a:ext>
             </a:extLst>
           </p:cNvPr>
@@ -5758,7 +5766,7 @@
           <p:cNvPr id="4" name="pole tekstowe 3">
             <a:extLst>
               <a:ext uri="{FF2B5EF4-FFF2-40B4-BE49-F238E27FC236}">
-                <a16:creationId xmlns:a16="http://schemas.microsoft.com/office/drawing/2014/main" id="{A2D8FE86-D8B2-41C5-8D4A-1ADED7F43B5A}"/>
+                <a16:creationId xmlns:a16="http://schemas.microsoft.com/office/drawing/2014/main" xmlns="" id="{A2D8FE86-D8B2-41C5-8D4A-1ADED7F43B5A}"/>
               </a:ext>
             </a:extLst>
           </p:cNvPr>
@@ -5856,7 +5864,7 @@
           <p:cNvPr id="5" name="Symbol zastępczy zawartości 2">
             <a:extLst>
               <a:ext uri="{FF2B5EF4-FFF2-40B4-BE49-F238E27FC236}">
-                <a16:creationId xmlns:a16="http://schemas.microsoft.com/office/drawing/2014/main" id="{378CBC48-8BC1-423C-9137-C2D451BB6D57}"/>
+                <a16:creationId xmlns:a16="http://schemas.microsoft.com/office/drawing/2014/main" xmlns="" id="{378CBC48-8BC1-423C-9137-C2D451BB6D57}"/>
               </a:ext>
             </a:extLst>
           </p:cNvPr>
@@ -5935,13 +5943,24 @@
             <a:r>
               <a:rPr lang="en-GB" sz="2800" u="sng" dirty="0">
                 <a:solidFill>
-                  <a:srgbClr val="A31515"/>
+                  <a:srgbClr val="00B050"/>
                 </a:solidFill>
                 <a:latin typeface="Consolas" panose="020B0609020204030204" pitchFamily="49" charset="0"/>
                 <a:ea typeface="Times New Roman" panose="02020603050405020304" pitchFamily="18" charset="0"/>
                 <a:cs typeface="Times New Roman" panose="02020603050405020304" pitchFamily="18" charset="0"/>
               </a:rPr>
-              <a:t>'outer'</a:t>
+              <a:t>'outer</a:t>
+            </a:r>
+            <a:r>
+              <a:rPr lang="en-GB" sz="2800" u="sng" dirty="0">
+                <a:solidFill>
+                  <a:srgbClr val="A31515"/>
+                </a:solidFill>
+                <a:latin typeface="Consolas" panose="020B0609020204030204" pitchFamily="49" charset="0"/>
+                <a:ea typeface="Times New Roman" panose="02020603050405020304" pitchFamily="18" charset="0"/>
+                <a:cs typeface="Times New Roman" panose="02020603050405020304" pitchFamily="18" charset="0"/>
+              </a:rPr>
+              <a:t>'</a:t>
             </a:r>
             <a:r>
               <a:rPr lang="en-GB" sz="2800" u="sng" dirty="0">
@@ -6110,7 +6129,7 @@
               <a:t>	</a:t>
             </a:r>
             <a:r>
-              <a:rPr lang="en-GB" sz="2800" dirty="0">
+              <a:rPr lang="en-GB" sz="2800" b="1" u="sng" dirty="0">
                 <a:solidFill>
                   <a:srgbClr val="0000FF"/>
                 </a:solidFill>
@@ -6337,7 +6356,7 @@
             <a:r>
               <a:rPr lang="en-GB" sz="2800" b="1" u="sng" dirty="0">
                 <a:solidFill>
-                  <a:srgbClr val="A31515"/>
+                  <a:srgbClr val="00B050"/>
                 </a:solidFill>
                 <a:latin typeface="Consolas" panose="020B0609020204030204" pitchFamily="49" charset="0"/>
                 <a:ea typeface="Times New Roman" panose="02020603050405020304" pitchFamily="18" charset="0"/>
@@ -6346,6 +6365,9 @@
               <a:t>'outer'</a:t>
             </a:r>
             <a:endParaRPr lang="pl-PL" sz="4000" b="1" u="sng" dirty="0">
+              <a:solidFill>
+                <a:srgbClr val="00B050"/>
+              </a:solidFill>
               <a:latin typeface="Calibri" panose="020F0502020204030204" pitchFamily="34" charset="0"/>
               <a:ea typeface="Calibri" panose="020F0502020204030204" pitchFamily="34" charset="0"/>
               <a:cs typeface="Times New Roman" panose="02020603050405020304" pitchFamily="18" charset="0"/>
@@ -6358,7 +6380,7 @@
           <p:cNvPr id="2" name="Tytuł 1">
             <a:extLst>
               <a:ext uri="{FF2B5EF4-FFF2-40B4-BE49-F238E27FC236}">
-                <a16:creationId xmlns:a16="http://schemas.microsoft.com/office/drawing/2014/main" id="{C36F846F-F808-477F-B768-B830B9573D92}"/>
+                <a16:creationId xmlns:a16="http://schemas.microsoft.com/office/drawing/2014/main" xmlns="" id="{C36F846F-F808-477F-B768-B830B9573D92}"/>
               </a:ext>
             </a:extLst>
           </p:cNvPr>
@@ -6388,6 +6410,10 @@
               </a:rPr>
               <a:t>let</a:t>
             </a:r>
+            <a:r>
+              <a:rPr lang="en-GB" dirty="0"/>
+              <a:t/>
+            </a:r>
             <a:br>
               <a:rPr lang="en-GB" dirty="0"/>
             </a:br>
@@ -6400,7 +6426,7 @@
           <p:cNvPr id="4" name="Picture 6" descr="http://payload379.cargocollective.com/1/10/347622/9883250/Fix-Food-and-Beverage-1a_900.png">
             <a:extLst>
               <a:ext uri="{FF2B5EF4-FFF2-40B4-BE49-F238E27FC236}">
-                <a16:creationId xmlns:a16="http://schemas.microsoft.com/office/drawing/2014/main" id="{DABA0567-CFCA-48C2-9CCE-CD1DFD8E2542}"/>
+                <a16:creationId xmlns:a16="http://schemas.microsoft.com/office/drawing/2014/main" xmlns="" id="{DABA0567-CFCA-48C2-9CCE-CD1DFD8E2542}"/>
               </a:ext>
             </a:extLst>
           </p:cNvPr>
@@ -6477,7 +6503,7 @@
           <p:cNvPr id="3" name="Symbol zastępczy zawartości 2">
             <a:extLst>
               <a:ext uri="{FF2B5EF4-FFF2-40B4-BE49-F238E27FC236}">
-                <a16:creationId xmlns:a16="http://schemas.microsoft.com/office/drawing/2014/main" id="{5E03A168-22CE-4B3C-BC83-8F9EBEF1C4BE}"/>
+                <a16:creationId xmlns:a16="http://schemas.microsoft.com/office/drawing/2014/main" xmlns="" id="{5E03A168-22CE-4B3C-BC83-8F9EBEF1C4BE}"/>
               </a:ext>
             </a:extLst>
           </p:cNvPr>
@@ -6559,7 +6585,7 @@
           <p:cNvPr id="2" name="Tytuł 1">
             <a:extLst>
               <a:ext uri="{FF2B5EF4-FFF2-40B4-BE49-F238E27FC236}">
-                <a16:creationId xmlns:a16="http://schemas.microsoft.com/office/drawing/2014/main" id="{88E4FC62-AE9F-4639-925E-E02FB36C1DE4}"/>
+                <a16:creationId xmlns:a16="http://schemas.microsoft.com/office/drawing/2014/main" xmlns="" id="{88E4FC62-AE9F-4639-925E-E02FB36C1DE4}"/>
               </a:ext>
             </a:extLst>
           </p:cNvPr>
@@ -6588,7 +6614,7 @@
           <p:cNvPr id="4" name="Symbol zastępczy zawartości 8">
             <a:extLst>
               <a:ext uri="{FF2B5EF4-FFF2-40B4-BE49-F238E27FC236}">
-                <a16:creationId xmlns:a16="http://schemas.microsoft.com/office/drawing/2014/main" id="{97FF4BFA-902F-44E0-AF15-533E2455C6BC}"/>
+                <a16:creationId xmlns:a16="http://schemas.microsoft.com/office/drawing/2014/main" xmlns="" id="{97FF4BFA-902F-44E0-AF15-533E2455C6BC}"/>
               </a:ext>
             </a:extLst>
           </p:cNvPr>
@@ -6654,7 +6680,7 @@
           <p:cNvPr id="3" name="Symbol zastępczy zawartości 2">
             <a:extLst>
               <a:ext uri="{FF2B5EF4-FFF2-40B4-BE49-F238E27FC236}">
-                <a16:creationId xmlns:a16="http://schemas.microsoft.com/office/drawing/2014/main" id="{959E9E0F-F50D-406E-A0C1-3AEE33795D86}"/>
+                <a16:creationId xmlns:a16="http://schemas.microsoft.com/office/drawing/2014/main" xmlns="" id="{959E9E0F-F50D-406E-A0C1-3AEE33795D86}"/>
               </a:ext>
             </a:extLst>
           </p:cNvPr>
@@ -6838,6 +6864,15 @@
             <a:pPr marL="0" indent="0">
               <a:buNone/>
             </a:pPr>
+            <a:r>
+              <a:rPr lang="pl-PL" dirty="0">
+                <a:solidFill>
+                  <a:srgbClr val="000000"/>
+                </a:solidFill>
+                <a:latin typeface="Consolas" panose="020B0609020204030204" pitchFamily="49" charset="0"/>
+              </a:rPr>
+              <a:t/>
+            </a:r>
             <a:br>
               <a:rPr lang="pl-PL" dirty="0">
                 <a:solidFill>
@@ -6846,6 +6881,15 @@
                 <a:latin typeface="Consolas" panose="020B0609020204030204" pitchFamily="49" charset="0"/>
               </a:rPr>
             </a:br>
+            <a:r>
+              <a:rPr lang="pl-PL" dirty="0">
+                <a:solidFill>
+                  <a:srgbClr val="000000"/>
+                </a:solidFill>
+                <a:latin typeface="Consolas" panose="020B0609020204030204" pitchFamily="49" charset="0"/>
+              </a:rPr>
+              <a:t/>
+            </a:r>
             <a:br>
               <a:rPr lang="pl-PL" dirty="0">
                 <a:solidFill>
@@ -7058,7 +7102,7 @@
           <p:cNvPr id="2" name="Tytuł 1">
             <a:extLst>
               <a:ext uri="{FF2B5EF4-FFF2-40B4-BE49-F238E27FC236}">
-                <a16:creationId xmlns:a16="http://schemas.microsoft.com/office/drawing/2014/main" id="{0729E6BE-B243-4F45-A1B5-D3972A7C19C6}"/>
+                <a16:creationId xmlns:a16="http://schemas.microsoft.com/office/drawing/2014/main" xmlns="" id="{0729E6BE-B243-4F45-A1B5-D3972A7C19C6}"/>
               </a:ext>
             </a:extLst>
           </p:cNvPr>
@@ -7099,7 +7143,7 @@
           <p:cNvPr id="10" name="Obraz 9">
             <a:extLst>
               <a:ext uri="{FF2B5EF4-FFF2-40B4-BE49-F238E27FC236}">
-                <a16:creationId xmlns:a16="http://schemas.microsoft.com/office/drawing/2014/main" id="{FE87D87F-5B01-41D2-8F1D-7ED5105C317B}"/>
+                <a16:creationId xmlns:a16="http://schemas.microsoft.com/office/drawing/2014/main" xmlns="" id="{FE87D87F-5B01-41D2-8F1D-7ED5105C317B}"/>
               </a:ext>
             </a:extLst>
           </p:cNvPr>
@@ -7165,7 +7209,7 @@
           <p:cNvPr id="3" name="Symbol zastępczy zawartości 2">
             <a:extLst>
               <a:ext uri="{FF2B5EF4-FFF2-40B4-BE49-F238E27FC236}">
-                <a16:creationId xmlns:a16="http://schemas.microsoft.com/office/drawing/2014/main" id="{CAA37FCC-879B-4A9A-AB96-75101156913F}"/>
+                <a16:creationId xmlns:a16="http://schemas.microsoft.com/office/drawing/2014/main" xmlns="" id="{CAA37FCC-879B-4A9A-AB96-75101156913F}"/>
               </a:ext>
             </a:extLst>
           </p:cNvPr>
@@ -7816,7 +7860,7 @@
           <p:cNvPr id="2" name="Tytuł 1">
             <a:extLst>
               <a:ext uri="{FF2B5EF4-FFF2-40B4-BE49-F238E27FC236}">
-                <a16:creationId xmlns:a16="http://schemas.microsoft.com/office/drawing/2014/main" id="{D1347094-CBC9-4F40-8CB6-20CB7DA39CA0}"/>
+                <a16:creationId xmlns:a16="http://schemas.microsoft.com/office/drawing/2014/main" xmlns="" id="{D1347094-CBC9-4F40-8CB6-20CB7DA39CA0}"/>
               </a:ext>
             </a:extLst>
           </p:cNvPr>
@@ -7857,7 +7901,7 @@
           <p:cNvPr id="4" name="Obraz 3">
             <a:extLst>
               <a:ext uri="{FF2B5EF4-FFF2-40B4-BE49-F238E27FC236}">
-                <a16:creationId xmlns:a16="http://schemas.microsoft.com/office/drawing/2014/main" id="{0FA8D95D-D48A-44B1-9123-7DE1E50A8DE6}"/>
+                <a16:creationId xmlns:a16="http://schemas.microsoft.com/office/drawing/2014/main" xmlns="" id="{0FA8D95D-D48A-44B1-9123-7DE1E50A8DE6}"/>
               </a:ext>
             </a:extLst>
           </p:cNvPr>
@@ -7923,7 +7967,7 @@
           <p:cNvPr id="3" name="Symbol zastępczy zawartości 2">
             <a:extLst>
               <a:ext uri="{FF2B5EF4-FFF2-40B4-BE49-F238E27FC236}">
-                <a16:creationId xmlns:a16="http://schemas.microsoft.com/office/drawing/2014/main" id="{D80D47D1-8BB9-440A-A960-0BA6590D4E70}"/>
+                <a16:creationId xmlns:a16="http://schemas.microsoft.com/office/drawing/2014/main" xmlns="" id="{D80D47D1-8BB9-440A-A960-0BA6590D4E70}"/>
               </a:ext>
             </a:extLst>
           </p:cNvPr>
@@ -8030,7 +8074,7 @@
           <p:cNvPr id="2" name="Tytuł 1">
             <a:extLst>
               <a:ext uri="{FF2B5EF4-FFF2-40B4-BE49-F238E27FC236}">
-                <a16:creationId xmlns:a16="http://schemas.microsoft.com/office/drawing/2014/main" id="{596B87AF-86C3-45AB-B596-533D7067F41A}"/>
+                <a16:creationId xmlns:a16="http://schemas.microsoft.com/office/drawing/2014/main" xmlns="" id="{596B87AF-86C3-45AB-B596-533D7067F41A}"/>
               </a:ext>
             </a:extLst>
           </p:cNvPr>
@@ -8059,7 +8103,7 @@
           <p:cNvPr id="4" name="Obraz 3">
             <a:extLst>
               <a:ext uri="{FF2B5EF4-FFF2-40B4-BE49-F238E27FC236}">
-                <a16:creationId xmlns:a16="http://schemas.microsoft.com/office/drawing/2014/main" id="{B5E93244-F2E9-41ED-ABEB-4EBB6084CF1E}"/>
+                <a16:creationId xmlns:a16="http://schemas.microsoft.com/office/drawing/2014/main" xmlns="" id="{B5E93244-F2E9-41ED-ABEB-4EBB6084CF1E}"/>
               </a:ext>
             </a:extLst>
           </p:cNvPr>
@@ -8089,7 +8133,7 @@
           <p:cNvPr id="5" name="Tytuł 1">
             <a:extLst>
               <a:ext uri="{FF2B5EF4-FFF2-40B4-BE49-F238E27FC236}">
-                <a16:creationId xmlns:a16="http://schemas.microsoft.com/office/drawing/2014/main" id="{89BFB9E2-7422-4598-932E-36A18F491214}"/>
+                <a16:creationId xmlns:a16="http://schemas.microsoft.com/office/drawing/2014/main" xmlns="" id="{89BFB9E2-7422-4598-932E-36A18F491214}"/>
               </a:ext>
             </a:extLst>
           </p:cNvPr>
@@ -8167,7 +8211,7 @@
           <p:cNvPr id="3" name="Symbol zastępczy zawartości 2">
             <a:extLst>
               <a:ext uri="{FF2B5EF4-FFF2-40B4-BE49-F238E27FC236}">
-                <a16:creationId xmlns:a16="http://schemas.microsoft.com/office/drawing/2014/main" id="{D7BC9333-0F67-4516-8D50-7E74C1FCA234}"/>
+                <a16:creationId xmlns:a16="http://schemas.microsoft.com/office/drawing/2014/main" xmlns="" id="{D7BC9333-0F67-4516-8D50-7E74C1FCA234}"/>
               </a:ext>
             </a:extLst>
           </p:cNvPr>
@@ -8548,7 +8592,7 @@
           <p:cNvPr id="2" name="Tytuł 1">
             <a:extLst>
               <a:ext uri="{FF2B5EF4-FFF2-40B4-BE49-F238E27FC236}">
-                <a16:creationId xmlns:a16="http://schemas.microsoft.com/office/drawing/2014/main" id="{107271B8-3F3F-40D3-B378-C18BAB7C63CF}"/>
+                <a16:creationId xmlns:a16="http://schemas.microsoft.com/office/drawing/2014/main" xmlns="" id="{107271B8-3F3F-40D3-B378-C18BAB7C63CF}"/>
               </a:ext>
             </a:extLst>
           </p:cNvPr>
@@ -8577,7 +8621,7 @@
           <p:cNvPr id="4" name="Obraz 3">
             <a:extLst>
               <a:ext uri="{FF2B5EF4-FFF2-40B4-BE49-F238E27FC236}">
-                <a16:creationId xmlns:a16="http://schemas.microsoft.com/office/drawing/2014/main" id="{76221ECA-0AA1-4B5E-AF19-9B98E575DD45}"/>
+                <a16:creationId xmlns:a16="http://schemas.microsoft.com/office/drawing/2014/main" xmlns="" id="{76221ECA-0AA1-4B5E-AF19-9B98E575DD45}"/>
               </a:ext>
             </a:extLst>
           </p:cNvPr>
@@ -8637,7 +8681,7 @@
           <p:cNvPr id="3" name="Symbol zastępczy zawartości 2">
             <a:extLst>
               <a:ext uri="{FF2B5EF4-FFF2-40B4-BE49-F238E27FC236}">
-                <a16:creationId xmlns:a16="http://schemas.microsoft.com/office/drawing/2014/main" id="{2F9FF454-6407-4A9C-A7EE-A7D254067D29}"/>
+                <a16:creationId xmlns:a16="http://schemas.microsoft.com/office/drawing/2014/main" xmlns="" id="{2F9FF454-6407-4A9C-A7EE-A7D254067D29}"/>
               </a:ext>
             </a:extLst>
           </p:cNvPr>
@@ -8828,6 +8872,15 @@
             <a:pPr marL="0" indent="0">
               <a:buNone/>
             </a:pPr>
+            <a:r>
+              <a:rPr lang="pl-PL" sz="2400" dirty="0">
+                <a:solidFill>
+                  <a:srgbClr val="000000"/>
+                </a:solidFill>
+                <a:latin typeface="Consolas" panose="020B0609020204030204" pitchFamily="49" charset="0"/>
+              </a:rPr>
+              <a:t/>
+            </a:r>
             <a:br>
               <a:rPr lang="pl-PL" sz="2400" dirty="0">
                 <a:solidFill>
@@ -9113,7 +9166,7 @@
           <p:cNvPr id="2" name="Tytuł 1">
             <a:extLst>
               <a:ext uri="{FF2B5EF4-FFF2-40B4-BE49-F238E27FC236}">
-                <a16:creationId xmlns:a16="http://schemas.microsoft.com/office/drawing/2014/main" id="{61A2DA06-8B01-4974-8F7A-23DC022141DE}"/>
+                <a16:creationId xmlns:a16="http://schemas.microsoft.com/office/drawing/2014/main" xmlns="" id="{61A2DA06-8B01-4974-8F7A-23DC022141DE}"/>
               </a:ext>
             </a:extLst>
           </p:cNvPr>
@@ -9142,7 +9195,7 @@
           <p:cNvPr id="7" name="Obraz 6">
             <a:extLst>
               <a:ext uri="{FF2B5EF4-FFF2-40B4-BE49-F238E27FC236}">
-                <a16:creationId xmlns:a16="http://schemas.microsoft.com/office/drawing/2014/main" id="{11C19CC8-FA6D-43C4-B947-591875539573}"/>
+                <a16:creationId xmlns:a16="http://schemas.microsoft.com/office/drawing/2014/main" xmlns="" id="{11C19CC8-FA6D-43C4-B947-591875539573}"/>
               </a:ext>
             </a:extLst>
           </p:cNvPr>
@@ -9208,7 +9261,7 @@
           <p:cNvPr id="5" name="Symbol zastępczy zawartości 4">
             <a:extLst>
               <a:ext uri="{FF2B5EF4-FFF2-40B4-BE49-F238E27FC236}">
-                <a16:creationId xmlns:a16="http://schemas.microsoft.com/office/drawing/2014/main" id="{E5DFC999-7C3C-4BC4-87C2-C6DF6C9E01CF}"/>
+                <a16:creationId xmlns:a16="http://schemas.microsoft.com/office/drawing/2014/main" xmlns="" id="{E5DFC999-7C3C-4BC4-87C2-C6DF6C9E01CF}"/>
               </a:ext>
             </a:extLst>
           </p:cNvPr>
@@ -9236,35 +9289,35 @@
                 <a:gridCol w="2170796">
                   <a:extLst>
                     <a:ext uri="{9D8B030D-6E8A-4147-A177-3AD203B41FA5}">
-                      <a16:colId xmlns:a16="http://schemas.microsoft.com/office/drawing/2014/main" val="3773107332"/>
+                      <a16:colId xmlns:a16="http://schemas.microsoft.com/office/drawing/2014/main" xmlns="" val="3773107332"/>
                     </a:ext>
                   </a:extLst>
                 </a:gridCol>
                 <a:gridCol w="1222400">
                   <a:extLst>
                     <a:ext uri="{9D8B030D-6E8A-4147-A177-3AD203B41FA5}">
-                      <a16:colId xmlns:a16="http://schemas.microsoft.com/office/drawing/2014/main" val="2741677970"/>
+                      <a16:colId xmlns:a16="http://schemas.microsoft.com/office/drawing/2014/main" xmlns="" val="2741677970"/>
                     </a:ext>
                   </a:extLst>
                 </a:gridCol>
                 <a:gridCol w="2655065">
                   <a:extLst>
                     <a:ext uri="{9D8B030D-6E8A-4147-A177-3AD203B41FA5}">
-                      <a16:colId xmlns:a16="http://schemas.microsoft.com/office/drawing/2014/main" val="1825846188"/>
+                      <a16:colId xmlns:a16="http://schemas.microsoft.com/office/drawing/2014/main" xmlns="" val="1825846188"/>
                     </a:ext>
                   </a:extLst>
                 </a:gridCol>
                 <a:gridCol w="3029638">
                   <a:extLst>
                     <a:ext uri="{9D8B030D-6E8A-4147-A177-3AD203B41FA5}">
-                      <a16:colId xmlns:a16="http://schemas.microsoft.com/office/drawing/2014/main" val="2979017345"/>
+                      <a16:colId xmlns:a16="http://schemas.microsoft.com/office/drawing/2014/main" xmlns="" val="2979017345"/>
                     </a:ext>
                   </a:extLst>
                 </a:gridCol>
                 <a:gridCol w="1636922">
                   <a:extLst>
                     <a:ext uri="{9D8B030D-6E8A-4147-A177-3AD203B41FA5}">
-                      <a16:colId xmlns:a16="http://schemas.microsoft.com/office/drawing/2014/main" val="3369921248"/>
+                      <a16:colId xmlns:a16="http://schemas.microsoft.com/office/drawing/2014/main" xmlns="" val="3369921248"/>
                     </a:ext>
                   </a:extLst>
                 </a:gridCol>
@@ -9658,7 +9711,7 @@
                 </a:tc>
                 <a:extLst>
                   <a:ext uri="{0D108BD9-81ED-4DB2-BD59-A6C34878D82A}">
-                    <a16:rowId xmlns:a16="http://schemas.microsoft.com/office/drawing/2014/main" val="998979996"/>
+                    <a16:rowId xmlns:a16="http://schemas.microsoft.com/office/drawing/2014/main" xmlns="" val="998979996"/>
                   </a:ext>
                 </a:extLst>
               </a:tr>
@@ -10056,7 +10109,7 @@
                 </a:tc>
                 <a:extLst>
                   <a:ext uri="{0D108BD9-81ED-4DB2-BD59-A6C34878D82A}">
-                    <a16:rowId xmlns:a16="http://schemas.microsoft.com/office/drawing/2014/main" val="2863024620"/>
+                    <a16:rowId xmlns:a16="http://schemas.microsoft.com/office/drawing/2014/main" xmlns="" val="2863024620"/>
                   </a:ext>
                 </a:extLst>
               </a:tr>
@@ -10422,7 +10475,7 @@
                 </a:tc>
                 <a:extLst>
                   <a:ext uri="{0D108BD9-81ED-4DB2-BD59-A6C34878D82A}">
-                    <a16:rowId xmlns:a16="http://schemas.microsoft.com/office/drawing/2014/main" val="1397933428"/>
+                    <a16:rowId xmlns:a16="http://schemas.microsoft.com/office/drawing/2014/main" xmlns="" val="1397933428"/>
                   </a:ext>
                 </a:extLst>
               </a:tr>
@@ -10709,7 +10762,7 @@
                 </a:tc>
                 <a:extLst>
                   <a:ext uri="{0D108BD9-81ED-4DB2-BD59-A6C34878D82A}">
-                    <a16:rowId xmlns:a16="http://schemas.microsoft.com/office/drawing/2014/main" val="589440673"/>
+                    <a16:rowId xmlns:a16="http://schemas.microsoft.com/office/drawing/2014/main" xmlns="" val="589440673"/>
                   </a:ext>
                 </a:extLst>
               </a:tr>
@@ -11028,7 +11081,7 @@
                 </a:tc>
                 <a:extLst>
                   <a:ext uri="{0D108BD9-81ED-4DB2-BD59-A6C34878D82A}">
-                    <a16:rowId xmlns:a16="http://schemas.microsoft.com/office/drawing/2014/main" val="2527480239"/>
+                    <a16:rowId xmlns:a16="http://schemas.microsoft.com/office/drawing/2014/main" xmlns="" val="2527480239"/>
                   </a:ext>
                 </a:extLst>
               </a:tr>
@@ -11041,7 +11094,7 @@
           <p:cNvPr id="2" name="Tytuł 1">
             <a:extLst>
               <a:ext uri="{FF2B5EF4-FFF2-40B4-BE49-F238E27FC236}">
-                <a16:creationId xmlns:a16="http://schemas.microsoft.com/office/drawing/2014/main" id="{77FD532B-33EF-4359-9F34-DDF39F7B31F9}"/>
+                <a16:creationId xmlns:a16="http://schemas.microsoft.com/office/drawing/2014/main" xmlns="" id="{77FD532B-33EF-4359-9F34-DDF39F7B31F9}"/>
               </a:ext>
             </a:extLst>
           </p:cNvPr>
@@ -11070,7 +11123,7 @@
           <p:cNvPr id="4" name="Obraz 3">
             <a:extLst>
               <a:ext uri="{FF2B5EF4-FFF2-40B4-BE49-F238E27FC236}">
-                <a16:creationId xmlns:a16="http://schemas.microsoft.com/office/drawing/2014/main" id="{0569FA1A-D4FF-4331-8C00-6C5A6648D6B6}"/>
+                <a16:creationId xmlns:a16="http://schemas.microsoft.com/office/drawing/2014/main" xmlns="" id="{0569FA1A-D4FF-4331-8C00-6C5A6648D6B6}"/>
               </a:ext>
             </a:extLst>
           </p:cNvPr>
@@ -11130,7 +11183,7 @@
           <p:cNvPr id="6" name="Symbol zastępczy zawartości 5">
             <a:extLst>
               <a:ext uri="{FF2B5EF4-FFF2-40B4-BE49-F238E27FC236}">
-                <a16:creationId xmlns:a16="http://schemas.microsoft.com/office/drawing/2014/main" id="{4FD6E3A1-3AAA-46D4-8528-F77B532C6023}"/>
+                <a16:creationId xmlns:a16="http://schemas.microsoft.com/office/drawing/2014/main" xmlns="" id="{4FD6E3A1-3AAA-46D4-8528-F77B532C6023}"/>
               </a:ext>
             </a:extLst>
           </p:cNvPr>
@@ -11158,14 +11211,14 @@
                 <a:gridCol w="3122175">
                   <a:extLst>
                     <a:ext uri="{9D8B030D-6E8A-4147-A177-3AD203B41FA5}">
-                      <a16:colId xmlns:a16="http://schemas.microsoft.com/office/drawing/2014/main" val="2050930475"/>
+                      <a16:colId xmlns:a16="http://schemas.microsoft.com/office/drawing/2014/main" xmlns="" val="2050930475"/>
                     </a:ext>
                   </a:extLst>
                 </a:gridCol>
                 <a:gridCol w="2782866">
                   <a:extLst>
                     <a:ext uri="{9D8B030D-6E8A-4147-A177-3AD203B41FA5}">
-                      <a16:colId xmlns:a16="http://schemas.microsoft.com/office/drawing/2014/main" val="764268481"/>
+                      <a16:colId xmlns:a16="http://schemas.microsoft.com/office/drawing/2014/main" xmlns="" val="764268481"/>
                     </a:ext>
                   </a:extLst>
                 </a:gridCol>
@@ -11281,7 +11334,7 @@
                 </a:tc>
                 <a:extLst>
                   <a:ext uri="{0D108BD9-81ED-4DB2-BD59-A6C34878D82A}">
-                    <a16:rowId xmlns:a16="http://schemas.microsoft.com/office/drawing/2014/main" val="2366617205"/>
+                    <a16:rowId xmlns:a16="http://schemas.microsoft.com/office/drawing/2014/main" xmlns="" val="2366617205"/>
                   </a:ext>
                 </a:extLst>
               </a:tr>
@@ -11406,7 +11459,7 @@
                 </a:tc>
                 <a:extLst>
                   <a:ext uri="{0D108BD9-81ED-4DB2-BD59-A6C34878D82A}">
-                    <a16:rowId xmlns:a16="http://schemas.microsoft.com/office/drawing/2014/main" val="4101366795"/>
+                    <a16:rowId xmlns:a16="http://schemas.microsoft.com/office/drawing/2014/main" xmlns="" val="4101366795"/>
                   </a:ext>
                 </a:extLst>
               </a:tr>
@@ -11515,7 +11568,7 @@
                 </a:tc>
                 <a:extLst>
                   <a:ext uri="{0D108BD9-81ED-4DB2-BD59-A6C34878D82A}">
-                    <a16:rowId xmlns:a16="http://schemas.microsoft.com/office/drawing/2014/main" val="17940330"/>
+                    <a16:rowId xmlns:a16="http://schemas.microsoft.com/office/drawing/2014/main" xmlns="" val="17940330"/>
                   </a:ext>
                 </a:extLst>
               </a:tr>
@@ -11650,7 +11703,7 @@
                 </a:tc>
                 <a:extLst>
                   <a:ext uri="{0D108BD9-81ED-4DB2-BD59-A6C34878D82A}">
-                    <a16:rowId xmlns:a16="http://schemas.microsoft.com/office/drawing/2014/main" val="2475652129"/>
+                    <a16:rowId xmlns:a16="http://schemas.microsoft.com/office/drawing/2014/main" xmlns="" val="2475652129"/>
                   </a:ext>
                 </a:extLst>
               </a:tr>
@@ -11759,7 +11812,7 @@
                 </a:tc>
                 <a:extLst>
                   <a:ext uri="{0D108BD9-81ED-4DB2-BD59-A6C34878D82A}">
-                    <a16:rowId xmlns:a16="http://schemas.microsoft.com/office/drawing/2014/main" val="2130732614"/>
+                    <a16:rowId xmlns:a16="http://schemas.microsoft.com/office/drawing/2014/main" xmlns="" val="2130732614"/>
                   </a:ext>
                 </a:extLst>
               </a:tr>
@@ -11884,7 +11937,7 @@
                 </a:tc>
                 <a:extLst>
                   <a:ext uri="{0D108BD9-81ED-4DB2-BD59-A6C34878D82A}">
-                    <a16:rowId xmlns:a16="http://schemas.microsoft.com/office/drawing/2014/main" val="1968311153"/>
+                    <a16:rowId xmlns:a16="http://schemas.microsoft.com/office/drawing/2014/main" xmlns="" val="1968311153"/>
                   </a:ext>
                 </a:extLst>
               </a:tr>
@@ -12020,7 +12073,7 @@
                 </a:tc>
                 <a:extLst>
                   <a:ext uri="{0D108BD9-81ED-4DB2-BD59-A6C34878D82A}">
-                    <a16:rowId xmlns:a16="http://schemas.microsoft.com/office/drawing/2014/main" val="3551120749"/>
+                    <a16:rowId xmlns:a16="http://schemas.microsoft.com/office/drawing/2014/main" xmlns="" val="3551120749"/>
                   </a:ext>
                 </a:extLst>
               </a:tr>
@@ -12033,7 +12086,7 @@
           <p:cNvPr id="2" name="Tytuł 1">
             <a:extLst>
               <a:ext uri="{FF2B5EF4-FFF2-40B4-BE49-F238E27FC236}">
-                <a16:creationId xmlns:a16="http://schemas.microsoft.com/office/drawing/2014/main" id="{7A924111-12E4-45C0-867E-B4E651A25396}"/>
+                <a16:creationId xmlns:a16="http://schemas.microsoft.com/office/drawing/2014/main" xmlns="" id="{7A924111-12E4-45C0-867E-B4E651A25396}"/>
               </a:ext>
             </a:extLst>
           </p:cNvPr>
@@ -12070,7 +12123,7 @@
           <p:cNvPr id="3" name="Obraz 2">
             <a:extLst>
               <a:ext uri="{FF2B5EF4-FFF2-40B4-BE49-F238E27FC236}">
-                <a16:creationId xmlns:a16="http://schemas.microsoft.com/office/drawing/2014/main" id="{FFAE8DA8-56C9-4ABE-9EC9-0B4EFE602FEC}"/>
+                <a16:creationId xmlns:a16="http://schemas.microsoft.com/office/drawing/2014/main" xmlns="" id="{FFAE8DA8-56C9-4ABE-9EC9-0B4EFE602FEC}"/>
               </a:ext>
             </a:extLst>
           </p:cNvPr>
@@ -12100,7 +12153,7 @@
           <p:cNvPr id="5" name="Obraz 4">
             <a:extLst>
               <a:ext uri="{FF2B5EF4-FFF2-40B4-BE49-F238E27FC236}">
-                <a16:creationId xmlns:a16="http://schemas.microsoft.com/office/drawing/2014/main" id="{7EB1C2DC-8286-4B1E-B044-8F2EC5B00E80}"/>
+                <a16:creationId xmlns:a16="http://schemas.microsoft.com/office/drawing/2014/main" xmlns="" id="{7EB1C2DC-8286-4B1E-B044-8F2EC5B00E80}"/>
               </a:ext>
             </a:extLst>
           </p:cNvPr>
@@ -12160,7 +12213,7 @@
           <p:cNvPr id="3" name="Symbol zastępczy zawartości 2">
             <a:extLst>
               <a:ext uri="{FF2B5EF4-FFF2-40B4-BE49-F238E27FC236}">
-                <a16:creationId xmlns:a16="http://schemas.microsoft.com/office/drawing/2014/main" id="{251BFD25-F9C3-46CD-86CE-0D7826534814}"/>
+                <a16:creationId xmlns:a16="http://schemas.microsoft.com/office/drawing/2014/main" xmlns="" id="{251BFD25-F9C3-46CD-86CE-0D7826534814}"/>
               </a:ext>
             </a:extLst>
           </p:cNvPr>
@@ -12259,7 +12312,7 @@
           <p:cNvPr id="2" name="Tytuł 1">
             <a:extLst>
               <a:ext uri="{FF2B5EF4-FFF2-40B4-BE49-F238E27FC236}">
-                <a16:creationId xmlns:a16="http://schemas.microsoft.com/office/drawing/2014/main" id="{9D66BE46-468D-4516-8225-06CD6E221154}"/>
+                <a16:creationId xmlns:a16="http://schemas.microsoft.com/office/drawing/2014/main" xmlns="" id="{9D66BE46-468D-4516-8225-06CD6E221154}"/>
               </a:ext>
             </a:extLst>
           </p:cNvPr>
@@ -12288,7 +12341,7 @@
           <p:cNvPr id="4098" name="Picture 2" descr="http://blog.guinatal.com/wp-content/uploads/2015/10/strict-mode.png">
             <a:extLst>
               <a:ext uri="{FF2B5EF4-FFF2-40B4-BE49-F238E27FC236}">
-                <a16:creationId xmlns:a16="http://schemas.microsoft.com/office/drawing/2014/main" id="{5ABFF341-C273-47B7-A00B-A847D6BE2F8E}"/>
+                <a16:creationId xmlns:a16="http://schemas.microsoft.com/office/drawing/2014/main" xmlns="" id="{5ABFF341-C273-47B7-A00B-A847D6BE2F8E}"/>
               </a:ext>
             </a:extLst>
           </p:cNvPr>
@@ -12298,7 +12351,7 @@
           <p:nvPr/>
         </p:nvPicPr>
         <p:blipFill>
-          <a:blip r:embed="rId2">
+          <a:blip r:embed="rId2" cstate="print">
             <a:extLst>
               <a:ext uri="{28A0092B-C50C-407E-A947-70E740481C1C}">
                 <a14:useLocalDpi xmlns:a14="http://schemas.microsoft.com/office/drawing/2010/main" val="0"/>
@@ -12365,7 +12418,7 @@
           <p:cNvPr id="3" name="Symbol zastępczy zawartości 2">
             <a:extLst>
               <a:ext uri="{FF2B5EF4-FFF2-40B4-BE49-F238E27FC236}">
-                <a16:creationId xmlns:a16="http://schemas.microsoft.com/office/drawing/2014/main" id="{78CAB4E5-4947-4D88-BD73-30344DD35208}"/>
+                <a16:creationId xmlns:a16="http://schemas.microsoft.com/office/drawing/2014/main" xmlns="" id="{78CAB4E5-4947-4D88-BD73-30344DD35208}"/>
               </a:ext>
             </a:extLst>
           </p:cNvPr>
@@ -12444,7 +12497,7 @@
           <p:cNvPr id="2" name="Tytuł 1">
             <a:extLst>
               <a:ext uri="{FF2B5EF4-FFF2-40B4-BE49-F238E27FC236}">
-                <a16:creationId xmlns:a16="http://schemas.microsoft.com/office/drawing/2014/main" id="{4E292530-A4C7-47F6-8CBA-D4D74000215E}"/>
+                <a16:creationId xmlns:a16="http://schemas.microsoft.com/office/drawing/2014/main" xmlns="" id="{4E292530-A4C7-47F6-8CBA-D4D74000215E}"/>
               </a:ext>
             </a:extLst>
           </p:cNvPr>
@@ -12473,7 +12526,7 @@
           <p:cNvPr id="5" name="Obraz 4">
             <a:extLst>
               <a:ext uri="{FF2B5EF4-FFF2-40B4-BE49-F238E27FC236}">
-                <a16:creationId xmlns:a16="http://schemas.microsoft.com/office/drawing/2014/main" id="{0F95A2E4-2AF9-4825-A8B6-CE3850EF538F}"/>
+                <a16:creationId xmlns:a16="http://schemas.microsoft.com/office/drawing/2014/main" xmlns="" id="{0F95A2E4-2AF9-4825-A8B6-CE3850EF538F}"/>
               </a:ext>
             </a:extLst>
           </p:cNvPr>
@@ -12483,7 +12536,7 @@
           <p:nvPr/>
         </p:nvPicPr>
         <p:blipFill>
-          <a:blip r:embed="rId2">
+          <a:blip r:embed="rId2" cstate="print">
             <a:extLst>
               <a:ext uri="{28A0092B-C50C-407E-A947-70E740481C1C}">
                 <a14:useLocalDpi xmlns:a14="http://schemas.microsoft.com/office/drawing/2010/main" val="0"/>
@@ -12539,7 +12592,7 @@
           <p:cNvPr id="3" name="Symbol zastępczy zawartości 2">
             <a:extLst>
               <a:ext uri="{FF2B5EF4-FFF2-40B4-BE49-F238E27FC236}">
-                <a16:creationId xmlns:a16="http://schemas.microsoft.com/office/drawing/2014/main" id="{AE1461AD-4115-4E1B-862F-F33B3908B07E}"/>
+                <a16:creationId xmlns:a16="http://schemas.microsoft.com/office/drawing/2014/main" xmlns="" id="{AE1461AD-4115-4E1B-862F-F33B3908B07E}"/>
               </a:ext>
             </a:extLst>
           </p:cNvPr>
@@ -12627,7 +12680,7 @@
           <p:cNvPr id="2" name="Tytuł 1">
             <a:extLst>
               <a:ext uri="{FF2B5EF4-FFF2-40B4-BE49-F238E27FC236}">
-                <a16:creationId xmlns:a16="http://schemas.microsoft.com/office/drawing/2014/main" id="{45F0BCE7-89BF-4A04-8184-B6B4B6985C48}"/>
+                <a16:creationId xmlns:a16="http://schemas.microsoft.com/office/drawing/2014/main" xmlns="" id="{45F0BCE7-89BF-4A04-8184-B6B4B6985C48}"/>
               </a:ext>
             </a:extLst>
           </p:cNvPr>
@@ -12656,7 +12709,7 @@
           <p:cNvPr id="2052" name="Picture 4" descr="http://blog.guinatal.com/wp-content/uploads/2015/10/strict-mode.png">
             <a:extLst>
               <a:ext uri="{FF2B5EF4-FFF2-40B4-BE49-F238E27FC236}">
-                <a16:creationId xmlns:a16="http://schemas.microsoft.com/office/drawing/2014/main" id="{8152072B-809F-4B38-A67D-6A76134D76E5}"/>
+                <a16:creationId xmlns:a16="http://schemas.microsoft.com/office/drawing/2014/main" xmlns="" id="{8152072B-809F-4B38-A67D-6A76134D76E5}"/>
               </a:ext>
             </a:extLst>
           </p:cNvPr>
@@ -12666,7 +12719,7 @@
           <p:nvPr/>
         </p:nvPicPr>
         <p:blipFill>
-          <a:blip r:embed="rId3">
+          <a:blip r:embed="rId3" cstate="print">
             <a:extLst>
               <a:ext uri="{28A0092B-C50C-407E-A947-70E740481C1C}">
                 <a14:useLocalDpi xmlns:a14="http://schemas.microsoft.com/office/drawing/2010/main" val="0"/>
@@ -12733,7 +12786,7 @@
           <p:cNvPr id="3" name="Symbol zastępczy zawartości 2">
             <a:extLst>
               <a:ext uri="{FF2B5EF4-FFF2-40B4-BE49-F238E27FC236}">
-                <a16:creationId xmlns:a16="http://schemas.microsoft.com/office/drawing/2014/main" id="{229A404E-1102-4415-8649-BBFF595FD516}"/>
+                <a16:creationId xmlns:a16="http://schemas.microsoft.com/office/drawing/2014/main" xmlns="" id="{229A404E-1102-4415-8649-BBFF595FD516}"/>
               </a:ext>
             </a:extLst>
           </p:cNvPr>
@@ -12826,7 +12879,7 @@
           <p:cNvPr id="2" name="Tytuł 1">
             <a:extLst>
               <a:ext uri="{FF2B5EF4-FFF2-40B4-BE49-F238E27FC236}">
-                <a16:creationId xmlns:a16="http://schemas.microsoft.com/office/drawing/2014/main" id="{C8EB8C33-B252-4022-B763-913841FA30A8}"/>
+                <a16:creationId xmlns:a16="http://schemas.microsoft.com/office/drawing/2014/main" xmlns="" id="{C8EB8C33-B252-4022-B763-913841FA30A8}"/>
               </a:ext>
             </a:extLst>
           </p:cNvPr>
@@ -12874,7 +12927,7 @@
           <p:cNvPr id="4" name="Picture 2" descr="1482783056455362000.png (1532×732)">
             <a:extLst>
               <a:ext uri="{FF2B5EF4-FFF2-40B4-BE49-F238E27FC236}">
-                <a16:creationId xmlns:a16="http://schemas.microsoft.com/office/drawing/2014/main" id="{7AB0E6ED-B68F-476F-9745-B38F616B012E}"/>
+                <a16:creationId xmlns:a16="http://schemas.microsoft.com/office/drawing/2014/main" xmlns="" id="{7AB0E6ED-B68F-476F-9745-B38F616B012E}"/>
               </a:ext>
             </a:extLst>
           </p:cNvPr>
@@ -12921,7 +12974,7 @@
           <p:cNvPr id="5" name="Obraz 4">
             <a:extLst>
               <a:ext uri="{FF2B5EF4-FFF2-40B4-BE49-F238E27FC236}">
-                <a16:creationId xmlns:a16="http://schemas.microsoft.com/office/drawing/2014/main" id="{DAAF000F-FA9F-43C2-B129-88E329CD6E40}"/>
+                <a16:creationId xmlns:a16="http://schemas.microsoft.com/office/drawing/2014/main" xmlns="" id="{DAAF000F-FA9F-43C2-B129-88E329CD6E40}"/>
               </a:ext>
             </a:extLst>
           </p:cNvPr>
@@ -12981,7 +13034,7 @@
           <p:cNvPr id="3" name="Symbol zastępczy zawartości 2">
             <a:extLst>
               <a:ext uri="{FF2B5EF4-FFF2-40B4-BE49-F238E27FC236}">
-                <a16:creationId xmlns:a16="http://schemas.microsoft.com/office/drawing/2014/main" id="{42F56E1A-B99F-4CEF-BD1D-83514A87399C}"/>
+                <a16:creationId xmlns:a16="http://schemas.microsoft.com/office/drawing/2014/main" xmlns="" id="{42F56E1A-B99F-4CEF-BD1D-83514A87399C}"/>
               </a:ext>
             </a:extLst>
           </p:cNvPr>
@@ -13059,7 +13112,7 @@
           <p:cNvPr id="2" name="Tytuł 1">
             <a:extLst>
               <a:ext uri="{FF2B5EF4-FFF2-40B4-BE49-F238E27FC236}">
-                <a16:creationId xmlns:a16="http://schemas.microsoft.com/office/drawing/2014/main" id="{B6ECDBDC-8AAD-4FBE-871E-6F6D081DD2B3}"/>
+                <a16:creationId xmlns:a16="http://schemas.microsoft.com/office/drawing/2014/main" xmlns="" id="{B6ECDBDC-8AAD-4FBE-871E-6F6D081DD2B3}"/>
               </a:ext>
             </a:extLst>
           </p:cNvPr>
@@ -13087,7 +13140,7 @@
           <p:cNvPr id="8196" name="Picture 4" descr="https://s.gravatar.com/avatar/17e414f1d3c2a1c190a1fe04d9850286?size=496&amp;default=retro">
             <a:extLst>
               <a:ext uri="{FF2B5EF4-FFF2-40B4-BE49-F238E27FC236}">
-                <a16:creationId xmlns:a16="http://schemas.microsoft.com/office/drawing/2014/main" id="{AC8448C3-B202-41AD-84C7-C5536E095F84}"/>
+                <a16:creationId xmlns:a16="http://schemas.microsoft.com/office/drawing/2014/main" xmlns="" id="{AC8448C3-B202-41AD-84C7-C5536E095F84}"/>
               </a:ext>
             </a:extLst>
           </p:cNvPr>
@@ -13097,7 +13150,7 @@
           <p:nvPr/>
         </p:nvPicPr>
         <p:blipFill>
-          <a:blip r:embed="rId3">
+          <a:blip r:embed="rId3" cstate="print">
             <a:extLst>
               <a:ext uri="{28A0092B-C50C-407E-A947-70E740481C1C}">
                 <a14:useLocalDpi xmlns:a14="http://schemas.microsoft.com/office/drawing/2010/main" val="0"/>
@@ -13134,7 +13187,7 @@
           <p:cNvPr id="5" name="Picture 4" descr="https://cdn-images-1.medium.com/max/1200/1*GrV-nz5YZLitg0aaj62IiQ.png">
             <a:extLst>
               <a:ext uri="{FF2B5EF4-FFF2-40B4-BE49-F238E27FC236}">
-                <a16:creationId xmlns:a16="http://schemas.microsoft.com/office/drawing/2014/main" id="{CDEF672C-3AFF-4028-9C2E-2B69BDE61876}"/>
+                <a16:creationId xmlns:a16="http://schemas.microsoft.com/office/drawing/2014/main" xmlns="" id="{CDEF672C-3AFF-4028-9C2E-2B69BDE61876}"/>
               </a:ext>
             </a:extLst>
           </p:cNvPr>
@@ -13181,7 +13234,7 @@
           <p:cNvPr id="6" name="Picture 4" descr="http://mherman.org/assets/img/blog/typescript-logo.png">
             <a:extLst>
               <a:ext uri="{FF2B5EF4-FFF2-40B4-BE49-F238E27FC236}">
-                <a16:creationId xmlns:a16="http://schemas.microsoft.com/office/drawing/2014/main" id="{FC9DB69F-1652-4F7E-89B7-2AD5B9D5597C}"/>
+                <a16:creationId xmlns:a16="http://schemas.microsoft.com/office/drawing/2014/main" xmlns="" id="{FC9DB69F-1652-4F7E-89B7-2AD5B9D5597C}"/>
               </a:ext>
             </a:extLst>
           </p:cNvPr>
@@ -13228,7 +13281,7 @@
           <p:cNvPr id="8" name="Obraz 7">
             <a:extLst>
               <a:ext uri="{FF2B5EF4-FFF2-40B4-BE49-F238E27FC236}">
-                <a16:creationId xmlns:a16="http://schemas.microsoft.com/office/drawing/2014/main" id="{FA19F12D-EA59-4576-8C3B-CD9DA14CD23E}"/>
+                <a16:creationId xmlns:a16="http://schemas.microsoft.com/office/drawing/2014/main" xmlns="" id="{FA19F12D-EA59-4576-8C3B-CD9DA14CD23E}"/>
               </a:ext>
             </a:extLst>
           </p:cNvPr>
@@ -13288,7 +13341,7 @@
           <p:cNvPr id="3" name="Symbol zastępczy zawartości 2">
             <a:extLst>
               <a:ext uri="{FF2B5EF4-FFF2-40B4-BE49-F238E27FC236}">
-                <a16:creationId xmlns:a16="http://schemas.microsoft.com/office/drawing/2014/main" id="{C8B648E3-BE6B-48A4-832B-F10179825286}"/>
+                <a16:creationId xmlns:a16="http://schemas.microsoft.com/office/drawing/2014/main" xmlns="" id="{C8B648E3-BE6B-48A4-832B-F10179825286}"/>
               </a:ext>
             </a:extLst>
           </p:cNvPr>
@@ -13421,7 +13474,7 @@
           <p:cNvPr id="2" name="Tytuł 1">
             <a:extLst>
               <a:ext uri="{FF2B5EF4-FFF2-40B4-BE49-F238E27FC236}">
-                <a16:creationId xmlns:a16="http://schemas.microsoft.com/office/drawing/2014/main" id="{DC33AF74-8990-468E-8EA1-D8B89BC19F8A}"/>
+                <a16:creationId xmlns:a16="http://schemas.microsoft.com/office/drawing/2014/main" xmlns="" id="{DC33AF74-8990-468E-8EA1-D8B89BC19F8A}"/>
               </a:ext>
             </a:extLst>
           </p:cNvPr>
@@ -13469,7 +13522,7 @@
           <p:cNvPr id="5" name="Obraz 4">
             <a:extLst>
               <a:ext uri="{FF2B5EF4-FFF2-40B4-BE49-F238E27FC236}">
-                <a16:creationId xmlns:a16="http://schemas.microsoft.com/office/drawing/2014/main" id="{74D94480-05BE-4E4C-A9FE-D83AAF70AF14}"/>
+                <a16:creationId xmlns:a16="http://schemas.microsoft.com/office/drawing/2014/main" xmlns="" id="{74D94480-05BE-4E4C-A9FE-D83AAF70AF14}"/>
               </a:ext>
             </a:extLst>
           </p:cNvPr>
@@ -13479,7 +13532,7 @@
           <p:nvPr/>
         </p:nvPicPr>
         <p:blipFill>
-          <a:blip r:embed="rId2">
+          <a:blip r:embed="rId2" cstate="print">
             <a:extLst>
               <a:ext uri="{28A0092B-C50C-407E-A947-70E740481C1C}">
                 <a14:useLocalDpi xmlns:a14="http://schemas.microsoft.com/office/drawing/2010/main" val="0"/>
@@ -13505,7 +13558,7 @@
           <p:cNvPr id="7" name="Obraz 6">
             <a:extLst>
               <a:ext uri="{FF2B5EF4-FFF2-40B4-BE49-F238E27FC236}">
-                <a16:creationId xmlns:a16="http://schemas.microsoft.com/office/drawing/2014/main" id="{4A14BF2A-4D22-4F5E-990E-00494E2C2C21}"/>
+                <a16:creationId xmlns:a16="http://schemas.microsoft.com/office/drawing/2014/main" xmlns="" id="{4A14BF2A-4D22-4F5E-990E-00494E2C2C21}"/>
               </a:ext>
             </a:extLst>
           </p:cNvPr>
@@ -13515,7 +13568,7 @@
           <p:nvPr/>
         </p:nvPicPr>
         <p:blipFill>
-          <a:blip r:embed="rId3">
+          <a:blip r:embed="rId3" cstate="print">
             <a:extLst>
               <a:ext uri="{28A0092B-C50C-407E-A947-70E740481C1C}">
                 <a14:useLocalDpi xmlns:a14="http://schemas.microsoft.com/office/drawing/2010/main" val="0"/>
@@ -13571,7 +13624,7 @@
           <p:cNvPr id="3" name="Symbol zastępczy zawartości 2">
             <a:extLst>
               <a:ext uri="{FF2B5EF4-FFF2-40B4-BE49-F238E27FC236}">
-                <a16:creationId xmlns:a16="http://schemas.microsoft.com/office/drawing/2014/main" id="{61C532A8-27DC-4097-B4AD-28A12AFCBDE8}"/>
+                <a16:creationId xmlns:a16="http://schemas.microsoft.com/office/drawing/2014/main" xmlns="" id="{61C532A8-27DC-4097-B4AD-28A12AFCBDE8}"/>
               </a:ext>
             </a:extLst>
           </p:cNvPr>
@@ -13596,7 +13649,7 @@
           <p:cNvPr id="2" name="Tytuł 1">
             <a:extLst>
               <a:ext uri="{FF2B5EF4-FFF2-40B4-BE49-F238E27FC236}">
-                <a16:creationId xmlns:a16="http://schemas.microsoft.com/office/drawing/2014/main" id="{108B77F4-5851-4373-896E-9D4790EA2C87}"/>
+                <a16:creationId xmlns:a16="http://schemas.microsoft.com/office/drawing/2014/main" xmlns="" id="{108B77F4-5851-4373-896E-9D4790EA2C87}"/>
               </a:ext>
             </a:extLst>
           </p:cNvPr>
@@ -13625,7 +13678,7 @@
           <p:cNvPr id="6146" name="Picture 2" descr="http://www.wns.com/Portals/0/Images/HeaderBanner/desktop/756/106/QnA_header.jpg">
             <a:extLst>
               <a:ext uri="{FF2B5EF4-FFF2-40B4-BE49-F238E27FC236}">
-                <a16:creationId xmlns:a16="http://schemas.microsoft.com/office/drawing/2014/main" id="{74FB1B95-B264-4983-8393-6D22017895B7}"/>
+                <a16:creationId xmlns:a16="http://schemas.microsoft.com/office/drawing/2014/main" xmlns="" id="{74FB1B95-B264-4983-8393-6D22017895B7}"/>
               </a:ext>
             </a:extLst>
           </p:cNvPr>
@@ -13672,7 +13725,7 @@
           <p:cNvPr id="4" name="pole tekstowe 3">
             <a:extLst>
               <a:ext uri="{FF2B5EF4-FFF2-40B4-BE49-F238E27FC236}">
-                <a16:creationId xmlns:a16="http://schemas.microsoft.com/office/drawing/2014/main" id="{BA55DBD2-E8A2-4BDC-A678-4552783EA59C}"/>
+                <a16:creationId xmlns:a16="http://schemas.microsoft.com/office/drawing/2014/main" xmlns="" id="{BA55DBD2-E8A2-4BDC-A678-4552783EA59C}"/>
               </a:ext>
             </a:extLst>
           </p:cNvPr>
@@ -13746,7 +13799,7 @@
           <p:cNvPr id="3" name="Symbol zastępczy zawartości 2">
             <a:extLst>
               <a:ext uri="{FF2B5EF4-FFF2-40B4-BE49-F238E27FC236}">
-                <a16:creationId xmlns:a16="http://schemas.microsoft.com/office/drawing/2014/main" id="{3C1B7354-5CB8-4095-B8FB-473185CF846B}"/>
+                <a16:creationId xmlns:a16="http://schemas.microsoft.com/office/drawing/2014/main" xmlns="" id="{3C1B7354-5CB8-4095-B8FB-473185CF846B}"/>
               </a:ext>
             </a:extLst>
           </p:cNvPr>
@@ -13864,7 +13917,7 @@
           <p:cNvPr id="2" name="Tytuł 1">
             <a:extLst>
               <a:ext uri="{FF2B5EF4-FFF2-40B4-BE49-F238E27FC236}">
-                <a16:creationId xmlns:a16="http://schemas.microsoft.com/office/drawing/2014/main" id="{5FADE656-23A3-472B-9028-539E41BF4431}"/>
+                <a16:creationId xmlns:a16="http://schemas.microsoft.com/office/drawing/2014/main" xmlns="" id="{5FADE656-23A3-472B-9028-539E41BF4431}"/>
               </a:ext>
             </a:extLst>
           </p:cNvPr>
@@ -13923,7 +13976,7 @@
           <p:cNvPr id="3" name="Symbol zastępczy zawartości 2">
             <a:extLst>
               <a:ext uri="{FF2B5EF4-FFF2-40B4-BE49-F238E27FC236}">
-                <a16:creationId xmlns:a16="http://schemas.microsoft.com/office/drawing/2014/main" id="{FFBC775E-A408-426B-AD64-D760CE493868}"/>
+                <a16:creationId xmlns:a16="http://schemas.microsoft.com/office/drawing/2014/main" xmlns="" id="{FFBC775E-A408-426B-AD64-D760CE493868}"/>
               </a:ext>
             </a:extLst>
           </p:cNvPr>
@@ -13948,7 +14001,7 @@
           <p:cNvPr id="2" name="Tytuł 1">
             <a:extLst>
               <a:ext uri="{FF2B5EF4-FFF2-40B4-BE49-F238E27FC236}">
-                <a16:creationId xmlns:a16="http://schemas.microsoft.com/office/drawing/2014/main" id="{29595173-8118-423B-B6DE-9B9ABBB5E65E}"/>
+                <a16:creationId xmlns:a16="http://schemas.microsoft.com/office/drawing/2014/main" xmlns="" id="{29595173-8118-423B-B6DE-9B9ABBB5E65E}"/>
               </a:ext>
             </a:extLst>
           </p:cNvPr>
@@ -13964,6 +14017,10 @@
           <a:bodyPr/>
           <a:lstStyle/>
           <a:p>
+            <a:r>
+              <a:rPr lang="pl-PL" dirty="0"/>
+              <a:t/>
+            </a:r>
             <a:br>
               <a:rPr lang="pl-PL" dirty="0"/>
             </a:br>
@@ -13976,7 +14033,7 @@
           <p:cNvPr id="4098" name="Picture 2" descr="feedback.jpg (2101×888)">
             <a:extLst>
               <a:ext uri="{FF2B5EF4-FFF2-40B4-BE49-F238E27FC236}">
-                <a16:creationId xmlns:a16="http://schemas.microsoft.com/office/drawing/2014/main" id="{039166BD-E3EB-4B9E-9CED-885F07B9625A}"/>
+                <a16:creationId xmlns:a16="http://schemas.microsoft.com/office/drawing/2014/main" xmlns="" id="{039166BD-E3EB-4B9E-9CED-885F07B9625A}"/>
               </a:ext>
             </a:extLst>
           </p:cNvPr>
@@ -14053,7 +14110,7 @@
           <p:cNvPr id="3" name="Symbol zastępczy zawartości 2">
             <a:extLst>
               <a:ext uri="{FF2B5EF4-FFF2-40B4-BE49-F238E27FC236}">
-                <a16:creationId xmlns:a16="http://schemas.microsoft.com/office/drawing/2014/main" id="{E3D82390-55E3-4805-8D90-54DBAC6C1432}"/>
+                <a16:creationId xmlns:a16="http://schemas.microsoft.com/office/drawing/2014/main" xmlns="" id="{E3D82390-55E3-4805-8D90-54DBAC6C1432}"/>
               </a:ext>
             </a:extLst>
           </p:cNvPr>
@@ -14072,7 +14129,7 @@
         </p:spPr>
         <p:txBody>
           <a:bodyPr>
-            <a:normAutofit/>
+            <a:normAutofit lnSpcReduction="10000"/>
           </a:bodyPr>
           <a:lstStyle/>
           <a:p>
@@ -14081,14 +14138,14 @@
               <a:buAutoNum type="arabicPeriod"/>
             </a:pPr>
             <a:r>
-              <a:rPr lang="en-GB" dirty="0"/>
+              <a:rPr lang="en-GB" sz="2400" dirty="0"/>
               <a:t>Understanding JS</a:t>
             </a:r>
           </a:p>
           <a:p>
             <a:pPr lvl="1"/>
             <a:r>
-              <a:rPr lang="en-GB" dirty="0"/>
+              <a:rPr lang="en-GB" sz="1800" dirty="0"/>
               <a:t>scopes, hoisting</a:t>
             </a:r>
           </a:p>
@@ -14098,14 +14155,14 @@
               <a:buAutoNum type="arabicPeriod"/>
             </a:pPr>
             <a:r>
-              <a:rPr lang="en-GB" dirty="0"/>
+              <a:rPr lang="en-GB" sz="2400" dirty="0"/>
               <a:t>Objective JS </a:t>
             </a:r>
           </a:p>
           <a:p>
             <a:pPr lvl="1"/>
             <a:r>
-              <a:rPr lang="en-GB" dirty="0"/>
+              <a:rPr lang="en-GB" sz="1800" dirty="0"/>
               <a:t>prototype, closure, module pattern</a:t>
             </a:r>
           </a:p>
@@ -14115,14 +14172,14 @@
               <a:buAutoNum type="arabicPeriod"/>
             </a:pPr>
             <a:r>
-              <a:rPr lang="en-GB" dirty="0"/>
+              <a:rPr lang="en-GB" sz="2400" dirty="0"/>
               <a:t>ECMAScript5</a:t>
             </a:r>
           </a:p>
           <a:p>
             <a:pPr lvl="1"/>
             <a:r>
-              <a:rPr lang="en-GB" dirty="0"/>
+              <a:rPr lang="en-GB" sz="1800" dirty="0"/>
               <a:t> array functions, strict mode</a:t>
             </a:r>
           </a:p>
@@ -14132,21 +14189,21 @@
               <a:buAutoNum type="arabicPeriod"/>
             </a:pPr>
             <a:r>
-              <a:rPr lang="en-GB" dirty="0"/>
+              <a:rPr lang="en-GB" sz="2400" dirty="0"/>
               <a:t>Future and necessary fixes</a:t>
             </a:r>
           </a:p>
           <a:p>
             <a:pPr lvl="1"/>
             <a:r>
-              <a:rPr lang="en-GB" dirty="0"/>
+              <a:rPr lang="en-GB" sz="1800" dirty="0"/>
               <a:t>ECMAScript2015, TypeScript, </a:t>
             </a:r>
             <a:r>
-              <a:rPr lang="en-GB" dirty="0" err="1"/>
+              <a:rPr lang="en-GB" sz="1800" dirty="0" err="1"/>
               <a:t>Transpilers</a:t>
             </a:r>
-            <a:endParaRPr lang="en-GB" dirty="0"/>
+            <a:endParaRPr lang="en-GB" sz="1800" dirty="0"/>
           </a:p>
           <a:p>
             <a:pPr lvl="1"/>
@@ -14163,7 +14220,7 @@
           <p:cNvPr id="2" name="Tytuł 1">
             <a:extLst>
               <a:ext uri="{FF2B5EF4-FFF2-40B4-BE49-F238E27FC236}">
-                <a16:creationId xmlns:a16="http://schemas.microsoft.com/office/drawing/2014/main" id="{CEDD4781-3483-4102-9647-FA6A45666C50}"/>
+                <a16:creationId xmlns:a16="http://schemas.microsoft.com/office/drawing/2014/main" xmlns="" id="{CEDD4781-3483-4102-9647-FA6A45666C50}"/>
               </a:ext>
             </a:extLst>
           </p:cNvPr>
@@ -14192,7 +14249,7 @@
           <p:cNvPr id="4" name="AutoShape 2" descr="Image result for agenda">
             <a:extLst>
               <a:ext uri="{FF2B5EF4-FFF2-40B4-BE49-F238E27FC236}">
-                <a16:creationId xmlns:a16="http://schemas.microsoft.com/office/drawing/2014/main" id="{B53C2A3B-358A-47AB-B3D8-39F215377BB2}"/>
+                <a16:creationId xmlns:a16="http://schemas.microsoft.com/office/drawing/2014/main" xmlns="" id="{B53C2A3B-358A-47AB-B3D8-39F215377BB2}"/>
               </a:ext>
             </a:extLst>
           </p:cNvPr>
@@ -14237,7 +14294,7 @@
           <p:cNvPr id="5124" name="Picture 4" descr="http://cityoflosalamitos.org/wp-content/uploads/2017/05/agenda.jpg">
             <a:extLst>
               <a:ext uri="{FF2B5EF4-FFF2-40B4-BE49-F238E27FC236}">
-                <a16:creationId xmlns:a16="http://schemas.microsoft.com/office/drawing/2014/main" id="{3C76F380-DA5C-4624-AD98-F4E1C41EA12C}"/>
+                <a16:creationId xmlns:a16="http://schemas.microsoft.com/office/drawing/2014/main" xmlns="" id="{3C76F380-DA5C-4624-AD98-F4E1C41EA12C}"/>
               </a:ext>
             </a:extLst>
           </p:cNvPr>
@@ -14314,7 +14371,7 @@
           <p:cNvPr id="3" name="Symbol zastępczy zawartości 2">
             <a:extLst>
               <a:ext uri="{FF2B5EF4-FFF2-40B4-BE49-F238E27FC236}">
-                <a16:creationId xmlns:a16="http://schemas.microsoft.com/office/drawing/2014/main" id="{D33C3744-2045-44E7-837F-D49C8FFF31E6}"/>
+                <a16:creationId xmlns:a16="http://schemas.microsoft.com/office/drawing/2014/main" xmlns="" id="{D33C3744-2045-44E7-837F-D49C8FFF31E6}"/>
               </a:ext>
             </a:extLst>
           </p:cNvPr>
@@ -14432,7 +14489,7 @@
           <p:cNvPr id="2" name="Tytuł 1">
             <a:extLst>
               <a:ext uri="{FF2B5EF4-FFF2-40B4-BE49-F238E27FC236}">
-                <a16:creationId xmlns:a16="http://schemas.microsoft.com/office/drawing/2014/main" id="{3498F6BD-CB79-4DF2-B530-93A915097F89}"/>
+                <a16:creationId xmlns:a16="http://schemas.microsoft.com/office/drawing/2014/main" xmlns="" id="{3498F6BD-CB79-4DF2-B530-93A915097F89}"/>
               </a:ext>
             </a:extLst>
           </p:cNvPr>
@@ -14466,7 +14523,7 @@
           <p:cNvPr id="4" name="Symbol zastępczy zawartości 6">
             <a:extLst>
               <a:ext uri="{FF2B5EF4-FFF2-40B4-BE49-F238E27FC236}">
-                <a16:creationId xmlns:a16="http://schemas.microsoft.com/office/drawing/2014/main" id="{9AD6FBBA-AAFE-41D8-9775-AA0BB3793231}"/>
+                <a16:creationId xmlns:a16="http://schemas.microsoft.com/office/drawing/2014/main" xmlns="" id="{9AD6FBBA-AAFE-41D8-9775-AA0BB3793231}"/>
               </a:ext>
             </a:extLst>
           </p:cNvPr>
@@ -14532,7 +14589,7 @@
           <p:cNvPr id="2" name="Tytuł 1">
             <a:extLst>
               <a:ext uri="{FF2B5EF4-FFF2-40B4-BE49-F238E27FC236}">
-                <a16:creationId xmlns:a16="http://schemas.microsoft.com/office/drawing/2014/main" id="{999255DC-4E2E-45F6-82A0-0E7656A8857C}"/>
+                <a16:creationId xmlns:a16="http://schemas.microsoft.com/office/drawing/2014/main" xmlns="" id="{999255DC-4E2E-45F6-82A0-0E7656A8857C}"/>
               </a:ext>
             </a:extLst>
           </p:cNvPr>
@@ -14578,7 +14635,7 @@
           <p:cNvPr id="6" name="Prostokąt 5">
             <a:extLst>
               <a:ext uri="{FF2B5EF4-FFF2-40B4-BE49-F238E27FC236}">
-                <a16:creationId xmlns:a16="http://schemas.microsoft.com/office/drawing/2014/main" id="{8A76B395-FF69-4550-BEB4-3FC21AB8914D}"/>
+                <a16:creationId xmlns:a16="http://schemas.microsoft.com/office/drawing/2014/main" xmlns="" id="{8A76B395-FF69-4550-BEB4-3FC21AB8914D}"/>
               </a:ext>
             </a:extLst>
           </p:cNvPr>
@@ -14720,7 +14777,7 @@
           <p:cNvPr id="6152" name="Picture 8" descr="https://cdn3.iconfinder.com/data/icons/databases-2/512/function-512.png">
             <a:extLst>
               <a:ext uri="{FF2B5EF4-FFF2-40B4-BE49-F238E27FC236}">
-                <a16:creationId xmlns:a16="http://schemas.microsoft.com/office/drawing/2014/main" id="{F0469B91-0BF5-4526-ACB4-BE3703BC45EB}"/>
+                <a16:creationId xmlns:a16="http://schemas.microsoft.com/office/drawing/2014/main" xmlns="" id="{F0469B91-0BF5-4526-ACB4-BE3703BC45EB}"/>
               </a:ext>
             </a:extLst>
           </p:cNvPr>
@@ -14767,7 +14824,7 @@
           <p:cNvPr id="5" name="Prostokąt: zaokrąglone rogi 4">
             <a:extLst>
               <a:ext uri="{FF2B5EF4-FFF2-40B4-BE49-F238E27FC236}">
-                <a16:creationId xmlns:a16="http://schemas.microsoft.com/office/drawing/2014/main" id="{62B2373E-E5BA-479F-89FA-12C3FC7018A9}"/>
+                <a16:creationId xmlns:a16="http://schemas.microsoft.com/office/drawing/2014/main" xmlns="" id="{62B2373E-E5BA-479F-89FA-12C3FC7018A9}"/>
               </a:ext>
             </a:extLst>
           </p:cNvPr>
@@ -14812,7 +14869,7 @@
           <p:cNvPr id="3" name="Symbol zastępczy zawartości 2">
             <a:extLst>
               <a:ext uri="{FF2B5EF4-FFF2-40B4-BE49-F238E27FC236}">
-                <a16:creationId xmlns:a16="http://schemas.microsoft.com/office/drawing/2014/main" id="{6C5F2416-72AD-481B-853A-0575FB080EBA}"/>
+                <a16:creationId xmlns:a16="http://schemas.microsoft.com/office/drawing/2014/main" xmlns="" id="{6C5F2416-72AD-481B-853A-0575FB080EBA}"/>
               </a:ext>
             </a:extLst>
           </p:cNvPr>
@@ -15270,7 +15327,7 @@
           <p:cNvPr id="11" name="Uśmiechnięta buźka 10">
             <a:extLst>
               <a:ext uri="{FF2B5EF4-FFF2-40B4-BE49-F238E27FC236}">
-                <a16:creationId xmlns:a16="http://schemas.microsoft.com/office/drawing/2014/main" id="{24E6D796-6329-409C-8ADD-6B4198CB88F7}"/>
+                <a16:creationId xmlns:a16="http://schemas.microsoft.com/office/drawing/2014/main" xmlns="" id="{24E6D796-6329-409C-8ADD-6B4198CB88F7}"/>
               </a:ext>
             </a:extLst>
           </p:cNvPr>
@@ -15655,7 +15712,7 @@
           <p:cNvPr id="13" name="Prostokąt: zaokrąglone rogi 12">
             <a:extLst>
               <a:ext uri="{FF2B5EF4-FFF2-40B4-BE49-F238E27FC236}">
-                <a16:creationId xmlns:a16="http://schemas.microsoft.com/office/drawing/2014/main" id="{56EDD65E-0BFF-49BE-B1BE-64F498E62143}"/>
+                <a16:creationId xmlns:a16="http://schemas.microsoft.com/office/drawing/2014/main" xmlns="" id="{56EDD65E-0BFF-49BE-B1BE-64F498E62143}"/>
               </a:ext>
             </a:extLst>
           </p:cNvPr>
@@ -15727,7 +15784,7 @@
           <p:cNvPr id="2" name="Tytuł 1">
             <a:extLst>
               <a:ext uri="{FF2B5EF4-FFF2-40B4-BE49-F238E27FC236}">
-                <a16:creationId xmlns:a16="http://schemas.microsoft.com/office/drawing/2014/main" id="{83FC05E8-B10E-4A1E-A803-7040C218E79D}"/>
+                <a16:creationId xmlns:a16="http://schemas.microsoft.com/office/drawing/2014/main" xmlns="" id="{83FC05E8-B10E-4A1E-A803-7040C218E79D}"/>
               </a:ext>
             </a:extLst>
           </p:cNvPr>
@@ -15757,7 +15814,7 @@
               <a:t>“</a:t>
             </a:r>
             <a:r>
-              <a:rPr lang="en-GB" b="1" dirty="0">
+              <a:rPr lang="en-GB" dirty="0">
                 <a:solidFill>
                   <a:srgbClr val="00B0F0"/>
                 </a:solidFill>
@@ -15805,7 +15862,7 @@
           <p:cNvPr id="4" name="Znak mnożenia 3">
             <a:extLst>
               <a:ext uri="{FF2B5EF4-FFF2-40B4-BE49-F238E27FC236}">
-                <a16:creationId xmlns:a16="http://schemas.microsoft.com/office/drawing/2014/main" id="{3B8840BA-6011-4DD9-BF15-C4C836DAAF48}"/>
+                <a16:creationId xmlns:a16="http://schemas.microsoft.com/office/drawing/2014/main" xmlns="" id="{3B8840BA-6011-4DD9-BF15-C4C836DAAF48}"/>
               </a:ext>
             </a:extLst>
           </p:cNvPr>
@@ -15854,7 +15911,7 @@
           <p:cNvPr id="7170" name="Picture 2" descr="http://chameleonassociates.com/wp-content/uploads/2015/01/broken_window.png">
             <a:extLst>
               <a:ext uri="{FF2B5EF4-FFF2-40B4-BE49-F238E27FC236}">
-                <a16:creationId xmlns:a16="http://schemas.microsoft.com/office/drawing/2014/main" id="{0F74873C-5902-41B3-9CE0-0EFE67354E56}"/>
+                <a16:creationId xmlns:a16="http://schemas.microsoft.com/office/drawing/2014/main" xmlns="" id="{0F74873C-5902-41B3-9CE0-0EFE67354E56}"/>
               </a:ext>
             </a:extLst>
           </p:cNvPr>
@@ -15901,7 +15958,7 @@
           <p:cNvPr id="11" name="Symbol zastępczy zawartości 2">
             <a:extLst>
               <a:ext uri="{FF2B5EF4-FFF2-40B4-BE49-F238E27FC236}">
-                <a16:creationId xmlns:a16="http://schemas.microsoft.com/office/drawing/2014/main" id="{87DF4A1E-96B4-4B2A-BA84-190CC1F79384}"/>
+                <a16:creationId xmlns:a16="http://schemas.microsoft.com/office/drawing/2014/main" xmlns="" id="{87DF4A1E-96B4-4B2A-BA84-190CC1F79384}"/>
               </a:ext>
             </a:extLst>
           </p:cNvPr>
@@ -16367,7 +16424,7 @@
           <p:cNvPr id="12" name="Prostokąt 11">
             <a:extLst>
               <a:ext uri="{FF2B5EF4-FFF2-40B4-BE49-F238E27FC236}">
-                <a16:creationId xmlns:a16="http://schemas.microsoft.com/office/drawing/2014/main" id="{F5B8163C-6C15-4386-B087-1EC89318DAED}"/>
+                <a16:creationId xmlns:a16="http://schemas.microsoft.com/office/drawing/2014/main" xmlns="" id="{F5B8163C-6C15-4386-B087-1EC89318DAED}"/>
               </a:ext>
             </a:extLst>
           </p:cNvPr>
@@ -16825,7 +16882,7 @@
           <p:cNvPr id="3" name="Symbol zastępczy zawartości 2">
             <a:extLst>
               <a:ext uri="{FF2B5EF4-FFF2-40B4-BE49-F238E27FC236}">
-                <a16:creationId xmlns:a16="http://schemas.microsoft.com/office/drawing/2014/main" id="{EFDB322C-1461-4441-84C5-A57D191B5BA7}"/>
+                <a16:creationId xmlns:a16="http://schemas.microsoft.com/office/drawing/2014/main" xmlns="" id="{EFDB322C-1461-4441-84C5-A57D191B5BA7}"/>
               </a:ext>
             </a:extLst>
           </p:cNvPr>
@@ -16915,6 +16972,15 @@
             <a:pPr marL="0" indent="0">
               <a:buNone/>
             </a:pPr>
+            <a:r>
+              <a:rPr lang="pl-PL" sz="2800" dirty="0">
+                <a:solidFill>
+                  <a:srgbClr val="000000"/>
+                </a:solidFill>
+                <a:latin typeface="Consolas" panose="020B0609020204030204" pitchFamily="49" charset="0"/>
+              </a:rPr>
+              <a:t/>
+            </a:r>
             <a:br>
               <a:rPr lang="pl-PL" sz="2800" dirty="0">
                 <a:solidFill>
@@ -16952,7 +17018,7 @@
           <p:cNvPr id="2" name="Tytuł 1">
             <a:extLst>
               <a:ext uri="{FF2B5EF4-FFF2-40B4-BE49-F238E27FC236}">
-                <a16:creationId xmlns:a16="http://schemas.microsoft.com/office/drawing/2014/main" id="{7A4C0D29-EA2A-4548-8F42-726DBDF5FFD8}"/>
+                <a16:creationId xmlns:a16="http://schemas.microsoft.com/office/drawing/2014/main" xmlns="" id="{7A4C0D29-EA2A-4548-8F42-726DBDF5FFD8}"/>
               </a:ext>
             </a:extLst>
           </p:cNvPr>
@@ -16992,7 +17058,7 @@
           <p:cNvPr id="5" name="Obraz 4">
             <a:extLst>
               <a:ext uri="{FF2B5EF4-FFF2-40B4-BE49-F238E27FC236}">
-                <a16:creationId xmlns:a16="http://schemas.microsoft.com/office/drawing/2014/main" id="{01B8B3BD-2381-4E79-A200-308AEEF4C356}"/>
+                <a16:creationId xmlns:a16="http://schemas.microsoft.com/office/drawing/2014/main" xmlns="" id="{01B8B3BD-2381-4E79-A200-308AEEF4C356}"/>
               </a:ext>
             </a:extLst>
           </p:cNvPr>
@@ -17058,7 +17124,7 @@
           <p:cNvPr id="5" name="Symbol zastępczy zawartości 2">
             <a:extLst>
               <a:ext uri="{FF2B5EF4-FFF2-40B4-BE49-F238E27FC236}">
-                <a16:creationId xmlns:a16="http://schemas.microsoft.com/office/drawing/2014/main" id="{378CBC48-8BC1-423C-9137-C2D451BB6D57}"/>
+                <a16:creationId xmlns:a16="http://schemas.microsoft.com/office/drawing/2014/main" xmlns="" id="{378CBC48-8BC1-423C-9137-C2D451BB6D57}"/>
               </a:ext>
             </a:extLst>
           </p:cNvPr>
@@ -17137,7 +17203,7 @@
             <a:r>
               <a:rPr lang="en-GB" sz="2400" u="sng" dirty="0">
                 <a:solidFill>
-                  <a:srgbClr val="A31515"/>
+                  <a:srgbClr val="00B050"/>
                 </a:solidFill>
                 <a:latin typeface="Consolas" panose="020B0609020204030204" pitchFamily="49" charset="0"/>
                 <a:ea typeface="Times New Roman" panose="02020603050405020304" pitchFamily="18" charset="0"/>
@@ -17607,7 +17673,7 @@
             <a:r>
               <a:rPr lang="en-GB" sz="2400" b="1" u="sng" dirty="0">
                 <a:solidFill>
-                  <a:srgbClr val="A31515"/>
+                  <a:srgbClr val="00B050"/>
                 </a:solidFill>
                 <a:latin typeface="Consolas" panose="020B0609020204030204" pitchFamily="49" charset="0"/>
                 <a:ea typeface="Times New Roman" panose="02020603050405020304" pitchFamily="18" charset="0"/>
@@ -17616,6 +17682,9 @@
               <a:t>'outer'</a:t>
             </a:r>
             <a:endParaRPr lang="pl-PL" sz="3600" b="1" u="sng" dirty="0">
+              <a:solidFill>
+                <a:srgbClr val="00B050"/>
+              </a:solidFill>
               <a:latin typeface="Calibri" panose="020F0502020204030204" pitchFamily="34" charset="0"/>
               <a:ea typeface="Calibri" panose="020F0502020204030204" pitchFamily="34" charset="0"/>
               <a:cs typeface="Times New Roman" panose="02020603050405020304" pitchFamily="18" charset="0"/>
@@ -17628,7 +17697,7 @@
           <p:cNvPr id="2" name="Tytuł 1">
             <a:extLst>
               <a:ext uri="{FF2B5EF4-FFF2-40B4-BE49-F238E27FC236}">
-                <a16:creationId xmlns:a16="http://schemas.microsoft.com/office/drawing/2014/main" id="{C36F846F-F808-477F-B768-B830B9573D92}"/>
+                <a16:creationId xmlns:a16="http://schemas.microsoft.com/office/drawing/2014/main" xmlns="" id="{C36F846F-F808-477F-B768-B830B9573D92}"/>
               </a:ext>
             </a:extLst>
           </p:cNvPr>
@@ -17662,7 +17731,7 @@
           <p:cNvPr id="1030" name="Picture 6" descr="http://payload379.cargocollective.com/1/10/347622/9883250/Fix-Food-and-Beverage-1a_900.png">
             <a:extLst>
               <a:ext uri="{FF2B5EF4-FFF2-40B4-BE49-F238E27FC236}">
-                <a16:creationId xmlns:a16="http://schemas.microsoft.com/office/drawing/2014/main" id="{E847E9AE-1FC8-449B-BCD9-3C96ACC2C378}"/>
+                <a16:creationId xmlns:a16="http://schemas.microsoft.com/office/drawing/2014/main" xmlns="" id="{E847E9AE-1FC8-449B-BCD9-3C96ACC2C378}"/>
               </a:ext>
             </a:extLst>
           </p:cNvPr>
@@ -17672,7 +17741,7 @@
           <p:nvPr/>
         </p:nvPicPr>
         <p:blipFill>
-          <a:blip r:embed="rId3">
+          <a:blip r:embed="rId3" cstate="print">
             <a:extLst>
               <a:ext uri="{28A0092B-C50C-407E-A947-70E740481C1C}">
                 <a14:useLocalDpi xmlns:a14="http://schemas.microsoft.com/office/drawing/2010/main" val="0"/>
@@ -17739,7 +17808,7 @@
           <p:cNvPr id="3" name="Symbol zastępczy zawartości 2">
             <a:extLst>
               <a:ext uri="{FF2B5EF4-FFF2-40B4-BE49-F238E27FC236}">
-                <a16:creationId xmlns:a16="http://schemas.microsoft.com/office/drawing/2014/main" id="{C80260BC-0C60-4EDD-9947-0CEE87CE7000}"/>
+                <a16:creationId xmlns:a16="http://schemas.microsoft.com/office/drawing/2014/main" xmlns="" id="{C80260BC-0C60-4EDD-9947-0CEE87CE7000}"/>
               </a:ext>
             </a:extLst>
           </p:cNvPr>
@@ -17848,7 +17917,7 @@
           <p:cNvPr id="2" name="Tytuł 1">
             <a:extLst>
               <a:ext uri="{FF2B5EF4-FFF2-40B4-BE49-F238E27FC236}">
-                <a16:creationId xmlns:a16="http://schemas.microsoft.com/office/drawing/2014/main" id="{BCEF0200-5C49-46AC-A3D9-B1AB79DA756B}"/>
+                <a16:creationId xmlns:a16="http://schemas.microsoft.com/office/drawing/2014/main" xmlns="" id="{BCEF0200-5C49-46AC-A3D9-B1AB79DA756B}"/>
               </a:ext>
             </a:extLst>
           </p:cNvPr>
@@ -17885,7 +17954,7 @@
           <p:cNvPr id="8" name="Obraz 7">
             <a:extLst>
               <a:ext uri="{FF2B5EF4-FFF2-40B4-BE49-F238E27FC236}">
-                <a16:creationId xmlns:a16="http://schemas.microsoft.com/office/drawing/2014/main" id="{C4EDDBAE-8A38-4CC5-A2A7-F550A25CFBF9}"/>
+                <a16:creationId xmlns:a16="http://schemas.microsoft.com/office/drawing/2014/main" xmlns="" id="{C4EDDBAE-8A38-4CC5-A2A7-F550A25CFBF9}"/>
               </a:ext>
             </a:extLst>
           </p:cNvPr>
@@ -18285,7 +18354,7 @@
   <a:extraClrSchemeLst/>
   <a:extLst>
     <a:ext uri="{05A4C25C-085E-4340-85A3-A5531E510DB2}">
-      <thm15:themeFamily xmlns:thm15="http://schemas.microsoft.com/office/thememl/2012/main" name="volvo" id="{904B22B1-9657-4C43-B10B-28D94DB872D0}" vid="{1F70878B-1063-4245-B2A1-BBD10A32BC71}"/>
+      <thm15:themeFamily xmlns:thm15="http://schemas.microsoft.com/office/thememl/2012/main" xmlns="" name="volvo" id="{904B22B1-9657-4C43-B10B-28D94DB872D0}" vid="{1F70878B-1063-4245-B2A1-BBD10A32BC71}"/>
     </a:ext>
   </a:extLst>
 </a:theme>
@@ -18580,7 +18649,7 @@
   <a:extraClrSchemeLst/>
   <a:extLst>
     <a:ext uri="{05A4C25C-085E-4340-85A3-A5531E510DB2}">
-      <thm15:themeFamily xmlns:thm15="http://schemas.microsoft.com/office/thememl/2012/main" name="Office Theme" id="{62F939B6-93AF-4DB8-9C6B-D6C7DFDC589F}" vid="{4A3C46E8-61CC-4603-A589-7422A47A8E4A}"/>
+      <thm15:themeFamily xmlns:thm15="http://schemas.microsoft.com/office/thememl/2012/main" xmlns="" name="Office Theme" id="{62F939B6-93AF-4DB8-9C6B-D6C7DFDC589F}" vid="{4A3C46E8-61CC-4603-A589-7422A47A8E4A}"/>
     </a:ext>
   </a:extLst>
 </a:theme>

--- a/JsTraining-presentation/JS Training.pptx
+++ b/JsTraining-presentation/JS Training.pptx
@@ -14921,7 +14921,7 @@
               <a:buNone/>
             </a:pPr>
             <a:r>
-              <a:rPr lang="en-GB" sz="2400" b="1" u="sng" dirty="0" err="1">
+              <a:rPr lang="en-GB" sz="2400" b="1" u="sng" dirty="0" err="1" smtClean="0">
                 <a:solidFill>
                   <a:srgbClr val="0000FF"/>
                 </a:solidFill>
@@ -14932,7 +14932,7 @@
               <a:t>var</a:t>
             </a:r>
             <a:r>
-              <a:rPr lang="en-GB" sz="2400" b="1" u="sng" dirty="0">
+              <a:rPr lang="en-GB" sz="2400" b="1" u="sng" dirty="0" smtClean="0">
                 <a:solidFill>
                   <a:srgbClr val="000000"/>
                 </a:solidFill>
@@ -14943,7 +14943,7 @@
               <a:t> </a:t>
             </a:r>
             <a:r>
-              <a:rPr lang="en-GB" sz="2400" b="1" u="sng" dirty="0">
+              <a:rPr lang="en-GB" sz="2400" b="1" u="sng" dirty="0" smtClean="0">
                 <a:solidFill>
                   <a:srgbClr val="001080"/>
                 </a:solidFill>
@@ -14954,7 +14954,7 @@
               <a:t>temp</a:t>
             </a:r>
             <a:r>
-              <a:rPr lang="en-GB" sz="2400" b="1" u="sng" dirty="0">
+              <a:rPr lang="en-GB" sz="2400" b="1" u="sng" dirty="0" smtClean="0">
                 <a:solidFill>
                   <a:srgbClr val="000000"/>
                 </a:solidFill>
@@ -14965,7 +14965,7 @@
               <a:t> = </a:t>
             </a:r>
             <a:r>
-              <a:rPr lang="en-GB" sz="2400" b="1" u="sng" dirty="0">
+              <a:rPr lang="en-GB" sz="2400" b="1" u="sng" dirty="0" smtClean="0">
                 <a:solidFill>
                   <a:srgbClr val="00B050"/>
                 </a:solidFill>
@@ -14976,7 +14976,7 @@
               <a:t>‘OUTER’</a:t>
             </a:r>
             <a:r>
-              <a:rPr lang="en-GB" sz="2400" b="1" u="sng" dirty="0">
+              <a:rPr lang="en-GB" sz="2400" b="1" u="sng" dirty="0" smtClean="0">
                 <a:solidFill>
                   <a:srgbClr val="000000"/>
                 </a:solidFill>
@@ -14997,7 +14997,7 @@
               </a:spcAft>
               <a:buNone/>
             </a:pPr>
-            <a:endParaRPr lang="pl-PL" sz="3200" b="1" u="sng" dirty="0">
+            <a:endParaRPr lang="pl-PL" sz="3200" b="1" u="sng" dirty="0" smtClean="0">
               <a:latin typeface="Calibri" panose="020F0502020204030204" pitchFamily="34" charset="0"/>
               <a:ea typeface="Calibri" panose="020F0502020204030204" pitchFamily="34" charset="0"/>
               <a:cs typeface="Times New Roman" panose="02020603050405020304" pitchFamily="18" charset="0"/>
@@ -15014,7 +15014,7 @@
               <a:buNone/>
             </a:pPr>
             <a:r>
-              <a:rPr lang="en-GB" dirty="0">
+              <a:rPr lang="en-GB" dirty="0" smtClean="0">
                 <a:solidFill>
                   <a:srgbClr val="000000"/>
                 </a:solidFill>
@@ -15025,7 +15025,7 @@
               <a:t> </a:t>
             </a:r>
             <a:r>
-              <a:rPr lang="en-GB" sz="3600" b="1" dirty="0">
+              <a:rPr lang="en-GB" sz="3600" b="1" dirty="0" smtClean="0">
                 <a:solidFill>
                   <a:srgbClr val="0000FF"/>
                 </a:solidFill>
@@ -15036,7 +15036,7 @@
               <a:t>function</a:t>
             </a:r>
             <a:r>
-              <a:rPr lang="en-GB" sz="3600" b="1" dirty="0">
+              <a:rPr lang="en-GB" sz="3600" b="1" dirty="0" smtClean="0">
                 <a:solidFill>
                   <a:srgbClr val="000000"/>
                 </a:solidFill>
@@ -15047,7 +15047,7 @@
               <a:t> </a:t>
             </a:r>
             <a:r>
-              <a:rPr lang="en-GB" sz="3600" b="1" dirty="0">
+              <a:rPr lang="en-GB" sz="3600" b="1" dirty="0" smtClean="0">
                 <a:solidFill>
                   <a:srgbClr val="795E26"/>
                 </a:solidFill>
@@ -15058,7 +15058,7 @@
               <a:t>f1</a:t>
             </a:r>
             <a:r>
-              <a:rPr lang="en-GB" sz="3600" b="1" dirty="0">
+              <a:rPr lang="en-GB" sz="3600" b="1" dirty="0" smtClean="0">
                 <a:solidFill>
                   <a:srgbClr val="000000"/>
                 </a:solidFill>
@@ -15079,7 +15079,7 @@
               </a:spcAft>
               <a:buNone/>
             </a:pPr>
-            <a:endParaRPr lang="en-GB" dirty="0">
+            <a:endParaRPr lang="en-GB" dirty="0" smtClean="0">
               <a:solidFill>
                 <a:srgbClr val="000000"/>
               </a:solidFill>
@@ -15099,7 +15099,7 @@
               <a:buNone/>
             </a:pPr>
             <a:r>
-              <a:rPr lang="en-GB" dirty="0">
+              <a:rPr lang="en-GB" dirty="0" smtClean="0">
                 <a:solidFill>
                   <a:srgbClr val="000000"/>
                 </a:solidFill>
@@ -15110,7 +15110,7 @@
               <a:t>    </a:t>
             </a:r>
             <a:r>
-              <a:rPr lang="en-GB" sz="2400" b="1" u="sng" dirty="0" err="1">
+              <a:rPr lang="en-GB" sz="2400" b="1" u="sng" dirty="0" err="1" smtClean="0">
                 <a:solidFill>
                   <a:srgbClr val="0000FF"/>
                 </a:solidFill>
@@ -15121,7 +15121,7 @@
               <a:t>var</a:t>
             </a:r>
             <a:r>
-              <a:rPr lang="en-GB" sz="2400" b="1" u="sng" dirty="0">
+              <a:rPr lang="en-GB" sz="2400" b="1" u="sng" dirty="0" smtClean="0">
                 <a:solidFill>
                   <a:srgbClr val="000000"/>
                 </a:solidFill>
@@ -15132,7 +15132,7 @@
               <a:t> </a:t>
             </a:r>
             <a:r>
-              <a:rPr lang="en-GB" sz="2400" b="1" u="sng" dirty="0">
+              <a:rPr lang="en-GB" sz="2400" b="1" u="sng" dirty="0" smtClean="0">
                 <a:solidFill>
                   <a:srgbClr val="001080"/>
                 </a:solidFill>
@@ -15143,7 +15143,7 @@
               <a:t>temp</a:t>
             </a:r>
             <a:r>
-              <a:rPr lang="en-GB" sz="2400" b="1" u="sng" dirty="0">
+              <a:rPr lang="en-GB" sz="2400" b="1" u="sng" dirty="0" smtClean="0">
                 <a:solidFill>
                   <a:srgbClr val="000000"/>
                 </a:solidFill>
@@ -15154,7 +15154,7 @@
               <a:t> = </a:t>
             </a:r>
             <a:r>
-              <a:rPr lang="en-GB" sz="2400" b="1" u="sng" dirty="0">
+              <a:rPr lang="en-GB" sz="2400" b="1" u="sng" dirty="0" smtClean="0">
                 <a:solidFill>
                   <a:srgbClr val="A31515"/>
                 </a:solidFill>
@@ -15165,7 +15165,7 @@
               <a:t>‘INNER’</a:t>
             </a:r>
             <a:r>
-              <a:rPr lang="en-GB" sz="2400" b="1" u="sng" dirty="0">
+              <a:rPr lang="en-GB" sz="2400" b="1" u="sng" dirty="0" smtClean="0">
                 <a:solidFill>
                   <a:srgbClr val="000000"/>
                 </a:solidFill>
@@ -15186,7 +15186,7 @@
               </a:spcAft>
               <a:buNone/>
             </a:pPr>
-            <a:endParaRPr lang="en-GB" b="1" u="sng" dirty="0">
+            <a:endParaRPr lang="en-GB" b="1" u="sng" dirty="0" smtClean="0">
               <a:solidFill>
                 <a:srgbClr val="000000"/>
               </a:solidFill>
@@ -15206,7 +15206,7 @@
               <a:buNone/>
             </a:pPr>
             <a:r>
-              <a:rPr lang="en-GB" sz="4000" b="1" dirty="0">
+              <a:rPr lang="en-GB" sz="4000" b="1" dirty="0" smtClean="0">
                 <a:solidFill>
                   <a:srgbClr val="000000"/>
                 </a:solidFill>
@@ -15216,7 +15216,7 @@
               </a:rPr>
               <a:t>}</a:t>
             </a:r>
-            <a:endParaRPr lang="pl-PL" sz="4000" b="1" dirty="0">
+            <a:endParaRPr lang="pl-PL" sz="4000" b="1" dirty="0" smtClean="0">
               <a:latin typeface="Calibri" panose="020F0502020204030204" pitchFamily="34" charset="0"/>
               <a:ea typeface="Calibri" panose="020F0502020204030204" pitchFamily="34" charset="0"/>
               <a:cs typeface="Times New Roman" panose="02020603050405020304" pitchFamily="18" charset="0"/>
@@ -15233,7 +15233,7 @@
               <a:buNone/>
             </a:pPr>
             <a:r>
-              <a:rPr lang="en-GB" dirty="0">
+              <a:rPr lang="en-GB" dirty="0" smtClean="0">
                 <a:solidFill>
                   <a:srgbClr val="000000"/>
                 </a:solidFill>
@@ -15243,7 +15243,7 @@
               </a:rPr>
               <a:t> </a:t>
             </a:r>
-            <a:endParaRPr lang="pl-PL" sz="3200" dirty="0">
+            <a:endParaRPr lang="pl-PL" sz="3200" dirty="0" smtClean="0">
               <a:latin typeface="Calibri" panose="020F0502020204030204" pitchFamily="34" charset="0"/>
               <a:ea typeface="Calibri" panose="020F0502020204030204" pitchFamily="34" charset="0"/>
               <a:cs typeface="Times New Roman" panose="02020603050405020304" pitchFamily="18" charset="0"/>
@@ -15260,7 +15260,7 @@
               <a:buNone/>
             </a:pPr>
             <a:r>
-              <a:rPr lang="en-GB" sz="3600" b="1" dirty="0">
+              <a:rPr lang="en-GB" sz="3600" b="1" dirty="0" smtClean="0">
                 <a:solidFill>
                   <a:srgbClr val="795E26"/>
                 </a:solidFill>
@@ -15271,7 +15271,7 @@
               <a:t>f1</a:t>
             </a:r>
             <a:r>
-              <a:rPr lang="en-GB" sz="3200" b="1" dirty="0">
+              <a:rPr lang="en-GB" sz="3200" b="1" dirty="0" smtClean="0">
                 <a:solidFill>
                   <a:srgbClr val="000000"/>
                 </a:solidFill>
@@ -15282,7 +15282,7 @@
               <a:t>()</a:t>
             </a:r>
             <a:r>
-              <a:rPr lang="en-GB" dirty="0">
+              <a:rPr lang="en-GB" dirty="0" smtClean="0">
                 <a:solidFill>
                   <a:srgbClr val="000000"/>
                 </a:solidFill>
@@ -15292,7 +15292,7 @@
               </a:rPr>
               <a:t>;</a:t>
             </a:r>
-            <a:endParaRPr lang="pl-PL" sz="3200" dirty="0">
+            <a:endParaRPr lang="pl-PL" sz="3200" dirty="0" smtClean="0">
               <a:latin typeface="Calibri" panose="020F0502020204030204" pitchFamily="34" charset="0"/>
               <a:ea typeface="Calibri" panose="020F0502020204030204" pitchFamily="34" charset="0"/>
               <a:cs typeface="Times New Roman" panose="02020603050405020304" pitchFamily="18" charset="0"/>
@@ -16326,85 +16326,6 @@
               </a:spcAft>
               <a:buNone/>
             </a:pPr>
-            <a:r>
-              <a:rPr lang="en-GB" sz="3600" b="1" dirty="0">
-                <a:solidFill>
-                  <a:srgbClr val="795E26"/>
-                </a:solidFill>
-                <a:latin typeface="Consolas" panose="020B0609020204030204" pitchFamily="49" charset="0"/>
-                <a:ea typeface="Times New Roman" panose="02020603050405020304" pitchFamily="18" charset="0"/>
-                <a:cs typeface="Times New Roman" panose="02020603050405020304" pitchFamily="18" charset="0"/>
-              </a:rPr>
-              <a:t>f1</a:t>
-            </a:r>
-            <a:r>
-              <a:rPr lang="en-GB" sz="3200" b="1" dirty="0">
-                <a:solidFill>
-                  <a:srgbClr val="000000"/>
-                </a:solidFill>
-                <a:latin typeface="Consolas" panose="020B0609020204030204" pitchFamily="49" charset="0"/>
-                <a:ea typeface="Times New Roman" panose="02020603050405020304" pitchFamily="18" charset="0"/>
-                <a:cs typeface="Times New Roman" panose="02020603050405020304" pitchFamily="18" charset="0"/>
-              </a:rPr>
-              <a:t>()</a:t>
-            </a:r>
-            <a:r>
-              <a:rPr lang="en-GB" dirty="0">
-                <a:solidFill>
-                  <a:srgbClr val="000000"/>
-                </a:solidFill>
-                <a:latin typeface="Consolas" panose="020B0609020204030204" pitchFamily="49" charset="0"/>
-                <a:ea typeface="Times New Roman" panose="02020603050405020304" pitchFamily="18" charset="0"/>
-                <a:cs typeface="Times New Roman" panose="02020603050405020304" pitchFamily="18" charset="0"/>
-              </a:rPr>
-              <a:t>;</a:t>
-            </a:r>
-          </a:p>
-          <a:p>
-            <a:pPr marL="0" indent="0">
-              <a:lnSpc>
-                <a:spcPts val="1425"/>
-              </a:lnSpc>
-              <a:spcAft>
-                <a:spcPts val="0"/>
-              </a:spcAft>
-              <a:buNone/>
-            </a:pPr>
-            <a:endParaRPr lang="en-GB" dirty="0">
-              <a:solidFill>
-                <a:srgbClr val="000000"/>
-              </a:solidFill>
-              <a:latin typeface="Consolas" panose="020B0609020204030204" pitchFamily="49" charset="0"/>
-              <a:ea typeface="Times New Roman" panose="02020603050405020304" pitchFamily="18" charset="0"/>
-              <a:cs typeface="Times New Roman" panose="02020603050405020304" pitchFamily="18" charset="0"/>
-            </a:endParaRPr>
-          </a:p>
-          <a:p>
-            <a:pPr marL="0" indent="0">
-              <a:lnSpc>
-                <a:spcPts val="1425"/>
-              </a:lnSpc>
-              <a:spcAft>
-                <a:spcPts val="0"/>
-              </a:spcAft>
-              <a:buNone/>
-            </a:pPr>
-            <a:endParaRPr lang="pl-PL" sz="3200" dirty="0">
-              <a:latin typeface="Calibri" panose="020F0502020204030204" pitchFamily="34" charset="0"/>
-              <a:ea typeface="Calibri" panose="020F0502020204030204" pitchFamily="34" charset="0"/>
-              <a:cs typeface="Times New Roman" panose="02020603050405020304" pitchFamily="18" charset="0"/>
-            </a:endParaRPr>
-          </a:p>
-          <a:p>
-            <a:pPr marL="0" indent="0">
-              <a:lnSpc>
-                <a:spcPts val="1425"/>
-              </a:lnSpc>
-              <a:spcAft>
-                <a:spcPts val="0"/>
-              </a:spcAft>
-              <a:buNone/>
-            </a:pPr>
             <a:endParaRPr lang="pl-PL" sz="3200" dirty="0">
               <a:latin typeface="Calibri" panose="020F0502020204030204" pitchFamily="34" charset="0"/>
               <a:ea typeface="Calibri" panose="020F0502020204030204" pitchFamily="34" charset="0"/>
@@ -16749,37 +16670,6 @@
                                   </p:childTnLst>
                                 </p:cTn>
                               </p:par>
-                              <p:par>
-                                <p:cTn id="15" presetID="1" presetClass="entr" presetSubtype="0" fill="hold" grpId="0" nodeType="withEffect">
-                                  <p:stCondLst>
-                                    <p:cond delay="0"/>
-                                  </p:stCondLst>
-                                  <p:childTnLst>
-                                    <p:set>
-                                      <p:cBhvr>
-                                        <p:cTn id="16" dur="1" fill="hold">
-                                          <p:stCondLst>
-                                            <p:cond delay="0"/>
-                                          </p:stCondLst>
-                                        </p:cTn>
-                                        <p:tgtEl>
-                                          <p:spTgt spid="11">
-                                            <p:txEl>
-                                              <p:pRg st="9" end="9"/>
-                                            </p:txEl>
-                                          </p:spTgt>
-                                        </p:tgtEl>
-                                        <p:attrNameLst>
-                                          <p:attrName>style.visibility</p:attrName>
-                                        </p:attrNameLst>
-                                      </p:cBhvr>
-                                      <p:to>
-                                        <p:strVal val="visible"/>
-                                      </p:to>
-                                    </p:set>
-                                  </p:childTnLst>
-                                </p:cTn>
-                              </p:par>
                             </p:childTnLst>
                           </p:cTn>
                         </p:par>
@@ -16787,26 +16677,26 @@
                     </p:cTn>
                   </p:par>
                   <p:par>
-                    <p:cTn id="17" fill="hold">
+                    <p:cTn id="15" fill="hold">
                       <p:stCondLst>
                         <p:cond delay="indefinite"/>
                       </p:stCondLst>
                       <p:childTnLst>
                         <p:par>
-                          <p:cTn id="18" fill="hold">
+                          <p:cTn id="16" fill="hold">
                             <p:stCondLst>
                               <p:cond delay="0"/>
                             </p:stCondLst>
                             <p:childTnLst>
                               <p:par>
-                                <p:cTn id="19" presetID="1" presetClass="entr" presetSubtype="0" fill="hold" grpId="0" nodeType="clickEffect">
+                                <p:cTn id="17" presetID="1" presetClass="entr" presetSubtype="0" fill="hold" grpId="0" nodeType="clickEffect">
                                   <p:stCondLst>
                                     <p:cond delay="0"/>
                                   </p:stCondLst>
                                   <p:childTnLst>
                                     <p:set>
                                       <p:cBhvr>
-                                        <p:cTn id="20" dur="1" fill="hold">
+                                        <p:cTn id="18" dur="1" fill="hold">
                                           <p:stCondLst>
                                             <p:cond delay="0"/>
                                           </p:stCondLst>

--- a/JsTraining-presentation/JS Training.pptx
+++ b/JsTraining-presentation/JS Training.pptx
@@ -234,7 +234,7 @@
           <a:p>
             <a:fld id="{09602215-4A9B-41A2-BE1E-32070F33B33D}" type="datetimeFigureOut">
               <a:rPr lang="pl-PL" smtClean="0"/>
-              <a:t>23.01.2018</a:t>
+              <a:t>27.02.2018</a:t>
             </a:fld>
             <a:endParaRPr lang="pl-PL"/>
           </a:p>
@@ -2555,7 +2555,7 @@
           <a:p>
             <a:fld id="{C57C09B5-6BF9-4018-AF21-4D72641C658B}" type="datetimeFigureOut">
               <a:rPr lang="pl-PL" smtClean="0"/>
-              <a:t>23.01.2018</a:t>
+              <a:t>27.02.2018</a:t>
             </a:fld>
             <a:endParaRPr lang="pl-PL"/>
           </a:p>
@@ -2853,7 +2853,7 @@
           <a:p>
             <a:fld id="{C57C09B5-6BF9-4018-AF21-4D72641C658B}" type="datetimeFigureOut">
               <a:rPr lang="pl-PL" smtClean="0"/>
-              <a:t>23.01.2018</a:t>
+              <a:t>27.02.2018</a:t>
             </a:fld>
             <a:endParaRPr lang="pl-PL"/>
           </a:p>
@@ -3004,7 +3004,7 @@
           <a:p>
             <a:fld id="{C57C09B5-6BF9-4018-AF21-4D72641C658B}" type="datetimeFigureOut">
               <a:rPr lang="pl-PL" smtClean="0"/>
-              <a:t>23.01.2018</a:t>
+              <a:t>27.02.2018</a:t>
             </a:fld>
             <a:endParaRPr lang="pl-PL"/>
           </a:p>
@@ -3306,7 +3306,7 @@
           <a:p>
             <a:fld id="{C57C09B5-6BF9-4018-AF21-4D72641C658B}" type="datetimeFigureOut">
               <a:rPr lang="pl-PL" smtClean="0"/>
-              <a:t>23.01.2018</a:t>
+              <a:t>27.02.2018</a:t>
             </a:fld>
             <a:endParaRPr lang="pl-PL"/>
           </a:p>
@@ -3596,7 +3596,7 @@
           <a:p>
             <a:fld id="{C57C09B5-6BF9-4018-AF21-4D72641C658B}" type="datetimeFigureOut">
               <a:rPr lang="pl-PL" smtClean="0"/>
-              <a:t>23.01.2018</a:t>
+              <a:t>27.02.2018</a:t>
             </a:fld>
             <a:endParaRPr lang="pl-PL"/>
           </a:p>
@@ -3703,7 +3703,7 @@
           <a:p>
             <a:fld id="{C57C09B5-6BF9-4018-AF21-4D72641C658B}" type="datetimeFigureOut">
               <a:rPr lang="pl-PL" smtClean="0"/>
-              <a:t>23.01.2018</a:t>
+              <a:t>27.02.2018</a:t>
             </a:fld>
             <a:endParaRPr lang="pl-PL"/>
           </a:p>
@@ -3823,7 +3823,7 @@
           <a:p>
             <a:fld id="{C57C09B5-6BF9-4018-AF21-4D72641C658B}" type="datetimeFigureOut">
               <a:rPr lang="pl-PL" smtClean="0"/>
-              <a:t>23.01.2018</a:t>
+              <a:t>27.02.2018</a:t>
             </a:fld>
             <a:endParaRPr lang="pl-PL"/>
           </a:p>
@@ -4104,7 +4104,7 @@
           <a:p>
             <a:fld id="{C57C09B5-6BF9-4018-AF21-4D72641C658B}" type="datetimeFigureOut">
               <a:rPr lang="pl-PL" smtClean="0"/>
-              <a:t>23.01.2018</a:t>
+              <a:t>27.02.2018</a:t>
             </a:fld>
             <a:endParaRPr lang="pl-PL"/>
           </a:p>
@@ -4368,7 +4368,7 @@
           <a:p>
             <a:fld id="{C57C09B5-6BF9-4018-AF21-4D72641C658B}" type="datetimeFigureOut">
               <a:rPr lang="pl-PL" smtClean="0"/>
-              <a:t>23.01.2018</a:t>
+              <a:t>27.02.2018</a:t>
             </a:fld>
             <a:endParaRPr lang="pl-PL"/>
           </a:p>
@@ -5283,7 +5283,7 @@
           <a:p>
             <a:fld id="{C57C09B5-6BF9-4018-AF21-4D72641C658B}" type="datetimeFigureOut">
               <a:rPr lang="pl-PL" smtClean="0"/>
-              <a:t>23.01.2018</a:t>
+              <a:t>27.02.2018</a:t>
             </a:fld>
             <a:endParaRPr lang="pl-PL"/>
           </a:p>
@@ -12385,7 +12385,7 @@
           <a:p>
             <a:r>
               <a:rPr lang="en-GB" sz="2400" dirty="0" err="1"/>
-              <a:t>.net</a:t>
+              <a:t>.Net</a:t>
             </a:r>
             <a:r>
               <a:rPr lang="en-GB" sz="2400" dirty="0"/>
@@ -12395,27 +12395,19 @@
           <a:p>
             <a:r>
               <a:rPr lang="en-GB" sz="2400" dirty="0"/>
-              <a:t>Expertise in Front-end technologies: JS, </a:t>
-            </a:r>
-            <a:r>
-              <a:rPr lang="en-GB" sz="2400" dirty="0" err="1"/>
-              <a:t>angularJS</a:t>
-            </a:r>
+              <a:t>Expertise in Front-end technologies: JS, AngularJS, Angular, CSS</a:t>
+            </a:r>
+          </a:p>
+          <a:p>
+            <a:endParaRPr lang="en-GB" sz="2400" dirty="0"/>
+          </a:p>
+          <a:p>
+            <a:endParaRPr lang="en-GB" sz="2400" dirty="0"/>
+          </a:p>
+          <a:p>
             <a:r>
               <a:rPr lang="en-GB" sz="2400" dirty="0"/>
-              <a:t>, CSS</a:t>
-            </a:r>
-          </a:p>
-          <a:p>
-            <a:endParaRPr lang="en-GB" sz="2400" dirty="0"/>
-          </a:p>
-          <a:p>
-            <a:endParaRPr lang="en-GB" sz="2400" dirty="0"/>
-          </a:p>
-          <a:p>
-            <a:r>
-              <a:rPr lang="en-GB" sz="2400" dirty="0"/>
-              <a:t>Current assignment Total Cost of Ownership for Volvo Penta </a:t>
+              <a:t>Current assignment TCO – Total Cost of Ownership for Volvo Penta </a:t>
             </a:r>
           </a:p>
           <a:p>
@@ -12424,18 +12416,8 @@
             </a:pPr>
             <a:r>
               <a:rPr lang="en-GB" sz="2400" dirty="0"/>
-              <a:t>Offline web app using Application Cache, AngularJS</a:t>
-            </a:r>
-          </a:p>
-          <a:p>
-            <a:pPr marL="457200" lvl="1" indent="0">
-              <a:buNone/>
-            </a:pPr>
-            <a:r>
-              <a:rPr lang="en-GB" sz="2400" dirty="0"/>
-              <a:t>The app estimates maintenance cost of Volvo Penta engines.</a:t>
-            </a:r>
-            <a:endParaRPr lang="pl-PL" sz="2400" dirty="0"/>
+              <a:t>Offline Web App in technologies:  AngularJS, Angular 5, Kendo.</a:t>
+            </a:r>
           </a:p>
         </p:txBody>
       </p:sp>
@@ -13766,20 +13748,16 @@
           <a:p>
             <a:r>
               <a:rPr lang="en-GB" sz="2400" dirty="0"/>
-              <a:t>Code + Presentation</a:t>
-            </a:r>
-            <a:r>
-              <a:rPr lang="en-GB" sz="2400"/>
-              <a:t>: </a:t>
-            </a:r>
-            <a:r>
-              <a:rPr lang="en-GB" sz="2400">
+              <a:t>Code + Presentation: </a:t>
+            </a:r>
+            <a:r>
+              <a:rPr lang="en-GB" sz="2400" dirty="0">
                 <a:hlinkClick r:id="rId2"/>
               </a:rPr>
               <a:t>https://github.com/dankrz/JsTraining</a:t>
             </a:r>
             <a:r>
-              <a:rPr lang="en-GB" sz="2400"/>
+              <a:rPr lang="en-GB" sz="2400" dirty="0"/>
               <a:t> </a:t>
             </a:r>
             <a:endParaRPr lang="en-GB" sz="2400" dirty="0">
